--- a/A1/Report/Vit.pptx
+++ b/A1/Report/Vit.pptx
@@ -6,6 +6,7 @@
   </p:sldMasterIdLst>
   <p:sldIdLst>
     <p:sldId id="256" r:id="rId2"/>
+    <p:sldId id="257" r:id="rId3"/>
   </p:sldIdLst>
   <p:sldSz cx="12192000" cy="6858000"/>
   <p:notesSz cx="6858000" cy="9144000"/>
@@ -104,6 +105,11 @@
       </a:defRPr>
     </a:lvl9pPr>
   </p:defaultTextStyle>
+  <p:extLst>
+    <p:ext uri="{EFAFB233-063F-42B5-8137-9DF3F51BA10A}">
+      <p15:sldGuideLst xmlns:p15="http://schemas.microsoft.com/office/powerpoint/2012/main"/>
+    </p:ext>
+  </p:extLst>
 </p:presentation>
 </file>
 
@@ -3731,20 +3737,20 @@
         </p:spPr>
         <p:txBody>
           <a:bodyPr anchor="ctr">
-            <a:normAutofit/>
+            <a:normAutofit fontScale="90000"/>
           </a:bodyPr>
           <a:lstStyle/>
           <a:p>
             <a:pPr algn="l"/>
             <a:r>
-              <a:rPr lang="en-US" altLang="zh-CN" sz="4000">
+              <a:rPr lang="en-US" altLang="zh-CN" sz="4000" dirty="0">
                 <a:solidFill>
                   <a:srgbClr val="FFFFFF"/>
                 </a:solidFill>
               </a:rPr>
-              <a:t>Baseline Vit </a:t>
-            </a:r>
-            <a:endParaRPr lang="zh-CN" altLang="en-US" sz="4000">
+              <a:t>Baseline Efficient Transformer Vit </a:t>
+            </a:r>
+            <a:endParaRPr lang="zh-CN" altLang="en-US" sz="4000" dirty="0">
               <a:solidFill>
                 <a:srgbClr val="FFFFFF"/>
               </a:solidFill>
@@ -3883,6 +3889,600 @@
     <p:extLst>
       <p:ext uri="{BB962C8B-B14F-4D97-AF65-F5344CB8AC3E}">
         <p14:creationId xmlns:p14="http://schemas.microsoft.com/office/powerpoint/2010/main" val="1506835935"/>
+      </p:ext>
+    </p:extLst>
+  </p:cSld>
+  <p:clrMapOvr>
+    <a:masterClrMapping/>
+  </p:clrMapOvr>
+</p:sld>
+</file>
+
+<file path=ppt/slides/slide2.xml><?xml version="1.0" encoding="utf-8"?>
+<p:sld xmlns:a="http://schemas.openxmlformats.org/drawingml/2006/main" xmlns:r="http://schemas.openxmlformats.org/officeDocument/2006/relationships" xmlns:p="http://schemas.openxmlformats.org/presentationml/2006/main">
+  <p:cSld>
+    <p:bg>
+      <p:bgPr>
+        <a:solidFill>
+          <a:schemeClr val="bg1"/>
+        </a:solidFill>
+        <a:effectLst/>
+      </p:bgPr>
+    </p:bg>
+    <p:spTree>
+      <p:nvGrpSpPr>
+        <p:cNvPr id="1" name="">
+          <a:extLst>
+            <a:ext uri="{FF2B5EF4-FFF2-40B4-BE49-F238E27FC236}">
+              <a16:creationId xmlns:a16="http://schemas.microsoft.com/office/drawing/2014/main" id="{901C8EC4-26A9-319A-E56B-D1D1417648EF}"/>
+            </a:ext>
+          </a:extLst>
+        </p:cNvPr>
+        <p:cNvGrpSpPr/>
+        <p:nvPr/>
+      </p:nvGrpSpPr>
+      <p:grpSpPr>
+        <a:xfrm>
+          <a:off x="0" y="0"/>
+          <a:ext cx="0" cy="0"/>
+          <a:chOff x="0" y="0"/>
+          <a:chExt cx="0" cy="0"/>
+        </a:xfrm>
+      </p:grpSpPr>
+      <p:sp useBgFill="1">
+        <p:nvSpPr>
+          <p:cNvPr id="25" name="Rectangle 24">
+            <a:extLst>
+              <a:ext uri="{FF2B5EF4-FFF2-40B4-BE49-F238E27FC236}">
+                <a16:creationId xmlns:a16="http://schemas.microsoft.com/office/drawing/2014/main" id="{2151139A-886F-4B97-8815-729AD3831BBD}"/>
+              </a:ext>
+              <a:ext uri="{C183D7F6-B498-43B3-948B-1728B52AA6E4}">
+                <adec:decorative xmlns:adec="http://schemas.microsoft.com/office/drawing/2017/decorative" val="1"/>
+              </a:ext>
+            </a:extLst>
+          </p:cNvPr>
+          <p:cNvSpPr>
+            <a:spLocks noGrp="1" noRot="1" noChangeAspect="1" noMove="1" noResize="1" noEditPoints="1" noAdjustHandles="1" noChangeArrowheads="1" noChangeShapeType="1" noTextEdit="1"/>
+          </p:cNvSpPr>
+          <p:nvPr>
+            <p:extLst>
+              <p:ext uri="{386F3935-93C4-4BCD-93E2-E3B085C9AB24}">
+                <p16:designElem xmlns:p16="http://schemas.microsoft.com/office/powerpoint/2015/main" val="1"/>
+              </p:ext>
+            </p:extLst>
+          </p:nvPr>
+        </p:nvSpPr>
+        <p:spPr>
+          <a:xfrm>
+            <a:off x="0" y="0"/>
+            <a:ext cx="12192000" cy="6858000"/>
+          </a:xfrm>
+          <a:prstGeom prst="rect">
+            <a:avLst/>
+          </a:prstGeom>
+          <a:ln w="12700" cap="flat" cmpd="sng" algn="ctr">
+            <a:noFill/>
+            <a:prstDash val="solid"/>
+            <a:miter lim="800000"/>
+          </a:ln>
+          <a:effectLst/>
+          <a:extLst>
+            <a:ext uri="{91240B29-F687-4F45-9708-019B960494DF}">
+              <a14:hiddenLine xmlns:a14="http://schemas.microsoft.com/office/drawing/2010/main" w="12700" cap="flat" cmpd="sng" algn="ctr">
+                <a:solidFill>
+                  <a:schemeClr val="accent1">
+                    <a:shade val="50000"/>
+                  </a:schemeClr>
+                </a:solidFill>
+                <a:prstDash val="solid"/>
+                <a:miter lim="800000"/>
+              </a14:hiddenLine>
+            </a:ext>
+          </a:extLst>
+        </p:spPr>
+        <p:style>
+          <a:lnRef idx="2">
+            <a:schemeClr val="accent1">
+              <a:shade val="50000"/>
+            </a:schemeClr>
+          </a:lnRef>
+          <a:fillRef idx="1">
+            <a:schemeClr val="accent1"/>
+          </a:fillRef>
+          <a:effectRef idx="0">
+            <a:schemeClr val="accent1"/>
+          </a:effectRef>
+          <a:fontRef idx="minor">
+            <a:schemeClr val="lt1"/>
+          </a:fontRef>
+        </p:style>
+        <p:txBody>
+          <a:bodyPr rtlCol="0" anchor="ctr"/>
+          <a:lstStyle/>
+          <a:p>
+            <a:pPr algn="ctr"/>
+            <a:endParaRPr lang="en-US" sz="2000"/>
+          </a:p>
+        </p:txBody>
+      </p:sp>
+      <p:sp>
+        <p:nvSpPr>
+          <p:cNvPr id="27" name="Rectangle 26">
+            <a:extLst>
+              <a:ext uri="{FF2B5EF4-FFF2-40B4-BE49-F238E27FC236}">
+                <a16:creationId xmlns:a16="http://schemas.microsoft.com/office/drawing/2014/main" id="{AB5E08C4-8CDD-4623-A5B8-E998C6DEE3B7}"/>
+              </a:ext>
+              <a:ext uri="{C183D7F6-B498-43B3-948B-1728B52AA6E4}">
+                <adec:decorative xmlns:adec="http://schemas.microsoft.com/office/drawing/2017/decorative" val="1"/>
+              </a:ext>
+            </a:extLst>
+          </p:cNvPr>
+          <p:cNvSpPr>
+            <a:spLocks noGrp="1" noRot="1" noChangeAspect="1" noMove="1" noResize="1" noEditPoints="1" noAdjustHandles="1" noChangeArrowheads="1" noChangeShapeType="1" noTextEdit="1"/>
+          </p:cNvSpPr>
+          <p:nvPr>
+            <p:extLst>
+              <p:ext uri="{386F3935-93C4-4BCD-93E2-E3B085C9AB24}">
+                <p16:designElem xmlns:p16="http://schemas.microsoft.com/office/powerpoint/2015/main" val="1"/>
+              </p:ext>
+            </p:extLst>
+          </p:nvPr>
+        </p:nvSpPr>
+        <p:spPr>
+          <a:xfrm flipH="1">
+            <a:off x="2" y="492"/>
+            <a:ext cx="12191998" cy="1575955"/>
+          </a:xfrm>
+          <a:prstGeom prst="rect">
+            <a:avLst/>
+          </a:prstGeom>
+          <a:gradFill>
+            <a:gsLst>
+              <a:gs pos="0">
+                <a:schemeClr val="accent1">
+                  <a:lumMod val="50000"/>
+                </a:schemeClr>
+              </a:gs>
+              <a:gs pos="100000">
+                <a:schemeClr val="accent1">
+                  <a:lumMod val="75000"/>
+                </a:schemeClr>
+              </a:gs>
+            </a:gsLst>
+            <a:lin ang="8400000" scaled="0"/>
+          </a:gradFill>
+          <a:ln>
+            <a:noFill/>
+          </a:ln>
+        </p:spPr>
+        <p:style>
+          <a:lnRef idx="2">
+            <a:schemeClr val="accent1">
+              <a:shade val="50000"/>
+            </a:schemeClr>
+          </a:lnRef>
+          <a:fillRef idx="1">
+            <a:schemeClr val="accent1"/>
+          </a:fillRef>
+          <a:effectRef idx="0">
+            <a:schemeClr val="accent1"/>
+          </a:effectRef>
+          <a:fontRef idx="minor">
+            <a:schemeClr val="lt1"/>
+          </a:fontRef>
+        </p:style>
+        <p:txBody>
+          <a:bodyPr rtlCol="0" anchor="ctr"/>
+          <a:lstStyle/>
+          <a:p>
+            <a:pPr algn="ctr"/>
+            <a:endParaRPr lang="en-US"/>
+          </a:p>
+        </p:txBody>
+      </p:sp>
+      <p:sp>
+        <p:nvSpPr>
+          <p:cNvPr id="29" name="Rectangle 28">
+            <a:extLst>
+              <a:ext uri="{FF2B5EF4-FFF2-40B4-BE49-F238E27FC236}">
+                <a16:creationId xmlns:a16="http://schemas.microsoft.com/office/drawing/2014/main" id="{15F33878-D502-4FFA-8ACE-F2AECDB2A23F}"/>
+              </a:ext>
+              <a:ext uri="{C183D7F6-B498-43B3-948B-1728B52AA6E4}">
+                <adec:decorative xmlns:adec="http://schemas.microsoft.com/office/drawing/2017/decorative" val="1"/>
+              </a:ext>
+            </a:extLst>
+          </p:cNvPr>
+          <p:cNvSpPr>
+            <a:spLocks noGrp="1" noRot="1" noChangeAspect="1" noMove="1" noResize="1" noEditPoints="1" noAdjustHandles="1" noChangeArrowheads="1" noChangeShapeType="1" noTextEdit="1"/>
+          </p:cNvSpPr>
+          <p:nvPr>
+            <p:extLst>
+              <p:ext uri="{386F3935-93C4-4BCD-93E2-E3B085C9AB24}">
+                <p16:designElem xmlns:p16="http://schemas.microsoft.com/office/powerpoint/2015/main" val="1"/>
+              </p:ext>
+            </p:extLst>
+          </p:nvPr>
+        </p:nvSpPr>
+        <p:spPr>
+          <a:xfrm rot="10800000" flipH="1">
+            <a:off x="8128857" y="35"/>
+            <a:ext cx="4063143" cy="1576412"/>
+          </a:xfrm>
+          <a:prstGeom prst="rect">
+            <a:avLst/>
+          </a:prstGeom>
+          <a:gradFill>
+            <a:gsLst>
+              <a:gs pos="19000">
+                <a:schemeClr val="accent1">
+                  <a:lumMod val="50000"/>
+                  <a:alpha val="68000"/>
+                </a:schemeClr>
+              </a:gs>
+              <a:gs pos="100000">
+                <a:schemeClr val="accent1">
+                  <a:alpha val="79000"/>
+                </a:schemeClr>
+              </a:gs>
+            </a:gsLst>
+            <a:lin ang="19200000" scaled="0"/>
+          </a:gradFill>
+          <a:ln>
+            <a:noFill/>
+          </a:ln>
+        </p:spPr>
+        <p:style>
+          <a:lnRef idx="2">
+            <a:schemeClr val="accent1">
+              <a:shade val="50000"/>
+            </a:schemeClr>
+          </a:lnRef>
+          <a:fillRef idx="1">
+            <a:schemeClr val="accent1"/>
+          </a:fillRef>
+          <a:effectRef idx="0">
+            <a:schemeClr val="accent1"/>
+          </a:effectRef>
+          <a:fontRef idx="minor">
+            <a:schemeClr val="lt1"/>
+          </a:fontRef>
+        </p:style>
+        <p:txBody>
+          <a:bodyPr rtlCol="0" anchor="ctr"/>
+          <a:lstStyle/>
+          <a:p>
+            <a:pPr algn="ctr"/>
+            <a:endParaRPr lang="en-US"/>
+          </a:p>
+        </p:txBody>
+      </p:sp>
+      <p:sp>
+        <p:nvSpPr>
+          <p:cNvPr id="31" name="Rectangle 30">
+            <a:extLst>
+              <a:ext uri="{FF2B5EF4-FFF2-40B4-BE49-F238E27FC236}">
+                <a16:creationId xmlns:a16="http://schemas.microsoft.com/office/drawing/2014/main" id="{D3539FEE-81D3-4406-802E-60B20B16F4F6}"/>
+              </a:ext>
+              <a:ext uri="{C183D7F6-B498-43B3-948B-1728B52AA6E4}">
+                <adec:decorative xmlns:adec="http://schemas.microsoft.com/office/drawing/2017/decorative" val="1"/>
+              </a:ext>
+            </a:extLst>
+          </p:cNvPr>
+          <p:cNvSpPr>
+            <a:spLocks noGrp="1" noRot="1" noChangeAspect="1" noMove="1" noResize="1" noEditPoints="1" noAdjustHandles="1" noChangeArrowheads="1" noChangeShapeType="1" noTextEdit="1"/>
+          </p:cNvSpPr>
+          <p:nvPr>
+            <p:extLst>
+              <p:ext uri="{386F3935-93C4-4BCD-93E2-E3B085C9AB24}">
+                <p16:designElem xmlns:p16="http://schemas.microsoft.com/office/powerpoint/2015/main" val="1"/>
+              </p:ext>
+            </p:extLst>
+          </p:nvPr>
+        </p:nvSpPr>
+        <p:spPr>
+          <a:xfrm rot="5400000">
+            <a:off x="5307778" y="-5307777"/>
+            <a:ext cx="1576446" cy="12192001"/>
+          </a:xfrm>
+          <a:prstGeom prst="rect">
+            <a:avLst/>
+          </a:prstGeom>
+          <a:gradFill>
+            <a:gsLst>
+              <a:gs pos="16000">
+                <a:srgbClr val="000000">
+                  <a:alpha val="0"/>
+                </a:srgbClr>
+              </a:gs>
+              <a:gs pos="99000">
+                <a:srgbClr val="000000">
+                  <a:alpha val="87000"/>
+                </a:srgbClr>
+              </a:gs>
+            </a:gsLst>
+            <a:lin ang="11400000" scaled="0"/>
+          </a:gradFill>
+          <a:ln>
+            <a:noFill/>
+          </a:ln>
+        </p:spPr>
+        <p:style>
+          <a:lnRef idx="2">
+            <a:schemeClr val="accent1">
+              <a:shade val="50000"/>
+            </a:schemeClr>
+          </a:lnRef>
+          <a:fillRef idx="1">
+            <a:schemeClr val="accent1"/>
+          </a:fillRef>
+          <a:effectRef idx="0">
+            <a:schemeClr val="accent1"/>
+          </a:effectRef>
+          <a:fontRef idx="minor">
+            <a:schemeClr val="lt1"/>
+          </a:fontRef>
+        </p:style>
+        <p:txBody>
+          <a:bodyPr rtlCol="0" anchor="ctr"/>
+          <a:lstStyle/>
+          <a:p>
+            <a:pPr algn="ctr"/>
+            <a:endParaRPr lang="en-US" dirty="0"/>
+          </a:p>
+        </p:txBody>
+      </p:sp>
+      <p:sp>
+        <p:nvSpPr>
+          <p:cNvPr id="33" name="Rectangle 32">
+            <a:extLst>
+              <a:ext uri="{FF2B5EF4-FFF2-40B4-BE49-F238E27FC236}">
+                <a16:creationId xmlns:a16="http://schemas.microsoft.com/office/drawing/2014/main" id="{DC701763-729E-462F-A5A8-E0DEFEB1E2E4}"/>
+              </a:ext>
+              <a:ext uri="{C183D7F6-B498-43B3-948B-1728B52AA6E4}">
+                <adec:decorative xmlns:adec="http://schemas.microsoft.com/office/drawing/2017/decorative" val="1"/>
+              </a:ext>
+            </a:extLst>
+          </p:cNvPr>
+          <p:cNvSpPr>
+            <a:spLocks noGrp="1" noRot="1" noChangeAspect="1" noMove="1" noResize="1" noEditPoints="1" noAdjustHandles="1" noChangeArrowheads="1" noChangeShapeType="1" noTextEdit="1"/>
+          </p:cNvSpPr>
+          <p:nvPr>
+            <p:extLst>
+              <p:ext uri="{386F3935-93C4-4BCD-93E2-E3B085C9AB24}">
+                <p16:designElem xmlns:p16="http://schemas.microsoft.com/office/powerpoint/2015/main" val="1"/>
+              </p:ext>
+            </p:extLst>
+          </p:nvPr>
+        </p:nvSpPr>
+        <p:spPr>
+          <a:xfrm>
+            <a:off x="3825434" y="986"/>
+            <a:ext cx="4303422" cy="1575461"/>
+          </a:xfrm>
+          <a:prstGeom prst="rect">
+            <a:avLst/>
+          </a:prstGeom>
+          <a:gradFill>
+            <a:gsLst>
+              <a:gs pos="0">
+                <a:schemeClr val="accent1">
+                  <a:alpha val="17000"/>
+                </a:schemeClr>
+              </a:gs>
+              <a:gs pos="74000">
+                <a:schemeClr val="accent1">
+                  <a:lumMod val="50000"/>
+                  <a:alpha val="0"/>
+                </a:schemeClr>
+              </a:gs>
+            </a:gsLst>
+            <a:lin ang="14400000" scaled="0"/>
+          </a:gradFill>
+          <a:ln>
+            <a:noFill/>
+          </a:ln>
+        </p:spPr>
+        <p:style>
+          <a:lnRef idx="2">
+            <a:schemeClr val="accent1">
+              <a:shade val="50000"/>
+            </a:schemeClr>
+          </a:lnRef>
+          <a:fillRef idx="1">
+            <a:schemeClr val="accent1"/>
+          </a:fillRef>
+          <a:effectRef idx="0">
+            <a:schemeClr val="accent1"/>
+          </a:effectRef>
+          <a:fontRef idx="minor">
+            <a:schemeClr val="lt1"/>
+          </a:fontRef>
+        </p:style>
+        <p:txBody>
+          <a:bodyPr rtlCol="0" anchor="ctr"/>
+          <a:lstStyle/>
+          <a:p>
+            <a:pPr algn="ctr"/>
+            <a:endParaRPr lang="en-US"/>
+          </a:p>
+        </p:txBody>
+      </p:sp>
+      <p:sp>
+        <p:nvSpPr>
+          <p:cNvPr id="2" name="标题 1">
+            <a:extLst>
+              <a:ext uri="{FF2B5EF4-FFF2-40B4-BE49-F238E27FC236}">
+                <a16:creationId xmlns:a16="http://schemas.microsoft.com/office/drawing/2014/main" id="{8AC8C377-F3D2-0AAD-8E10-1B5B3D0473E3}"/>
+              </a:ext>
+            </a:extLst>
+          </p:cNvPr>
+          <p:cNvSpPr>
+            <a:spLocks noGrp="1"/>
+          </p:cNvSpPr>
+          <p:nvPr>
+            <p:ph type="ctrTitle"/>
+          </p:nvPr>
+        </p:nvSpPr>
+        <p:spPr>
+          <a:xfrm>
+            <a:off x="699714" y="353160"/>
+            <a:ext cx="7091300" cy="898581"/>
+          </a:xfrm>
+        </p:spPr>
+        <p:txBody>
+          <a:bodyPr anchor="ctr">
+            <a:normAutofit/>
+          </a:bodyPr>
+          <a:lstStyle/>
+          <a:p>
+            <a:pPr algn="l"/>
+            <a:r>
+              <a:rPr lang="en-US" altLang="zh-CN" sz="4000" dirty="0">
+                <a:solidFill>
+                  <a:srgbClr val="FFFFFF"/>
+                </a:solidFill>
+              </a:rPr>
+              <a:t>Baseline Vit </a:t>
+            </a:r>
+            <a:endParaRPr lang="zh-CN" altLang="en-US" sz="4000" dirty="0">
+              <a:solidFill>
+                <a:srgbClr val="FFFFFF"/>
+              </a:solidFill>
+            </a:endParaRPr>
+          </a:p>
+        </p:txBody>
+      </p:sp>
+      <p:sp>
+        <p:nvSpPr>
+          <p:cNvPr id="3" name="副标题 2">
+            <a:extLst>
+              <a:ext uri="{FF2B5EF4-FFF2-40B4-BE49-F238E27FC236}">
+                <a16:creationId xmlns:a16="http://schemas.microsoft.com/office/drawing/2014/main" id="{1175EC7A-6E1F-E1D6-CB51-77C1FA486A7E}"/>
+              </a:ext>
+            </a:extLst>
+          </p:cNvPr>
+          <p:cNvSpPr>
+            <a:spLocks noGrp="1"/>
+          </p:cNvSpPr>
+          <p:nvPr>
+            <p:ph type="subTitle" idx="1"/>
+          </p:nvPr>
+        </p:nvSpPr>
+        <p:spPr>
+          <a:xfrm>
+            <a:off x="8653112" y="353159"/>
+            <a:ext cx="3190984" cy="898581"/>
+          </a:xfrm>
+        </p:spPr>
+        <p:txBody>
+          <a:bodyPr anchor="ctr">
+            <a:normAutofit lnSpcReduction="10000"/>
+          </a:bodyPr>
+          <a:lstStyle/>
+          <a:p>
+            <a:pPr algn="l"/>
+            <a:r>
+              <a:rPr lang="en-US" altLang="zh-CN" sz="1400" dirty="0">
+                <a:solidFill>
+                  <a:srgbClr val="FFFFFF"/>
+                </a:solidFill>
+              </a:rPr>
+              <a:t>Only cat and dog 2 classes</a:t>
+            </a:r>
+          </a:p>
+          <a:p>
+            <a:pPr algn="l"/>
+            <a:r>
+              <a:rPr lang="en-US" altLang="zh-CN" sz="1400" dirty="0">
+                <a:solidFill>
+                  <a:srgbClr val="FFFFFF"/>
+                </a:solidFill>
+              </a:rPr>
+              <a:t>Epoch 100</a:t>
+            </a:r>
+          </a:p>
+          <a:p>
+            <a:pPr algn="l"/>
+            <a:r>
+              <a:rPr lang="en-US" altLang="zh-CN" sz="1400" dirty="0">
+                <a:solidFill>
+                  <a:srgbClr val="FFFFFF"/>
+                </a:solidFill>
+              </a:rPr>
+              <a:t>Test Accuracy 64%</a:t>
+            </a:r>
+            <a:endParaRPr lang="zh-CN" altLang="en-US" sz="1400" dirty="0">
+              <a:solidFill>
+                <a:srgbClr val="FFFFFF"/>
+              </a:solidFill>
+            </a:endParaRPr>
+          </a:p>
+        </p:txBody>
+      </p:sp>
+      <p:pic>
+        <p:nvPicPr>
+          <p:cNvPr id="9" name="图片 8">
+            <a:extLst>
+              <a:ext uri="{FF2B5EF4-FFF2-40B4-BE49-F238E27FC236}">
+                <a16:creationId xmlns:a16="http://schemas.microsoft.com/office/drawing/2014/main" id="{08C657BA-ADC4-B061-076D-0DE6083E86BE}"/>
+              </a:ext>
+            </a:extLst>
+          </p:cNvPr>
+          <p:cNvPicPr>
+            <a:picLocks noChangeAspect="1"/>
+          </p:cNvPicPr>
+          <p:nvPr/>
+        </p:nvPicPr>
+        <p:blipFill>
+          <a:blip r:embed="rId2"/>
+          <a:stretch>
+            <a:fillRect/>
+          </a:stretch>
+        </p:blipFill>
+        <p:spPr>
+          <a:xfrm>
+            <a:off x="715748" y="2448502"/>
+            <a:ext cx="5131088" cy="3463484"/>
+          </a:xfrm>
+          <a:prstGeom prst="rect">
+            <a:avLst/>
+          </a:prstGeom>
+        </p:spPr>
+      </p:pic>
+      <p:pic>
+        <p:nvPicPr>
+          <p:cNvPr id="6" name="图片 5">
+            <a:extLst>
+              <a:ext uri="{FF2B5EF4-FFF2-40B4-BE49-F238E27FC236}">
+                <a16:creationId xmlns:a16="http://schemas.microsoft.com/office/drawing/2014/main" id="{2D6C0221-3C6E-D52B-047F-06C3C676AC38}"/>
+              </a:ext>
+            </a:extLst>
+          </p:cNvPr>
+          <p:cNvPicPr>
+            <a:picLocks noChangeAspect="1"/>
+          </p:cNvPicPr>
+          <p:nvPr/>
+        </p:nvPicPr>
+        <p:blipFill>
+          <a:blip r:embed="rId3"/>
+          <a:stretch>
+            <a:fillRect/>
+          </a:stretch>
+        </p:blipFill>
+        <p:spPr>
+          <a:xfrm>
+            <a:off x="6345165" y="2452919"/>
+            <a:ext cx="5131087" cy="3527622"/>
+          </a:xfrm>
+          <a:prstGeom prst="rect">
+            <a:avLst/>
+          </a:prstGeom>
+        </p:spPr>
+      </p:pic>
+    </p:spTree>
+    <p:extLst>
+      <p:ext uri="{BB962C8B-B14F-4D97-AF65-F5344CB8AC3E}">
+        <p14:creationId xmlns:p14="http://schemas.microsoft.com/office/powerpoint/2010/main" val="2864515275"/>
       </p:ext>
     </p:extLst>
   </p:cSld>

--- a/A1/Report/Vit.pptx
+++ b/A1/Report/Vit.pptx
@@ -5,8 +5,11 @@
     <p:sldMasterId id="2147483648" r:id="rId1"/>
   </p:sldMasterIdLst>
   <p:sldIdLst>
-    <p:sldId id="256" r:id="rId2"/>
-    <p:sldId id="257" r:id="rId3"/>
+    <p:sldId id="258" r:id="rId2"/>
+    <p:sldId id="259" r:id="rId3"/>
+    <p:sldId id="260" r:id="rId4"/>
+    <p:sldId id="256" r:id="rId5"/>
+    <p:sldId id="257" r:id="rId6"/>
   </p:sldIdLst>
   <p:sldSz cx="12192000" cy="6858000"/>
   <p:notesSz cx="6858000" cy="9144000"/>
@@ -3335,6 +3338,2497 @@
           <a:chExt cx="0" cy="0"/>
         </a:xfrm>
       </p:grpSpPr>
+      <p:sp>
+        <p:nvSpPr>
+          <p:cNvPr id="10" name="Flowchart: Document 9">
+            <a:extLst>
+              <a:ext uri="{FF2B5EF4-FFF2-40B4-BE49-F238E27FC236}">
+                <a16:creationId xmlns:a16="http://schemas.microsoft.com/office/drawing/2014/main" id="{D12DDE76-C203-4047-9998-63900085B5E8}"/>
+              </a:ext>
+              <a:ext uri="{C183D7F6-B498-43B3-948B-1728B52AA6E4}">
+                <adec:decorative xmlns:adec="http://schemas.microsoft.com/office/drawing/2017/decorative" val="1"/>
+              </a:ext>
+            </a:extLst>
+          </p:cNvPr>
+          <p:cNvSpPr>
+            <a:spLocks noGrp="1" noRot="1" noChangeAspect="1" noMove="1" noResize="1" noEditPoints="1" noAdjustHandles="1" noChangeArrowheads="1" noChangeShapeType="1" noTextEdit="1"/>
+          </p:cNvSpPr>
+          <p:nvPr>
+            <p:extLst>
+              <p:ext uri="{386F3935-93C4-4BCD-93E2-E3B085C9AB24}">
+                <p16:designElem xmlns:p16="http://schemas.microsoft.com/office/powerpoint/2015/main" val="1"/>
+              </p:ext>
+            </p:extLst>
+          </p:nvPr>
+        </p:nvSpPr>
+        <p:spPr>
+          <a:xfrm>
+            <a:off x="638175" y="0"/>
+            <a:ext cx="3248025" cy="3400426"/>
+          </a:xfrm>
+          <a:prstGeom prst="flowChartDocument">
+            <a:avLst/>
+          </a:prstGeom>
+          <a:solidFill>
+            <a:schemeClr val="accent1"/>
+          </a:solidFill>
+          <a:ln>
+            <a:noFill/>
+          </a:ln>
+        </p:spPr>
+        <p:style>
+          <a:lnRef idx="2">
+            <a:schemeClr val="accent1">
+              <a:shade val="50000"/>
+            </a:schemeClr>
+          </a:lnRef>
+          <a:fillRef idx="1">
+            <a:schemeClr val="accent1"/>
+          </a:fillRef>
+          <a:effectRef idx="0">
+            <a:schemeClr val="accent1"/>
+          </a:effectRef>
+          <a:fontRef idx="minor">
+            <a:schemeClr val="lt1"/>
+          </a:fontRef>
+        </p:style>
+        <p:txBody>
+          <a:bodyPr rtlCol="0" anchor="ctr"/>
+          <a:lstStyle/>
+          <a:p>
+            <a:pPr algn="ctr"/>
+            <a:endParaRPr lang="en-US"/>
+          </a:p>
+        </p:txBody>
+      </p:sp>
+      <p:sp>
+        <p:nvSpPr>
+          <p:cNvPr id="2" name="标题 1">
+            <a:extLst>
+              <a:ext uri="{FF2B5EF4-FFF2-40B4-BE49-F238E27FC236}">
+                <a16:creationId xmlns:a16="http://schemas.microsoft.com/office/drawing/2014/main" id="{98B8838B-9A27-61DB-3706-E690A790FABE}"/>
+              </a:ext>
+            </a:extLst>
+          </p:cNvPr>
+          <p:cNvSpPr>
+            <a:spLocks noGrp="1"/>
+          </p:cNvSpPr>
+          <p:nvPr>
+            <p:ph type="title"/>
+          </p:nvPr>
+        </p:nvSpPr>
+        <p:spPr>
+          <a:xfrm>
+            <a:off x="838200" y="171162"/>
+            <a:ext cx="2840182" cy="2371148"/>
+          </a:xfrm>
+        </p:spPr>
+        <p:txBody>
+          <a:bodyPr vert="horz" lIns="91440" tIns="45720" rIns="91440" bIns="45720" rtlCol="0" anchor="ctr">
+            <a:normAutofit/>
+          </a:bodyPr>
+          <a:lstStyle/>
+          <a:p>
+            <a:r>
+              <a:rPr lang="en-US" altLang="zh-CN" sz="3200" kern="1200">
+                <a:solidFill>
+                  <a:srgbClr val="FFFFFF"/>
+                </a:solidFill>
+                <a:latin typeface="+mj-lt"/>
+                <a:ea typeface="+mj-ea"/>
+                <a:cs typeface="+mj-cs"/>
+              </a:rPr>
+              <a:t>ViT Model</a:t>
+            </a:r>
+          </a:p>
+        </p:txBody>
+      </p:sp>
+      <p:pic>
+        <p:nvPicPr>
+          <p:cNvPr id="5" name="图片 4">
+            <a:extLst>
+              <a:ext uri="{FF2B5EF4-FFF2-40B4-BE49-F238E27FC236}">
+                <a16:creationId xmlns:a16="http://schemas.microsoft.com/office/drawing/2014/main" id="{F2C2CAE5-5F5C-1989-35F5-519DD7265D46}"/>
+              </a:ext>
+            </a:extLst>
+          </p:cNvPr>
+          <p:cNvPicPr>
+            <a:picLocks noChangeAspect="1"/>
+          </p:cNvPicPr>
+          <p:nvPr/>
+        </p:nvPicPr>
+        <p:blipFill>
+          <a:blip r:embed="rId2"/>
+          <a:stretch>
+            <a:fillRect/>
+          </a:stretch>
+        </p:blipFill>
+        <p:spPr>
+          <a:xfrm>
+            <a:off x="4207933" y="1362993"/>
+            <a:ext cx="7347537" cy="4132989"/>
+          </a:xfrm>
+          <a:prstGeom prst="rect">
+            <a:avLst/>
+          </a:prstGeom>
+        </p:spPr>
+      </p:pic>
+    </p:spTree>
+    <p:extLst>
+      <p:ext uri="{BB962C8B-B14F-4D97-AF65-F5344CB8AC3E}">
+        <p14:creationId xmlns:p14="http://schemas.microsoft.com/office/powerpoint/2010/main" val="3957882205"/>
+      </p:ext>
+    </p:extLst>
+  </p:cSld>
+  <p:clrMapOvr>
+    <a:masterClrMapping/>
+  </p:clrMapOvr>
+</p:sld>
+</file>
+
+<file path=ppt/slides/slide2.xml><?xml version="1.0" encoding="utf-8"?>
+<p:sld xmlns:a="http://schemas.openxmlformats.org/drawingml/2006/main" xmlns:r="http://schemas.openxmlformats.org/officeDocument/2006/relationships" xmlns:p="http://schemas.openxmlformats.org/presentationml/2006/main">
+  <p:cSld>
+    <p:bg>
+      <p:bgPr>
+        <a:solidFill>
+          <a:schemeClr val="bg1"/>
+        </a:solidFill>
+        <a:effectLst/>
+      </p:bgPr>
+    </p:bg>
+    <p:spTree>
+      <p:nvGrpSpPr>
+        <p:cNvPr id="1" name=""/>
+        <p:cNvGrpSpPr/>
+        <p:nvPr/>
+      </p:nvGrpSpPr>
+      <p:grpSpPr>
+        <a:xfrm>
+          <a:off x="0" y="0"/>
+          <a:ext cx="0" cy="0"/>
+          <a:chOff x="0" y="0"/>
+          <a:chExt cx="0" cy="0"/>
+        </a:xfrm>
+      </p:grpSpPr>
+      <p:sp>
+        <p:nvSpPr>
+          <p:cNvPr id="15" name="Rectangle 14">
+            <a:extLst>
+              <a:ext uri="{FF2B5EF4-FFF2-40B4-BE49-F238E27FC236}">
+                <a16:creationId xmlns:a16="http://schemas.microsoft.com/office/drawing/2014/main" id="{D7A453D2-15D8-4403-815F-291FA16340D9}"/>
+              </a:ext>
+              <a:ext uri="{C183D7F6-B498-43B3-948B-1728B52AA6E4}">
+                <adec:decorative xmlns:adec="http://schemas.microsoft.com/office/drawing/2017/decorative" val="1"/>
+              </a:ext>
+            </a:extLst>
+          </p:cNvPr>
+          <p:cNvSpPr>
+            <a:spLocks noGrp="1" noRot="1" noChangeAspect="1" noMove="1" noResize="1" noEditPoints="1" noAdjustHandles="1" noChangeArrowheads="1" noChangeShapeType="1" noTextEdit="1"/>
+          </p:cNvSpPr>
+          <p:nvPr>
+            <p:extLst>
+              <p:ext uri="{386F3935-93C4-4BCD-93E2-E3B085C9AB24}">
+                <p16:designElem xmlns:p16="http://schemas.microsoft.com/office/powerpoint/2015/main" val="1"/>
+              </p:ext>
+            </p:extLst>
+          </p:nvPr>
+        </p:nvSpPr>
+        <p:spPr>
+          <a:xfrm>
+            <a:off x="3048" y="0"/>
+            <a:ext cx="12188952" cy="6858000"/>
+          </a:xfrm>
+          <a:prstGeom prst="rect">
+            <a:avLst/>
+          </a:prstGeom>
+          <a:solidFill>
+            <a:schemeClr val="tx2"/>
+          </a:solidFill>
+          <a:ln>
+            <a:noFill/>
+          </a:ln>
+        </p:spPr>
+        <p:style>
+          <a:lnRef idx="2">
+            <a:schemeClr val="accent1">
+              <a:shade val="50000"/>
+            </a:schemeClr>
+          </a:lnRef>
+          <a:fillRef idx="1">
+            <a:schemeClr val="accent1"/>
+          </a:fillRef>
+          <a:effectRef idx="0">
+            <a:schemeClr val="accent1"/>
+          </a:effectRef>
+          <a:fontRef idx="minor">
+            <a:schemeClr val="lt1"/>
+          </a:fontRef>
+        </p:style>
+        <p:txBody>
+          <a:bodyPr rtlCol="0" anchor="ctr"/>
+          <a:lstStyle/>
+          <a:p>
+            <a:pPr algn="ctr"/>
+            <a:endParaRPr lang="en-US"/>
+          </a:p>
+        </p:txBody>
+      </p:sp>
+      <p:sp>
+        <p:nvSpPr>
+          <p:cNvPr id="17" name="Rectangle 16">
+            <a:extLst>
+              <a:ext uri="{FF2B5EF4-FFF2-40B4-BE49-F238E27FC236}">
+                <a16:creationId xmlns:a16="http://schemas.microsoft.com/office/drawing/2014/main" id="{8161EA6B-09CA-445B-AB0D-8DF76FA92DEF}"/>
+              </a:ext>
+              <a:ext uri="{C183D7F6-B498-43B3-948B-1728B52AA6E4}">
+                <adec:decorative xmlns:adec="http://schemas.microsoft.com/office/drawing/2017/decorative" val="1"/>
+              </a:ext>
+            </a:extLst>
+          </p:cNvPr>
+          <p:cNvSpPr>
+            <a:spLocks noGrp="1" noRot="1" noChangeAspect="1" noMove="1" noResize="1" noEditPoints="1" noAdjustHandles="1" noChangeArrowheads="1" noChangeShapeType="1" noTextEdit="1"/>
+          </p:cNvSpPr>
+          <p:nvPr>
+            <p:extLst>
+              <p:ext uri="{386F3935-93C4-4BCD-93E2-E3B085C9AB24}">
+                <p16:designElem xmlns:p16="http://schemas.microsoft.com/office/powerpoint/2015/main" val="1"/>
+              </p:ext>
+            </p:extLst>
+          </p:nvPr>
+        </p:nvSpPr>
+        <p:spPr>
+          <a:xfrm>
+            <a:off x="0" y="0"/>
+            <a:ext cx="12188952" cy="6858000"/>
+          </a:xfrm>
+          <a:prstGeom prst="rect">
+            <a:avLst/>
+          </a:prstGeom>
+          <a:solidFill>
+            <a:schemeClr val="tx1">
+              <a:alpha val="53000"/>
+            </a:schemeClr>
+          </a:solidFill>
+          <a:ln>
+            <a:noFill/>
+          </a:ln>
+        </p:spPr>
+        <p:style>
+          <a:lnRef idx="2">
+            <a:schemeClr val="accent1">
+              <a:shade val="50000"/>
+            </a:schemeClr>
+          </a:lnRef>
+          <a:fillRef idx="1">
+            <a:schemeClr val="accent1"/>
+          </a:fillRef>
+          <a:effectRef idx="0">
+            <a:schemeClr val="accent1"/>
+          </a:effectRef>
+          <a:fontRef idx="minor">
+            <a:schemeClr val="lt1"/>
+          </a:fontRef>
+        </p:style>
+        <p:txBody>
+          <a:bodyPr rtlCol="0" anchor="ctr"/>
+          <a:lstStyle/>
+          <a:p>
+            <a:pPr algn="ctr"/>
+            <a:endParaRPr lang="en-US"/>
+          </a:p>
+        </p:txBody>
+      </p:sp>
+      <p:grpSp>
+        <p:nvGrpSpPr>
+          <p:cNvPr id="19" name="Group 18">
+            <a:extLst>
+              <a:ext uri="{FF2B5EF4-FFF2-40B4-BE49-F238E27FC236}">
+                <a16:creationId xmlns:a16="http://schemas.microsoft.com/office/drawing/2014/main" id="{B352BBB9-69A8-405C-9209-A9FE217AEDC4}"/>
+              </a:ext>
+              <a:ext uri="{C183D7F6-B498-43B3-948B-1728B52AA6E4}">
+                <adec:decorative xmlns:adec="http://schemas.microsoft.com/office/drawing/2017/decorative" val="1"/>
+              </a:ext>
+            </a:extLst>
+          </p:cNvPr>
+          <p:cNvGrpSpPr>
+            <a:grpSpLocks noGrp="1" noUngrp="1" noRot="1" noChangeAspect="1" noMove="1" noResize="1"/>
+          </p:cNvGrpSpPr>
+          <p:nvPr>
+            <p:extLst>
+              <p:ext uri="{386F3935-93C4-4BCD-93E2-E3B085C9AB24}">
+                <p16:designElem xmlns:p16="http://schemas.microsoft.com/office/powerpoint/2015/main" val="1"/>
+              </p:ext>
+            </p:extLst>
+          </p:nvPr>
+        </p:nvGrpSpPr>
+        <p:grpSpPr>
+          <a:xfrm>
+            <a:off x="1" y="2075420"/>
+            <a:ext cx="12048729" cy="4093306"/>
+            <a:chOff x="1" y="2075420"/>
+            <a:chExt cx="12048729" cy="4093306"/>
+          </a:xfrm>
+        </p:grpSpPr>
+        <p:sp>
+          <p:nvSpPr>
+            <p:cNvPr id="20" name="Oval 19">
+              <a:extLst>
+                <a:ext uri="{FF2B5EF4-FFF2-40B4-BE49-F238E27FC236}">
+                  <a16:creationId xmlns:a16="http://schemas.microsoft.com/office/drawing/2014/main" id="{2BA8247A-9874-4F57-82F4-AEB016E661EA}"/>
+                </a:ext>
+                <a:ext uri="{C183D7F6-B498-43B3-948B-1728B52AA6E4}">
+                  <adec:decorative xmlns:adec="http://schemas.microsoft.com/office/drawing/2017/decorative" val="1"/>
+                </a:ext>
+              </a:extLst>
+            </p:cNvPr>
+            <p:cNvSpPr/>
+            <p:nvPr>
+              <p:extLst>
+                <p:ext uri="{386F3935-93C4-4BCD-93E2-E3B085C9AB24}">
+                  <p16:designElem xmlns:p16="http://schemas.microsoft.com/office/powerpoint/2015/main" val="1"/>
+                </p:ext>
+              </p:extLst>
+            </p:nvPr>
+          </p:nvSpPr>
+          <p:spPr>
+            <a:xfrm rot="4500000">
+              <a:off x="7942191" y="2507571"/>
+              <a:ext cx="3563871" cy="3563871"/>
+            </a:xfrm>
+            <a:prstGeom prst="ellipse">
+              <a:avLst/>
+            </a:prstGeom>
+            <a:noFill/>
+            <a:ln w="31750">
+              <a:gradFill>
+                <a:gsLst>
+                  <a:gs pos="0">
+                    <a:schemeClr val="tx2">
+                      <a:lumMod val="60000"/>
+                      <a:lumOff val="40000"/>
+                      <a:alpha val="10000"/>
+                    </a:schemeClr>
+                  </a:gs>
+                  <a:gs pos="100000">
+                    <a:schemeClr val="tx2">
+                      <a:lumMod val="50000"/>
+                      <a:alpha val="20000"/>
+                    </a:schemeClr>
+                  </a:gs>
+                </a:gsLst>
+                <a:lin ang="5400000" scaled="1"/>
+              </a:gradFill>
+              <a:prstDash val="sysDot"/>
+            </a:ln>
+          </p:spPr>
+          <p:style>
+            <a:lnRef idx="2">
+              <a:schemeClr val="accent1">
+                <a:shade val="50000"/>
+              </a:schemeClr>
+            </a:lnRef>
+            <a:fillRef idx="1">
+              <a:schemeClr val="accent1"/>
+            </a:fillRef>
+            <a:effectRef idx="0">
+              <a:schemeClr val="accent1"/>
+            </a:effectRef>
+            <a:fontRef idx="minor">
+              <a:schemeClr val="lt1"/>
+            </a:fontRef>
+          </p:style>
+          <p:txBody>
+            <a:bodyPr rtlCol="0" anchor="ctr"/>
+            <a:lstStyle/>
+            <a:p>
+              <a:pPr algn="ctr"/>
+              <a:endParaRPr lang="en-US"/>
+            </a:p>
+          </p:txBody>
+        </p:sp>
+        <p:sp>
+          <p:nvSpPr>
+            <p:cNvPr id="21" name="Oval 20">
+              <a:extLst>
+                <a:ext uri="{FF2B5EF4-FFF2-40B4-BE49-F238E27FC236}">
+                  <a16:creationId xmlns:a16="http://schemas.microsoft.com/office/drawing/2014/main" id="{A30C3CE4-8479-4B6E-9C21-D7B0CD89EF8E}"/>
+                </a:ext>
+                <a:ext uri="{C183D7F6-B498-43B3-948B-1728B52AA6E4}">
+                  <adec:decorative xmlns:adec="http://schemas.microsoft.com/office/drawing/2017/decorative" val="1"/>
+                </a:ext>
+              </a:extLst>
+            </p:cNvPr>
+            <p:cNvSpPr/>
+            <p:nvPr>
+              <p:extLst>
+                <p:ext uri="{386F3935-93C4-4BCD-93E2-E3B085C9AB24}">
+                  <p16:designElem xmlns:p16="http://schemas.microsoft.com/office/powerpoint/2015/main" val="1"/>
+                </p:ext>
+              </p:extLst>
+            </p:nvPr>
+          </p:nvSpPr>
+          <p:spPr>
+            <a:xfrm rot="16200000">
+              <a:off x="10435065" y="4048931"/>
+              <a:ext cx="1381607" cy="1381607"/>
+            </a:xfrm>
+            <a:prstGeom prst="ellipse">
+              <a:avLst/>
+            </a:prstGeom>
+            <a:noFill/>
+            <a:ln w="31750">
+              <a:gradFill>
+                <a:gsLst>
+                  <a:gs pos="0">
+                    <a:schemeClr val="tx2">
+                      <a:lumMod val="60000"/>
+                      <a:lumOff val="40000"/>
+                      <a:alpha val="20000"/>
+                    </a:schemeClr>
+                  </a:gs>
+                  <a:gs pos="100000">
+                    <a:schemeClr val="tx2">
+                      <a:lumMod val="50000"/>
+                      <a:alpha val="20000"/>
+                    </a:schemeClr>
+                  </a:gs>
+                </a:gsLst>
+                <a:lin ang="5400000" scaled="1"/>
+              </a:gradFill>
+              <a:prstDash val="sysDot"/>
+            </a:ln>
+          </p:spPr>
+          <p:style>
+            <a:lnRef idx="2">
+              <a:schemeClr val="accent1">
+                <a:shade val="50000"/>
+              </a:schemeClr>
+            </a:lnRef>
+            <a:fillRef idx="1">
+              <a:schemeClr val="accent1"/>
+            </a:fillRef>
+            <a:effectRef idx="0">
+              <a:schemeClr val="accent1"/>
+            </a:effectRef>
+            <a:fontRef idx="minor">
+              <a:schemeClr val="lt1"/>
+            </a:fontRef>
+          </p:style>
+          <p:txBody>
+            <a:bodyPr rtlCol="0" anchor="ctr"/>
+            <a:lstStyle/>
+            <a:p>
+              <a:pPr algn="ctr"/>
+              <a:endParaRPr lang="en-US"/>
+            </a:p>
+          </p:txBody>
+        </p:sp>
+        <p:sp>
+          <p:nvSpPr>
+            <p:cNvPr id="22" name="Oval 21">
+              <a:extLst>
+                <a:ext uri="{FF2B5EF4-FFF2-40B4-BE49-F238E27FC236}">
+                  <a16:creationId xmlns:a16="http://schemas.microsoft.com/office/drawing/2014/main" id="{F7BCD297-22FC-4ECD-95DC-8581D5E6B141}"/>
+                </a:ext>
+                <a:ext uri="{C183D7F6-B498-43B3-948B-1728B52AA6E4}">
+                  <adec:decorative xmlns:adec="http://schemas.microsoft.com/office/drawing/2017/decorative" val="1"/>
+                </a:ext>
+              </a:extLst>
+            </p:cNvPr>
+            <p:cNvSpPr/>
+            <p:nvPr>
+              <p:extLst>
+                <p:ext uri="{386F3935-93C4-4BCD-93E2-E3B085C9AB24}">
+                  <p16:designElem xmlns:p16="http://schemas.microsoft.com/office/powerpoint/2015/main" val="1"/>
+                </p:ext>
+              </p:extLst>
+            </p:nvPr>
+          </p:nvSpPr>
+          <p:spPr>
+            <a:xfrm rot="16200000">
+              <a:off x="1" y="2075420"/>
+              <a:ext cx="3144364" cy="3144364"/>
+            </a:xfrm>
+            <a:prstGeom prst="ellipse">
+              <a:avLst/>
+            </a:prstGeom>
+            <a:gradFill>
+              <a:gsLst>
+                <a:gs pos="0">
+                  <a:schemeClr val="tx2">
+                    <a:lumMod val="75000"/>
+                    <a:alpha val="20000"/>
+                  </a:schemeClr>
+                </a:gs>
+                <a:gs pos="100000">
+                  <a:schemeClr val="tx2">
+                    <a:lumMod val="50000"/>
+                    <a:alpha val="10000"/>
+                  </a:schemeClr>
+                </a:gs>
+              </a:gsLst>
+              <a:lin ang="5400000" scaled="1"/>
+            </a:gradFill>
+            <a:ln>
+              <a:noFill/>
+            </a:ln>
+          </p:spPr>
+          <p:style>
+            <a:lnRef idx="2">
+              <a:schemeClr val="accent1">
+                <a:shade val="50000"/>
+              </a:schemeClr>
+            </a:lnRef>
+            <a:fillRef idx="1">
+              <a:schemeClr val="accent1"/>
+            </a:fillRef>
+            <a:effectRef idx="0">
+              <a:schemeClr val="accent1"/>
+            </a:effectRef>
+            <a:fontRef idx="minor">
+              <a:schemeClr val="lt1"/>
+            </a:fontRef>
+          </p:style>
+          <p:txBody>
+            <a:bodyPr rtlCol="0" anchor="ctr"/>
+            <a:lstStyle/>
+            <a:p>
+              <a:pPr algn="ctr"/>
+              <a:endParaRPr lang="en-US"/>
+            </a:p>
+          </p:txBody>
+        </p:sp>
+        <p:sp>
+          <p:nvSpPr>
+            <p:cNvPr id="23" name="Oval 22">
+              <a:extLst>
+                <a:ext uri="{FF2B5EF4-FFF2-40B4-BE49-F238E27FC236}">
+                  <a16:creationId xmlns:a16="http://schemas.microsoft.com/office/drawing/2014/main" id="{061A25F1-8873-4D98-B8D5-169EA0AC9212}"/>
+                </a:ext>
+                <a:ext uri="{C183D7F6-B498-43B3-948B-1728B52AA6E4}">
+                  <adec:decorative xmlns:adec="http://schemas.microsoft.com/office/drawing/2017/decorative" val="1"/>
+                </a:ext>
+              </a:extLst>
+            </p:cNvPr>
+            <p:cNvSpPr/>
+            <p:nvPr>
+              <p:extLst>
+                <p:ext uri="{386F3935-93C4-4BCD-93E2-E3B085C9AB24}">
+                  <p16:designElem xmlns:p16="http://schemas.microsoft.com/office/powerpoint/2015/main" val="1"/>
+                </p:ext>
+              </p:extLst>
+            </p:nvPr>
+          </p:nvSpPr>
+          <p:spPr>
+            <a:xfrm rot="12600000">
+              <a:off x="10150845" y="4270841"/>
+              <a:ext cx="1897885" cy="1897885"/>
+            </a:xfrm>
+            <a:prstGeom prst="ellipse">
+              <a:avLst/>
+            </a:prstGeom>
+            <a:gradFill>
+              <a:gsLst>
+                <a:gs pos="0">
+                  <a:schemeClr val="tx2">
+                    <a:lumMod val="75000"/>
+                    <a:alpha val="10000"/>
+                  </a:schemeClr>
+                </a:gs>
+                <a:gs pos="100000">
+                  <a:schemeClr val="tx2">
+                    <a:lumMod val="75000"/>
+                    <a:alpha val="20000"/>
+                  </a:schemeClr>
+                </a:gs>
+              </a:gsLst>
+              <a:lin ang="5400000" scaled="1"/>
+            </a:gradFill>
+            <a:ln>
+              <a:noFill/>
+            </a:ln>
+          </p:spPr>
+          <p:style>
+            <a:lnRef idx="2">
+              <a:schemeClr val="accent1">
+                <a:shade val="50000"/>
+              </a:schemeClr>
+            </a:lnRef>
+            <a:fillRef idx="1">
+              <a:schemeClr val="accent1"/>
+            </a:fillRef>
+            <a:effectRef idx="0">
+              <a:schemeClr val="accent1"/>
+            </a:effectRef>
+            <a:fontRef idx="minor">
+              <a:schemeClr val="lt1"/>
+            </a:fontRef>
+          </p:style>
+          <p:txBody>
+            <a:bodyPr rtlCol="0" anchor="ctr"/>
+            <a:lstStyle/>
+            <a:p>
+              <a:pPr algn="ctr"/>
+              <a:endParaRPr lang="en-US" dirty="0"/>
+            </a:p>
+          </p:txBody>
+        </p:sp>
+        <p:sp>
+          <p:nvSpPr>
+            <p:cNvPr id="24" name="Oval 23">
+              <a:extLst>
+                <a:ext uri="{FF2B5EF4-FFF2-40B4-BE49-F238E27FC236}">
+                  <a16:creationId xmlns:a16="http://schemas.microsoft.com/office/drawing/2014/main" id="{CB7BCAD9-3EF1-4FCE-AFA0-BD2C545A735B}"/>
+                </a:ext>
+                <a:ext uri="{C183D7F6-B498-43B3-948B-1728B52AA6E4}">
+                  <adec:decorative xmlns:adec="http://schemas.microsoft.com/office/drawing/2017/decorative" val="1"/>
+                </a:ext>
+              </a:extLst>
+            </p:cNvPr>
+            <p:cNvSpPr/>
+            <p:nvPr>
+              <p:extLst>
+                <p:ext uri="{386F3935-93C4-4BCD-93E2-E3B085C9AB24}">
+                  <p16:designElem xmlns:p16="http://schemas.microsoft.com/office/powerpoint/2015/main" val="1"/>
+                </p:ext>
+              </p:extLst>
+            </p:nvPr>
+          </p:nvSpPr>
+          <p:spPr>
+            <a:xfrm rot="4500000">
+              <a:off x="2046780" y="3040492"/>
+              <a:ext cx="2579322" cy="2579322"/>
+            </a:xfrm>
+            <a:prstGeom prst="ellipse">
+              <a:avLst/>
+            </a:prstGeom>
+            <a:noFill/>
+            <a:ln w="31750">
+              <a:gradFill>
+                <a:gsLst>
+                  <a:gs pos="0">
+                    <a:schemeClr val="tx2">
+                      <a:lumMod val="60000"/>
+                      <a:lumOff val="40000"/>
+                      <a:alpha val="20000"/>
+                    </a:schemeClr>
+                  </a:gs>
+                  <a:gs pos="100000">
+                    <a:schemeClr val="tx2">
+                      <a:lumMod val="50000"/>
+                      <a:alpha val="20000"/>
+                    </a:schemeClr>
+                  </a:gs>
+                </a:gsLst>
+                <a:lin ang="5400000" scaled="1"/>
+              </a:gradFill>
+              <a:prstDash val="sysDot"/>
+            </a:ln>
+          </p:spPr>
+          <p:style>
+            <a:lnRef idx="2">
+              <a:schemeClr val="accent1">
+                <a:shade val="50000"/>
+              </a:schemeClr>
+            </a:lnRef>
+            <a:fillRef idx="1">
+              <a:schemeClr val="accent1"/>
+            </a:fillRef>
+            <a:effectRef idx="0">
+              <a:schemeClr val="accent1"/>
+            </a:effectRef>
+            <a:fontRef idx="minor">
+              <a:schemeClr val="lt1"/>
+            </a:fontRef>
+          </p:style>
+          <p:txBody>
+            <a:bodyPr rtlCol="0" anchor="ctr"/>
+            <a:lstStyle/>
+            <a:p>
+              <a:pPr algn="ctr"/>
+              <a:endParaRPr lang="en-US"/>
+            </a:p>
+          </p:txBody>
+        </p:sp>
+        <p:sp>
+          <p:nvSpPr>
+            <p:cNvPr id="25" name="Oval 24">
+              <a:extLst>
+                <a:ext uri="{FF2B5EF4-FFF2-40B4-BE49-F238E27FC236}">
+                  <a16:creationId xmlns:a16="http://schemas.microsoft.com/office/drawing/2014/main" id="{36649524-3638-4334-8ED6-539D10DF4BCC}"/>
+                </a:ext>
+                <a:ext uri="{C183D7F6-B498-43B3-948B-1728B52AA6E4}">
+                  <adec:decorative xmlns:adec="http://schemas.microsoft.com/office/drawing/2017/decorative" val="1"/>
+                </a:ext>
+              </a:extLst>
+            </p:cNvPr>
+            <p:cNvSpPr/>
+            <p:nvPr>
+              <p:extLst>
+                <p:ext uri="{386F3935-93C4-4BCD-93E2-E3B085C9AB24}">
+                  <p16:designElem xmlns:p16="http://schemas.microsoft.com/office/powerpoint/2015/main" val="1"/>
+                </p:ext>
+              </p:extLst>
+            </p:nvPr>
+          </p:nvSpPr>
+          <p:spPr>
+            <a:xfrm rot="4500000">
+              <a:off x="2224640" y="3193975"/>
+              <a:ext cx="2243193" cy="2243193"/>
+            </a:xfrm>
+            <a:prstGeom prst="ellipse">
+              <a:avLst/>
+            </a:prstGeom>
+            <a:noFill/>
+            <a:ln w="31750">
+              <a:gradFill>
+                <a:gsLst>
+                  <a:gs pos="0">
+                    <a:schemeClr val="tx2">
+                      <a:lumMod val="60000"/>
+                      <a:lumOff val="40000"/>
+                      <a:alpha val="10000"/>
+                    </a:schemeClr>
+                  </a:gs>
+                  <a:gs pos="100000">
+                    <a:schemeClr val="tx2">
+                      <a:lumMod val="50000"/>
+                      <a:alpha val="10000"/>
+                    </a:schemeClr>
+                  </a:gs>
+                </a:gsLst>
+                <a:lin ang="5400000" scaled="1"/>
+              </a:gradFill>
+            </a:ln>
+          </p:spPr>
+          <p:style>
+            <a:lnRef idx="2">
+              <a:schemeClr val="accent1">
+                <a:shade val="50000"/>
+              </a:schemeClr>
+            </a:lnRef>
+            <a:fillRef idx="1">
+              <a:schemeClr val="accent1"/>
+            </a:fillRef>
+            <a:effectRef idx="0">
+              <a:schemeClr val="accent1"/>
+            </a:effectRef>
+            <a:fontRef idx="minor">
+              <a:schemeClr val="lt1"/>
+            </a:fontRef>
+          </p:style>
+          <p:txBody>
+            <a:bodyPr rtlCol="0" anchor="ctr"/>
+            <a:lstStyle/>
+            <a:p>
+              <a:pPr algn="ctr"/>
+              <a:endParaRPr lang="en-US"/>
+            </a:p>
+          </p:txBody>
+        </p:sp>
+      </p:grpSp>
+      <p:sp>
+        <p:nvSpPr>
+          <p:cNvPr id="2" name="标题 1">
+            <a:extLst>
+              <a:ext uri="{FF2B5EF4-FFF2-40B4-BE49-F238E27FC236}">
+                <a16:creationId xmlns:a16="http://schemas.microsoft.com/office/drawing/2014/main" id="{6368EEC0-22BB-24AA-FACA-B3A9DA395529}"/>
+              </a:ext>
+            </a:extLst>
+          </p:cNvPr>
+          <p:cNvSpPr>
+            <a:spLocks noGrp="1"/>
+          </p:cNvSpPr>
+          <p:nvPr>
+            <p:ph type="title"/>
+          </p:nvPr>
+        </p:nvSpPr>
+        <p:spPr>
+          <a:xfrm>
+            <a:off x="630936" y="317579"/>
+            <a:ext cx="4651076" cy="2318412"/>
+          </a:xfrm>
+          <a:noFill/>
+        </p:spPr>
+        <p:txBody>
+          <a:bodyPr vert="horz" lIns="91440" tIns="45720" rIns="91440" bIns="45720" rtlCol="0" anchor="t">
+            <a:normAutofit fontScale="90000"/>
+          </a:bodyPr>
+          <a:lstStyle/>
+          <a:p>
+            <a:r>
+              <a:rPr lang="en-US" altLang="zh-CN" sz="4100" dirty="0">
+                <a:solidFill>
+                  <a:schemeClr val="bg1"/>
+                </a:solidFill>
+              </a:rPr>
+              <a:t>Patch</a:t>
+            </a:r>
+            <a:br>
+              <a:rPr lang="en-US" altLang="zh-CN" sz="4100" dirty="0">
+                <a:solidFill>
+                  <a:schemeClr val="bg1"/>
+                </a:solidFill>
+              </a:rPr>
+            </a:br>
+            <a:r>
+              <a:rPr lang="en-US" altLang="zh-CN" sz="4100" dirty="0">
+                <a:solidFill>
+                  <a:schemeClr val="bg1"/>
+                </a:solidFill>
+              </a:rPr>
+              <a:t>Embedding</a:t>
+            </a:r>
+            <a:br>
+              <a:rPr lang="en-US" altLang="zh-CN" sz="4100" dirty="0">
+                <a:solidFill>
+                  <a:schemeClr val="bg1"/>
+                </a:solidFill>
+              </a:rPr>
+            </a:br>
+            <a:r>
+              <a:rPr lang="en-US" altLang="zh-CN" sz="4100" dirty="0">
+                <a:solidFill>
+                  <a:schemeClr val="bg1"/>
+                </a:solidFill>
+              </a:rPr>
+              <a:t>Position</a:t>
+            </a:r>
+            <a:br>
+              <a:rPr lang="en-US" altLang="zh-CN" sz="4100" dirty="0">
+                <a:solidFill>
+                  <a:schemeClr val="bg1"/>
+                </a:solidFill>
+              </a:rPr>
+            </a:br>
+            <a:r>
+              <a:rPr lang="en-US" altLang="zh-CN" sz="4100" dirty="0">
+                <a:solidFill>
+                  <a:schemeClr val="bg1"/>
+                </a:solidFill>
+              </a:rPr>
+              <a:t>CLS token</a:t>
+            </a:r>
+          </a:p>
+        </p:txBody>
+      </p:sp>
+      <p:sp>
+        <p:nvSpPr>
+          <p:cNvPr id="6" name="文本框 5">
+            <a:extLst>
+              <a:ext uri="{FF2B5EF4-FFF2-40B4-BE49-F238E27FC236}">
+                <a16:creationId xmlns:a16="http://schemas.microsoft.com/office/drawing/2014/main" id="{2B515E5B-1939-628A-A5B1-EB726C5CC506}"/>
+              </a:ext>
+            </a:extLst>
+          </p:cNvPr>
+          <p:cNvSpPr txBox="1"/>
+          <p:nvPr/>
+        </p:nvSpPr>
+        <p:spPr>
+          <a:xfrm>
+            <a:off x="5486080" y="386077"/>
+            <a:ext cx="5674107" cy="2249932"/>
+          </a:xfrm>
+          <a:prstGeom prst="rect">
+            <a:avLst/>
+          </a:prstGeom>
+          <a:noFill/>
+        </p:spPr>
+        <p:txBody>
+          <a:bodyPr vert="horz" lIns="91440" tIns="45720" rIns="91440" bIns="45720" rtlCol="0" anchor="t">
+            <a:normAutofit/>
+          </a:bodyPr>
+          <a:lstStyle/>
+          <a:p>
+            <a:pPr indent="-228600">
+              <a:lnSpc>
+                <a:spcPct val="90000"/>
+              </a:lnSpc>
+              <a:spcAft>
+                <a:spcPts val="600"/>
+              </a:spcAft>
+              <a:buFont typeface="Arial" panose="020B0604020202020204" pitchFamily="34" charset="0"/>
+              <a:buChar char="•"/>
+            </a:pPr>
+            <a:r>
+              <a:rPr lang="en-US" altLang="zh-CN" dirty="0">
+                <a:solidFill>
+                  <a:schemeClr val="bg1"/>
+                </a:solidFill>
+              </a:rPr>
+              <a:t>1 split every image into patches</a:t>
+            </a:r>
+          </a:p>
+          <a:p>
+            <a:pPr indent="-228600">
+              <a:lnSpc>
+                <a:spcPct val="90000"/>
+              </a:lnSpc>
+              <a:spcAft>
+                <a:spcPts val="600"/>
+              </a:spcAft>
+              <a:buFont typeface="Arial" panose="020B0604020202020204" pitchFamily="34" charset="0"/>
+              <a:buChar char="•"/>
+            </a:pPr>
+            <a:r>
+              <a:rPr lang="en-US" altLang="zh-CN" dirty="0">
+                <a:solidFill>
+                  <a:schemeClr val="bg1"/>
+                </a:solidFill>
+              </a:rPr>
+              <a:t>2 embedding patches, linear from </a:t>
+            </a:r>
+            <a:r>
+              <a:rPr lang="en-US" altLang="zh-CN" dirty="0" err="1">
+                <a:solidFill>
+                  <a:schemeClr val="bg1"/>
+                </a:solidFill>
+              </a:rPr>
+              <a:t>patch_dim</a:t>
+            </a:r>
+            <a:r>
+              <a:rPr lang="en-US" altLang="zh-CN" dirty="0">
+                <a:solidFill>
+                  <a:schemeClr val="bg1"/>
+                </a:solidFill>
+              </a:rPr>
+              <a:t> to target dim</a:t>
+            </a:r>
+          </a:p>
+          <a:p>
+            <a:pPr indent="-228600">
+              <a:lnSpc>
+                <a:spcPct val="90000"/>
+              </a:lnSpc>
+              <a:spcAft>
+                <a:spcPts val="600"/>
+              </a:spcAft>
+              <a:buFont typeface="Arial" panose="020B0604020202020204" pitchFamily="34" charset="0"/>
+              <a:buChar char="•"/>
+            </a:pPr>
+            <a:r>
+              <a:rPr lang="en-US" altLang="zh-CN" dirty="0">
+                <a:solidFill>
+                  <a:schemeClr val="bg1"/>
+                </a:solidFill>
+              </a:rPr>
+              <a:t>3 generate learnable CLS token, join to patches tokens</a:t>
+            </a:r>
+          </a:p>
+          <a:p>
+            <a:pPr indent="-228600">
+              <a:lnSpc>
+                <a:spcPct val="90000"/>
+              </a:lnSpc>
+              <a:spcAft>
+                <a:spcPts val="600"/>
+              </a:spcAft>
+              <a:buFont typeface="Arial" panose="020B0604020202020204" pitchFamily="34" charset="0"/>
+              <a:buChar char="•"/>
+            </a:pPr>
+            <a:r>
+              <a:rPr lang="en-US" altLang="zh-CN" dirty="0">
+                <a:solidFill>
+                  <a:schemeClr val="bg1"/>
+                </a:solidFill>
+              </a:rPr>
+              <a:t>4 add position embedding</a:t>
+            </a:r>
+          </a:p>
+        </p:txBody>
+      </p:sp>
+      <p:sp>
+        <p:nvSpPr>
+          <p:cNvPr id="27" name="Rectangle 26">
+            <a:extLst>
+              <a:ext uri="{FF2B5EF4-FFF2-40B4-BE49-F238E27FC236}">
+                <a16:creationId xmlns:a16="http://schemas.microsoft.com/office/drawing/2014/main" id="{B8114C98-A349-4111-A123-E8EAB86ABE30}"/>
+              </a:ext>
+              <a:ext uri="{C183D7F6-B498-43B3-948B-1728B52AA6E4}">
+                <adec:decorative xmlns:adec="http://schemas.microsoft.com/office/drawing/2017/decorative" val="1"/>
+              </a:ext>
+            </a:extLst>
+          </p:cNvPr>
+          <p:cNvSpPr>
+            <a:spLocks noGrp="1" noRot="1" noChangeAspect="1" noMove="1" noResize="1" noEditPoints="1" noAdjustHandles="1" noChangeArrowheads="1" noChangeShapeType="1" noTextEdit="1"/>
+          </p:cNvSpPr>
+          <p:nvPr>
+            <p:extLst>
+              <p:ext uri="{386F3935-93C4-4BCD-93E2-E3B085C9AB24}">
+                <p16:designElem xmlns:p16="http://schemas.microsoft.com/office/powerpoint/2015/main" val="1"/>
+              </p:ext>
+            </p:extLst>
+          </p:nvPr>
+        </p:nvSpPr>
+        <p:spPr>
+          <a:xfrm rot="16200000">
+            <a:off x="10438146" y="1042605"/>
+            <a:ext cx="2796461" cy="711252"/>
+          </a:xfrm>
+          <a:prstGeom prst="rect">
+            <a:avLst/>
+          </a:prstGeom>
+          <a:gradFill flip="none" rotWithShape="1">
+            <a:gsLst>
+              <a:gs pos="0">
+                <a:schemeClr val="tx2">
+                  <a:lumMod val="40000"/>
+                  <a:lumOff val="60000"/>
+                  <a:alpha val="0"/>
+                </a:schemeClr>
+              </a:gs>
+              <a:gs pos="100000">
+                <a:schemeClr val="tx2">
+                  <a:lumMod val="75000"/>
+                  <a:alpha val="10000"/>
+                </a:schemeClr>
+              </a:gs>
+            </a:gsLst>
+            <a:lin ang="8400000" scaled="0"/>
+            <a:tileRect/>
+          </a:gradFill>
+          <a:ln>
+            <a:noFill/>
+          </a:ln>
+        </p:spPr>
+        <p:style>
+          <a:lnRef idx="2">
+            <a:schemeClr val="accent1">
+              <a:shade val="50000"/>
+            </a:schemeClr>
+          </a:lnRef>
+          <a:fillRef idx="1">
+            <a:schemeClr val="accent1"/>
+          </a:fillRef>
+          <a:effectRef idx="0">
+            <a:schemeClr val="accent1"/>
+          </a:effectRef>
+          <a:fontRef idx="minor">
+            <a:schemeClr val="lt1"/>
+          </a:fontRef>
+        </p:style>
+        <p:txBody>
+          <a:bodyPr rtlCol="0" anchor="ctr"/>
+          <a:lstStyle/>
+          <a:p>
+            <a:pPr algn="ctr"/>
+            <a:endParaRPr lang="en-US"/>
+          </a:p>
+        </p:txBody>
+      </p:sp>
+      <p:grpSp>
+        <p:nvGrpSpPr>
+          <p:cNvPr id="29" name="Group 28">
+            <a:extLst>
+              <a:ext uri="{FF2B5EF4-FFF2-40B4-BE49-F238E27FC236}">
+                <a16:creationId xmlns:a16="http://schemas.microsoft.com/office/drawing/2014/main" id="{670FB431-AE18-414D-92F4-1D12D1991152}"/>
+              </a:ext>
+              <a:ext uri="{C183D7F6-B498-43B3-948B-1728B52AA6E4}">
+                <adec:decorative xmlns:adec="http://schemas.microsoft.com/office/drawing/2017/decorative" val="1"/>
+              </a:ext>
+            </a:extLst>
+          </p:cNvPr>
+          <p:cNvGrpSpPr>
+            <a:grpSpLocks noGrp="1" noUngrp="1" noRot="1" noChangeAspect="1" noMove="1" noResize="1"/>
+          </p:cNvGrpSpPr>
+          <p:nvPr>
+            <p:extLst>
+              <p:ext uri="{386F3935-93C4-4BCD-93E2-E3B085C9AB24}">
+                <p16:designElem xmlns:p16="http://schemas.microsoft.com/office/powerpoint/2015/main" val="1"/>
+              </p:ext>
+            </p:extLst>
+          </p:nvPr>
+        </p:nvGrpSpPr>
+        <p:grpSpPr>
+          <a:xfrm>
+            <a:off x="11259539" y="317578"/>
+            <a:ext cx="548640" cy="549007"/>
+            <a:chOff x="7029447" y="3514725"/>
+            <a:chExt cx="1285875" cy="549007"/>
+          </a:xfrm>
+        </p:grpSpPr>
+        <p:cxnSp>
+          <p:nvCxnSpPr>
+            <p:cNvPr id="30" name="Straight Connector 29">
+              <a:extLst>
+                <a:ext uri="{FF2B5EF4-FFF2-40B4-BE49-F238E27FC236}">
+                  <a16:creationId xmlns:a16="http://schemas.microsoft.com/office/drawing/2014/main" id="{24467063-D74E-4D42-8790-B9F6D69584BE}"/>
+                </a:ext>
+                <a:ext uri="{C183D7F6-B498-43B3-948B-1728B52AA6E4}">
+                  <adec:decorative xmlns:adec="http://schemas.microsoft.com/office/drawing/2017/decorative" val="1"/>
+                </a:ext>
+              </a:extLst>
+            </p:cNvPr>
+            <p:cNvCxnSpPr>
+              <a:cxnSpLocks/>
+            </p:cNvCxnSpPr>
+            <p:nvPr>
+              <p:extLst>
+                <p:ext uri="{386F3935-93C4-4BCD-93E2-E3B085C9AB24}">
+                  <p16:designElem xmlns:p16="http://schemas.microsoft.com/office/powerpoint/2015/main" val="1"/>
+                </p:ext>
+              </p:extLst>
+            </p:nvPr>
+          </p:nvCxnSpPr>
+          <p:spPr>
+            <a:xfrm>
+              <a:off x="7029447" y="3514725"/>
+              <a:ext cx="1285875" cy="0"/>
+            </a:xfrm>
+            <a:prstGeom prst="line">
+              <a:avLst/>
+            </a:prstGeom>
+            <a:ln w="31750" cap="rnd" cmpd="sng">
+              <a:gradFill>
+                <a:gsLst>
+                  <a:gs pos="0">
+                    <a:schemeClr val="tx2">
+                      <a:lumMod val="60000"/>
+                      <a:lumOff val="40000"/>
+                      <a:alpha val="40000"/>
+                    </a:schemeClr>
+                  </a:gs>
+                  <a:gs pos="100000">
+                    <a:schemeClr val="tx2">
+                      <a:lumMod val="75000"/>
+                      <a:alpha val="40000"/>
+                    </a:schemeClr>
+                  </a:gs>
+                </a:gsLst>
+                <a:lin ang="5400000" scaled="1"/>
+              </a:gradFill>
+              <a:prstDash val="sysDot"/>
+              <a:round/>
+            </a:ln>
+          </p:spPr>
+          <p:style>
+            <a:lnRef idx="1">
+              <a:schemeClr val="accent1"/>
+            </a:lnRef>
+            <a:fillRef idx="0">
+              <a:schemeClr val="accent1"/>
+            </a:fillRef>
+            <a:effectRef idx="0">
+              <a:schemeClr val="accent1"/>
+            </a:effectRef>
+            <a:fontRef idx="minor">
+              <a:schemeClr val="tx1"/>
+            </a:fontRef>
+          </p:style>
+        </p:cxnSp>
+        <p:cxnSp>
+          <p:nvCxnSpPr>
+            <p:cNvPr id="31" name="Straight Connector 30">
+              <a:extLst>
+                <a:ext uri="{FF2B5EF4-FFF2-40B4-BE49-F238E27FC236}">
+                  <a16:creationId xmlns:a16="http://schemas.microsoft.com/office/drawing/2014/main" id="{A1D19BAC-1681-47BC-AAF5-92FAFFF6F4CE}"/>
+                </a:ext>
+                <a:ext uri="{C183D7F6-B498-43B3-948B-1728B52AA6E4}">
+                  <adec:decorative xmlns:adec="http://schemas.microsoft.com/office/drawing/2017/decorative" val="1"/>
+                </a:ext>
+              </a:extLst>
+            </p:cNvPr>
+            <p:cNvCxnSpPr>
+              <a:cxnSpLocks/>
+            </p:cNvCxnSpPr>
+            <p:nvPr>
+              <p:extLst>
+                <p:ext uri="{386F3935-93C4-4BCD-93E2-E3B085C9AB24}">
+                  <p16:designElem xmlns:p16="http://schemas.microsoft.com/office/powerpoint/2015/main" val="1"/>
+                </p:ext>
+              </p:extLst>
+            </p:nvPr>
+          </p:nvCxnSpPr>
+          <p:spPr>
+            <a:xfrm>
+              <a:off x="7029447" y="3697727"/>
+              <a:ext cx="1285875" cy="0"/>
+            </a:xfrm>
+            <a:prstGeom prst="line">
+              <a:avLst/>
+            </a:prstGeom>
+            <a:ln w="31750" cap="rnd" cmpd="sng">
+              <a:gradFill>
+                <a:gsLst>
+                  <a:gs pos="0">
+                    <a:schemeClr val="tx2">
+                      <a:lumMod val="60000"/>
+                      <a:lumOff val="40000"/>
+                      <a:alpha val="40000"/>
+                    </a:schemeClr>
+                  </a:gs>
+                  <a:gs pos="100000">
+                    <a:schemeClr val="tx2">
+                      <a:lumMod val="75000"/>
+                      <a:alpha val="40000"/>
+                    </a:schemeClr>
+                  </a:gs>
+                </a:gsLst>
+                <a:lin ang="5400000" scaled="1"/>
+              </a:gradFill>
+              <a:prstDash val="sysDot"/>
+              <a:round/>
+            </a:ln>
+          </p:spPr>
+          <p:style>
+            <a:lnRef idx="1">
+              <a:schemeClr val="accent1"/>
+            </a:lnRef>
+            <a:fillRef idx="0">
+              <a:schemeClr val="accent1"/>
+            </a:fillRef>
+            <a:effectRef idx="0">
+              <a:schemeClr val="accent1"/>
+            </a:effectRef>
+            <a:fontRef idx="minor">
+              <a:schemeClr val="tx1"/>
+            </a:fontRef>
+          </p:style>
+        </p:cxnSp>
+        <p:cxnSp>
+          <p:nvCxnSpPr>
+            <p:cNvPr id="32" name="Straight Connector 31">
+              <a:extLst>
+                <a:ext uri="{FF2B5EF4-FFF2-40B4-BE49-F238E27FC236}">
+                  <a16:creationId xmlns:a16="http://schemas.microsoft.com/office/drawing/2014/main" id="{94347C2B-E846-452C-97AA-7E254FC1CE8F}"/>
+                </a:ext>
+                <a:ext uri="{C183D7F6-B498-43B3-948B-1728B52AA6E4}">
+                  <adec:decorative xmlns:adec="http://schemas.microsoft.com/office/drawing/2017/decorative" val="1"/>
+                </a:ext>
+              </a:extLst>
+            </p:cNvPr>
+            <p:cNvCxnSpPr>
+              <a:cxnSpLocks/>
+            </p:cNvCxnSpPr>
+            <p:nvPr>
+              <p:extLst>
+                <p:ext uri="{386F3935-93C4-4BCD-93E2-E3B085C9AB24}">
+                  <p16:designElem xmlns:p16="http://schemas.microsoft.com/office/powerpoint/2015/main" val="1"/>
+                </p:ext>
+              </p:extLst>
+            </p:nvPr>
+          </p:nvCxnSpPr>
+          <p:spPr>
+            <a:xfrm>
+              <a:off x="7029447" y="3880729"/>
+              <a:ext cx="1285875" cy="0"/>
+            </a:xfrm>
+            <a:prstGeom prst="line">
+              <a:avLst/>
+            </a:prstGeom>
+            <a:ln w="31750" cap="rnd" cmpd="sng">
+              <a:gradFill>
+                <a:gsLst>
+                  <a:gs pos="0">
+                    <a:schemeClr val="tx2">
+                      <a:lumMod val="60000"/>
+                      <a:lumOff val="40000"/>
+                      <a:alpha val="40000"/>
+                    </a:schemeClr>
+                  </a:gs>
+                  <a:gs pos="100000">
+                    <a:schemeClr val="tx2">
+                      <a:lumMod val="75000"/>
+                      <a:alpha val="40000"/>
+                    </a:schemeClr>
+                  </a:gs>
+                </a:gsLst>
+                <a:lin ang="5400000" scaled="1"/>
+              </a:gradFill>
+              <a:prstDash val="sysDot"/>
+              <a:round/>
+            </a:ln>
+          </p:spPr>
+          <p:style>
+            <a:lnRef idx="1">
+              <a:schemeClr val="accent1"/>
+            </a:lnRef>
+            <a:fillRef idx="0">
+              <a:schemeClr val="accent1"/>
+            </a:fillRef>
+            <a:effectRef idx="0">
+              <a:schemeClr val="accent1"/>
+            </a:effectRef>
+            <a:fontRef idx="minor">
+              <a:schemeClr val="tx1"/>
+            </a:fontRef>
+          </p:style>
+        </p:cxnSp>
+        <p:cxnSp>
+          <p:nvCxnSpPr>
+            <p:cNvPr id="33" name="Straight Connector 32">
+              <a:extLst>
+                <a:ext uri="{FF2B5EF4-FFF2-40B4-BE49-F238E27FC236}">
+                  <a16:creationId xmlns:a16="http://schemas.microsoft.com/office/drawing/2014/main" id="{10EA2B35-7959-4C2A-84AA-FF5D94FEDE90}"/>
+                </a:ext>
+                <a:ext uri="{C183D7F6-B498-43B3-948B-1728B52AA6E4}">
+                  <adec:decorative xmlns:adec="http://schemas.microsoft.com/office/drawing/2017/decorative" val="1"/>
+                </a:ext>
+              </a:extLst>
+            </p:cNvPr>
+            <p:cNvCxnSpPr>
+              <a:cxnSpLocks/>
+            </p:cNvCxnSpPr>
+            <p:nvPr>
+              <p:extLst>
+                <p:ext uri="{386F3935-93C4-4BCD-93E2-E3B085C9AB24}">
+                  <p16:designElem xmlns:p16="http://schemas.microsoft.com/office/powerpoint/2015/main" val="1"/>
+                </p:ext>
+              </p:extLst>
+            </p:nvPr>
+          </p:nvCxnSpPr>
+          <p:spPr>
+            <a:xfrm>
+              <a:off x="7029447" y="4063732"/>
+              <a:ext cx="1285875" cy="0"/>
+            </a:xfrm>
+            <a:prstGeom prst="line">
+              <a:avLst/>
+            </a:prstGeom>
+            <a:ln w="31750" cap="rnd" cmpd="sng">
+              <a:gradFill>
+                <a:gsLst>
+                  <a:gs pos="0">
+                    <a:schemeClr val="tx2">
+                      <a:lumMod val="60000"/>
+                      <a:lumOff val="40000"/>
+                      <a:alpha val="40000"/>
+                    </a:schemeClr>
+                  </a:gs>
+                  <a:gs pos="100000">
+                    <a:schemeClr val="tx2">
+                      <a:lumMod val="75000"/>
+                      <a:alpha val="40000"/>
+                    </a:schemeClr>
+                  </a:gs>
+                </a:gsLst>
+                <a:lin ang="5400000" scaled="1"/>
+              </a:gradFill>
+              <a:prstDash val="sysDot"/>
+              <a:round/>
+            </a:ln>
+          </p:spPr>
+          <p:style>
+            <a:lnRef idx="1">
+              <a:schemeClr val="accent1"/>
+            </a:lnRef>
+            <a:fillRef idx="0">
+              <a:schemeClr val="accent1"/>
+            </a:fillRef>
+            <a:effectRef idx="0">
+              <a:schemeClr val="accent1"/>
+            </a:effectRef>
+            <a:fontRef idx="minor">
+              <a:schemeClr val="tx1"/>
+            </a:fontRef>
+          </p:style>
+        </p:cxnSp>
+      </p:grpSp>
+      <p:sp>
+        <p:nvSpPr>
+          <p:cNvPr id="35" name="Rectangle 34">
+            <a:extLst>
+              <a:ext uri="{FF2B5EF4-FFF2-40B4-BE49-F238E27FC236}">
+                <a16:creationId xmlns:a16="http://schemas.microsoft.com/office/drawing/2014/main" id="{E2D3D3F2-ABBB-4453-B1C5-1BEBF7E4DD56}"/>
+              </a:ext>
+              <a:ext uri="{C183D7F6-B498-43B3-948B-1728B52AA6E4}">
+                <adec:decorative xmlns:adec="http://schemas.microsoft.com/office/drawing/2017/decorative" val="1"/>
+              </a:ext>
+            </a:extLst>
+          </p:cNvPr>
+          <p:cNvSpPr>
+            <a:spLocks noGrp="1" noRot="1" noChangeAspect="1" noMove="1" noResize="1" noEditPoints="1" noAdjustHandles="1" noChangeArrowheads="1" noChangeShapeType="1" noTextEdit="1"/>
+          </p:cNvSpPr>
+          <p:nvPr>
+            <p:extLst>
+              <p:ext uri="{386F3935-93C4-4BCD-93E2-E3B085C9AB24}">
+                <p16:designElem xmlns:p16="http://schemas.microsoft.com/office/powerpoint/2015/main" val="1"/>
+              </p:ext>
+            </p:extLst>
+          </p:nvPr>
+        </p:nvSpPr>
+        <p:spPr>
+          <a:xfrm rot="10800000">
+            <a:off x="-1" y="6140785"/>
+            <a:ext cx="6095997" cy="711252"/>
+          </a:xfrm>
+          <a:prstGeom prst="rect">
+            <a:avLst/>
+          </a:prstGeom>
+          <a:gradFill flip="none" rotWithShape="1">
+            <a:gsLst>
+              <a:gs pos="10000">
+                <a:schemeClr val="tx2">
+                  <a:lumMod val="50000"/>
+                  <a:alpha val="10000"/>
+                </a:schemeClr>
+              </a:gs>
+              <a:gs pos="100000">
+                <a:schemeClr val="tx2">
+                  <a:lumMod val="60000"/>
+                  <a:lumOff val="40000"/>
+                  <a:alpha val="0"/>
+                </a:schemeClr>
+              </a:gs>
+            </a:gsLst>
+            <a:lin ang="8400000" scaled="0"/>
+            <a:tileRect/>
+          </a:gradFill>
+          <a:ln>
+            <a:noFill/>
+          </a:ln>
+        </p:spPr>
+        <p:style>
+          <a:lnRef idx="2">
+            <a:schemeClr val="accent1">
+              <a:shade val="50000"/>
+            </a:schemeClr>
+          </a:lnRef>
+          <a:fillRef idx="1">
+            <a:schemeClr val="accent1"/>
+          </a:fillRef>
+          <a:effectRef idx="0">
+            <a:schemeClr val="accent1"/>
+          </a:effectRef>
+          <a:fontRef idx="minor">
+            <a:schemeClr val="lt1"/>
+          </a:fontRef>
+        </p:style>
+        <p:txBody>
+          <a:bodyPr rtlCol="0" anchor="ctr"/>
+          <a:lstStyle/>
+          <a:p>
+            <a:pPr algn="ctr"/>
+            <a:endParaRPr lang="en-US"/>
+          </a:p>
+        </p:txBody>
+      </p:sp>
+      <p:grpSp>
+        <p:nvGrpSpPr>
+          <p:cNvPr id="37" name="Group 36">
+            <a:extLst>
+              <a:ext uri="{FF2B5EF4-FFF2-40B4-BE49-F238E27FC236}">
+                <a16:creationId xmlns:a16="http://schemas.microsoft.com/office/drawing/2014/main" id="{8214E4A5-A0D2-42C4-8D14-D2A7E495F041}"/>
+              </a:ext>
+              <a:ext uri="{C183D7F6-B498-43B3-948B-1728B52AA6E4}">
+                <adec:decorative xmlns:adec="http://schemas.microsoft.com/office/drawing/2017/decorative" val="1"/>
+              </a:ext>
+            </a:extLst>
+          </p:cNvPr>
+          <p:cNvGrpSpPr>
+            <a:grpSpLocks noGrp="1" noUngrp="1" noRot="1" noChangeAspect="1" noMove="1" noResize="1"/>
+          </p:cNvGrpSpPr>
+          <p:nvPr>
+            <p:extLst>
+              <p:ext uri="{386F3935-93C4-4BCD-93E2-E3B085C9AB24}">
+                <p16:designElem xmlns:p16="http://schemas.microsoft.com/office/powerpoint/2015/main" val="1"/>
+              </p:ext>
+            </p:extLst>
+          </p:nvPr>
+        </p:nvGrpSpPr>
+        <p:grpSpPr>
+          <a:xfrm rot="5400000">
+            <a:off x="616345" y="5940560"/>
+            <a:ext cx="1285875" cy="549007"/>
+            <a:chOff x="7029447" y="3514725"/>
+            <a:chExt cx="1285875" cy="549007"/>
+          </a:xfrm>
+        </p:grpSpPr>
+        <p:cxnSp>
+          <p:nvCxnSpPr>
+            <p:cNvPr id="38" name="Straight Connector 37">
+              <a:extLst>
+                <a:ext uri="{FF2B5EF4-FFF2-40B4-BE49-F238E27FC236}">
+                  <a16:creationId xmlns:a16="http://schemas.microsoft.com/office/drawing/2014/main" id="{7494D7A0-6B21-41E8-A7D3-0033BBB79156}"/>
+                </a:ext>
+                <a:ext uri="{C183D7F6-B498-43B3-948B-1728B52AA6E4}">
+                  <adec:decorative xmlns:adec="http://schemas.microsoft.com/office/drawing/2017/decorative" val="1"/>
+                </a:ext>
+              </a:extLst>
+            </p:cNvPr>
+            <p:cNvCxnSpPr>
+              <a:cxnSpLocks/>
+            </p:cNvCxnSpPr>
+            <p:nvPr>
+              <p:extLst>
+                <p:ext uri="{386F3935-93C4-4BCD-93E2-E3B085C9AB24}">
+                  <p16:designElem xmlns:p16="http://schemas.microsoft.com/office/powerpoint/2015/main" val="1"/>
+                </p:ext>
+              </p:extLst>
+            </p:nvPr>
+          </p:nvCxnSpPr>
+          <p:spPr>
+            <a:xfrm>
+              <a:off x="7029447" y="3514725"/>
+              <a:ext cx="1285875" cy="0"/>
+            </a:xfrm>
+            <a:prstGeom prst="line">
+              <a:avLst/>
+            </a:prstGeom>
+            <a:ln w="31750" cap="rnd" cmpd="sng">
+              <a:gradFill>
+                <a:gsLst>
+                  <a:gs pos="0">
+                    <a:schemeClr val="tx2">
+                      <a:lumMod val="60000"/>
+                      <a:lumOff val="40000"/>
+                      <a:alpha val="40000"/>
+                    </a:schemeClr>
+                  </a:gs>
+                  <a:gs pos="100000">
+                    <a:schemeClr val="tx2">
+                      <a:lumMod val="50000"/>
+                      <a:alpha val="40000"/>
+                    </a:schemeClr>
+                  </a:gs>
+                </a:gsLst>
+                <a:lin ang="5400000" scaled="1"/>
+              </a:gradFill>
+              <a:prstDash val="sysDot"/>
+              <a:round/>
+            </a:ln>
+          </p:spPr>
+          <p:style>
+            <a:lnRef idx="1">
+              <a:schemeClr val="accent1"/>
+            </a:lnRef>
+            <a:fillRef idx="0">
+              <a:schemeClr val="accent1"/>
+            </a:fillRef>
+            <a:effectRef idx="0">
+              <a:schemeClr val="accent1"/>
+            </a:effectRef>
+            <a:fontRef idx="minor">
+              <a:schemeClr val="tx1"/>
+            </a:fontRef>
+          </p:style>
+        </p:cxnSp>
+        <p:cxnSp>
+          <p:nvCxnSpPr>
+            <p:cNvPr id="39" name="Straight Connector 38">
+              <a:extLst>
+                <a:ext uri="{FF2B5EF4-FFF2-40B4-BE49-F238E27FC236}">
+                  <a16:creationId xmlns:a16="http://schemas.microsoft.com/office/drawing/2014/main" id="{1E141D7D-32B0-448E-A666-EA8703AFCF2C}"/>
+                </a:ext>
+                <a:ext uri="{C183D7F6-B498-43B3-948B-1728B52AA6E4}">
+                  <adec:decorative xmlns:adec="http://schemas.microsoft.com/office/drawing/2017/decorative" val="1"/>
+                </a:ext>
+              </a:extLst>
+            </p:cNvPr>
+            <p:cNvCxnSpPr>
+              <a:cxnSpLocks/>
+            </p:cNvCxnSpPr>
+            <p:nvPr>
+              <p:extLst>
+                <p:ext uri="{386F3935-93C4-4BCD-93E2-E3B085C9AB24}">
+                  <p16:designElem xmlns:p16="http://schemas.microsoft.com/office/powerpoint/2015/main" val="1"/>
+                </p:ext>
+              </p:extLst>
+            </p:nvPr>
+          </p:nvCxnSpPr>
+          <p:spPr>
+            <a:xfrm>
+              <a:off x="7029447" y="3697727"/>
+              <a:ext cx="1285875" cy="0"/>
+            </a:xfrm>
+            <a:prstGeom prst="line">
+              <a:avLst/>
+            </a:prstGeom>
+            <a:ln w="31750" cap="rnd" cmpd="sng">
+              <a:gradFill>
+                <a:gsLst>
+                  <a:gs pos="0">
+                    <a:schemeClr val="tx2">
+                      <a:lumMod val="60000"/>
+                      <a:lumOff val="40000"/>
+                      <a:alpha val="40000"/>
+                    </a:schemeClr>
+                  </a:gs>
+                  <a:gs pos="100000">
+                    <a:schemeClr val="tx2">
+                      <a:lumMod val="50000"/>
+                      <a:alpha val="40000"/>
+                    </a:schemeClr>
+                  </a:gs>
+                </a:gsLst>
+                <a:lin ang="5400000" scaled="1"/>
+              </a:gradFill>
+              <a:prstDash val="sysDot"/>
+              <a:round/>
+            </a:ln>
+          </p:spPr>
+          <p:style>
+            <a:lnRef idx="1">
+              <a:schemeClr val="accent1"/>
+            </a:lnRef>
+            <a:fillRef idx="0">
+              <a:schemeClr val="accent1"/>
+            </a:fillRef>
+            <a:effectRef idx="0">
+              <a:schemeClr val="accent1"/>
+            </a:effectRef>
+            <a:fontRef idx="minor">
+              <a:schemeClr val="tx1"/>
+            </a:fontRef>
+          </p:style>
+        </p:cxnSp>
+        <p:cxnSp>
+          <p:nvCxnSpPr>
+            <p:cNvPr id="40" name="Straight Connector 39">
+              <a:extLst>
+                <a:ext uri="{FF2B5EF4-FFF2-40B4-BE49-F238E27FC236}">
+                  <a16:creationId xmlns:a16="http://schemas.microsoft.com/office/drawing/2014/main" id="{8D87E268-6345-420F-8B97-B37ED04100EC}"/>
+                </a:ext>
+                <a:ext uri="{C183D7F6-B498-43B3-948B-1728B52AA6E4}">
+                  <adec:decorative xmlns:adec="http://schemas.microsoft.com/office/drawing/2017/decorative" val="1"/>
+                </a:ext>
+              </a:extLst>
+            </p:cNvPr>
+            <p:cNvCxnSpPr>
+              <a:cxnSpLocks/>
+            </p:cNvCxnSpPr>
+            <p:nvPr>
+              <p:extLst>
+                <p:ext uri="{386F3935-93C4-4BCD-93E2-E3B085C9AB24}">
+                  <p16:designElem xmlns:p16="http://schemas.microsoft.com/office/powerpoint/2015/main" val="1"/>
+                </p:ext>
+              </p:extLst>
+            </p:nvPr>
+          </p:nvCxnSpPr>
+          <p:spPr>
+            <a:xfrm>
+              <a:off x="7029447" y="3880729"/>
+              <a:ext cx="1285875" cy="0"/>
+            </a:xfrm>
+            <a:prstGeom prst="line">
+              <a:avLst/>
+            </a:prstGeom>
+            <a:ln w="31750" cap="rnd" cmpd="sng">
+              <a:gradFill>
+                <a:gsLst>
+                  <a:gs pos="0">
+                    <a:schemeClr val="tx2">
+                      <a:lumMod val="60000"/>
+                      <a:lumOff val="40000"/>
+                      <a:alpha val="40000"/>
+                    </a:schemeClr>
+                  </a:gs>
+                  <a:gs pos="100000">
+                    <a:schemeClr val="tx2">
+                      <a:lumMod val="50000"/>
+                      <a:alpha val="40000"/>
+                    </a:schemeClr>
+                  </a:gs>
+                </a:gsLst>
+                <a:lin ang="5400000" scaled="1"/>
+              </a:gradFill>
+              <a:prstDash val="sysDot"/>
+              <a:round/>
+            </a:ln>
+          </p:spPr>
+          <p:style>
+            <a:lnRef idx="1">
+              <a:schemeClr val="accent1"/>
+            </a:lnRef>
+            <a:fillRef idx="0">
+              <a:schemeClr val="accent1"/>
+            </a:fillRef>
+            <a:effectRef idx="0">
+              <a:schemeClr val="accent1"/>
+            </a:effectRef>
+            <a:fontRef idx="minor">
+              <a:schemeClr val="tx1"/>
+            </a:fontRef>
+          </p:style>
+        </p:cxnSp>
+        <p:cxnSp>
+          <p:nvCxnSpPr>
+            <p:cNvPr id="41" name="Straight Connector 40">
+              <a:extLst>
+                <a:ext uri="{FF2B5EF4-FFF2-40B4-BE49-F238E27FC236}">
+                  <a16:creationId xmlns:a16="http://schemas.microsoft.com/office/drawing/2014/main" id="{35E1622E-7FA6-4760-A2BF-A8105EBF7BB9}"/>
+                </a:ext>
+                <a:ext uri="{C183D7F6-B498-43B3-948B-1728B52AA6E4}">
+                  <adec:decorative xmlns:adec="http://schemas.microsoft.com/office/drawing/2017/decorative" val="1"/>
+                </a:ext>
+              </a:extLst>
+            </p:cNvPr>
+            <p:cNvCxnSpPr>
+              <a:cxnSpLocks/>
+            </p:cNvCxnSpPr>
+            <p:nvPr>
+              <p:extLst>
+                <p:ext uri="{386F3935-93C4-4BCD-93E2-E3B085C9AB24}">
+                  <p16:designElem xmlns:p16="http://schemas.microsoft.com/office/powerpoint/2015/main" val="1"/>
+                </p:ext>
+              </p:extLst>
+            </p:nvPr>
+          </p:nvCxnSpPr>
+          <p:spPr>
+            <a:xfrm>
+              <a:off x="7029447" y="4063732"/>
+              <a:ext cx="1285875" cy="0"/>
+            </a:xfrm>
+            <a:prstGeom prst="line">
+              <a:avLst/>
+            </a:prstGeom>
+            <a:ln w="31750" cap="rnd" cmpd="sng">
+              <a:gradFill>
+                <a:gsLst>
+                  <a:gs pos="0">
+                    <a:schemeClr val="tx2">
+                      <a:lumMod val="60000"/>
+                      <a:lumOff val="40000"/>
+                      <a:alpha val="40000"/>
+                    </a:schemeClr>
+                  </a:gs>
+                  <a:gs pos="100000">
+                    <a:schemeClr val="tx2">
+                      <a:lumMod val="50000"/>
+                      <a:alpha val="40000"/>
+                    </a:schemeClr>
+                  </a:gs>
+                </a:gsLst>
+                <a:lin ang="5400000" scaled="1"/>
+              </a:gradFill>
+              <a:prstDash val="sysDot"/>
+              <a:round/>
+            </a:ln>
+          </p:spPr>
+          <p:style>
+            <a:lnRef idx="1">
+              <a:schemeClr val="accent1"/>
+            </a:lnRef>
+            <a:fillRef idx="0">
+              <a:schemeClr val="accent1"/>
+            </a:fillRef>
+            <a:effectRef idx="0">
+              <a:schemeClr val="accent1"/>
+            </a:effectRef>
+            <a:fontRef idx="minor">
+              <a:schemeClr val="tx1"/>
+            </a:fontRef>
+          </p:style>
+        </p:cxnSp>
+      </p:grpSp>
+      <p:pic>
+        <p:nvPicPr>
+          <p:cNvPr id="5" name="内容占位符 4">
+            <a:extLst>
+              <a:ext uri="{FF2B5EF4-FFF2-40B4-BE49-F238E27FC236}">
+                <a16:creationId xmlns:a16="http://schemas.microsoft.com/office/drawing/2014/main" id="{647910A9-3D3A-8E3F-501B-81671ADA0BF7}"/>
+              </a:ext>
+            </a:extLst>
+          </p:cNvPr>
+          <p:cNvPicPr>
+            <a:picLocks noGrp="1" noChangeAspect="1"/>
+          </p:cNvPicPr>
+          <p:nvPr>
+            <p:ph idx="1"/>
+          </p:nvPr>
+        </p:nvPicPr>
+        <p:blipFill>
+          <a:blip r:embed="rId2"/>
+          <a:srcRect r="-1" b="53"/>
+          <a:stretch>
+            <a:fillRect/>
+          </a:stretch>
+        </p:blipFill>
+        <p:spPr>
+          <a:xfrm>
+            <a:off x="629638" y="2708781"/>
+            <a:ext cx="10848063" cy="3496632"/>
+          </a:xfrm>
+          <a:prstGeom prst="rect">
+            <a:avLst/>
+          </a:prstGeom>
+        </p:spPr>
+      </p:pic>
+      <p:grpSp>
+        <p:nvGrpSpPr>
+          <p:cNvPr id="43" name="Group 42">
+            <a:extLst>
+              <a:ext uri="{FF2B5EF4-FFF2-40B4-BE49-F238E27FC236}">
+                <a16:creationId xmlns:a16="http://schemas.microsoft.com/office/drawing/2014/main" id="{AF19A774-30A5-488B-9BAF-629C6440294E}"/>
+              </a:ext>
+              <a:ext uri="{C183D7F6-B498-43B3-948B-1728B52AA6E4}">
+                <adec:decorative xmlns:adec="http://schemas.microsoft.com/office/drawing/2017/decorative" val="1"/>
+              </a:ext>
+            </a:extLst>
+          </p:cNvPr>
+          <p:cNvGrpSpPr>
+            <a:grpSpLocks noGrp="1" noUngrp="1" noRot="1" noChangeAspect="1" noMove="1" noResize="1"/>
+          </p:cNvGrpSpPr>
+          <p:nvPr>
+            <p:extLst>
+              <p:ext uri="{386F3935-93C4-4BCD-93E2-E3B085C9AB24}">
+                <p16:designElem xmlns:p16="http://schemas.microsoft.com/office/powerpoint/2015/main" val="1"/>
+              </p:ext>
+            </p:extLst>
+          </p:nvPr>
+        </p:nvGrpSpPr>
+        <p:grpSpPr>
+          <a:xfrm rot="16200000">
+            <a:off x="474192" y="2852760"/>
+            <a:ext cx="304800" cy="429768"/>
+            <a:chOff x="215328" y="-46937"/>
+            <a:chExt cx="304800" cy="2773841"/>
+          </a:xfrm>
+        </p:grpSpPr>
+        <p:cxnSp>
+          <p:nvCxnSpPr>
+            <p:cNvPr id="44" name="Straight Connector 43">
+              <a:extLst>
+                <a:ext uri="{FF2B5EF4-FFF2-40B4-BE49-F238E27FC236}">
+                  <a16:creationId xmlns:a16="http://schemas.microsoft.com/office/drawing/2014/main" id="{291EBF88-5B98-4258-A542-14C3AF2E5225}"/>
+                </a:ext>
+                <a:ext uri="{C183D7F6-B498-43B3-948B-1728B52AA6E4}">
+                  <adec:decorative xmlns:adec="http://schemas.microsoft.com/office/drawing/2017/decorative" val="1"/>
+                </a:ext>
+              </a:extLst>
+            </p:cNvPr>
+            <p:cNvCxnSpPr>
+              <a:cxnSpLocks/>
+            </p:cNvCxnSpPr>
+            <p:nvPr>
+              <p:extLst>
+                <p:ext uri="{386F3935-93C4-4BCD-93E2-E3B085C9AB24}">
+                  <p16:designElem xmlns:p16="http://schemas.microsoft.com/office/powerpoint/2015/main" val="1"/>
+                </p:ext>
+              </p:extLst>
+            </p:nvPr>
+          </p:nvCxnSpPr>
+          <p:spPr>
+            <a:xfrm>
+              <a:off x="215328" y="-46937"/>
+              <a:ext cx="0" cy="2773841"/>
+            </a:xfrm>
+            <a:prstGeom prst="line">
+              <a:avLst/>
+            </a:prstGeom>
+            <a:ln w="25400" cmpd="sng">
+              <a:solidFill>
+                <a:schemeClr val="bg2">
+                  <a:lumMod val="60000"/>
+                  <a:lumOff val="40000"/>
+                  <a:alpha val="50000"/>
+                </a:schemeClr>
+              </a:solidFill>
+              <a:prstDash val="sysDot"/>
+            </a:ln>
+          </p:spPr>
+          <p:style>
+            <a:lnRef idx="1">
+              <a:schemeClr val="accent1"/>
+            </a:lnRef>
+            <a:fillRef idx="0">
+              <a:schemeClr val="accent1"/>
+            </a:fillRef>
+            <a:effectRef idx="0">
+              <a:schemeClr val="accent1"/>
+            </a:effectRef>
+            <a:fontRef idx="minor">
+              <a:schemeClr val="tx1"/>
+            </a:fontRef>
+          </p:style>
+        </p:cxnSp>
+        <p:cxnSp>
+          <p:nvCxnSpPr>
+            <p:cNvPr id="45" name="Straight Connector 44">
+              <a:extLst>
+                <a:ext uri="{FF2B5EF4-FFF2-40B4-BE49-F238E27FC236}">
+                  <a16:creationId xmlns:a16="http://schemas.microsoft.com/office/drawing/2014/main" id="{8FBC2D58-9E3C-490D-BD7A-61EF07EA79E4}"/>
+                </a:ext>
+                <a:ext uri="{C183D7F6-B498-43B3-948B-1728B52AA6E4}">
+                  <adec:decorative xmlns:adec="http://schemas.microsoft.com/office/drawing/2017/decorative" val="1"/>
+                </a:ext>
+              </a:extLst>
+            </p:cNvPr>
+            <p:cNvCxnSpPr>
+              <a:cxnSpLocks/>
+            </p:cNvCxnSpPr>
+            <p:nvPr>
+              <p:extLst>
+                <p:ext uri="{386F3935-93C4-4BCD-93E2-E3B085C9AB24}">
+                  <p16:designElem xmlns:p16="http://schemas.microsoft.com/office/powerpoint/2015/main" val="1"/>
+                </p:ext>
+              </p:extLst>
+            </p:nvPr>
+          </p:nvCxnSpPr>
+          <p:spPr>
+            <a:xfrm>
+              <a:off x="316928" y="-46937"/>
+              <a:ext cx="0" cy="2773841"/>
+            </a:xfrm>
+            <a:prstGeom prst="line">
+              <a:avLst/>
+            </a:prstGeom>
+            <a:ln w="25400" cmpd="sng">
+              <a:solidFill>
+                <a:schemeClr val="bg2">
+                  <a:lumMod val="60000"/>
+                  <a:lumOff val="40000"/>
+                  <a:alpha val="50000"/>
+                </a:schemeClr>
+              </a:solidFill>
+              <a:prstDash val="sysDot"/>
+            </a:ln>
+          </p:spPr>
+          <p:style>
+            <a:lnRef idx="1">
+              <a:schemeClr val="accent1"/>
+            </a:lnRef>
+            <a:fillRef idx="0">
+              <a:schemeClr val="accent1"/>
+            </a:fillRef>
+            <a:effectRef idx="0">
+              <a:schemeClr val="accent1"/>
+            </a:effectRef>
+            <a:fontRef idx="minor">
+              <a:schemeClr val="tx1"/>
+            </a:fontRef>
+          </p:style>
+        </p:cxnSp>
+        <p:cxnSp>
+          <p:nvCxnSpPr>
+            <p:cNvPr id="46" name="Straight Connector 45">
+              <a:extLst>
+                <a:ext uri="{FF2B5EF4-FFF2-40B4-BE49-F238E27FC236}">
+                  <a16:creationId xmlns:a16="http://schemas.microsoft.com/office/drawing/2014/main" id="{B6CF1BB4-1C1D-4EDE-BA26-0243FCF83BB9}"/>
+                </a:ext>
+                <a:ext uri="{C183D7F6-B498-43B3-948B-1728B52AA6E4}">
+                  <adec:decorative xmlns:adec="http://schemas.microsoft.com/office/drawing/2017/decorative" val="1"/>
+                </a:ext>
+              </a:extLst>
+            </p:cNvPr>
+            <p:cNvCxnSpPr>
+              <a:cxnSpLocks/>
+            </p:cNvCxnSpPr>
+            <p:nvPr>
+              <p:extLst>
+                <p:ext uri="{386F3935-93C4-4BCD-93E2-E3B085C9AB24}">
+                  <p16:designElem xmlns:p16="http://schemas.microsoft.com/office/powerpoint/2015/main" val="1"/>
+                </p:ext>
+              </p:extLst>
+            </p:nvPr>
+          </p:nvCxnSpPr>
+          <p:spPr>
+            <a:xfrm>
+              <a:off x="418528" y="-46937"/>
+              <a:ext cx="0" cy="2773841"/>
+            </a:xfrm>
+            <a:prstGeom prst="line">
+              <a:avLst/>
+            </a:prstGeom>
+            <a:ln w="25400" cmpd="sng">
+              <a:solidFill>
+                <a:schemeClr val="bg2">
+                  <a:lumMod val="60000"/>
+                  <a:lumOff val="40000"/>
+                  <a:alpha val="50000"/>
+                </a:schemeClr>
+              </a:solidFill>
+              <a:prstDash val="sysDot"/>
+            </a:ln>
+          </p:spPr>
+          <p:style>
+            <a:lnRef idx="1">
+              <a:schemeClr val="accent1"/>
+            </a:lnRef>
+            <a:fillRef idx="0">
+              <a:schemeClr val="accent1"/>
+            </a:fillRef>
+            <a:effectRef idx="0">
+              <a:schemeClr val="accent1"/>
+            </a:effectRef>
+            <a:fontRef idx="minor">
+              <a:schemeClr val="tx1"/>
+            </a:fontRef>
+          </p:style>
+        </p:cxnSp>
+        <p:cxnSp>
+          <p:nvCxnSpPr>
+            <p:cNvPr id="47" name="Straight Connector 46">
+              <a:extLst>
+                <a:ext uri="{FF2B5EF4-FFF2-40B4-BE49-F238E27FC236}">
+                  <a16:creationId xmlns:a16="http://schemas.microsoft.com/office/drawing/2014/main" id="{00C83729-E02F-4512-AFE7-F4792228BDA2}"/>
+                </a:ext>
+                <a:ext uri="{C183D7F6-B498-43B3-948B-1728B52AA6E4}">
+                  <adec:decorative xmlns:adec="http://schemas.microsoft.com/office/drawing/2017/decorative" val="1"/>
+                </a:ext>
+              </a:extLst>
+            </p:cNvPr>
+            <p:cNvCxnSpPr>
+              <a:cxnSpLocks/>
+            </p:cNvCxnSpPr>
+            <p:nvPr>
+              <p:extLst>
+                <p:ext uri="{386F3935-93C4-4BCD-93E2-E3B085C9AB24}">
+                  <p16:designElem xmlns:p16="http://schemas.microsoft.com/office/powerpoint/2015/main" val="1"/>
+                </p:ext>
+              </p:extLst>
+            </p:nvPr>
+          </p:nvCxnSpPr>
+          <p:spPr>
+            <a:xfrm>
+              <a:off x="520128" y="-46937"/>
+              <a:ext cx="0" cy="2773841"/>
+            </a:xfrm>
+            <a:prstGeom prst="line">
+              <a:avLst/>
+            </a:prstGeom>
+            <a:ln w="25400" cmpd="sng">
+              <a:solidFill>
+                <a:schemeClr val="bg2">
+                  <a:lumMod val="60000"/>
+                  <a:lumOff val="40000"/>
+                  <a:alpha val="50000"/>
+                </a:schemeClr>
+              </a:solidFill>
+              <a:prstDash val="sysDot"/>
+            </a:ln>
+          </p:spPr>
+          <p:style>
+            <a:lnRef idx="1">
+              <a:schemeClr val="accent1"/>
+            </a:lnRef>
+            <a:fillRef idx="0">
+              <a:schemeClr val="accent1"/>
+            </a:fillRef>
+            <a:effectRef idx="0">
+              <a:schemeClr val="accent1"/>
+            </a:effectRef>
+            <a:fontRef idx="minor">
+              <a:schemeClr val="tx1"/>
+            </a:fontRef>
+          </p:style>
+        </p:cxnSp>
+      </p:grpSp>
+    </p:spTree>
+    <p:extLst>
+      <p:ext uri="{BB962C8B-B14F-4D97-AF65-F5344CB8AC3E}">
+        <p14:creationId xmlns:p14="http://schemas.microsoft.com/office/powerpoint/2010/main" val="555977395"/>
+      </p:ext>
+    </p:extLst>
+  </p:cSld>
+  <p:clrMapOvr>
+    <a:masterClrMapping/>
+  </p:clrMapOvr>
+</p:sld>
+</file>
+
+<file path=ppt/slides/slide3.xml><?xml version="1.0" encoding="utf-8"?>
+<p:sld xmlns:a="http://schemas.openxmlformats.org/drawingml/2006/main" xmlns:r="http://schemas.openxmlformats.org/officeDocument/2006/relationships" xmlns:p="http://schemas.openxmlformats.org/presentationml/2006/main">
+  <p:cSld>
+    <p:spTree>
+      <p:nvGrpSpPr>
+        <p:cNvPr id="1" name=""/>
+        <p:cNvGrpSpPr/>
+        <p:nvPr/>
+      </p:nvGrpSpPr>
+      <p:grpSpPr>
+        <a:xfrm>
+          <a:off x="0" y="0"/>
+          <a:ext cx="0" cy="0"/>
+          <a:chOff x="0" y="0"/>
+          <a:chExt cx="0" cy="0"/>
+        </a:xfrm>
+      </p:grpSpPr>
+      <p:sp>
+        <p:nvSpPr>
+          <p:cNvPr id="3" name="内容占位符 2">
+            <a:extLst>
+              <a:ext uri="{FF2B5EF4-FFF2-40B4-BE49-F238E27FC236}">
+                <a16:creationId xmlns:a16="http://schemas.microsoft.com/office/drawing/2014/main" id="{4A55FC08-3E2A-5957-7AC8-8E6100EB5ACC}"/>
+              </a:ext>
+            </a:extLst>
+          </p:cNvPr>
+          <p:cNvSpPr>
+            <a:spLocks noGrp="1"/>
+          </p:cNvSpPr>
+          <p:nvPr>
+            <p:ph idx="1"/>
+          </p:nvPr>
+        </p:nvSpPr>
+        <p:spPr>
+          <a:xfrm>
+            <a:off x="364156" y="3571374"/>
+            <a:ext cx="4427621" cy="500514"/>
+          </a:xfrm>
+        </p:spPr>
+        <p:txBody>
+          <a:bodyPr/>
+          <a:lstStyle/>
+          <a:p>
+            <a:pPr marL="0" indent="0">
+              <a:buNone/>
+            </a:pPr>
+            <a:r>
+              <a:rPr lang="en-US" altLang="zh-CN" dirty="0"/>
+              <a:t>Forward</a:t>
+            </a:r>
+            <a:endParaRPr lang="zh-CN" altLang="en-US" dirty="0"/>
+          </a:p>
+        </p:txBody>
+      </p:sp>
+      <p:sp>
+        <p:nvSpPr>
+          <p:cNvPr id="4" name="内容占位符 2">
+            <a:extLst>
+              <a:ext uri="{FF2B5EF4-FFF2-40B4-BE49-F238E27FC236}">
+                <a16:creationId xmlns:a16="http://schemas.microsoft.com/office/drawing/2014/main" id="{CE9E8B0C-EF9B-4691-2E82-734EB16F6748}"/>
+              </a:ext>
+            </a:extLst>
+          </p:cNvPr>
+          <p:cNvSpPr txBox="1">
+            <a:spLocks/>
+          </p:cNvSpPr>
+          <p:nvPr/>
+        </p:nvSpPr>
+        <p:spPr>
+          <a:xfrm>
+            <a:off x="287154" y="127647"/>
+            <a:ext cx="4427621" cy="500514"/>
+          </a:xfrm>
+          <a:prstGeom prst="rect">
+            <a:avLst/>
+          </a:prstGeom>
+        </p:spPr>
+        <p:txBody>
+          <a:bodyPr vert="horz" lIns="91440" tIns="45720" rIns="91440" bIns="45720" rtlCol="0">
+            <a:normAutofit/>
+          </a:bodyPr>
+          <a:lstStyle>
+            <a:lvl1pPr marL="228600" indent="-228600" algn="l" defTabSz="914400" rtl="0" eaLnBrk="1" latinLnBrk="0" hangingPunct="1">
+              <a:lnSpc>
+                <a:spcPct val="90000"/>
+              </a:lnSpc>
+              <a:spcBef>
+                <a:spcPts val="1000"/>
+              </a:spcBef>
+              <a:buFont typeface="Arial" panose="020B0604020202020204" pitchFamily="34" charset="0"/>
+              <a:buChar char="•"/>
+              <a:defRPr sz="2800" kern="1200">
+                <a:solidFill>
+                  <a:schemeClr val="tx1"/>
+                </a:solidFill>
+                <a:latin typeface="+mn-lt"/>
+                <a:ea typeface="+mn-ea"/>
+                <a:cs typeface="+mn-cs"/>
+              </a:defRPr>
+            </a:lvl1pPr>
+            <a:lvl2pPr marL="685800" indent="-228600" algn="l" defTabSz="914400" rtl="0" eaLnBrk="1" latinLnBrk="0" hangingPunct="1">
+              <a:lnSpc>
+                <a:spcPct val="90000"/>
+              </a:lnSpc>
+              <a:spcBef>
+                <a:spcPts val="500"/>
+              </a:spcBef>
+              <a:buFont typeface="Arial" panose="020B0604020202020204" pitchFamily="34" charset="0"/>
+              <a:buChar char="•"/>
+              <a:defRPr sz="2400" kern="1200">
+                <a:solidFill>
+                  <a:schemeClr val="tx1"/>
+                </a:solidFill>
+                <a:latin typeface="+mn-lt"/>
+                <a:ea typeface="+mn-ea"/>
+                <a:cs typeface="+mn-cs"/>
+              </a:defRPr>
+            </a:lvl2pPr>
+            <a:lvl3pPr marL="1143000" indent="-228600" algn="l" defTabSz="914400" rtl="0" eaLnBrk="1" latinLnBrk="0" hangingPunct="1">
+              <a:lnSpc>
+                <a:spcPct val="90000"/>
+              </a:lnSpc>
+              <a:spcBef>
+                <a:spcPts val="500"/>
+              </a:spcBef>
+              <a:buFont typeface="Arial" panose="020B0604020202020204" pitchFamily="34" charset="0"/>
+              <a:buChar char="•"/>
+              <a:defRPr sz="2000" kern="1200">
+                <a:solidFill>
+                  <a:schemeClr val="tx1"/>
+                </a:solidFill>
+                <a:latin typeface="+mn-lt"/>
+                <a:ea typeface="+mn-ea"/>
+                <a:cs typeface="+mn-cs"/>
+              </a:defRPr>
+            </a:lvl3pPr>
+            <a:lvl4pPr marL="1600200" indent="-228600" algn="l" defTabSz="914400" rtl="0" eaLnBrk="1" latinLnBrk="0" hangingPunct="1">
+              <a:lnSpc>
+                <a:spcPct val="90000"/>
+              </a:lnSpc>
+              <a:spcBef>
+                <a:spcPts val="500"/>
+              </a:spcBef>
+              <a:buFont typeface="Arial" panose="020B0604020202020204" pitchFamily="34" charset="0"/>
+              <a:buChar char="•"/>
+              <a:defRPr sz="1800" kern="1200">
+                <a:solidFill>
+                  <a:schemeClr val="tx1"/>
+                </a:solidFill>
+                <a:latin typeface="+mn-lt"/>
+                <a:ea typeface="+mn-ea"/>
+                <a:cs typeface="+mn-cs"/>
+              </a:defRPr>
+            </a:lvl4pPr>
+            <a:lvl5pPr marL="2057400" indent="-228600" algn="l" defTabSz="914400" rtl="0" eaLnBrk="1" latinLnBrk="0" hangingPunct="1">
+              <a:lnSpc>
+                <a:spcPct val="90000"/>
+              </a:lnSpc>
+              <a:spcBef>
+                <a:spcPts val="500"/>
+              </a:spcBef>
+              <a:buFont typeface="Arial" panose="020B0604020202020204" pitchFamily="34" charset="0"/>
+              <a:buChar char="•"/>
+              <a:defRPr sz="1800" kern="1200">
+                <a:solidFill>
+                  <a:schemeClr val="tx1"/>
+                </a:solidFill>
+                <a:latin typeface="+mn-lt"/>
+                <a:ea typeface="+mn-ea"/>
+                <a:cs typeface="+mn-cs"/>
+              </a:defRPr>
+            </a:lvl5pPr>
+            <a:lvl6pPr marL="2514600" indent="-228600" algn="l" defTabSz="914400" rtl="0" eaLnBrk="1" latinLnBrk="0" hangingPunct="1">
+              <a:lnSpc>
+                <a:spcPct val="90000"/>
+              </a:lnSpc>
+              <a:spcBef>
+                <a:spcPts val="500"/>
+              </a:spcBef>
+              <a:buFont typeface="Arial" panose="020B0604020202020204" pitchFamily="34" charset="0"/>
+              <a:buChar char="•"/>
+              <a:defRPr sz="1800" kern="1200">
+                <a:solidFill>
+                  <a:schemeClr val="tx1"/>
+                </a:solidFill>
+                <a:latin typeface="+mn-lt"/>
+                <a:ea typeface="+mn-ea"/>
+                <a:cs typeface="+mn-cs"/>
+              </a:defRPr>
+            </a:lvl6pPr>
+            <a:lvl7pPr marL="2971800" indent="-228600" algn="l" defTabSz="914400" rtl="0" eaLnBrk="1" latinLnBrk="0" hangingPunct="1">
+              <a:lnSpc>
+                <a:spcPct val="90000"/>
+              </a:lnSpc>
+              <a:spcBef>
+                <a:spcPts val="500"/>
+              </a:spcBef>
+              <a:buFont typeface="Arial" panose="020B0604020202020204" pitchFamily="34" charset="0"/>
+              <a:buChar char="•"/>
+              <a:defRPr sz="1800" kern="1200">
+                <a:solidFill>
+                  <a:schemeClr val="tx1"/>
+                </a:solidFill>
+                <a:latin typeface="+mn-lt"/>
+                <a:ea typeface="+mn-ea"/>
+                <a:cs typeface="+mn-cs"/>
+              </a:defRPr>
+            </a:lvl7pPr>
+            <a:lvl8pPr marL="3429000" indent="-228600" algn="l" defTabSz="914400" rtl="0" eaLnBrk="1" latinLnBrk="0" hangingPunct="1">
+              <a:lnSpc>
+                <a:spcPct val="90000"/>
+              </a:lnSpc>
+              <a:spcBef>
+                <a:spcPts val="500"/>
+              </a:spcBef>
+              <a:buFont typeface="Arial" panose="020B0604020202020204" pitchFamily="34" charset="0"/>
+              <a:buChar char="•"/>
+              <a:defRPr sz="1800" kern="1200">
+                <a:solidFill>
+                  <a:schemeClr val="tx1"/>
+                </a:solidFill>
+                <a:latin typeface="+mn-lt"/>
+                <a:ea typeface="+mn-ea"/>
+                <a:cs typeface="+mn-cs"/>
+              </a:defRPr>
+            </a:lvl8pPr>
+            <a:lvl9pPr marL="3886200" indent="-228600" algn="l" defTabSz="914400" rtl="0" eaLnBrk="1" latinLnBrk="0" hangingPunct="1">
+              <a:lnSpc>
+                <a:spcPct val="90000"/>
+              </a:lnSpc>
+              <a:spcBef>
+                <a:spcPts val="500"/>
+              </a:spcBef>
+              <a:buFont typeface="Arial" panose="020B0604020202020204" pitchFamily="34" charset="0"/>
+              <a:buChar char="•"/>
+              <a:defRPr sz="1800" kern="1200">
+                <a:solidFill>
+                  <a:schemeClr val="tx1"/>
+                </a:solidFill>
+                <a:latin typeface="+mn-lt"/>
+                <a:ea typeface="+mn-ea"/>
+                <a:cs typeface="+mn-cs"/>
+              </a:defRPr>
+            </a:lvl9pPr>
+          </a:lstStyle>
+          <a:p>
+            <a:pPr marL="0" indent="0">
+              <a:buFont typeface="Arial" panose="020B0604020202020204" pitchFamily="34" charset="0"/>
+              <a:buNone/>
+            </a:pPr>
+            <a:r>
+              <a:rPr lang="en-US" altLang="zh-CN" dirty="0"/>
+              <a:t>Setting</a:t>
+            </a:r>
+            <a:endParaRPr lang="zh-CN" altLang="en-US" dirty="0"/>
+          </a:p>
+        </p:txBody>
+      </p:sp>
+      <p:pic>
+        <p:nvPicPr>
+          <p:cNvPr id="6" name="图片 5">
+            <a:extLst>
+              <a:ext uri="{FF2B5EF4-FFF2-40B4-BE49-F238E27FC236}">
+                <a16:creationId xmlns:a16="http://schemas.microsoft.com/office/drawing/2014/main" id="{E1A43405-4AF3-02C7-34EE-C1DD7496C046}"/>
+              </a:ext>
+            </a:extLst>
+          </p:cNvPr>
+          <p:cNvPicPr>
+            <a:picLocks noChangeAspect="1"/>
+          </p:cNvPicPr>
+          <p:nvPr/>
+        </p:nvPicPr>
+        <p:blipFill>
+          <a:blip r:embed="rId2"/>
+          <a:stretch>
+            <a:fillRect/>
+          </a:stretch>
+        </p:blipFill>
+        <p:spPr>
+          <a:xfrm>
+            <a:off x="364156" y="511094"/>
+            <a:ext cx="8268854" cy="2229161"/>
+          </a:xfrm>
+          <a:prstGeom prst="rect">
+            <a:avLst/>
+          </a:prstGeom>
+        </p:spPr>
+      </p:pic>
+      <p:sp>
+        <p:nvSpPr>
+          <p:cNvPr id="7" name="文本框 6">
+            <a:extLst>
+              <a:ext uri="{FF2B5EF4-FFF2-40B4-BE49-F238E27FC236}">
+                <a16:creationId xmlns:a16="http://schemas.microsoft.com/office/drawing/2014/main" id="{AECBCD98-373A-1C0A-5D99-D43A4E05B07D}"/>
+              </a:ext>
+            </a:extLst>
+          </p:cNvPr>
+          <p:cNvSpPr txBox="1"/>
+          <p:nvPr/>
+        </p:nvSpPr>
+        <p:spPr>
+          <a:xfrm>
+            <a:off x="287154" y="2782669"/>
+            <a:ext cx="11138033" cy="646331"/>
+          </a:xfrm>
+          <a:prstGeom prst="rect">
+            <a:avLst/>
+          </a:prstGeom>
+          <a:noFill/>
+        </p:spPr>
+        <p:txBody>
+          <a:bodyPr wrap="square" rtlCol="0">
+            <a:spAutoFit/>
+          </a:bodyPr>
+          <a:lstStyle/>
+          <a:p>
+            <a:r>
+              <a:rPr lang="en-US" altLang="zh-CN" dirty="0"/>
+              <a:t> b = batch, c = channel, h =</a:t>
+            </a:r>
+            <a:r>
+              <a:rPr lang="en-US" altLang="zh-CN" dirty="0" err="1"/>
+              <a:t>image_height</a:t>
+            </a:r>
+            <a:r>
+              <a:rPr lang="en-US" altLang="zh-CN" dirty="0"/>
+              <a:t>, w = </a:t>
+            </a:r>
+            <a:r>
+              <a:rPr lang="en-US" altLang="zh-CN" dirty="0" err="1"/>
+              <a:t>image_width</a:t>
+            </a:r>
+            <a:endParaRPr lang="en-US" altLang="zh-CN" dirty="0"/>
+          </a:p>
+          <a:p>
+            <a:r>
+              <a:rPr lang="en-US" altLang="zh-CN" dirty="0"/>
+              <a:t>Last a random dropout</a:t>
+            </a:r>
+            <a:endParaRPr lang="zh-CN" altLang="en-US" dirty="0"/>
+          </a:p>
+        </p:txBody>
+      </p:sp>
+      <p:pic>
+        <p:nvPicPr>
+          <p:cNvPr id="9" name="图片 8">
+            <a:extLst>
+              <a:ext uri="{FF2B5EF4-FFF2-40B4-BE49-F238E27FC236}">
+                <a16:creationId xmlns:a16="http://schemas.microsoft.com/office/drawing/2014/main" id="{4D9DF1D3-E154-2650-18DE-8B8EB795F2D8}"/>
+              </a:ext>
+            </a:extLst>
+          </p:cNvPr>
+          <p:cNvPicPr>
+            <a:picLocks noChangeAspect="1"/>
+          </p:cNvPicPr>
+          <p:nvPr/>
+        </p:nvPicPr>
+        <p:blipFill>
+          <a:blip r:embed="rId3"/>
+          <a:stretch>
+            <a:fillRect/>
+          </a:stretch>
+        </p:blipFill>
+        <p:spPr>
+          <a:xfrm>
+            <a:off x="364156" y="4071888"/>
+            <a:ext cx="8440328" cy="1971950"/>
+          </a:xfrm>
+          <a:prstGeom prst="rect">
+            <a:avLst/>
+          </a:prstGeom>
+        </p:spPr>
+      </p:pic>
+    </p:spTree>
+    <p:extLst>
+      <p:ext uri="{BB962C8B-B14F-4D97-AF65-F5344CB8AC3E}">
+        <p14:creationId xmlns:p14="http://schemas.microsoft.com/office/powerpoint/2010/main" val="1150851397"/>
+      </p:ext>
+    </p:extLst>
+  </p:cSld>
+  <p:clrMapOvr>
+    <a:masterClrMapping/>
+  </p:clrMapOvr>
+</p:sld>
+</file>
+
+<file path=ppt/slides/slide4.xml><?xml version="1.0" encoding="utf-8"?>
+<p:sld xmlns:a="http://schemas.openxmlformats.org/drawingml/2006/main" xmlns:r="http://schemas.openxmlformats.org/officeDocument/2006/relationships" xmlns:p="http://schemas.openxmlformats.org/presentationml/2006/main">
+  <p:cSld>
+    <p:bg>
+      <p:bgPr>
+        <a:solidFill>
+          <a:schemeClr val="bg1"/>
+        </a:solidFill>
+        <a:effectLst/>
+      </p:bgPr>
+    </p:bg>
+    <p:spTree>
+      <p:nvGrpSpPr>
+        <p:cNvPr id="1" name=""/>
+        <p:cNvGrpSpPr/>
+        <p:nvPr/>
+      </p:nvGrpSpPr>
+      <p:grpSpPr>
+        <a:xfrm>
+          <a:off x="0" y="0"/>
+          <a:ext cx="0" cy="0"/>
+          <a:chOff x="0" y="0"/>
+          <a:chExt cx="0" cy="0"/>
+        </a:xfrm>
+      </p:grpSpPr>
       <p:sp useBgFill="1">
         <p:nvSpPr>
           <p:cNvPr id="12" name="Rectangle 11">
@@ -3898,7 +6392,7 @@
 </p:sld>
 </file>
 
-<file path=ppt/slides/slide2.xml><?xml version="1.0" encoding="utf-8"?>
+<file path=ppt/slides/slide5.xml><?xml version="1.0" encoding="utf-8"?>
 <p:sld xmlns:a="http://schemas.openxmlformats.org/drawingml/2006/main" xmlns:r="http://schemas.openxmlformats.org/officeDocument/2006/relationships" xmlns:p="http://schemas.openxmlformats.org/presentationml/2006/main">
   <p:cSld>
     <p:bg>

--- a/A1/Report/Vit.pptx
+++ b/A1/Report/Vit.pptx
@@ -4,12 +4,25 @@
   <p:sldMasterIdLst>
     <p:sldMasterId id="2147483648" r:id="rId1"/>
   </p:sldMasterIdLst>
+  <p:notesMasterIdLst>
+    <p:notesMasterId r:id="rId17"/>
+  </p:notesMasterIdLst>
   <p:sldIdLst>
     <p:sldId id="258" r:id="rId2"/>
     <p:sldId id="259" r:id="rId3"/>
     <p:sldId id="260" r:id="rId4"/>
-    <p:sldId id="256" r:id="rId5"/>
-    <p:sldId id="257" r:id="rId6"/>
+    <p:sldId id="262" r:id="rId5"/>
+    <p:sldId id="263" r:id="rId6"/>
+    <p:sldId id="265" r:id="rId7"/>
+    <p:sldId id="266" r:id="rId8"/>
+    <p:sldId id="268" r:id="rId9"/>
+    <p:sldId id="256" r:id="rId10"/>
+    <p:sldId id="257" r:id="rId11"/>
+    <p:sldId id="264" r:id="rId12"/>
+    <p:sldId id="267" r:id="rId13"/>
+    <p:sldId id="269" r:id="rId14"/>
+    <p:sldId id="270" r:id="rId15"/>
+    <p:sldId id="271" r:id="rId16"/>
   </p:sldIdLst>
   <p:sldSz cx="12192000" cy="6858000"/>
   <p:notesSz cx="6858000" cy="9144000"/>
@@ -116,6 +129,439 @@
 </p:presentation>
 </file>
 
+<file path=ppt/notesMasters/notesMaster1.xml><?xml version="1.0" encoding="utf-8"?>
+<p:notesMaster xmlns:a="http://schemas.openxmlformats.org/drawingml/2006/main" xmlns:r="http://schemas.openxmlformats.org/officeDocument/2006/relationships" xmlns:p="http://schemas.openxmlformats.org/presentationml/2006/main">
+  <p:cSld>
+    <p:bg>
+      <p:bgRef idx="1001">
+        <a:schemeClr val="bg1"/>
+      </p:bgRef>
+    </p:bg>
+    <p:spTree>
+      <p:nvGrpSpPr>
+        <p:cNvPr id="1" name=""/>
+        <p:cNvGrpSpPr/>
+        <p:nvPr/>
+      </p:nvGrpSpPr>
+      <p:grpSpPr>
+        <a:xfrm>
+          <a:off x="0" y="0"/>
+          <a:ext cx="0" cy="0"/>
+          <a:chOff x="0" y="0"/>
+          <a:chExt cx="0" cy="0"/>
+        </a:xfrm>
+      </p:grpSpPr>
+      <p:sp>
+        <p:nvSpPr>
+          <p:cNvPr id="2" name="页眉占位符 1"/>
+          <p:cNvSpPr>
+            <a:spLocks noGrp="1"/>
+          </p:cNvSpPr>
+          <p:nvPr>
+            <p:ph type="hdr" sz="quarter"/>
+          </p:nvPr>
+        </p:nvSpPr>
+        <p:spPr>
+          <a:xfrm>
+            <a:off x="0" y="0"/>
+            <a:ext cx="2971800" cy="458788"/>
+          </a:xfrm>
+          <a:prstGeom prst="rect">
+            <a:avLst/>
+          </a:prstGeom>
+        </p:spPr>
+        <p:txBody>
+          <a:bodyPr vert="horz" lIns="91440" tIns="45720" rIns="91440" bIns="45720" rtlCol="0"/>
+          <a:lstStyle>
+            <a:lvl1pPr algn="l">
+              <a:defRPr sz="1200"/>
+            </a:lvl1pPr>
+          </a:lstStyle>
+          <a:p>
+            <a:endParaRPr lang="zh-CN" altLang="en-US"/>
+          </a:p>
+        </p:txBody>
+      </p:sp>
+      <p:sp>
+        <p:nvSpPr>
+          <p:cNvPr id="3" name="日期占位符 2"/>
+          <p:cNvSpPr>
+            <a:spLocks noGrp="1"/>
+          </p:cNvSpPr>
+          <p:nvPr>
+            <p:ph type="dt" idx="1"/>
+          </p:nvPr>
+        </p:nvSpPr>
+        <p:spPr>
+          <a:xfrm>
+            <a:off x="3884613" y="0"/>
+            <a:ext cx="2971800" cy="458788"/>
+          </a:xfrm>
+          <a:prstGeom prst="rect">
+            <a:avLst/>
+          </a:prstGeom>
+        </p:spPr>
+        <p:txBody>
+          <a:bodyPr vert="horz" lIns="91440" tIns="45720" rIns="91440" bIns="45720" rtlCol="0"/>
+          <a:lstStyle>
+            <a:lvl1pPr algn="r">
+              <a:defRPr sz="1200"/>
+            </a:lvl1pPr>
+          </a:lstStyle>
+          <a:p>
+            <a:fld id="{621E1A28-2928-4835-A764-9B497A7CF365}" type="datetimeFigureOut">
+              <a:rPr lang="zh-CN" altLang="en-US" smtClean="0"/>
+              <a:t>2025/8/13</a:t>
+            </a:fld>
+            <a:endParaRPr lang="zh-CN" altLang="en-US"/>
+          </a:p>
+        </p:txBody>
+      </p:sp>
+      <p:sp>
+        <p:nvSpPr>
+          <p:cNvPr id="4" name="幻灯片图像占位符 3"/>
+          <p:cNvSpPr>
+            <a:spLocks noGrp="1" noRot="1" noChangeAspect="1"/>
+          </p:cNvSpPr>
+          <p:nvPr>
+            <p:ph type="sldImg" idx="2"/>
+          </p:nvPr>
+        </p:nvSpPr>
+        <p:spPr>
+          <a:xfrm>
+            <a:off x="685800" y="1143000"/>
+            <a:ext cx="5486400" cy="3086100"/>
+          </a:xfrm>
+          <a:prstGeom prst="rect">
+            <a:avLst/>
+          </a:prstGeom>
+          <a:noFill/>
+          <a:ln w="12700">
+            <a:solidFill>
+              <a:prstClr val="black"/>
+            </a:solidFill>
+          </a:ln>
+        </p:spPr>
+        <p:txBody>
+          <a:bodyPr vert="horz" lIns="91440" tIns="45720" rIns="91440" bIns="45720" rtlCol="0" anchor="ctr"/>
+          <a:lstStyle/>
+          <a:p>
+            <a:endParaRPr lang="zh-CN" altLang="en-US"/>
+          </a:p>
+        </p:txBody>
+      </p:sp>
+      <p:sp>
+        <p:nvSpPr>
+          <p:cNvPr id="5" name="备注占位符 4"/>
+          <p:cNvSpPr>
+            <a:spLocks noGrp="1"/>
+          </p:cNvSpPr>
+          <p:nvPr>
+            <p:ph type="body" sz="quarter" idx="3"/>
+          </p:nvPr>
+        </p:nvSpPr>
+        <p:spPr>
+          <a:xfrm>
+            <a:off x="685800" y="4400550"/>
+            <a:ext cx="5486400" cy="3600450"/>
+          </a:xfrm>
+          <a:prstGeom prst="rect">
+            <a:avLst/>
+          </a:prstGeom>
+        </p:spPr>
+        <p:txBody>
+          <a:bodyPr vert="horz" lIns="91440" tIns="45720" rIns="91440" bIns="45720" rtlCol="0"/>
+          <a:lstStyle/>
+          <a:p>
+            <a:pPr lvl="0"/>
+            <a:r>
+              <a:rPr lang="zh-CN" altLang="en-US"/>
+              <a:t>单击此处编辑母版文本样式</a:t>
+            </a:r>
+          </a:p>
+          <a:p>
+            <a:pPr lvl="1"/>
+            <a:r>
+              <a:rPr lang="zh-CN" altLang="en-US"/>
+              <a:t>二级</a:t>
+            </a:r>
+          </a:p>
+          <a:p>
+            <a:pPr lvl="2"/>
+            <a:r>
+              <a:rPr lang="zh-CN" altLang="en-US"/>
+              <a:t>三级</a:t>
+            </a:r>
+          </a:p>
+          <a:p>
+            <a:pPr lvl="3"/>
+            <a:r>
+              <a:rPr lang="zh-CN" altLang="en-US"/>
+              <a:t>四级</a:t>
+            </a:r>
+          </a:p>
+          <a:p>
+            <a:pPr lvl="4"/>
+            <a:r>
+              <a:rPr lang="zh-CN" altLang="en-US"/>
+              <a:t>五级</a:t>
+            </a:r>
+          </a:p>
+        </p:txBody>
+      </p:sp>
+      <p:sp>
+        <p:nvSpPr>
+          <p:cNvPr id="6" name="页脚占位符 5"/>
+          <p:cNvSpPr>
+            <a:spLocks noGrp="1"/>
+          </p:cNvSpPr>
+          <p:nvPr>
+            <p:ph type="ftr" sz="quarter" idx="4"/>
+          </p:nvPr>
+        </p:nvSpPr>
+        <p:spPr>
+          <a:xfrm>
+            <a:off x="0" y="8685213"/>
+            <a:ext cx="2971800" cy="458787"/>
+          </a:xfrm>
+          <a:prstGeom prst="rect">
+            <a:avLst/>
+          </a:prstGeom>
+        </p:spPr>
+        <p:txBody>
+          <a:bodyPr vert="horz" lIns="91440" tIns="45720" rIns="91440" bIns="45720" rtlCol="0" anchor="b"/>
+          <a:lstStyle>
+            <a:lvl1pPr algn="l">
+              <a:defRPr sz="1200"/>
+            </a:lvl1pPr>
+          </a:lstStyle>
+          <a:p>
+            <a:endParaRPr lang="zh-CN" altLang="en-US"/>
+          </a:p>
+        </p:txBody>
+      </p:sp>
+      <p:sp>
+        <p:nvSpPr>
+          <p:cNvPr id="7" name="灯片编号占位符 6"/>
+          <p:cNvSpPr>
+            <a:spLocks noGrp="1"/>
+          </p:cNvSpPr>
+          <p:nvPr>
+            <p:ph type="sldNum" sz="quarter" idx="5"/>
+          </p:nvPr>
+        </p:nvSpPr>
+        <p:spPr>
+          <a:xfrm>
+            <a:off x="3884613" y="8685213"/>
+            <a:ext cx="2971800" cy="458787"/>
+          </a:xfrm>
+          <a:prstGeom prst="rect">
+            <a:avLst/>
+          </a:prstGeom>
+        </p:spPr>
+        <p:txBody>
+          <a:bodyPr vert="horz" lIns="91440" tIns="45720" rIns="91440" bIns="45720" rtlCol="0" anchor="b"/>
+          <a:lstStyle>
+            <a:lvl1pPr algn="r">
+              <a:defRPr sz="1200"/>
+            </a:lvl1pPr>
+          </a:lstStyle>
+          <a:p>
+            <a:fld id="{97F4F10D-1619-4120-9FED-FD5EA4C3E6F7}" type="slidenum">
+              <a:rPr lang="zh-CN" altLang="en-US" smtClean="0"/>
+              <a:t>‹#›</a:t>
+            </a:fld>
+            <a:endParaRPr lang="zh-CN" altLang="en-US"/>
+          </a:p>
+        </p:txBody>
+      </p:sp>
+    </p:spTree>
+    <p:extLst>
+      <p:ext uri="{BB962C8B-B14F-4D97-AF65-F5344CB8AC3E}">
+        <p14:creationId xmlns:p14="http://schemas.microsoft.com/office/powerpoint/2010/main" val="4145711183"/>
+      </p:ext>
+    </p:extLst>
+  </p:cSld>
+  <p:clrMap bg1="lt1" tx1="dk1" bg2="lt2" tx2="dk2" accent1="accent1" accent2="accent2" accent3="accent3" accent4="accent4" accent5="accent5" accent6="accent6" hlink="hlink" folHlink="folHlink"/>
+  <p:notesStyle>
+    <a:lvl1pPr marL="0" algn="l" defTabSz="914400" rtl="0" eaLnBrk="1" latinLnBrk="0" hangingPunct="1">
+      <a:defRPr sz="1200" kern="1200">
+        <a:solidFill>
+          <a:schemeClr val="tx1"/>
+        </a:solidFill>
+        <a:latin typeface="+mn-lt"/>
+        <a:ea typeface="+mn-ea"/>
+        <a:cs typeface="+mn-cs"/>
+      </a:defRPr>
+    </a:lvl1pPr>
+    <a:lvl2pPr marL="457200" algn="l" defTabSz="914400" rtl="0" eaLnBrk="1" latinLnBrk="0" hangingPunct="1">
+      <a:defRPr sz="1200" kern="1200">
+        <a:solidFill>
+          <a:schemeClr val="tx1"/>
+        </a:solidFill>
+        <a:latin typeface="+mn-lt"/>
+        <a:ea typeface="+mn-ea"/>
+        <a:cs typeface="+mn-cs"/>
+      </a:defRPr>
+    </a:lvl2pPr>
+    <a:lvl3pPr marL="914400" algn="l" defTabSz="914400" rtl="0" eaLnBrk="1" latinLnBrk="0" hangingPunct="1">
+      <a:defRPr sz="1200" kern="1200">
+        <a:solidFill>
+          <a:schemeClr val="tx1"/>
+        </a:solidFill>
+        <a:latin typeface="+mn-lt"/>
+        <a:ea typeface="+mn-ea"/>
+        <a:cs typeface="+mn-cs"/>
+      </a:defRPr>
+    </a:lvl3pPr>
+    <a:lvl4pPr marL="1371600" algn="l" defTabSz="914400" rtl="0" eaLnBrk="1" latinLnBrk="0" hangingPunct="1">
+      <a:defRPr sz="1200" kern="1200">
+        <a:solidFill>
+          <a:schemeClr val="tx1"/>
+        </a:solidFill>
+        <a:latin typeface="+mn-lt"/>
+        <a:ea typeface="+mn-ea"/>
+        <a:cs typeface="+mn-cs"/>
+      </a:defRPr>
+    </a:lvl4pPr>
+    <a:lvl5pPr marL="1828800" algn="l" defTabSz="914400" rtl="0" eaLnBrk="1" latinLnBrk="0" hangingPunct="1">
+      <a:defRPr sz="1200" kern="1200">
+        <a:solidFill>
+          <a:schemeClr val="tx1"/>
+        </a:solidFill>
+        <a:latin typeface="+mn-lt"/>
+        <a:ea typeface="+mn-ea"/>
+        <a:cs typeface="+mn-cs"/>
+      </a:defRPr>
+    </a:lvl5pPr>
+    <a:lvl6pPr marL="2286000" algn="l" defTabSz="914400" rtl="0" eaLnBrk="1" latinLnBrk="0" hangingPunct="1">
+      <a:defRPr sz="1200" kern="1200">
+        <a:solidFill>
+          <a:schemeClr val="tx1"/>
+        </a:solidFill>
+        <a:latin typeface="+mn-lt"/>
+        <a:ea typeface="+mn-ea"/>
+        <a:cs typeface="+mn-cs"/>
+      </a:defRPr>
+    </a:lvl6pPr>
+    <a:lvl7pPr marL="2743200" algn="l" defTabSz="914400" rtl="0" eaLnBrk="1" latinLnBrk="0" hangingPunct="1">
+      <a:defRPr sz="1200" kern="1200">
+        <a:solidFill>
+          <a:schemeClr val="tx1"/>
+        </a:solidFill>
+        <a:latin typeface="+mn-lt"/>
+        <a:ea typeface="+mn-ea"/>
+        <a:cs typeface="+mn-cs"/>
+      </a:defRPr>
+    </a:lvl7pPr>
+    <a:lvl8pPr marL="3200400" algn="l" defTabSz="914400" rtl="0" eaLnBrk="1" latinLnBrk="0" hangingPunct="1">
+      <a:defRPr sz="1200" kern="1200">
+        <a:solidFill>
+          <a:schemeClr val="tx1"/>
+        </a:solidFill>
+        <a:latin typeface="+mn-lt"/>
+        <a:ea typeface="+mn-ea"/>
+        <a:cs typeface="+mn-cs"/>
+      </a:defRPr>
+    </a:lvl8pPr>
+    <a:lvl9pPr marL="3657600" algn="l" defTabSz="914400" rtl="0" eaLnBrk="1" latinLnBrk="0" hangingPunct="1">
+      <a:defRPr sz="1200" kern="1200">
+        <a:solidFill>
+          <a:schemeClr val="tx1"/>
+        </a:solidFill>
+        <a:latin typeface="+mn-lt"/>
+        <a:ea typeface="+mn-ea"/>
+        <a:cs typeface="+mn-cs"/>
+      </a:defRPr>
+    </a:lvl9pPr>
+  </p:notesStyle>
+</p:notesMaster>
+</file>
+
+<file path=ppt/notesSlides/notesSlide1.xml><?xml version="1.0" encoding="utf-8"?>
+<p:notes xmlns:a="http://schemas.openxmlformats.org/drawingml/2006/main" xmlns:r="http://schemas.openxmlformats.org/officeDocument/2006/relationships" xmlns:p="http://schemas.openxmlformats.org/presentationml/2006/main">
+  <p:cSld>
+    <p:spTree>
+      <p:nvGrpSpPr>
+        <p:cNvPr id="1" name=""/>
+        <p:cNvGrpSpPr/>
+        <p:nvPr/>
+      </p:nvGrpSpPr>
+      <p:grpSpPr>
+        <a:xfrm>
+          <a:off x="0" y="0"/>
+          <a:ext cx="0" cy="0"/>
+          <a:chOff x="0" y="0"/>
+          <a:chExt cx="0" cy="0"/>
+        </a:xfrm>
+      </p:grpSpPr>
+      <p:sp>
+        <p:nvSpPr>
+          <p:cNvPr id="2" name="幻灯片图像占位符 1"/>
+          <p:cNvSpPr>
+            <a:spLocks noGrp="1" noRot="1" noChangeAspect="1"/>
+          </p:cNvSpPr>
+          <p:nvPr>
+            <p:ph type="sldImg"/>
+          </p:nvPr>
+        </p:nvSpPr>
+        <p:spPr/>
+      </p:sp>
+      <p:sp>
+        <p:nvSpPr>
+          <p:cNvPr id="3" name="备注占位符 2"/>
+          <p:cNvSpPr>
+            <a:spLocks noGrp="1"/>
+          </p:cNvSpPr>
+          <p:nvPr>
+            <p:ph type="body" idx="1"/>
+          </p:nvPr>
+        </p:nvSpPr>
+        <p:spPr/>
+        <p:txBody>
+          <a:bodyPr/>
+          <a:lstStyle/>
+          <a:p>
+            <a:endParaRPr lang="zh-CN" altLang="en-US" dirty="0"/>
+          </a:p>
+        </p:txBody>
+      </p:sp>
+      <p:sp>
+        <p:nvSpPr>
+          <p:cNvPr id="4" name="灯片编号占位符 3"/>
+          <p:cNvSpPr>
+            <a:spLocks noGrp="1"/>
+          </p:cNvSpPr>
+          <p:nvPr>
+            <p:ph type="sldNum" sz="quarter" idx="5"/>
+          </p:nvPr>
+        </p:nvSpPr>
+        <p:spPr/>
+        <p:txBody>
+          <a:bodyPr/>
+          <a:lstStyle/>
+          <a:p>
+            <a:fld id="{97F4F10D-1619-4120-9FED-FD5EA4C3E6F7}" type="slidenum">
+              <a:rPr lang="zh-CN" altLang="en-US" smtClean="0"/>
+              <a:t>14</a:t>
+            </a:fld>
+            <a:endParaRPr lang="zh-CN" altLang="en-US"/>
+          </a:p>
+        </p:txBody>
+      </p:sp>
+    </p:spTree>
+    <p:extLst>
+      <p:ext uri="{BB962C8B-B14F-4D97-AF65-F5344CB8AC3E}">
+        <p14:creationId xmlns:p14="http://schemas.microsoft.com/office/powerpoint/2010/main" val="4104012612"/>
+      </p:ext>
+    </p:extLst>
+  </p:cSld>
+  <p:clrMapOvr>
+    <a:masterClrMapping/>
+  </p:clrMapOvr>
+</p:notes>
+</file>
+
 <file path=ppt/slideLayouts/slideLayout1.xml><?xml version="1.0" encoding="utf-8"?>
 <p:sldLayout xmlns:a="http://schemas.openxmlformats.org/drawingml/2006/main" xmlns:r="http://schemas.openxmlformats.org/officeDocument/2006/relationships" xmlns:p="http://schemas.openxmlformats.org/presentationml/2006/main" type="title" preserve="1">
   <p:cSld name="标题幻灯片">
@@ -263,7 +709,7 @@
           <a:p>
             <a:fld id="{A56F5F28-5D3F-4084-AA56-9274F00A419E}" type="datetimeFigureOut">
               <a:rPr lang="zh-CN" altLang="en-US" smtClean="0"/>
-              <a:t>2025/8/12</a:t>
+              <a:t>2025/8/13</a:t>
             </a:fld>
             <a:endParaRPr lang="zh-CN" altLang="en-US"/>
           </a:p>
@@ -461,7 +907,7 @@
           <a:p>
             <a:fld id="{A56F5F28-5D3F-4084-AA56-9274F00A419E}" type="datetimeFigureOut">
               <a:rPr lang="zh-CN" altLang="en-US" smtClean="0"/>
-              <a:t>2025/8/12</a:t>
+              <a:t>2025/8/13</a:t>
             </a:fld>
             <a:endParaRPr lang="zh-CN" altLang="en-US"/>
           </a:p>
@@ -669,7 +1115,7 @@
           <a:p>
             <a:fld id="{A56F5F28-5D3F-4084-AA56-9274F00A419E}" type="datetimeFigureOut">
               <a:rPr lang="zh-CN" altLang="en-US" smtClean="0"/>
-              <a:t>2025/8/12</a:t>
+              <a:t>2025/8/13</a:t>
             </a:fld>
             <a:endParaRPr lang="zh-CN" altLang="en-US"/>
           </a:p>
@@ -867,7 +1313,7 @@
           <a:p>
             <a:fld id="{A56F5F28-5D3F-4084-AA56-9274F00A419E}" type="datetimeFigureOut">
               <a:rPr lang="zh-CN" altLang="en-US" smtClean="0"/>
-              <a:t>2025/8/12</a:t>
+              <a:t>2025/8/13</a:t>
             </a:fld>
             <a:endParaRPr lang="zh-CN" altLang="en-US"/>
           </a:p>
@@ -1142,7 +1588,7 @@
           <a:p>
             <a:fld id="{A56F5F28-5D3F-4084-AA56-9274F00A419E}" type="datetimeFigureOut">
               <a:rPr lang="zh-CN" altLang="en-US" smtClean="0"/>
-              <a:t>2025/8/12</a:t>
+              <a:t>2025/8/13</a:t>
             </a:fld>
             <a:endParaRPr lang="zh-CN" altLang="en-US"/>
           </a:p>
@@ -1407,7 +1853,7 @@
           <a:p>
             <a:fld id="{A56F5F28-5D3F-4084-AA56-9274F00A419E}" type="datetimeFigureOut">
               <a:rPr lang="zh-CN" altLang="en-US" smtClean="0"/>
-              <a:t>2025/8/12</a:t>
+              <a:t>2025/8/13</a:t>
             </a:fld>
             <a:endParaRPr lang="zh-CN" altLang="en-US"/>
           </a:p>
@@ -1819,7 +2265,7 @@
           <a:p>
             <a:fld id="{A56F5F28-5D3F-4084-AA56-9274F00A419E}" type="datetimeFigureOut">
               <a:rPr lang="zh-CN" altLang="en-US" smtClean="0"/>
-              <a:t>2025/8/12</a:t>
+              <a:t>2025/8/13</a:t>
             </a:fld>
             <a:endParaRPr lang="zh-CN" altLang="en-US"/>
           </a:p>
@@ -1960,7 +2406,7 @@
           <a:p>
             <a:fld id="{A56F5F28-5D3F-4084-AA56-9274F00A419E}" type="datetimeFigureOut">
               <a:rPr lang="zh-CN" altLang="en-US" smtClean="0"/>
-              <a:t>2025/8/12</a:t>
+              <a:t>2025/8/13</a:t>
             </a:fld>
             <a:endParaRPr lang="zh-CN" altLang="en-US"/>
           </a:p>
@@ -2073,7 +2519,7 @@
           <a:p>
             <a:fld id="{A56F5F28-5D3F-4084-AA56-9274F00A419E}" type="datetimeFigureOut">
               <a:rPr lang="zh-CN" altLang="en-US" smtClean="0"/>
-              <a:t>2025/8/12</a:t>
+              <a:t>2025/8/13</a:t>
             </a:fld>
             <a:endParaRPr lang="zh-CN" altLang="en-US"/>
           </a:p>
@@ -2384,7 +2830,7 @@
           <a:p>
             <a:fld id="{A56F5F28-5D3F-4084-AA56-9274F00A419E}" type="datetimeFigureOut">
               <a:rPr lang="zh-CN" altLang="en-US" smtClean="0"/>
-              <a:t>2025/8/12</a:t>
+              <a:t>2025/8/13</a:t>
             </a:fld>
             <a:endParaRPr lang="zh-CN" altLang="en-US"/>
           </a:p>
@@ -2672,7 +3118,7 @@
           <a:p>
             <a:fld id="{A56F5F28-5D3F-4084-AA56-9274F00A419E}" type="datetimeFigureOut">
               <a:rPr lang="zh-CN" altLang="en-US" smtClean="0"/>
-              <a:t>2025/8/12</a:t>
+              <a:t>2025/8/13</a:t>
             </a:fld>
             <a:endParaRPr lang="zh-CN" altLang="en-US"/>
           </a:p>
@@ -2913,7 +3359,7 @@
           <a:p>
             <a:fld id="{A56F5F28-5D3F-4084-AA56-9274F00A419E}" type="datetimeFigureOut">
               <a:rPr lang="zh-CN" altLang="en-US" smtClean="0"/>
-              <a:t>2025/8/12</a:t>
+              <a:t>2025/8/13</a:t>
             </a:fld>
             <a:endParaRPr lang="zh-CN" altLang="en-US"/>
           </a:p>
@@ -3477,6 +3923,5169 @@
     <p:extLst>
       <p:ext uri="{BB962C8B-B14F-4D97-AF65-F5344CB8AC3E}">
         <p14:creationId xmlns:p14="http://schemas.microsoft.com/office/powerpoint/2010/main" val="3957882205"/>
+      </p:ext>
+    </p:extLst>
+  </p:cSld>
+  <p:clrMapOvr>
+    <a:masterClrMapping/>
+  </p:clrMapOvr>
+</p:sld>
+</file>
+
+<file path=ppt/slides/slide10.xml><?xml version="1.0" encoding="utf-8"?>
+<p:sld xmlns:a="http://schemas.openxmlformats.org/drawingml/2006/main" xmlns:r="http://schemas.openxmlformats.org/officeDocument/2006/relationships" xmlns:p="http://schemas.openxmlformats.org/presentationml/2006/main">
+  <p:cSld>
+    <p:bg>
+      <p:bgPr>
+        <a:solidFill>
+          <a:schemeClr val="bg1"/>
+        </a:solidFill>
+        <a:effectLst/>
+      </p:bgPr>
+    </p:bg>
+    <p:spTree>
+      <p:nvGrpSpPr>
+        <p:cNvPr id="1" name="">
+          <a:extLst>
+            <a:ext uri="{FF2B5EF4-FFF2-40B4-BE49-F238E27FC236}">
+              <a16:creationId xmlns:a16="http://schemas.microsoft.com/office/drawing/2014/main" id="{901C8EC4-26A9-319A-E56B-D1D1417648EF}"/>
+            </a:ext>
+          </a:extLst>
+        </p:cNvPr>
+        <p:cNvGrpSpPr/>
+        <p:nvPr/>
+      </p:nvGrpSpPr>
+      <p:grpSpPr>
+        <a:xfrm>
+          <a:off x="0" y="0"/>
+          <a:ext cx="0" cy="0"/>
+          <a:chOff x="0" y="0"/>
+          <a:chExt cx="0" cy="0"/>
+        </a:xfrm>
+      </p:grpSpPr>
+      <p:sp useBgFill="1">
+        <p:nvSpPr>
+          <p:cNvPr id="25" name="Rectangle 24">
+            <a:extLst>
+              <a:ext uri="{FF2B5EF4-FFF2-40B4-BE49-F238E27FC236}">
+                <a16:creationId xmlns:a16="http://schemas.microsoft.com/office/drawing/2014/main" id="{2151139A-886F-4B97-8815-729AD3831BBD}"/>
+              </a:ext>
+              <a:ext uri="{C183D7F6-B498-43B3-948B-1728B52AA6E4}">
+                <adec:decorative xmlns:adec="http://schemas.microsoft.com/office/drawing/2017/decorative" val="1"/>
+              </a:ext>
+            </a:extLst>
+          </p:cNvPr>
+          <p:cNvSpPr>
+            <a:spLocks noGrp="1" noRot="1" noChangeAspect="1" noMove="1" noResize="1" noEditPoints="1" noAdjustHandles="1" noChangeArrowheads="1" noChangeShapeType="1" noTextEdit="1"/>
+          </p:cNvSpPr>
+          <p:nvPr>
+            <p:extLst>
+              <p:ext uri="{386F3935-93C4-4BCD-93E2-E3B085C9AB24}">
+                <p16:designElem xmlns:p16="http://schemas.microsoft.com/office/powerpoint/2015/main" val="1"/>
+              </p:ext>
+            </p:extLst>
+          </p:nvPr>
+        </p:nvSpPr>
+        <p:spPr>
+          <a:xfrm>
+            <a:off x="0" y="0"/>
+            <a:ext cx="12192000" cy="6858000"/>
+          </a:xfrm>
+          <a:prstGeom prst="rect">
+            <a:avLst/>
+          </a:prstGeom>
+          <a:ln w="12700" cap="flat" cmpd="sng" algn="ctr">
+            <a:noFill/>
+            <a:prstDash val="solid"/>
+            <a:miter lim="800000"/>
+          </a:ln>
+          <a:effectLst/>
+          <a:extLst>
+            <a:ext uri="{91240B29-F687-4F45-9708-019B960494DF}">
+              <a14:hiddenLine xmlns:a14="http://schemas.microsoft.com/office/drawing/2010/main" w="12700" cap="flat" cmpd="sng" algn="ctr">
+                <a:solidFill>
+                  <a:schemeClr val="accent1">
+                    <a:shade val="50000"/>
+                  </a:schemeClr>
+                </a:solidFill>
+                <a:prstDash val="solid"/>
+                <a:miter lim="800000"/>
+              </a14:hiddenLine>
+            </a:ext>
+          </a:extLst>
+        </p:spPr>
+        <p:style>
+          <a:lnRef idx="2">
+            <a:schemeClr val="accent1">
+              <a:shade val="50000"/>
+            </a:schemeClr>
+          </a:lnRef>
+          <a:fillRef idx="1">
+            <a:schemeClr val="accent1"/>
+          </a:fillRef>
+          <a:effectRef idx="0">
+            <a:schemeClr val="accent1"/>
+          </a:effectRef>
+          <a:fontRef idx="minor">
+            <a:schemeClr val="lt1"/>
+          </a:fontRef>
+        </p:style>
+        <p:txBody>
+          <a:bodyPr rtlCol="0" anchor="ctr"/>
+          <a:lstStyle/>
+          <a:p>
+            <a:pPr algn="ctr"/>
+            <a:endParaRPr lang="en-US" sz="2000"/>
+          </a:p>
+        </p:txBody>
+      </p:sp>
+      <p:sp>
+        <p:nvSpPr>
+          <p:cNvPr id="27" name="Rectangle 26">
+            <a:extLst>
+              <a:ext uri="{FF2B5EF4-FFF2-40B4-BE49-F238E27FC236}">
+                <a16:creationId xmlns:a16="http://schemas.microsoft.com/office/drawing/2014/main" id="{AB5E08C4-8CDD-4623-A5B8-E998C6DEE3B7}"/>
+              </a:ext>
+              <a:ext uri="{C183D7F6-B498-43B3-948B-1728B52AA6E4}">
+                <adec:decorative xmlns:adec="http://schemas.microsoft.com/office/drawing/2017/decorative" val="1"/>
+              </a:ext>
+            </a:extLst>
+          </p:cNvPr>
+          <p:cNvSpPr>
+            <a:spLocks noGrp="1" noRot="1" noChangeAspect="1" noMove="1" noResize="1" noEditPoints="1" noAdjustHandles="1" noChangeArrowheads="1" noChangeShapeType="1" noTextEdit="1"/>
+          </p:cNvSpPr>
+          <p:nvPr>
+            <p:extLst>
+              <p:ext uri="{386F3935-93C4-4BCD-93E2-E3B085C9AB24}">
+                <p16:designElem xmlns:p16="http://schemas.microsoft.com/office/powerpoint/2015/main" val="1"/>
+              </p:ext>
+            </p:extLst>
+          </p:nvPr>
+        </p:nvSpPr>
+        <p:spPr>
+          <a:xfrm flipH="1">
+            <a:off x="2" y="492"/>
+            <a:ext cx="12191998" cy="1575955"/>
+          </a:xfrm>
+          <a:prstGeom prst="rect">
+            <a:avLst/>
+          </a:prstGeom>
+          <a:gradFill>
+            <a:gsLst>
+              <a:gs pos="0">
+                <a:schemeClr val="accent1">
+                  <a:lumMod val="50000"/>
+                </a:schemeClr>
+              </a:gs>
+              <a:gs pos="100000">
+                <a:schemeClr val="accent1">
+                  <a:lumMod val="75000"/>
+                </a:schemeClr>
+              </a:gs>
+            </a:gsLst>
+            <a:lin ang="8400000" scaled="0"/>
+          </a:gradFill>
+          <a:ln>
+            <a:noFill/>
+          </a:ln>
+        </p:spPr>
+        <p:style>
+          <a:lnRef idx="2">
+            <a:schemeClr val="accent1">
+              <a:shade val="50000"/>
+            </a:schemeClr>
+          </a:lnRef>
+          <a:fillRef idx="1">
+            <a:schemeClr val="accent1"/>
+          </a:fillRef>
+          <a:effectRef idx="0">
+            <a:schemeClr val="accent1"/>
+          </a:effectRef>
+          <a:fontRef idx="minor">
+            <a:schemeClr val="lt1"/>
+          </a:fontRef>
+        </p:style>
+        <p:txBody>
+          <a:bodyPr rtlCol="0" anchor="ctr"/>
+          <a:lstStyle/>
+          <a:p>
+            <a:pPr algn="ctr"/>
+            <a:endParaRPr lang="en-US"/>
+          </a:p>
+        </p:txBody>
+      </p:sp>
+      <p:sp>
+        <p:nvSpPr>
+          <p:cNvPr id="29" name="Rectangle 28">
+            <a:extLst>
+              <a:ext uri="{FF2B5EF4-FFF2-40B4-BE49-F238E27FC236}">
+                <a16:creationId xmlns:a16="http://schemas.microsoft.com/office/drawing/2014/main" id="{15F33878-D502-4FFA-8ACE-F2AECDB2A23F}"/>
+              </a:ext>
+              <a:ext uri="{C183D7F6-B498-43B3-948B-1728B52AA6E4}">
+                <adec:decorative xmlns:adec="http://schemas.microsoft.com/office/drawing/2017/decorative" val="1"/>
+              </a:ext>
+            </a:extLst>
+          </p:cNvPr>
+          <p:cNvSpPr>
+            <a:spLocks noGrp="1" noRot="1" noChangeAspect="1" noMove="1" noResize="1" noEditPoints="1" noAdjustHandles="1" noChangeArrowheads="1" noChangeShapeType="1" noTextEdit="1"/>
+          </p:cNvSpPr>
+          <p:nvPr>
+            <p:extLst>
+              <p:ext uri="{386F3935-93C4-4BCD-93E2-E3B085C9AB24}">
+                <p16:designElem xmlns:p16="http://schemas.microsoft.com/office/powerpoint/2015/main" val="1"/>
+              </p:ext>
+            </p:extLst>
+          </p:nvPr>
+        </p:nvSpPr>
+        <p:spPr>
+          <a:xfrm rot="10800000" flipH="1">
+            <a:off x="8128857" y="35"/>
+            <a:ext cx="4063143" cy="1576412"/>
+          </a:xfrm>
+          <a:prstGeom prst="rect">
+            <a:avLst/>
+          </a:prstGeom>
+          <a:gradFill>
+            <a:gsLst>
+              <a:gs pos="19000">
+                <a:schemeClr val="accent1">
+                  <a:lumMod val="50000"/>
+                  <a:alpha val="68000"/>
+                </a:schemeClr>
+              </a:gs>
+              <a:gs pos="100000">
+                <a:schemeClr val="accent1">
+                  <a:alpha val="79000"/>
+                </a:schemeClr>
+              </a:gs>
+            </a:gsLst>
+            <a:lin ang="19200000" scaled="0"/>
+          </a:gradFill>
+          <a:ln>
+            <a:noFill/>
+          </a:ln>
+        </p:spPr>
+        <p:style>
+          <a:lnRef idx="2">
+            <a:schemeClr val="accent1">
+              <a:shade val="50000"/>
+            </a:schemeClr>
+          </a:lnRef>
+          <a:fillRef idx="1">
+            <a:schemeClr val="accent1"/>
+          </a:fillRef>
+          <a:effectRef idx="0">
+            <a:schemeClr val="accent1"/>
+          </a:effectRef>
+          <a:fontRef idx="minor">
+            <a:schemeClr val="lt1"/>
+          </a:fontRef>
+        </p:style>
+        <p:txBody>
+          <a:bodyPr rtlCol="0" anchor="ctr"/>
+          <a:lstStyle/>
+          <a:p>
+            <a:pPr algn="ctr"/>
+            <a:endParaRPr lang="en-US"/>
+          </a:p>
+        </p:txBody>
+      </p:sp>
+      <p:sp>
+        <p:nvSpPr>
+          <p:cNvPr id="31" name="Rectangle 30">
+            <a:extLst>
+              <a:ext uri="{FF2B5EF4-FFF2-40B4-BE49-F238E27FC236}">
+                <a16:creationId xmlns:a16="http://schemas.microsoft.com/office/drawing/2014/main" id="{D3539FEE-81D3-4406-802E-60B20B16F4F6}"/>
+              </a:ext>
+              <a:ext uri="{C183D7F6-B498-43B3-948B-1728B52AA6E4}">
+                <adec:decorative xmlns:adec="http://schemas.microsoft.com/office/drawing/2017/decorative" val="1"/>
+              </a:ext>
+            </a:extLst>
+          </p:cNvPr>
+          <p:cNvSpPr>
+            <a:spLocks noGrp="1" noRot="1" noChangeAspect="1" noMove="1" noResize="1" noEditPoints="1" noAdjustHandles="1" noChangeArrowheads="1" noChangeShapeType="1" noTextEdit="1"/>
+          </p:cNvSpPr>
+          <p:nvPr>
+            <p:extLst>
+              <p:ext uri="{386F3935-93C4-4BCD-93E2-E3B085C9AB24}">
+                <p16:designElem xmlns:p16="http://schemas.microsoft.com/office/powerpoint/2015/main" val="1"/>
+              </p:ext>
+            </p:extLst>
+          </p:nvPr>
+        </p:nvSpPr>
+        <p:spPr>
+          <a:xfrm rot="5400000">
+            <a:off x="5307778" y="-5307777"/>
+            <a:ext cx="1576446" cy="12192001"/>
+          </a:xfrm>
+          <a:prstGeom prst="rect">
+            <a:avLst/>
+          </a:prstGeom>
+          <a:gradFill>
+            <a:gsLst>
+              <a:gs pos="16000">
+                <a:srgbClr val="000000">
+                  <a:alpha val="0"/>
+                </a:srgbClr>
+              </a:gs>
+              <a:gs pos="99000">
+                <a:srgbClr val="000000">
+                  <a:alpha val="87000"/>
+                </a:srgbClr>
+              </a:gs>
+            </a:gsLst>
+            <a:lin ang="11400000" scaled="0"/>
+          </a:gradFill>
+          <a:ln>
+            <a:noFill/>
+          </a:ln>
+        </p:spPr>
+        <p:style>
+          <a:lnRef idx="2">
+            <a:schemeClr val="accent1">
+              <a:shade val="50000"/>
+            </a:schemeClr>
+          </a:lnRef>
+          <a:fillRef idx="1">
+            <a:schemeClr val="accent1"/>
+          </a:fillRef>
+          <a:effectRef idx="0">
+            <a:schemeClr val="accent1"/>
+          </a:effectRef>
+          <a:fontRef idx="minor">
+            <a:schemeClr val="lt1"/>
+          </a:fontRef>
+        </p:style>
+        <p:txBody>
+          <a:bodyPr rtlCol="0" anchor="ctr"/>
+          <a:lstStyle/>
+          <a:p>
+            <a:pPr algn="ctr"/>
+            <a:endParaRPr lang="en-US" dirty="0"/>
+          </a:p>
+        </p:txBody>
+      </p:sp>
+      <p:sp>
+        <p:nvSpPr>
+          <p:cNvPr id="33" name="Rectangle 32">
+            <a:extLst>
+              <a:ext uri="{FF2B5EF4-FFF2-40B4-BE49-F238E27FC236}">
+                <a16:creationId xmlns:a16="http://schemas.microsoft.com/office/drawing/2014/main" id="{DC701763-729E-462F-A5A8-E0DEFEB1E2E4}"/>
+              </a:ext>
+              <a:ext uri="{C183D7F6-B498-43B3-948B-1728B52AA6E4}">
+                <adec:decorative xmlns:adec="http://schemas.microsoft.com/office/drawing/2017/decorative" val="1"/>
+              </a:ext>
+            </a:extLst>
+          </p:cNvPr>
+          <p:cNvSpPr>
+            <a:spLocks noGrp="1" noRot="1" noChangeAspect="1" noMove="1" noResize="1" noEditPoints="1" noAdjustHandles="1" noChangeArrowheads="1" noChangeShapeType="1" noTextEdit="1"/>
+          </p:cNvSpPr>
+          <p:nvPr>
+            <p:extLst>
+              <p:ext uri="{386F3935-93C4-4BCD-93E2-E3B085C9AB24}">
+                <p16:designElem xmlns:p16="http://schemas.microsoft.com/office/powerpoint/2015/main" val="1"/>
+              </p:ext>
+            </p:extLst>
+          </p:nvPr>
+        </p:nvSpPr>
+        <p:spPr>
+          <a:xfrm>
+            <a:off x="3825434" y="986"/>
+            <a:ext cx="4303422" cy="1575461"/>
+          </a:xfrm>
+          <a:prstGeom prst="rect">
+            <a:avLst/>
+          </a:prstGeom>
+          <a:gradFill>
+            <a:gsLst>
+              <a:gs pos="0">
+                <a:schemeClr val="accent1">
+                  <a:alpha val="17000"/>
+                </a:schemeClr>
+              </a:gs>
+              <a:gs pos="74000">
+                <a:schemeClr val="accent1">
+                  <a:lumMod val="50000"/>
+                  <a:alpha val="0"/>
+                </a:schemeClr>
+              </a:gs>
+            </a:gsLst>
+            <a:lin ang="14400000" scaled="0"/>
+          </a:gradFill>
+          <a:ln>
+            <a:noFill/>
+          </a:ln>
+        </p:spPr>
+        <p:style>
+          <a:lnRef idx="2">
+            <a:schemeClr val="accent1">
+              <a:shade val="50000"/>
+            </a:schemeClr>
+          </a:lnRef>
+          <a:fillRef idx="1">
+            <a:schemeClr val="accent1"/>
+          </a:fillRef>
+          <a:effectRef idx="0">
+            <a:schemeClr val="accent1"/>
+          </a:effectRef>
+          <a:fontRef idx="minor">
+            <a:schemeClr val="lt1"/>
+          </a:fontRef>
+        </p:style>
+        <p:txBody>
+          <a:bodyPr rtlCol="0" anchor="ctr"/>
+          <a:lstStyle/>
+          <a:p>
+            <a:pPr algn="ctr"/>
+            <a:endParaRPr lang="en-US"/>
+          </a:p>
+        </p:txBody>
+      </p:sp>
+      <p:sp>
+        <p:nvSpPr>
+          <p:cNvPr id="2" name="标题 1">
+            <a:extLst>
+              <a:ext uri="{FF2B5EF4-FFF2-40B4-BE49-F238E27FC236}">
+                <a16:creationId xmlns:a16="http://schemas.microsoft.com/office/drawing/2014/main" id="{8AC8C377-F3D2-0AAD-8E10-1B5B3D0473E3}"/>
+              </a:ext>
+            </a:extLst>
+          </p:cNvPr>
+          <p:cNvSpPr>
+            <a:spLocks noGrp="1"/>
+          </p:cNvSpPr>
+          <p:nvPr>
+            <p:ph type="ctrTitle"/>
+          </p:nvPr>
+        </p:nvSpPr>
+        <p:spPr>
+          <a:xfrm>
+            <a:off x="699714" y="353160"/>
+            <a:ext cx="7091300" cy="898581"/>
+          </a:xfrm>
+        </p:spPr>
+        <p:txBody>
+          <a:bodyPr anchor="ctr">
+            <a:normAutofit/>
+          </a:bodyPr>
+          <a:lstStyle/>
+          <a:p>
+            <a:pPr algn="l"/>
+            <a:r>
+              <a:rPr lang="en-US" altLang="zh-CN" sz="4000" dirty="0">
+                <a:solidFill>
+                  <a:srgbClr val="FFFFFF"/>
+                </a:solidFill>
+              </a:rPr>
+              <a:t>Baseline Vit </a:t>
+            </a:r>
+            <a:endParaRPr lang="zh-CN" altLang="en-US" sz="4000" dirty="0">
+              <a:solidFill>
+                <a:srgbClr val="FFFFFF"/>
+              </a:solidFill>
+            </a:endParaRPr>
+          </a:p>
+        </p:txBody>
+      </p:sp>
+      <p:sp>
+        <p:nvSpPr>
+          <p:cNvPr id="3" name="副标题 2">
+            <a:extLst>
+              <a:ext uri="{FF2B5EF4-FFF2-40B4-BE49-F238E27FC236}">
+                <a16:creationId xmlns:a16="http://schemas.microsoft.com/office/drawing/2014/main" id="{1175EC7A-6E1F-E1D6-CB51-77C1FA486A7E}"/>
+              </a:ext>
+            </a:extLst>
+          </p:cNvPr>
+          <p:cNvSpPr>
+            <a:spLocks noGrp="1"/>
+          </p:cNvSpPr>
+          <p:nvPr>
+            <p:ph type="subTitle" idx="1"/>
+          </p:nvPr>
+        </p:nvSpPr>
+        <p:spPr>
+          <a:xfrm>
+            <a:off x="8653112" y="353159"/>
+            <a:ext cx="3190984" cy="898581"/>
+          </a:xfrm>
+        </p:spPr>
+        <p:txBody>
+          <a:bodyPr anchor="ctr">
+            <a:normAutofit lnSpcReduction="10000"/>
+          </a:bodyPr>
+          <a:lstStyle/>
+          <a:p>
+            <a:pPr algn="l"/>
+            <a:r>
+              <a:rPr lang="en-US" altLang="zh-CN" sz="1400" dirty="0">
+                <a:solidFill>
+                  <a:srgbClr val="FFFFFF"/>
+                </a:solidFill>
+              </a:rPr>
+              <a:t>Only cat and dog 2 classes</a:t>
+            </a:r>
+          </a:p>
+          <a:p>
+            <a:pPr algn="l"/>
+            <a:r>
+              <a:rPr lang="en-US" altLang="zh-CN" sz="1400" dirty="0">
+                <a:solidFill>
+                  <a:srgbClr val="FFFFFF"/>
+                </a:solidFill>
+              </a:rPr>
+              <a:t>Epoch 100</a:t>
+            </a:r>
+          </a:p>
+          <a:p>
+            <a:pPr algn="l"/>
+            <a:r>
+              <a:rPr lang="en-US" altLang="zh-CN" sz="1400" dirty="0">
+                <a:solidFill>
+                  <a:srgbClr val="FFFFFF"/>
+                </a:solidFill>
+              </a:rPr>
+              <a:t>Test Accuracy 64%</a:t>
+            </a:r>
+            <a:endParaRPr lang="zh-CN" altLang="en-US" sz="1400" dirty="0">
+              <a:solidFill>
+                <a:srgbClr val="FFFFFF"/>
+              </a:solidFill>
+            </a:endParaRPr>
+          </a:p>
+        </p:txBody>
+      </p:sp>
+      <p:pic>
+        <p:nvPicPr>
+          <p:cNvPr id="9" name="图片 8">
+            <a:extLst>
+              <a:ext uri="{FF2B5EF4-FFF2-40B4-BE49-F238E27FC236}">
+                <a16:creationId xmlns:a16="http://schemas.microsoft.com/office/drawing/2014/main" id="{08C657BA-ADC4-B061-076D-0DE6083E86BE}"/>
+              </a:ext>
+            </a:extLst>
+          </p:cNvPr>
+          <p:cNvPicPr>
+            <a:picLocks noChangeAspect="1"/>
+          </p:cNvPicPr>
+          <p:nvPr/>
+        </p:nvPicPr>
+        <p:blipFill>
+          <a:blip r:embed="rId2"/>
+          <a:stretch>
+            <a:fillRect/>
+          </a:stretch>
+        </p:blipFill>
+        <p:spPr>
+          <a:xfrm>
+            <a:off x="715748" y="2448502"/>
+            <a:ext cx="5131088" cy="3463484"/>
+          </a:xfrm>
+          <a:prstGeom prst="rect">
+            <a:avLst/>
+          </a:prstGeom>
+        </p:spPr>
+      </p:pic>
+      <p:pic>
+        <p:nvPicPr>
+          <p:cNvPr id="6" name="图片 5">
+            <a:extLst>
+              <a:ext uri="{FF2B5EF4-FFF2-40B4-BE49-F238E27FC236}">
+                <a16:creationId xmlns:a16="http://schemas.microsoft.com/office/drawing/2014/main" id="{2D6C0221-3C6E-D52B-047F-06C3C676AC38}"/>
+              </a:ext>
+            </a:extLst>
+          </p:cNvPr>
+          <p:cNvPicPr>
+            <a:picLocks noChangeAspect="1"/>
+          </p:cNvPicPr>
+          <p:nvPr/>
+        </p:nvPicPr>
+        <p:blipFill>
+          <a:blip r:embed="rId3"/>
+          <a:stretch>
+            <a:fillRect/>
+          </a:stretch>
+        </p:blipFill>
+        <p:spPr>
+          <a:xfrm>
+            <a:off x="6345165" y="2452919"/>
+            <a:ext cx="5131087" cy="3527622"/>
+          </a:xfrm>
+          <a:prstGeom prst="rect">
+            <a:avLst/>
+          </a:prstGeom>
+        </p:spPr>
+      </p:pic>
+    </p:spTree>
+    <p:extLst>
+      <p:ext uri="{BB962C8B-B14F-4D97-AF65-F5344CB8AC3E}">
+        <p14:creationId xmlns:p14="http://schemas.microsoft.com/office/powerpoint/2010/main" val="2864515275"/>
+      </p:ext>
+    </p:extLst>
+  </p:cSld>
+  <p:clrMapOvr>
+    <a:masterClrMapping/>
+  </p:clrMapOvr>
+</p:sld>
+</file>
+
+<file path=ppt/slides/slide11.xml><?xml version="1.0" encoding="utf-8"?>
+<p:sld xmlns:a="http://schemas.openxmlformats.org/drawingml/2006/main" xmlns:r="http://schemas.openxmlformats.org/officeDocument/2006/relationships" xmlns:p="http://schemas.openxmlformats.org/presentationml/2006/main">
+  <p:cSld>
+    <p:spTree>
+      <p:nvGrpSpPr>
+        <p:cNvPr id="1" name=""/>
+        <p:cNvGrpSpPr/>
+        <p:nvPr/>
+      </p:nvGrpSpPr>
+      <p:grpSpPr>
+        <a:xfrm>
+          <a:off x="0" y="0"/>
+          <a:ext cx="0" cy="0"/>
+          <a:chOff x="0" y="0"/>
+          <a:chExt cx="0" cy="0"/>
+        </a:xfrm>
+      </p:grpSpPr>
+      <p:sp useBgFill="1">
+        <p:nvSpPr>
+          <p:cNvPr id="48" name="Rectangle 47">
+            <a:extLst>
+              <a:ext uri="{FF2B5EF4-FFF2-40B4-BE49-F238E27FC236}">
+                <a16:creationId xmlns:a16="http://schemas.microsoft.com/office/drawing/2014/main" id="{0288C6B4-AFC3-407F-A595-EFFD38D4CCAF}"/>
+              </a:ext>
+              <a:ext uri="{C183D7F6-B498-43B3-948B-1728B52AA6E4}">
+                <adec:decorative xmlns:adec="http://schemas.microsoft.com/office/drawing/2017/decorative" val="1"/>
+              </a:ext>
+            </a:extLst>
+          </p:cNvPr>
+          <p:cNvSpPr>
+            <a:spLocks noGrp="1" noRot="1" noChangeAspect="1" noMove="1" noResize="1" noEditPoints="1" noAdjustHandles="1" noChangeArrowheads="1" noChangeShapeType="1" noTextEdit="1"/>
+          </p:cNvSpPr>
+          <p:nvPr>
+            <p:extLst>
+              <p:ext uri="{386F3935-93C4-4BCD-93E2-E3B085C9AB24}">
+                <p16:designElem xmlns:p16="http://schemas.microsoft.com/office/powerpoint/2015/main" val="1"/>
+              </p:ext>
+            </p:extLst>
+          </p:nvPr>
+        </p:nvSpPr>
+        <p:spPr>
+          <a:xfrm>
+            <a:off x="0" y="0"/>
+            <a:ext cx="12192000" cy="6858000"/>
+          </a:xfrm>
+          <a:prstGeom prst="rect">
+            <a:avLst/>
+          </a:prstGeom>
+          <a:ln>
+            <a:noFill/>
+          </a:ln>
+        </p:spPr>
+        <p:style>
+          <a:lnRef idx="2">
+            <a:schemeClr val="accent1">
+              <a:shade val="50000"/>
+            </a:schemeClr>
+          </a:lnRef>
+          <a:fillRef idx="1">
+            <a:schemeClr val="accent1"/>
+          </a:fillRef>
+          <a:effectRef idx="0">
+            <a:schemeClr val="accent1"/>
+          </a:effectRef>
+          <a:fontRef idx="minor">
+            <a:schemeClr val="lt1"/>
+          </a:fontRef>
+        </p:style>
+        <p:txBody>
+          <a:bodyPr rtlCol="0" anchor="ctr"/>
+          <a:lstStyle/>
+          <a:p>
+            <a:pPr algn="ctr"/>
+            <a:endParaRPr lang="en-US"/>
+          </a:p>
+        </p:txBody>
+      </p:sp>
+      <p:sp useBgFill="1">
+        <p:nvSpPr>
+          <p:cNvPr id="50" name="Freeform: Shape 49">
+            <a:extLst>
+              <a:ext uri="{FF2B5EF4-FFF2-40B4-BE49-F238E27FC236}">
+                <a16:creationId xmlns:a16="http://schemas.microsoft.com/office/drawing/2014/main" id="{CF236821-17FE-429B-8D2C-08E13A64EA40}"/>
+              </a:ext>
+              <a:ext uri="{C183D7F6-B498-43B3-948B-1728B52AA6E4}">
+                <adec:decorative xmlns:adec="http://schemas.microsoft.com/office/drawing/2017/decorative" val="1"/>
+              </a:ext>
+            </a:extLst>
+          </p:cNvPr>
+          <p:cNvSpPr>
+            <a:spLocks noGrp="1" noRot="1" noChangeAspect="1" noMove="1" noResize="1" noEditPoints="1" noAdjustHandles="1" noChangeArrowheads="1" noChangeShapeType="1" noTextEdit="1"/>
+          </p:cNvSpPr>
+          <p:nvPr>
+            <p:extLst>
+              <p:ext uri="{386F3935-93C4-4BCD-93E2-E3B085C9AB24}">
+                <p16:designElem xmlns:p16="http://schemas.microsoft.com/office/powerpoint/2015/main" val="1"/>
+              </p:ext>
+            </p:extLst>
+          </p:nvPr>
+        </p:nvSpPr>
+        <p:spPr>
+          <a:xfrm>
+            <a:off x="-1" y="0"/>
+            <a:ext cx="4455673" cy="6858000"/>
+          </a:xfrm>
+          <a:custGeom>
+            <a:avLst/>
+            <a:gdLst>
+              <a:gd name="connsiteX0" fmla="*/ 0 w 4455673"/>
+              <a:gd name="connsiteY0" fmla="*/ 0 h 6858000"/>
+              <a:gd name="connsiteX1" fmla="*/ 3242695 w 4455673"/>
+              <a:gd name="connsiteY1" fmla="*/ 0 h 6858000"/>
+              <a:gd name="connsiteX2" fmla="*/ 3305678 w 4455673"/>
+              <a:gd name="connsiteY2" fmla="*/ 69271 h 6858000"/>
+              <a:gd name="connsiteX3" fmla="*/ 4455673 w 4455673"/>
+              <a:gd name="connsiteY3" fmla="*/ 3429000 h 6858000"/>
+              <a:gd name="connsiteX4" fmla="*/ 3305678 w 4455673"/>
+              <a:gd name="connsiteY4" fmla="*/ 6788730 h 6858000"/>
+              <a:gd name="connsiteX5" fmla="*/ 3242695 w 4455673"/>
+              <a:gd name="connsiteY5" fmla="*/ 6858000 h 6858000"/>
+              <a:gd name="connsiteX6" fmla="*/ 0 w 4455673"/>
+              <a:gd name="connsiteY6" fmla="*/ 6858000 h 6858000"/>
+            </a:gdLst>
+            <a:ahLst/>
+            <a:cxnLst>
+              <a:cxn ang="0">
+                <a:pos x="connsiteX0" y="connsiteY0"/>
+              </a:cxn>
+              <a:cxn ang="0">
+                <a:pos x="connsiteX1" y="connsiteY1"/>
+              </a:cxn>
+              <a:cxn ang="0">
+                <a:pos x="connsiteX2" y="connsiteY2"/>
+              </a:cxn>
+              <a:cxn ang="0">
+                <a:pos x="connsiteX3" y="connsiteY3"/>
+              </a:cxn>
+              <a:cxn ang="0">
+                <a:pos x="connsiteX4" y="connsiteY4"/>
+              </a:cxn>
+              <a:cxn ang="0">
+                <a:pos x="connsiteX5" y="connsiteY5"/>
+              </a:cxn>
+              <a:cxn ang="0">
+                <a:pos x="connsiteX6" y="connsiteY6"/>
+              </a:cxn>
+            </a:cxnLst>
+            <a:rect l="l" t="t" r="r" b="b"/>
+            <a:pathLst>
+              <a:path w="4455673" h="6858000">
+                <a:moveTo>
+                  <a:pt x="0" y="0"/>
+                </a:moveTo>
+                <a:lnTo>
+                  <a:pt x="3242695" y="0"/>
+                </a:lnTo>
+                <a:lnTo>
+                  <a:pt x="3305678" y="69271"/>
+                </a:lnTo>
+                <a:cubicBezTo>
+                  <a:pt x="4016204" y="929100"/>
+                  <a:pt x="4455673" y="2116944"/>
+                  <a:pt x="4455673" y="3429000"/>
+                </a:cubicBezTo>
+                <a:cubicBezTo>
+                  <a:pt x="4455673" y="4741056"/>
+                  <a:pt x="4016204" y="5928900"/>
+                  <a:pt x="3305678" y="6788730"/>
+                </a:cubicBezTo>
+                <a:lnTo>
+                  <a:pt x="3242695" y="6858000"/>
+                </a:lnTo>
+                <a:lnTo>
+                  <a:pt x="0" y="6858000"/>
+                </a:lnTo>
+                <a:close/>
+              </a:path>
+            </a:pathLst>
+          </a:custGeom>
+          <a:ln w="9525">
+            <a:solidFill>
+              <a:srgbClr val="EFEFEF"/>
+            </a:solidFill>
+          </a:ln>
+          <a:effectLst>
+            <a:outerShdw blurRad="88900" dist="38100" algn="l" rotWithShape="0">
+              <a:schemeClr val="bg1">
+                <a:lumMod val="85000"/>
+                <a:alpha val="50000"/>
+              </a:schemeClr>
+            </a:outerShdw>
+          </a:effectLst>
+        </p:spPr>
+        <p:style>
+          <a:lnRef idx="2">
+            <a:schemeClr val="accent1">
+              <a:shade val="50000"/>
+            </a:schemeClr>
+          </a:lnRef>
+          <a:fillRef idx="1">
+            <a:schemeClr val="accent1"/>
+          </a:fillRef>
+          <a:effectRef idx="0">
+            <a:schemeClr val="accent1"/>
+          </a:effectRef>
+          <a:fontRef idx="minor">
+            <a:schemeClr val="lt1"/>
+          </a:fontRef>
+        </p:style>
+        <p:txBody>
+          <a:bodyPr wrap="square" rtlCol="0" anchor="ctr">
+            <a:noAutofit/>
+          </a:bodyPr>
+          <a:lstStyle/>
+          <a:p>
+            <a:pPr marL="0" marR="0" lvl="0" indent="0" algn="ctr" defTabSz="914400" rtl="0" eaLnBrk="1" fontAlgn="auto" latinLnBrk="0" hangingPunct="1">
+              <a:lnSpc>
+                <a:spcPct val="100000"/>
+              </a:lnSpc>
+              <a:spcBef>
+                <a:spcPts val="0"/>
+              </a:spcBef>
+              <a:spcAft>
+                <a:spcPts val="0"/>
+              </a:spcAft>
+              <a:buClrTx/>
+              <a:buSzTx/>
+              <a:buFontTx/>
+              <a:buNone/>
+              <a:tabLst/>
+              <a:defRPr/>
+            </a:pPr>
+            <a:endParaRPr kumimoji="0" lang="en-US" sz="1800" b="0" i="0" u="none" strike="noStrike" kern="1200" cap="none" spc="0" normalizeH="0" baseline="0" noProof="0">
+              <a:ln>
+                <a:noFill/>
+              </a:ln>
+              <a:solidFill>
+                <a:prstClr val="white"/>
+              </a:solidFill>
+              <a:effectLst/>
+              <a:uLnTx/>
+              <a:uFillTx/>
+              <a:latin typeface="Calibri" panose="020F0502020204030204"/>
+              <a:ea typeface="+mn-ea"/>
+              <a:cs typeface="+mn-cs"/>
+            </a:endParaRPr>
+          </a:p>
+        </p:txBody>
+      </p:sp>
+      <p:sp useBgFill="1">
+        <p:nvSpPr>
+          <p:cNvPr id="52" name="Freeform: Shape 51">
+            <a:extLst>
+              <a:ext uri="{FF2B5EF4-FFF2-40B4-BE49-F238E27FC236}">
+                <a16:creationId xmlns:a16="http://schemas.microsoft.com/office/drawing/2014/main" id="{C0BDBCD2-E081-43AB-9119-C55465E59757}"/>
+              </a:ext>
+              <a:ext uri="{C183D7F6-B498-43B3-948B-1728B52AA6E4}">
+                <adec:decorative xmlns:adec="http://schemas.microsoft.com/office/drawing/2017/decorative" val="1"/>
+              </a:ext>
+            </a:extLst>
+          </p:cNvPr>
+          <p:cNvSpPr>
+            <a:spLocks noGrp="1" noRot="1" noChangeAspect="1" noMove="1" noResize="1" noEditPoints="1" noAdjustHandles="1" noChangeArrowheads="1" noChangeShapeType="1" noTextEdit="1"/>
+          </p:cNvSpPr>
+          <p:nvPr>
+            <p:extLst>
+              <p:ext uri="{386F3935-93C4-4BCD-93E2-E3B085C9AB24}">
+                <p16:designElem xmlns:p16="http://schemas.microsoft.com/office/powerpoint/2015/main" val="1"/>
+              </p:ext>
+            </p:extLst>
+          </p:nvPr>
+        </p:nvSpPr>
+        <p:spPr>
+          <a:xfrm>
+            <a:off x="0" y="0"/>
+            <a:ext cx="4446529" cy="6858000"/>
+          </a:xfrm>
+          <a:custGeom>
+            <a:avLst/>
+            <a:gdLst>
+              <a:gd name="connsiteX0" fmla="*/ 0 w 4446529"/>
+              <a:gd name="connsiteY0" fmla="*/ 0 h 6858000"/>
+              <a:gd name="connsiteX1" fmla="*/ 3233551 w 4446529"/>
+              <a:gd name="connsiteY1" fmla="*/ 0 h 6858000"/>
+              <a:gd name="connsiteX2" fmla="*/ 3296534 w 4446529"/>
+              <a:gd name="connsiteY2" fmla="*/ 69271 h 6858000"/>
+              <a:gd name="connsiteX3" fmla="*/ 4446529 w 4446529"/>
+              <a:gd name="connsiteY3" fmla="*/ 3429000 h 6858000"/>
+              <a:gd name="connsiteX4" fmla="*/ 3296534 w 4446529"/>
+              <a:gd name="connsiteY4" fmla="*/ 6788730 h 6858000"/>
+              <a:gd name="connsiteX5" fmla="*/ 3233551 w 4446529"/>
+              <a:gd name="connsiteY5" fmla="*/ 6858000 h 6858000"/>
+              <a:gd name="connsiteX6" fmla="*/ 0 w 4446529"/>
+              <a:gd name="connsiteY6" fmla="*/ 6858000 h 6858000"/>
+            </a:gdLst>
+            <a:ahLst/>
+            <a:cxnLst>
+              <a:cxn ang="0">
+                <a:pos x="connsiteX0" y="connsiteY0"/>
+              </a:cxn>
+              <a:cxn ang="0">
+                <a:pos x="connsiteX1" y="connsiteY1"/>
+              </a:cxn>
+              <a:cxn ang="0">
+                <a:pos x="connsiteX2" y="connsiteY2"/>
+              </a:cxn>
+              <a:cxn ang="0">
+                <a:pos x="connsiteX3" y="connsiteY3"/>
+              </a:cxn>
+              <a:cxn ang="0">
+                <a:pos x="connsiteX4" y="connsiteY4"/>
+              </a:cxn>
+              <a:cxn ang="0">
+                <a:pos x="connsiteX5" y="connsiteY5"/>
+              </a:cxn>
+              <a:cxn ang="0">
+                <a:pos x="connsiteX6" y="connsiteY6"/>
+              </a:cxn>
+            </a:cxnLst>
+            <a:rect l="l" t="t" r="r" b="b"/>
+            <a:pathLst>
+              <a:path w="4446529" h="6858000">
+                <a:moveTo>
+                  <a:pt x="0" y="0"/>
+                </a:moveTo>
+                <a:lnTo>
+                  <a:pt x="3233551" y="0"/>
+                </a:lnTo>
+                <a:lnTo>
+                  <a:pt x="3296534" y="69271"/>
+                </a:lnTo>
+                <a:cubicBezTo>
+                  <a:pt x="4007060" y="929100"/>
+                  <a:pt x="4446529" y="2116944"/>
+                  <a:pt x="4446529" y="3429000"/>
+                </a:cubicBezTo>
+                <a:cubicBezTo>
+                  <a:pt x="4446529" y="4741056"/>
+                  <a:pt x="4007060" y="5928900"/>
+                  <a:pt x="3296534" y="6788730"/>
+                </a:cubicBezTo>
+                <a:lnTo>
+                  <a:pt x="3233551" y="6858000"/>
+                </a:lnTo>
+                <a:lnTo>
+                  <a:pt x="0" y="6858000"/>
+                </a:lnTo>
+                <a:close/>
+              </a:path>
+            </a:pathLst>
+          </a:custGeom>
+          <a:ln w="9525">
+            <a:noFill/>
+          </a:ln>
+          <a:effectLst/>
+        </p:spPr>
+        <p:style>
+          <a:lnRef idx="2">
+            <a:schemeClr val="accent1">
+              <a:shade val="50000"/>
+            </a:schemeClr>
+          </a:lnRef>
+          <a:fillRef idx="1">
+            <a:schemeClr val="accent1"/>
+          </a:fillRef>
+          <a:effectRef idx="0">
+            <a:schemeClr val="accent1"/>
+          </a:effectRef>
+          <a:fontRef idx="minor">
+            <a:schemeClr val="lt1"/>
+          </a:fontRef>
+        </p:style>
+        <p:txBody>
+          <a:bodyPr wrap="square" rtlCol="0" anchor="ctr">
+            <a:noAutofit/>
+          </a:bodyPr>
+          <a:lstStyle/>
+          <a:p>
+            <a:pPr marL="0" marR="0" lvl="0" indent="0" algn="ctr" defTabSz="914400" rtl="0" eaLnBrk="1" fontAlgn="auto" latinLnBrk="0" hangingPunct="1">
+              <a:lnSpc>
+                <a:spcPct val="100000"/>
+              </a:lnSpc>
+              <a:spcBef>
+                <a:spcPts val="0"/>
+              </a:spcBef>
+              <a:spcAft>
+                <a:spcPts val="0"/>
+              </a:spcAft>
+              <a:buClrTx/>
+              <a:buSzTx/>
+              <a:buFontTx/>
+              <a:buNone/>
+              <a:tabLst/>
+              <a:defRPr/>
+            </a:pPr>
+            <a:endParaRPr kumimoji="0" lang="en-US" sz="1800" b="0" i="0" u="none" strike="noStrike" kern="1200" cap="none" spc="0" normalizeH="0" baseline="0" noProof="0">
+              <a:ln>
+                <a:noFill/>
+              </a:ln>
+              <a:solidFill>
+                <a:prstClr val="white"/>
+              </a:solidFill>
+              <a:effectLst/>
+              <a:uLnTx/>
+              <a:uFillTx/>
+              <a:latin typeface="Calibri" panose="020F0502020204030204"/>
+              <a:ea typeface="+mn-ea"/>
+              <a:cs typeface="+mn-cs"/>
+            </a:endParaRPr>
+          </a:p>
+        </p:txBody>
+      </p:sp>
+      <p:sp>
+        <p:nvSpPr>
+          <p:cNvPr id="2" name="标题 1">
+            <a:extLst>
+              <a:ext uri="{FF2B5EF4-FFF2-40B4-BE49-F238E27FC236}">
+                <a16:creationId xmlns:a16="http://schemas.microsoft.com/office/drawing/2014/main" id="{29AA0371-B733-24B0-D256-A3ECEB1B126D}"/>
+              </a:ext>
+            </a:extLst>
+          </p:cNvPr>
+          <p:cNvSpPr>
+            <a:spLocks noGrp="1"/>
+          </p:cNvSpPr>
+          <p:nvPr>
+            <p:ph type="title"/>
+          </p:nvPr>
+        </p:nvSpPr>
+        <p:spPr>
+          <a:xfrm>
+            <a:off x="371094" y="1161288"/>
+            <a:ext cx="3438144" cy="1239012"/>
+          </a:xfrm>
+        </p:spPr>
+        <p:txBody>
+          <a:bodyPr anchor="ctr"/>
+          <a:lstStyle/>
+          <a:p>
+            <a:r>
+              <a:rPr lang="en-US" altLang="zh-CN" sz="2800" kern="1200">
+                <a:solidFill>
+                  <a:schemeClr val="tx1"/>
+                </a:solidFill>
+                <a:latin typeface="+mj-lt"/>
+                <a:ea typeface="+mj-ea"/>
+                <a:cs typeface="+mj-cs"/>
+              </a:rPr>
+              <a:t>Baseline Vit</a:t>
+            </a:r>
+          </a:p>
+        </p:txBody>
+      </p:sp>
+      <p:sp>
+        <p:nvSpPr>
+          <p:cNvPr id="54" name="Rectangle 53">
+            <a:extLst>
+              <a:ext uri="{FF2B5EF4-FFF2-40B4-BE49-F238E27FC236}">
+                <a16:creationId xmlns:a16="http://schemas.microsoft.com/office/drawing/2014/main" id="{98E79BE4-34FE-485A-98A5-92CE8F7C4743}"/>
+              </a:ext>
+              <a:ext uri="{C183D7F6-B498-43B3-948B-1728B52AA6E4}">
+                <adec:decorative xmlns:adec="http://schemas.microsoft.com/office/drawing/2017/decorative" val="1"/>
+              </a:ext>
+            </a:extLst>
+          </p:cNvPr>
+          <p:cNvSpPr>
+            <a:spLocks noGrp="1" noRot="1" noChangeAspect="1" noMove="1" noResize="1" noEditPoints="1" noAdjustHandles="1" noChangeArrowheads="1" noChangeShapeType="1" noTextEdit="1"/>
+          </p:cNvSpPr>
+          <p:nvPr>
+            <p:extLst>
+              <p:ext uri="{386F3935-93C4-4BCD-93E2-E3B085C9AB24}">
+                <p16:designElem xmlns:p16="http://schemas.microsoft.com/office/powerpoint/2015/main" val="1"/>
+              </p:ext>
+            </p:extLst>
+          </p:nvPr>
+        </p:nvSpPr>
+        <p:spPr>
+          <a:xfrm>
+            <a:off x="0" y="1426546"/>
+            <a:ext cx="128016" cy="653903"/>
+          </a:xfrm>
+          <a:prstGeom prst="rect">
+            <a:avLst/>
+          </a:prstGeom>
+          <a:solidFill>
+            <a:schemeClr val="accent2"/>
+          </a:solidFill>
+          <a:ln>
+            <a:noFill/>
+          </a:ln>
+        </p:spPr>
+        <p:style>
+          <a:lnRef idx="2">
+            <a:schemeClr val="accent1">
+              <a:shade val="50000"/>
+            </a:schemeClr>
+          </a:lnRef>
+          <a:fillRef idx="1">
+            <a:schemeClr val="accent1"/>
+          </a:fillRef>
+          <a:effectRef idx="0">
+            <a:schemeClr val="accent1"/>
+          </a:effectRef>
+          <a:fontRef idx="minor">
+            <a:schemeClr val="lt1"/>
+          </a:fontRef>
+        </p:style>
+        <p:txBody>
+          <a:bodyPr rtlCol="0" anchor="ctr"/>
+          <a:lstStyle/>
+          <a:p>
+            <a:pPr algn="ctr"/>
+            <a:endParaRPr lang="en-US">
+              <a:solidFill>
+                <a:prstClr val="white"/>
+              </a:solidFill>
+              <a:latin typeface="Calibri" panose="020F0502020204030204"/>
+            </a:endParaRPr>
+          </a:p>
+        </p:txBody>
+      </p:sp>
+      <p:sp>
+        <p:nvSpPr>
+          <p:cNvPr id="56" name="Rectangle 55">
+            <a:extLst>
+              <a:ext uri="{FF2B5EF4-FFF2-40B4-BE49-F238E27FC236}">
+                <a16:creationId xmlns:a16="http://schemas.microsoft.com/office/drawing/2014/main" id="{7A5F0580-5EE9-419F-96EE-B6529EF6E7D0}"/>
+              </a:ext>
+              <a:ext uri="{C183D7F6-B498-43B3-948B-1728B52AA6E4}">
+                <adec:decorative xmlns:adec="http://schemas.microsoft.com/office/drawing/2017/decorative" val="1"/>
+              </a:ext>
+            </a:extLst>
+          </p:cNvPr>
+          <p:cNvSpPr>
+            <a:spLocks noGrp="1" noRot="1" noChangeAspect="1" noMove="1" noResize="1" noEditPoints="1" noAdjustHandles="1" noChangeArrowheads="1" noChangeShapeType="1" noTextEdit="1"/>
+          </p:cNvSpPr>
+          <p:nvPr>
+            <p:extLst>
+              <p:ext uri="{386F3935-93C4-4BCD-93E2-E3B085C9AB24}">
+                <p16:designElem xmlns:p16="http://schemas.microsoft.com/office/powerpoint/2015/main" val="1"/>
+              </p:ext>
+            </p:extLst>
+          </p:nvPr>
+        </p:nvSpPr>
+        <p:spPr>
+          <a:xfrm>
+            <a:off x="395893" y="2443480"/>
+            <a:ext cx="3383280" cy="18288"/>
+          </a:xfrm>
+          <a:prstGeom prst="rect">
+            <a:avLst/>
+          </a:prstGeom>
+          <a:solidFill>
+            <a:srgbClr val="D5D5D5"/>
+          </a:solidFill>
+          <a:ln w="3175">
+            <a:noFill/>
+          </a:ln>
+          <a:effectLst/>
+        </p:spPr>
+        <p:style>
+          <a:lnRef idx="2">
+            <a:schemeClr val="accent1">
+              <a:shade val="50000"/>
+            </a:schemeClr>
+          </a:lnRef>
+          <a:fillRef idx="1">
+            <a:schemeClr val="accent1"/>
+          </a:fillRef>
+          <a:effectRef idx="0">
+            <a:schemeClr val="accent1"/>
+          </a:effectRef>
+          <a:fontRef idx="minor">
+            <a:schemeClr val="lt1"/>
+          </a:fontRef>
+        </p:style>
+        <p:txBody>
+          <a:bodyPr rtlCol="0" anchor="ctr"/>
+          <a:lstStyle/>
+          <a:p>
+            <a:pPr marL="0" marR="0" lvl="0" indent="0" algn="ctr" defTabSz="914400" rtl="0" eaLnBrk="1" fontAlgn="auto" latinLnBrk="0" hangingPunct="1">
+              <a:lnSpc>
+                <a:spcPct val="100000"/>
+              </a:lnSpc>
+              <a:spcBef>
+                <a:spcPts val="0"/>
+              </a:spcBef>
+              <a:spcAft>
+                <a:spcPts val="0"/>
+              </a:spcAft>
+              <a:buClrTx/>
+              <a:buSzTx/>
+              <a:buFontTx/>
+              <a:buNone/>
+              <a:tabLst/>
+              <a:defRPr/>
+            </a:pPr>
+            <a:endParaRPr kumimoji="0" lang="en-US" sz="1800" b="0" i="0" u="none" strike="noStrike" kern="1200" cap="none" spc="0" normalizeH="0" baseline="0" noProof="0">
+              <a:ln>
+                <a:noFill/>
+              </a:ln>
+              <a:solidFill>
+                <a:prstClr val="white"/>
+              </a:solidFill>
+              <a:effectLst/>
+              <a:uLnTx/>
+              <a:uFillTx/>
+              <a:latin typeface="Calibri" panose="020F0502020204030204"/>
+              <a:ea typeface="+mn-ea"/>
+              <a:cs typeface="+mn-cs"/>
+            </a:endParaRPr>
+          </a:p>
+        </p:txBody>
+      </p:sp>
+      <p:pic>
+        <p:nvPicPr>
+          <p:cNvPr id="5" name="内容占位符 4">
+            <a:extLst>
+              <a:ext uri="{FF2B5EF4-FFF2-40B4-BE49-F238E27FC236}">
+                <a16:creationId xmlns:a16="http://schemas.microsoft.com/office/drawing/2014/main" id="{8D7F1EA4-F2ED-57AC-0A2F-3F0853E27399}"/>
+              </a:ext>
+            </a:extLst>
+          </p:cNvPr>
+          <p:cNvPicPr>
+            <a:picLocks noGrp="1" noChangeAspect="1"/>
+          </p:cNvPicPr>
+          <p:nvPr>
+            <p:ph idx="1"/>
+          </p:nvPr>
+        </p:nvPicPr>
+        <p:blipFill>
+          <a:blip r:embed="rId2"/>
+          <a:stretch>
+            <a:fillRect/>
+          </a:stretch>
+        </p:blipFill>
+        <p:spPr>
+          <a:xfrm>
+            <a:off x="4583551" y="1426546"/>
+            <a:ext cx="6922008" cy="3694094"/>
+          </a:xfrm>
+          <a:prstGeom prst="rect">
+            <a:avLst/>
+          </a:prstGeom>
+        </p:spPr>
+      </p:pic>
+      <p:sp>
+        <p:nvSpPr>
+          <p:cNvPr id="6" name="文本框 5">
+            <a:extLst>
+              <a:ext uri="{FF2B5EF4-FFF2-40B4-BE49-F238E27FC236}">
+                <a16:creationId xmlns:a16="http://schemas.microsoft.com/office/drawing/2014/main" id="{4212D346-61CA-F38B-88B1-695A63123413}"/>
+              </a:ext>
+            </a:extLst>
+          </p:cNvPr>
+          <p:cNvSpPr txBox="1"/>
+          <p:nvPr/>
+        </p:nvSpPr>
+        <p:spPr>
+          <a:xfrm>
+            <a:off x="371094" y="2718054"/>
+            <a:ext cx="3438906" cy="4076501"/>
+          </a:xfrm>
+          <a:prstGeom prst="rect">
+            <a:avLst/>
+          </a:prstGeom>
+        </p:spPr>
+        <p:txBody>
+          <a:bodyPr wrap="square" rtlCol="0">
+            <a:spAutoFit/>
+          </a:bodyPr>
+          <a:lstStyle/>
+          <a:p>
+            <a:pPr indent="-228600">
+              <a:lnSpc>
+                <a:spcPct val="90000"/>
+              </a:lnSpc>
+              <a:spcAft>
+                <a:spcPts val="600"/>
+              </a:spcAft>
+              <a:buFont typeface="Arial" panose="020B0604020202020204" pitchFamily="34" charset="0"/>
+              <a:buChar char="•"/>
+            </a:pPr>
+            <a:r>
+              <a:rPr lang="en-US" altLang="zh-CN" sz="1700" dirty="0"/>
+              <a:t>Full Cifar-10 dataset , 10 classes</a:t>
+            </a:r>
+          </a:p>
+          <a:p>
+            <a:pPr indent="-228600">
+              <a:lnSpc>
+                <a:spcPct val="90000"/>
+              </a:lnSpc>
+              <a:spcAft>
+                <a:spcPts val="600"/>
+              </a:spcAft>
+              <a:buFont typeface="Arial" panose="020B0604020202020204" pitchFamily="34" charset="0"/>
+              <a:buChar char="•"/>
+            </a:pPr>
+            <a:r>
+              <a:rPr lang="en-US" altLang="zh-CN" sz="1700" dirty="0"/>
+              <a:t>Epoch = 30</a:t>
+            </a:r>
+          </a:p>
+          <a:p>
+            <a:pPr indent="-228600">
+              <a:lnSpc>
+                <a:spcPct val="90000"/>
+              </a:lnSpc>
+              <a:spcAft>
+                <a:spcPts val="600"/>
+              </a:spcAft>
+              <a:buFont typeface="Arial" panose="020B0604020202020204" pitchFamily="34" charset="0"/>
+              <a:buChar char="•"/>
+            </a:pPr>
+            <a:r>
+              <a:rPr lang="en-US" altLang="zh-CN" sz="1700" dirty="0" err="1"/>
+              <a:t>Batch_size</a:t>
+            </a:r>
+            <a:r>
+              <a:rPr lang="en-US" altLang="zh-CN" sz="1700" dirty="0"/>
+              <a:t> = 64</a:t>
+            </a:r>
+          </a:p>
+          <a:p>
+            <a:pPr indent="-228600">
+              <a:lnSpc>
+                <a:spcPct val="90000"/>
+              </a:lnSpc>
+              <a:spcAft>
+                <a:spcPts val="600"/>
+              </a:spcAft>
+              <a:buFont typeface="Arial" panose="020B0604020202020204" pitchFamily="34" charset="0"/>
+              <a:buChar char="•"/>
+            </a:pPr>
+            <a:r>
+              <a:rPr lang="en-US" altLang="zh-CN" sz="1700" dirty="0" err="1"/>
+              <a:t>Patch_size</a:t>
+            </a:r>
+            <a:r>
+              <a:rPr lang="en-US" altLang="zh-CN" sz="1700" dirty="0"/>
+              <a:t> = 8</a:t>
+            </a:r>
+          </a:p>
+          <a:p>
+            <a:pPr indent="-228600">
+              <a:lnSpc>
+                <a:spcPct val="90000"/>
+              </a:lnSpc>
+              <a:spcAft>
+                <a:spcPts val="600"/>
+              </a:spcAft>
+              <a:buFont typeface="Arial" panose="020B0604020202020204" pitchFamily="34" charset="0"/>
+              <a:buChar char="•"/>
+            </a:pPr>
+            <a:r>
+              <a:rPr lang="en-US" altLang="zh-CN" sz="1700" dirty="0"/>
+              <a:t>Dim = 128</a:t>
+            </a:r>
+          </a:p>
+          <a:p>
+            <a:pPr indent="-228600">
+              <a:lnSpc>
+                <a:spcPct val="90000"/>
+              </a:lnSpc>
+              <a:spcAft>
+                <a:spcPts val="600"/>
+              </a:spcAft>
+              <a:buFont typeface="Arial" panose="020B0604020202020204" pitchFamily="34" charset="0"/>
+              <a:buChar char="•"/>
+            </a:pPr>
+            <a:r>
+              <a:rPr lang="en-US" altLang="zh-CN" sz="1700" dirty="0"/>
+              <a:t>Depth = 12</a:t>
+            </a:r>
+          </a:p>
+          <a:p>
+            <a:pPr indent="-228600">
+              <a:lnSpc>
+                <a:spcPct val="90000"/>
+              </a:lnSpc>
+              <a:spcAft>
+                <a:spcPts val="600"/>
+              </a:spcAft>
+              <a:buFont typeface="Arial" panose="020B0604020202020204" pitchFamily="34" charset="0"/>
+              <a:buChar char="•"/>
+            </a:pPr>
+            <a:r>
+              <a:rPr lang="en-US" altLang="zh-CN" sz="1700" dirty="0"/>
+              <a:t>Heads = 8</a:t>
+            </a:r>
+          </a:p>
+          <a:p>
+            <a:pPr indent="-228600">
+              <a:lnSpc>
+                <a:spcPct val="90000"/>
+              </a:lnSpc>
+              <a:spcAft>
+                <a:spcPts val="600"/>
+              </a:spcAft>
+              <a:buFont typeface="Arial" panose="020B0604020202020204" pitchFamily="34" charset="0"/>
+              <a:buChar char="•"/>
+            </a:pPr>
+            <a:r>
+              <a:rPr lang="en-US" altLang="zh-CN" sz="1700" dirty="0" err="1"/>
+              <a:t>Mlp_dim</a:t>
+            </a:r>
+            <a:r>
+              <a:rPr lang="en-US" altLang="zh-CN" sz="1700" dirty="0"/>
+              <a:t> = 256</a:t>
+            </a:r>
+          </a:p>
+          <a:p>
+            <a:pPr indent="-228600">
+              <a:lnSpc>
+                <a:spcPct val="90000"/>
+              </a:lnSpc>
+              <a:spcAft>
+                <a:spcPts val="600"/>
+              </a:spcAft>
+              <a:buFont typeface="Arial" panose="020B0604020202020204" pitchFamily="34" charset="0"/>
+              <a:buChar char="•"/>
+            </a:pPr>
+            <a:endParaRPr lang="en-US" altLang="zh-CN" sz="1700" dirty="0"/>
+          </a:p>
+          <a:p>
+            <a:pPr indent="-228600">
+              <a:lnSpc>
+                <a:spcPct val="90000"/>
+              </a:lnSpc>
+              <a:spcAft>
+                <a:spcPts val="600"/>
+              </a:spcAft>
+              <a:buFont typeface="Arial" panose="020B0604020202020204" pitchFamily="34" charset="0"/>
+              <a:buChar char="•"/>
+            </a:pPr>
+            <a:endParaRPr lang="en-US" altLang="zh-CN" sz="1700" dirty="0"/>
+          </a:p>
+          <a:p>
+            <a:pPr indent="-228600">
+              <a:lnSpc>
+                <a:spcPct val="90000"/>
+              </a:lnSpc>
+              <a:spcAft>
+                <a:spcPts val="600"/>
+              </a:spcAft>
+              <a:buFont typeface="Arial" panose="020B0604020202020204" pitchFamily="34" charset="0"/>
+              <a:buChar char="•"/>
+            </a:pPr>
+            <a:r>
+              <a:rPr lang="en-US" altLang="zh-CN" sz="1700" dirty="0"/>
+              <a:t>Test accuracy = 60.4%</a:t>
+            </a:r>
+          </a:p>
+          <a:p>
+            <a:pPr indent="-228600">
+              <a:lnSpc>
+                <a:spcPct val="90000"/>
+              </a:lnSpc>
+              <a:spcAft>
+                <a:spcPts val="600"/>
+              </a:spcAft>
+              <a:buFont typeface="Arial" panose="020B0604020202020204" pitchFamily="34" charset="0"/>
+              <a:buChar char="•"/>
+            </a:pPr>
+            <a:r>
+              <a:rPr lang="en-US" altLang="zh-CN" sz="1700" dirty="0"/>
+              <a:t>Time Cost: 45min</a:t>
+            </a:r>
+          </a:p>
+          <a:p>
+            <a:pPr indent="-228600">
+              <a:lnSpc>
+                <a:spcPct val="90000"/>
+              </a:lnSpc>
+              <a:spcAft>
+                <a:spcPts val="600"/>
+              </a:spcAft>
+              <a:buFont typeface="Arial" panose="020B0604020202020204" pitchFamily="34" charset="0"/>
+              <a:buChar char="•"/>
+            </a:pPr>
+            <a:endParaRPr lang="en-US" altLang="zh-CN" sz="1700" dirty="0"/>
+          </a:p>
+        </p:txBody>
+      </p:sp>
+    </p:spTree>
+    <p:extLst>
+      <p:ext uri="{BB962C8B-B14F-4D97-AF65-F5344CB8AC3E}">
+        <p14:creationId xmlns:p14="http://schemas.microsoft.com/office/powerpoint/2010/main" val="4288859127"/>
+      </p:ext>
+    </p:extLst>
+  </p:cSld>
+  <p:clrMapOvr>
+    <a:masterClrMapping/>
+  </p:clrMapOvr>
+</p:sld>
+</file>
+
+<file path=ppt/slides/slide12.xml><?xml version="1.0" encoding="utf-8"?>
+<p:sld xmlns:a="http://schemas.openxmlformats.org/drawingml/2006/main" xmlns:r="http://schemas.openxmlformats.org/officeDocument/2006/relationships" xmlns:p="http://schemas.openxmlformats.org/presentationml/2006/main">
+  <p:cSld>
+    <p:spTree>
+      <p:nvGrpSpPr>
+        <p:cNvPr id="1" name="">
+          <a:extLst>
+            <a:ext uri="{FF2B5EF4-FFF2-40B4-BE49-F238E27FC236}">
+              <a16:creationId xmlns:a16="http://schemas.microsoft.com/office/drawing/2014/main" id="{361E379E-1E3B-1A99-3C59-6C4008B70EA2}"/>
+            </a:ext>
+          </a:extLst>
+        </p:cNvPr>
+        <p:cNvGrpSpPr/>
+        <p:nvPr/>
+      </p:nvGrpSpPr>
+      <p:grpSpPr>
+        <a:xfrm>
+          <a:off x="0" y="0"/>
+          <a:ext cx="0" cy="0"/>
+          <a:chOff x="0" y="0"/>
+          <a:chExt cx="0" cy="0"/>
+        </a:xfrm>
+      </p:grpSpPr>
+      <p:sp useBgFill="1">
+        <p:nvSpPr>
+          <p:cNvPr id="48" name="Rectangle 47">
+            <a:extLst>
+              <a:ext uri="{FF2B5EF4-FFF2-40B4-BE49-F238E27FC236}">
+                <a16:creationId xmlns:a16="http://schemas.microsoft.com/office/drawing/2014/main" id="{7709F580-F3D1-17AC-068B-2B87F6F650C6}"/>
+              </a:ext>
+              <a:ext uri="{C183D7F6-B498-43B3-948B-1728B52AA6E4}">
+                <adec:decorative xmlns:adec="http://schemas.microsoft.com/office/drawing/2017/decorative" val="1"/>
+              </a:ext>
+            </a:extLst>
+          </p:cNvPr>
+          <p:cNvSpPr>
+            <a:spLocks noGrp="1" noRot="1" noChangeAspect="1" noMove="1" noResize="1" noEditPoints="1" noAdjustHandles="1" noChangeArrowheads="1" noChangeShapeType="1" noTextEdit="1"/>
+          </p:cNvSpPr>
+          <p:nvPr>
+            <p:extLst>
+              <p:ext uri="{386F3935-93C4-4BCD-93E2-E3B085C9AB24}">
+                <p16:designElem xmlns:p16="http://schemas.microsoft.com/office/powerpoint/2015/main" val="1"/>
+              </p:ext>
+            </p:extLst>
+          </p:nvPr>
+        </p:nvSpPr>
+        <p:spPr>
+          <a:xfrm>
+            <a:off x="0" y="0"/>
+            <a:ext cx="12192000" cy="6858000"/>
+          </a:xfrm>
+          <a:prstGeom prst="rect">
+            <a:avLst/>
+          </a:prstGeom>
+          <a:ln>
+            <a:noFill/>
+          </a:ln>
+        </p:spPr>
+        <p:style>
+          <a:lnRef idx="2">
+            <a:schemeClr val="accent1">
+              <a:shade val="50000"/>
+            </a:schemeClr>
+          </a:lnRef>
+          <a:fillRef idx="1">
+            <a:schemeClr val="accent1"/>
+          </a:fillRef>
+          <a:effectRef idx="0">
+            <a:schemeClr val="accent1"/>
+          </a:effectRef>
+          <a:fontRef idx="minor">
+            <a:schemeClr val="lt1"/>
+          </a:fontRef>
+        </p:style>
+        <p:txBody>
+          <a:bodyPr rtlCol="0" anchor="ctr"/>
+          <a:lstStyle/>
+          <a:p>
+            <a:pPr algn="ctr"/>
+            <a:endParaRPr lang="en-US"/>
+          </a:p>
+        </p:txBody>
+      </p:sp>
+      <p:sp useBgFill="1">
+        <p:nvSpPr>
+          <p:cNvPr id="50" name="Freeform: Shape 49">
+            <a:extLst>
+              <a:ext uri="{FF2B5EF4-FFF2-40B4-BE49-F238E27FC236}">
+                <a16:creationId xmlns:a16="http://schemas.microsoft.com/office/drawing/2014/main" id="{2323DACB-0C35-09C3-0822-B846CFA96F4A}"/>
+              </a:ext>
+              <a:ext uri="{C183D7F6-B498-43B3-948B-1728B52AA6E4}">
+                <adec:decorative xmlns:adec="http://schemas.microsoft.com/office/drawing/2017/decorative" val="1"/>
+              </a:ext>
+            </a:extLst>
+          </p:cNvPr>
+          <p:cNvSpPr>
+            <a:spLocks noGrp="1" noRot="1" noChangeAspect="1" noMove="1" noResize="1" noEditPoints="1" noAdjustHandles="1" noChangeArrowheads="1" noChangeShapeType="1" noTextEdit="1"/>
+          </p:cNvSpPr>
+          <p:nvPr>
+            <p:extLst>
+              <p:ext uri="{386F3935-93C4-4BCD-93E2-E3B085C9AB24}">
+                <p16:designElem xmlns:p16="http://schemas.microsoft.com/office/powerpoint/2015/main" val="1"/>
+              </p:ext>
+            </p:extLst>
+          </p:nvPr>
+        </p:nvSpPr>
+        <p:spPr>
+          <a:xfrm>
+            <a:off x="-1" y="0"/>
+            <a:ext cx="4455673" cy="6858000"/>
+          </a:xfrm>
+          <a:custGeom>
+            <a:avLst/>
+            <a:gdLst>
+              <a:gd name="connsiteX0" fmla="*/ 0 w 4455673"/>
+              <a:gd name="connsiteY0" fmla="*/ 0 h 6858000"/>
+              <a:gd name="connsiteX1" fmla="*/ 3242695 w 4455673"/>
+              <a:gd name="connsiteY1" fmla="*/ 0 h 6858000"/>
+              <a:gd name="connsiteX2" fmla="*/ 3305678 w 4455673"/>
+              <a:gd name="connsiteY2" fmla="*/ 69271 h 6858000"/>
+              <a:gd name="connsiteX3" fmla="*/ 4455673 w 4455673"/>
+              <a:gd name="connsiteY3" fmla="*/ 3429000 h 6858000"/>
+              <a:gd name="connsiteX4" fmla="*/ 3305678 w 4455673"/>
+              <a:gd name="connsiteY4" fmla="*/ 6788730 h 6858000"/>
+              <a:gd name="connsiteX5" fmla="*/ 3242695 w 4455673"/>
+              <a:gd name="connsiteY5" fmla="*/ 6858000 h 6858000"/>
+              <a:gd name="connsiteX6" fmla="*/ 0 w 4455673"/>
+              <a:gd name="connsiteY6" fmla="*/ 6858000 h 6858000"/>
+            </a:gdLst>
+            <a:ahLst/>
+            <a:cxnLst>
+              <a:cxn ang="0">
+                <a:pos x="connsiteX0" y="connsiteY0"/>
+              </a:cxn>
+              <a:cxn ang="0">
+                <a:pos x="connsiteX1" y="connsiteY1"/>
+              </a:cxn>
+              <a:cxn ang="0">
+                <a:pos x="connsiteX2" y="connsiteY2"/>
+              </a:cxn>
+              <a:cxn ang="0">
+                <a:pos x="connsiteX3" y="connsiteY3"/>
+              </a:cxn>
+              <a:cxn ang="0">
+                <a:pos x="connsiteX4" y="connsiteY4"/>
+              </a:cxn>
+              <a:cxn ang="0">
+                <a:pos x="connsiteX5" y="connsiteY5"/>
+              </a:cxn>
+              <a:cxn ang="0">
+                <a:pos x="connsiteX6" y="connsiteY6"/>
+              </a:cxn>
+            </a:cxnLst>
+            <a:rect l="l" t="t" r="r" b="b"/>
+            <a:pathLst>
+              <a:path w="4455673" h="6858000">
+                <a:moveTo>
+                  <a:pt x="0" y="0"/>
+                </a:moveTo>
+                <a:lnTo>
+                  <a:pt x="3242695" y="0"/>
+                </a:lnTo>
+                <a:lnTo>
+                  <a:pt x="3305678" y="69271"/>
+                </a:lnTo>
+                <a:cubicBezTo>
+                  <a:pt x="4016204" y="929100"/>
+                  <a:pt x="4455673" y="2116944"/>
+                  <a:pt x="4455673" y="3429000"/>
+                </a:cubicBezTo>
+                <a:cubicBezTo>
+                  <a:pt x="4455673" y="4741056"/>
+                  <a:pt x="4016204" y="5928900"/>
+                  <a:pt x="3305678" y="6788730"/>
+                </a:cubicBezTo>
+                <a:lnTo>
+                  <a:pt x="3242695" y="6858000"/>
+                </a:lnTo>
+                <a:lnTo>
+                  <a:pt x="0" y="6858000"/>
+                </a:lnTo>
+                <a:close/>
+              </a:path>
+            </a:pathLst>
+          </a:custGeom>
+          <a:ln w="9525">
+            <a:solidFill>
+              <a:srgbClr val="EFEFEF"/>
+            </a:solidFill>
+          </a:ln>
+          <a:effectLst>
+            <a:outerShdw blurRad="88900" dist="38100" algn="l" rotWithShape="0">
+              <a:schemeClr val="bg1">
+                <a:lumMod val="85000"/>
+                <a:alpha val="50000"/>
+              </a:schemeClr>
+            </a:outerShdw>
+          </a:effectLst>
+        </p:spPr>
+        <p:style>
+          <a:lnRef idx="2">
+            <a:schemeClr val="accent1">
+              <a:shade val="50000"/>
+            </a:schemeClr>
+          </a:lnRef>
+          <a:fillRef idx="1">
+            <a:schemeClr val="accent1"/>
+          </a:fillRef>
+          <a:effectRef idx="0">
+            <a:schemeClr val="accent1"/>
+          </a:effectRef>
+          <a:fontRef idx="minor">
+            <a:schemeClr val="lt1"/>
+          </a:fontRef>
+        </p:style>
+        <p:txBody>
+          <a:bodyPr wrap="square" rtlCol="0" anchor="ctr">
+            <a:noAutofit/>
+          </a:bodyPr>
+          <a:lstStyle/>
+          <a:p>
+            <a:pPr marL="0" marR="0" lvl="0" indent="0" algn="ctr" defTabSz="914400" rtl="0" eaLnBrk="1" fontAlgn="auto" latinLnBrk="0" hangingPunct="1">
+              <a:lnSpc>
+                <a:spcPct val="100000"/>
+              </a:lnSpc>
+              <a:spcBef>
+                <a:spcPts val="0"/>
+              </a:spcBef>
+              <a:spcAft>
+                <a:spcPts val="0"/>
+              </a:spcAft>
+              <a:buClrTx/>
+              <a:buSzTx/>
+              <a:buFontTx/>
+              <a:buNone/>
+              <a:tabLst/>
+              <a:defRPr/>
+            </a:pPr>
+            <a:endParaRPr kumimoji="0" lang="en-US" sz="1800" b="0" i="0" u="none" strike="noStrike" kern="1200" cap="none" spc="0" normalizeH="0" baseline="0" noProof="0">
+              <a:ln>
+                <a:noFill/>
+              </a:ln>
+              <a:solidFill>
+                <a:prstClr val="white"/>
+              </a:solidFill>
+              <a:effectLst/>
+              <a:uLnTx/>
+              <a:uFillTx/>
+              <a:latin typeface="Calibri" panose="020F0502020204030204"/>
+              <a:ea typeface="+mn-ea"/>
+              <a:cs typeface="+mn-cs"/>
+            </a:endParaRPr>
+          </a:p>
+        </p:txBody>
+      </p:sp>
+      <p:sp useBgFill="1">
+        <p:nvSpPr>
+          <p:cNvPr id="52" name="Freeform: Shape 51">
+            <a:extLst>
+              <a:ext uri="{FF2B5EF4-FFF2-40B4-BE49-F238E27FC236}">
+                <a16:creationId xmlns:a16="http://schemas.microsoft.com/office/drawing/2014/main" id="{F1771746-DA11-69DC-13F8-42C2DBC55008}"/>
+              </a:ext>
+              <a:ext uri="{C183D7F6-B498-43B3-948B-1728B52AA6E4}">
+                <adec:decorative xmlns:adec="http://schemas.microsoft.com/office/drawing/2017/decorative" val="1"/>
+              </a:ext>
+            </a:extLst>
+          </p:cNvPr>
+          <p:cNvSpPr>
+            <a:spLocks noGrp="1" noRot="1" noChangeAspect="1" noMove="1" noResize="1" noEditPoints="1" noAdjustHandles="1" noChangeArrowheads="1" noChangeShapeType="1" noTextEdit="1"/>
+          </p:cNvSpPr>
+          <p:nvPr>
+            <p:extLst>
+              <p:ext uri="{386F3935-93C4-4BCD-93E2-E3B085C9AB24}">
+                <p16:designElem xmlns:p16="http://schemas.microsoft.com/office/powerpoint/2015/main" val="1"/>
+              </p:ext>
+            </p:extLst>
+          </p:nvPr>
+        </p:nvSpPr>
+        <p:spPr>
+          <a:xfrm>
+            <a:off x="0" y="0"/>
+            <a:ext cx="4446529" cy="6858000"/>
+          </a:xfrm>
+          <a:custGeom>
+            <a:avLst/>
+            <a:gdLst>
+              <a:gd name="connsiteX0" fmla="*/ 0 w 4446529"/>
+              <a:gd name="connsiteY0" fmla="*/ 0 h 6858000"/>
+              <a:gd name="connsiteX1" fmla="*/ 3233551 w 4446529"/>
+              <a:gd name="connsiteY1" fmla="*/ 0 h 6858000"/>
+              <a:gd name="connsiteX2" fmla="*/ 3296534 w 4446529"/>
+              <a:gd name="connsiteY2" fmla="*/ 69271 h 6858000"/>
+              <a:gd name="connsiteX3" fmla="*/ 4446529 w 4446529"/>
+              <a:gd name="connsiteY3" fmla="*/ 3429000 h 6858000"/>
+              <a:gd name="connsiteX4" fmla="*/ 3296534 w 4446529"/>
+              <a:gd name="connsiteY4" fmla="*/ 6788730 h 6858000"/>
+              <a:gd name="connsiteX5" fmla="*/ 3233551 w 4446529"/>
+              <a:gd name="connsiteY5" fmla="*/ 6858000 h 6858000"/>
+              <a:gd name="connsiteX6" fmla="*/ 0 w 4446529"/>
+              <a:gd name="connsiteY6" fmla="*/ 6858000 h 6858000"/>
+            </a:gdLst>
+            <a:ahLst/>
+            <a:cxnLst>
+              <a:cxn ang="0">
+                <a:pos x="connsiteX0" y="connsiteY0"/>
+              </a:cxn>
+              <a:cxn ang="0">
+                <a:pos x="connsiteX1" y="connsiteY1"/>
+              </a:cxn>
+              <a:cxn ang="0">
+                <a:pos x="connsiteX2" y="connsiteY2"/>
+              </a:cxn>
+              <a:cxn ang="0">
+                <a:pos x="connsiteX3" y="connsiteY3"/>
+              </a:cxn>
+              <a:cxn ang="0">
+                <a:pos x="connsiteX4" y="connsiteY4"/>
+              </a:cxn>
+              <a:cxn ang="0">
+                <a:pos x="connsiteX5" y="connsiteY5"/>
+              </a:cxn>
+              <a:cxn ang="0">
+                <a:pos x="connsiteX6" y="connsiteY6"/>
+              </a:cxn>
+            </a:cxnLst>
+            <a:rect l="l" t="t" r="r" b="b"/>
+            <a:pathLst>
+              <a:path w="4446529" h="6858000">
+                <a:moveTo>
+                  <a:pt x="0" y="0"/>
+                </a:moveTo>
+                <a:lnTo>
+                  <a:pt x="3233551" y="0"/>
+                </a:lnTo>
+                <a:lnTo>
+                  <a:pt x="3296534" y="69271"/>
+                </a:lnTo>
+                <a:cubicBezTo>
+                  <a:pt x="4007060" y="929100"/>
+                  <a:pt x="4446529" y="2116944"/>
+                  <a:pt x="4446529" y="3429000"/>
+                </a:cubicBezTo>
+                <a:cubicBezTo>
+                  <a:pt x="4446529" y="4741056"/>
+                  <a:pt x="4007060" y="5928900"/>
+                  <a:pt x="3296534" y="6788730"/>
+                </a:cubicBezTo>
+                <a:lnTo>
+                  <a:pt x="3233551" y="6858000"/>
+                </a:lnTo>
+                <a:lnTo>
+                  <a:pt x="0" y="6858000"/>
+                </a:lnTo>
+                <a:close/>
+              </a:path>
+            </a:pathLst>
+          </a:custGeom>
+          <a:ln w="9525">
+            <a:noFill/>
+          </a:ln>
+          <a:effectLst/>
+        </p:spPr>
+        <p:style>
+          <a:lnRef idx="2">
+            <a:schemeClr val="accent1">
+              <a:shade val="50000"/>
+            </a:schemeClr>
+          </a:lnRef>
+          <a:fillRef idx="1">
+            <a:schemeClr val="accent1"/>
+          </a:fillRef>
+          <a:effectRef idx="0">
+            <a:schemeClr val="accent1"/>
+          </a:effectRef>
+          <a:fontRef idx="minor">
+            <a:schemeClr val="lt1"/>
+          </a:fontRef>
+        </p:style>
+        <p:txBody>
+          <a:bodyPr wrap="square" rtlCol="0" anchor="ctr">
+            <a:noAutofit/>
+          </a:bodyPr>
+          <a:lstStyle/>
+          <a:p>
+            <a:pPr marL="0" marR="0" lvl="0" indent="0" algn="ctr" defTabSz="914400" rtl="0" eaLnBrk="1" fontAlgn="auto" latinLnBrk="0" hangingPunct="1">
+              <a:lnSpc>
+                <a:spcPct val="100000"/>
+              </a:lnSpc>
+              <a:spcBef>
+                <a:spcPts val="0"/>
+              </a:spcBef>
+              <a:spcAft>
+                <a:spcPts val="0"/>
+              </a:spcAft>
+              <a:buClrTx/>
+              <a:buSzTx/>
+              <a:buFontTx/>
+              <a:buNone/>
+              <a:tabLst/>
+              <a:defRPr/>
+            </a:pPr>
+            <a:endParaRPr kumimoji="0" lang="en-US" sz="1800" b="0" i="0" u="none" strike="noStrike" kern="1200" cap="none" spc="0" normalizeH="0" baseline="0" noProof="0">
+              <a:ln>
+                <a:noFill/>
+              </a:ln>
+              <a:solidFill>
+                <a:prstClr val="white"/>
+              </a:solidFill>
+              <a:effectLst/>
+              <a:uLnTx/>
+              <a:uFillTx/>
+              <a:latin typeface="Calibri" panose="020F0502020204030204"/>
+              <a:ea typeface="+mn-ea"/>
+              <a:cs typeface="+mn-cs"/>
+            </a:endParaRPr>
+          </a:p>
+        </p:txBody>
+      </p:sp>
+      <p:sp>
+        <p:nvSpPr>
+          <p:cNvPr id="2" name="标题 1">
+            <a:extLst>
+              <a:ext uri="{FF2B5EF4-FFF2-40B4-BE49-F238E27FC236}">
+                <a16:creationId xmlns:a16="http://schemas.microsoft.com/office/drawing/2014/main" id="{EC623855-6A89-414C-42DD-CB73618BDCB9}"/>
+              </a:ext>
+            </a:extLst>
+          </p:cNvPr>
+          <p:cNvSpPr>
+            <a:spLocks noGrp="1"/>
+          </p:cNvSpPr>
+          <p:nvPr>
+            <p:ph type="title"/>
+          </p:nvPr>
+        </p:nvSpPr>
+        <p:spPr>
+          <a:xfrm>
+            <a:off x="371094" y="1161288"/>
+            <a:ext cx="3438144" cy="1239012"/>
+          </a:xfrm>
+        </p:spPr>
+        <p:txBody>
+          <a:bodyPr anchor="ctr"/>
+          <a:lstStyle/>
+          <a:p>
+            <a:r>
+              <a:rPr lang="en-US" altLang="zh-CN" sz="2800" kern="1200">
+                <a:solidFill>
+                  <a:schemeClr val="tx1"/>
+                </a:solidFill>
+                <a:latin typeface="+mj-lt"/>
+                <a:ea typeface="+mj-ea"/>
+                <a:cs typeface="+mj-cs"/>
+              </a:rPr>
+              <a:t>Baseline Vit</a:t>
+            </a:r>
+          </a:p>
+        </p:txBody>
+      </p:sp>
+      <p:sp>
+        <p:nvSpPr>
+          <p:cNvPr id="54" name="Rectangle 53">
+            <a:extLst>
+              <a:ext uri="{FF2B5EF4-FFF2-40B4-BE49-F238E27FC236}">
+                <a16:creationId xmlns:a16="http://schemas.microsoft.com/office/drawing/2014/main" id="{686FBB3D-7BD2-8613-574C-5B7840BCADA6}"/>
+              </a:ext>
+              <a:ext uri="{C183D7F6-B498-43B3-948B-1728B52AA6E4}">
+                <adec:decorative xmlns:adec="http://schemas.microsoft.com/office/drawing/2017/decorative" val="1"/>
+              </a:ext>
+            </a:extLst>
+          </p:cNvPr>
+          <p:cNvSpPr>
+            <a:spLocks noGrp="1" noRot="1" noChangeAspect="1" noMove="1" noResize="1" noEditPoints="1" noAdjustHandles="1" noChangeArrowheads="1" noChangeShapeType="1" noTextEdit="1"/>
+          </p:cNvSpPr>
+          <p:nvPr>
+            <p:extLst>
+              <p:ext uri="{386F3935-93C4-4BCD-93E2-E3B085C9AB24}">
+                <p16:designElem xmlns:p16="http://schemas.microsoft.com/office/powerpoint/2015/main" val="1"/>
+              </p:ext>
+            </p:extLst>
+          </p:nvPr>
+        </p:nvSpPr>
+        <p:spPr>
+          <a:xfrm>
+            <a:off x="0" y="1426546"/>
+            <a:ext cx="128016" cy="653903"/>
+          </a:xfrm>
+          <a:prstGeom prst="rect">
+            <a:avLst/>
+          </a:prstGeom>
+          <a:solidFill>
+            <a:schemeClr val="accent2"/>
+          </a:solidFill>
+          <a:ln>
+            <a:noFill/>
+          </a:ln>
+        </p:spPr>
+        <p:style>
+          <a:lnRef idx="2">
+            <a:schemeClr val="accent1">
+              <a:shade val="50000"/>
+            </a:schemeClr>
+          </a:lnRef>
+          <a:fillRef idx="1">
+            <a:schemeClr val="accent1"/>
+          </a:fillRef>
+          <a:effectRef idx="0">
+            <a:schemeClr val="accent1"/>
+          </a:effectRef>
+          <a:fontRef idx="minor">
+            <a:schemeClr val="lt1"/>
+          </a:fontRef>
+        </p:style>
+        <p:txBody>
+          <a:bodyPr rtlCol="0" anchor="ctr"/>
+          <a:lstStyle/>
+          <a:p>
+            <a:pPr algn="ctr"/>
+            <a:endParaRPr lang="en-US">
+              <a:solidFill>
+                <a:prstClr val="white"/>
+              </a:solidFill>
+              <a:latin typeface="Calibri" panose="020F0502020204030204"/>
+            </a:endParaRPr>
+          </a:p>
+        </p:txBody>
+      </p:sp>
+      <p:sp>
+        <p:nvSpPr>
+          <p:cNvPr id="56" name="Rectangle 55">
+            <a:extLst>
+              <a:ext uri="{FF2B5EF4-FFF2-40B4-BE49-F238E27FC236}">
+                <a16:creationId xmlns:a16="http://schemas.microsoft.com/office/drawing/2014/main" id="{D6E05BD4-357B-7CD6-D488-2A08164B33EE}"/>
+              </a:ext>
+              <a:ext uri="{C183D7F6-B498-43B3-948B-1728B52AA6E4}">
+                <adec:decorative xmlns:adec="http://schemas.microsoft.com/office/drawing/2017/decorative" val="1"/>
+              </a:ext>
+            </a:extLst>
+          </p:cNvPr>
+          <p:cNvSpPr>
+            <a:spLocks noGrp="1" noRot="1" noChangeAspect="1" noMove="1" noResize="1" noEditPoints="1" noAdjustHandles="1" noChangeArrowheads="1" noChangeShapeType="1" noTextEdit="1"/>
+          </p:cNvSpPr>
+          <p:nvPr>
+            <p:extLst>
+              <p:ext uri="{386F3935-93C4-4BCD-93E2-E3B085C9AB24}">
+                <p16:designElem xmlns:p16="http://schemas.microsoft.com/office/powerpoint/2015/main" val="1"/>
+              </p:ext>
+            </p:extLst>
+          </p:nvPr>
+        </p:nvSpPr>
+        <p:spPr>
+          <a:xfrm>
+            <a:off x="395893" y="2443480"/>
+            <a:ext cx="3383280" cy="18288"/>
+          </a:xfrm>
+          <a:prstGeom prst="rect">
+            <a:avLst/>
+          </a:prstGeom>
+          <a:solidFill>
+            <a:srgbClr val="D5D5D5"/>
+          </a:solidFill>
+          <a:ln w="3175">
+            <a:noFill/>
+          </a:ln>
+          <a:effectLst/>
+        </p:spPr>
+        <p:style>
+          <a:lnRef idx="2">
+            <a:schemeClr val="accent1">
+              <a:shade val="50000"/>
+            </a:schemeClr>
+          </a:lnRef>
+          <a:fillRef idx="1">
+            <a:schemeClr val="accent1"/>
+          </a:fillRef>
+          <a:effectRef idx="0">
+            <a:schemeClr val="accent1"/>
+          </a:effectRef>
+          <a:fontRef idx="minor">
+            <a:schemeClr val="lt1"/>
+          </a:fontRef>
+        </p:style>
+        <p:txBody>
+          <a:bodyPr rtlCol="0" anchor="ctr"/>
+          <a:lstStyle/>
+          <a:p>
+            <a:pPr marL="0" marR="0" lvl="0" indent="0" algn="ctr" defTabSz="914400" rtl="0" eaLnBrk="1" fontAlgn="auto" latinLnBrk="0" hangingPunct="1">
+              <a:lnSpc>
+                <a:spcPct val="100000"/>
+              </a:lnSpc>
+              <a:spcBef>
+                <a:spcPts val="0"/>
+              </a:spcBef>
+              <a:spcAft>
+                <a:spcPts val="0"/>
+              </a:spcAft>
+              <a:buClrTx/>
+              <a:buSzTx/>
+              <a:buFontTx/>
+              <a:buNone/>
+              <a:tabLst/>
+              <a:defRPr/>
+            </a:pPr>
+            <a:endParaRPr kumimoji="0" lang="en-US" sz="1800" b="0" i="0" u="none" strike="noStrike" kern="1200" cap="none" spc="0" normalizeH="0" baseline="0" noProof="0">
+              <a:ln>
+                <a:noFill/>
+              </a:ln>
+              <a:solidFill>
+                <a:prstClr val="white"/>
+              </a:solidFill>
+              <a:effectLst/>
+              <a:uLnTx/>
+              <a:uFillTx/>
+              <a:latin typeface="Calibri" panose="020F0502020204030204"/>
+              <a:ea typeface="+mn-ea"/>
+              <a:cs typeface="+mn-cs"/>
+            </a:endParaRPr>
+          </a:p>
+        </p:txBody>
+      </p:sp>
+      <p:sp>
+        <p:nvSpPr>
+          <p:cNvPr id="6" name="文本框 5">
+            <a:extLst>
+              <a:ext uri="{FF2B5EF4-FFF2-40B4-BE49-F238E27FC236}">
+                <a16:creationId xmlns:a16="http://schemas.microsoft.com/office/drawing/2014/main" id="{3ECE0E0C-B346-65DB-16A4-BB14A8F79C9D}"/>
+              </a:ext>
+            </a:extLst>
+          </p:cNvPr>
+          <p:cNvSpPr txBox="1"/>
+          <p:nvPr/>
+        </p:nvSpPr>
+        <p:spPr>
+          <a:xfrm>
+            <a:off x="371094" y="2718054"/>
+            <a:ext cx="3438906" cy="4076501"/>
+          </a:xfrm>
+          <a:prstGeom prst="rect">
+            <a:avLst/>
+          </a:prstGeom>
+        </p:spPr>
+        <p:txBody>
+          <a:bodyPr wrap="square" rtlCol="0">
+            <a:spAutoFit/>
+          </a:bodyPr>
+          <a:lstStyle/>
+          <a:p>
+            <a:pPr indent="-228600">
+              <a:lnSpc>
+                <a:spcPct val="90000"/>
+              </a:lnSpc>
+              <a:spcAft>
+                <a:spcPts val="600"/>
+              </a:spcAft>
+              <a:buFont typeface="Arial" panose="020B0604020202020204" pitchFamily="34" charset="0"/>
+              <a:buChar char="•"/>
+            </a:pPr>
+            <a:r>
+              <a:rPr lang="en-US" altLang="zh-CN" sz="1700" dirty="0"/>
+              <a:t>Full Cifar-10 dataset , 10 classes</a:t>
+            </a:r>
+          </a:p>
+          <a:p>
+            <a:pPr indent="-228600">
+              <a:lnSpc>
+                <a:spcPct val="90000"/>
+              </a:lnSpc>
+              <a:spcAft>
+                <a:spcPts val="600"/>
+              </a:spcAft>
+              <a:buFont typeface="Arial" panose="020B0604020202020204" pitchFamily="34" charset="0"/>
+              <a:buChar char="•"/>
+            </a:pPr>
+            <a:r>
+              <a:rPr lang="en-US" altLang="zh-CN" sz="1700" dirty="0"/>
+              <a:t>Epoch = 30</a:t>
+            </a:r>
+          </a:p>
+          <a:p>
+            <a:pPr indent="-228600">
+              <a:lnSpc>
+                <a:spcPct val="90000"/>
+              </a:lnSpc>
+              <a:spcAft>
+                <a:spcPts val="600"/>
+              </a:spcAft>
+              <a:buFont typeface="Arial" panose="020B0604020202020204" pitchFamily="34" charset="0"/>
+              <a:buChar char="•"/>
+            </a:pPr>
+            <a:r>
+              <a:rPr lang="en-US" altLang="zh-CN" sz="1700" dirty="0" err="1"/>
+              <a:t>Batch_size</a:t>
+            </a:r>
+            <a:r>
+              <a:rPr lang="en-US" altLang="zh-CN" sz="1700" dirty="0"/>
+              <a:t> = 64</a:t>
+            </a:r>
+          </a:p>
+          <a:p>
+            <a:pPr indent="-228600">
+              <a:lnSpc>
+                <a:spcPct val="90000"/>
+              </a:lnSpc>
+              <a:spcAft>
+                <a:spcPts val="600"/>
+              </a:spcAft>
+              <a:buFont typeface="Arial" panose="020B0604020202020204" pitchFamily="34" charset="0"/>
+              <a:buChar char="•"/>
+            </a:pPr>
+            <a:r>
+              <a:rPr lang="en-US" altLang="zh-CN" sz="1700" dirty="0" err="1">
+                <a:solidFill>
+                  <a:srgbClr val="FF0000"/>
+                </a:solidFill>
+              </a:rPr>
+              <a:t>Patch_size</a:t>
+            </a:r>
+            <a:r>
+              <a:rPr lang="en-US" altLang="zh-CN" sz="1700" dirty="0">
+                <a:solidFill>
+                  <a:srgbClr val="FF0000"/>
+                </a:solidFill>
+              </a:rPr>
+              <a:t> = 4</a:t>
+            </a:r>
+          </a:p>
+          <a:p>
+            <a:pPr indent="-228600">
+              <a:lnSpc>
+                <a:spcPct val="90000"/>
+              </a:lnSpc>
+              <a:spcAft>
+                <a:spcPts val="600"/>
+              </a:spcAft>
+              <a:buFont typeface="Arial" panose="020B0604020202020204" pitchFamily="34" charset="0"/>
+              <a:buChar char="•"/>
+            </a:pPr>
+            <a:r>
+              <a:rPr lang="en-US" altLang="zh-CN" sz="1700" dirty="0"/>
+              <a:t>Dim = 128</a:t>
+            </a:r>
+          </a:p>
+          <a:p>
+            <a:pPr indent="-228600">
+              <a:lnSpc>
+                <a:spcPct val="90000"/>
+              </a:lnSpc>
+              <a:spcAft>
+                <a:spcPts val="600"/>
+              </a:spcAft>
+              <a:buFont typeface="Arial" panose="020B0604020202020204" pitchFamily="34" charset="0"/>
+              <a:buChar char="•"/>
+            </a:pPr>
+            <a:r>
+              <a:rPr lang="en-US" altLang="zh-CN" sz="1700" dirty="0"/>
+              <a:t>Depth = 12</a:t>
+            </a:r>
+          </a:p>
+          <a:p>
+            <a:pPr indent="-228600">
+              <a:lnSpc>
+                <a:spcPct val="90000"/>
+              </a:lnSpc>
+              <a:spcAft>
+                <a:spcPts val="600"/>
+              </a:spcAft>
+              <a:buFont typeface="Arial" panose="020B0604020202020204" pitchFamily="34" charset="0"/>
+              <a:buChar char="•"/>
+            </a:pPr>
+            <a:r>
+              <a:rPr lang="en-US" altLang="zh-CN" sz="1700" dirty="0"/>
+              <a:t>Heads = 8</a:t>
+            </a:r>
+          </a:p>
+          <a:p>
+            <a:pPr indent="-228600">
+              <a:lnSpc>
+                <a:spcPct val="90000"/>
+              </a:lnSpc>
+              <a:spcAft>
+                <a:spcPts val="600"/>
+              </a:spcAft>
+              <a:buFont typeface="Arial" panose="020B0604020202020204" pitchFamily="34" charset="0"/>
+              <a:buChar char="•"/>
+            </a:pPr>
+            <a:r>
+              <a:rPr lang="en-US" altLang="zh-CN" sz="1700" dirty="0" err="1"/>
+              <a:t>Mlp_dim</a:t>
+            </a:r>
+            <a:r>
+              <a:rPr lang="en-US" altLang="zh-CN" sz="1700" dirty="0"/>
+              <a:t> = 256</a:t>
+            </a:r>
+          </a:p>
+          <a:p>
+            <a:pPr indent="-228600">
+              <a:lnSpc>
+                <a:spcPct val="90000"/>
+              </a:lnSpc>
+              <a:spcAft>
+                <a:spcPts val="600"/>
+              </a:spcAft>
+              <a:buFont typeface="Arial" panose="020B0604020202020204" pitchFamily="34" charset="0"/>
+              <a:buChar char="•"/>
+            </a:pPr>
+            <a:endParaRPr lang="en-US" altLang="zh-CN" sz="1700" dirty="0"/>
+          </a:p>
+          <a:p>
+            <a:pPr indent="-228600">
+              <a:lnSpc>
+                <a:spcPct val="90000"/>
+              </a:lnSpc>
+              <a:spcAft>
+                <a:spcPts val="600"/>
+              </a:spcAft>
+              <a:buFont typeface="Arial" panose="020B0604020202020204" pitchFamily="34" charset="0"/>
+              <a:buChar char="•"/>
+            </a:pPr>
+            <a:endParaRPr lang="en-US" altLang="zh-CN" sz="1700" dirty="0"/>
+          </a:p>
+          <a:p>
+            <a:pPr indent="-228600">
+              <a:lnSpc>
+                <a:spcPct val="90000"/>
+              </a:lnSpc>
+              <a:spcAft>
+                <a:spcPts val="600"/>
+              </a:spcAft>
+              <a:buFont typeface="Arial" panose="020B0604020202020204" pitchFamily="34" charset="0"/>
+              <a:buChar char="•"/>
+            </a:pPr>
+            <a:r>
+              <a:rPr lang="en-US" altLang="zh-CN" sz="1700" dirty="0">
+                <a:solidFill>
+                  <a:srgbClr val="FF0000"/>
+                </a:solidFill>
+              </a:rPr>
+              <a:t>Test accuracy = 67.62%</a:t>
+            </a:r>
+          </a:p>
+          <a:p>
+            <a:pPr indent="-228600">
+              <a:lnSpc>
+                <a:spcPct val="90000"/>
+              </a:lnSpc>
+              <a:spcAft>
+                <a:spcPts val="600"/>
+              </a:spcAft>
+              <a:buFont typeface="Arial" panose="020B0604020202020204" pitchFamily="34" charset="0"/>
+              <a:buChar char="•"/>
+            </a:pPr>
+            <a:r>
+              <a:rPr lang="en-US" altLang="zh-CN" sz="1700" dirty="0">
+                <a:solidFill>
+                  <a:srgbClr val="FF0000"/>
+                </a:solidFill>
+              </a:rPr>
+              <a:t>Time Cost: 70min</a:t>
+            </a:r>
+          </a:p>
+          <a:p>
+            <a:pPr indent="-228600">
+              <a:lnSpc>
+                <a:spcPct val="90000"/>
+              </a:lnSpc>
+              <a:spcAft>
+                <a:spcPts val="600"/>
+              </a:spcAft>
+              <a:buFont typeface="Arial" panose="020B0604020202020204" pitchFamily="34" charset="0"/>
+              <a:buChar char="•"/>
+            </a:pPr>
+            <a:endParaRPr lang="en-US" altLang="zh-CN" sz="1700" dirty="0"/>
+          </a:p>
+        </p:txBody>
+      </p:sp>
+      <p:pic>
+        <p:nvPicPr>
+          <p:cNvPr id="8" name="图片 7">
+            <a:extLst>
+              <a:ext uri="{FF2B5EF4-FFF2-40B4-BE49-F238E27FC236}">
+                <a16:creationId xmlns:a16="http://schemas.microsoft.com/office/drawing/2014/main" id="{3106F736-76A3-DF61-F4EF-0D51EBEC382C}"/>
+              </a:ext>
+            </a:extLst>
+          </p:cNvPr>
+          <p:cNvPicPr>
+            <a:picLocks noChangeAspect="1"/>
+          </p:cNvPicPr>
+          <p:nvPr/>
+        </p:nvPicPr>
+        <p:blipFill>
+          <a:blip r:embed="rId2"/>
+          <a:stretch>
+            <a:fillRect/>
+          </a:stretch>
+        </p:blipFill>
+        <p:spPr>
+          <a:xfrm>
+            <a:off x="4618563" y="1229218"/>
+            <a:ext cx="7099606" cy="4399564"/>
+          </a:xfrm>
+          <a:prstGeom prst="rect">
+            <a:avLst/>
+          </a:prstGeom>
+        </p:spPr>
+      </p:pic>
+      <p:sp>
+        <p:nvSpPr>
+          <p:cNvPr id="9" name="文本框 8">
+            <a:extLst>
+              <a:ext uri="{FF2B5EF4-FFF2-40B4-BE49-F238E27FC236}">
+                <a16:creationId xmlns:a16="http://schemas.microsoft.com/office/drawing/2014/main" id="{655C8516-915C-FEE6-7F3E-6C58E7FDCFCF}"/>
+              </a:ext>
+            </a:extLst>
+          </p:cNvPr>
+          <p:cNvSpPr txBox="1"/>
+          <p:nvPr/>
+        </p:nvSpPr>
+        <p:spPr>
+          <a:xfrm>
+            <a:off x="4359564" y="5874327"/>
+            <a:ext cx="6927272" cy="369332"/>
+          </a:xfrm>
+          <a:prstGeom prst="rect">
+            <a:avLst/>
+          </a:prstGeom>
+          <a:noFill/>
+        </p:spPr>
+        <p:txBody>
+          <a:bodyPr wrap="square" rtlCol="0">
+            <a:spAutoFit/>
+          </a:bodyPr>
+          <a:lstStyle/>
+          <a:p>
+            <a:r>
+              <a:rPr lang="en-US" altLang="zh-CN" dirty="0"/>
+              <a:t>Higher accuracy than patch size = 8 !</a:t>
+            </a:r>
+            <a:endParaRPr lang="zh-CN" altLang="en-US" dirty="0"/>
+          </a:p>
+        </p:txBody>
+      </p:sp>
+    </p:spTree>
+    <p:extLst>
+      <p:ext uri="{BB962C8B-B14F-4D97-AF65-F5344CB8AC3E}">
+        <p14:creationId xmlns:p14="http://schemas.microsoft.com/office/powerpoint/2010/main" val="2598937459"/>
+      </p:ext>
+    </p:extLst>
+  </p:cSld>
+  <p:clrMapOvr>
+    <a:masterClrMapping/>
+  </p:clrMapOvr>
+</p:sld>
+</file>
+
+<file path=ppt/slides/slide13.xml><?xml version="1.0" encoding="utf-8"?>
+<p:sld xmlns:a="http://schemas.openxmlformats.org/drawingml/2006/main" xmlns:r="http://schemas.openxmlformats.org/officeDocument/2006/relationships" xmlns:p="http://schemas.openxmlformats.org/presentationml/2006/main">
+  <p:cSld>
+    <p:spTree>
+      <p:nvGrpSpPr>
+        <p:cNvPr id="1" name="">
+          <a:extLst>
+            <a:ext uri="{FF2B5EF4-FFF2-40B4-BE49-F238E27FC236}">
+              <a16:creationId xmlns:a16="http://schemas.microsoft.com/office/drawing/2014/main" id="{ED0B4C58-263C-590B-1FB1-9259A7686A92}"/>
+            </a:ext>
+          </a:extLst>
+        </p:cNvPr>
+        <p:cNvGrpSpPr/>
+        <p:nvPr/>
+      </p:nvGrpSpPr>
+      <p:grpSpPr>
+        <a:xfrm>
+          <a:off x="0" y="0"/>
+          <a:ext cx="0" cy="0"/>
+          <a:chOff x="0" y="0"/>
+          <a:chExt cx="0" cy="0"/>
+        </a:xfrm>
+      </p:grpSpPr>
+      <p:sp useBgFill="1">
+        <p:nvSpPr>
+          <p:cNvPr id="48" name="Rectangle 47">
+            <a:extLst>
+              <a:ext uri="{FF2B5EF4-FFF2-40B4-BE49-F238E27FC236}">
+                <a16:creationId xmlns:a16="http://schemas.microsoft.com/office/drawing/2014/main" id="{F60A35E3-E733-DD57-486A-3C35C2B00362}"/>
+              </a:ext>
+              <a:ext uri="{C183D7F6-B498-43B3-948B-1728B52AA6E4}">
+                <adec:decorative xmlns:adec="http://schemas.microsoft.com/office/drawing/2017/decorative" val="1"/>
+              </a:ext>
+            </a:extLst>
+          </p:cNvPr>
+          <p:cNvSpPr>
+            <a:spLocks noGrp="1" noRot="1" noChangeAspect="1" noMove="1" noResize="1" noEditPoints="1" noAdjustHandles="1" noChangeArrowheads="1" noChangeShapeType="1" noTextEdit="1"/>
+          </p:cNvSpPr>
+          <p:nvPr>
+            <p:extLst>
+              <p:ext uri="{386F3935-93C4-4BCD-93E2-E3B085C9AB24}">
+                <p16:designElem xmlns:p16="http://schemas.microsoft.com/office/powerpoint/2015/main" val="1"/>
+              </p:ext>
+            </p:extLst>
+          </p:nvPr>
+        </p:nvSpPr>
+        <p:spPr>
+          <a:xfrm>
+            <a:off x="0" y="0"/>
+            <a:ext cx="12192000" cy="6858000"/>
+          </a:xfrm>
+          <a:prstGeom prst="rect">
+            <a:avLst/>
+          </a:prstGeom>
+          <a:ln>
+            <a:noFill/>
+          </a:ln>
+        </p:spPr>
+        <p:style>
+          <a:lnRef idx="2">
+            <a:schemeClr val="accent1">
+              <a:shade val="50000"/>
+            </a:schemeClr>
+          </a:lnRef>
+          <a:fillRef idx="1">
+            <a:schemeClr val="accent1"/>
+          </a:fillRef>
+          <a:effectRef idx="0">
+            <a:schemeClr val="accent1"/>
+          </a:effectRef>
+          <a:fontRef idx="minor">
+            <a:schemeClr val="lt1"/>
+          </a:fontRef>
+        </p:style>
+        <p:txBody>
+          <a:bodyPr rtlCol="0" anchor="ctr"/>
+          <a:lstStyle/>
+          <a:p>
+            <a:pPr algn="ctr"/>
+            <a:endParaRPr lang="en-US"/>
+          </a:p>
+        </p:txBody>
+      </p:sp>
+      <p:sp useBgFill="1">
+        <p:nvSpPr>
+          <p:cNvPr id="50" name="Freeform: Shape 49">
+            <a:extLst>
+              <a:ext uri="{FF2B5EF4-FFF2-40B4-BE49-F238E27FC236}">
+                <a16:creationId xmlns:a16="http://schemas.microsoft.com/office/drawing/2014/main" id="{6AD697FF-EE4F-B986-D0D7-B4B3A25B2679}"/>
+              </a:ext>
+              <a:ext uri="{C183D7F6-B498-43B3-948B-1728B52AA6E4}">
+                <adec:decorative xmlns:adec="http://schemas.microsoft.com/office/drawing/2017/decorative" val="1"/>
+              </a:ext>
+            </a:extLst>
+          </p:cNvPr>
+          <p:cNvSpPr>
+            <a:spLocks noGrp="1" noRot="1" noChangeAspect="1" noMove="1" noResize="1" noEditPoints="1" noAdjustHandles="1" noChangeArrowheads="1" noChangeShapeType="1" noTextEdit="1"/>
+          </p:cNvSpPr>
+          <p:nvPr>
+            <p:extLst>
+              <p:ext uri="{386F3935-93C4-4BCD-93E2-E3B085C9AB24}">
+                <p16:designElem xmlns:p16="http://schemas.microsoft.com/office/powerpoint/2015/main" val="1"/>
+              </p:ext>
+            </p:extLst>
+          </p:nvPr>
+        </p:nvSpPr>
+        <p:spPr>
+          <a:xfrm>
+            <a:off x="-1" y="0"/>
+            <a:ext cx="4455673" cy="6858000"/>
+          </a:xfrm>
+          <a:custGeom>
+            <a:avLst/>
+            <a:gdLst>
+              <a:gd name="connsiteX0" fmla="*/ 0 w 4455673"/>
+              <a:gd name="connsiteY0" fmla="*/ 0 h 6858000"/>
+              <a:gd name="connsiteX1" fmla="*/ 3242695 w 4455673"/>
+              <a:gd name="connsiteY1" fmla="*/ 0 h 6858000"/>
+              <a:gd name="connsiteX2" fmla="*/ 3305678 w 4455673"/>
+              <a:gd name="connsiteY2" fmla="*/ 69271 h 6858000"/>
+              <a:gd name="connsiteX3" fmla="*/ 4455673 w 4455673"/>
+              <a:gd name="connsiteY3" fmla="*/ 3429000 h 6858000"/>
+              <a:gd name="connsiteX4" fmla="*/ 3305678 w 4455673"/>
+              <a:gd name="connsiteY4" fmla="*/ 6788730 h 6858000"/>
+              <a:gd name="connsiteX5" fmla="*/ 3242695 w 4455673"/>
+              <a:gd name="connsiteY5" fmla="*/ 6858000 h 6858000"/>
+              <a:gd name="connsiteX6" fmla="*/ 0 w 4455673"/>
+              <a:gd name="connsiteY6" fmla="*/ 6858000 h 6858000"/>
+            </a:gdLst>
+            <a:ahLst/>
+            <a:cxnLst>
+              <a:cxn ang="0">
+                <a:pos x="connsiteX0" y="connsiteY0"/>
+              </a:cxn>
+              <a:cxn ang="0">
+                <a:pos x="connsiteX1" y="connsiteY1"/>
+              </a:cxn>
+              <a:cxn ang="0">
+                <a:pos x="connsiteX2" y="connsiteY2"/>
+              </a:cxn>
+              <a:cxn ang="0">
+                <a:pos x="connsiteX3" y="connsiteY3"/>
+              </a:cxn>
+              <a:cxn ang="0">
+                <a:pos x="connsiteX4" y="connsiteY4"/>
+              </a:cxn>
+              <a:cxn ang="0">
+                <a:pos x="connsiteX5" y="connsiteY5"/>
+              </a:cxn>
+              <a:cxn ang="0">
+                <a:pos x="connsiteX6" y="connsiteY6"/>
+              </a:cxn>
+            </a:cxnLst>
+            <a:rect l="l" t="t" r="r" b="b"/>
+            <a:pathLst>
+              <a:path w="4455673" h="6858000">
+                <a:moveTo>
+                  <a:pt x="0" y="0"/>
+                </a:moveTo>
+                <a:lnTo>
+                  <a:pt x="3242695" y="0"/>
+                </a:lnTo>
+                <a:lnTo>
+                  <a:pt x="3305678" y="69271"/>
+                </a:lnTo>
+                <a:cubicBezTo>
+                  <a:pt x="4016204" y="929100"/>
+                  <a:pt x="4455673" y="2116944"/>
+                  <a:pt x="4455673" y="3429000"/>
+                </a:cubicBezTo>
+                <a:cubicBezTo>
+                  <a:pt x="4455673" y="4741056"/>
+                  <a:pt x="4016204" y="5928900"/>
+                  <a:pt x="3305678" y="6788730"/>
+                </a:cubicBezTo>
+                <a:lnTo>
+                  <a:pt x="3242695" y="6858000"/>
+                </a:lnTo>
+                <a:lnTo>
+                  <a:pt x="0" y="6858000"/>
+                </a:lnTo>
+                <a:close/>
+              </a:path>
+            </a:pathLst>
+          </a:custGeom>
+          <a:ln w="9525">
+            <a:solidFill>
+              <a:srgbClr val="EFEFEF"/>
+            </a:solidFill>
+          </a:ln>
+          <a:effectLst>
+            <a:outerShdw blurRad="88900" dist="38100" algn="l" rotWithShape="0">
+              <a:schemeClr val="bg1">
+                <a:lumMod val="85000"/>
+                <a:alpha val="50000"/>
+              </a:schemeClr>
+            </a:outerShdw>
+          </a:effectLst>
+        </p:spPr>
+        <p:style>
+          <a:lnRef idx="2">
+            <a:schemeClr val="accent1">
+              <a:shade val="50000"/>
+            </a:schemeClr>
+          </a:lnRef>
+          <a:fillRef idx="1">
+            <a:schemeClr val="accent1"/>
+          </a:fillRef>
+          <a:effectRef idx="0">
+            <a:schemeClr val="accent1"/>
+          </a:effectRef>
+          <a:fontRef idx="minor">
+            <a:schemeClr val="lt1"/>
+          </a:fontRef>
+        </p:style>
+        <p:txBody>
+          <a:bodyPr wrap="square" rtlCol="0" anchor="ctr">
+            <a:noAutofit/>
+          </a:bodyPr>
+          <a:lstStyle/>
+          <a:p>
+            <a:pPr marL="0" marR="0" lvl="0" indent="0" algn="ctr" defTabSz="914400" rtl="0" eaLnBrk="1" fontAlgn="auto" latinLnBrk="0" hangingPunct="1">
+              <a:lnSpc>
+                <a:spcPct val="100000"/>
+              </a:lnSpc>
+              <a:spcBef>
+                <a:spcPts val="0"/>
+              </a:spcBef>
+              <a:spcAft>
+                <a:spcPts val="0"/>
+              </a:spcAft>
+              <a:buClrTx/>
+              <a:buSzTx/>
+              <a:buFontTx/>
+              <a:buNone/>
+              <a:tabLst/>
+              <a:defRPr/>
+            </a:pPr>
+            <a:endParaRPr kumimoji="0" lang="en-US" sz="1800" b="0" i="0" u="none" strike="noStrike" kern="1200" cap="none" spc="0" normalizeH="0" baseline="0" noProof="0">
+              <a:ln>
+                <a:noFill/>
+              </a:ln>
+              <a:solidFill>
+                <a:prstClr val="white"/>
+              </a:solidFill>
+              <a:effectLst/>
+              <a:uLnTx/>
+              <a:uFillTx/>
+              <a:latin typeface="Calibri" panose="020F0502020204030204"/>
+              <a:ea typeface="+mn-ea"/>
+              <a:cs typeface="+mn-cs"/>
+            </a:endParaRPr>
+          </a:p>
+        </p:txBody>
+      </p:sp>
+      <p:sp useBgFill="1">
+        <p:nvSpPr>
+          <p:cNvPr id="52" name="Freeform: Shape 51">
+            <a:extLst>
+              <a:ext uri="{FF2B5EF4-FFF2-40B4-BE49-F238E27FC236}">
+                <a16:creationId xmlns:a16="http://schemas.microsoft.com/office/drawing/2014/main" id="{1F9506FB-6BAC-7A9F-B903-83E77C2085E2}"/>
+              </a:ext>
+              <a:ext uri="{C183D7F6-B498-43B3-948B-1728B52AA6E4}">
+                <adec:decorative xmlns:adec="http://schemas.microsoft.com/office/drawing/2017/decorative" val="1"/>
+              </a:ext>
+            </a:extLst>
+          </p:cNvPr>
+          <p:cNvSpPr>
+            <a:spLocks noGrp="1" noRot="1" noChangeAspect="1" noMove="1" noResize="1" noEditPoints="1" noAdjustHandles="1" noChangeArrowheads="1" noChangeShapeType="1" noTextEdit="1"/>
+          </p:cNvSpPr>
+          <p:nvPr>
+            <p:extLst>
+              <p:ext uri="{386F3935-93C4-4BCD-93E2-E3B085C9AB24}">
+                <p16:designElem xmlns:p16="http://schemas.microsoft.com/office/powerpoint/2015/main" val="1"/>
+              </p:ext>
+            </p:extLst>
+          </p:nvPr>
+        </p:nvSpPr>
+        <p:spPr>
+          <a:xfrm>
+            <a:off x="0" y="0"/>
+            <a:ext cx="4446529" cy="6858000"/>
+          </a:xfrm>
+          <a:custGeom>
+            <a:avLst/>
+            <a:gdLst>
+              <a:gd name="connsiteX0" fmla="*/ 0 w 4446529"/>
+              <a:gd name="connsiteY0" fmla="*/ 0 h 6858000"/>
+              <a:gd name="connsiteX1" fmla="*/ 3233551 w 4446529"/>
+              <a:gd name="connsiteY1" fmla="*/ 0 h 6858000"/>
+              <a:gd name="connsiteX2" fmla="*/ 3296534 w 4446529"/>
+              <a:gd name="connsiteY2" fmla="*/ 69271 h 6858000"/>
+              <a:gd name="connsiteX3" fmla="*/ 4446529 w 4446529"/>
+              <a:gd name="connsiteY3" fmla="*/ 3429000 h 6858000"/>
+              <a:gd name="connsiteX4" fmla="*/ 3296534 w 4446529"/>
+              <a:gd name="connsiteY4" fmla="*/ 6788730 h 6858000"/>
+              <a:gd name="connsiteX5" fmla="*/ 3233551 w 4446529"/>
+              <a:gd name="connsiteY5" fmla="*/ 6858000 h 6858000"/>
+              <a:gd name="connsiteX6" fmla="*/ 0 w 4446529"/>
+              <a:gd name="connsiteY6" fmla="*/ 6858000 h 6858000"/>
+            </a:gdLst>
+            <a:ahLst/>
+            <a:cxnLst>
+              <a:cxn ang="0">
+                <a:pos x="connsiteX0" y="connsiteY0"/>
+              </a:cxn>
+              <a:cxn ang="0">
+                <a:pos x="connsiteX1" y="connsiteY1"/>
+              </a:cxn>
+              <a:cxn ang="0">
+                <a:pos x="connsiteX2" y="connsiteY2"/>
+              </a:cxn>
+              <a:cxn ang="0">
+                <a:pos x="connsiteX3" y="connsiteY3"/>
+              </a:cxn>
+              <a:cxn ang="0">
+                <a:pos x="connsiteX4" y="connsiteY4"/>
+              </a:cxn>
+              <a:cxn ang="0">
+                <a:pos x="connsiteX5" y="connsiteY5"/>
+              </a:cxn>
+              <a:cxn ang="0">
+                <a:pos x="connsiteX6" y="connsiteY6"/>
+              </a:cxn>
+            </a:cxnLst>
+            <a:rect l="l" t="t" r="r" b="b"/>
+            <a:pathLst>
+              <a:path w="4446529" h="6858000">
+                <a:moveTo>
+                  <a:pt x="0" y="0"/>
+                </a:moveTo>
+                <a:lnTo>
+                  <a:pt x="3233551" y="0"/>
+                </a:lnTo>
+                <a:lnTo>
+                  <a:pt x="3296534" y="69271"/>
+                </a:lnTo>
+                <a:cubicBezTo>
+                  <a:pt x="4007060" y="929100"/>
+                  <a:pt x="4446529" y="2116944"/>
+                  <a:pt x="4446529" y="3429000"/>
+                </a:cubicBezTo>
+                <a:cubicBezTo>
+                  <a:pt x="4446529" y="4741056"/>
+                  <a:pt x="4007060" y="5928900"/>
+                  <a:pt x="3296534" y="6788730"/>
+                </a:cubicBezTo>
+                <a:lnTo>
+                  <a:pt x="3233551" y="6858000"/>
+                </a:lnTo>
+                <a:lnTo>
+                  <a:pt x="0" y="6858000"/>
+                </a:lnTo>
+                <a:close/>
+              </a:path>
+            </a:pathLst>
+          </a:custGeom>
+          <a:ln w="9525">
+            <a:noFill/>
+          </a:ln>
+          <a:effectLst/>
+        </p:spPr>
+        <p:style>
+          <a:lnRef idx="2">
+            <a:schemeClr val="accent1">
+              <a:shade val="50000"/>
+            </a:schemeClr>
+          </a:lnRef>
+          <a:fillRef idx="1">
+            <a:schemeClr val="accent1"/>
+          </a:fillRef>
+          <a:effectRef idx="0">
+            <a:schemeClr val="accent1"/>
+          </a:effectRef>
+          <a:fontRef idx="minor">
+            <a:schemeClr val="lt1"/>
+          </a:fontRef>
+        </p:style>
+        <p:txBody>
+          <a:bodyPr wrap="square" rtlCol="0" anchor="ctr">
+            <a:noAutofit/>
+          </a:bodyPr>
+          <a:lstStyle/>
+          <a:p>
+            <a:pPr marL="0" marR="0" lvl="0" indent="0" algn="ctr" defTabSz="914400" rtl="0" eaLnBrk="1" fontAlgn="auto" latinLnBrk="0" hangingPunct="1">
+              <a:lnSpc>
+                <a:spcPct val="100000"/>
+              </a:lnSpc>
+              <a:spcBef>
+                <a:spcPts val="0"/>
+              </a:spcBef>
+              <a:spcAft>
+                <a:spcPts val="0"/>
+              </a:spcAft>
+              <a:buClrTx/>
+              <a:buSzTx/>
+              <a:buFontTx/>
+              <a:buNone/>
+              <a:tabLst/>
+              <a:defRPr/>
+            </a:pPr>
+            <a:endParaRPr kumimoji="0" lang="en-US" sz="1800" b="0" i="0" u="none" strike="noStrike" kern="1200" cap="none" spc="0" normalizeH="0" baseline="0" noProof="0">
+              <a:ln>
+                <a:noFill/>
+              </a:ln>
+              <a:solidFill>
+                <a:prstClr val="white"/>
+              </a:solidFill>
+              <a:effectLst/>
+              <a:uLnTx/>
+              <a:uFillTx/>
+              <a:latin typeface="Calibri" panose="020F0502020204030204"/>
+              <a:ea typeface="+mn-ea"/>
+              <a:cs typeface="+mn-cs"/>
+            </a:endParaRPr>
+          </a:p>
+        </p:txBody>
+      </p:sp>
+      <p:sp>
+        <p:nvSpPr>
+          <p:cNvPr id="2" name="标题 1">
+            <a:extLst>
+              <a:ext uri="{FF2B5EF4-FFF2-40B4-BE49-F238E27FC236}">
+                <a16:creationId xmlns:a16="http://schemas.microsoft.com/office/drawing/2014/main" id="{8A559BD5-5E26-12BC-E7F5-E5310F3BE355}"/>
+              </a:ext>
+            </a:extLst>
+          </p:cNvPr>
+          <p:cNvSpPr>
+            <a:spLocks noGrp="1"/>
+          </p:cNvSpPr>
+          <p:nvPr>
+            <p:ph type="title"/>
+          </p:nvPr>
+        </p:nvSpPr>
+        <p:spPr>
+          <a:xfrm>
+            <a:off x="371094" y="1161288"/>
+            <a:ext cx="3438144" cy="1239012"/>
+          </a:xfrm>
+        </p:spPr>
+        <p:txBody>
+          <a:bodyPr anchor="ctr"/>
+          <a:lstStyle/>
+          <a:p>
+            <a:r>
+              <a:rPr lang="en-US" altLang="zh-CN" sz="2800" kern="1200">
+                <a:solidFill>
+                  <a:schemeClr val="tx1"/>
+                </a:solidFill>
+                <a:latin typeface="+mj-lt"/>
+                <a:ea typeface="+mj-ea"/>
+                <a:cs typeface="+mj-cs"/>
+              </a:rPr>
+              <a:t>Baseline Vit</a:t>
+            </a:r>
+          </a:p>
+        </p:txBody>
+      </p:sp>
+      <p:sp>
+        <p:nvSpPr>
+          <p:cNvPr id="54" name="Rectangle 53">
+            <a:extLst>
+              <a:ext uri="{FF2B5EF4-FFF2-40B4-BE49-F238E27FC236}">
+                <a16:creationId xmlns:a16="http://schemas.microsoft.com/office/drawing/2014/main" id="{915BDC0B-5578-DE1D-F097-A658D49B1B02}"/>
+              </a:ext>
+              <a:ext uri="{C183D7F6-B498-43B3-948B-1728B52AA6E4}">
+                <adec:decorative xmlns:adec="http://schemas.microsoft.com/office/drawing/2017/decorative" val="1"/>
+              </a:ext>
+            </a:extLst>
+          </p:cNvPr>
+          <p:cNvSpPr>
+            <a:spLocks noGrp="1" noRot="1" noChangeAspect="1" noMove="1" noResize="1" noEditPoints="1" noAdjustHandles="1" noChangeArrowheads="1" noChangeShapeType="1" noTextEdit="1"/>
+          </p:cNvSpPr>
+          <p:nvPr>
+            <p:extLst>
+              <p:ext uri="{386F3935-93C4-4BCD-93E2-E3B085C9AB24}">
+                <p16:designElem xmlns:p16="http://schemas.microsoft.com/office/powerpoint/2015/main" val="1"/>
+              </p:ext>
+            </p:extLst>
+          </p:nvPr>
+        </p:nvSpPr>
+        <p:spPr>
+          <a:xfrm>
+            <a:off x="0" y="1426546"/>
+            <a:ext cx="128016" cy="653903"/>
+          </a:xfrm>
+          <a:prstGeom prst="rect">
+            <a:avLst/>
+          </a:prstGeom>
+          <a:solidFill>
+            <a:schemeClr val="accent2"/>
+          </a:solidFill>
+          <a:ln>
+            <a:noFill/>
+          </a:ln>
+        </p:spPr>
+        <p:style>
+          <a:lnRef idx="2">
+            <a:schemeClr val="accent1">
+              <a:shade val="50000"/>
+            </a:schemeClr>
+          </a:lnRef>
+          <a:fillRef idx="1">
+            <a:schemeClr val="accent1"/>
+          </a:fillRef>
+          <a:effectRef idx="0">
+            <a:schemeClr val="accent1"/>
+          </a:effectRef>
+          <a:fontRef idx="minor">
+            <a:schemeClr val="lt1"/>
+          </a:fontRef>
+        </p:style>
+        <p:txBody>
+          <a:bodyPr rtlCol="0" anchor="ctr"/>
+          <a:lstStyle/>
+          <a:p>
+            <a:pPr algn="ctr"/>
+            <a:endParaRPr lang="en-US">
+              <a:solidFill>
+                <a:prstClr val="white"/>
+              </a:solidFill>
+              <a:latin typeface="Calibri" panose="020F0502020204030204"/>
+            </a:endParaRPr>
+          </a:p>
+        </p:txBody>
+      </p:sp>
+      <p:sp>
+        <p:nvSpPr>
+          <p:cNvPr id="56" name="Rectangle 55">
+            <a:extLst>
+              <a:ext uri="{FF2B5EF4-FFF2-40B4-BE49-F238E27FC236}">
+                <a16:creationId xmlns:a16="http://schemas.microsoft.com/office/drawing/2014/main" id="{06937139-E3E5-912C-846F-9C5D81BAE8A1}"/>
+              </a:ext>
+              <a:ext uri="{C183D7F6-B498-43B3-948B-1728B52AA6E4}">
+                <adec:decorative xmlns:adec="http://schemas.microsoft.com/office/drawing/2017/decorative" val="1"/>
+              </a:ext>
+            </a:extLst>
+          </p:cNvPr>
+          <p:cNvSpPr>
+            <a:spLocks noGrp="1" noRot="1" noChangeAspect="1" noMove="1" noResize="1" noEditPoints="1" noAdjustHandles="1" noChangeArrowheads="1" noChangeShapeType="1" noTextEdit="1"/>
+          </p:cNvSpPr>
+          <p:nvPr>
+            <p:extLst>
+              <p:ext uri="{386F3935-93C4-4BCD-93E2-E3B085C9AB24}">
+                <p16:designElem xmlns:p16="http://schemas.microsoft.com/office/powerpoint/2015/main" val="1"/>
+              </p:ext>
+            </p:extLst>
+          </p:nvPr>
+        </p:nvSpPr>
+        <p:spPr>
+          <a:xfrm>
+            <a:off x="395893" y="2443480"/>
+            <a:ext cx="3383280" cy="18288"/>
+          </a:xfrm>
+          <a:prstGeom prst="rect">
+            <a:avLst/>
+          </a:prstGeom>
+          <a:solidFill>
+            <a:srgbClr val="D5D5D5"/>
+          </a:solidFill>
+          <a:ln w="3175">
+            <a:noFill/>
+          </a:ln>
+          <a:effectLst/>
+        </p:spPr>
+        <p:style>
+          <a:lnRef idx="2">
+            <a:schemeClr val="accent1">
+              <a:shade val="50000"/>
+            </a:schemeClr>
+          </a:lnRef>
+          <a:fillRef idx="1">
+            <a:schemeClr val="accent1"/>
+          </a:fillRef>
+          <a:effectRef idx="0">
+            <a:schemeClr val="accent1"/>
+          </a:effectRef>
+          <a:fontRef idx="minor">
+            <a:schemeClr val="lt1"/>
+          </a:fontRef>
+        </p:style>
+        <p:txBody>
+          <a:bodyPr rtlCol="0" anchor="ctr"/>
+          <a:lstStyle/>
+          <a:p>
+            <a:pPr marL="0" marR="0" lvl="0" indent="0" algn="ctr" defTabSz="914400" rtl="0" eaLnBrk="1" fontAlgn="auto" latinLnBrk="0" hangingPunct="1">
+              <a:lnSpc>
+                <a:spcPct val="100000"/>
+              </a:lnSpc>
+              <a:spcBef>
+                <a:spcPts val="0"/>
+              </a:spcBef>
+              <a:spcAft>
+                <a:spcPts val="0"/>
+              </a:spcAft>
+              <a:buClrTx/>
+              <a:buSzTx/>
+              <a:buFontTx/>
+              <a:buNone/>
+              <a:tabLst/>
+              <a:defRPr/>
+            </a:pPr>
+            <a:endParaRPr kumimoji="0" lang="en-US" sz="1800" b="0" i="0" u="none" strike="noStrike" kern="1200" cap="none" spc="0" normalizeH="0" baseline="0" noProof="0">
+              <a:ln>
+                <a:noFill/>
+              </a:ln>
+              <a:solidFill>
+                <a:prstClr val="white"/>
+              </a:solidFill>
+              <a:effectLst/>
+              <a:uLnTx/>
+              <a:uFillTx/>
+              <a:latin typeface="Calibri" panose="020F0502020204030204"/>
+              <a:ea typeface="+mn-ea"/>
+              <a:cs typeface="+mn-cs"/>
+            </a:endParaRPr>
+          </a:p>
+        </p:txBody>
+      </p:sp>
+      <p:sp>
+        <p:nvSpPr>
+          <p:cNvPr id="6" name="文本框 5">
+            <a:extLst>
+              <a:ext uri="{FF2B5EF4-FFF2-40B4-BE49-F238E27FC236}">
+                <a16:creationId xmlns:a16="http://schemas.microsoft.com/office/drawing/2014/main" id="{0F76B74D-10DE-ACD6-FBC2-11C651D132AE}"/>
+              </a:ext>
+            </a:extLst>
+          </p:cNvPr>
+          <p:cNvSpPr txBox="1"/>
+          <p:nvPr/>
+        </p:nvSpPr>
+        <p:spPr>
+          <a:xfrm>
+            <a:off x="371094" y="2718054"/>
+            <a:ext cx="3438906" cy="4076501"/>
+          </a:xfrm>
+          <a:prstGeom prst="rect">
+            <a:avLst/>
+          </a:prstGeom>
+        </p:spPr>
+        <p:txBody>
+          <a:bodyPr wrap="square" rtlCol="0">
+            <a:spAutoFit/>
+          </a:bodyPr>
+          <a:lstStyle/>
+          <a:p>
+            <a:pPr indent="-228600">
+              <a:lnSpc>
+                <a:spcPct val="90000"/>
+              </a:lnSpc>
+              <a:spcAft>
+                <a:spcPts val="600"/>
+              </a:spcAft>
+              <a:buFont typeface="Arial" panose="020B0604020202020204" pitchFamily="34" charset="0"/>
+              <a:buChar char="•"/>
+            </a:pPr>
+            <a:r>
+              <a:rPr lang="en-US" altLang="zh-CN" sz="1700" dirty="0"/>
+              <a:t>Full Cifar-10 dataset , 10 classes</a:t>
+            </a:r>
+          </a:p>
+          <a:p>
+            <a:pPr indent="-228600">
+              <a:lnSpc>
+                <a:spcPct val="90000"/>
+              </a:lnSpc>
+              <a:spcAft>
+                <a:spcPts val="600"/>
+              </a:spcAft>
+              <a:buFont typeface="Arial" panose="020B0604020202020204" pitchFamily="34" charset="0"/>
+              <a:buChar char="•"/>
+            </a:pPr>
+            <a:r>
+              <a:rPr lang="en-US" altLang="zh-CN" sz="1700" dirty="0"/>
+              <a:t>Epoch = 30</a:t>
+            </a:r>
+          </a:p>
+          <a:p>
+            <a:pPr indent="-228600">
+              <a:lnSpc>
+                <a:spcPct val="90000"/>
+              </a:lnSpc>
+              <a:spcAft>
+                <a:spcPts val="600"/>
+              </a:spcAft>
+              <a:buFont typeface="Arial" panose="020B0604020202020204" pitchFamily="34" charset="0"/>
+              <a:buChar char="•"/>
+            </a:pPr>
+            <a:r>
+              <a:rPr lang="en-US" altLang="zh-CN" sz="1700" dirty="0" err="1"/>
+              <a:t>Batch_size</a:t>
+            </a:r>
+            <a:r>
+              <a:rPr lang="en-US" altLang="zh-CN" sz="1700" dirty="0"/>
+              <a:t> = 64</a:t>
+            </a:r>
+          </a:p>
+          <a:p>
+            <a:pPr indent="-228600">
+              <a:lnSpc>
+                <a:spcPct val="90000"/>
+              </a:lnSpc>
+              <a:spcAft>
+                <a:spcPts val="600"/>
+              </a:spcAft>
+              <a:buFont typeface="Arial" panose="020B0604020202020204" pitchFamily="34" charset="0"/>
+              <a:buChar char="•"/>
+            </a:pPr>
+            <a:r>
+              <a:rPr lang="en-US" altLang="zh-CN" sz="1700" dirty="0" err="1"/>
+              <a:t>Patch_size</a:t>
+            </a:r>
+            <a:r>
+              <a:rPr lang="en-US" altLang="zh-CN" sz="1700" dirty="0"/>
+              <a:t> = 8</a:t>
+            </a:r>
+          </a:p>
+          <a:p>
+            <a:pPr indent="-228600">
+              <a:lnSpc>
+                <a:spcPct val="90000"/>
+              </a:lnSpc>
+              <a:spcAft>
+                <a:spcPts val="600"/>
+              </a:spcAft>
+              <a:buFont typeface="Arial" panose="020B0604020202020204" pitchFamily="34" charset="0"/>
+              <a:buChar char="•"/>
+            </a:pPr>
+            <a:r>
+              <a:rPr lang="en-US" altLang="zh-CN" sz="1700" dirty="0">
+                <a:solidFill>
+                  <a:srgbClr val="FF0000"/>
+                </a:solidFill>
+              </a:rPr>
+              <a:t>Dim = 256</a:t>
+            </a:r>
+          </a:p>
+          <a:p>
+            <a:pPr indent="-228600">
+              <a:lnSpc>
+                <a:spcPct val="90000"/>
+              </a:lnSpc>
+              <a:spcAft>
+                <a:spcPts val="600"/>
+              </a:spcAft>
+              <a:buFont typeface="Arial" panose="020B0604020202020204" pitchFamily="34" charset="0"/>
+              <a:buChar char="•"/>
+            </a:pPr>
+            <a:r>
+              <a:rPr lang="en-US" altLang="zh-CN" sz="1700" dirty="0"/>
+              <a:t>Depth = 12</a:t>
+            </a:r>
+          </a:p>
+          <a:p>
+            <a:pPr indent="-228600">
+              <a:lnSpc>
+                <a:spcPct val="90000"/>
+              </a:lnSpc>
+              <a:spcAft>
+                <a:spcPts val="600"/>
+              </a:spcAft>
+              <a:buFont typeface="Arial" panose="020B0604020202020204" pitchFamily="34" charset="0"/>
+              <a:buChar char="•"/>
+            </a:pPr>
+            <a:r>
+              <a:rPr lang="en-US" altLang="zh-CN" sz="1700" dirty="0"/>
+              <a:t>Heads = 8</a:t>
+            </a:r>
+          </a:p>
+          <a:p>
+            <a:pPr indent="-228600">
+              <a:lnSpc>
+                <a:spcPct val="90000"/>
+              </a:lnSpc>
+              <a:spcAft>
+                <a:spcPts val="600"/>
+              </a:spcAft>
+              <a:buFont typeface="Arial" panose="020B0604020202020204" pitchFamily="34" charset="0"/>
+              <a:buChar char="•"/>
+            </a:pPr>
+            <a:r>
+              <a:rPr lang="en-US" altLang="zh-CN" sz="1700" dirty="0" err="1">
+                <a:solidFill>
+                  <a:srgbClr val="FF0000"/>
+                </a:solidFill>
+              </a:rPr>
+              <a:t>Mlp_dim</a:t>
+            </a:r>
+            <a:r>
+              <a:rPr lang="en-US" altLang="zh-CN" sz="1700" dirty="0">
+                <a:solidFill>
+                  <a:srgbClr val="FF0000"/>
+                </a:solidFill>
+              </a:rPr>
+              <a:t> = 512</a:t>
+            </a:r>
+          </a:p>
+          <a:p>
+            <a:pPr indent="-228600">
+              <a:lnSpc>
+                <a:spcPct val="90000"/>
+              </a:lnSpc>
+              <a:spcAft>
+                <a:spcPts val="600"/>
+              </a:spcAft>
+              <a:buFont typeface="Arial" panose="020B0604020202020204" pitchFamily="34" charset="0"/>
+              <a:buChar char="•"/>
+            </a:pPr>
+            <a:endParaRPr lang="en-US" altLang="zh-CN" sz="1700" dirty="0"/>
+          </a:p>
+          <a:p>
+            <a:pPr indent="-228600">
+              <a:lnSpc>
+                <a:spcPct val="90000"/>
+              </a:lnSpc>
+              <a:spcAft>
+                <a:spcPts val="600"/>
+              </a:spcAft>
+              <a:buFont typeface="Arial" panose="020B0604020202020204" pitchFamily="34" charset="0"/>
+              <a:buChar char="•"/>
+            </a:pPr>
+            <a:endParaRPr lang="en-US" altLang="zh-CN" sz="1700" dirty="0"/>
+          </a:p>
+          <a:p>
+            <a:pPr indent="-228600">
+              <a:lnSpc>
+                <a:spcPct val="90000"/>
+              </a:lnSpc>
+              <a:spcAft>
+                <a:spcPts val="600"/>
+              </a:spcAft>
+              <a:buFont typeface="Arial" panose="020B0604020202020204" pitchFamily="34" charset="0"/>
+              <a:buChar char="•"/>
+            </a:pPr>
+            <a:r>
+              <a:rPr lang="en-US" altLang="zh-CN" sz="1700" dirty="0"/>
+              <a:t>Test accuracy = 53.2%</a:t>
+            </a:r>
+          </a:p>
+          <a:p>
+            <a:pPr indent="-228600">
+              <a:lnSpc>
+                <a:spcPct val="90000"/>
+              </a:lnSpc>
+              <a:spcAft>
+                <a:spcPts val="600"/>
+              </a:spcAft>
+              <a:buFont typeface="Arial" panose="020B0604020202020204" pitchFamily="34" charset="0"/>
+              <a:buChar char="•"/>
+            </a:pPr>
+            <a:r>
+              <a:rPr lang="en-US" altLang="zh-CN" sz="1700" dirty="0"/>
+              <a:t>Time Cost: 80min</a:t>
+            </a:r>
+          </a:p>
+          <a:p>
+            <a:pPr indent="-228600">
+              <a:lnSpc>
+                <a:spcPct val="90000"/>
+              </a:lnSpc>
+              <a:spcAft>
+                <a:spcPts val="600"/>
+              </a:spcAft>
+              <a:buFont typeface="Arial" panose="020B0604020202020204" pitchFamily="34" charset="0"/>
+              <a:buChar char="•"/>
+            </a:pPr>
+            <a:endParaRPr lang="en-US" altLang="zh-CN" sz="1700" dirty="0"/>
+          </a:p>
+        </p:txBody>
+      </p:sp>
+      <p:pic>
+        <p:nvPicPr>
+          <p:cNvPr id="8" name="图片 7">
+            <a:extLst>
+              <a:ext uri="{FF2B5EF4-FFF2-40B4-BE49-F238E27FC236}">
+                <a16:creationId xmlns:a16="http://schemas.microsoft.com/office/drawing/2014/main" id="{2F70E86E-6080-136C-8FAF-BCD71151DBC4}"/>
+              </a:ext>
+            </a:extLst>
+          </p:cNvPr>
+          <p:cNvPicPr>
+            <a:picLocks noChangeAspect="1"/>
+          </p:cNvPicPr>
+          <p:nvPr/>
+        </p:nvPicPr>
+        <p:blipFill>
+          <a:blip r:embed="rId2"/>
+          <a:stretch>
+            <a:fillRect/>
+          </a:stretch>
+        </p:blipFill>
+        <p:spPr>
+          <a:xfrm>
+            <a:off x="4553527" y="1161288"/>
+            <a:ext cx="7012998" cy="4315691"/>
+          </a:xfrm>
+          <a:prstGeom prst="rect">
+            <a:avLst/>
+          </a:prstGeom>
+        </p:spPr>
+      </p:pic>
+    </p:spTree>
+    <p:extLst>
+      <p:ext uri="{BB962C8B-B14F-4D97-AF65-F5344CB8AC3E}">
+        <p14:creationId xmlns:p14="http://schemas.microsoft.com/office/powerpoint/2010/main" val="2295221805"/>
+      </p:ext>
+    </p:extLst>
+  </p:cSld>
+  <p:clrMapOvr>
+    <a:masterClrMapping/>
+  </p:clrMapOvr>
+</p:sld>
+</file>
+
+<file path=ppt/slides/slide14.xml><?xml version="1.0" encoding="utf-8"?>
+<p:sld xmlns:a="http://schemas.openxmlformats.org/drawingml/2006/main" xmlns:r="http://schemas.openxmlformats.org/officeDocument/2006/relationships" xmlns:p="http://schemas.openxmlformats.org/presentationml/2006/main">
+  <p:cSld>
+    <p:spTree>
+      <p:nvGrpSpPr>
+        <p:cNvPr id="1" name="">
+          <a:extLst>
+            <a:ext uri="{FF2B5EF4-FFF2-40B4-BE49-F238E27FC236}">
+              <a16:creationId xmlns:a16="http://schemas.microsoft.com/office/drawing/2014/main" id="{531E40D2-3E5F-10C3-F68B-9B5302E28A08}"/>
+            </a:ext>
+          </a:extLst>
+        </p:cNvPr>
+        <p:cNvGrpSpPr/>
+        <p:nvPr/>
+      </p:nvGrpSpPr>
+      <p:grpSpPr>
+        <a:xfrm>
+          <a:off x="0" y="0"/>
+          <a:ext cx="0" cy="0"/>
+          <a:chOff x="0" y="0"/>
+          <a:chExt cx="0" cy="0"/>
+        </a:xfrm>
+      </p:grpSpPr>
+      <p:sp useBgFill="1">
+        <p:nvSpPr>
+          <p:cNvPr id="48" name="Rectangle 47">
+            <a:extLst>
+              <a:ext uri="{FF2B5EF4-FFF2-40B4-BE49-F238E27FC236}">
+                <a16:creationId xmlns:a16="http://schemas.microsoft.com/office/drawing/2014/main" id="{12C8BFC0-A260-D233-E14B-460EA7CAD1ED}"/>
+              </a:ext>
+              <a:ext uri="{C183D7F6-B498-43B3-948B-1728B52AA6E4}">
+                <adec:decorative xmlns:adec="http://schemas.microsoft.com/office/drawing/2017/decorative" val="1"/>
+              </a:ext>
+            </a:extLst>
+          </p:cNvPr>
+          <p:cNvSpPr>
+            <a:spLocks noGrp="1" noRot="1" noChangeAspect="1" noMove="1" noResize="1" noEditPoints="1" noAdjustHandles="1" noChangeArrowheads="1" noChangeShapeType="1" noTextEdit="1"/>
+          </p:cNvSpPr>
+          <p:nvPr>
+            <p:extLst>
+              <p:ext uri="{386F3935-93C4-4BCD-93E2-E3B085C9AB24}">
+                <p16:designElem xmlns:p16="http://schemas.microsoft.com/office/powerpoint/2015/main" val="1"/>
+              </p:ext>
+            </p:extLst>
+          </p:nvPr>
+        </p:nvSpPr>
+        <p:spPr>
+          <a:xfrm>
+            <a:off x="0" y="0"/>
+            <a:ext cx="12192000" cy="6858000"/>
+          </a:xfrm>
+          <a:prstGeom prst="rect">
+            <a:avLst/>
+          </a:prstGeom>
+          <a:ln>
+            <a:noFill/>
+          </a:ln>
+        </p:spPr>
+        <p:style>
+          <a:lnRef idx="2">
+            <a:schemeClr val="accent1">
+              <a:shade val="50000"/>
+            </a:schemeClr>
+          </a:lnRef>
+          <a:fillRef idx="1">
+            <a:schemeClr val="accent1"/>
+          </a:fillRef>
+          <a:effectRef idx="0">
+            <a:schemeClr val="accent1"/>
+          </a:effectRef>
+          <a:fontRef idx="minor">
+            <a:schemeClr val="lt1"/>
+          </a:fontRef>
+        </p:style>
+        <p:txBody>
+          <a:bodyPr rtlCol="0" anchor="ctr"/>
+          <a:lstStyle/>
+          <a:p>
+            <a:pPr algn="ctr"/>
+            <a:endParaRPr lang="en-US"/>
+          </a:p>
+        </p:txBody>
+      </p:sp>
+      <p:sp useBgFill="1">
+        <p:nvSpPr>
+          <p:cNvPr id="50" name="Freeform: Shape 49">
+            <a:extLst>
+              <a:ext uri="{FF2B5EF4-FFF2-40B4-BE49-F238E27FC236}">
+                <a16:creationId xmlns:a16="http://schemas.microsoft.com/office/drawing/2014/main" id="{7D70764D-C9BB-2F8E-80DC-3129AB07CADB}"/>
+              </a:ext>
+              <a:ext uri="{C183D7F6-B498-43B3-948B-1728B52AA6E4}">
+                <adec:decorative xmlns:adec="http://schemas.microsoft.com/office/drawing/2017/decorative" val="1"/>
+              </a:ext>
+            </a:extLst>
+          </p:cNvPr>
+          <p:cNvSpPr>
+            <a:spLocks noGrp="1" noRot="1" noChangeAspect="1" noMove="1" noResize="1" noEditPoints="1" noAdjustHandles="1" noChangeArrowheads="1" noChangeShapeType="1" noTextEdit="1"/>
+          </p:cNvSpPr>
+          <p:nvPr>
+            <p:extLst>
+              <p:ext uri="{386F3935-93C4-4BCD-93E2-E3B085C9AB24}">
+                <p16:designElem xmlns:p16="http://schemas.microsoft.com/office/powerpoint/2015/main" val="1"/>
+              </p:ext>
+            </p:extLst>
+          </p:nvPr>
+        </p:nvSpPr>
+        <p:spPr>
+          <a:xfrm>
+            <a:off x="-1" y="0"/>
+            <a:ext cx="4455673" cy="6858000"/>
+          </a:xfrm>
+          <a:custGeom>
+            <a:avLst/>
+            <a:gdLst>
+              <a:gd name="connsiteX0" fmla="*/ 0 w 4455673"/>
+              <a:gd name="connsiteY0" fmla="*/ 0 h 6858000"/>
+              <a:gd name="connsiteX1" fmla="*/ 3242695 w 4455673"/>
+              <a:gd name="connsiteY1" fmla="*/ 0 h 6858000"/>
+              <a:gd name="connsiteX2" fmla="*/ 3305678 w 4455673"/>
+              <a:gd name="connsiteY2" fmla="*/ 69271 h 6858000"/>
+              <a:gd name="connsiteX3" fmla="*/ 4455673 w 4455673"/>
+              <a:gd name="connsiteY3" fmla="*/ 3429000 h 6858000"/>
+              <a:gd name="connsiteX4" fmla="*/ 3305678 w 4455673"/>
+              <a:gd name="connsiteY4" fmla="*/ 6788730 h 6858000"/>
+              <a:gd name="connsiteX5" fmla="*/ 3242695 w 4455673"/>
+              <a:gd name="connsiteY5" fmla="*/ 6858000 h 6858000"/>
+              <a:gd name="connsiteX6" fmla="*/ 0 w 4455673"/>
+              <a:gd name="connsiteY6" fmla="*/ 6858000 h 6858000"/>
+            </a:gdLst>
+            <a:ahLst/>
+            <a:cxnLst>
+              <a:cxn ang="0">
+                <a:pos x="connsiteX0" y="connsiteY0"/>
+              </a:cxn>
+              <a:cxn ang="0">
+                <a:pos x="connsiteX1" y="connsiteY1"/>
+              </a:cxn>
+              <a:cxn ang="0">
+                <a:pos x="connsiteX2" y="connsiteY2"/>
+              </a:cxn>
+              <a:cxn ang="0">
+                <a:pos x="connsiteX3" y="connsiteY3"/>
+              </a:cxn>
+              <a:cxn ang="0">
+                <a:pos x="connsiteX4" y="connsiteY4"/>
+              </a:cxn>
+              <a:cxn ang="0">
+                <a:pos x="connsiteX5" y="connsiteY5"/>
+              </a:cxn>
+              <a:cxn ang="0">
+                <a:pos x="connsiteX6" y="connsiteY6"/>
+              </a:cxn>
+            </a:cxnLst>
+            <a:rect l="l" t="t" r="r" b="b"/>
+            <a:pathLst>
+              <a:path w="4455673" h="6858000">
+                <a:moveTo>
+                  <a:pt x="0" y="0"/>
+                </a:moveTo>
+                <a:lnTo>
+                  <a:pt x="3242695" y="0"/>
+                </a:lnTo>
+                <a:lnTo>
+                  <a:pt x="3305678" y="69271"/>
+                </a:lnTo>
+                <a:cubicBezTo>
+                  <a:pt x="4016204" y="929100"/>
+                  <a:pt x="4455673" y="2116944"/>
+                  <a:pt x="4455673" y="3429000"/>
+                </a:cubicBezTo>
+                <a:cubicBezTo>
+                  <a:pt x="4455673" y="4741056"/>
+                  <a:pt x="4016204" y="5928900"/>
+                  <a:pt x="3305678" y="6788730"/>
+                </a:cubicBezTo>
+                <a:lnTo>
+                  <a:pt x="3242695" y="6858000"/>
+                </a:lnTo>
+                <a:lnTo>
+                  <a:pt x="0" y="6858000"/>
+                </a:lnTo>
+                <a:close/>
+              </a:path>
+            </a:pathLst>
+          </a:custGeom>
+          <a:ln w="9525">
+            <a:solidFill>
+              <a:srgbClr val="EFEFEF"/>
+            </a:solidFill>
+          </a:ln>
+          <a:effectLst>
+            <a:outerShdw blurRad="88900" dist="38100" algn="l" rotWithShape="0">
+              <a:schemeClr val="bg1">
+                <a:lumMod val="85000"/>
+                <a:alpha val="50000"/>
+              </a:schemeClr>
+            </a:outerShdw>
+          </a:effectLst>
+        </p:spPr>
+        <p:style>
+          <a:lnRef idx="2">
+            <a:schemeClr val="accent1">
+              <a:shade val="50000"/>
+            </a:schemeClr>
+          </a:lnRef>
+          <a:fillRef idx="1">
+            <a:schemeClr val="accent1"/>
+          </a:fillRef>
+          <a:effectRef idx="0">
+            <a:schemeClr val="accent1"/>
+          </a:effectRef>
+          <a:fontRef idx="minor">
+            <a:schemeClr val="lt1"/>
+          </a:fontRef>
+        </p:style>
+        <p:txBody>
+          <a:bodyPr wrap="square" rtlCol="0" anchor="ctr">
+            <a:noAutofit/>
+          </a:bodyPr>
+          <a:lstStyle/>
+          <a:p>
+            <a:pPr marL="0" marR="0" lvl="0" indent="0" algn="ctr" defTabSz="914400" rtl="0" eaLnBrk="1" fontAlgn="auto" latinLnBrk="0" hangingPunct="1">
+              <a:lnSpc>
+                <a:spcPct val="100000"/>
+              </a:lnSpc>
+              <a:spcBef>
+                <a:spcPts val="0"/>
+              </a:spcBef>
+              <a:spcAft>
+                <a:spcPts val="0"/>
+              </a:spcAft>
+              <a:buClrTx/>
+              <a:buSzTx/>
+              <a:buFontTx/>
+              <a:buNone/>
+              <a:tabLst/>
+              <a:defRPr/>
+            </a:pPr>
+            <a:endParaRPr kumimoji="0" lang="en-US" sz="1800" b="0" i="0" u="none" strike="noStrike" kern="1200" cap="none" spc="0" normalizeH="0" baseline="0" noProof="0">
+              <a:ln>
+                <a:noFill/>
+              </a:ln>
+              <a:solidFill>
+                <a:prstClr val="white"/>
+              </a:solidFill>
+              <a:effectLst/>
+              <a:uLnTx/>
+              <a:uFillTx/>
+              <a:latin typeface="Calibri" panose="020F0502020204030204"/>
+              <a:ea typeface="+mn-ea"/>
+              <a:cs typeface="+mn-cs"/>
+            </a:endParaRPr>
+          </a:p>
+        </p:txBody>
+      </p:sp>
+      <p:sp useBgFill="1">
+        <p:nvSpPr>
+          <p:cNvPr id="52" name="Freeform: Shape 51">
+            <a:extLst>
+              <a:ext uri="{FF2B5EF4-FFF2-40B4-BE49-F238E27FC236}">
+                <a16:creationId xmlns:a16="http://schemas.microsoft.com/office/drawing/2014/main" id="{B33D2109-E86E-D1F5-C4B9-1A82FEA36AE5}"/>
+              </a:ext>
+              <a:ext uri="{C183D7F6-B498-43B3-948B-1728B52AA6E4}">
+                <adec:decorative xmlns:adec="http://schemas.microsoft.com/office/drawing/2017/decorative" val="1"/>
+              </a:ext>
+            </a:extLst>
+          </p:cNvPr>
+          <p:cNvSpPr>
+            <a:spLocks noGrp="1" noRot="1" noChangeAspect="1" noMove="1" noResize="1" noEditPoints="1" noAdjustHandles="1" noChangeArrowheads="1" noChangeShapeType="1" noTextEdit="1"/>
+          </p:cNvSpPr>
+          <p:nvPr>
+            <p:extLst>
+              <p:ext uri="{386F3935-93C4-4BCD-93E2-E3B085C9AB24}">
+                <p16:designElem xmlns:p16="http://schemas.microsoft.com/office/powerpoint/2015/main" val="1"/>
+              </p:ext>
+            </p:extLst>
+          </p:nvPr>
+        </p:nvSpPr>
+        <p:spPr>
+          <a:xfrm>
+            <a:off x="0" y="0"/>
+            <a:ext cx="4446529" cy="6858000"/>
+          </a:xfrm>
+          <a:custGeom>
+            <a:avLst/>
+            <a:gdLst>
+              <a:gd name="connsiteX0" fmla="*/ 0 w 4446529"/>
+              <a:gd name="connsiteY0" fmla="*/ 0 h 6858000"/>
+              <a:gd name="connsiteX1" fmla="*/ 3233551 w 4446529"/>
+              <a:gd name="connsiteY1" fmla="*/ 0 h 6858000"/>
+              <a:gd name="connsiteX2" fmla="*/ 3296534 w 4446529"/>
+              <a:gd name="connsiteY2" fmla="*/ 69271 h 6858000"/>
+              <a:gd name="connsiteX3" fmla="*/ 4446529 w 4446529"/>
+              <a:gd name="connsiteY3" fmla="*/ 3429000 h 6858000"/>
+              <a:gd name="connsiteX4" fmla="*/ 3296534 w 4446529"/>
+              <a:gd name="connsiteY4" fmla="*/ 6788730 h 6858000"/>
+              <a:gd name="connsiteX5" fmla="*/ 3233551 w 4446529"/>
+              <a:gd name="connsiteY5" fmla="*/ 6858000 h 6858000"/>
+              <a:gd name="connsiteX6" fmla="*/ 0 w 4446529"/>
+              <a:gd name="connsiteY6" fmla="*/ 6858000 h 6858000"/>
+            </a:gdLst>
+            <a:ahLst/>
+            <a:cxnLst>
+              <a:cxn ang="0">
+                <a:pos x="connsiteX0" y="connsiteY0"/>
+              </a:cxn>
+              <a:cxn ang="0">
+                <a:pos x="connsiteX1" y="connsiteY1"/>
+              </a:cxn>
+              <a:cxn ang="0">
+                <a:pos x="connsiteX2" y="connsiteY2"/>
+              </a:cxn>
+              <a:cxn ang="0">
+                <a:pos x="connsiteX3" y="connsiteY3"/>
+              </a:cxn>
+              <a:cxn ang="0">
+                <a:pos x="connsiteX4" y="connsiteY4"/>
+              </a:cxn>
+              <a:cxn ang="0">
+                <a:pos x="connsiteX5" y="connsiteY5"/>
+              </a:cxn>
+              <a:cxn ang="0">
+                <a:pos x="connsiteX6" y="connsiteY6"/>
+              </a:cxn>
+            </a:cxnLst>
+            <a:rect l="l" t="t" r="r" b="b"/>
+            <a:pathLst>
+              <a:path w="4446529" h="6858000">
+                <a:moveTo>
+                  <a:pt x="0" y="0"/>
+                </a:moveTo>
+                <a:lnTo>
+                  <a:pt x="3233551" y="0"/>
+                </a:lnTo>
+                <a:lnTo>
+                  <a:pt x="3296534" y="69271"/>
+                </a:lnTo>
+                <a:cubicBezTo>
+                  <a:pt x="4007060" y="929100"/>
+                  <a:pt x="4446529" y="2116944"/>
+                  <a:pt x="4446529" y="3429000"/>
+                </a:cubicBezTo>
+                <a:cubicBezTo>
+                  <a:pt x="4446529" y="4741056"/>
+                  <a:pt x="4007060" y="5928900"/>
+                  <a:pt x="3296534" y="6788730"/>
+                </a:cubicBezTo>
+                <a:lnTo>
+                  <a:pt x="3233551" y="6858000"/>
+                </a:lnTo>
+                <a:lnTo>
+                  <a:pt x="0" y="6858000"/>
+                </a:lnTo>
+                <a:close/>
+              </a:path>
+            </a:pathLst>
+          </a:custGeom>
+          <a:ln w="9525">
+            <a:noFill/>
+          </a:ln>
+          <a:effectLst/>
+        </p:spPr>
+        <p:style>
+          <a:lnRef idx="2">
+            <a:schemeClr val="accent1">
+              <a:shade val="50000"/>
+            </a:schemeClr>
+          </a:lnRef>
+          <a:fillRef idx="1">
+            <a:schemeClr val="accent1"/>
+          </a:fillRef>
+          <a:effectRef idx="0">
+            <a:schemeClr val="accent1"/>
+          </a:effectRef>
+          <a:fontRef idx="minor">
+            <a:schemeClr val="lt1"/>
+          </a:fontRef>
+        </p:style>
+        <p:txBody>
+          <a:bodyPr wrap="square" rtlCol="0" anchor="ctr">
+            <a:noAutofit/>
+          </a:bodyPr>
+          <a:lstStyle/>
+          <a:p>
+            <a:pPr marL="0" marR="0" lvl="0" indent="0" algn="ctr" defTabSz="914400" rtl="0" eaLnBrk="1" fontAlgn="auto" latinLnBrk="0" hangingPunct="1">
+              <a:lnSpc>
+                <a:spcPct val="100000"/>
+              </a:lnSpc>
+              <a:spcBef>
+                <a:spcPts val="0"/>
+              </a:spcBef>
+              <a:spcAft>
+                <a:spcPts val="0"/>
+              </a:spcAft>
+              <a:buClrTx/>
+              <a:buSzTx/>
+              <a:buFontTx/>
+              <a:buNone/>
+              <a:tabLst/>
+              <a:defRPr/>
+            </a:pPr>
+            <a:endParaRPr kumimoji="0" lang="en-US" sz="1800" b="0" i="0" u="none" strike="noStrike" kern="1200" cap="none" spc="0" normalizeH="0" baseline="0" noProof="0">
+              <a:ln>
+                <a:noFill/>
+              </a:ln>
+              <a:solidFill>
+                <a:prstClr val="white"/>
+              </a:solidFill>
+              <a:effectLst/>
+              <a:uLnTx/>
+              <a:uFillTx/>
+              <a:latin typeface="Calibri" panose="020F0502020204030204"/>
+              <a:ea typeface="+mn-ea"/>
+              <a:cs typeface="+mn-cs"/>
+            </a:endParaRPr>
+          </a:p>
+        </p:txBody>
+      </p:sp>
+      <p:sp>
+        <p:nvSpPr>
+          <p:cNvPr id="2" name="标题 1">
+            <a:extLst>
+              <a:ext uri="{FF2B5EF4-FFF2-40B4-BE49-F238E27FC236}">
+                <a16:creationId xmlns:a16="http://schemas.microsoft.com/office/drawing/2014/main" id="{EDF5BCD0-E480-43A6-CACB-1E6A62F56B3B}"/>
+              </a:ext>
+            </a:extLst>
+          </p:cNvPr>
+          <p:cNvSpPr>
+            <a:spLocks noGrp="1"/>
+          </p:cNvSpPr>
+          <p:nvPr>
+            <p:ph type="title"/>
+          </p:nvPr>
+        </p:nvSpPr>
+        <p:spPr>
+          <a:xfrm>
+            <a:off x="371094" y="1161288"/>
+            <a:ext cx="3438144" cy="1239012"/>
+          </a:xfrm>
+        </p:spPr>
+        <p:txBody>
+          <a:bodyPr anchor="ctr"/>
+          <a:lstStyle/>
+          <a:p>
+            <a:r>
+              <a:rPr lang="en-US" altLang="zh-CN" sz="2800" kern="1200">
+                <a:solidFill>
+                  <a:schemeClr val="tx1"/>
+                </a:solidFill>
+                <a:latin typeface="+mj-lt"/>
+                <a:ea typeface="+mj-ea"/>
+                <a:cs typeface="+mj-cs"/>
+              </a:rPr>
+              <a:t>Baseline Vit</a:t>
+            </a:r>
+          </a:p>
+        </p:txBody>
+      </p:sp>
+      <p:sp>
+        <p:nvSpPr>
+          <p:cNvPr id="54" name="Rectangle 53">
+            <a:extLst>
+              <a:ext uri="{FF2B5EF4-FFF2-40B4-BE49-F238E27FC236}">
+                <a16:creationId xmlns:a16="http://schemas.microsoft.com/office/drawing/2014/main" id="{D9F3D19A-0A76-55A0-AC69-77BB40615643}"/>
+              </a:ext>
+              <a:ext uri="{C183D7F6-B498-43B3-948B-1728B52AA6E4}">
+                <adec:decorative xmlns:adec="http://schemas.microsoft.com/office/drawing/2017/decorative" val="1"/>
+              </a:ext>
+            </a:extLst>
+          </p:cNvPr>
+          <p:cNvSpPr>
+            <a:spLocks noGrp="1" noRot="1" noChangeAspect="1" noMove="1" noResize="1" noEditPoints="1" noAdjustHandles="1" noChangeArrowheads="1" noChangeShapeType="1" noTextEdit="1"/>
+          </p:cNvSpPr>
+          <p:nvPr>
+            <p:extLst>
+              <p:ext uri="{386F3935-93C4-4BCD-93E2-E3B085C9AB24}">
+                <p16:designElem xmlns:p16="http://schemas.microsoft.com/office/powerpoint/2015/main" val="1"/>
+              </p:ext>
+            </p:extLst>
+          </p:nvPr>
+        </p:nvSpPr>
+        <p:spPr>
+          <a:xfrm>
+            <a:off x="0" y="1426546"/>
+            <a:ext cx="128016" cy="653903"/>
+          </a:xfrm>
+          <a:prstGeom prst="rect">
+            <a:avLst/>
+          </a:prstGeom>
+          <a:solidFill>
+            <a:schemeClr val="accent2"/>
+          </a:solidFill>
+          <a:ln>
+            <a:noFill/>
+          </a:ln>
+        </p:spPr>
+        <p:style>
+          <a:lnRef idx="2">
+            <a:schemeClr val="accent1">
+              <a:shade val="50000"/>
+            </a:schemeClr>
+          </a:lnRef>
+          <a:fillRef idx="1">
+            <a:schemeClr val="accent1"/>
+          </a:fillRef>
+          <a:effectRef idx="0">
+            <a:schemeClr val="accent1"/>
+          </a:effectRef>
+          <a:fontRef idx="minor">
+            <a:schemeClr val="lt1"/>
+          </a:fontRef>
+        </p:style>
+        <p:txBody>
+          <a:bodyPr rtlCol="0" anchor="ctr"/>
+          <a:lstStyle/>
+          <a:p>
+            <a:pPr algn="ctr"/>
+            <a:endParaRPr lang="en-US">
+              <a:solidFill>
+                <a:prstClr val="white"/>
+              </a:solidFill>
+              <a:latin typeface="Calibri" panose="020F0502020204030204"/>
+            </a:endParaRPr>
+          </a:p>
+        </p:txBody>
+      </p:sp>
+      <p:sp>
+        <p:nvSpPr>
+          <p:cNvPr id="56" name="Rectangle 55">
+            <a:extLst>
+              <a:ext uri="{FF2B5EF4-FFF2-40B4-BE49-F238E27FC236}">
+                <a16:creationId xmlns:a16="http://schemas.microsoft.com/office/drawing/2014/main" id="{85059E94-3933-FED8-C42D-6841819ADE8F}"/>
+              </a:ext>
+              <a:ext uri="{C183D7F6-B498-43B3-948B-1728B52AA6E4}">
+                <adec:decorative xmlns:adec="http://schemas.microsoft.com/office/drawing/2017/decorative" val="1"/>
+              </a:ext>
+            </a:extLst>
+          </p:cNvPr>
+          <p:cNvSpPr>
+            <a:spLocks noGrp="1" noRot="1" noChangeAspect="1" noMove="1" noResize="1" noEditPoints="1" noAdjustHandles="1" noChangeArrowheads="1" noChangeShapeType="1" noTextEdit="1"/>
+          </p:cNvSpPr>
+          <p:nvPr>
+            <p:extLst>
+              <p:ext uri="{386F3935-93C4-4BCD-93E2-E3B085C9AB24}">
+                <p16:designElem xmlns:p16="http://schemas.microsoft.com/office/powerpoint/2015/main" val="1"/>
+              </p:ext>
+            </p:extLst>
+          </p:nvPr>
+        </p:nvSpPr>
+        <p:spPr>
+          <a:xfrm>
+            <a:off x="395893" y="2443480"/>
+            <a:ext cx="3383280" cy="18288"/>
+          </a:xfrm>
+          <a:prstGeom prst="rect">
+            <a:avLst/>
+          </a:prstGeom>
+          <a:solidFill>
+            <a:srgbClr val="D5D5D5"/>
+          </a:solidFill>
+          <a:ln w="3175">
+            <a:noFill/>
+          </a:ln>
+          <a:effectLst/>
+        </p:spPr>
+        <p:style>
+          <a:lnRef idx="2">
+            <a:schemeClr val="accent1">
+              <a:shade val="50000"/>
+            </a:schemeClr>
+          </a:lnRef>
+          <a:fillRef idx="1">
+            <a:schemeClr val="accent1"/>
+          </a:fillRef>
+          <a:effectRef idx="0">
+            <a:schemeClr val="accent1"/>
+          </a:effectRef>
+          <a:fontRef idx="minor">
+            <a:schemeClr val="lt1"/>
+          </a:fontRef>
+        </p:style>
+        <p:txBody>
+          <a:bodyPr rtlCol="0" anchor="ctr"/>
+          <a:lstStyle/>
+          <a:p>
+            <a:pPr marL="0" marR="0" lvl="0" indent="0" algn="ctr" defTabSz="914400" rtl="0" eaLnBrk="1" fontAlgn="auto" latinLnBrk="0" hangingPunct="1">
+              <a:lnSpc>
+                <a:spcPct val="100000"/>
+              </a:lnSpc>
+              <a:spcBef>
+                <a:spcPts val="0"/>
+              </a:spcBef>
+              <a:spcAft>
+                <a:spcPts val="0"/>
+              </a:spcAft>
+              <a:buClrTx/>
+              <a:buSzTx/>
+              <a:buFontTx/>
+              <a:buNone/>
+              <a:tabLst/>
+              <a:defRPr/>
+            </a:pPr>
+            <a:endParaRPr kumimoji="0" lang="en-US" sz="1800" b="0" i="0" u="none" strike="noStrike" kern="1200" cap="none" spc="0" normalizeH="0" baseline="0" noProof="0">
+              <a:ln>
+                <a:noFill/>
+              </a:ln>
+              <a:solidFill>
+                <a:prstClr val="white"/>
+              </a:solidFill>
+              <a:effectLst/>
+              <a:uLnTx/>
+              <a:uFillTx/>
+              <a:latin typeface="Calibri" panose="020F0502020204030204"/>
+              <a:ea typeface="+mn-ea"/>
+              <a:cs typeface="+mn-cs"/>
+            </a:endParaRPr>
+          </a:p>
+        </p:txBody>
+      </p:sp>
+      <p:sp>
+        <p:nvSpPr>
+          <p:cNvPr id="6" name="文本框 5">
+            <a:extLst>
+              <a:ext uri="{FF2B5EF4-FFF2-40B4-BE49-F238E27FC236}">
+                <a16:creationId xmlns:a16="http://schemas.microsoft.com/office/drawing/2014/main" id="{3BF3DC7A-B9F3-4B68-1EDA-964D789CA023}"/>
+              </a:ext>
+            </a:extLst>
+          </p:cNvPr>
+          <p:cNvSpPr txBox="1"/>
+          <p:nvPr/>
+        </p:nvSpPr>
+        <p:spPr>
+          <a:xfrm>
+            <a:off x="371094" y="2718054"/>
+            <a:ext cx="3438906" cy="3764107"/>
+          </a:xfrm>
+          <a:prstGeom prst="rect">
+            <a:avLst/>
+          </a:prstGeom>
+        </p:spPr>
+        <p:txBody>
+          <a:bodyPr wrap="square" rtlCol="0">
+            <a:spAutoFit/>
+          </a:bodyPr>
+          <a:lstStyle/>
+          <a:p>
+            <a:pPr indent="-228600">
+              <a:lnSpc>
+                <a:spcPct val="90000"/>
+              </a:lnSpc>
+              <a:spcAft>
+                <a:spcPts val="600"/>
+              </a:spcAft>
+              <a:buFont typeface="Arial" panose="020B0604020202020204" pitchFamily="34" charset="0"/>
+              <a:buChar char="•"/>
+            </a:pPr>
+            <a:r>
+              <a:rPr lang="en-US" altLang="zh-CN" sz="1700" dirty="0"/>
+              <a:t>Full Cifar-10 dataset , 10 classes</a:t>
+            </a:r>
+          </a:p>
+          <a:p>
+            <a:pPr indent="-228600">
+              <a:lnSpc>
+                <a:spcPct val="90000"/>
+              </a:lnSpc>
+              <a:spcAft>
+                <a:spcPts val="600"/>
+              </a:spcAft>
+              <a:buFont typeface="Arial" panose="020B0604020202020204" pitchFamily="34" charset="0"/>
+              <a:buChar char="•"/>
+            </a:pPr>
+            <a:r>
+              <a:rPr lang="en-US" altLang="zh-CN" sz="1700" dirty="0"/>
+              <a:t>Epoch = 30</a:t>
+            </a:r>
+          </a:p>
+          <a:p>
+            <a:pPr indent="-228600">
+              <a:lnSpc>
+                <a:spcPct val="90000"/>
+              </a:lnSpc>
+              <a:spcAft>
+                <a:spcPts val="600"/>
+              </a:spcAft>
+              <a:buFont typeface="Arial" panose="020B0604020202020204" pitchFamily="34" charset="0"/>
+              <a:buChar char="•"/>
+            </a:pPr>
+            <a:r>
+              <a:rPr lang="en-US" altLang="zh-CN" sz="1700" dirty="0" err="1"/>
+              <a:t>Batch_size</a:t>
+            </a:r>
+            <a:r>
+              <a:rPr lang="en-US" altLang="zh-CN" sz="1700" dirty="0"/>
+              <a:t> = 64</a:t>
+            </a:r>
+          </a:p>
+          <a:p>
+            <a:pPr indent="-228600">
+              <a:lnSpc>
+                <a:spcPct val="90000"/>
+              </a:lnSpc>
+              <a:spcAft>
+                <a:spcPts val="600"/>
+              </a:spcAft>
+              <a:buFont typeface="Arial" panose="020B0604020202020204" pitchFamily="34" charset="0"/>
+              <a:buChar char="•"/>
+            </a:pPr>
+            <a:r>
+              <a:rPr lang="en-US" altLang="zh-CN" sz="1700" dirty="0" err="1"/>
+              <a:t>Patch_size</a:t>
+            </a:r>
+            <a:r>
+              <a:rPr lang="en-US" altLang="zh-CN" sz="1700" dirty="0"/>
+              <a:t> = 8</a:t>
+            </a:r>
+          </a:p>
+          <a:p>
+            <a:pPr indent="-228600">
+              <a:lnSpc>
+                <a:spcPct val="90000"/>
+              </a:lnSpc>
+              <a:spcAft>
+                <a:spcPts val="600"/>
+              </a:spcAft>
+              <a:buFont typeface="Arial" panose="020B0604020202020204" pitchFamily="34" charset="0"/>
+              <a:buChar char="•"/>
+            </a:pPr>
+            <a:r>
+              <a:rPr lang="en-US" altLang="zh-CN" sz="1700" dirty="0"/>
+              <a:t>Dim = 128</a:t>
+            </a:r>
+          </a:p>
+          <a:p>
+            <a:pPr indent="-228600">
+              <a:lnSpc>
+                <a:spcPct val="90000"/>
+              </a:lnSpc>
+              <a:spcAft>
+                <a:spcPts val="600"/>
+              </a:spcAft>
+              <a:buFont typeface="Arial" panose="020B0604020202020204" pitchFamily="34" charset="0"/>
+              <a:buChar char="•"/>
+            </a:pPr>
+            <a:r>
+              <a:rPr lang="en-US" altLang="zh-CN" sz="1700" dirty="0">
+                <a:solidFill>
+                  <a:srgbClr val="FF0000"/>
+                </a:solidFill>
+              </a:rPr>
+              <a:t>Depth = 24</a:t>
+            </a:r>
+          </a:p>
+          <a:p>
+            <a:pPr indent="-228600">
+              <a:lnSpc>
+                <a:spcPct val="90000"/>
+              </a:lnSpc>
+              <a:spcAft>
+                <a:spcPts val="600"/>
+              </a:spcAft>
+              <a:buFont typeface="Arial" panose="020B0604020202020204" pitchFamily="34" charset="0"/>
+              <a:buChar char="•"/>
+            </a:pPr>
+            <a:r>
+              <a:rPr lang="en-US" altLang="zh-CN" sz="1700" dirty="0"/>
+              <a:t>Heads = 8</a:t>
+            </a:r>
+          </a:p>
+          <a:p>
+            <a:pPr indent="-228600">
+              <a:lnSpc>
+                <a:spcPct val="90000"/>
+              </a:lnSpc>
+              <a:spcAft>
+                <a:spcPts val="600"/>
+              </a:spcAft>
+              <a:buFont typeface="Arial" panose="020B0604020202020204" pitchFamily="34" charset="0"/>
+              <a:buChar char="•"/>
+            </a:pPr>
+            <a:r>
+              <a:rPr lang="en-US" altLang="zh-CN" sz="1700" dirty="0" err="1"/>
+              <a:t>Mlp_dim</a:t>
+            </a:r>
+            <a:r>
+              <a:rPr lang="en-US" altLang="zh-CN" sz="1700" dirty="0"/>
+              <a:t> = 256</a:t>
+            </a:r>
+          </a:p>
+          <a:p>
+            <a:pPr indent="-228600">
+              <a:lnSpc>
+                <a:spcPct val="90000"/>
+              </a:lnSpc>
+              <a:spcAft>
+                <a:spcPts val="600"/>
+              </a:spcAft>
+              <a:buFont typeface="Arial" panose="020B0604020202020204" pitchFamily="34" charset="0"/>
+              <a:buChar char="•"/>
+            </a:pPr>
+            <a:endParaRPr lang="en-US" altLang="zh-CN" sz="1700" dirty="0"/>
+          </a:p>
+          <a:p>
+            <a:pPr indent="-228600">
+              <a:lnSpc>
+                <a:spcPct val="90000"/>
+              </a:lnSpc>
+              <a:spcAft>
+                <a:spcPts val="600"/>
+              </a:spcAft>
+              <a:buFont typeface="Arial" panose="020B0604020202020204" pitchFamily="34" charset="0"/>
+              <a:buChar char="•"/>
+            </a:pPr>
+            <a:endParaRPr lang="en-US" altLang="zh-CN" sz="1700" dirty="0"/>
+          </a:p>
+          <a:p>
+            <a:pPr indent="-228600">
+              <a:lnSpc>
+                <a:spcPct val="90000"/>
+              </a:lnSpc>
+              <a:spcAft>
+                <a:spcPts val="600"/>
+              </a:spcAft>
+              <a:buFont typeface="Arial" panose="020B0604020202020204" pitchFamily="34" charset="0"/>
+              <a:buChar char="•"/>
+            </a:pPr>
+            <a:r>
+              <a:rPr lang="en-US" altLang="zh-CN" sz="1700" dirty="0"/>
+              <a:t>Test accuracy = </a:t>
+            </a:r>
+            <a:r>
+              <a:rPr lang="en-US" altLang="zh-CN" sz="1700" dirty="0">
+                <a:solidFill>
+                  <a:srgbClr val="FF0000"/>
+                </a:solidFill>
+              </a:rPr>
+              <a:t>61.37%</a:t>
+            </a:r>
+          </a:p>
+          <a:p>
+            <a:pPr indent="-228600">
+              <a:lnSpc>
+                <a:spcPct val="90000"/>
+              </a:lnSpc>
+              <a:spcAft>
+                <a:spcPts val="600"/>
+              </a:spcAft>
+              <a:buFont typeface="Arial" panose="020B0604020202020204" pitchFamily="34" charset="0"/>
+              <a:buChar char="•"/>
+            </a:pPr>
+            <a:r>
+              <a:rPr lang="en-US" altLang="zh-CN" sz="1700" dirty="0"/>
+              <a:t>Time Cost = 60min</a:t>
+            </a:r>
+          </a:p>
+        </p:txBody>
+      </p:sp>
+      <p:pic>
+        <p:nvPicPr>
+          <p:cNvPr id="4" name="图片 3">
+            <a:extLst>
+              <a:ext uri="{FF2B5EF4-FFF2-40B4-BE49-F238E27FC236}">
+                <a16:creationId xmlns:a16="http://schemas.microsoft.com/office/drawing/2014/main" id="{233BB4E5-42EF-FC35-9230-59DA4CD35B43}"/>
+              </a:ext>
+            </a:extLst>
+          </p:cNvPr>
+          <p:cNvPicPr>
+            <a:picLocks noChangeAspect="1"/>
+          </p:cNvPicPr>
+          <p:nvPr/>
+        </p:nvPicPr>
+        <p:blipFill>
+          <a:blip r:embed="rId3"/>
+          <a:stretch>
+            <a:fillRect/>
+          </a:stretch>
+        </p:blipFill>
+        <p:spPr>
+          <a:xfrm>
+            <a:off x="4205131" y="1129532"/>
+            <a:ext cx="7432874" cy="4598935"/>
+          </a:xfrm>
+          <a:prstGeom prst="rect">
+            <a:avLst/>
+          </a:prstGeom>
+        </p:spPr>
+      </p:pic>
+    </p:spTree>
+    <p:extLst>
+      <p:ext uri="{BB962C8B-B14F-4D97-AF65-F5344CB8AC3E}">
+        <p14:creationId xmlns:p14="http://schemas.microsoft.com/office/powerpoint/2010/main" val="753108182"/>
+      </p:ext>
+    </p:extLst>
+  </p:cSld>
+  <p:clrMapOvr>
+    <a:masterClrMapping/>
+  </p:clrMapOvr>
+</p:sld>
+</file>
+
+<file path=ppt/slides/slide15.xml><?xml version="1.0" encoding="utf-8"?>
+<p:sld xmlns:a="http://schemas.openxmlformats.org/drawingml/2006/main" xmlns:r="http://schemas.openxmlformats.org/officeDocument/2006/relationships" xmlns:p="http://schemas.openxmlformats.org/presentationml/2006/main">
+  <p:cSld>
+    <p:spTree>
+      <p:nvGrpSpPr>
+        <p:cNvPr id="1" name="">
+          <a:extLst>
+            <a:ext uri="{FF2B5EF4-FFF2-40B4-BE49-F238E27FC236}">
+              <a16:creationId xmlns:a16="http://schemas.microsoft.com/office/drawing/2014/main" id="{212201A6-3717-0AE1-0939-013C358F1739}"/>
+            </a:ext>
+          </a:extLst>
+        </p:cNvPr>
+        <p:cNvGrpSpPr/>
+        <p:nvPr/>
+      </p:nvGrpSpPr>
+      <p:grpSpPr>
+        <a:xfrm>
+          <a:off x="0" y="0"/>
+          <a:ext cx="0" cy="0"/>
+          <a:chOff x="0" y="0"/>
+          <a:chExt cx="0" cy="0"/>
+        </a:xfrm>
+      </p:grpSpPr>
+      <p:sp useBgFill="1">
+        <p:nvSpPr>
+          <p:cNvPr id="48" name="Rectangle 47">
+            <a:extLst>
+              <a:ext uri="{FF2B5EF4-FFF2-40B4-BE49-F238E27FC236}">
+                <a16:creationId xmlns:a16="http://schemas.microsoft.com/office/drawing/2014/main" id="{702124B4-2B8A-43EA-58D8-43F38119552B}"/>
+              </a:ext>
+              <a:ext uri="{C183D7F6-B498-43B3-948B-1728B52AA6E4}">
+                <adec:decorative xmlns:adec="http://schemas.microsoft.com/office/drawing/2017/decorative" val="1"/>
+              </a:ext>
+            </a:extLst>
+          </p:cNvPr>
+          <p:cNvSpPr>
+            <a:spLocks noGrp="1" noRot="1" noChangeAspect="1" noMove="1" noResize="1" noEditPoints="1" noAdjustHandles="1" noChangeArrowheads="1" noChangeShapeType="1" noTextEdit="1"/>
+          </p:cNvSpPr>
+          <p:nvPr>
+            <p:extLst>
+              <p:ext uri="{386F3935-93C4-4BCD-93E2-E3B085C9AB24}">
+                <p16:designElem xmlns:p16="http://schemas.microsoft.com/office/powerpoint/2015/main" val="1"/>
+              </p:ext>
+            </p:extLst>
+          </p:nvPr>
+        </p:nvSpPr>
+        <p:spPr>
+          <a:xfrm>
+            <a:off x="0" y="0"/>
+            <a:ext cx="12192000" cy="6858000"/>
+          </a:xfrm>
+          <a:prstGeom prst="rect">
+            <a:avLst/>
+          </a:prstGeom>
+          <a:ln>
+            <a:noFill/>
+          </a:ln>
+        </p:spPr>
+        <p:style>
+          <a:lnRef idx="2">
+            <a:schemeClr val="accent1">
+              <a:shade val="50000"/>
+            </a:schemeClr>
+          </a:lnRef>
+          <a:fillRef idx="1">
+            <a:schemeClr val="accent1"/>
+          </a:fillRef>
+          <a:effectRef idx="0">
+            <a:schemeClr val="accent1"/>
+          </a:effectRef>
+          <a:fontRef idx="minor">
+            <a:schemeClr val="lt1"/>
+          </a:fontRef>
+        </p:style>
+        <p:txBody>
+          <a:bodyPr rtlCol="0" anchor="ctr"/>
+          <a:lstStyle/>
+          <a:p>
+            <a:pPr algn="ctr"/>
+            <a:endParaRPr lang="en-US"/>
+          </a:p>
+        </p:txBody>
+      </p:sp>
+      <p:sp useBgFill="1">
+        <p:nvSpPr>
+          <p:cNvPr id="50" name="Freeform: Shape 49">
+            <a:extLst>
+              <a:ext uri="{FF2B5EF4-FFF2-40B4-BE49-F238E27FC236}">
+                <a16:creationId xmlns:a16="http://schemas.microsoft.com/office/drawing/2014/main" id="{EB72E5D4-FF6E-D6B7-22AC-58B58E4ADB28}"/>
+              </a:ext>
+              <a:ext uri="{C183D7F6-B498-43B3-948B-1728B52AA6E4}">
+                <adec:decorative xmlns:adec="http://schemas.microsoft.com/office/drawing/2017/decorative" val="1"/>
+              </a:ext>
+            </a:extLst>
+          </p:cNvPr>
+          <p:cNvSpPr>
+            <a:spLocks noGrp="1" noRot="1" noChangeAspect="1" noMove="1" noResize="1" noEditPoints="1" noAdjustHandles="1" noChangeArrowheads="1" noChangeShapeType="1" noTextEdit="1"/>
+          </p:cNvSpPr>
+          <p:nvPr>
+            <p:extLst>
+              <p:ext uri="{386F3935-93C4-4BCD-93E2-E3B085C9AB24}">
+                <p16:designElem xmlns:p16="http://schemas.microsoft.com/office/powerpoint/2015/main" val="1"/>
+              </p:ext>
+            </p:extLst>
+          </p:nvPr>
+        </p:nvSpPr>
+        <p:spPr>
+          <a:xfrm>
+            <a:off x="-1" y="0"/>
+            <a:ext cx="4455673" cy="6858000"/>
+          </a:xfrm>
+          <a:custGeom>
+            <a:avLst/>
+            <a:gdLst>
+              <a:gd name="connsiteX0" fmla="*/ 0 w 4455673"/>
+              <a:gd name="connsiteY0" fmla="*/ 0 h 6858000"/>
+              <a:gd name="connsiteX1" fmla="*/ 3242695 w 4455673"/>
+              <a:gd name="connsiteY1" fmla="*/ 0 h 6858000"/>
+              <a:gd name="connsiteX2" fmla="*/ 3305678 w 4455673"/>
+              <a:gd name="connsiteY2" fmla="*/ 69271 h 6858000"/>
+              <a:gd name="connsiteX3" fmla="*/ 4455673 w 4455673"/>
+              <a:gd name="connsiteY3" fmla="*/ 3429000 h 6858000"/>
+              <a:gd name="connsiteX4" fmla="*/ 3305678 w 4455673"/>
+              <a:gd name="connsiteY4" fmla="*/ 6788730 h 6858000"/>
+              <a:gd name="connsiteX5" fmla="*/ 3242695 w 4455673"/>
+              <a:gd name="connsiteY5" fmla="*/ 6858000 h 6858000"/>
+              <a:gd name="connsiteX6" fmla="*/ 0 w 4455673"/>
+              <a:gd name="connsiteY6" fmla="*/ 6858000 h 6858000"/>
+            </a:gdLst>
+            <a:ahLst/>
+            <a:cxnLst>
+              <a:cxn ang="0">
+                <a:pos x="connsiteX0" y="connsiteY0"/>
+              </a:cxn>
+              <a:cxn ang="0">
+                <a:pos x="connsiteX1" y="connsiteY1"/>
+              </a:cxn>
+              <a:cxn ang="0">
+                <a:pos x="connsiteX2" y="connsiteY2"/>
+              </a:cxn>
+              <a:cxn ang="0">
+                <a:pos x="connsiteX3" y="connsiteY3"/>
+              </a:cxn>
+              <a:cxn ang="0">
+                <a:pos x="connsiteX4" y="connsiteY4"/>
+              </a:cxn>
+              <a:cxn ang="0">
+                <a:pos x="connsiteX5" y="connsiteY5"/>
+              </a:cxn>
+              <a:cxn ang="0">
+                <a:pos x="connsiteX6" y="connsiteY6"/>
+              </a:cxn>
+            </a:cxnLst>
+            <a:rect l="l" t="t" r="r" b="b"/>
+            <a:pathLst>
+              <a:path w="4455673" h="6858000">
+                <a:moveTo>
+                  <a:pt x="0" y="0"/>
+                </a:moveTo>
+                <a:lnTo>
+                  <a:pt x="3242695" y="0"/>
+                </a:lnTo>
+                <a:lnTo>
+                  <a:pt x="3305678" y="69271"/>
+                </a:lnTo>
+                <a:cubicBezTo>
+                  <a:pt x="4016204" y="929100"/>
+                  <a:pt x="4455673" y="2116944"/>
+                  <a:pt x="4455673" y="3429000"/>
+                </a:cubicBezTo>
+                <a:cubicBezTo>
+                  <a:pt x="4455673" y="4741056"/>
+                  <a:pt x="4016204" y="5928900"/>
+                  <a:pt x="3305678" y="6788730"/>
+                </a:cubicBezTo>
+                <a:lnTo>
+                  <a:pt x="3242695" y="6858000"/>
+                </a:lnTo>
+                <a:lnTo>
+                  <a:pt x="0" y="6858000"/>
+                </a:lnTo>
+                <a:close/>
+              </a:path>
+            </a:pathLst>
+          </a:custGeom>
+          <a:ln w="9525">
+            <a:solidFill>
+              <a:srgbClr val="EFEFEF"/>
+            </a:solidFill>
+          </a:ln>
+          <a:effectLst>
+            <a:outerShdw blurRad="88900" dist="38100" algn="l" rotWithShape="0">
+              <a:schemeClr val="bg1">
+                <a:lumMod val="85000"/>
+                <a:alpha val="50000"/>
+              </a:schemeClr>
+            </a:outerShdw>
+          </a:effectLst>
+        </p:spPr>
+        <p:style>
+          <a:lnRef idx="2">
+            <a:schemeClr val="accent1">
+              <a:shade val="50000"/>
+            </a:schemeClr>
+          </a:lnRef>
+          <a:fillRef idx="1">
+            <a:schemeClr val="accent1"/>
+          </a:fillRef>
+          <a:effectRef idx="0">
+            <a:schemeClr val="accent1"/>
+          </a:effectRef>
+          <a:fontRef idx="minor">
+            <a:schemeClr val="lt1"/>
+          </a:fontRef>
+        </p:style>
+        <p:txBody>
+          <a:bodyPr wrap="square" rtlCol="0" anchor="ctr">
+            <a:noAutofit/>
+          </a:bodyPr>
+          <a:lstStyle/>
+          <a:p>
+            <a:pPr marL="0" marR="0" lvl="0" indent="0" algn="ctr" defTabSz="914400" rtl="0" eaLnBrk="1" fontAlgn="auto" latinLnBrk="0" hangingPunct="1">
+              <a:lnSpc>
+                <a:spcPct val="100000"/>
+              </a:lnSpc>
+              <a:spcBef>
+                <a:spcPts val="0"/>
+              </a:spcBef>
+              <a:spcAft>
+                <a:spcPts val="0"/>
+              </a:spcAft>
+              <a:buClrTx/>
+              <a:buSzTx/>
+              <a:buFontTx/>
+              <a:buNone/>
+              <a:tabLst/>
+              <a:defRPr/>
+            </a:pPr>
+            <a:endParaRPr kumimoji="0" lang="en-US" sz="1800" b="0" i="0" u="none" strike="noStrike" kern="1200" cap="none" spc="0" normalizeH="0" baseline="0" noProof="0">
+              <a:ln>
+                <a:noFill/>
+              </a:ln>
+              <a:solidFill>
+                <a:prstClr val="white"/>
+              </a:solidFill>
+              <a:effectLst/>
+              <a:uLnTx/>
+              <a:uFillTx/>
+              <a:latin typeface="Calibri" panose="020F0502020204030204"/>
+              <a:ea typeface="+mn-ea"/>
+              <a:cs typeface="+mn-cs"/>
+            </a:endParaRPr>
+          </a:p>
+        </p:txBody>
+      </p:sp>
+      <p:sp useBgFill="1">
+        <p:nvSpPr>
+          <p:cNvPr id="52" name="Freeform: Shape 51">
+            <a:extLst>
+              <a:ext uri="{FF2B5EF4-FFF2-40B4-BE49-F238E27FC236}">
+                <a16:creationId xmlns:a16="http://schemas.microsoft.com/office/drawing/2014/main" id="{49C67D85-7B75-131F-A694-D70310B9CCC9}"/>
+              </a:ext>
+              <a:ext uri="{C183D7F6-B498-43B3-948B-1728B52AA6E4}">
+                <adec:decorative xmlns:adec="http://schemas.microsoft.com/office/drawing/2017/decorative" val="1"/>
+              </a:ext>
+            </a:extLst>
+          </p:cNvPr>
+          <p:cNvSpPr>
+            <a:spLocks noGrp="1" noRot="1" noChangeAspect="1" noMove="1" noResize="1" noEditPoints="1" noAdjustHandles="1" noChangeArrowheads="1" noChangeShapeType="1" noTextEdit="1"/>
+          </p:cNvSpPr>
+          <p:nvPr>
+            <p:extLst>
+              <p:ext uri="{386F3935-93C4-4BCD-93E2-E3B085C9AB24}">
+                <p16:designElem xmlns:p16="http://schemas.microsoft.com/office/powerpoint/2015/main" val="1"/>
+              </p:ext>
+            </p:extLst>
+          </p:nvPr>
+        </p:nvSpPr>
+        <p:spPr>
+          <a:xfrm>
+            <a:off x="0" y="0"/>
+            <a:ext cx="4446529" cy="6858000"/>
+          </a:xfrm>
+          <a:custGeom>
+            <a:avLst/>
+            <a:gdLst>
+              <a:gd name="connsiteX0" fmla="*/ 0 w 4446529"/>
+              <a:gd name="connsiteY0" fmla="*/ 0 h 6858000"/>
+              <a:gd name="connsiteX1" fmla="*/ 3233551 w 4446529"/>
+              <a:gd name="connsiteY1" fmla="*/ 0 h 6858000"/>
+              <a:gd name="connsiteX2" fmla="*/ 3296534 w 4446529"/>
+              <a:gd name="connsiteY2" fmla="*/ 69271 h 6858000"/>
+              <a:gd name="connsiteX3" fmla="*/ 4446529 w 4446529"/>
+              <a:gd name="connsiteY3" fmla="*/ 3429000 h 6858000"/>
+              <a:gd name="connsiteX4" fmla="*/ 3296534 w 4446529"/>
+              <a:gd name="connsiteY4" fmla="*/ 6788730 h 6858000"/>
+              <a:gd name="connsiteX5" fmla="*/ 3233551 w 4446529"/>
+              <a:gd name="connsiteY5" fmla="*/ 6858000 h 6858000"/>
+              <a:gd name="connsiteX6" fmla="*/ 0 w 4446529"/>
+              <a:gd name="connsiteY6" fmla="*/ 6858000 h 6858000"/>
+            </a:gdLst>
+            <a:ahLst/>
+            <a:cxnLst>
+              <a:cxn ang="0">
+                <a:pos x="connsiteX0" y="connsiteY0"/>
+              </a:cxn>
+              <a:cxn ang="0">
+                <a:pos x="connsiteX1" y="connsiteY1"/>
+              </a:cxn>
+              <a:cxn ang="0">
+                <a:pos x="connsiteX2" y="connsiteY2"/>
+              </a:cxn>
+              <a:cxn ang="0">
+                <a:pos x="connsiteX3" y="connsiteY3"/>
+              </a:cxn>
+              <a:cxn ang="0">
+                <a:pos x="connsiteX4" y="connsiteY4"/>
+              </a:cxn>
+              <a:cxn ang="0">
+                <a:pos x="connsiteX5" y="connsiteY5"/>
+              </a:cxn>
+              <a:cxn ang="0">
+                <a:pos x="connsiteX6" y="connsiteY6"/>
+              </a:cxn>
+            </a:cxnLst>
+            <a:rect l="l" t="t" r="r" b="b"/>
+            <a:pathLst>
+              <a:path w="4446529" h="6858000">
+                <a:moveTo>
+                  <a:pt x="0" y="0"/>
+                </a:moveTo>
+                <a:lnTo>
+                  <a:pt x="3233551" y="0"/>
+                </a:lnTo>
+                <a:lnTo>
+                  <a:pt x="3296534" y="69271"/>
+                </a:lnTo>
+                <a:cubicBezTo>
+                  <a:pt x="4007060" y="929100"/>
+                  <a:pt x="4446529" y="2116944"/>
+                  <a:pt x="4446529" y="3429000"/>
+                </a:cubicBezTo>
+                <a:cubicBezTo>
+                  <a:pt x="4446529" y="4741056"/>
+                  <a:pt x="4007060" y="5928900"/>
+                  <a:pt x="3296534" y="6788730"/>
+                </a:cubicBezTo>
+                <a:lnTo>
+                  <a:pt x="3233551" y="6858000"/>
+                </a:lnTo>
+                <a:lnTo>
+                  <a:pt x="0" y="6858000"/>
+                </a:lnTo>
+                <a:close/>
+              </a:path>
+            </a:pathLst>
+          </a:custGeom>
+          <a:ln w="9525">
+            <a:noFill/>
+          </a:ln>
+          <a:effectLst/>
+        </p:spPr>
+        <p:style>
+          <a:lnRef idx="2">
+            <a:schemeClr val="accent1">
+              <a:shade val="50000"/>
+            </a:schemeClr>
+          </a:lnRef>
+          <a:fillRef idx="1">
+            <a:schemeClr val="accent1"/>
+          </a:fillRef>
+          <a:effectRef idx="0">
+            <a:schemeClr val="accent1"/>
+          </a:effectRef>
+          <a:fontRef idx="minor">
+            <a:schemeClr val="lt1"/>
+          </a:fontRef>
+        </p:style>
+        <p:txBody>
+          <a:bodyPr wrap="square" rtlCol="0" anchor="ctr">
+            <a:noAutofit/>
+          </a:bodyPr>
+          <a:lstStyle/>
+          <a:p>
+            <a:pPr marL="0" marR="0" lvl="0" indent="0" algn="ctr" defTabSz="914400" rtl="0" eaLnBrk="1" fontAlgn="auto" latinLnBrk="0" hangingPunct="1">
+              <a:lnSpc>
+                <a:spcPct val="100000"/>
+              </a:lnSpc>
+              <a:spcBef>
+                <a:spcPts val="0"/>
+              </a:spcBef>
+              <a:spcAft>
+                <a:spcPts val="0"/>
+              </a:spcAft>
+              <a:buClrTx/>
+              <a:buSzTx/>
+              <a:buFontTx/>
+              <a:buNone/>
+              <a:tabLst/>
+              <a:defRPr/>
+            </a:pPr>
+            <a:endParaRPr kumimoji="0" lang="en-US" sz="1800" b="0" i="0" u="none" strike="noStrike" kern="1200" cap="none" spc="0" normalizeH="0" baseline="0" noProof="0">
+              <a:ln>
+                <a:noFill/>
+              </a:ln>
+              <a:solidFill>
+                <a:prstClr val="white"/>
+              </a:solidFill>
+              <a:effectLst/>
+              <a:uLnTx/>
+              <a:uFillTx/>
+              <a:latin typeface="Calibri" panose="020F0502020204030204"/>
+              <a:ea typeface="+mn-ea"/>
+              <a:cs typeface="+mn-cs"/>
+            </a:endParaRPr>
+          </a:p>
+        </p:txBody>
+      </p:sp>
+      <p:sp>
+        <p:nvSpPr>
+          <p:cNvPr id="2" name="标题 1">
+            <a:extLst>
+              <a:ext uri="{FF2B5EF4-FFF2-40B4-BE49-F238E27FC236}">
+                <a16:creationId xmlns:a16="http://schemas.microsoft.com/office/drawing/2014/main" id="{60A86746-4BE2-A7AE-B573-F1C8CAACE9BB}"/>
+              </a:ext>
+            </a:extLst>
+          </p:cNvPr>
+          <p:cNvSpPr>
+            <a:spLocks noGrp="1"/>
+          </p:cNvSpPr>
+          <p:nvPr>
+            <p:ph type="title"/>
+          </p:nvPr>
+        </p:nvSpPr>
+        <p:spPr>
+          <a:xfrm>
+            <a:off x="371094" y="1161288"/>
+            <a:ext cx="3438144" cy="1239012"/>
+          </a:xfrm>
+        </p:spPr>
+        <p:txBody>
+          <a:bodyPr anchor="ctr"/>
+          <a:lstStyle/>
+          <a:p>
+            <a:r>
+              <a:rPr lang="en-US" altLang="zh-CN" sz="2800" kern="1200">
+                <a:solidFill>
+                  <a:schemeClr val="tx1"/>
+                </a:solidFill>
+                <a:latin typeface="+mj-lt"/>
+                <a:ea typeface="+mj-ea"/>
+                <a:cs typeface="+mj-cs"/>
+              </a:rPr>
+              <a:t>Baseline Vit</a:t>
+            </a:r>
+          </a:p>
+        </p:txBody>
+      </p:sp>
+      <p:sp>
+        <p:nvSpPr>
+          <p:cNvPr id="54" name="Rectangle 53">
+            <a:extLst>
+              <a:ext uri="{FF2B5EF4-FFF2-40B4-BE49-F238E27FC236}">
+                <a16:creationId xmlns:a16="http://schemas.microsoft.com/office/drawing/2014/main" id="{A09ED0B4-6930-553B-E7D5-DD2B6DBF1502}"/>
+              </a:ext>
+              <a:ext uri="{C183D7F6-B498-43B3-948B-1728B52AA6E4}">
+                <adec:decorative xmlns:adec="http://schemas.microsoft.com/office/drawing/2017/decorative" val="1"/>
+              </a:ext>
+            </a:extLst>
+          </p:cNvPr>
+          <p:cNvSpPr>
+            <a:spLocks noGrp="1" noRot="1" noChangeAspect="1" noMove="1" noResize="1" noEditPoints="1" noAdjustHandles="1" noChangeArrowheads="1" noChangeShapeType="1" noTextEdit="1"/>
+          </p:cNvSpPr>
+          <p:nvPr>
+            <p:extLst>
+              <p:ext uri="{386F3935-93C4-4BCD-93E2-E3B085C9AB24}">
+                <p16:designElem xmlns:p16="http://schemas.microsoft.com/office/powerpoint/2015/main" val="1"/>
+              </p:ext>
+            </p:extLst>
+          </p:nvPr>
+        </p:nvSpPr>
+        <p:spPr>
+          <a:xfrm>
+            <a:off x="0" y="1426546"/>
+            <a:ext cx="128016" cy="653903"/>
+          </a:xfrm>
+          <a:prstGeom prst="rect">
+            <a:avLst/>
+          </a:prstGeom>
+          <a:solidFill>
+            <a:schemeClr val="accent2"/>
+          </a:solidFill>
+          <a:ln>
+            <a:noFill/>
+          </a:ln>
+        </p:spPr>
+        <p:style>
+          <a:lnRef idx="2">
+            <a:schemeClr val="accent1">
+              <a:shade val="50000"/>
+            </a:schemeClr>
+          </a:lnRef>
+          <a:fillRef idx="1">
+            <a:schemeClr val="accent1"/>
+          </a:fillRef>
+          <a:effectRef idx="0">
+            <a:schemeClr val="accent1"/>
+          </a:effectRef>
+          <a:fontRef idx="minor">
+            <a:schemeClr val="lt1"/>
+          </a:fontRef>
+        </p:style>
+        <p:txBody>
+          <a:bodyPr rtlCol="0" anchor="ctr"/>
+          <a:lstStyle/>
+          <a:p>
+            <a:pPr algn="ctr"/>
+            <a:endParaRPr lang="en-US">
+              <a:solidFill>
+                <a:prstClr val="white"/>
+              </a:solidFill>
+              <a:latin typeface="Calibri" panose="020F0502020204030204"/>
+            </a:endParaRPr>
+          </a:p>
+        </p:txBody>
+      </p:sp>
+      <p:sp>
+        <p:nvSpPr>
+          <p:cNvPr id="56" name="Rectangle 55">
+            <a:extLst>
+              <a:ext uri="{FF2B5EF4-FFF2-40B4-BE49-F238E27FC236}">
+                <a16:creationId xmlns:a16="http://schemas.microsoft.com/office/drawing/2014/main" id="{DF438D5F-ED8A-DF02-5369-2B2AB480CB4B}"/>
+              </a:ext>
+              <a:ext uri="{C183D7F6-B498-43B3-948B-1728B52AA6E4}">
+                <adec:decorative xmlns:adec="http://schemas.microsoft.com/office/drawing/2017/decorative" val="1"/>
+              </a:ext>
+            </a:extLst>
+          </p:cNvPr>
+          <p:cNvSpPr>
+            <a:spLocks noGrp="1" noRot="1" noChangeAspect="1" noMove="1" noResize="1" noEditPoints="1" noAdjustHandles="1" noChangeArrowheads="1" noChangeShapeType="1" noTextEdit="1"/>
+          </p:cNvSpPr>
+          <p:nvPr>
+            <p:extLst>
+              <p:ext uri="{386F3935-93C4-4BCD-93E2-E3B085C9AB24}">
+                <p16:designElem xmlns:p16="http://schemas.microsoft.com/office/powerpoint/2015/main" val="1"/>
+              </p:ext>
+            </p:extLst>
+          </p:nvPr>
+        </p:nvSpPr>
+        <p:spPr>
+          <a:xfrm>
+            <a:off x="395893" y="2443480"/>
+            <a:ext cx="3383280" cy="18288"/>
+          </a:xfrm>
+          <a:prstGeom prst="rect">
+            <a:avLst/>
+          </a:prstGeom>
+          <a:solidFill>
+            <a:srgbClr val="D5D5D5"/>
+          </a:solidFill>
+          <a:ln w="3175">
+            <a:noFill/>
+          </a:ln>
+          <a:effectLst/>
+        </p:spPr>
+        <p:style>
+          <a:lnRef idx="2">
+            <a:schemeClr val="accent1">
+              <a:shade val="50000"/>
+            </a:schemeClr>
+          </a:lnRef>
+          <a:fillRef idx="1">
+            <a:schemeClr val="accent1"/>
+          </a:fillRef>
+          <a:effectRef idx="0">
+            <a:schemeClr val="accent1"/>
+          </a:effectRef>
+          <a:fontRef idx="minor">
+            <a:schemeClr val="lt1"/>
+          </a:fontRef>
+        </p:style>
+        <p:txBody>
+          <a:bodyPr rtlCol="0" anchor="ctr"/>
+          <a:lstStyle/>
+          <a:p>
+            <a:pPr marL="0" marR="0" lvl="0" indent="0" algn="ctr" defTabSz="914400" rtl="0" eaLnBrk="1" fontAlgn="auto" latinLnBrk="0" hangingPunct="1">
+              <a:lnSpc>
+                <a:spcPct val="100000"/>
+              </a:lnSpc>
+              <a:spcBef>
+                <a:spcPts val="0"/>
+              </a:spcBef>
+              <a:spcAft>
+                <a:spcPts val="0"/>
+              </a:spcAft>
+              <a:buClrTx/>
+              <a:buSzTx/>
+              <a:buFontTx/>
+              <a:buNone/>
+              <a:tabLst/>
+              <a:defRPr/>
+            </a:pPr>
+            <a:endParaRPr kumimoji="0" lang="en-US" sz="1800" b="0" i="0" u="none" strike="noStrike" kern="1200" cap="none" spc="0" normalizeH="0" baseline="0" noProof="0">
+              <a:ln>
+                <a:noFill/>
+              </a:ln>
+              <a:solidFill>
+                <a:prstClr val="white"/>
+              </a:solidFill>
+              <a:effectLst/>
+              <a:uLnTx/>
+              <a:uFillTx/>
+              <a:latin typeface="Calibri" panose="020F0502020204030204"/>
+              <a:ea typeface="+mn-ea"/>
+              <a:cs typeface="+mn-cs"/>
+            </a:endParaRPr>
+          </a:p>
+        </p:txBody>
+      </p:sp>
+      <p:sp>
+        <p:nvSpPr>
+          <p:cNvPr id="6" name="文本框 5">
+            <a:extLst>
+              <a:ext uri="{FF2B5EF4-FFF2-40B4-BE49-F238E27FC236}">
+                <a16:creationId xmlns:a16="http://schemas.microsoft.com/office/drawing/2014/main" id="{A2061576-C2A0-D5C0-503F-74F6079DB34D}"/>
+              </a:ext>
+            </a:extLst>
+          </p:cNvPr>
+          <p:cNvSpPr txBox="1"/>
+          <p:nvPr/>
+        </p:nvSpPr>
+        <p:spPr>
+          <a:xfrm>
+            <a:off x="371094" y="2718054"/>
+            <a:ext cx="3438906" cy="4076501"/>
+          </a:xfrm>
+          <a:prstGeom prst="rect">
+            <a:avLst/>
+          </a:prstGeom>
+        </p:spPr>
+        <p:txBody>
+          <a:bodyPr wrap="square" rtlCol="0">
+            <a:spAutoFit/>
+          </a:bodyPr>
+          <a:lstStyle/>
+          <a:p>
+            <a:pPr indent="-228600">
+              <a:lnSpc>
+                <a:spcPct val="90000"/>
+              </a:lnSpc>
+              <a:spcAft>
+                <a:spcPts val="600"/>
+              </a:spcAft>
+              <a:buFont typeface="Arial" panose="020B0604020202020204" pitchFamily="34" charset="0"/>
+              <a:buChar char="•"/>
+            </a:pPr>
+            <a:r>
+              <a:rPr lang="en-US" altLang="zh-CN" sz="1700" dirty="0"/>
+              <a:t>Full Cifar-10 dataset , 10 classes</a:t>
+            </a:r>
+          </a:p>
+          <a:p>
+            <a:pPr indent="-228600">
+              <a:lnSpc>
+                <a:spcPct val="90000"/>
+              </a:lnSpc>
+              <a:spcAft>
+                <a:spcPts val="600"/>
+              </a:spcAft>
+              <a:buFont typeface="Arial" panose="020B0604020202020204" pitchFamily="34" charset="0"/>
+              <a:buChar char="•"/>
+            </a:pPr>
+            <a:r>
+              <a:rPr lang="en-US" altLang="zh-CN" sz="1700" dirty="0"/>
+              <a:t>Epoch = 30</a:t>
+            </a:r>
+          </a:p>
+          <a:p>
+            <a:pPr indent="-228600">
+              <a:lnSpc>
+                <a:spcPct val="90000"/>
+              </a:lnSpc>
+              <a:spcAft>
+                <a:spcPts val="600"/>
+              </a:spcAft>
+              <a:buFont typeface="Arial" panose="020B0604020202020204" pitchFamily="34" charset="0"/>
+              <a:buChar char="•"/>
+            </a:pPr>
+            <a:r>
+              <a:rPr lang="en-US" altLang="zh-CN" sz="1700" dirty="0" err="1"/>
+              <a:t>Batch_size</a:t>
+            </a:r>
+            <a:r>
+              <a:rPr lang="en-US" altLang="zh-CN" sz="1700" dirty="0"/>
+              <a:t> = 64</a:t>
+            </a:r>
+          </a:p>
+          <a:p>
+            <a:pPr indent="-228600">
+              <a:lnSpc>
+                <a:spcPct val="90000"/>
+              </a:lnSpc>
+              <a:spcAft>
+                <a:spcPts val="600"/>
+              </a:spcAft>
+              <a:buFont typeface="Arial" panose="020B0604020202020204" pitchFamily="34" charset="0"/>
+              <a:buChar char="•"/>
+            </a:pPr>
+            <a:r>
+              <a:rPr lang="en-US" altLang="zh-CN" sz="1700" dirty="0" err="1"/>
+              <a:t>Patch_size</a:t>
+            </a:r>
+            <a:r>
+              <a:rPr lang="en-US" altLang="zh-CN" sz="1700" dirty="0"/>
+              <a:t> = 8</a:t>
+            </a:r>
+          </a:p>
+          <a:p>
+            <a:pPr indent="-228600">
+              <a:lnSpc>
+                <a:spcPct val="90000"/>
+              </a:lnSpc>
+              <a:spcAft>
+                <a:spcPts val="600"/>
+              </a:spcAft>
+              <a:buFont typeface="Arial" panose="020B0604020202020204" pitchFamily="34" charset="0"/>
+              <a:buChar char="•"/>
+            </a:pPr>
+            <a:r>
+              <a:rPr lang="en-US" altLang="zh-CN" sz="1700" dirty="0"/>
+              <a:t>Dim = 128</a:t>
+            </a:r>
+          </a:p>
+          <a:p>
+            <a:pPr indent="-228600">
+              <a:lnSpc>
+                <a:spcPct val="90000"/>
+              </a:lnSpc>
+              <a:spcAft>
+                <a:spcPts val="600"/>
+              </a:spcAft>
+              <a:buFont typeface="Arial" panose="020B0604020202020204" pitchFamily="34" charset="0"/>
+              <a:buChar char="•"/>
+            </a:pPr>
+            <a:r>
+              <a:rPr lang="en-US" altLang="zh-CN" sz="1700" dirty="0"/>
+              <a:t>Depth = 12</a:t>
+            </a:r>
+          </a:p>
+          <a:p>
+            <a:pPr indent="-228600">
+              <a:lnSpc>
+                <a:spcPct val="90000"/>
+              </a:lnSpc>
+              <a:spcAft>
+                <a:spcPts val="600"/>
+              </a:spcAft>
+              <a:buFont typeface="Arial" panose="020B0604020202020204" pitchFamily="34" charset="0"/>
+              <a:buChar char="•"/>
+            </a:pPr>
+            <a:r>
+              <a:rPr lang="en-US" altLang="zh-CN" sz="1700" dirty="0">
+                <a:solidFill>
+                  <a:srgbClr val="FF0000"/>
+                </a:solidFill>
+              </a:rPr>
+              <a:t>Heads = 16</a:t>
+            </a:r>
+          </a:p>
+          <a:p>
+            <a:pPr indent="-228600">
+              <a:lnSpc>
+                <a:spcPct val="90000"/>
+              </a:lnSpc>
+              <a:spcAft>
+                <a:spcPts val="600"/>
+              </a:spcAft>
+              <a:buFont typeface="Arial" panose="020B0604020202020204" pitchFamily="34" charset="0"/>
+              <a:buChar char="•"/>
+            </a:pPr>
+            <a:r>
+              <a:rPr lang="en-US" altLang="zh-CN" sz="1700" dirty="0" err="1"/>
+              <a:t>Mlp_dim</a:t>
+            </a:r>
+            <a:r>
+              <a:rPr lang="en-US" altLang="zh-CN" sz="1700" dirty="0"/>
+              <a:t> = 256</a:t>
+            </a:r>
+          </a:p>
+          <a:p>
+            <a:pPr indent="-228600">
+              <a:lnSpc>
+                <a:spcPct val="90000"/>
+              </a:lnSpc>
+              <a:spcAft>
+                <a:spcPts val="600"/>
+              </a:spcAft>
+              <a:buFont typeface="Arial" panose="020B0604020202020204" pitchFamily="34" charset="0"/>
+              <a:buChar char="•"/>
+            </a:pPr>
+            <a:endParaRPr lang="en-US" altLang="zh-CN" sz="1700" dirty="0"/>
+          </a:p>
+          <a:p>
+            <a:pPr indent="-228600">
+              <a:lnSpc>
+                <a:spcPct val="90000"/>
+              </a:lnSpc>
+              <a:spcAft>
+                <a:spcPts val="600"/>
+              </a:spcAft>
+              <a:buFont typeface="Arial" panose="020B0604020202020204" pitchFamily="34" charset="0"/>
+              <a:buChar char="•"/>
+            </a:pPr>
+            <a:endParaRPr lang="en-US" altLang="zh-CN" sz="1700" dirty="0"/>
+          </a:p>
+          <a:p>
+            <a:pPr indent="-228600">
+              <a:lnSpc>
+                <a:spcPct val="90000"/>
+              </a:lnSpc>
+              <a:spcAft>
+                <a:spcPts val="600"/>
+              </a:spcAft>
+              <a:buFont typeface="Arial" panose="020B0604020202020204" pitchFamily="34" charset="0"/>
+              <a:buChar char="•"/>
+            </a:pPr>
+            <a:r>
+              <a:rPr lang="en-US" altLang="zh-CN" sz="1700" dirty="0"/>
+              <a:t>Test accuracy = 63.52%</a:t>
+            </a:r>
+          </a:p>
+          <a:p>
+            <a:pPr indent="-228600">
+              <a:lnSpc>
+                <a:spcPct val="90000"/>
+              </a:lnSpc>
+              <a:spcAft>
+                <a:spcPts val="600"/>
+              </a:spcAft>
+              <a:buFont typeface="Arial" panose="020B0604020202020204" pitchFamily="34" charset="0"/>
+              <a:buChar char="•"/>
+            </a:pPr>
+            <a:r>
+              <a:rPr lang="en-US" altLang="zh-CN" sz="1700"/>
+              <a:t>Time Cost: 100min</a:t>
+            </a:r>
+            <a:endParaRPr lang="en-US" altLang="zh-CN" sz="1700" dirty="0"/>
+          </a:p>
+          <a:p>
+            <a:pPr indent="-228600">
+              <a:lnSpc>
+                <a:spcPct val="90000"/>
+              </a:lnSpc>
+              <a:spcAft>
+                <a:spcPts val="600"/>
+              </a:spcAft>
+              <a:buFont typeface="Arial" panose="020B0604020202020204" pitchFamily="34" charset="0"/>
+              <a:buChar char="•"/>
+            </a:pPr>
+            <a:endParaRPr lang="en-US" altLang="zh-CN" sz="1700" dirty="0"/>
+          </a:p>
+        </p:txBody>
+      </p:sp>
+      <p:pic>
+        <p:nvPicPr>
+          <p:cNvPr id="4" name="图片 3">
+            <a:extLst>
+              <a:ext uri="{FF2B5EF4-FFF2-40B4-BE49-F238E27FC236}">
+                <a16:creationId xmlns:a16="http://schemas.microsoft.com/office/drawing/2014/main" id="{1CF750ED-88EB-BA52-0AFE-6B48929FF16B}"/>
+              </a:ext>
+            </a:extLst>
+          </p:cNvPr>
+          <p:cNvPicPr>
+            <a:picLocks noChangeAspect="1"/>
+          </p:cNvPicPr>
+          <p:nvPr/>
+        </p:nvPicPr>
+        <p:blipFill>
+          <a:blip r:embed="rId2"/>
+          <a:stretch>
+            <a:fillRect/>
+          </a:stretch>
+        </p:blipFill>
+        <p:spPr>
+          <a:xfrm>
+            <a:off x="4455672" y="1426546"/>
+            <a:ext cx="7373413" cy="3764107"/>
+          </a:xfrm>
+          <a:prstGeom prst="rect">
+            <a:avLst/>
+          </a:prstGeom>
+        </p:spPr>
+      </p:pic>
+    </p:spTree>
+    <p:extLst>
+      <p:ext uri="{BB962C8B-B14F-4D97-AF65-F5344CB8AC3E}">
+        <p14:creationId xmlns:p14="http://schemas.microsoft.com/office/powerpoint/2010/main" val="53753133"/>
       </p:ext>
     </p:extLst>
   </p:cSld>
@@ -5817,6 +11426,1778 @@
     </p:bg>
     <p:spTree>
       <p:nvGrpSpPr>
+        <p:cNvPr id="1" name="">
+          <a:extLst>
+            <a:ext uri="{FF2B5EF4-FFF2-40B4-BE49-F238E27FC236}">
+              <a16:creationId xmlns:a16="http://schemas.microsoft.com/office/drawing/2014/main" id="{6CE4303C-5074-5C9F-6A74-40D4EF3B3E6E}"/>
+            </a:ext>
+          </a:extLst>
+        </p:cNvPr>
+        <p:cNvGrpSpPr/>
+        <p:nvPr/>
+      </p:nvGrpSpPr>
+      <p:grpSpPr>
+        <a:xfrm>
+          <a:off x="0" y="0"/>
+          <a:ext cx="0" cy="0"/>
+          <a:chOff x="0" y="0"/>
+          <a:chExt cx="0" cy="0"/>
+        </a:xfrm>
+      </p:grpSpPr>
+      <p:sp>
+        <p:nvSpPr>
+          <p:cNvPr id="70" name="Rectangle 69">
+            <a:extLst>
+              <a:ext uri="{FF2B5EF4-FFF2-40B4-BE49-F238E27FC236}">
+                <a16:creationId xmlns:a16="http://schemas.microsoft.com/office/drawing/2014/main" id="{A7AE9375-4664-4DB2-922D-2782A6E439AC}"/>
+              </a:ext>
+              <a:ext uri="{C183D7F6-B498-43B3-948B-1728B52AA6E4}">
+                <adec:decorative xmlns:adec="http://schemas.microsoft.com/office/drawing/2017/decorative" val="1"/>
+              </a:ext>
+            </a:extLst>
+          </p:cNvPr>
+          <p:cNvSpPr>
+            <a:spLocks noGrp="1" noRot="1" noChangeAspect="1" noMove="1" noResize="1" noEditPoints="1" noAdjustHandles="1" noChangeArrowheads="1" noChangeShapeType="1" noTextEdit="1"/>
+          </p:cNvSpPr>
+          <p:nvPr>
+            <p:extLst>
+              <p:ext uri="{386F3935-93C4-4BCD-93E2-E3B085C9AB24}">
+                <p16:designElem xmlns:p16="http://schemas.microsoft.com/office/powerpoint/2015/main" val="1"/>
+              </p:ext>
+            </p:extLst>
+          </p:nvPr>
+        </p:nvSpPr>
+        <p:spPr>
+          <a:xfrm>
+            <a:off x="0" y="0"/>
+            <a:ext cx="12192000" cy="6858000"/>
+          </a:xfrm>
+          <a:prstGeom prst="rect">
+            <a:avLst/>
+          </a:prstGeom>
+          <a:solidFill>
+            <a:schemeClr val="tx1">
+              <a:lumMod val="95000"/>
+              <a:lumOff val="5000"/>
+            </a:schemeClr>
+          </a:solidFill>
+          <a:ln>
+            <a:noFill/>
+          </a:ln>
+        </p:spPr>
+        <p:style>
+          <a:lnRef idx="2">
+            <a:schemeClr val="accent1">
+              <a:shade val="50000"/>
+            </a:schemeClr>
+          </a:lnRef>
+          <a:fillRef idx="1">
+            <a:schemeClr val="accent1"/>
+          </a:fillRef>
+          <a:effectRef idx="0">
+            <a:schemeClr val="accent1"/>
+          </a:effectRef>
+          <a:fontRef idx="minor">
+            <a:schemeClr val="lt1"/>
+          </a:fontRef>
+        </p:style>
+        <p:txBody>
+          <a:bodyPr rtlCol="0" anchor="ctr"/>
+          <a:lstStyle/>
+          <a:p>
+            <a:pPr algn="ctr"/>
+            <a:endParaRPr lang="en-US" dirty="0">
+              <a:solidFill>
+                <a:schemeClr val="tx1"/>
+              </a:solidFill>
+            </a:endParaRPr>
+          </a:p>
+        </p:txBody>
+      </p:sp>
+      <p:sp>
+        <p:nvSpPr>
+          <p:cNvPr id="2" name="标题 1">
+            <a:extLst>
+              <a:ext uri="{FF2B5EF4-FFF2-40B4-BE49-F238E27FC236}">
+                <a16:creationId xmlns:a16="http://schemas.microsoft.com/office/drawing/2014/main" id="{DA36AE49-B1D8-3BF0-2C85-8D130FA30018}"/>
+              </a:ext>
+            </a:extLst>
+          </p:cNvPr>
+          <p:cNvSpPr>
+            <a:spLocks noGrp="1"/>
+          </p:cNvSpPr>
+          <p:nvPr>
+            <p:ph type="title"/>
+          </p:nvPr>
+        </p:nvSpPr>
+        <p:spPr>
+          <a:xfrm>
+            <a:off x="904775" y="669925"/>
+            <a:ext cx="5191225" cy="1325563"/>
+          </a:xfrm>
+        </p:spPr>
+        <p:txBody>
+          <a:bodyPr vert="horz" lIns="91440" tIns="45720" rIns="91440" bIns="45720" rtlCol="0" anchor="b">
+            <a:normAutofit/>
+          </a:bodyPr>
+          <a:lstStyle/>
+          <a:p>
+            <a:r>
+              <a:rPr lang="en-US" altLang="zh-CN" kern="1200" dirty="0">
+                <a:solidFill>
+                  <a:schemeClr val="bg1"/>
+                </a:solidFill>
+                <a:latin typeface="+mj-lt"/>
+                <a:ea typeface="+mj-ea"/>
+                <a:cs typeface="+mj-cs"/>
+              </a:rPr>
+              <a:t>Transformer</a:t>
+            </a:r>
+            <a:br>
+              <a:rPr lang="en-US" altLang="zh-CN" kern="1200" dirty="0">
+                <a:solidFill>
+                  <a:schemeClr val="bg1"/>
+                </a:solidFill>
+                <a:latin typeface="+mj-lt"/>
+                <a:ea typeface="+mj-ea"/>
+                <a:cs typeface="+mj-cs"/>
+              </a:rPr>
+            </a:br>
+            <a:endParaRPr lang="en-US" altLang="zh-CN" kern="1200" dirty="0">
+              <a:solidFill>
+                <a:schemeClr val="bg1"/>
+              </a:solidFill>
+              <a:latin typeface="+mj-lt"/>
+              <a:ea typeface="+mj-ea"/>
+              <a:cs typeface="+mj-cs"/>
+            </a:endParaRPr>
+          </a:p>
+        </p:txBody>
+      </p:sp>
+      <p:cxnSp>
+        <p:nvCxnSpPr>
+          <p:cNvPr id="72" name="Straight Connector 71">
+            <a:extLst>
+              <a:ext uri="{FF2B5EF4-FFF2-40B4-BE49-F238E27FC236}">
+                <a16:creationId xmlns:a16="http://schemas.microsoft.com/office/drawing/2014/main" id="{EE504C98-6397-41C1-A8D8-2D9C4ED307E0}"/>
+              </a:ext>
+              <a:ext uri="{C183D7F6-B498-43B3-948B-1728B52AA6E4}">
+                <adec:decorative xmlns:adec="http://schemas.microsoft.com/office/drawing/2017/decorative" val="1"/>
+              </a:ext>
+            </a:extLst>
+          </p:cNvPr>
+          <p:cNvCxnSpPr>
+            <a:cxnSpLocks noGrp="1" noRot="1" noChangeAspect="1" noMove="1" noResize="1" noEditPoints="1" noAdjustHandles="1" noChangeArrowheads="1" noChangeShapeType="1"/>
+          </p:cNvCxnSpPr>
+          <p:nvPr>
+            <p:extLst>
+              <p:ext uri="{386F3935-93C4-4BCD-93E2-E3B085C9AB24}">
+                <p16:designElem xmlns:p16="http://schemas.microsoft.com/office/powerpoint/2015/main" val="1"/>
+              </p:ext>
+            </p:extLst>
+          </p:nvPr>
+        </p:nvCxnSpPr>
+        <p:spPr>
+          <a:xfrm flipH="1">
+            <a:off x="1" y="2026340"/>
+            <a:ext cx="6095999" cy="0"/>
+          </a:xfrm>
+          <a:prstGeom prst="line">
+            <a:avLst/>
+          </a:prstGeom>
+          <a:ln w="12700">
+            <a:solidFill>
+              <a:schemeClr val="accent2"/>
+            </a:solidFill>
+          </a:ln>
+        </p:spPr>
+        <p:style>
+          <a:lnRef idx="1">
+            <a:schemeClr val="accent1"/>
+          </a:lnRef>
+          <a:fillRef idx="0">
+            <a:schemeClr val="accent1"/>
+          </a:fillRef>
+          <a:effectRef idx="0">
+            <a:schemeClr val="accent1"/>
+          </a:effectRef>
+          <a:fontRef idx="minor">
+            <a:schemeClr val="tx1"/>
+          </a:fontRef>
+        </p:style>
+      </p:cxnSp>
+      <p:sp>
+        <p:nvSpPr>
+          <p:cNvPr id="6" name="文本框 5">
+            <a:extLst>
+              <a:ext uri="{FF2B5EF4-FFF2-40B4-BE49-F238E27FC236}">
+                <a16:creationId xmlns:a16="http://schemas.microsoft.com/office/drawing/2014/main" id="{00D37E65-3F3E-B022-E0FA-9E63E526CA14}"/>
+              </a:ext>
+            </a:extLst>
+          </p:cNvPr>
+          <p:cNvSpPr txBox="1"/>
+          <p:nvPr/>
+        </p:nvSpPr>
+        <p:spPr>
+          <a:xfrm>
+            <a:off x="904775" y="2288833"/>
+            <a:ext cx="7113069" cy="3711571"/>
+          </a:xfrm>
+          <a:prstGeom prst="rect">
+            <a:avLst/>
+          </a:prstGeom>
+        </p:spPr>
+        <p:txBody>
+          <a:bodyPr vert="horz" lIns="91440" tIns="45720" rIns="91440" bIns="45720" rtlCol="0">
+            <a:normAutofit/>
+          </a:bodyPr>
+          <a:lstStyle/>
+          <a:p>
+            <a:pPr indent="-228600">
+              <a:lnSpc>
+                <a:spcPct val="90000"/>
+              </a:lnSpc>
+              <a:spcAft>
+                <a:spcPts val="600"/>
+              </a:spcAft>
+              <a:buFont typeface="Arial" panose="020B0604020202020204" pitchFamily="34" charset="0"/>
+              <a:buChar char="•"/>
+            </a:pPr>
+            <a:r>
+              <a:rPr lang="en-US" altLang="zh-CN" sz="2000" dirty="0">
+                <a:solidFill>
+                  <a:schemeClr val="bg1"/>
+                </a:solidFill>
+              </a:rPr>
+              <a:t>1 define attention and </a:t>
+            </a:r>
+            <a:r>
+              <a:rPr lang="en-US" altLang="zh-CN" sz="2000" dirty="0" err="1">
+                <a:solidFill>
+                  <a:schemeClr val="bg1"/>
+                </a:solidFill>
+              </a:rPr>
+              <a:t>mlp</a:t>
+            </a:r>
+            <a:endParaRPr lang="en-US" altLang="zh-CN" sz="2000" dirty="0">
+              <a:solidFill>
+                <a:schemeClr val="bg1"/>
+              </a:solidFill>
+            </a:endParaRPr>
+          </a:p>
+          <a:p>
+            <a:pPr indent="-228600">
+              <a:lnSpc>
+                <a:spcPct val="90000"/>
+              </a:lnSpc>
+              <a:spcAft>
+                <a:spcPts val="600"/>
+              </a:spcAft>
+              <a:buFont typeface="Arial" panose="020B0604020202020204" pitchFamily="34" charset="0"/>
+              <a:buChar char="•"/>
+            </a:pPr>
+            <a:r>
+              <a:rPr lang="en-US" altLang="zh-CN" sz="2000" dirty="0">
+                <a:solidFill>
+                  <a:schemeClr val="bg1"/>
+                </a:solidFill>
+              </a:rPr>
+              <a:t>2 add them to a </a:t>
+            </a:r>
+            <a:r>
+              <a:rPr lang="en-US" altLang="zh-CN" sz="2000" dirty="0" err="1">
+                <a:solidFill>
+                  <a:schemeClr val="bg1"/>
+                </a:solidFill>
+              </a:rPr>
+              <a:t>moduleList</a:t>
+            </a:r>
+            <a:r>
+              <a:rPr lang="en-US" altLang="zh-CN" sz="2000" dirty="0">
+                <a:solidFill>
+                  <a:schemeClr val="bg1"/>
+                </a:solidFill>
+              </a:rPr>
+              <a:t> each layer,  looping depth times</a:t>
+            </a:r>
+          </a:p>
+          <a:p>
+            <a:pPr indent="-228600">
+              <a:lnSpc>
+                <a:spcPct val="90000"/>
+              </a:lnSpc>
+              <a:spcAft>
+                <a:spcPts val="600"/>
+              </a:spcAft>
+              <a:buFont typeface="Arial" panose="020B0604020202020204" pitchFamily="34" charset="0"/>
+              <a:buChar char="•"/>
+            </a:pPr>
+            <a:r>
+              <a:rPr lang="en-US" altLang="zh-CN" sz="2000" dirty="0">
+                <a:solidFill>
+                  <a:schemeClr val="bg1"/>
+                </a:solidFill>
+              </a:rPr>
+              <a:t>3 for each layer, </a:t>
+            </a:r>
+          </a:p>
+          <a:p>
+            <a:pPr lvl="1" indent="-228600">
+              <a:lnSpc>
+                <a:spcPct val="90000"/>
+              </a:lnSpc>
+              <a:spcAft>
+                <a:spcPts val="600"/>
+              </a:spcAft>
+              <a:buFont typeface="Arial" panose="020B0604020202020204" pitchFamily="34" charset="0"/>
+              <a:buChar char="•"/>
+            </a:pPr>
+            <a:r>
+              <a:rPr lang="en-US" altLang="zh-CN" sz="2000" dirty="0">
+                <a:solidFill>
+                  <a:schemeClr val="bg1"/>
+                </a:solidFill>
+              </a:rPr>
+              <a:t>run x= attention(x) + x</a:t>
+            </a:r>
+          </a:p>
+          <a:p>
+            <a:pPr lvl="1" indent="-228600">
+              <a:lnSpc>
+                <a:spcPct val="90000"/>
+              </a:lnSpc>
+              <a:spcAft>
+                <a:spcPts val="600"/>
+              </a:spcAft>
+              <a:buFont typeface="Arial" panose="020B0604020202020204" pitchFamily="34" charset="0"/>
+              <a:buChar char="•"/>
+            </a:pPr>
+            <a:r>
+              <a:rPr lang="en-US" altLang="zh-CN" sz="2000" dirty="0">
+                <a:solidFill>
+                  <a:schemeClr val="bg1"/>
+                </a:solidFill>
+              </a:rPr>
+              <a:t>then x = </a:t>
+            </a:r>
+            <a:r>
+              <a:rPr lang="en-US" altLang="zh-CN" sz="2000" dirty="0" err="1">
+                <a:solidFill>
+                  <a:schemeClr val="bg1"/>
+                </a:solidFill>
+              </a:rPr>
+              <a:t>mlp</a:t>
+            </a:r>
+            <a:r>
+              <a:rPr lang="en-US" altLang="zh-CN" sz="2000" dirty="0">
+                <a:solidFill>
+                  <a:schemeClr val="bg1"/>
+                </a:solidFill>
+              </a:rPr>
+              <a:t>(x) + x</a:t>
+            </a:r>
+          </a:p>
+          <a:p>
+            <a:pPr lvl="1" indent="-228600">
+              <a:lnSpc>
+                <a:spcPct val="90000"/>
+              </a:lnSpc>
+              <a:spcAft>
+                <a:spcPts val="600"/>
+              </a:spcAft>
+              <a:buFont typeface="Arial" panose="020B0604020202020204" pitchFamily="34" charset="0"/>
+              <a:buChar char="•"/>
+            </a:pPr>
+            <a:endParaRPr lang="en-US" altLang="zh-CN" sz="2000" dirty="0">
+              <a:solidFill>
+                <a:schemeClr val="bg1"/>
+              </a:solidFill>
+            </a:endParaRPr>
+          </a:p>
+          <a:p>
+            <a:pPr lvl="1" indent="-228600">
+              <a:lnSpc>
+                <a:spcPct val="90000"/>
+              </a:lnSpc>
+              <a:spcAft>
+                <a:spcPts val="600"/>
+              </a:spcAft>
+              <a:buFont typeface="Arial" panose="020B0604020202020204" pitchFamily="34" charset="0"/>
+              <a:buChar char="•"/>
+            </a:pPr>
+            <a:r>
+              <a:rPr lang="en-US" altLang="zh-CN" sz="2000" dirty="0">
+                <a:solidFill>
+                  <a:schemeClr val="bg1"/>
+                </a:solidFill>
+              </a:rPr>
+              <a:t>This is a </a:t>
+            </a:r>
+            <a:r>
+              <a:rPr lang="en-US" altLang="zh-CN" sz="2000" dirty="0" err="1">
+                <a:solidFill>
+                  <a:schemeClr val="bg1"/>
+                </a:solidFill>
+              </a:rPr>
+              <a:t>ResNet</a:t>
+            </a:r>
+            <a:r>
+              <a:rPr lang="en-US" altLang="zh-CN" sz="2000" dirty="0">
+                <a:solidFill>
+                  <a:schemeClr val="bg1"/>
+                </a:solidFill>
+              </a:rPr>
+              <a:t> (</a:t>
+            </a:r>
+            <a:r>
+              <a:rPr lang="en-US" altLang="zh-CN" sz="2000" dirty="0">
+                <a:solidFill>
+                  <a:schemeClr val="bg1"/>
+                </a:solidFill>
+                <a:hlinkClick r:id="rId2"/>
+              </a:rPr>
+              <a:t>https://arxiv.org/abs/1512.03385</a:t>
+            </a:r>
+            <a:r>
+              <a:rPr lang="en-US" altLang="zh-CN" sz="2000" dirty="0">
+                <a:solidFill>
+                  <a:schemeClr val="bg1"/>
+                </a:solidFill>
+              </a:rPr>
+              <a:t>)</a:t>
+            </a:r>
+          </a:p>
+          <a:p>
+            <a:pPr lvl="1" indent="-228600">
+              <a:lnSpc>
+                <a:spcPct val="90000"/>
+              </a:lnSpc>
+              <a:spcAft>
+                <a:spcPts val="600"/>
+              </a:spcAft>
+              <a:buFont typeface="Arial" panose="020B0604020202020204" pitchFamily="34" charset="0"/>
+              <a:buChar char="•"/>
+            </a:pPr>
+            <a:r>
+              <a:rPr lang="en-US" altLang="zh-CN" sz="2000" dirty="0">
+                <a:solidFill>
+                  <a:schemeClr val="bg1"/>
+                </a:solidFill>
+              </a:rPr>
+              <a:t>Solve the vanishing/exploding gradient problem</a:t>
+            </a:r>
+          </a:p>
+        </p:txBody>
+      </p:sp>
+      <p:pic>
+        <p:nvPicPr>
+          <p:cNvPr id="8" name="图片 7">
+            <a:extLst>
+              <a:ext uri="{FF2B5EF4-FFF2-40B4-BE49-F238E27FC236}">
+                <a16:creationId xmlns:a16="http://schemas.microsoft.com/office/drawing/2014/main" id="{E8522E95-6C82-2A2B-DE69-08153E170D1B}"/>
+              </a:ext>
+            </a:extLst>
+          </p:cNvPr>
+          <p:cNvPicPr>
+            <a:picLocks noChangeAspect="1"/>
+          </p:cNvPicPr>
+          <p:nvPr/>
+        </p:nvPicPr>
+        <p:blipFill>
+          <a:blip r:embed="rId3"/>
+          <a:stretch>
+            <a:fillRect/>
+          </a:stretch>
+        </p:blipFill>
+        <p:spPr>
+          <a:xfrm>
+            <a:off x="8282931" y="-6"/>
+            <a:ext cx="3909058" cy="6857999"/>
+          </a:xfrm>
+          <a:prstGeom prst="rect">
+            <a:avLst/>
+          </a:prstGeom>
+        </p:spPr>
+      </p:pic>
+      <p:cxnSp>
+        <p:nvCxnSpPr>
+          <p:cNvPr id="74" name="Straight Connector 73">
+            <a:extLst>
+              <a:ext uri="{FF2B5EF4-FFF2-40B4-BE49-F238E27FC236}">
+                <a16:creationId xmlns:a16="http://schemas.microsoft.com/office/drawing/2014/main" id="{B7188D9B-1674-419B-A379-D1632A7EC3A2}"/>
+              </a:ext>
+              <a:ext uri="{C183D7F6-B498-43B3-948B-1728B52AA6E4}">
+                <adec:decorative xmlns:adec="http://schemas.microsoft.com/office/drawing/2017/decorative" val="1"/>
+              </a:ext>
+            </a:extLst>
+          </p:cNvPr>
+          <p:cNvCxnSpPr>
+            <a:cxnSpLocks noGrp="1" noRot="1" noChangeAspect="1" noMove="1" noResize="1" noEditPoints="1" noAdjustHandles="1" noChangeArrowheads="1" noChangeShapeType="1"/>
+          </p:cNvCxnSpPr>
+          <p:nvPr>
+            <p:extLst>
+              <p:ext uri="{386F3935-93C4-4BCD-93E2-E3B085C9AB24}">
+                <p16:designElem xmlns:p16="http://schemas.microsoft.com/office/powerpoint/2015/main" val="1"/>
+              </p:ext>
+            </p:extLst>
+          </p:nvPr>
+        </p:nvCxnSpPr>
+        <p:spPr>
+          <a:xfrm>
+            <a:off x="11829053" y="0"/>
+            <a:ext cx="0" cy="6858000"/>
+          </a:xfrm>
+          <a:prstGeom prst="line">
+            <a:avLst/>
+          </a:prstGeom>
+          <a:ln w="12700">
+            <a:solidFill>
+              <a:schemeClr val="accent2"/>
+            </a:solidFill>
+          </a:ln>
+        </p:spPr>
+        <p:style>
+          <a:lnRef idx="1">
+            <a:schemeClr val="accent1"/>
+          </a:lnRef>
+          <a:fillRef idx="0">
+            <a:schemeClr val="accent1"/>
+          </a:fillRef>
+          <a:effectRef idx="0">
+            <a:schemeClr val="accent1"/>
+          </a:effectRef>
+          <a:fontRef idx="minor">
+            <a:schemeClr val="tx1"/>
+          </a:fontRef>
+        </p:style>
+      </p:cxnSp>
+    </p:spTree>
+    <p:extLst>
+      <p:ext uri="{BB962C8B-B14F-4D97-AF65-F5344CB8AC3E}">
+        <p14:creationId xmlns:p14="http://schemas.microsoft.com/office/powerpoint/2010/main" val="3558785490"/>
+      </p:ext>
+    </p:extLst>
+  </p:cSld>
+  <p:clrMapOvr>
+    <a:masterClrMapping/>
+  </p:clrMapOvr>
+</p:sld>
+</file>
+
+<file path=ppt/slides/slide5.xml><?xml version="1.0" encoding="utf-8"?>
+<p:sld xmlns:a="http://schemas.openxmlformats.org/drawingml/2006/main" xmlns:r="http://schemas.openxmlformats.org/officeDocument/2006/relationships" xmlns:p="http://schemas.openxmlformats.org/presentationml/2006/main">
+  <p:cSld>
+    <p:spTree>
+      <p:nvGrpSpPr>
+        <p:cNvPr id="1" name=""/>
+        <p:cNvGrpSpPr/>
+        <p:nvPr/>
+      </p:nvGrpSpPr>
+      <p:grpSpPr>
+        <a:xfrm>
+          <a:off x="0" y="0"/>
+          <a:ext cx="0" cy="0"/>
+          <a:chOff x="0" y="0"/>
+          <a:chExt cx="0" cy="0"/>
+        </a:xfrm>
+      </p:grpSpPr>
+      <p:sp>
+        <p:nvSpPr>
+          <p:cNvPr id="2" name="标题 1">
+            <a:extLst>
+              <a:ext uri="{FF2B5EF4-FFF2-40B4-BE49-F238E27FC236}">
+                <a16:creationId xmlns:a16="http://schemas.microsoft.com/office/drawing/2014/main" id="{40F6C4A6-A0B5-5D27-18AA-A3765DEA801C}"/>
+              </a:ext>
+            </a:extLst>
+          </p:cNvPr>
+          <p:cNvSpPr>
+            <a:spLocks noGrp="1"/>
+          </p:cNvSpPr>
+          <p:nvPr>
+            <p:ph type="title"/>
+          </p:nvPr>
+        </p:nvSpPr>
+        <p:spPr>
+          <a:xfrm>
+            <a:off x="838200" y="365126"/>
+            <a:ext cx="10515600" cy="678584"/>
+          </a:xfrm>
+        </p:spPr>
+        <p:txBody>
+          <a:bodyPr>
+            <a:normAutofit fontScale="90000"/>
+          </a:bodyPr>
+          <a:lstStyle/>
+          <a:p>
+            <a:r>
+              <a:rPr lang="en-US" altLang="zh-CN" dirty="0"/>
+              <a:t>Muti-heads Self Attention</a:t>
+            </a:r>
+            <a:endParaRPr lang="zh-CN" altLang="en-US" dirty="0"/>
+          </a:p>
+        </p:txBody>
+      </p:sp>
+      <p:pic>
+        <p:nvPicPr>
+          <p:cNvPr id="9" name="图片 8">
+            <a:extLst>
+              <a:ext uri="{FF2B5EF4-FFF2-40B4-BE49-F238E27FC236}">
+                <a16:creationId xmlns:a16="http://schemas.microsoft.com/office/drawing/2014/main" id="{757CB9EF-1659-9376-B48D-9D1E7901C91F}"/>
+              </a:ext>
+            </a:extLst>
+          </p:cNvPr>
+          <p:cNvPicPr>
+            <a:picLocks noChangeAspect="1"/>
+          </p:cNvPicPr>
+          <p:nvPr/>
+        </p:nvPicPr>
+        <p:blipFill>
+          <a:blip r:embed="rId2"/>
+          <a:stretch>
+            <a:fillRect/>
+          </a:stretch>
+        </p:blipFill>
+        <p:spPr>
+          <a:xfrm>
+            <a:off x="822158" y="1111360"/>
+            <a:ext cx="2457793" cy="2248214"/>
+          </a:xfrm>
+          <a:prstGeom prst="rect">
+            <a:avLst/>
+          </a:prstGeom>
+        </p:spPr>
+      </p:pic>
+      <p:cxnSp>
+        <p:nvCxnSpPr>
+          <p:cNvPr id="11" name="直接箭头连接符 10">
+            <a:extLst>
+              <a:ext uri="{FF2B5EF4-FFF2-40B4-BE49-F238E27FC236}">
+                <a16:creationId xmlns:a16="http://schemas.microsoft.com/office/drawing/2014/main" id="{3FB9E9AC-7AB2-0703-003F-5D59852A1A6F}"/>
+              </a:ext>
+            </a:extLst>
+          </p:cNvPr>
+          <p:cNvCxnSpPr/>
+          <p:nvPr/>
+        </p:nvCxnSpPr>
+        <p:spPr>
+          <a:xfrm flipV="1">
+            <a:off x="1501541" y="1501541"/>
+            <a:ext cx="2964581" cy="115503"/>
+          </a:xfrm>
+          <a:prstGeom prst="straightConnector1">
+            <a:avLst/>
+          </a:prstGeom>
+          <a:ln w="19050" cap="flat" cmpd="sng" algn="ctr">
+            <a:solidFill>
+              <a:srgbClr val="FF0000"/>
+            </a:solidFill>
+            <a:prstDash val="solid"/>
+            <a:round/>
+            <a:headEnd type="none" w="med" len="med"/>
+            <a:tailEnd type="arrow" w="med" len="med"/>
+          </a:ln>
+        </p:spPr>
+        <p:style>
+          <a:lnRef idx="0">
+            <a:scrgbClr r="0" g="0" b="0"/>
+          </a:lnRef>
+          <a:fillRef idx="0">
+            <a:scrgbClr r="0" g="0" b="0"/>
+          </a:fillRef>
+          <a:effectRef idx="0">
+            <a:scrgbClr r="0" g="0" b="0"/>
+          </a:effectRef>
+          <a:fontRef idx="minor">
+            <a:schemeClr val="tx1"/>
+          </a:fontRef>
+        </p:style>
+      </p:cxnSp>
+      <p:cxnSp>
+        <p:nvCxnSpPr>
+          <p:cNvPr id="13" name="直接箭头连接符 12">
+            <a:extLst>
+              <a:ext uri="{FF2B5EF4-FFF2-40B4-BE49-F238E27FC236}">
+                <a16:creationId xmlns:a16="http://schemas.microsoft.com/office/drawing/2014/main" id="{CA04E87A-A08A-0A90-07F5-B94B82104B27}"/>
+              </a:ext>
+            </a:extLst>
+          </p:cNvPr>
+          <p:cNvCxnSpPr>
+            <a:cxnSpLocks/>
+          </p:cNvCxnSpPr>
+          <p:nvPr/>
+        </p:nvCxnSpPr>
+        <p:spPr>
+          <a:xfrm>
+            <a:off x="3084945" y="2890982"/>
+            <a:ext cx="1468582" cy="0"/>
+          </a:xfrm>
+          <a:prstGeom prst="straightConnector1">
+            <a:avLst/>
+          </a:prstGeom>
+          <a:ln>
+            <a:solidFill>
+              <a:srgbClr val="FF0000"/>
+            </a:solidFill>
+            <a:tailEnd type="triangle"/>
+          </a:ln>
+        </p:spPr>
+        <p:style>
+          <a:lnRef idx="2">
+            <a:schemeClr val="accent1"/>
+          </a:lnRef>
+          <a:fillRef idx="0">
+            <a:schemeClr val="accent1"/>
+          </a:fillRef>
+          <a:effectRef idx="1">
+            <a:schemeClr val="accent1"/>
+          </a:effectRef>
+          <a:fontRef idx="minor">
+            <a:schemeClr val="tx1"/>
+          </a:fontRef>
+        </p:style>
+      </p:cxnSp>
+      <p:sp>
+        <p:nvSpPr>
+          <p:cNvPr id="16" name="文本框 15">
+            <a:extLst>
+              <a:ext uri="{FF2B5EF4-FFF2-40B4-BE49-F238E27FC236}">
+                <a16:creationId xmlns:a16="http://schemas.microsoft.com/office/drawing/2014/main" id="{DCA0F16D-8F16-8920-871B-E552BACC18C8}"/>
+              </a:ext>
+            </a:extLst>
+          </p:cNvPr>
+          <p:cNvSpPr txBox="1"/>
+          <p:nvPr/>
+        </p:nvSpPr>
+        <p:spPr>
+          <a:xfrm>
+            <a:off x="4553527" y="1178375"/>
+            <a:ext cx="6576291" cy="646331"/>
+          </a:xfrm>
+          <a:prstGeom prst="rect">
+            <a:avLst/>
+          </a:prstGeom>
+          <a:noFill/>
+        </p:spPr>
+        <p:txBody>
+          <a:bodyPr wrap="square" rtlCol="0">
+            <a:spAutoFit/>
+          </a:bodyPr>
+          <a:lstStyle/>
+          <a:p>
+            <a:r>
+              <a:rPr lang="en-US" altLang="zh-CN" dirty="0"/>
+              <a:t>If current index = 1, we get </a:t>
+            </a:r>
+            <a:r>
+              <a:rPr lang="en-US" altLang="zh-CN" dirty="0">
+                <a:solidFill>
+                  <a:srgbClr val="FF0000"/>
+                </a:solidFill>
+              </a:rPr>
+              <a:t>Q</a:t>
+            </a:r>
+            <a:r>
+              <a:rPr lang="en-US" altLang="zh-CN" dirty="0"/>
+              <a:t> from patch 1, means “queries”, what I am looking for ?</a:t>
+            </a:r>
+            <a:endParaRPr lang="zh-CN" altLang="en-US" dirty="0"/>
+          </a:p>
+        </p:txBody>
+      </p:sp>
+      <p:sp>
+        <p:nvSpPr>
+          <p:cNvPr id="17" name="文本框 16">
+            <a:extLst>
+              <a:ext uri="{FF2B5EF4-FFF2-40B4-BE49-F238E27FC236}">
+                <a16:creationId xmlns:a16="http://schemas.microsoft.com/office/drawing/2014/main" id="{37F664A9-AF7C-EF61-6BC2-E95D42384556}"/>
+              </a:ext>
+            </a:extLst>
+          </p:cNvPr>
+          <p:cNvSpPr txBox="1"/>
+          <p:nvPr/>
+        </p:nvSpPr>
+        <p:spPr>
+          <a:xfrm>
+            <a:off x="4618182" y="2475345"/>
+            <a:ext cx="6049282" cy="923330"/>
+          </a:xfrm>
+          <a:prstGeom prst="rect">
+            <a:avLst/>
+          </a:prstGeom>
+          <a:noFill/>
+        </p:spPr>
+        <p:txBody>
+          <a:bodyPr wrap="square" rtlCol="0">
+            <a:spAutoFit/>
+          </a:bodyPr>
+          <a:lstStyle/>
+          <a:p>
+            <a:r>
+              <a:rPr lang="en-US" altLang="zh-CN" dirty="0"/>
+              <a:t>Get </a:t>
+            </a:r>
+            <a:r>
+              <a:rPr lang="en-US" altLang="zh-CN" dirty="0">
+                <a:solidFill>
+                  <a:srgbClr val="FF0000"/>
+                </a:solidFill>
+              </a:rPr>
+              <a:t>K, V </a:t>
+            </a:r>
+            <a:r>
+              <a:rPr lang="en-US" altLang="zh-CN" dirty="0"/>
+              <a:t>from all patches, means “</a:t>
+            </a:r>
+            <a:r>
+              <a:rPr lang="en-US" altLang="zh-CN" dirty="0" err="1"/>
+              <a:t>keys”,”values</a:t>
+            </a:r>
+            <a:r>
+              <a:rPr lang="en-US" altLang="zh-CN" dirty="0"/>
+              <a:t>”</a:t>
+            </a:r>
+          </a:p>
+          <a:p>
+            <a:r>
+              <a:rPr lang="en-US" altLang="zh-CN" dirty="0"/>
+              <a:t>Keys: what are my options?</a:t>
+            </a:r>
+          </a:p>
+          <a:p>
+            <a:r>
+              <a:rPr lang="en-US" altLang="zh-CN" dirty="0"/>
+              <a:t>Values: what do they publicly reveal / broadcast to others?</a:t>
+            </a:r>
+            <a:endParaRPr lang="zh-CN" altLang="en-US" dirty="0"/>
+          </a:p>
+        </p:txBody>
+      </p:sp>
+      <p:pic>
+        <p:nvPicPr>
+          <p:cNvPr id="21" name="图片 20">
+            <a:extLst>
+              <a:ext uri="{FF2B5EF4-FFF2-40B4-BE49-F238E27FC236}">
+                <a16:creationId xmlns:a16="http://schemas.microsoft.com/office/drawing/2014/main" id="{AB999EC1-B303-CBFB-26C2-4E018725F14D}"/>
+              </a:ext>
+            </a:extLst>
+          </p:cNvPr>
+          <p:cNvPicPr>
+            <a:picLocks noChangeAspect="1"/>
+          </p:cNvPicPr>
+          <p:nvPr/>
+        </p:nvPicPr>
+        <p:blipFill>
+          <a:blip r:embed="rId3"/>
+          <a:stretch>
+            <a:fillRect/>
+          </a:stretch>
+        </p:blipFill>
+        <p:spPr>
+          <a:xfrm>
+            <a:off x="932728" y="5494260"/>
+            <a:ext cx="8068801" cy="914528"/>
+          </a:xfrm>
+          <a:prstGeom prst="rect">
+            <a:avLst/>
+          </a:prstGeom>
+        </p:spPr>
+      </p:pic>
+      <p:sp>
+        <p:nvSpPr>
+          <p:cNvPr id="22" name="文本框 21">
+            <a:extLst>
+              <a:ext uri="{FF2B5EF4-FFF2-40B4-BE49-F238E27FC236}">
+                <a16:creationId xmlns:a16="http://schemas.microsoft.com/office/drawing/2014/main" id="{AC68F5FA-076B-61E0-AD9D-CE4D7EB8246E}"/>
+              </a:ext>
+            </a:extLst>
+          </p:cNvPr>
+          <p:cNvSpPr txBox="1"/>
+          <p:nvPr/>
+        </p:nvSpPr>
+        <p:spPr>
+          <a:xfrm>
+            <a:off x="822158" y="3620655"/>
+            <a:ext cx="10963442" cy="369332"/>
+          </a:xfrm>
+          <a:prstGeom prst="rect">
+            <a:avLst/>
+          </a:prstGeom>
+          <a:noFill/>
+        </p:spPr>
+        <p:txBody>
+          <a:bodyPr wrap="square" rtlCol="0">
+            <a:spAutoFit/>
+          </a:bodyPr>
+          <a:lstStyle/>
+          <a:p>
+            <a:r>
+              <a:rPr lang="en-US" altLang="zh-CN" dirty="0"/>
+              <a:t>Get Q,K,V by Linear from (</a:t>
+            </a:r>
+            <a:r>
+              <a:rPr lang="en-US" altLang="zh-CN" dirty="0" err="1"/>
+              <a:t>batch,token</a:t>
+            </a:r>
+            <a:r>
+              <a:rPr lang="en-US" altLang="zh-CN" dirty="0"/>
+              <a:t> </a:t>
+            </a:r>
+            <a:r>
+              <a:rPr lang="en-US" altLang="zh-CN" dirty="0" err="1"/>
+              <a:t>number,dim</a:t>
+            </a:r>
+            <a:r>
+              <a:rPr lang="en-US" altLang="zh-CN" dirty="0"/>
+              <a:t>) to (</a:t>
+            </a:r>
+            <a:r>
+              <a:rPr lang="en-US" altLang="zh-CN" dirty="0" err="1"/>
+              <a:t>batch,token</a:t>
+            </a:r>
+            <a:r>
+              <a:rPr lang="en-US" altLang="zh-CN" dirty="0"/>
+              <a:t> number, heads * dim * 3),then chunk to 3</a:t>
+            </a:r>
+            <a:endParaRPr lang="zh-CN" altLang="en-US" dirty="0"/>
+          </a:p>
+        </p:txBody>
+      </p:sp>
+      <p:pic>
+        <p:nvPicPr>
+          <p:cNvPr id="24" name="图片 23">
+            <a:extLst>
+              <a:ext uri="{FF2B5EF4-FFF2-40B4-BE49-F238E27FC236}">
+                <a16:creationId xmlns:a16="http://schemas.microsoft.com/office/drawing/2014/main" id="{A1E124A9-B537-572E-A1F5-C3A8B5516ECD}"/>
+              </a:ext>
+            </a:extLst>
+          </p:cNvPr>
+          <p:cNvPicPr>
+            <a:picLocks noChangeAspect="1"/>
+          </p:cNvPicPr>
+          <p:nvPr/>
+        </p:nvPicPr>
+        <p:blipFill>
+          <a:blip r:embed="rId4"/>
+          <a:stretch>
+            <a:fillRect/>
+          </a:stretch>
+        </p:blipFill>
+        <p:spPr>
+          <a:xfrm>
+            <a:off x="932728" y="4340946"/>
+            <a:ext cx="5163271" cy="905001"/>
+          </a:xfrm>
+          <a:prstGeom prst="rect">
+            <a:avLst/>
+          </a:prstGeom>
+        </p:spPr>
+      </p:pic>
+    </p:spTree>
+    <p:extLst>
+      <p:ext uri="{BB962C8B-B14F-4D97-AF65-F5344CB8AC3E}">
+        <p14:creationId xmlns:p14="http://schemas.microsoft.com/office/powerpoint/2010/main" val="1563843197"/>
+      </p:ext>
+    </p:extLst>
+  </p:cSld>
+  <p:clrMapOvr>
+    <a:masterClrMapping/>
+  </p:clrMapOvr>
+</p:sld>
+</file>
+
+<file path=ppt/slides/slide6.xml><?xml version="1.0" encoding="utf-8"?>
+<p:sld xmlns:a="http://schemas.openxmlformats.org/drawingml/2006/main" xmlns:r="http://schemas.openxmlformats.org/officeDocument/2006/relationships" xmlns:p="http://schemas.openxmlformats.org/presentationml/2006/main">
+  <p:cSld>
+    <p:spTree>
+      <p:nvGrpSpPr>
+        <p:cNvPr id="1" name=""/>
+        <p:cNvGrpSpPr/>
+        <p:nvPr/>
+      </p:nvGrpSpPr>
+      <p:grpSpPr>
+        <a:xfrm>
+          <a:off x="0" y="0"/>
+          <a:ext cx="0" cy="0"/>
+          <a:chOff x="0" y="0"/>
+          <a:chExt cx="0" cy="0"/>
+        </a:xfrm>
+      </p:grpSpPr>
+      <p:sp>
+        <p:nvSpPr>
+          <p:cNvPr id="4" name="标题 1">
+            <a:extLst>
+              <a:ext uri="{FF2B5EF4-FFF2-40B4-BE49-F238E27FC236}">
+                <a16:creationId xmlns:a16="http://schemas.microsoft.com/office/drawing/2014/main" id="{787536A7-637B-E807-206C-49F4B0B3E908}"/>
+              </a:ext>
+            </a:extLst>
+          </p:cNvPr>
+          <p:cNvSpPr>
+            <a:spLocks noGrp="1"/>
+          </p:cNvSpPr>
+          <p:nvPr>
+            <p:ph type="title"/>
+          </p:nvPr>
+        </p:nvSpPr>
+        <p:spPr>
+          <a:xfrm>
+            <a:off x="838200" y="365126"/>
+            <a:ext cx="10515600" cy="678584"/>
+          </a:xfrm>
+        </p:spPr>
+        <p:txBody>
+          <a:bodyPr>
+            <a:normAutofit fontScale="90000"/>
+          </a:bodyPr>
+          <a:lstStyle/>
+          <a:p>
+            <a:r>
+              <a:rPr lang="en-US" altLang="zh-CN" dirty="0"/>
+              <a:t>Muti-heads Self Attention</a:t>
+            </a:r>
+            <a:endParaRPr lang="zh-CN" altLang="en-US" dirty="0"/>
+          </a:p>
+        </p:txBody>
+      </p:sp>
+      <p:pic>
+        <p:nvPicPr>
+          <p:cNvPr id="6" name="图片 5">
+            <a:extLst>
+              <a:ext uri="{FF2B5EF4-FFF2-40B4-BE49-F238E27FC236}">
+                <a16:creationId xmlns:a16="http://schemas.microsoft.com/office/drawing/2014/main" id="{013FBAF0-0441-6C9A-5090-B739D95652B1}"/>
+              </a:ext>
+            </a:extLst>
+          </p:cNvPr>
+          <p:cNvPicPr>
+            <a:picLocks noChangeAspect="1"/>
+          </p:cNvPicPr>
+          <p:nvPr/>
+        </p:nvPicPr>
+        <p:blipFill>
+          <a:blip r:embed="rId2"/>
+          <a:stretch>
+            <a:fillRect/>
+          </a:stretch>
+        </p:blipFill>
+        <p:spPr>
+          <a:xfrm>
+            <a:off x="971136" y="2416459"/>
+            <a:ext cx="3858163" cy="885949"/>
+          </a:xfrm>
+          <a:prstGeom prst="rect">
+            <a:avLst/>
+          </a:prstGeom>
+        </p:spPr>
+      </p:pic>
+      <p:sp>
+        <p:nvSpPr>
+          <p:cNvPr id="7" name="文本框 6">
+            <a:extLst>
+              <a:ext uri="{FF2B5EF4-FFF2-40B4-BE49-F238E27FC236}">
+                <a16:creationId xmlns:a16="http://schemas.microsoft.com/office/drawing/2014/main" id="{FC2DCFF1-C245-1F01-0642-270185063CBF}"/>
+              </a:ext>
+            </a:extLst>
+          </p:cNvPr>
+          <p:cNvSpPr txBox="1"/>
+          <p:nvPr/>
+        </p:nvSpPr>
+        <p:spPr>
+          <a:xfrm>
+            <a:off x="838200" y="1108562"/>
+            <a:ext cx="8043555" cy="1200329"/>
+          </a:xfrm>
+          <a:prstGeom prst="rect">
+            <a:avLst/>
+          </a:prstGeom>
+          <a:noFill/>
+        </p:spPr>
+        <p:txBody>
+          <a:bodyPr wrap="square" rtlCol="0">
+            <a:spAutoFit/>
+          </a:bodyPr>
+          <a:lstStyle/>
+          <a:p>
+            <a:r>
+              <a:rPr lang="en-US" altLang="zh-CN" dirty="0"/>
+              <a:t>After get </a:t>
+            </a:r>
+            <a:r>
+              <a:rPr lang="en-US" altLang="zh-CN" dirty="0" err="1"/>
+              <a:t>q,k,v</a:t>
+            </a:r>
+            <a:r>
+              <a:rPr lang="en-US" altLang="zh-CN" dirty="0"/>
+              <a:t>, calculate for every patch the “attention tensor” to each patch</a:t>
+            </a:r>
+          </a:p>
+          <a:p>
+            <a:r>
+              <a:rPr lang="en-US" altLang="zh-CN" dirty="0"/>
+              <a:t>It means the relevance for each patch to other patch</a:t>
+            </a:r>
+          </a:p>
+          <a:p>
+            <a:r>
+              <a:rPr lang="en-US" altLang="zh-CN" dirty="0">
+                <a:solidFill>
+                  <a:srgbClr val="FF0000"/>
+                </a:solidFill>
+              </a:rPr>
+              <a:t>Muti-heads</a:t>
+            </a:r>
+            <a:r>
+              <a:rPr lang="en-US" altLang="zh-CN" dirty="0"/>
+              <a:t> means from different “views” to consider the relevance, for images, maybe from color, shape, outline, contrast ratio …</a:t>
+            </a:r>
+            <a:endParaRPr lang="zh-CN" altLang="en-US" dirty="0"/>
+          </a:p>
+        </p:txBody>
+      </p:sp>
+      <p:pic>
+        <p:nvPicPr>
+          <p:cNvPr id="9" name="图片 8">
+            <a:extLst>
+              <a:ext uri="{FF2B5EF4-FFF2-40B4-BE49-F238E27FC236}">
+                <a16:creationId xmlns:a16="http://schemas.microsoft.com/office/drawing/2014/main" id="{23B07AE9-C537-84C9-0753-3016E13C3A34}"/>
+              </a:ext>
+            </a:extLst>
+          </p:cNvPr>
+          <p:cNvPicPr>
+            <a:picLocks noChangeAspect="1"/>
+          </p:cNvPicPr>
+          <p:nvPr/>
+        </p:nvPicPr>
+        <p:blipFill>
+          <a:blip r:embed="rId3"/>
+          <a:stretch>
+            <a:fillRect/>
+          </a:stretch>
+        </p:blipFill>
+        <p:spPr>
+          <a:xfrm>
+            <a:off x="1046553" y="3574074"/>
+            <a:ext cx="3553321" cy="628738"/>
+          </a:xfrm>
+          <a:prstGeom prst="rect">
+            <a:avLst/>
+          </a:prstGeom>
+        </p:spPr>
+      </p:pic>
+      <p:pic>
+        <p:nvPicPr>
+          <p:cNvPr id="11" name="图片 10">
+            <a:extLst>
+              <a:ext uri="{FF2B5EF4-FFF2-40B4-BE49-F238E27FC236}">
+                <a16:creationId xmlns:a16="http://schemas.microsoft.com/office/drawing/2014/main" id="{289FCB44-2826-6453-1067-F1818DA81167}"/>
+              </a:ext>
+            </a:extLst>
+          </p:cNvPr>
+          <p:cNvPicPr>
+            <a:picLocks noChangeAspect="1"/>
+          </p:cNvPicPr>
+          <p:nvPr/>
+        </p:nvPicPr>
+        <p:blipFill>
+          <a:blip r:embed="rId4"/>
+          <a:stretch>
+            <a:fillRect/>
+          </a:stretch>
+        </p:blipFill>
+        <p:spPr>
+          <a:xfrm>
+            <a:off x="4992913" y="3574074"/>
+            <a:ext cx="5715798" cy="3238952"/>
+          </a:xfrm>
+          <a:prstGeom prst="rect">
+            <a:avLst/>
+          </a:prstGeom>
+        </p:spPr>
+      </p:pic>
+    </p:spTree>
+    <p:extLst>
+      <p:ext uri="{BB962C8B-B14F-4D97-AF65-F5344CB8AC3E}">
+        <p14:creationId xmlns:p14="http://schemas.microsoft.com/office/powerpoint/2010/main" val="1330542030"/>
+      </p:ext>
+    </p:extLst>
+  </p:cSld>
+  <p:clrMapOvr>
+    <a:masterClrMapping/>
+  </p:clrMapOvr>
+</p:sld>
+</file>
+
+<file path=ppt/slides/slide7.xml><?xml version="1.0" encoding="utf-8"?>
+<p:sld xmlns:a="http://schemas.openxmlformats.org/drawingml/2006/main" xmlns:r="http://schemas.openxmlformats.org/officeDocument/2006/relationships" xmlns:p="http://schemas.openxmlformats.org/presentationml/2006/main">
+  <p:cSld>
+    <p:spTree>
+      <p:nvGrpSpPr>
+        <p:cNvPr id="1" name=""/>
+        <p:cNvGrpSpPr/>
+        <p:nvPr/>
+      </p:nvGrpSpPr>
+      <p:grpSpPr>
+        <a:xfrm>
+          <a:off x="0" y="0"/>
+          <a:ext cx="0" cy="0"/>
+          <a:chOff x="0" y="0"/>
+          <a:chExt cx="0" cy="0"/>
+        </a:xfrm>
+      </p:grpSpPr>
+      <p:sp>
+        <p:nvSpPr>
+          <p:cNvPr id="2" name="标题 1">
+            <a:extLst>
+              <a:ext uri="{FF2B5EF4-FFF2-40B4-BE49-F238E27FC236}">
+                <a16:creationId xmlns:a16="http://schemas.microsoft.com/office/drawing/2014/main" id="{FFA6531C-FAD6-5D4B-2A9E-C3EC9B0A9D87}"/>
+              </a:ext>
+            </a:extLst>
+          </p:cNvPr>
+          <p:cNvSpPr>
+            <a:spLocks noGrp="1"/>
+          </p:cNvSpPr>
+          <p:nvPr>
+            <p:ph type="title"/>
+          </p:nvPr>
+        </p:nvSpPr>
+        <p:spPr>
+          <a:xfrm>
+            <a:off x="838200" y="365125"/>
+            <a:ext cx="10515600" cy="807893"/>
+          </a:xfrm>
+        </p:spPr>
+        <p:txBody>
+          <a:bodyPr/>
+          <a:lstStyle/>
+          <a:p>
+            <a:r>
+              <a:rPr lang="en-US" altLang="zh-CN" dirty="0"/>
+              <a:t>MLP/</a:t>
+            </a:r>
+            <a:r>
+              <a:rPr lang="en-US" altLang="zh-CN" dirty="0" err="1"/>
+              <a:t>FeedForward</a:t>
+            </a:r>
+            <a:endParaRPr lang="zh-CN" altLang="en-US" dirty="0"/>
+          </a:p>
+        </p:txBody>
+      </p:sp>
+      <p:pic>
+        <p:nvPicPr>
+          <p:cNvPr id="5" name="内容占位符 4">
+            <a:extLst>
+              <a:ext uri="{FF2B5EF4-FFF2-40B4-BE49-F238E27FC236}">
+                <a16:creationId xmlns:a16="http://schemas.microsoft.com/office/drawing/2014/main" id="{6B32A7B6-10EB-3715-5859-3413632F2299}"/>
+              </a:ext>
+            </a:extLst>
+          </p:cNvPr>
+          <p:cNvPicPr>
+            <a:picLocks noGrp="1" noChangeAspect="1"/>
+          </p:cNvPicPr>
+          <p:nvPr>
+            <p:ph idx="1"/>
+          </p:nvPr>
+        </p:nvPicPr>
+        <p:blipFill>
+          <a:blip r:embed="rId2"/>
+          <a:stretch>
+            <a:fillRect/>
+          </a:stretch>
+        </p:blipFill>
+        <p:spPr>
+          <a:xfrm>
+            <a:off x="838200" y="3755942"/>
+            <a:ext cx="5056332" cy="2951624"/>
+          </a:xfrm>
+          <a:prstGeom prst="rect">
+            <a:avLst/>
+          </a:prstGeom>
+        </p:spPr>
+      </p:pic>
+      <p:pic>
+        <p:nvPicPr>
+          <p:cNvPr id="7" name="图片 6">
+            <a:extLst>
+              <a:ext uri="{FF2B5EF4-FFF2-40B4-BE49-F238E27FC236}">
+                <a16:creationId xmlns:a16="http://schemas.microsoft.com/office/drawing/2014/main" id="{EAC950A7-BDC4-95B6-85EC-A2F26EB81460}"/>
+              </a:ext>
+            </a:extLst>
+          </p:cNvPr>
+          <p:cNvPicPr>
+            <a:picLocks noChangeAspect="1"/>
+          </p:cNvPicPr>
+          <p:nvPr/>
+        </p:nvPicPr>
+        <p:blipFill>
+          <a:blip r:embed="rId3"/>
+          <a:stretch>
+            <a:fillRect/>
+          </a:stretch>
+        </p:blipFill>
+        <p:spPr>
+          <a:xfrm>
+            <a:off x="8376154" y="235658"/>
+            <a:ext cx="2581635" cy="2286319"/>
+          </a:xfrm>
+          <a:prstGeom prst="rect">
+            <a:avLst/>
+          </a:prstGeom>
+        </p:spPr>
+      </p:pic>
+      <p:sp>
+        <p:nvSpPr>
+          <p:cNvPr id="8" name="文本框 7">
+            <a:extLst>
+              <a:ext uri="{FF2B5EF4-FFF2-40B4-BE49-F238E27FC236}">
+                <a16:creationId xmlns:a16="http://schemas.microsoft.com/office/drawing/2014/main" id="{5DD0A44E-BCE3-DF4F-E817-FFD61EAE0FFF}"/>
+              </a:ext>
+            </a:extLst>
+          </p:cNvPr>
+          <p:cNvSpPr txBox="1"/>
+          <p:nvPr/>
+        </p:nvSpPr>
+        <p:spPr>
+          <a:xfrm>
+            <a:off x="838200" y="1241659"/>
+            <a:ext cx="7295147" cy="2308324"/>
+          </a:xfrm>
+          <a:prstGeom prst="rect">
+            <a:avLst/>
+          </a:prstGeom>
+          <a:noFill/>
+        </p:spPr>
+        <p:txBody>
+          <a:bodyPr wrap="square" rtlCol="0">
+            <a:spAutoFit/>
+          </a:bodyPr>
+          <a:lstStyle/>
+          <a:p>
+            <a:r>
+              <a:rPr lang="en-US" altLang="zh-CN" dirty="0"/>
+              <a:t>After attention process, each patch token contains other tokens’ information, but it is still a linear operation</a:t>
+            </a:r>
+          </a:p>
+          <a:p>
+            <a:endParaRPr lang="en-US" altLang="zh-CN" dirty="0"/>
+          </a:p>
+          <a:p>
+            <a:r>
+              <a:rPr lang="en-US" altLang="zh-CN" dirty="0"/>
+              <a:t>MLP is a </a:t>
+            </a:r>
+            <a:r>
+              <a:rPr lang="en-US" altLang="zh-CN" dirty="0" err="1"/>
+              <a:t>nolinear</a:t>
+            </a:r>
+            <a:r>
+              <a:rPr lang="en-US" altLang="zh-CN" dirty="0"/>
+              <a:t> project for every single token</a:t>
+            </a:r>
+          </a:p>
+          <a:p>
+            <a:r>
+              <a:rPr lang="en-US" altLang="zh-CN" dirty="0"/>
+              <a:t>Using a </a:t>
+            </a:r>
+            <a:r>
+              <a:rPr lang="en-US" altLang="zh-CN" dirty="0" err="1"/>
+              <a:t>nolinear</a:t>
+            </a:r>
+            <a:r>
+              <a:rPr lang="en-US" altLang="zh-CN" dirty="0"/>
+              <a:t> activation function GELU</a:t>
+            </a:r>
+          </a:p>
+          <a:p>
+            <a:r>
+              <a:rPr lang="en-US" altLang="zh-CN" dirty="0"/>
+              <a:t>Expand dim to </a:t>
+            </a:r>
+            <a:r>
+              <a:rPr lang="en-US" altLang="zh-CN" dirty="0" err="1"/>
+              <a:t>mlp_dim</a:t>
+            </a:r>
+            <a:r>
+              <a:rPr lang="en-US" altLang="zh-CN" dirty="0"/>
+              <a:t> , then shrink back to dim to improve expression</a:t>
+            </a:r>
+          </a:p>
+          <a:p>
+            <a:endParaRPr lang="en-US" altLang="zh-CN" dirty="0"/>
+          </a:p>
+          <a:p>
+            <a:endParaRPr lang="zh-CN" altLang="en-US" dirty="0"/>
+          </a:p>
+        </p:txBody>
+      </p:sp>
+    </p:spTree>
+    <p:extLst>
+      <p:ext uri="{BB962C8B-B14F-4D97-AF65-F5344CB8AC3E}">
+        <p14:creationId xmlns:p14="http://schemas.microsoft.com/office/powerpoint/2010/main" val="1230576194"/>
+      </p:ext>
+    </p:extLst>
+  </p:cSld>
+  <p:clrMapOvr>
+    <a:masterClrMapping/>
+  </p:clrMapOvr>
+</p:sld>
+</file>
+
+<file path=ppt/slides/slide8.xml><?xml version="1.0" encoding="utf-8"?>
+<p:sld xmlns:a="http://schemas.openxmlformats.org/drawingml/2006/main" xmlns:r="http://schemas.openxmlformats.org/officeDocument/2006/relationships" xmlns:p="http://schemas.openxmlformats.org/presentationml/2006/main">
+  <p:cSld>
+    <p:bg>
+      <p:bgPr>
+        <a:solidFill>
+          <a:schemeClr val="bg1"/>
+        </a:solidFill>
+        <a:effectLst/>
+      </p:bgPr>
+    </p:bg>
+    <p:spTree>
+      <p:nvGrpSpPr>
+        <p:cNvPr id="1" name=""/>
+        <p:cNvGrpSpPr/>
+        <p:nvPr/>
+      </p:nvGrpSpPr>
+      <p:grpSpPr>
+        <a:xfrm>
+          <a:off x="0" y="0"/>
+          <a:ext cx="0" cy="0"/>
+          <a:chOff x="0" y="0"/>
+          <a:chExt cx="0" cy="0"/>
+        </a:xfrm>
+      </p:grpSpPr>
+      <p:sp useBgFill="1">
+        <p:nvSpPr>
+          <p:cNvPr id="10" name="Rectangle 9">
+            <a:extLst>
+              <a:ext uri="{FF2B5EF4-FFF2-40B4-BE49-F238E27FC236}">
+                <a16:creationId xmlns:a16="http://schemas.microsoft.com/office/drawing/2014/main" id="{19D32F93-50AC-4C46-A5DB-291C60DDB7BD}"/>
+              </a:ext>
+              <a:ext uri="{C183D7F6-B498-43B3-948B-1728B52AA6E4}">
+                <adec:decorative xmlns:adec="http://schemas.microsoft.com/office/drawing/2017/decorative" val="1"/>
+              </a:ext>
+            </a:extLst>
+          </p:cNvPr>
+          <p:cNvSpPr>
+            <a:spLocks noGrp="1" noRot="1" noChangeAspect="1" noMove="1" noResize="1" noEditPoints="1" noAdjustHandles="1" noChangeArrowheads="1" noChangeShapeType="1" noTextEdit="1"/>
+          </p:cNvSpPr>
+          <p:nvPr>
+            <p:extLst>
+              <p:ext uri="{386F3935-93C4-4BCD-93E2-E3B085C9AB24}">
+                <p16:designElem xmlns:p16="http://schemas.microsoft.com/office/powerpoint/2015/main" val="1"/>
+              </p:ext>
+            </p:extLst>
+          </p:nvPr>
+        </p:nvSpPr>
+        <p:spPr>
+          <a:xfrm>
+            <a:off x="0" y="0"/>
+            <a:ext cx="12192000" cy="6858000"/>
+          </a:xfrm>
+          <a:prstGeom prst="rect">
+            <a:avLst/>
+          </a:prstGeom>
+          <a:ln>
+            <a:noFill/>
+          </a:ln>
+        </p:spPr>
+        <p:style>
+          <a:lnRef idx="2">
+            <a:schemeClr val="accent1">
+              <a:shade val="50000"/>
+            </a:schemeClr>
+          </a:lnRef>
+          <a:fillRef idx="1">
+            <a:schemeClr val="accent1"/>
+          </a:fillRef>
+          <a:effectRef idx="0">
+            <a:schemeClr val="accent1"/>
+          </a:effectRef>
+          <a:fontRef idx="minor">
+            <a:schemeClr val="lt1"/>
+          </a:fontRef>
+        </p:style>
+        <p:txBody>
+          <a:bodyPr rtlCol="0" anchor="ctr"/>
+          <a:lstStyle/>
+          <a:p>
+            <a:pPr algn="ctr"/>
+            <a:endParaRPr lang="en-US"/>
+          </a:p>
+        </p:txBody>
+      </p:sp>
+      <p:pic>
+        <p:nvPicPr>
+          <p:cNvPr id="5" name="图片 4">
+            <a:extLst>
+              <a:ext uri="{FF2B5EF4-FFF2-40B4-BE49-F238E27FC236}">
+                <a16:creationId xmlns:a16="http://schemas.microsoft.com/office/drawing/2014/main" id="{75C18219-EB67-4A82-19B0-6D5D7D12AECA}"/>
+              </a:ext>
+            </a:extLst>
+          </p:cNvPr>
+          <p:cNvPicPr>
+            <a:picLocks noChangeAspect="1"/>
+          </p:cNvPicPr>
+          <p:nvPr/>
+        </p:nvPicPr>
+        <p:blipFill>
+          <a:blip r:embed="rId2"/>
+          <a:stretch>
+            <a:fillRect/>
+          </a:stretch>
+        </p:blipFill>
+        <p:spPr>
+          <a:xfrm>
+            <a:off x="1289303" y="1625097"/>
+            <a:ext cx="9613397" cy="1201673"/>
+          </a:xfrm>
+          <a:prstGeom prst="rect">
+            <a:avLst/>
+          </a:prstGeom>
+        </p:spPr>
+      </p:pic>
+      <p:sp>
+        <p:nvSpPr>
+          <p:cNvPr id="12" name="Right Triangle 11">
+            <a:extLst>
+              <a:ext uri="{FF2B5EF4-FFF2-40B4-BE49-F238E27FC236}">
+                <a16:creationId xmlns:a16="http://schemas.microsoft.com/office/drawing/2014/main" id="{827DC2C4-B485-428A-BF4A-472D2967F47F}"/>
+              </a:ext>
+              <a:ext uri="{C183D7F6-B498-43B3-948B-1728B52AA6E4}">
+                <adec:decorative xmlns:adec="http://schemas.microsoft.com/office/drawing/2017/decorative" val="1"/>
+              </a:ext>
+            </a:extLst>
+          </p:cNvPr>
+          <p:cNvSpPr>
+            <a:spLocks noGrp="1" noRot="1" noChangeAspect="1" noMove="1" noResize="1" noEditPoints="1" noAdjustHandles="1" noChangeArrowheads="1" noChangeShapeType="1" noTextEdit="1"/>
+          </p:cNvSpPr>
+          <p:nvPr>
+            <p:extLst>
+              <p:ext uri="{386F3935-93C4-4BCD-93E2-E3B085C9AB24}">
+                <p16:designElem xmlns:p16="http://schemas.microsoft.com/office/powerpoint/2015/main" val="1"/>
+              </p:ext>
+            </p:extLst>
+          </p:nvPr>
+        </p:nvSpPr>
+        <p:spPr>
+          <a:xfrm flipH="1">
+            <a:off x="8576720" y="3335867"/>
+            <a:ext cx="3291840" cy="3200400"/>
+          </a:xfrm>
+          <a:prstGeom prst="rtTriangle">
+            <a:avLst/>
+          </a:prstGeom>
+          <a:solidFill>
+            <a:schemeClr val="accent4"/>
+          </a:solidFill>
+          <a:ln>
+            <a:noFill/>
+          </a:ln>
+        </p:spPr>
+        <p:style>
+          <a:lnRef idx="2">
+            <a:schemeClr val="accent1">
+              <a:shade val="50000"/>
+            </a:schemeClr>
+          </a:lnRef>
+          <a:fillRef idx="1">
+            <a:schemeClr val="accent1"/>
+          </a:fillRef>
+          <a:effectRef idx="0">
+            <a:schemeClr val="accent1"/>
+          </a:effectRef>
+          <a:fontRef idx="minor">
+            <a:schemeClr val="lt1"/>
+          </a:fontRef>
+        </p:style>
+        <p:txBody>
+          <a:bodyPr rtlCol="0" anchor="ctr"/>
+          <a:lstStyle/>
+          <a:p>
+            <a:pPr algn="ctr"/>
+            <a:endParaRPr lang="en-US" dirty="0"/>
+          </a:p>
+        </p:txBody>
+      </p:sp>
+      <p:sp>
+        <p:nvSpPr>
+          <p:cNvPr id="14" name="Rectangle 13">
+            <a:extLst>
+              <a:ext uri="{FF2B5EF4-FFF2-40B4-BE49-F238E27FC236}">
+                <a16:creationId xmlns:a16="http://schemas.microsoft.com/office/drawing/2014/main" id="{EE04B5EB-F158-4507-90DD-BD23620C7CC9}"/>
+              </a:ext>
+              <a:ext uri="{C183D7F6-B498-43B3-948B-1728B52AA6E4}">
+                <adec:decorative xmlns:adec="http://schemas.microsoft.com/office/drawing/2017/decorative" val="1"/>
+              </a:ext>
+            </a:extLst>
+          </p:cNvPr>
+          <p:cNvSpPr>
+            <a:spLocks noGrp="1" noRot="1" noChangeAspect="1" noMove="1" noResize="1" noEditPoints="1" noAdjustHandles="1" noChangeArrowheads="1" noChangeShapeType="1" noTextEdit="1"/>
+          </p:cNvSpPr>
+          <p:nvPr>
+            <p:extLst>
+              <p:ext uri="{386F3935-93C4-4BCD-93E2-E3B085C9AB24}">
+                <p16:designElem xmlns:p16="http://schemas.microsoft.com/office/powerpoint/2015/main" val="1"/>
+              </p:ext>
+            </p:extLst>
+          </p:nvPr>
+        </p:nvSpPr>
+        <p:spPr>
+          <a:xfrm>
+            <a:off x="641774" y="623275"/>
+            <a:ext cx="10905053" cy="5607882"/>
+          </a:xfrm>
+          <a:prstGeom prst="rect">
+            <a:avLst/>
+          </a:prstGeom>
+          <a:noFill/>
+          <a:ln w="19050">
+            <a:solidFill>
+              <a:schemeClr val="tx1">
+                <a:lumMod val="75000"/>
+                <a:lumOff val="25000"/>
+              </a:schemeClr>
+            </a:solidFill>
+          </a:ln>
+        </p:spPr>
+        <p:style>
+          <a:lnRef idx="2">
+            <a:schemeClr val="accent1">
+              <a:shade val="50000"/>
+            </a:schemeClr>
+          </a:lnRef>
+          <a:fillRef idx="1">
+            <a:schemeClr val="accent1"/>
+          </a:fillRef>
+          <a:effectRef idx="0">
+            <a:schemeClr val="accent1"/>
+          </a:effectRef>
+          <a:fontRef idx="minor">
+            <a:schemeClr val="lt1"/>
+          </a:fontRef>
+        </p:style>
+        <p:txBody>
+          <a:bodyPr rtlCol="0" anchor="ctr"/>
+          <a:lstStyle/>
+          <a:p>
+            <a:pPr algn="ctr"/>
+            <a:endParaRPr lang="en-US"/>
+          </a:p>
+        </p:txBody>
+      </p:sp>
+      <p:sp>
+        <p:nvSpPr>
+          <p:cNvPr id="2" name="标题 1">
+            <a:extLst>
+              <a:ext uri="{FF2B5EF4-FFF2-40B4-BE49-F238E27FC236}">
+                <a16:creationId xmlns:a16="http://schemas.microsoft.com/office/drawing/2014/main" id="{11E9A416-4A77-094C-520E-A50095ADF095}"/>
+              </a:ext>
+            </a:extLst>
+          </p:cNvPr>
+          <p:cNvSpPr>
+            <a:spLocks noGrp="1"/>
+          </p:cNvSpPr>
+          <p:nvPr>
+            <p:ph type="title"/>
+          </p:nvPr>
+        </p:nvSpPr>
+        <p:spPr>
+          <a:xfrm>
+            <a:off x="1289304" y="3429000"/>
+            <a:ext cx="8921672" cy="1713305"/>
+          </a:xfrm>
+        </p:spPr>
+        <p:txBody>
+          <a:bodyPr vert="horz" lIns="91440" tIns="45720" rIns="91440" bIns="45720" rtlCol="0" anchor="b">
+            <a:normAutofit/>
+          </a:bodyPr>
+          <a:lstStyle/>
+          <a:p>
+            <a:r>
+              <a:rPr lang="en-US" altLang="zh-CN" sz="8000" kern="1200" dirty="0">
+                <a:solidFill>
+                  <a:schemeClr val="tx1"/>
+                </a:solidFill>
+                <a:latin typeface="+mj-lt"/>
+                <a:ea typeface="+mj-ea"/>
+                <a:cs typeface="+mj-cs"/>
+              </a:rPr>
+              <a:t>Finally</a:t>
+            </a:r>
+          </a:p>
+        </p:txBody>
+      </p:sp>
+      <p:sp>
+        <p:nvSpPr>
+          <p:cNvPr id="3" name="内容占位符 2">
+            <a:extLst>
+              <a:ext uri="{FF2B5EF4-FFF2-40B4-BE49-F238E27FC236}">
+                <a16:creationId xmlns:a16="http://schemas.microsoft.com/office/drawing/2014/main" id="{66A45DC7-9814-16D9-D3DA-C6B565B5B34F}"/>
+              </a:ext>
+            </a:extLst>
+          </p:cNvPr>
+          <p:cNvSpPr>
+            <a:spLocks noGrp="1"/>
+          </p:cNvSpPr>
+          <p:nvPr>
+            <p:ph idx="1"/>
+          </p:nvPr>
+        </p:nvSpPr>
+        <p:spPr>
+          <a:xfrm>
+            <a:off x="1289303" y="5142305"/>
+            <a:ext cx="7321298" cy="753165"/>
+          </a:xfrm>
+        </p:spPr>
+        <p:txBody>
+          <a:bodyPr vert="horz" lIns="91440" tIns="45720" rIns="91440" bIns="45720" rtlCol="0" anchor="t">
+            <a:normAutofit/>
+          </a:bodyPr>
+          <a:lstStyle/>
+          <a:p>
+            <a:pPr marL="0" indent="0">
+              <a:buNone/>
+            </a:pPr>
+            <a:r>
+              <a:rPr lang="en-US" altLang="zh-CN" sz="2400" kern="1200" dirty="0">
+                <a:solidFill>
+                  <a:schemeClr val="tx1"/>
+                </a:solidFill>
+                <a:latin typeface="+mn-lt"/>
+                <a:ea typeface="+mn-ea"/>
+                <a:cs typeface="+mn-cs"/>
+              </a:rPr>
+              <a:t>Choose CLS token or all tokens mean stands for the final class</a:t>
+            </a:r>
+          </a:p>
+        </p:txBody>
+      </p:sp>
+    </p:spTree>
+    <p:extLst>
+      <p:ext uri="{BB962C8B-B14F-4D97-AF65-F5344CB8AC3E}">
+        <p14:creationId xmlns:p14="http://schemas.microsoft.com/office/powerpoint/2010/main" val="1904226589"/>
+      </p:ext>
+    </p:extLst>
+  </p:cSld>
+  <p:clrMapOvr>
+    <a:masterClrMapping/>
+  </p:clrMapOvr>
+</p:sld>
+</file>
+
+<file path=ppt/slides/slide9.xml><?xml version="1.0" encoding="utf-8"?>
+<p:sld xmlns:a="http://schemas.openxmlformats.org/drawingml/2006/main" xmlns:r="http://schemas.openxmlformats.org/officeDocument/2006/relationships" xmlns:p="http://schemas.openxmlformats.org/presentationml/2006/main">
+  <p:cSld>
+    <p:bg>
+      <p:bgPr>
+        <a:solidFill>
+          <a:schemeClr val="bg1"/>
+        </a:solidFill>
+        <a:effectLst/>
+      </p:bgPr>
+    </p:bg>
+    <p:spTree>
+      <p:nvGrpSpPr>
         <p:cNvPr id="1" name=""/>
         <p:cNvGrpSpPr/>
         <p:nvPr/>
@@ -6231,18 +13612,26 @@
         </p:spPr>
         <p:txBody>
           <a:bodyPr anchor="ctr">
-            <a:normAutofit fontScale="90000"/>
+            <a:normAutofit/>
           </a:bodyPr>
           <a:lstStyle/>
           <a:p>
             <a:pPr algn="l"/>
+            <a:r>
+              <a:rPr lang="en-US" altLang="zh-CN" sz="4000">
+                <a:solidFill>
+                  <a:srgbClr val="FFFFFF"/>
+                </a:solidFill>
+              </a:rPr>
+              <a:t>Efficient </a:t>
+            </a:r>
             <a:r>
               <a:rPr lang="en-US" altLang="zh-CN" sz="4000" dirty="0">
                 <a:solidFill>
                   <a:srgbClr val="FFFFFF"/>
                 </a:solidFill>
               </a:rPr>
-              <a:t>Baseline Efficient Transformer Vit </a:t>
+              <a:t>Transformer Vit </a:t>
             </a:r>
             <a:endParaRPr lang="zh-CN" altLang="en-US" sz="4000" dirty="0">
               <a:solidFill>
@@ -6383,600 +13772,6 @@
     <p:extLst>
       <p:ext uri="{BB962C8B-B14F-4D97-AF65-F5344CB8AC3E}">
         <p14:creationId xmlns:p14="http://schemas.microsoft.com/office/powerpoint/2010/main" val="1506835935"/>
-      </p:ext>
-    </p:extLst>
-  </p:cSld>
-  <p:clrMapOvr>
-    <a:masterClrMapping/>
-  </p:clrMapOvr>
-</p:sld>
-</file>
-
-<file path=ppt/slides/slide5.xml><?xml version="1.0" encoding="utf-8"?>
-<p:sld xmlns:a="http://schemas.openxmlformats.org/drawingml/2006/main" xmlns:r="http://schemas.openxmlformats.org/officeDocument/2006/relationships" xmlns:p="http://schemas.openxmlformats.org/presentationml/2006/main">
-  <p:cSld>
-    <p:bg>
-      <p:bgPr>
-        <a:solidFill>
-          <a:schemeClr val="bg1"/>
-        </a:solidFill>
-        <a:effectLst/>
-      </p:bgPr>
-    </p:bg>
-    <p:spTree>
-      <p:nvGrpSpPr>
-        <p:cNvPr id="1" name="">
-          <a:extLst>
-            <a:ext uri="{FF2B5EF4-FFF2-40B4-BE49-F238E27FC236}">
-              <a16:creationId xmlns:a16="http://schemas.microsoft.com/office/drawing/2014/main" id="{901C8EC4-26A9-319A-E56B-D1D1417648EF}"/>
-            </a:ext>
-          </a:extLst>
-        </p:cNvPr>
-        <p:cNvGrpSpPr/>
-        <p:nvPr/>
-      </p:nvGrpSpPr>
-      <p:grpSpPr>
-        <a:xfrm>
-          <a:off x="0" y="0"/>
-          <a:ext cx="0" cy="0"/>
-          <a:chOff x="0" y="0"/>
-          <a:chExt cx="0" cy="0"/>
-        </a:xfrm>
-      </p:grpSpPr>
-      <p:sp useBgFill="1">
-        <p:nvSpPr>
-          <p:cNvPr id="25" name="Rectangle 24">
-            <a:extLst>
-              <a:ext uri="{FF2B5EF4-FFF2-40B4-BE49-F238E27FC236}">
-                <a16:creationId xmlns:a16="http://schemas.microsoft.com/office/drawing/2014/main" id="{2151139A-886F-4B97-8815-729AD3831BBD}"/>
-              </a:ext>
-              <a:ext uri="{C183D7F6-B498-43B3-948B-1728B52AA6E4}">
-                <adec:decorative xmlns:adec="http://schemas.microsoft.com/office/drawing/2017/decorative" val="1"/>
-              </a:ext>
-            </a:extLst>
-          </p:cNvPr>
-          <p:cNvSpPr>
-            <a:spLocks noGrp="1" noRot="1" noChangeAspect="1" noMove="1" noResize="1" noEditPoints="1" noAdjustHandles="1" noChangeArrowheads="1" noChangeShapeType="1" noTextEdit="1"/>
-          </p:cNvSpPr>
-          <p:nvPr>
-            <p:extLst>
-              <p:ext uri="{386F3935-93C4-4BCD-93E2-E3B085C9AB24}">
-                <p16:designElem xmlns:p16="http://schemas.microsoft.com/office/powerpoint/2015/main" val="1"/>
-              </p:ext>
-            </p:extLst>
-          </p:nvPr>
-        </p:nvSpPr>
-        <p:spPr>
-          <a:xfrm>
-            <a:off x="0" y="0"/>
-            <a:ext cx="12192000" cy="6858000"/>
-          </a:xfrm>
-          <a:prstGeom prst="rect">
-            <a:avLst/>
-          </a:prstGeom>
-          <a:ln w="12700" cap="flat" cmpd="sng" algn="ctr">
-            <a:noFill/>
-            <a:prstDash val="solid"/>
-            <a:miter lim="800000"/>
-          </a:ln>
-          <a:effectLst/>
-          <a:extLst>
-            <a:ext uri="{91240B29-F687-4F45-9708-019B960494DF}">
-              <a14:hiddenLine xmlns:a14="http://schemas.microsoft.com/office/drawing/2010/main" w="12700" cap="flat" cmpd="sng" algn="ctr">
-                <a:solidFill>
-                  <a:schemeClr val="accent1">
-                    <a:shade val="50000"/>
-                  </a:schemeClr>
-                </a:solidFill>
-                <a:prstDash val="solid"/>
-                <a:miter lim="800000"/>
-              </a14:hiddenLine>
-            </a:ext>
-          </a:extLst>
-        </p:spPr>
-        <p:style>
-          <a:lnRef idx="2">
-            <a:schemeClr val="accent1">
-              <a:shade val="50000"/>
-            </a:schemeClr>
-          </a:lnRef>
-          <a:fillRef idx="1">
-            <a:schemeClr val="accent1"/>
-          </a:fillRef>
-          <a:effectRef idx="0">
-            <a:schemeClr val="accent1"/>
-          </a:effectRef>
-          <a:fontRef idx="minor">
-            <a:schemeClr val="lt1"/>
-          </a:fontRef>
-        </p:style>
-        <p:txBody>
-          <a:bodyPr rtlCol="0" anchor="ctr"/>
-          <a:lstStyle/>
-          <a:p>
-            <a:pPr algn="ctr"/>
-            <a:endParaRPr lang="en-US" sz="2000"/>
-          </a:p>
-        </p:txBody>
-      </p:sp>
-      <p:sp>
-        <p:nvSpPr>
-          <p:cNvPr id="27" name="Rectangle 26">
-            <a:extLst>
-              <a:ext uri="{FF2B5EF4-FFF2-40B4-BE49-F238E27FC236}">
-                <a16:creationId xmlns:a16="http://schemas.microsoft.com/office/drawing/2014/main" id="{AB5E08C4-8CDD-4623-A5B8-E998C6DEE3B7}"/>
-              </a:ext>
-              <a:ext uri="{C183D7F6-B498-43B3-948B-1728B52AA6E4}">
-                <adec:decorative xmlns:adec="http://schemas.microsoft.com/office/drawing/2017/decorative" val="1"/>
-              </a:ext>
-            </a:extLst>
-          </p:cNvPr>
-          <p:cNvSpPr>
-            <a:spLocks noGrp="1" noRot="1" noChangeAspect="1" noMove="1" noResize="1" noEditPoints="1" noAdjustHandles="1" noChangeArrowheads="1" noChangeShapeType="1" noTextEdit="1"/>
-          </p:cNvSpPr>
-          <p:nvPr>
-            <p:extLst>
-              <p:ext uri="{386F3935-93C4-4BCD-93E2-E3B085C9AB24}">
-                <p16:designElem xmlns:p16="http://schemas.microsoft.com/office/powerpoint/2015/main" val="1"/>
-              </p:ext>
-            </p:extLst>
-          </p:nvPr>
-        </p:nvSpPr>
-        <p:spPr>
-          <a:xfrm flipH="1">
-            <a:off x="2" y="492"/>
-            <a:ext cx="12191998" cy="1575955"/>
-          </a:xfrm>
-          <a:prstGeom prst="rect">
-            <a:avLst/>
-          </a:prstGeom>
-          <a:gradFill>
-            <a:gsLst>
-              <a:gs pos="0">
-                <a:schemeClr val="accent1">
-                  <a:lumMod val="50000"/>
-                </a:schemeClr>
-              </a:gs>
-              <a:gs pos="100000">
-                <a:schemeClr val="accent1">
-                  <a:lumMod val="75000"/>
-                </a:schemeClr>
-              </a:gs>
-            </a:gsLst>
-            <a:lin ang="8400000" scaled="0"/>
-          </a:gradFill>
-          <a:ln>
-            <a:noFill/>
-          </a:ln>
-        </p:spPr>
-        <p:style>
-          <a:lnRef idx="2">
-            <a:schemeClr val="accent1">
-              <a:shade val="50000"/>
-            </a:schemeClr>
-          </a:lnRef>
-          <a:fillRef idx="1">
-            <a:schemeClr val="accent1"/>
-          </a:fillRef>
-          <a:effectRef idx="0">
-            <a:schemeClr val="accent1"/>
-          </a:effectRef>
-          <a:fontRef idx="minor">
-            <a:schemeClr val="lt1"/>
-          </a:fontRef>
-        </p:style>
-        <p:txBody>
-          <a:bodyPr rtlCol="0" anchor="ctr"/>
-          <a:lstStyle/>
-          <a:p>
-            <a:pPr algn="ctr"/>
-            <a:endParaRPr lang="en-US"/>
-          </a:p>
-        </p:txBody>
-      </p:sp>
-      <p:sp>
-        <p:nvSpPr>
-          <p:cNvPr id="29" name="Rectangle 28">
-            <a:extLst>
-              <a:ext uri="{FF2B5EF4-FFF2-40B4-BE49-F238E27FC236}">
-                <a16:creationId xmlns:a16="http://schemas.microsoft.com/office/drawing/2014/main" id="{15F33878-D502-4FFA-8ACE-F2AECDB2A23F}"/>
-              </a:ext>
-              <a:ext uri="{C183D7F6-B498-43B3-948B-1728B52AA6E4}">
-                <adec:decorative xmlns:adec="http://schemas.microsoft.com/office/drawing/2017/decorative" val="1"/>
-              </a:ext>
-            </a:extLst>
-          </p:cNvPr>
-          <p:cNvSpPr>
-            <a:spLocks noGrp="1" noRot="1" noChangeAspect="1" noMove="1" noResize="1" noEditPoints="1" noAdjustHandles="1" noChangeArrowheads="1" noChangeShapeType="1" noTextEdit="1"/>
-          </p:cNvSpPr>
-          <p:nvPr>
-            <p:extLst>
-              <p:ext uri="{386F3935-93C4-4BCD-93E2-E3B085C9AB24}">
-                <p16:designElem xmlns:p16="http://schemas.microsoft.com/office/powerpoint/2015/main" val="1"/>
-              </p:ext>
-            </p:extLst>
-          </p:nvPr>
-        </p:nvSpPr>
-        <p:spPr>
-          <a:xfrm rot="10800000" flipH="1">
-            <a:off x="8128857" y="35"/>
-            <a:ext cx="4063143" cy="1576412"/>
-          </a:xfrm>
-          <a:prstGeom prst="rect">
-            <a:avLst/>
-          </a:prstGeom>
-          <a:gradFill>
-            <a:gsLst>
-              <a:gs pos="19000">
-                <a:schemeClr val="accent1">
-                  <a:lumMod val="50000"/>
-                  <a:alpha val="68000"/>
-                </a:schemeClr>
-              </a:gs>
-              <a:gs pos="100000">
-                <a:schemeClr val="accent1">
-                  <a:alpha val="79000"/>
-                </a:schemeClr>
-              </a:gs>
-            </a:gsLst>
-            <a:lin ang="19200000" scaled="0"/>
-          </a:gradFill>
-          <a:ln>
-            <a:noFill/>
-          </a:ln>
-        </p:spPr>
-        <p:style>
-          <a:lnRef idx="2">
-            <a:schemeClr val="accent1">
-              <a:shade val="50000"/>
-            </a:schemeClr>
-          </a:lnRef>
-          <a:fillRef idx="1">
-            <a:schemeClr val="accent1"/>
-          </a:fillRef>
-          <a:effectRef idx="0">
-            <a:schemeClr val="accent1"/>
-          </a:effectRef>
-          <a:fontRef idx="minor">
-            <a:schemeClr val="lt1"/>
-          </a:fontRef>
-        </p:style>
-        <p:txBody>
-          <a:bodyPr rtlCol="0" anchor="ctr"/>
-          <a:lstStyle/>
-          <a:p>
-            <a:pPr algn="ctr"/>
-            <a:endParaRPr lang="en-US"/>
-          </a:p>
-        </p:txBody>
-      </p:sp>
-      <p:sp>
-        <p:nvSpPr>
-          <p:cNvPr id="31" name="Rectangle 30">
-            <a:extLst>
-              <a:ext uri="{FF2B5EF4-FFF2-40B4-BE49-F238E27FC236}">
-                <a16:creationId xmlns:a16="http://schemas.microsoft.com/office/drawing/2014/main" id="{D3539FEE-81D3-4406-802E-60B20B16F4F6}"/>
-              </a:ext>
-              <a:ext uri="{C183D7F6-B498-43B3-948B-1728B52AA6E4}">
-                <adec:decorative xmlns:adec="http://schemas.microsoft.com/office/drawing/2017/decorative" val="1"/>
-              </a:ext>
-            </a:extLst>
-          </p:cNvPr>
-          <p:cNvSpPr>
-            <a:spLocks noGrp="1" noRot="1" noChangeAspect="1" noMove="1" noResize="1" noEditPoints="1" noAdjustHandles="1" noChangeArrowheads="1" noChangeShapeType="1" noTextEdit="1"/>
-          </p:cNvSpPr>
-          <p:nvPr>
-            <p:extLst>
-              <p:ext uri="{386F3935-93C4-4BCD-93E2-E3B085C9AB24}">
-                <p16:designElem xmlns:p16="http://schemas.microsoft.com/office/powerpoint/2015/main" val="1"/>
-              </p:ext>
-            </p:extLst>
-          </p:nvPr>
-        </p:nvSpPr>
-        <p:spPr>
-          <a:xfrm rot="5400000">
-            <a:off x="5307778" y="-5307777"/>
-            <a:ext cx="1576446" cy="12192001"/>
-          </a:xfrm>
-          <a:prstGeom prst="rect">
-            <a:avLst/>
-          </a:prstGeom>
-          <a:gradFill>
-            <a:gsLst>
-              <a:gs pos="16000">
-                <a:srgbClr val="000000">
-                  <a:alpha val="0"/>
-                </a:srgbClr>
-              </a:gs>
-              <a:gs pos="99000">
-                <a:srgbClr val="000000">
-                  <a:alpha val="87000"/>
-                </a:srgbClr>
-              </a:gs>
-            </a:gsLst>
-            <a:lin ang="11400000" scaled="0"/>
-          </a:gradFill>
-          <a:ln>
-            <a:noFill/>
-          </a:ln>
-        </p:spPr>
-        <p:style>
-          <a:lnRef idx="2">
-            <a:schemeClr val="accent1">
-              <a:shade val="50000"/>
-            </a:schemeClr>
-          </a:lnRef>
-          <a:fillRef idx="1">
-            <a:schemeClr val="accent1"/>
-          </a:fillRef>
-          <a:effectRef idx="0">
-            <a:schemeClr val="accent1"/>
-          </a:effectRef>
-          <a:fontRef idx="minor">
-            <a:schemeClr val="lt1"/>
-          </a:fontRef>
-        </p:style>
-        <p:txBody>
-          <a:bodyPr rtlCol="0" anchor="ctr"/>
-          <a:lstStyle/>
-          <a:p>
-            <a:pPr algn="ctr"/>
-            <a:endParaRPr lang="en-US" dirty="0"/>
-          </a:p>
-        </p:txBody>
-      </p:sp>
-      <p:sp>
-        <p:nvSpPr>
-          <p:cNvPr id="33" name="Rectangle 32">
-            <a:extLst>
-              <a:ext uri="{FF2B5EF4-FFF2-40B4-BE49-F238E27FC236}">
-                <a16:creationId xmlns:a16="http://schemas.microsoft.com/office/drawing/2014/main" id="{DC701763-729E-462F-A5A8-E0DEFEB1E2E4}"/>
-              </a:ext>
-              <a:ext uri="{C183D7F6-B498-43B3-948B-1728B52AA6E4}">
-                <adec:decorative xmlns:adec="http://schemas.microsoft.com/office/drawing/2017/decorative" val="1"/>
-              </a:ext>
-            </a:extLst>
-          </p:cNvPr>
-          <p:cNvSpPr>
-            <a:spLocks noGrp="1" noRot="1" noChangeAspect="1" noMove="1" noResize="1" noEditPoints="1" noAdjustHandles="1" noChangeArrowheads="1" noChangeShapeType="1" noTextEdit="1"/>
-          </p:cNvSpPr>
-          <p:nvPr>
-            <p:extLst>
-              <p:ext uri="{386F3935-93C4-4BCD-93E2-E3B085C9AB24}">
-                <p16:designElem xmlns:p16="http://schemas.microsoft.com/office/powerpoint/2015/main" val="1"/>
-              </p:ext>
-            </p:extLst>
-          </p:nvPr>
-        </p:nvSpPr>
-        <p:spPr>
-          <a:xfrm>
-            <a:off x="3825434" y="986"/>
-            <a:ext cx="4303422" cy="1575461"/>
-          </a:xfrm>
-          <a:prstGeom prst="rect">
-            <a:avLst/>
-          </a:prstGeom>
-          <a:gradFill>
-            <a:gsLst>
-              <a:gs pos="0">
-                <a:schemeClr val="accent1">
-                  <a:alpha val="17000"/>
-                </a:schemeClr>
-              </a:gs>
-              <a:gs pos="74000">
-                <a:schemeClr val="accent1">
-                  <a:lumMod val="50000"/>
-                  <a:alpha val="0"/>
-                </a:schemeClr>
-              </a:gs>
-            </a:gsLst>
-            <a:lin ang="14400000" scaled="0"/>
-          </a:gradFill>
-          <a:ln>
-            <a:noFill/>
-          </a:ln>
-        </p:spPr>
-        <p:style>
-          <a:lnRef idx="2">
-            <a:schemeClr val="accent1">
-              <a:shade val="50000"/>
-            </a:schemeClr>
-          </a:lnRef>
-          <a:fillRef idx="1">
-            <a:schemeClr val="accent1"/>
-          </a:fillRef>
-          <a:effectRef idx="0">
-            <a:schemeClr val="accent1"/>
-          </a:effectRef>
-          <a:fontRef idx="minor">
-            <a:schemeClr val="lt1"/>
-          </a:fontRef>
-        </p:style>
-        <p:txBody>
-          <a:bodyPr rtlCol="0" anchor="ctr"/>
-          <a:lstStyle/>
-          <a:p>
-            <a:pPr algn="ctr"/>
-            <a:endParaRPr lang="en-US"/>
-          </a:p>
-        </p:txBody>
-      </p:sp>
-      <p:sp>
-        <p:nvSpPr>
-          <p:cNvPr id="2" name="标题 1">
-            <a:extLst>
-              <a:ext uri="{FF2B5EF4-FFF2-40B4-BE49-F238E27FC236}">
-                <a16:creationId xmlns:a16="http://schemas.microsoft.com/office/drawing/2014/main" id="{8AC8C377-F3D2-0AAD-8E10-1B5B3D0473E3}"/>
-              </a:ext>
-            </a:extLst>
-          </p:cNvPr>
-          <p:cNvSpPr>
-            <a:spLocks noGrp="1"/>
-          </p:cNvSpPr>
-          <p:nvPr>
-            <p:ph type="ctrTitle"/>
-          </p:nvPr>
-        </p:nvSpPr>
-        <p:spPr>
-          <a:xfrm>
-            <a:off x="699714" y="353160"/>
-            <a:ext cx="7091300" cy="898581"/>
-          </a:xfrm>
-        </p:spPr>
-        <p:txBody>
-          <a:bodyPr anchor="ctr">
-            <a:normAutofit/>
-          </a:bodyPr>
-          <a:lstStyle/>
-          <a:p>
-            <a:pPr algn="l"/>
-            <a:r>
-              <a:rPr lang="en-US" altLang="zh-CN" sz="4000" dirty="0">
-                <a:solidFill>
-                  <a:srgbClr val="FFFFFF"/>
-                </a:solidFill>
-              </a:rPr>
-              <a:t>Baseline Vit </a:t>
-            </a:r>
-            <a:endParaRPr lang="zh-CN" altLang="en-US" sz="4000" dirty="0">
-              <a:solidFill>
-                <a:srgbClr val="FFFFFF"/>
-              </a:solidFill>
-            </a:endParaRPr>
-          </a:p>
-        </p:txBody>
-      </p:sp>
-      <p:sp>
-        <p:nvSpPr>
-          <p:cNvPr id="3" name="副标题 2">
-            <a:extLst>
-              <a:ext uri="{FF2B5EF4-FFF2-40B4-BE49-F238E27FC236}">
-                <a16:creationId xmlns:a16="http://schemas.microsoft.com/office/drawing/2014/main" id="{1175EC7A-6E1F-E1D6-CB51-77C1FA486A7E}"/>
-              </a:ext>
-            </a:extLst>
-          </p:cNvPr>
-          <p:cNvSpPr>
-            <a:spLocks noGrp="1"/>
-          </p:cNvSpPr>
-          <p:nvPr>
-            <p:ph type="subTitle" idx="1"/>
-          </p:nvPr>
-        </p:nvSpPr>
-        <p:spPr>
-          <a:xfrm>
-            <a:off x="8653112" y="353159"/>
-            <a:ext cx="3190984" cy="898581"/>
-          </a:xfrm>
-        </p:spPr>
-        <p:txBody>
-          <a:bodyPr anchor="ctr">
-            <a:normAutofit lnSpcReduction="10000"/>
-          </a:bodyPr>
-          <a:lstStyle/>
-          <a:p>
-            <a:pPr algn="l"/>
-            <a:r>
-              <a:rPr lang="en-US" altLang="zh-CN" sz="1400" dirty="0">
-                <a:solidFill>
-                  <a:srgbClr val="FFFFFF"/>
-                </a:solidFill>
-              </a:rPr>
-              <a:t>Only cat and dog 2 classes</a:t>
-            </a:r>
-          </a:p>
-          <a:p>
-            <a:pPr algn="l"/>
-            <a:r>
-              <a:rPr lang="en-US" altLang="zh-CN" sz="1400" dirty="0">
-                <a:solidFill>
-                  <a:srgbClr val="FFFFFF"/>
-                </a:solidFill>
-              </a:rPr>
-              <a:t>Epoch 100</a:t>
-            </a:r>
-          </a:p>
-          <a:p>
-            <a:pPr algn="l"/>
-            <a:r>
-              <a:rPr lang="en-US" altLang="zh-CN" sz="1400" dirty="0">
-                <a:solidFill>
-                  <a:srgbClr val="FFFFFF"/>
-                </a:solidFill>
-              </a:rPr>
-              <a:t>Test Accuracy 64%</a:t>
-            </a:r>
-            <a:endParaRPr lang="zh-CN" altLang="en-US" sz="1400" dirty="0">
-              <a:solidFill>
-                <a:srgbClr val="FFFFFF"/>
-              </a:solidFill>
-            </a:endParaRPr>
-          </a:p>
-        </p:txBody>
-      </p:sp>
-      <p:pic>
-        <p:nvPicPr>
-          <p:cNvPr id="9" name="图片 8">
-            <a:extLst>
-              <a:ext uri="{FF2B5EF4-FFF2-40B4-BE49-F238E27FC236}">
-                <a16:creationId xmlns:a16="http://schemas.microsoft.com/office/drawing/2014/main" id="{08C657BA-ADC4-B061-076D-0DE6083E86BE}"/>
-              </a:ext>
-            </a:extLst>
-          </p:cNvPr>
-          <p:cNvPicPr>
-            <a:picLocks noChangeAspect="1"/>
-          </p:cNvPicPr>
-          <p:nvPr/>
-        </p:nvPicPr>
-        <p:blipFill>
-          <a:blip r:embed="rId2"/>
-          <a:stretch>
-            <a:fillRect/>
-          </a:stretch>
-        </p:blipFill>
-        <p:spPr>
-          <a:xfrm>
-            <a:off x="715748" y="2448502"/>
-            <a:ext cx="5131088" cy="3463484"/>
-          </a:xfrm>
-          <a:prstGeom prst="rect">
-            <a:avLst/>
-          </a:prstGeom>
-        </p:spPr>
-      </p:pic>
-      <p:pic>
-        <p:nvPicPr>
-          <p:cNvPr id="6" name="图片 5">
-            <a:extLst>
-              <a:ext uri="{FF2B5EF4-FFF2-40B4-BE49-F238E27FC236}">
-                <a16:creationId xmlns:a16="http://schemas.microsoft.com/office/drawing/2014/main" id="{2D6C0221-3C6E-D52B-047F-06C3C676AC38}"/>
-              </a:ext>
-            </a:extLst>
-          </p:cNvPr>
-          <p:cNvPicPr>
-            <a:picLocks noChangeAspect="1"/>
-          </p:cNvPicPr>
-          <p:nvPr/>
-        </p:nvPicPr>
-        <p:blipFill>
-          <a:blip r:embed="rId3"/>
-          <a:stretch>
-            <a:fillRect/>
-          </a:stretch>
-        </p:blipFill>
-        <p:spPr>
-          <a:xfrm>
-            <a:off x="6345165" y="2452919"/>
-            <a:ext cx="5131087" cy="3527622"/>
-          </a:xfrm>
-          <a:prstGeom prst="rect">
-            <a:avLst/>
-          </a:prstGeom>
-        </p:spPr>
-      </p:pic>
-    </p:spTree>
-    <p:extLst>
-      <p:ext uri="{BB962C8B-B14F-4D97-AF65-F5344CB8AC3E}">
-        <p14:creationId xmlns:p14="http://schemas.microsoft.com/office/powerpoint/2010/main" val="2864515275"/>
       </p:ext>
     </p:extLst>
   </p:cSld>
@@ -7299,4 +14094,319 @@
     </a:ext>
   </a:extLst>
 </a:theme>
+</file>
+
+<file path=ppt/theme/theme2.xml><?xml version="1.0" encoding="utf-8"?>
+<a:theme xmlns:a="http://schemas.openxmlformats.org/drawingml/2006/main" name="Office 主题​​">
+  <a:themeElements>
+    <a:clrScheme name="Office">
+      <a:dk1>
+        <a:sysClr val="windowText" lastClr="000000"/>
+      </a:dk1>
+      <a:lt1>
+        <a:sysClr val="window" lastClr="FFFFFF"/>
+      </a:lt1>
+      <a:dk2>
+        <a:srgbClr val="0E2841"/>
+      </a:dk2>
+      <a:lt2>
+        <a:srgbClr val="E8E8E8"/>
+      </a:lt2>
+      <a:accent1>
+        <a:srgbClr val="156082"/>
+      </a:accent1>
+      <a:accent2>
+        <a:srgbClr val="E97132"/>
+      </a:accent2>
+      <a:accent3>
+        <a:srgbClr val="196B24"/>
+      </a:accent3>
+      <a:accent4>
+        <a:srgbClr val="0F9ED5"/>
+      </a:accent4>
+      <a:accent5>
+        <a:srgbClr val="A02B93"/>
+      </a:accent5>
+      <a:accent6>
+        <a:srgbClr val="4EA72E"/>
+      </a:accent6>
+      <a:hlink>
+        <a:srgbClr val="467886"/>
+      </a:hlink>
+      <a:folHlink>
+        <a:srgbClr val="96607D"/>
+      </a:folHlink>
+    </a:clrScheme>
+    <a:fontScheme name="Office">
+      <a:majorFont>
+        <a:latin typeface="等线 Light" panose="02110004020202020204"/>
+        <a:ea typeface=""/>
+        <a:cs typeface=""/>
+        <a:font script="Jpan" typeface="游ゴシック Light"/>
+        <a:font script="Hang" typeface="맑은 고딕"/>
+        <a:font script="Hans" typeface="等线 Light"/>
+        <a:font script="Hant" typeface="新細明體"/>
+        <a:font script="Arab" typeface="Times New Roman"/>
+        <a:font script="Hebr" typeface="Times New Roman"/>
+        <a:font script="Thai" typeface="Angsana New"/>
+        <a:font script="Ethi" typeface="Nyala"/>
+        <a:font script="Beng" typeface="Vrinda"/>
+        <a:font script="Gujr" typeface="Shruti"/>
+        <a:font script="Khmr" typeface="MoolBoran"/>
+        <a:font script="Knda" typeface="Tunga"/>
+        <a:font script="Guru" typeface="Raavi"/>
+        <a:font script="Cans" typeface="Euphemia"/>
+        <a:font script="Cher" typeface="Plantagenet Cherokee"/>
+        <a:font script="Yiii" typeface="Microsoft Yi Baiti"/>
+        <a:font script="Tibt" typeface="Microsoft Himalaya"/>
+        <a:font script="Thaa" typeface="MV Boli"/>
+        <a:font script="Deva" typeface="Mangal"/>
+        <a:font script="Telu" typeface="Gautami"/>
+        <a:font script="Taml" typeface="Latha"/>
+        <a:font script="Syrc" typeface="Estrangelo Edessa"/>
+        <a:font script="Orya" typeface="Kalinga"/>
+        <a:font script="Mlym" typeface="Kartika"/>
+        <a:font script="Laoo" typeface="DokChampa"/>
+        <a:font script="Sinh" typeface="Iskoola Pota"/>
+        <a:font script="Mong" typeface="Mongolian Baiti"/>
+        <a:font script="Viet" typeface="Times New Roman"/>
+        <a:font script="Uigh" typeface="Microsoft Uighur"/>
+        <a:font script="Geor" typeface="Sylfaen"/>
+        <a:font script="Armn" typeface="Arial"/>
+        <a:font script="Bugi" typeface="Leelawadee UI"/>
+        <a:font script="Bopo" typeface="Microsoft JhengHei"/>
+        <a:font script="Java" typeface="Javanese Text"/>
+        <a:font script="Lisu" typeface="Segoe UI"/>
+        <a:font script="Mymr" typeface="Myanmar Text"/>
+        <a:font script="Nkoo" typeface="Ebrima"/>
+        <a:font script="Olck" typeface="Nirmala UI"/>
+        <a:font script="Osma" typeface="Ebrima"/>
+        <a:font script="Phag" typeface="Phagspa"/>
+        <a:font script="Syrn" typeface="Estrangelo Edessa"/>
+        <a:font script="Syrj" typeface="Estrangelo Edessa"/>
+        <a:font script="Syre" typeface="Estrangelo Edessa"/>
+        <a:font script="Sora" typeface="Nirmala UI"/>
+        <a:font script="Tale" typeface="Microsoft Tai Le"/>
+        <a:font script="Talu" typeface="Microsoft New Tai Lue"/>
+        <a:font script="Tfng" typeface="Ebrima"/>
+      </a:majorFont>
+      <a:minorFont>
+        <a:latin typeface="等线" panose="02110004020202020204"/>
+        <a:ea typeface=""/>
+        <a:cs typeface=""/>
+        <a:font script="Jpan" typeface="游ゴシック"/>
+        <a:font script="Hang" typeface="맑은 고딕"/>
+        <a:font script="Hans" typeface="等线"/>
+        <a:font script="Hant" typeface="新細明體"/>
+        <a:font script="Arab" typeface="Arial"/>
+        <a:font script="Hebr" typeface="Arial"/>
+        <a:font script="Thai" typeface="Cordia New"/>
+        <a:font script="Ethi" typeface="Nyala"/>
+        <a:font script="Beng" typeface="Vrinda"/>
+        <a:font script="Gujr" typeface="Shruti"/>
+        <a:font script="Khmr" typeface="DaunPenh"/>
+        <a:font script="Knda" typeface="Tunga"/>
+        <a:font script="Guru" typeface="Raavi"/>
+        <a:font script="Cans" typeface="Euphemia"/>
+        <a:font script="Cher" typeface="Plantagenet Cherokee"/>
+        <a:font script="Yiii" typeface="Microsoft Yi Baiti"/>
+        <a:font script="Tibt" typeface="Microsoft Himalaya"/>
+        <a:font script="Thaa" typeface="MV Boli"/>
+        <a:font script="Deva" typeface="Mangal"/>
+        <a:font script="Telu" typeface="Gautami"/>
+        <a:font script="Taml" typeface="Latha"/>
+        <a:font script="Syrc" typeface="Estrangelo Edessa"/>
+        <a:font script="Orya" typeface="Kalinga"/>
+        <a:font script="Mlym" typeface="Kartika"/>
+        <a:font script="Laoo" typeface="DokChampa"/>
+        <a:font script="Sinh" typeface="Iskoola Pota"/>
+        <a:font script="Mong" typeface="Mongolian Baiti"/>
+        <a:font script="Viet" typeface="Arial"/>
+        <a:font script="Uigh" typeface="Microsoft Uighur"/>
+        <a:font script="Geor" typeface="Sylfaen"/>
+        <a:font script="Armn" typeface="Arial"/>
+        <a:font script="Bugi" typeface="Leelawadee UI"/>
+        <a:font script="Bopo" typeface="Microsoft JhengHei"/>
+        <a:font script="Java" typeface="Javanese Text"/>
+        <a:font script="Lisu" typeface="Segoe UI"/>
+        <a:font script="Mymr" typeface="Myanmar Text"/>
+        <a:font script="Nkoo" typeface="Ebrima"/>
+        <a:font script="Olck" typeface="Nirmala UI"/>
+        <a:font script="Osma" typeface="Ebrima"/>
+        <a:font script="Phag" typeface="Phagspa"/>
+        <a:font script="Syrn" typeface="Estrangelo Edessa"/>
+        <a:font script="Syrj" typeface="Estrangelo Edessa"/>
+        <a:font script="Syre" typeface="Estrangelo Edessa"/>
+        <a:font script="Sora" typeface="Nirmala UI"/>
+        <a:font script="Tale" typeface="Microsoft Tai Le"/>
+        <a:font script="Talu" typeface="Microsoft New Tai Lue"/>
+        <a:font script="Tfng" typeface="Ebrima"/>
+      </a:minorFont>
+    </a:fontScheme>
+    <a:fmtScheme name="Office">
+      <a:fillStyleLst>
+        <a:solidFill>
+          <a:schemeClr val="phClr"/>
+        </a:solidFill>
+        <a:gradFill rotWithShape="1">
+          <a:gsLst>
+            <a:gs pos="0">
+              <a:schemeClr val="phClr">
+                <a:lumMod val="110000"/>
+                <a:satMod val="105000"/>
+                <a:tint val="67000"/>
+              </a:schemeClr>
+            </a:gs>
+            <a:gs pos="50000">
+              <a:schemeClr val="phClr">
+                <a:lumMod val="105000"/>
+                <a:satMod val="103000"/>
+                <a:tint val="73000"/>
+              </a:schemeClr>
+            </a:gs>
+            <a:gs pos="100000">
+              <a:schemeClr val="phClr">
+                <a:lumMod val="105000"/>
+                <a:satMod val="109000"/>
+                <a:tint val="81000"/>
+              </a:schemeClr>
+            </a:gs>
+          </a:gsLst>
+          <a:lin ang="5400000" scaled="0"/>
+        </a:gradFill>
+        <a:gradFill rotWithShape="1">
+          <a:gsLst>
+            <a:gs pos="0">
+              <a:schemeClr val="phClr">
+                <a:satMod val="103000"/>
+                <a:lumMod val="102000"/>
+                <a:tint val="94000"/>
+              </a:schemeClr>
+            </a:gs>
+            <a:gs pos="50000">
+              <a:schemeClr val="phClr">
+                <a:satMod val="110000"/>
+                <a:lumMod val="100000"/>
+                <a:shade val="100000"/>
+              </a:schemeClr>
+            </a:gs>
+            <a:gs pos="100000">
+              <a:schemeClr val="phClr">
+                <a:lumMod val="99000"/>
+                <a:satMod val="120000"/>
+                <a:shade val="78000"/>
+              </a:schemeClr>
+            </a:gs>
+          </a:gsLst>
+          <a:lin ang="5400000" scaled="0"/>
+        </a:gradFill>
+      </a:fillStyleLst>
+      <a:lnStyleLst>
+        <a:ln w="12700" cap="flat" cmpd="sng" algn="ctr">
+          <a:solidFill>
+            <a:schemeClr val="phClr"/>
+          </a:solidFill>
+          <a:prstDash val="solid"/>
+          <a:miter lim="800000"/>
+        </a:ln>
+        <a:ln w="19050" cap="flat" cmpd="sng" algn="ctr">
+          <a:solidFill>
+            <a:schemeClr val="phClr"/>
+          </a:solidFill>
+          <a:prstDash val="solid"/>
+          <a:miter lim="800000"/>
+        </a:ln>
+        <a:ln w="25400" cap="flat" cmpd="sng" algn="ctr">
+          <a:solidFill>
+            <a:schemeClr val="phClr"/>
+          </a:solidFill>
+          <a:prstDash val="solid"/>
+          <a:miter lim="800000"/>
+        </a:ln>
+      </a:lnStyleLst>
+      <a:effectStyleLst>
+        <a:effectStyle>
+          <a:effectLst/>
+        </a:effectStyle>
+        <a:effectStyle>
+          <a:effectLst/>
+        </a:effectStyle>
+        <a:effectStyle>
+          <a:effectLst>
+            <a:outerShdw blurRad="57150" dist="19050" dir="5400000" algn="ctr" rotWithShape="0">
+              <a:srgbClr val="000000">
+                <a:alpha val="63000"/>
+              </a:srgbClr>
+            </a:outerShdw>
+          </a:effectLst>
+        </a:effectStyle>
+      </a:effectStyleLst>
+      <a:bgFillStyleLst>
+        <a:solidFill>
+          <a:schemeClr val="phClr"/>
+        </a:solidFill>
+        <a:solidFill>
+          <a:schemeClr val="phClr">
+            <a:tint val="95000"/>
+            <a:satMod val="170000"/>
+          </a:schemeClr>
+        </a:solidFill>
+        <a:gradFill rotWithShape="1">
+          <a:gsLst>
+            <a:gs pos="0">
+              <a:schemeClr val="phClr">
+                <a:tint val="93000"/>
+                <a:satMod val="150000"/>
+                <a:shade val="98000"/>
+                <a:lumMod val="102000"/>
+              </a:schemeClr>
+            </a:gs>
+            <a:gs pos="50000">
+              <a:schemeClr val="phClr">
+                <a:tint val="98000"/>
+                <a:satMod val="130000"/>
+                <a:shade val="90000"/>
+                <a:lumMod val="103000"/>
+              </a:schemeClr>
+            </a:gs>
+            <a:gs pos="100000">
+              <a:schemeClr val="phClr">
+                <a:shade val="63000"/>
+                <a:satMod val="120000"/>
+              </a:schemeClr>
+            </a:gs>
+          </a:gsLst>
+          <a:lin ang="5400000" scaled="0"/>
+        </a:gradFill>
+      </a:bgFillStyleLst>
+    </a:fmtScheme>
+  </a:themeElements>
+  <a:objectDefaults>
+    <a:lnDef>
+      <a:spPr/>
+      <a:bodyPr/>
+      <a:lstStyle/>
+      <a:style>
+        <a:lnRef idx="2">
+          <a:schemeClr val="accent1"/>
+        </a:lnRef>
+        <a:fillRef idx="0">
+          <a:schemeClr val="accent1"/>
+        </a:fillRef>
+        <a:effectRef idx="1">
+          <a:schemeClr val="accent1"/>
+        </a:effectRef>
+        <a:fontRef idx="minor">
+          <a:schemeClr val="tx1"/>
+        </a:fontRef>
+      </a:style>
+    </a:lnDef>
+  </a:objectDefaults>
+  <a:extraClrSchemeLst/>
+  <a:extLst>
+    <a:ext uri="{05A4C25C-085E-4340-85A3-A5531E510DB2}">
+      <thm15:themeFamily xmlns:thm15="http://schemas.microsoft.com/office/thememl/2012/main" name="Office Theme" id="{2E142A2C-CD16-42D6-873A-C26D2A0506FA}" vid="{1BDDFF52-6CD6-40A5-AB3C-68EB2F1E4D0A}"/>
+    </a:ext>
+  </a:extLst>
+</a:theme>
 </file>
--- a/A1/Report/Vit.pptx
+++ b/A1/Report/Vit.pptx
@@ -5,7 +5,7 @@
     <p:sldMasterId id="2147483648" r:id="rId1"/>
   </p:sldMasterIdLst>
   <p:notesMasterIdLst>
-    <p:notesMasterId r:id="rId17"/>
+    <p:notesMasterId r:id="rId24"/>
   </p:notesMasterIdLst>
   <p:sldIdLst>
     <p:sldId id="258" r:id="rId2"/>
@@ -23,6 +23,13 @@
     <p:sldId id="269" r:id="rId14"/>
     <p:sldId id="270" r:id="rId15"/>
     <p:sldId id="271" r:id="rId16"/>
+    <p:sldId id="272" r:id="rId17"/>
+    <p:sldId id="273" r:id="rId18"/>
+    <p:sldId id="274" r:id="rId19"/>
+    <p:sldId id="275" r:id="rId20"/>
+    <p:sldId id="276" r:id="rId21"/>
+    <p:sldId id="278" r:id="rId22"/>
+    <p:sldId id="279" r:id="rId23"/>
   </p:sldIdLst>
   <p:sldSz cx="12192000" cy="6858000"/>
   <p:notesSz cx="6858000" cy="9144000"/>
@@ -211,7 +218,7 @@
           <a:p>
             <a:fld id="{621E1A28-2928-4835-A764-9B497A7CF365}" type="datetimeFigureOut">
               <a:rPr lang="zh-CN" altLang="en-US" smtClean="0"/>
-              <a:t>2025/8/13</a:t>
+              <a:t>2025/8/16</a:t>
             </a:fld>
             <a:endParaRPr lang="zh-CN" altLang="en-US"/>
           </a:p>
@@ -709,7 +716,7 @@
           <a:p>
             <a:fld id="{A56F5F28-5D3F-4084-AA56-9274F00A419E}" type="datetimeFigureOut">
               <a:rPr lang="zh-CN" altLang="en-US" smtClean="0"/>
-              <a:t>2025/8/13</a:t>
+              <a:t>2025/8/16</a:t>
             </a:fld>
             <a:endParaRPr lang="zh-CN" altLang="en-US"/>
           </a:p>
@@ -907,7 +914,7 @@
           <a:p>
             <a:fld id="{A56F5F28-5D3F-4084-AA56-9274F00A419E}" type="datetimeFigureOut">
               <a:rPr lang="zh-CN" altLang="en-US" smtClean="0"/>
-              <a:t>2025/8/13</a:t>
+              <a:t>2025/8/16</a:t>
             </a:fld>
             <a:endParaRPr lang="zh-CN" altLang="en-US"/>
           </a:p>
@@ -1115,7 +1122,7 @@
           <a:p>
             <a:fld id="{A56F5F28-5D3F-4084-AA56-9274F00A419E}" type="datetimeFigureOut">
               <a:rPr lang="zh-CN" altLang="en-US" smtClean="0"/>
-              <a:t>2025/8/13</a:t>
+              <a:t>2025/8/16</a:t>
             </a:fld>
             <a:endParaRPr lang="zh-CN" altLang="en-US"/>
           </a:p>
@@ -1313,7 +1320,7 @@
           <a:p>
             <a:fld id="{A56F5F28-5D3F-4084-AA56-9274F00A419E}" type="datetimeFigureOut">
               <a:rPr lang="zh-CN" altLang="en-US" smtClean="0"/>
-              <a:t>2025/8/13</a:t>
+              <a:t>2025/8/16</a:t>
             </a:fld>
             <a:endParaRPr lang="zh-CN" altLang="en-US"/>
           </a:p>
@@ -1588,7 +1595,7 @@
           <a:p>
             <a:fld id="{A56F5F28-5D3F-4084-AA56-9274F00A419E}" type="datetimeFigureOut">
               <a:rPr lang="zh-CN" altLang="en-US" smtClean="0"/>
-              <a:t>2025/8/13</a:t>
+              <a:t>2025/8/16</a:t>
             </a:fld>
             <a:endParaRPr lang="zh-CN" altLang="en-US"/>
           </a:p>
@@ -1853,7 +1860,7 @@
           <a:p>
             <a:fld id="{A56F5F28-5D3F-4084-AA56-9274F00A419E}" type="datetimeFigureOut">
               <a:rPr lang="zh-CN" altLang="en-US" smtClean="0"/>
-              <a:t>2025/8/13</a:t>
+              <a:t>2025/8/16</a:t>
             </a:fld>
             <a:endParaRPr lang="zh-CN" altLang="en-US"/>
           </a:p>
@@ -2265,7 +2272,7 @@
           <a:p>
             <a:fld id="{A56F5F28-5D3F-4084-AA56-9274F00A419E}" type="datetimeFigureOut">
               <a:rPr lang="zh-CN" altLang="en-US" smtClean="0"/>
-              <a:t>2025/8/13</a:t>
+              <a:t>2025/8/16</a:t>
             </a:fld>
             <a:endParaRPr lang="zh-CN" altLang="en-US"/>
           </a:p>
@@ -2406,7 +2413,7 @@
           <a:p>
             <a:fld id="{A56F5F28-5D3F-4084-AA56-9274F00A419E}" type="datetimeFigureOut">
               <a:rPr lang="zh-CN" altLang="en-US" smtClean="0"/>
-              <a:t>2025/8/13</a:t>
+              <a:t>2025/8/16</a:t>
             </a:fld>
             <a:endParaRPr lang="zh-CN" altLang="en-US"/>
           </a:p>
@@ -2519,7 +2526,7 @@
           <a:p>
             <a:fld id="{A56F5F28-5D3F-4084-AA56-9274F00A419E}" type="datetimeFigureOut">
               <a:rPr lang="zh-CN" altLang="en-US" smtClean="0"/>
-              <a:t>2025/8/13</a:t>
+              <a:t>2025/8/16</a:t>
             </a:fld>
             <a:endParaRPr lang="zh-CN" altLang="en-US"/>
           </a:p>
@@ -2830,7 +2837,7 @@
           <a:p>
             <a:fld id="{A56F5F28-5D3F-4084-AA56-9274F00A419E}" type="datetimeFigureOut">
               <a:rPr lang="zh-CN" altLang="en-US" smtClean="0"/>
-              <a:t>2025/8/13</a:t>
+              <a:t>2025/8/16</a:t>
             </a:fld>
             <a:endParaRPr lang="zh-CN" altLang="en-US"/>
           </a:p>
@@ -3118,7 +3125,7 @@
           <a:p>
             <a:fld id="{A56F5F28-5D3F-4084-AA56-9274F00A419E}" type="datetimeFigureOut">
               <a:rPr lang="zh-CN" altLang="en-US" smtClean="0"/>
-              <a:t>2025/8/13</a:t>
+              <a:t>2025/8/16</a:t>
             </a:fld>
             <a:endParaRPr lang="zh-CN" altLang="en-US"/>
           </a:p>
@@ -3359,7 +3366,7 @@
           <a:p>
             <a:fld id="{A56F5F28-5D3F-4084-AA56-9274F00A419E}" type="datetimeFigureOut">
               <a:rPr lang="zh-CN" altLang="en-US" smtClean="0"/>
-              <a:t>2025/8/13</a:t>
+              <a:t>2025/8/16</a:t>
             </a:fld>
             <a:endParaRPr lang="zh-CN" altLang="en-US"/>
           </a:p>
@@ -8863,7 +8870,7 @@
             </a:pPr>
             <a:r>
               <a:rPr lang="en-US" altLang="zh-CN" sz="1700" dirty="0"/>
-              <a:t>Epoch = 30</a:t>
+              <a:t>Epoch = 50</a:t>
             </a:r>
           </a:p>
           <a:p>
@@ -9032,10 +9039,9 @@
               <a:buChar char="•"/>
             </a:pPr>
             <a:r>
-              <a:rPr lang="en-US" altLang="zh-CN" sz="1700"/>
+              <a:rPr lang="en-US" altLang="zh-CN" sz="1700" dirty="0"/>
               <a:t>Time Cost: 100min</a:t>
             </a:r>
-            <a:endParaRPr lang="en-US" altLang="zh-CN" sz="1700" dirty="0"/>
           </a:p>
           <a:p>
             <a:pPr indent="-228600">
@@ -9086,6 +9092,1542 @@
     <p:extLst>
       <p:ext uri="{BB962C8B-B14F-4D97-AF65-F5344CB8AC3E}">
         <p14:creationId xmlns:p14="http://schemas.microsoft.com/office/powerpoint/2010/main" val="53753133"/>
+      </p:ext>
+    </p:extLst>
+  </p:cSld>
+  <p:clrMapOvr>
+    <a:masterClrMapping/>
+  </p:clrMapOvr>
+</p:sld>
+</file>
+
+<file path=ppt/slides/slide16.xml><?xml version="1.0" encoding="utf-8"?>
+<p:sld xmlns:a="http://schemas.openxmlformats.org/drawingml/2006/main" xmlns:r="http://schemas.openxmlformats.org/officeDocument/2006/relationships" xmlns:p="http://schemas.openxmlformats.org/presentationml/2006/main">
+  <p:cSld>
+    <p:bg>
+      <p:bgPr>
+        <a:solidFill>
+          <a:schemeClr val="bg1"/>
+        </a:solidFill>
+        <a:effectLst/>
+      </p:bgPr>
+    </p:bg>
+    <p:spTree>
+      <p:nvGrpSpPr>
+        <p:cNvPr id="1" name="">
+          <a:extLst>
+            <a:ext uri="{FF2B5EF4-FFF2-40B4-BE49-F238E27FC236}">
+              <a16:creationId xmlns:a16="http://schemas.microsoft.com/office/drawing/2014/main" id="{849C0E45-EFD8-261F-49F5-9B36D3140E2C}"/>
+            </a:ext>
+          </a:extLst>
+        </p:cNvPr>
+        <p:cNvGrpSpPr/>
+        <p:nvPr/>
+      </p:nvGrpSpPr>
+      <p:grpSpPr>
+        <a:xfrm>
+          <a:off x="0" y="0"/>
+          <a:ext cx="0" cy="0"/>
+          <a:chOff x="0" y="0"/>
+          <a:chExt cx="0" cy="0"/>
+        </a:xfrm>
+      </p:grpSpPr>
+      <p:sp>
+        <p:nvSpPr>
+          <p:cNvPr id="10" name="Flowchart: Document 9">
+            <a:extLst>
+              <a:ext uri="{FF2B5EF4-FFF2-40B4-BE49-F238E27FC236}">
+                <a16:creationId xmlns:a16="http://schemas.microsoft.com/office/drawing/2014/main" id="{A88B487B-C581-F84D-4F15-EE833EE0210D}"/>
+              </a:ext>
+              <a:ext uri="{C183D7F6-B498-43B3-948B-1728B52AA6E4}">
+                <adec:decorative xmlns:adec="http://schemas.microsoft.com/office/drawing/2017/decorative" val="1"/>
+              </a:ext>
+            </a:extLst>
+          </p:cNvPr>
+          <p:cNvSpPr>
+            <a:spLocks noGrp="1" noRot="1" noChangeAspect="1" noMove="1" noResize="1" noEditPoints="1" noAdjustHandles="1" noChangeArrowheads="1" noChangeShapeType="1" noTextEdit="1"/>
+          </p:cNvSpPr>
+          <p:nvPr>
+            <p:extLst>
+              <p:ext uri="{386F3935-93C4-4BCD-93E2-E3B085C9AB24}">
+                <p16:designElem xmlns:p16="http://schemas.microsoft.com/office/powerpoint/2015/main" val="1"/>
+              </p:ext>
+            </p:extLst>
+          </p:nvPr>
+        </p:nvSpPr>
+        <p:spPr>
+          <a:xfrm>
+            <a:off x="638175" y="0"/>
+            <a:ext cx="3248025" cy="3400426"/>
+          </a:xfrm>
+          <a:prstGeom prst="flowChartDocument">
+            <a:avLst/>
+          </a:prstGeom>
+          <a:solidFill>
+            <a:schemeClr val="accent1"/>
+          </a:solidFill>
+          <a:ln>
+            <a:noFill/>
+          </a:ln>
+        </p:spPr>
+        <p:style>
+          <a:lnRef idx="2">
+            <a:schemeClr val="accent1">
+              <a:shade val="50000"/>
+            </a:schemeClr>
+          </a:lnRef>
+          <a:fillRef idx="1">
+            <a:schemeClr val="accent1"/>
+          </a:fillRef>
+          <a:effectRef idx="0">
+            <a:schemeClr val="accent1"/>
+          </a:effectRef>
+          <a:fontRef idx="minor">
+            <a:schemeClr val="lt1"/>
+          </a:fontRef>
+        </p:style>
+        <p:txBody>
+          <a:bodyPr rtlCol="0" anchor="ctr"/>
+          <a:lstStyle/>
+          <a:p>
+            <a:pPr algn="ctr"/>
+            <a:endParaRPr lang="en-US"/>
+          </a:p>
+        </p:txBody>
+      </p:sp>
+      <p:sp>
+        <p:nvSpPr>
+          <p:cNvPr id="2" name="标题 1">
+            <a:extLst>
+              <a:ext uri="{FF2B5EF4-FFF2-40B4-BE49-F238E27FC236}">
+                <a16:creationId xmlns:a16="http://schemas.microsoft.com/office/drawing/2014/main" id="{493413C3-5DEE-E95F-56C5-AF7615DF4234}"/>
+              </a:ext>
+            </a:extLst>
+          </p:cNvPr>
+          <p:cNvSpPr>
+            <a:spLocks noGrp="1"/>
+          </p:cNvSpPr>
+          <p:nvPr>
+            <p:ph type="title"/>
+          </p:nvPr>
+        </p:nvSpPr>
+        <p:spPr>
+          <a:xfrm>
+            <a:off x="838199" y="171162"/>
+            <a:ext cx="3248025" cy="2371148"/>
+          </a:xfrm>
+        </p:spPr>
+        <p:txBody>
+          <a:bodyPr vert="horz" lIns="91440" tIns="45720" rIns="91440" bIns="45720" rtlCol="0" anchor="ctr">
+            <a:normAutofit/>
+          </a:bodyPr>
+          <a:lstStyle/>
+          <a:p>
+            <a:r>
+              <a:rPr lang="en-US" altLang="zh-CN" sz="3200" kern="1200" dirty="0">
+                <a:solidFill>
+                  <a:srgbClr val="FFFFFF"/>
+                </a:solidFill>
+                <a:latin typeface="+mj-lt"/>
+                <a:ea typeface="+mj-ea"/>
+                <a:cs typeface="+mj-cs"/>
+              </a:rPr>
+              <a:t>Cross </a:t>
+            </a:r>
+            <a:r>
+              <a:rPr lang="en-US" altLang="zh-CN" sz="3200" kern="1200" dirty="0" err="1">
+                <a:solidFill>
+                  <a:srgbClr val="FFFFFF"/>
+                </a:solidFill>
+                <a:latin typeface="+mj-lt"/>
+                <a:ea typeface="+mj-ea"/>
+                <a:cs typeface="+mj-cs"/>
+              </a:rPr>
+              <a:t>ViT</a:t>
+            </a:r>
+            <a:r>
+              <a:rPr lang="en-US" altLang="zh-CN" sz="3200" kern="1200" dirty="0">
+                <a:solidFill>
+                  <a:srgbClr val="FFFFFF"/>
+                </a:solidFill>
+                <a:latin typeface="+mj-lt"/>
+                <a:ea typeface="+mj-ea"/>
+                <a:cs typeface="+mj-cs"/>
+              </a:rPr>
+              <a:t> Model</a:t>
+            </a:r>
+          </a:p>
+        </p:txBody>
+      </p:sp>
+      <p:pic>
+        <p:nvPicPr>
+          <p:cNvPr id="4" name="图片 3">
+            <a:extLst>
+              <a:ext uri="{FF2B5EF4-FFF2-40B4-BE49-F238E27FC236}">
+                <a16:creationId xmlns:a16="http://schemas.microsoft.com/office/drawing/2014/main" id="{9283CCC4-D474-7E11-0AD8-A38B71E2D573}"/>
+              </a:ext>
+            </a:extLst>
+          </p:cNvPr>
+          <p:cNvPicPr>
+            <a:picLocks noChangeAspect="1"/>
+          </p:cNvPicPr>
+          <p:nvPr/>
+        </p:nvPicPr>
+        <p:blipFill>
+          <a:blip r:embed="rId2"/>
+          <a:stretch>
+            <a:fillRect/>
+          </a:stretch>
+        </p:blipFill>
+        <p:spPr>
+          <a:xfrm>
+            <a:off x="5657511" y="0"/>
+            <a:ext cx="4896533" cy="6573167"/>
+          </a:xfrm>
+          <a:prstGeom prst="rect">
+            <a:avLst/>
+          </a:prstGeom>
+        </p:spPr>
+      </p:pic>
+      <p:sp>
+        <p:nvSpPr>
+          <p:cNvPr id="7" name="矩形 6">
+            <a:extLst>
+              <a:ext uri="{FF2B5EF4-FFF2-40B4-BE49-F238E27FC236}">
+                <a16:creationId xmlns:a16="http://schemas.microsoft.com/office/drawing/2014/main" id="{E2350702-AA5A-3408-2945-0B3B8BC76D34}"/>
+              </a:ext>
+            </a:extLst>
+          </p:cNvPr>
+          <p:cNvSpPr/>
+          <p:nvPr/>
+        </p:nvSpPr>
+        <p:spPr>
+          <a:xfrm>
+            <a:off x="5809673" y="3860799"/>
+            <a:ext cx="4655127" cy="2712367"/>
+          </a:xfrm>
+          <a:prstGeom prst="rect">
+            <a:avLst/>
+          </a:prstGeom>
+          <a:noFill/>
+          <a:ln>
+            <a:solidFill>
+              <a:srgbClr val="FF0000"/>
+            </a:solidFill>
+          </a:ln>
+        </p:spPr>
+        <p:style>
+          <a:lnRef idx="2">
+            <a:schemeClr val="accent1">
+              <a:shade val="15000"/>
+            </a:schemeClr>
+          </a:lnRef>
+          <a:fillRef idx="1">
+            <a:schemeClr val="accent1"/>
+          </a:fillRef>
+          <a:effectRef idx="0">
+            <a:schemeClr val="accent1"/>
+          </a:effectRef>
+          <a:fontRef idx="minor">
+            <a:schemeClr val="lt1"/>
+          </a:fontRef>
+        </p:style>
+        <p:txBody>
+          <a:bodyPr rtlCol="0" anchor="ctr"/>
+          <a:lstStyle/>
+          <a:p>
+            <a:pPr algn="ctr"/>
+            <a:endParaRPr lang="zh-CN" altLang="en-US"/>
+          </a:p>
+        </p:txBody>
+      </p:sp>
+      <p:cxnSp>
+        <p:nvCxnSpPr>
+          <p:cNvPr id="9" name="直接箭头连接符 8">
+            <a:extLst>
+              <a:ext uri="{FF2B5EF4-FFF2-40B4-BE49-F238E27FC236}">
+                <a16:creationId xmlns:a16="http://schemas.microsoft.com/office/drawing/2014/main" id="{55A2EF52-11F3-9432-DC92-F3941D8BFAB6}"/>
+              </a:ext>
+            </a:extLst>
+          </p:cNvPr>
+          <p:cNvCxnSpPr/>
+          <p:nvPr/>
+        </p:nvCxnSpPr>
+        <p:spPr>
+          <a:xfrm flipH="1">
+            <a:off x="4498109" y="5403273"/>
+            <a:ext cx="1159402" cy="0"/>
+          </a:xfrm>
+          <a:prstGeom prst="straightConnector1">
+            <a:avLst/>
+          </a:prstGeom>
+          <a:ln>
+            <a:solidFill>
+              <a:srgbClr val="FF0000"/>
+            </a:solidFill>
+            <a:tailEnd type="triangle"/>
+          </a:ln>
+        </p:spPr>
+        <p:style>
+          <a:lnRef idx="2">
+            <a:schemeClr val="accent2"/>
+          </a:lnRef>
+          <a:fillRef idx="0">
+            <a:schemeClr val="accent2"/>
+          </a:fillRef>
+          <a:effectRef idx="1">
+            <a:schemeClr val="accent2"/>
+          </a:effectRef>
+          <a:fontRef idx="minor">
+            <a:schemeClr val="tx1"/>
+          </a:fontRef>
+        </p:style>
+      </p:cxnSp>
+      <p:sp>
+        <p:nvSpPr>
+          <p:cNvPr id="11" name="文本框 10">
+            <a:extLst>
+              <a:ext uri="{FF2B5EF4-FFF2-40B4-BE49-F238E27FC236}">
+                <a16:creationId xmlns:a16="http://schemas.microsoft.com/office/drawing/2014/main" id="{BED8BC27-4FE0-C3F5-9CCE-9E917C1B19CD}"/>
+              </a:ext>
+            </a:extLst>
+          </p:cNvPr>
+          <p:cNvSpPr txBox="1"/>
+          <p:nvPr/>
+        </p:nvSpPr>
+        <p:spPr>
+          <a:xfrm>
+            <a:off x="258618" y="3648364"/>
+            <a:ext cx="4793673" cy="2031325"/>
+          </a:xfrm>
+          <a:prstGeom prst="rect">
+            <a:avLst/>
+          </a:prstGeom>
+          <a:noFill/>
+        </p:spPr>
+        <p:txBody>
+          <a:bodyPr wrap="square" rtlCol="0">
+            <a:spAutoFit/>
+          </a:bodyPr>
+          <a:lstStyle/>
+          <a:p>
+            <a:r>
+              <a:rPr lang="en-US" altLang="zh-CN" dirty="0"/>
+              <a:t>First Step:</a:t>
+            </a:r>
+          </a:p>
+          <a:p>
+            <a:r>
+              <a:rPr lang="en-US" altLang="zh-CN" dirty="0"/>
+              <a:t>Split the original image into patches by </a:t>
+            </a:r>
+            <a:r>
+              <a:rPr lang="en-US" altLang="zh-CN" dirty="0">
+                <a:solidFill>
+                  <a:srgbClr val="FF0000"/>
+                </a:solidFill>
+              </a:rPr>
+              <a:t>different</a:t>
+            </a:r>
+            <a:r>
+              <a:rPr lang="en-US" altLang="zh-CN" dirty="0"/>
+              <a:t> </a:t>
+            </a:r>
+            <a:r>
+              <a:rPr lang="en-US" altLang="zh-CN" dirty="0" err="1"/>
+              <a:t>patch_size</a:t>
+            </a:r>
+            <a:r>
+              <a:rPr lang="en-US" altLang="zh-CN" dirty="0"/>
+              <a:t>(small, large)</a:t>
+            </a:r>
+          </a:p>
+          <a:p>
+            <a:r>
+              <a:rPr lang="en-US" altLang="zh-CN" dirty="0"/>
+              <a:t>Embedding to target </a:t>
+            </a:r>
+            <a:r>
+              <a:rPr lang="en-US" altLang="zh-CN" dirty="0" err="1"/>
+              <a:t>dimention</a:t>
+            </a:r>
+            <a:r>
+              <a:rPr lang="en-US" altLang="zh-CN" dirty="0"/>
+              <a:t> tokens</a:t>
+            </a:r>
+          </a:p>
+          <a:p>
+            <a:r>
+              <a:rPr lang="en-US" altLang="zh-CN" dirty="0"/>
+              <a:t>Adding CLS token and position embedded</a:t>
+            </a:r>
+          </a:p>
+          <a:p>
+            <a:r>
+              <a:rPr lang="en-US" altLang="zh-CN" dirty="0"/>
+              <a:t>The same as baseline </a:t>
+            </a:r>
+            <a:r>
+              <a:rPr lang="en-US" altLang="zh-CN" dirty="0" err="1"/>
+              <a:t>ViT</a:t>
+            </a:r>
+            <a:r>
+              <a:rPr lang="en-US" altLang="zh-CN" dirty="0"/>
+              <a:t> does</a:t>
+            </a:r>
+          </a:p>
+          <a:p>
+            <a:endParaRPr lang="zh-CN" altLang="en-US" dirty="0"/>
+          </a:p>
+        </p:txBody>
+      </p:sp>
+      <p:pic>
+        <p:nvPicPr>
+          <p:cNvPr id="13" name="图片 12">
+            <a:extLst>
+              <a:ext uri="{FF2B5EF4-FFF2-40B4-BE49-F238E27FC236}">
+                <a16:creationId xmlns:a16="http://schemas.microsoft.com/office/drawing/2014/main" id="{F09FF9D8-336E-5C44-9A2E-C3A8554EB33B}"/>
+              </a:ext>
+            </a:extLst>
+          </p:cNvPr>
+          <p:cNvPicPr>
+            <a:picLocks noChangeAspect="1"/>
+          </p:cNvPicPr>
+          <p:nvPr/>
+        </p:nvPicPr>
+        <p:blipFill>
+          <a:blip r:embed="rId3"/>
+          <a:stretch>
+            <a:fillRect/>
+          </a:stretch>
+        </p:blipFill>
+        <p:spPr>
+          <a:xfrm>
+            <a:off x="258618" y="5927626"/>
+            <a:ext cx="4345269" cy="519355"/>
+          </a:xfrm>
+          <a:prstGeom prst="rect">
+            <a:avLst/>
+          </a:prstGeom>
+        </p:spPr>
+      </p:pic>
+    </p:spTree>
+    <p:extLst>
+      <p:ext uri="{BB962C8B-B14F-4D97-AF65-F5344CB8AC3E}">
+        <p14:creationId xmlns:p14="http://schemas.microsoft.com/office/powerpoint/2010/main" val="1495598315"/>
+      </p:ext>
+    </p:extLst>
+  </p:cSld>
+  <p:clrMapOvr>
+    <a:masterClrMapping/>
+  </p:clrMapOvr>
+</p:sld>
+</file>
+
+<file path=ppt/slides/slide17.xml><?xml version="1.0" encoding="utf-8"?>
+<p:sld xmlns:a="http://schemas.openxmlformats.org/drawingml/2006/main" xmlns:r="http://schemas.openxmlformats.org/officeDocument/2006/relationships" xmlns:p="http://schemas.openxmlformats.org/presentationml/2006/main">
+  <p:cSld>
+    <p:spTree>
+      <p:nvGrpSpPr>
+        <p:cNvPr id="1" name=""/>
+        <p:cNvGrpSpPr/>
+        <p:nvPr/>
+      </p:nvGrpSpPr>
+      <p:grpSpPr>
+        <a:xfrm>
+          <a:off x="0" y="0"/>
+          <a:ext cx="0" cy="0"/>
+          <a:chOff x="0" y="0"/>
+          <a:chExt cx="0" cy="0"/>
+        </a:xfrm>
+      </p:grpSpPr>
+      <p:pic>
+        <p:nvPicPr>
+          <p:cNvPr id="5" name="图片 4">
+            <a:extLst>
+              <a:ext uri="{FF2B5EF4-FFF2-40B4-BE49-F238E27FC236}">
+                <a16:creationId xmlns:a16="http://schemas.microsoft.com/office/drawing/2014/main" id="{4EA4EF38-5B91-821F-4DD8-B42D1C5F433E}"/>
+              </a:ext>
+            </a:extLst>
+          </p:cNvPr>
+          <p:cNvPicPr>
+            <a:picLocks noChangeAspect="1"/>
+          </p:cNvPicPr>
+          <p:nvPr/>
+        </p:nvPicPr>
+        <p:blipFill>
+          <a:blip r:embed="rId2"/>
+          <a:stretch>
+            <a:fillRect/>
+          </a:stretch>
+        </p:blipFill>
+        <p:spPr>
+          <a:xfrm>
+            <a:off x="7190604" y="88622"/>
+            <a:ext cx="4848902" cy="1914792"/>
+          </a:xfrm>
+          <a:prstGeom prst="rect">
+            <a:avLst/>
+          </a:prstGeom>
+        </p:spPr>
+      </p:pic>
+      <p:sp>
+        <p:nvSpPr>
+          <p:cNvPr id="6" name="文本框 5">
+            <a:extLst>
+              <a:ext uri="{FF2B5EF4-FFF2-40B4-BE49-F238E27FC236}">
+                <a16:creationId xmlns:a16="http://schemas.microsoft.com/office/drawing/2014/main" id="{E50D32BF-F229-D9BB-51E2-DBDC97336522}"/>
+              </a:ext>
+            </a:extLst>
+          </p:cNvPr>
+          <p:cNvSpPr txBox="1"/>
+          <p:nvPr/>
+        </p:nvSpPr>
+        <p:spPr>
+          <a:xfrm>
+            <a:off x="219640" y="165089"/>
+            <a:ext cx="5320145" cy="646331"/>
+          </a:xfrm>
+          <a:prstGeom prst="rect">
+            <a:avLst/>
+          </a:prstGeom>
+          <a:noFill/>
+        </p:spPr>
+        <p:txBody>
+          <a:bodyPr wrap="square" rtlCol="0">
+            <a:spAutoFit/>
+          </a:bodyPr>
+          <a:lstStyle/>
+          <a:p>
+            <a:r>
+              <a:rPr lang="en-US" altLang="zh-CN" dirty="0">
+                <a:solidFill>
+                  <a:srgbClr val="FF0000"/>
+                </a:solidFill>
+              </a:rPr>
+              <a:t>Multi-Scale Transformer</a:t>
+            </a:r>
+          </a:p>
+          <a:p>
+            <a:r>
+              <a:rPr lang="en-US" altLang="zh-CN" dirty="0"/>
+              <a:t>First: Muti-heads Self Attention</a:t>
+            </a:r>
+            <a:endParaRPr lang="zh-CN" altLang="en-US" dirty="0"/>
+          </a:p>
+        </p:txBody>
+      </p:sp>
+      <p:pic>
+        <p:nvPicPr>
+          <p:cNvPr id="10" name="图片 9">
+            <a:extLst>
+              <a:ext uri="{FF2B5EF4-FFF2-40B4-BE49-F238E27FC236}">
+                <a16:creationId xmlns:a16="http://schemas.microsoft.com/office/drawing/2014/main" id="{81775BB9-46E4-B236-7E4E-A9B57F8C2E63}"/>
+              </a:ext>
+            </a:extLst>
+          </p:cNvPr>
+          <p:cNvPicPr>
+            <a:picLocks noChangeAspect="1"/>
+          </p:cNvPicPr>
+          <p:nvPr/>
+        </p:nvPicPr>
+        <p:blipFill>
+          <a:blip r:embed="rId3"/>
+          <a:stretch>
+            <a:fillRect/>
+          </a:stretch>
+        </p:blipFill>
+        <p:spPr>
+          <a:xfrm>
+            <a:off x="0" y="811420"/>
+            <a:ext cx="6585421" cy="2266927"/>
+          </a:xfrm>
+          <a:prstGeom prst="rect">
+            <a:avLst/>
+          </a:prstGeom>
+        </p:spPr>
+      </p:pic>
+      <p:sp>
+        <p:nvSpPr>
+          <p:cNvPr id="11" name="文本框 10">
+            <a:extLst>
+              <a:ext uri="{FF2B5EF4-FFF2-40B4-BE49-F238E27FC236}">
+                <a16:creationId xmlns:a16="http://schemas.microsoft.com/office/drawing/2014/main" id="{88F9F6C3-58B5-4811-BC23-09F7C751C0AF}"/>
+              </a:ext>
+            </a:extLst>
+          </p:cNvPr>
+          <p:cNvSpPr txBox="1"/>
+          <p:nvPr/>
+        </p:nvSpPr>
+        <p:spPr>
+          <a:xfrm>
+            <a:off x="6677891" y="2282104"/>
+            <a:ext cx="5514109" cy="1477328"/>
+          </a:xfrm>
+          <a:prstGeom prst="rect">
+            <a:avLst/>
+          </a:prstGeom>
+          <a:noFill/>
+        </p:spPr>
+        <p:txBody>
+          <a:bodyPr wrap="square" rtlCol="0">
+            <a:spAutoFit/>
+          </a:bodyPr>
+          <a:lstStyle/>
+          <a:p>
+            <a:r>
+              <a:rPr lang="en-US" altLang="zh-CN" dirty="0"/>
+              <a:t>In every Multi-Scale Transformer layer, Firstly,</a:t>
+            </a:r>
+          </a:p>
+          <a:p>
+            <a:r>
+              <a:rPr lang="en-US" altLang="zh-CN" dirty="0"/>
+              <a:t>we encoder small tokens and large tokens respectively</a:t>
+            </a:r>
+          </a:p>
+          <a:p>
+            <a:endParaRPr lang="en-US" altLang="zh-CN" dirty="0"/>
+          </a:p>
+          <a:p>
+            <a:r>
+              <a:rPr lang="en-US" altLang="zh-CN" dirty="0"/>
+              <a:t>The same as </a:t>
+            </a:r>
+            <a:r>
+              <a:rPr lang="en-US" altLang="zh-CN" dirty="0" err="1"/>
+              <a:t>ViT</a:t>
+            </a:r>
+            <a:r>
+              <a:rPr lang="en-US" altLang="zh-CN" dirty="0"/>
+              <a:t> does, Attention + </a:t>
+            </a:r>
+            <a:r>
+              <a:rPr lang="en-US" altLang="zh-CN" dirty="0" err="1"/>
+              <a:t>FeedForward</a:t>
+            </a:r>
+            <a:endParaRPr lang="en-US" altLang="zh-CN" dirty="0"/>
+          </a:p>
+          <a:p>
+            <a:r>
+              <a:rPr lang="en-US" altLang="zh-CN" dirty="0" err="1"/>
+              <a:t>ResNet</a:t>
+            </a:r>
+            <a:r>
+              <a:rPr lang="en-US" altLang="zh-CN" dirty="0"/>
+              <a:t> Connection </a:t>
+            </a:r>
+            <a:endParaRPr lang="zh-CN" altLang="en-US" dirty="0"/>
+          </a:p>
+        </p:txBody>
+      </p:sp>
+      <p:pic>
+        <p:nvPicPr>
+          <p:cNvPr id="13" name="图片 12">
+            <a:extLst>
+              <a:ext uri="{FF2B5EF4-FFF2-40B4-BE49-F238E27FC236}">
+                <a16:creationId xmlns:a16="http://schemas.microsoft.com/office/drawing/2014/main" id="{96938FF8-87C6-59A2-B662-56C9A6E59153}"/>
+              </a:ext>
+            </a:extLst>
+          </p:cNvPr>
+          <p:cNvPicPr>
+            <a:picLocks noChangeAspect="1"/>
+          </p:cNvPicPr>
+          <p:nvPr/>
+        </p:nvPicPr>
+        <p:blipFill>
+          <a:blip r:embed="rId4"/>
+          <a:stretch>
+            <a:fillRect/>
+          </a:stretch>
+        </p:blipFill>
+        <p:spPr>
+          <a:xfrm>
+            <a:off x="0" y="3076887"/>
+            <a:ext cx="5268060" cy="1295581"/>
+          </a:xfrm>
+          <a:prstGeom prst="rect">
+            <a:avLst/>
+          </a:prstGeom>
+        </p:spPr>
+      </p:pic>
+    </p:spTree>
+    <p:extLst>
+      <p:ext uri="{BB962C8B-B14F-4D97-AF65-F5344CB8AC3E}">
+        <p14:creationId xmlns:p14="http://schemas.microsoft.com/office/powerpoint/2010/main" val="1663941373"/>
+      </p:ext>
+    </p:extLst>
+  </p:cSld>
+  <p:clrMapOvr>
+    <a:masterClrMapping/>
+  </p:clrMapOvr>
+</p:sld>
+</file>
+
+<file path=ppt/slides/slide18.xml><?xml version="1.0" encoding="utf-8"?>
+<p:sld xmlns:a="http://schemas.openxmlformats.org/drawingml/2006/main" xmlns:r="http://schemas.openxmlformats.org/officeDocument/2006/relationships" xmlns:p="http://schemas.openxmlformats.org/presentationml/2006/main">
+  <p:cSld>
+    <p:spTree>
+      <p:nvGrpSpPr>
+        <p:cNvPr id="1" name=""/>
+        <p:cNvGrpSpPr/>
+        <p:nvPr/>
+      </p:nvGrpSpPr>
+      <p:grpSpPr>
+        <a:xfrm>
+          <a:off x="0" y="0"/>
+          <a:ext cx="0" cy="0"/>
+          <a:chOff x="0" y="0"/>
+          <a:chExt cx="0" cy="0"/>
+        </a:xfrm>
+      </p:grpSpPr>
+      <p:pic>
+        <p:nvPicPr>
+          <p:cNvPr id="5" name="图片 4">
+            <a:extLst>
+              <a:ext uri="{FF2B5EF4-FFF2-40B4-BE49-F238E27FC236}">
+                <a16:creationId xmlns:a16="http://schemas.microsoft.com/office/drawing/2014/main" id="{4BAB8D13-BAFF-6C07-F521-DABD88B5B8D9}"/>
+              </a:ext>
+            </a:extLst>
+          </p:cNvPr>
+          <p:cNvPicPr>
+            <a:picLocks noChangeAspect="1"/>
+          </p:cNvPicPr>
+          <p:nvPr/>
+        </p:nvPicPr>
+        <p:blipFill>
+          <a:blip r:embed="rId2"/>
+          <a:stretch>
+            <a:fillRect/>
+          </a:stretch>
+        </p:blipFill>
+        <p:spPr>
+          <a:xfrm>
+            <a:off x="7400256" y="0"/>
+            <a:ext cx="4791744" cy="1886213"/>
+          </a:xfrm>
+          <a:prstGeom prst="rect">
+            <a:avLst/>
+          </a:prstGeom>
+        </p:spPr>
+      </p:pic>
+      <p:sp>
+        <p:nvSpPr>
+          <p:cNvPr id="6" name="文本框 5">
+            <a:extLst>
+              <a:ext uri="{FF2B5EF4-FFF2-40B4-BE49-F238E27FC236}">
+                <a16:creationId xmlns:a16="http://schemas.microsoft.com/office/drawing/2014/main" id="{1AE3FA31-4EB6-32B0-6BE9-5DDFE9164FC3}"/>
+              </a:ext>
+            </a:extLst>
+          </p:cNvPr>
+          <p:cNvSpPr txBox="1"/>
+          <p:nvPr/>
+        </p:nvSpPr>
+        <p:spPr>
+          <a:xfrm>
+            <a:off x="110836" y="221673"/>
+            <a:ext cx="7176655" cy="369332"/>
+          </a:xfrm>
+          <a:prstGeom prst="rect">
+            <a:avLst/>
+          </a:prstGeom>
+          <a:noFill/>
+        </p:spPr>
+        <p:txBody>
+          <a:bodyPr wrap="square" rtlCol="0">
+            <a:spAutoFit/>
+          </a:bodyPr>
+          <a:lstStyle/>
+          <a:p>
+            <a:r>
+              <a:rPr lang="en-US" altLang="zh-CN" dirty="0"/>
+              <a:t>Multi-Scale Transformer Encoder – </a:t>
+            </a:r>
+            <a:r>
+              <a:rPr lang="en-US" altLang="zh-CN" dirty="0">
+                <a:solidFill>
+                  <a:srgbClr val="FF0000"/>
+                </a:solidFill>
+              </a:rPr>
+              <a:t>Cross-Attention</a:t>
+            </a:r>
+            <a:endParaRPr lang="zh-CN" altLang="en-US" dirty="0">
+              <a:solidFill>
+                <a:srgbClr val="FF0000"/>
+              </a:solidFill>
+            </a:endParaRPr>
+          </a:p>
+        </p:txBody>
+      </p:sp>
+      <p:sp>
+        <p:nvSpPr>
+          <p:cNvPr id="7" name="文本框 6">
+            <a:extLst>
+              <a:ext uri="{FF2B5EF4-FFF2-40B4-BE49-F238E27FC236}">
+                <a16:creationId xmlns:a16="http://schemas.microsoft.com/office/drawing/2014/main" id="{8EE5926B-0901-F7F4-0D43-A6F2E6BEC7AF}"/>
+              </a:ext>
+            </a:extLst>
+          </p:cNvPr>
+          <p:cNvSpPr txBox="1"/>
+          <p:nvPr/>
+        </p:nvSpPr>
+        <p:spPr>
+          <a:xfrm>
+            <a:off x="203200" y="729673"/>
+            <a:ext cx="7084291" cy="3693319"/>
+          </a:xfrm>
+          <a:prstGeom prst="rect">
+            <a:avLst/>
+          </a:prstGeom>
+          <a:noFill/>
+        </p:spPr>
+        <p:txBody>
+          <a:bodyPr wrap="square" rtlCol="0">
+            <a:spAutoFit/>
+          </a:bodyPr>
+          <a:lstStyle/>
+          <a:p>
+            <a:r>
+              <a:rPr lang="en-US" altLang="zh-CN" dirty="0"/>
+              <a:t>After encoding small tokens and large tokens</a:t>
+            </a:r>
+          </a:p>
+          <a:p>
+            <a:r>
+              <a:rPr lang="en-US" altLang="zh-CN" dirty="0"/>
+              <a:t>1 split tokens into (</a:t>
+            </a:r>
+            <a:r>
+              <a:rPr lang="en-US" altLang="zh-CN" dirty="0" err="1">
+                <a:solidFill>
+                  <a:srgbClr val="FF0000"/>
+                </a:solidFill>
+              </a:rPr>
+              <a:t>cls</a:t>
+            </a:r>
+            <a:r>
+              <a:rPr lang="en-US" altLang="zh-CN" dirty="0"/>
+              <a:t>, </a:t>
+            </a:r>
+            <a:r>
+              <a:rPr lang="en-US" altLang="zh-CN" dirty="0" err="1">
+                <a:solidFill>
+                  <a:srgbClr val="FF0000"/>
+                </a:solidFill>
+              </a:rPr>
+              <a:t>patch_tokens</a:t>
+            </a:r>
+            <a:r>
+              <a:rPr lang="en-US" altLang="zh-CN" dirty="0"/>
+              <a:t>) for small and large</a:t>
+            </a:r>
+          </a:p>
+          <a:p>
+            <a:r>
+              <a:rPr lang="en-US" altLang="zh-CN" dirty="0"/>
+              <a:t>In order to get </a:t>
+            </a:r>
+            <a:r>
+              <a:rPr lang="en-US" altLang="zh-CN" dirty="0" err="1"/>
+              <a:t>cls</a:t>
+            </a:r>
+            <a:r>
+              <a:rPr lang="en-US" altLang="zh-CN" dirty="0"/>
+              <a:t> token, we only use this token to cross attention</a:t>
+            </a:r>
+          </a:p>
+          <a:p>
+            <a:r>
+              <a:rPr lang="en-US" altLang="zh-CN" dirty="0"/>
+              <a:t>2 small </a:t>
+            </a:r>
+            <a:r>
+              <a:rPr lang="en-US" altLang="zh-CN" dirty="0" err="1"/>
+              <a:t>cls</a:t>
+            </a:r>
+            <a:r>
+              <a:rPr lang="en-US" altLang="zh-CN" dirty="0"/>
+              <a:t> token to study large tokens</a:t>
+            </a:r>
+          </a:p>
+          <a:p>
+            <a:r>
+              <a:rPr lang="zh-CN" altLang="en-US" dirty="0"/>
+              <a:t>    </a:t>
+            </a:r>
+            <a:r>
+              <a:rPr lang="en-US" altLang="zh-CN" dirty="0"/>
+              <a:t>(1) linear transform small </a:t>
+            </a:r>
+            <a:r>
+              <a:rPr lang="en-US" altLang="zh-CN" dirty="0" err="1"/>
+              <a:t>cls</a:t>
+            </a:r>
+            <a:r>
+              <a:rPr lang="en-US" altLang="zh-CN" dirty="0"/>
+              <a:t> to large token </a:t>
+            </a:r>
+            <a:r>
+              <a:rPr lang="en-US" altLang="zh-CN" dirty="0" err="1"/>
+              <a:t>dimention</a:t>
+            </a:r>
+            <a:r>
+              <a:rPr lang="en-US" altLang="zh-CN" dirty="0"/>
+              <a:t> </a:t>
+            </a:r>
+          </a:p>
+          <a:p>
+            <a:r>
+              <a:rPr lang="en-US" altLang="zh-CN" dirty="0"/>
+              <a:t>(e.g.: small token dim 64 -&gt; large token dim 128)</a:t>
+            </a:r>
+          </a:p>
+          <a:p>
+            <a:r>
+              <a:rPr lang="en-US" altLang="zh-CN" dirty="0"/>
+              <a:t>    (2) attention(small </a:t>
+            </a:r>
+            <a:r>
+              <a:rPr lang="en-US" altLang="zh-CN" dirty="0" err="1"/>
+              <a:t>cls</a:t>
+            </a:r>
+            <a:r>
+              <a:rPr lang="en-US" altLang="zh-CN" dirty="0"/>
+              <a:t> token, large patch tokens)</a:t>
+            </a:r>
+          </a:p>
+          <a:p>
+            <a:r>
+              <a:rPr lang="en-US" altLang="zh-CN" dirty="0"/>
+              <a:t>         we allow small </a:t>
+            </a:r>
+            <a:r>
+              <a:rPr lang="en-US" altLang="zh-CN" dirty="0" err="1"/>
+              <a:t>cls</a:t>
+            </a:r>
+            <a:r>
+              <a:rPr lang="en-US" altLang="zh-CN" dirty="0"/>
+              <a:t> token to study from large patch tokens</a:t>
+            </a:r>
+          </a:p>
+          <a:p>
+            <a:r>
+              <a:rPr lang="en-US" altLang="zh-CN" dirty="0"/>
+              <a:t>         </a:t>
+            </a:r>
+            <a:r>
+              <a:rPr lang="en-US" altLang="zh-CN" dirty="0">
+                <a:solidFill>
+                  <a:srgbClr val="FF0000"/>
+                </a:solidFill>
+              </a:rPr>
+              <a:t>get Q from small </a:t>
+            </a:r>
+            <a:r>
+              <a:rPr lang="en-US" altLang="zh-CN" dirty="0" err="1">
+                <a:solidFill>
+                  <a:srgbClr val="FF0000"/>
+                </a:solidFill>
+              </a:rPr>
+              <a:t>cls</a:t>
+            </a:r>
+            <a:r>
+              <a:rPr lang="en-US" altLang="zh-CN" dirty="0">
+                <a:solidFill>
+                  <a:srgbClr val="FF0000"/>
+                </a:solidFill>
+              </a:rPr>
+              <a:t> token, get K,V from large patch tokens</a:t>
+            </a:r>
+          </a:p>
+          <a:p>
+            <a:r>
+              <a:rPr lang="en-US" altLang="zh-CN" dirty="0">
+                <a:solidFill>
+                  <a:srgbClr val="FF0000"/>
+                </a:solidFill>
+              </a:rPr>
+              <a:t>    </a:t>
+            </a:r>
+            <a:r>
+              <a:rPr lang="en-US" altLang="zh-CN" dirty="0"/>
+              <a:t>(3) </a:t>
+            </a:r>
+            <a:r>
+              <a:rPr lang="en-US" altLang="zh-CN" dirty="0" err="1"/>
+              <a:t>ResNet</a:t>
+            </a:r>
+            <a:r>
+              <a:rPr lang="en-US" altLang="zh-CN" dirty="0"/>
+              <a:t> connect studied </a:t>
+            </a:r>
+            <a:r>
+              <a:rPr lang="en-US" altLang="zh-CN" dirty="0" err="1"/>
+              <a:t>cls</a:t>
+            </a:r>
+            <a:r>
+              <a:rPr lang="en-US" altLang="zh-CN" dirty="0"/>
+              <a:t> token and original </a:t>
+            </a:r>
+            <a:r>
+              <a:rPr lang="en-US" altLang="zh-CN" dirty="0" err="1"/>
+              <a:t>cls</a:t>
+            </a:r>
+            <a:r>
+              <a:rPr lang="en-US" altLang="zh-CN" dirty="0"/>
+              <a:t> token</a:t>
+            </a:r>
+          </a:p>
+          <a:p>
+            <a:r>
+              <a:rPr lang="en-US" altLang="zh-CN" dirty="0">
+                <a:solidFill>
+                  <a:srgbClr val="FF0000"/>
+                </a:solidFill>
+              </a:rPr>
+              <a:t>    </a:t>
+            </a:r>
+            <a:r>
+              <a:rPr lang="en-US" altLang="zh-CN" dirty="0"/>
+              <a:t>(4) linear transform back to small token dim, and </a:t>
+            </a:r>
+            <a:r>
+              <a:rPr lang="en-US" altLang="zh-CN" dirty="0" err="1"/>
+              <a:t>concat</a:t>
+            </a:r>
+            <a:r>
+              <a:rPr lang="en-US" altLang="zh-CN" dirty="0"/>
+              <a:t> back with small patch tokens, get small tokens after cross-attention</a:t>
+            </a:r>
+          </a:p>
+          <a:p>
+            <a:r>
+              <a:rPr lang="en-US" altLang="zh-CN" dirty="0"/>
+              <a:t>The same as large </a:t>
+            </a:r>
+            <a:r>
+              <a:rPr lang="en-US" altLang="zh-CN" dirty="0" err="1"/>
+              <a:t>cls</a:t>
+            </a:r>
+            <a:r>
+              <a:rPr lang="en-US" altLang="zh-CN" dirty="0"/>
+              <a:t> token to study from small patch tokens</a:t>
+            </a:r>
+          </a:p>
+        </p:txBody>
+      </p:sp>
+      <p:pic>
+        <p:nvPicPr>
+          <p:cNvPr id="9" name="图片 8">
+            <a:extLst>
+              <a:ext uri="{FF2B5EF4-FFF2-40B4-BE49-F238E27FC236}">
+                <a16:creationId xmlns:a16="http://schemas.microsoft.com/office/drawing/2014/main" id="{7469FF8C-6A17-08A9-62DD-A4B78C788B93}"/>
+              </a:ext>
+            </a:extLst>
+          </p:cNvPr>
+          <p:cNvPicPr>
+            <a:picLocks noChangeAspect="1"/>
+          </p:cNvPicPr>
+          <p:nvPr/>
+        </p:nvPicPr>
+        <p:blipFill>
+          <a:blip r:embed="rId3"/>
+          <a:stretch>
+            <a:fillRect/>
+          </a:stretch>
+        </p:blipFill>
+        <p:spPr>
+          <a:xfrm>
+            <a:off x="110836" y="4422992"/>
+            <a:ext cx="9097645" cy="2429214"/>
+          </a:xfrm>
+          <a:prstGeom prst="rect">
+            <a:avLst/>
+          </a:prstGeom>
+        </p:spPr>
+      </p:pic>
+    </p:spTree>
+    <p:extLst>
+      <p:ext uri="{BB962C8B-B14F-4D97-AF65-F5344CB8AC3E}">
+        <p14:creationId xmlns:p14="http://schemas.microsoft.com/office/powerpoint/2010/main" val="1621914643"/>
+      </p:ext>
+    </p:extLst>
+  </p:cSld>
+  <p:clrMapOvr>
+    <a:masterClrMapping/>
+  </p:clrMapOvr>
+</p:sld>
+</file>
+
+<file path=ppt/slides/slide19.xml><?xml version="1.0" encoding="utf-8"?>
+<p:sld xmlns:a="http://schemas.openxmlformats.org/drawingml/2006/main" xmlns:r="http://schemas.openxmlformats.org/officeDocument/2006/relationships" xmlns:p="http://schemas.openxmlformats.org/presentationml/2006/main">
+  <p:cSld>
+    <p:spTree>
+      <p:nvGrpSpPr>
+        <p:cNvPr id="1" name=""/>
+        <p:cNvGrpSpPr/>
+        <p:nvPr/>
+      </p:nvGrpSpPr>
+      <p:grpSpPr>
+        <a:xfrm>
+          <a:off x="0" y="0"/>
+          <a:ext cx="0" cy="0"/>
+          <a:chOff x="0" y="0"/>
+          <a:chExt cx="0" cy="0"/>
+        </a:xfrm>
+      </p:grpSpPr>
+      <p:pic>
+        <p:nvPicPr>
+          <p:cNvPr id="5" name="图片 4">
+            <a:extLst>
+              <a:ext uri="{FF2B5EF4-FFF2-40B4-BE49-F238E27FC236}">
+                <a16:creationId xmlns:a16="http://schemas.microsoft.com/office/drawing/2014/main" id="{3C5124B6-037E-BE79-DB13-DBAAFC843066}"/>
+              </a:ext>
+            </a:extLst>
+          </p:cNvPr>
+          <p:cNvPicPr>
+            <a:picLocks noChangeAspect="1"/>
+          </p:cNvPicPr>
+          <p:nvPr/>
+        </p:nvPicPr>
+        <p:blipFill>
+          <a:blip r:embed="rId2"/>
+          <a:stretch>
+            <a:fillRect/>
+          </a:stretch>
+        </p:blipFill>
+        <p:spPr>
+          <a:xfrm>
+            <a:off x="0" y="0"/>
+            <a:ext cx="2372056" cy="1524213"/>
+          </a:xfrm>
+          <a:prstGeom prst="rect">
+            <a:avLst/>
+          </a:prstGeom>
+        </p:spPr>
+      </p:pic>
+      <p:pic>
+        <p:nvPicPr>
+          <p:cNvPr id="9" name="图片 8">
+            <a:extLst>
+              <a:ext uri="{FF2B5EF4-FFF2-40B4-BE49-F238E27FC236}">
+                <a16:creationId xmlns:a16="http://schemas.microsoft.com/office/drawing/2014/main" id="{AA1294F3-47BC-2760-D6D6-3113F5AB2502}"/>
+              </a:ext>
+            </a:extLst>
+          </p:cNvPr>
+          <p:cNvPicPr>
+            <a:picLocks noChangeAspect="1"/>
+          </p:cNvPicPr>
+          <p:nvPr/>
+        </p:nvPicPr>
+        <p:blipFill>
+          <a:blip r:embed="rId3"/>
+          <a:stretch>
+            <a:fillRect/>
+          </a:stretch>
+        </p:blipFill>
+        <p:spPr>
+          <a:xfrm>
+            <a:off x="6859666" y="111840"/>
+            <a:ext cx="5048955" cy="6306430"/>
+          </a:xfrm>
+          <a:prstGeom prst="rect">
+            <a:avLst/>
+          </a:prstGeom>
+        </p:spPr>
+      </p:pic>
+      <p:pic>
+        <p:nvPicPr>
+          <p:cNvPr id="11" name="图片 10">
+            <a:extLst>
+              <a:ext uri="{FF2B5EF4-FFF2-40B4-BE49-F238E27FC236}">
+                <a16:creationId xmlns:a16="http://schemas.microsoft.com/office/drawing/2014/main" id="{61F07CFC-65B0-0435-BD75-5DF397D5C16D}"/>
+              </a:ext>
+            </a:extLst>
+          </p:cNvPr>
+          <p:cNvPicPr>
+            <a:picLocks noChangeAspect="1"/>
+          </p:cNvPicPr>
+          <p:nvPr/>
+        </p:nvPicPr>
+        <p:blipFill>
+          <a:blip r:embed="rId4"/>
+          <a:stretch>
+            <a:fillRect/>
+          </a:stretch>
+        </p:blipFill>
+        <p:spPr>
+          <a:xfrm>
+            <a:off x="0" y="1544995"/>
+            <a:ext cx="4677428" cy="190527"/>
+          </a:xfrm>
+          <a:prstGeom prst="rect">
+            <a:avLst/>
+          </a:prstGeom>
+        </p:spPr>
+      </p:pic>
+      <p:pic>
+        <p:nvPicPr>
+          <p:cNvPr id="13" name="图片 12">
+            <a:extLst>
+              <a:ext uri="{FF2B5EF4-FFF2-40B4-BE49-F238E27FC236}">
+                <a16:creationId xmlns:a16="http://schemas.microsoft.com/office/drawing/2014/main" id="{E87B9DF0-136A-FCE7-EE0C-E5E47773CEB0}"/>
+              </a:ext>
+            </a:extLst>
+          </p:cNvPr>
+          <p:cNvPicPr>
+            <a:picLocks noChangeAspect="1"/>
+          </p:cNvPicPr>
+          <p:nvPr/>
+        </p:nvPicPr>
+        <p:blipFill>
+          <a:blip r:embed="rId5"/>
+          <a:stretch>
+            <a:fillRect/>
+          </a:stretch>
+        </p:blipFill>
+        <p:spPr>
+          <a:xfrm>
+            <a:off x="0" y="1756304"/>
+            <a:ext cx="4182059" cy="200053"/>
+          </a:xfrm>
+          <a:prstGeom prst="rect">
+            <a:avLst/>
+          </a:prstGeom>
+        </p:spPr>
+      </p:pic>
+      <p:sp>
+        <p:nvSpPr>
+          <p:cNvPr id="14" name="矩形 13">
+            <a:extLst>
+              <a:ext uri="{FF2B5EF4-FFF2-40B4-BE49-F238E27FC236}">
+                <a16:creationId xmlns:a16="http://schemas.microsoft.com/office/drawing/2014/main" id="{08E80F27-52F6-0F78-AE4A-2217B6A45870}"/>
+              </a:ext>
+            </a:extLst>
+          </p:cNvPr>
+          <p:cNvSpPr/>
+          <p:nvPr/>
+        </p:nvSpPr>
+        <p:spPr>
+          <a:xfrm>
+            <a:off x="8552873" y="4313382"/>
+            <a:ext cx="387927" cy="323273"/>
+          </a:xfrm>
+          <a:prstGeom prst="rect">
+            <a:avLst/>
+          </a:prstGeom>
+          <a:noFill/>
+          <a:ln>
+            <a:solidFill>
+              <a:srgbClr val="FF0000"/>
+            </a:solidFill>
+          </a:ln>
+        </p:spPr>
+        <p:style>
+          <a:lnRef idx="2">
+            <a:schemeClr val="accent1">
+              <a:shade val="15000"/>
+            </a:schemeClr>
+          </a:lnRef>
+          <a:fillRef idx="1">
+            <a:schemeClr val="accent1"/>
+          </a:fillRef>
+          <a:effectRef idx="0">
+            <a:schemeClr val="accent1"/>
+          </a:effectRef>
+          <a:fontRef idx="minor">
+            <a:schemeClr val="lt1"/>
+          </a:fontRef>
+        </p:style>
+        <p:txBody>
+          <a:bodyPr rtlCol="0" anchor="ctr"/>
+          <a:lstStyle/>
+          <a:p>
+            <a:pPr algn="ctr"/>
+            <a:endParaRPr lang="zh-CN" altLang="en-US"/>
+          </a:p>
+        </p:txBody>
+      </p:sp>
+      <p:pic>
+        <p:nvPicPr>
+          <p:cNvPr id="16" name="图片 15">
+            <a:extLst>
+              <a:ext uri="{FF2B5EF4-FFF2-40B4-BE49-F238E27FC236}">
+                <a16:creationId xmlns:a16="http://schemas.microsoft.com/office/drawing/2014/main" id="{34FF8269-D1FD-27DB-5267-3FB17FE4F77D}"/>
+              </a:ext>
+            </a:extLst>
+          </p:cNvPr>
+          <p:cNvPicPr>
+            <a:picLocks noChangeAspect="1"/>
+          </p:cNvPicPr>
+          <p:nvPr/>
+        </p:nvPicPr>
+        <p:blipFill>
+          <a:blip r:embed="rId6"/>
+          <a:stretch>
+            <a:fillRect/>
+          </a:stretch>
+        </p:blipFill>
+        <p:spPr>
+          <a:xfrm>
+            <a:off x="0" y="2618392"/>
+            <a:ext cx="5410955" cy="1886213"/>
+          </a:xfrm>
+          <a:prstGeom prst="rect">
+            <a:avLst/>
+          </a:prstGeom>
+        </p:spPr>
+      </p:pic>
+      <p:sp>
+        <p:nvSpPr>
+          <p:cNvPr id="17" name="文本框 16">
+            <a:extLst>
+              <a:ext uri="{FF2B5EF4-FFF2-40B4-BE49-F238E27FC236}">
+                <a16:creationId xmlns:a16="http://schemas.microsoft.com/office/drawing/2014/main" id="{55C676AD-BD35-E2FD-26F4-6400889AC584}"/>
+              </a:ext>
+            </a:extLst>
+          </p:cNvPr>
+          <p:cNvSpPr txBox="1"/>
+          <p:nvPr/>
+        </p:nvSpPr>
+        <p:spPr>
+          <a:xfrm>
+            <a:off x="0" y="2198255"/>
+            <a:ext cx="5410955" cy="369332"/>
+          </a:xfrm>
+          <a:prstGeom prst="rect">
+            <a:avLst/>
+          </a:prstGeom>
+          <a:noFill/>
+        </p:spPr>
+        <p:txBody>
+          <a:bodyPr wrap="square" rtlCol="0">
+            <a:spAutoFit/>
+          </a:bodyPr>
+          <a:lstStyle/>
+          <a:p>
+            <a:r>
+              <a:rPr lang="en-US" altLang="zh-CN" dirty="0"/>
+              <a:t>In Attention class implement</a:t>
+            </a:r>
+            <a:endParaRPr lang="zh-CN" altLang="en-US" dirty="0"/>
+          </a:p>
+        </p:txBody>
+      </p:sp>
+      <p:sp>
+        <p:nvSpPr>
+          <p:cNvPr id="18" name="文本框 17">
+            <a:extLst>
+              <a:ext uri="{FF2B5EF4-FFF2-40B4-BE49-F238E27FC236}">
+                <a16:creationId xmlns:a16="http://schemas.microsoft.com/office/drawing/2014/main" id="{4038EA56-BEFB-B5F9-43E0-9FC1F8AF5BBC}"/>
+              </a:ext>
+            </a:extLst>
+          </p:cNvPr>
+          <p:cNvSpPr txBox="1"/>
+          <p:nvPr/>
+        </p:nvSpPr>
+        <p:spPr>
+          <a:xfrm>
+            <a:off x="0" y="4636655"/>
+            <a:ext cx="6096000" cy="1754326"/>
+          </a:xfrm>
+          <a:prstGeom prst="rect">
+            <a:avLst/>
+          </a:prstGeom>
+          <a:noFill/>
+        </p:spPr>
+        <p:txBody>
+          <a:bodyPr wrap="square" rtlCol="0">
+            <a:spAutoFit/>
+          </a:bodyPr>
+          <a:lstStyle/>
+          <a:p>
+            <a:r>
+              <a:rPr lang="en-US" altLang="zh-CN" dirty="0"/>
+              <a:t>We allow q and </a:t>
+            </a:r>
+            <a:r>
+              <a:rPr lang="en-US" altLang="zh-CN" dirty="0" err="1"/>
+              <a:t>kv</a:t>
+            </a:r>
+            <a:r>
+              <a:rPr lang="en-US" altLang="zh-CN" dirty="0"/>
+              <a:t> from </a:t>
+            </a:r>
+            <a:r>
+              <a:rPr lang="en-US" altLang="zh-CN" dirty="0">
+                <a:solidFill>
+                  <a:srgbClr val="FF0000"/>
+                </a:solidFill>
+              </a:rPr>
+              <a:t>different</a:t>
+            </a:r>
+            <a:r>
+              <a:rPr lang="en-US" altLang="zh-CN" dirty="0"/>
+              <a:t> part</a:t>
+            </a:r>
+          </a:p>
+          <a:p>
+            <a:r>
+              <a:rPr lang="en-US" altLang="zh-CN" dirty="0"/>
+              <a:t>In the self-attention , </a:t>
+            </a:r>
+            <a:r>
+              <a:rPr lang="en-US" altLang="zh-CN" dirty="0" err="1"/>
+              <a:t>q,k,v</a:t>
+            </a:r>
+            <a:r>
+              <a:rPr lang="en-US" altLang="zh-CN" dirty="0"/>
+              <a:t> are all from the same branch</a:t>
+            </a:r>
+          </a:p>
+          <a:p>
+            <a:r>
+              <a:rPr lang="en-US" altLang="zh-CN" dirty="0"/>
+              <a:t>In the cross-attention, q from the </a:t>
+            </a:r>
+            <a:r>
+              <a:rPr lang="en-US" altLang="zh-CN" dirty="0" err="1"/>
+              <a:t>cls</a:t>
+            </a:r>
+            <a:r>
+              <a:rPr lang="en-US" altLang="zh-CN" dirty="0"/>
+              <a:t> token which wants to study,</a:t>
+            </a:r>
+          </a:p>
+          <a:p>
+            <a:r>
+              <a:rPr lang="en-US" altLang="zh-CN" dirty="0"/>
+              <a:t>k and v from the other branch as the context</a:t>
+            </a:r>
+          </a:p>
+          <a:p>
+            <a:r>
+              <a:rPr lang="en-US" altLang="zh-CN" dirty="0"/>
+              <a:t>Whether context contains the studying </a:t>
+            </a:r>
+            <a:r>
+              <a:rPr lang="en-US" altLang="zh-CN" dirty="0" err="1"/>
+              <a:t>cls</a:t>
+            </a:r>
+            <a:r>
+              <a:rPr lang="en-US" altLang="zh-CN" dirty="0"/>
+              <a:t> is </a:t>
+            </a:r>
+            <a:r>
+              <a:rPr lang="en-US" altLang="zh-CN" dirty="0">
+                <a:solidFill>
+                  <a:srgbClr val="FF0000"/>
+                </a:solidFill>
+              </a:rPr>
+              <a:t>optional</a:t>
+            </a:r>
+            <a:r>
+              <a:rPr lang="en-US" altLang="zh-CN" dirty="0"/>
+              <a:t> </a:t>
+            </a:r>
+            <a:endParaRPr lang="zh-CN" altLang="en-US" dirty="0"/>
+          </a:p>
+        </p:txBody>
+      </p:sp>
+      <p:sp>
+        <p:nvSpPr>
+          <p:cNvPr id="19" name="矩形 18">
+            <a:extLst>
+              <a:ext uri="{FF2B5EF4-FFF2-40B4-BE49-F238E27FC236}">
+                <a16:creationId xmlns:a16="http://schemas.microsoft.com/office/drawing/2014/main" id="{F1710C2A-68F9-021D-EEFD-7E6588EC4B11}"/>
+              </a:ext>
+            </a:extLst>
+          </p:cNvPr>
+          <p:cNvSpPr/>
+          <p:nvPr/>
+        </p:nvSpPr>
+        <p:spPr>
+          <a:xfrm>
+            <a:off x="9559636" y="3429000"/>
+            <a:ext cx="406400" cy="413327"/>
+          </a:xfrm>
+          <a:prstGeom prst="rect">
+            <a:avLst/>
+          </a:prstGeom>
+          <a:noFill/>
+          <a:ln>
+            <a:solidFill>
+              <a:srgbClr val="FF0000"/>
+            </a:solidFill>
+          </a:ln>
+        </p:spPr>
+        <p:style>
+          <a:lnRef idx="2">
+            <a:schemeClr val="accent1">
+              <a:shade val="15000"/>
+            </a:schemeClr>
+          </a:lnRef>
+          <a:fillRef idx="1">
+            <a:schemeClr val="accent1"/>
+          </a:fillRef>
+          <a:effectRef idx="0">
+            <a:schemeClr val="accent1"/>
+          </a:effectRef>
+          <a:fontRef idx="minor">
+            <a:schemeClr val="lt1"/>
+          </a:fontRef>
+        </p:style>
+        <p:txBody>
+          <a:bodyPr rtlCol="0" anchor="ctr"/>
+          <a:lstStyle/>
+          <a:p>
+            <a:pPr algn="ctr"/>
+            <a:endParaRPr lang="zh-CN" altLang="en-US"/>
+          </a:p>
+        </p:txBody>
+      </p:sp>
+      <p:cxnSp>
+        <p:nvCxnSpPr>
+          <p:cNvPr id="23" name="直接箭头连接符 22">
+            <a:extLst>
+              <a:ext uri="{FF2B5EF4-FFF2-40B4-BE49-F238E27FC236}">
+                <a16:creationId xmlns:a16="http://schemas.microsoft.com/office/drawing/2014/main" id="{767562B5-C827-D478-24C0-FFA8F124BC2E}"/>
+              </a:ext>
+            </a:extLst>
+          </p:cNvPr>
+          <p:cNvCxnSpPr/>
+          <p:nvPr/>
+        </p:nvCxnSpPr>
+        <p:spPr>
+          <a:xfrm flipV="1">
+            <a:off x="5301673" y="3592945"/>
+            <a:ext cx="4165600" cy="2309091"/>
+          </a:xfrm>
+          <a:prstGeom prst="straightConnector1">
+            <a:avLst/>
+          </a:prstGeom>
+          <a:ln>
+            <a:solidFill>
+              <a:srgbClr val="FF0000"/>
+            </a:solidFill>
+            <a:tailEnd type="triangle"/>
+          </a:ln>
+        </p:spPr>
+        <p:style>
+          <a:lnRef idx="2">
+            <a:schemeClr val="accent1"/>
+          </a:lnRef>
+          <a:fillRef idx="0">
+            <a:schemeClr val="accent1"/>
+          </a:fillRef>
+          <a:effectRef idx="1">
+            <a:schemeClr val="accent1"/>
+          </a:effectRef>
+          <a:fontRef idx="minor">
+            <a:schemeClr val="tx1"/>
+          </a:fontRef>
+        </p:style>
+      </p:cxnSp>
+    </p:spTree>
+    <p:extLst>
+      <p:ext uri="{BB962C8B-B14F-4D97-AF65-F5344CB8AC3E}">
+        <p14:creationId xmlns:p14="http://schemas.microsoft.com/office/powerpoint/2010/main" val="3386944804"/>
       </p:ext>
     </p:extLst>
   </p:cSld>
@@ -11018,6 +12560,2505 @@
     <p:extLst>
       <p:ext uri="{BB962C8B-B14F-4D97-AF65-F5344CB8AC3E}">
         <p14:creationId xmlns:p14="http://schemas.microsoft.com/office/powerpoint/2010/main" val="555977395"/>
+      </p:ext>
+    </p:extLst>
+  </p:cSld>
+  <p:clrMapOvr>
+    <a:masterClrMapping/>
+  </p:clrMapOvr>
+</p:sld>
+</file>
+
+<file path=ppt/slides/slide20.xml><?xml version="1.0" encoding="utf-8"?>
+<p:sld xmlns:a="http://schemas.openxmlformats.org/drawingml/2006/main" xmlns:r="http://schemas.openxmlformats.org/officeDocument/2006/relationships" xmlns:p="http://schemas.openxmlformats.org/presentationml/2006/main">
+  <p:cSld>
+    <p:spTree>
+      <p:nvGrpSpPr>
+        <p:cNvPr id="1" name=""/>
+        <p:cNvGrpSpPr/>
+        <p:nvPr/>
+      </p:nvGrpSpPr>
+      <p:grpSpPr>
+        <a:xfrm>
+          <a:off x="0" y="0"/>
+          <a:ext cx="0" cy="0"/>
+          <a:chOff x="0" y="0"/>
+          <a:chExt cx="0" cy="0"/>
+        </a:xfrm>
+      </p:grpSpPr>
+      <p:sp>
+        <p:nvSpPr>
+          <p:cNvPr id="4" name="文本框 3">
+            <a:extLst>
+              <a:ext uri="{FF2B5EF4-FFF2-40B4-BE49-F238E27FC236}">
+                <a16:creationId xmlns:a16="http://schemas.microsoft.com/office/drawing/2014/main" id="{BCCCF64B-F619-22CE-F042-7CAA55297722}"/>
+              </a:ext>
+            </a:extLst>
+          </p:cNvPr>
+          <p:cNvSpPr txBox="1"/>
+          <p:nvPr/>
+        </p:nvSpPr>
+        <p:spPr>
+          <a:xfrm>
+            <a:off x="110836" y="221673"/>
+            <a:ext cx="5024582" cy="646331"/>
+          </a:xfrm>
+          <a:prstGeom prst="rect">
+            <a:avLst/>
+          </a:prstGeom>
+          <a:noFill/>
+        </p:spPr>
+        <p:txBody>
+          <a:bodyPr wrap="square" rtlCol="0">
+            <a:spAutoFit/>
+          </a:bodyPr>
+          <a:lstStyle/>
+          <a:p>
+            <a:r>
+              <a:rPr lang="en-US" altLang="zh-CN" dirty="0"/>
+              <a:t>Finally, get small </a:t>
+            </a:r>
+            <a:r>
+              <a:rPr lang="en-US" altLang="zh-CN" dirty="0" err="1"/>
+              <a:t>cls</a:t>
+            </a:r>
+            <a:r>
+              <a:rPr lang="en-US" altLang="zh-CN" dirty="0"/>
+              <a:t> token and large </a:t>
+            </a:r>
+            <a:r>
+              <a:rPr lang="en-US" altLang="zh-CN" dirty="0" err="1"/>
+              <a:t>cls</a:t>
+            </a:r>
+            <a:r>
+              <a:rPr lang="en-US" altLang="zh-CN" dirty="0"/>
+              <a:t> token , </a:t>
+            </a:r>
+            <a:r>
+              <a:rPr lang="en-US" altLang="zh-CN" dirty="0" err="1"/>
+              <a:t>mlp</a:t>
+            </a:r>
+            <a:r>
+              <a:rPr lang="en-US" altLang="zh-CN" dirty="0"/>
+              <a:t> them, adding to get the result</a:t>
+            </a:r>
+            <a:endParaRPr lang="zh-CN" altLang="en-US" dirty="0"/>
+          </a:p>
+        </p:txBody>
+      </p:sp>
+      <p:pic>
+        <p:nvPicPr>
+          <p:cNvPr id="6" name="图片 5">
+            <a:extLst>
+              <a:ext uri="{FF2B5EF4-FFF2-40B4-BE49-F238E27FC236}">
+                <a16:creationId xmlns:a16="http://schemas.microsoft.com/office/drawing/2014/main" id="{0AA45124-E04D-4FB1-03D5-2357850E5DE8}"/>
+              </a:ext>
+            </a:extLst>
+          </p:cNvPr>
+          <p:cNvPicPr>
+            <a:picLocks noChangeAspect="1"/>
+          </p:cNvPicPr>
+          <p:nvPr/>
+        </p:nvPicPr>
+        <p:blipFill>
+          <a:blip r:embed="rId2"/>
+          <a:stretch>
+            <a:fillRect/>
+          </a:stretch>
+        </p:blipFill>
+        <p:spPr>
+          <a:xfrm>
+            <a:off x="5702725" y="136065"/>
+            <a:ext cx="2172003" cy="1609950"/>
+          </a:xfrm>
+          <a:prstGeom prst="rect">
+            <a:avLst/>
+          </a:prstGeom>
+        </p:spPr>
+      </p:pic>
+      <p:pic>
+        <p:nvPicPr>
+          <p:cNvPr id="8" name="图片 7">
+            <a:extLst>
+              <a:ext uri="{FF2B5EF4-FFF2-40B4-BE49-F238E27FC236}">
+                <a16:creationId xmlns:a16="http://schemas.microsoft.com/office/drawing/2014/main" id="{88907F0C-79F1-D9AA-777C-C93221598D9F}"/>
+              </a:ext>
+            </a:extLst>
+          </p:cNvPr>
+          <p:cNvPicPr>
+            <a:picLocks noChangeAspect="1"/>
+          </p:cNvPicPr>
+          <p:nvPr/>
+        </p:nvPicPr>
+        <p:blipFill>
+          <a:blip r:embed="rId3"/>
+          <a:stretch>
+            <a:fillRect/>
+          </a:stretch>
+        </p:blipFill>
+        <p:spPr>
+          <a:xfrm>
+            <a:off x="227255" y="941040"/>
+            <a:ext cx="4791744" cy="1200318"/>
+          </a:xfrm>
+          <a:prstGeom prst="rect">
+            <a:avLst/>
+          </a:prstGeom>
+        </p:spPr>
+      </p:pic>
+    </p:spTree>
+    <p:extLst>
+      <p:ext uri="{BB962C8B-B14F-4D97-AF65-F5344CB8AC3E}">
+        <p14:creationId xmlns:p14="http://schemas.microsoft.com/office/powerpoint/2010/main" val="516600480"/>
+      </p:ext>
+    </p:extLst>
+  </p:cSld>
+  <p:clrMapOvr>
+    <a:masterClrMapping/>
+  </p:clrMapOvr>
+</p:sld>
+</file>
+
+<file path=ppt/slides/slide21.xml><?xml version="1.0" encoding="utf-8"?>
+<p:sld xmlns:a="http://schemas.openxmlformats.org/drawingml/2006/main" xmlns:r="http://schemas.openxmlformats.org/officeDocument/2006/relationships" xmlns:p="http://schemas.openxmlformats.org/presentationml/2006/main">
+  <p:cSld>
+    <p:bg>
+      <p:bgPr>
+        <a:solidFill>
+          <a:schemeClr val="bg1"/>
+        </a:solidFill>
+        <a:effectLst/>
+      </p:bgPr>
+    </p:bg>
+    <p:spTree>
+      <p:nvGrpSpPr>
+        <p:cNvPr id="1" name="">
+          <a:extLst>
+            <a:ext uri="{FF2B5EF4-FFF2-40B4-BE49-F238E27FC236}">
+              <a16:creationId xmlns:a16="http://schemas.microsoft.com/office/drawing/2014/main" id="{C272E5A9-8848-52C0-E339-E7BF1787FB72}"/>
+            </a:ext>
+          </a:extLst>
+        </p:cNvPr>
+        <p:cNvGrpSpPr/>
+        <p:nvPr/>
+      </p:nvGrpSpPr>
+      <p:grpSpPr>
+        <a:xfrm>
+          <a:off x="0" y="0"/>
+          <a:ext cx="0" cy="0"/>
+          <a:chOff x="0" y="0"/>
+          <a:chExt cx="0" cy="0"/>
+        </a:xfrm>
+      </p:grpSpPr>
+      <p:sp useBgFill="1">
+        <p:nvSpPr>
+          <p:cNvPr id="25" name="Rectangle 24">
+            <a:extLst>
+              <a:ext uri="{FF2B5EF4-FFF2-40B4-BE49-F238E27FC236}">
+                <a16:creationId xmlns:a16="http://schemas.microsoft.com/office/drawing/2014/main" id="{C3E884E2-1B7A-5376-9D3F-452BC0CD09AE}"/>
+              </a:ext>
+              <a:ext uri="{C183D7F6-B498-43B3-948B-1728B52AA6E4}">
+                <adec:decorative xmlns:adec="http://schemas.microsoft.com/office/drawing/2017/decorative" val="1"/>
+              </a:ext>
+            </a:extLst>
+          </p:cNvPr>
+          <p:cNvSpPr>
+            <a:spLocks noGrp="1" noRot="1" noChangeAspect="1" noMove="1" noResize="1" noEditPoints="1" noAdjustHandles="1" noChangeArrowheads="1" noChangeShapeType="1" noTextEdit="1"/>
+          </p:cNvSpPr>
+          <p:nvPr>
+            <p:extLst>
+              <p:ext uri="{386F3935-93C4-4BCD-93E2-E3B085C9AB24}">
+                <p16:designElem xmlns:p16="http://schemas.microsoft.com/office/powerpoint/2015/main" val="1"/>
+              </p:ext>
+            </p:extLst>
+          </p:nvPr>
+        </p:nvSpPr>
+        <p:spPr>
+          <a:xfrm>
+            <a:off x="0" y="0"/>
+            <a:ext cx="12192000" cy="6858000"/>
+          </a:xfrm>
+          <a:prstGeom prst="rect">
+            <a:avLst/>
+          </a:prstGeom>
+          <a:ln w="12700" cap="flat" cmpd="sng" algn="ctr">
+            <a:noFill/>
+            <a:prstDash val="solid"/>
+            <a:miter lim="800000"/>
+          </a:ln>
+          <a:effectLst/>
+          <a:extLst>
+            <a:ext uri="{91240B29-F687-4F45-9708-019B960494DF}">
+              <a14:hiddenLine xmlns:a14="http://schemas.microsoft.com/office/drawing/2010/main" w="12700" cap="flat" cmpd="sng" algn="ctr">
+                <a:solidFill>
+                  <a:schemeClr val="accent1">
+                    <a:shade val="50000"/>
+                  </a:schemeClr>
+                </a:solidFill>
+                <a:prstDash val="solid"/>
+                <a:miter lim="800000"/>
+              </a14:hiddenLine>
+            </a:ext>
+          </a:extLst>
+        </p:spPr>
+        <p:style>
+          <a:lnRef idx="2">
+            <a:schemeClr val="accent1">
+              <a:shade val="50000"/>
+            </a:schemeClr>
+          </a:lnRef>
+          <a:fillRef idx="1">
+            <a:schemeClr val="accent1"/>
+          </a:fillRef>
+          <a:effectRef idx="0">
+            <a:schemeClr val="accent1"/>
+          </a:effectRef>
+          <a:fontRef idx="minor">
+            <a:schemeClr val="lt1"/>
+          </a:fontRef>
+        </p:style>
+        <p:txBody>
+          <a:bodyPr rtlCol="0" anchor="ctr"/>
+          <a:lstStyle/>
+          <a:p>
+            <a:pPr algn="ctr"/>
+            <a:endParaRPr lang="en-US" sz="2000"/>
+          </a:p>
+        </p:txBody>
+      </p:sp>
+      <p:sp>
+        <p:nvSpPr>
+          <p:cNvPr id="27" name="Rectangle 26">
+            <a:extLst>
+              <a:ext uri="{FF2B5EF4-FFF2-40B4-BE49-F238E27FC236}">
+                <a16:creationId xmlns:a16="http://schemas.microsoft.com/office/drawing/2014/main" id="{49D7F496-D3A3-2EFE-093E-EA50DB910492}"/>
+              </a:ext>
+              <a:ext uri="{C183D7F6-B498-43B3-948B-1728B52AA6E4}">
+                <adec:decorative xmlns:adec="http://schemas.microsoft.com/office/drawing/2017/decorative" val="1"/>
+              </a:ext>
+            </a:extLst>
+          </p:cNvPr>
+          <p:cNvSpPr>
+            <a:spLocks noGrp="1" noRot="1" noChangeAspect="1" noMove="1" noResize="1" noEditPoints="1" noAdjustHandles="1" noChangeArrowheads="1" noChangeShapeType="1" noTextEdit="1"/>
+          </p:cNvSpPr>
+          <p:nvPr>
+            <p:extLst>
+              <p:ext uri="{386F3935-93C4-4BCD-93E2-E3B085C9AB24}">
+                <p16:designElem xmlns:p16="http://schemas.microsoft.com/office/powerpoint/2015/main" val="1"/>
+              </p:ext>
+            </p:extLst>
+          </p:nvPr>
+        </p:nvSpPr>
+        <p:spPr>
+          <a:xfrm flipH="1">
+            <a:off x="2" y="492"/>
+            <a:ext cx="12191998" cy="1575955"/>
+          </a:xfrm>
+          <a:prstGeom prst="rect">
+            <a:avLst/>
+          </a:prstGeom>
+          <a:gradFill>
+            <a:gsLst>
+              <a:gs pos="0">
+                <a:schemeClr val="accent1">
+                  <a:lumMod val="50000"/>
+                </a:schemeClr>
+              </a:gs>
+              <a:gs pos="100000">
+                <a:schemeClr val="accent1">
+                  <a:lumMod val="75000"/>
+                </a:schemeClr>
+              </a:gs>
+            </a:gsLst>
+            <a:lin ang="8400000" scaled="0"/>
+          </a:gradFill>
+          <a:ln>
+            <a:noFill/>
+          </a:ln>
+        </p:spPr>
+        <p:style>
+          <a:lnRef idx="2">
+            <a:schemeClr val="accent1">
+              <a:shade val="50000"/>
+            </a:schemeClr>
+          </a:lnRef>
+          <a:fillRef idx="1">
+            <a:schemeClr val="accent1"/>
+          </a:fillRef>
+          <a:effectRef idx="0">
+            <a:schemeClr val="accent1"/>
+          </a:effectRef>
+          <a:fontRef idx="minor">
+            <a:schemeClr val="lt1"/>
+          </a:fontRef>
+        </p:style>
+        <p:txBody>
+          <a:bodyPr rtlCol="0" anchor="ctr"/>
+          <a:lstStyle/>
+          <a:p>
+            <a:pPr algn="ctr"/>
+            <a:endParaRPr lang="en-US"/>
+          </a:p>
+        </p:txBody>
+      </p:sp>
+      <p:sp>
+        <p:nvSpPr>
+          <p:cNvPr id="29" name="Rectangle 28">
+            <a:extLst>
+              <a:ext uri="{FF2B5EF4-FFF2-40B4-BE49-F238E27FC236}">
+                <a16:creationId xmlns:a16="http://schemas.microsoft.com/office/drawing/2014/main" id="{F362175F-C17F-5746-396B-B65B9E917872}"/>
+              </a:ext>
+              <a:ext uri="{C183D7F6-B498-43B3-948B-1728B52AA6E4}">
+                <adec:decorative xmlns:adec="http://schemas.microsoft.com/office/drawing/2017/decorative" val="1"/>
+              </a:ext>
+            </a:extLst>
+          </p:cNvPr>
+          <p:cNvSpPr>
+            <a:spLocks noGrp="1" noRot="1" noChangeAspect="1" noMove="1" noResize="1" noEditPoints="1" noAdjustHandles="1" noChangeArrowheads="1" noChangeShapeType="1" noTextEdit="1"/>
+          </p:cNvSpPr>
+          <p:nvPr>
+            <p:extLst>
+              <p:ext uri="{386F3935-93C4-4BCD-93E2-E3B085C9AB24}">
+                <p16:designElem xmlns:p16="http://schemas.microsoft.com/office/powerpoint/2015/main" val="1"/>
+              </p:ext>
+            </p:extLst>
+          </p:nvPr>
+        </p:nvSpPr>
+        <p:spPr>
+          <a:xfrm rot="10800000" flipH="1">
+            <a:off x="8128857" y="35"/>
+            <a:ext cx="4063143" cy="1576412"/>
+          </a:xfrm>
+          <a:prstGeom prst="rect">
+            <a:avLst/>
+          </a:prstGeom>
+          <a:gradFill>
+            <a:gsLst>
+              <a:gs pos="19000">
+                <a:schemeClr val="accent1">
+                  <a:lumMod val="50000"/>
+                  <a:alpha val="68000"/>
+                </a:schemeClr>
+              </a:gs>
+              <a:gs pos="100000">
+                <a:schemeClr val="accent1">
+                  <a:alpha val="79000"/>
+                </a:schemeClr>
+              </a:gs>
+            </a:gsLst>
+            <a:lin ang="19200000" scaled="0"/>
+          </a:gradFill>
+          <a:ln>
+            <a:noFill/>
+          </a:ln>
+        </p:spPr>
+        <p:style>
+          <a:lnRef idx="2">
+            <a:schemeClr val="accent1">
+              <a:shade val="50000"/>
+            </a:schemeClr>
+          </a:lnRef>
+          <a:fillRef idx="1">
+            <a:schemeClr val="accent1"/>
+          </a:fillRef>
+          <a:effectRef idx="0">
+            <a:schemeClr val="accent1"/>
+          </a:effectRef>
+          <a:fontRef idx="minor">
+            <a:schemeClr val="lt1"/>
+          </a:fontRef>
+        </p:style>
+        <p:txBody>
+          <a:bodyPr rtlCol="0" anchor="ctr"/>
+          <a:lstStyle/>
+          <a:p>
+            <a:pPr algn="ctr"/>
+            <a:endParaRPr lang="en-US"/>
+          </a:p>
+        </p:txBody>
+      </p:sp>
+      <p:sp>
+        <p:nvSpPr>
+          <p:cNvPr id="31" name="Rectangle 30">
+            <a:extLst>
+              <a:ext uri="{FF2B5EF4-FFF2-40B4-BE49-F238E27FC236}">
+                <a16:creationId xmlns:a16="http://schemas.microsoft.com/office/drawing/2014/main" id="{84D76ECB-2266-98DC-FCBE-FEEA516ADA31}"/>
+              </a:ext>
+              <a:ext uri="{C183D7F6-B498-43B3-948B-1728B52AA6E4}">
+                <adec:decorative xmlns:adec="http://schemas.microsoft.com/office/drawing/2017/decorative" val="1"/>
+              </a:ext>
+            </a:extLst>
+          </p:cNvPr>
+          <p:cNvSpPr>
+            <a:spLocks noGrp="1" noRot="1" noChangeAspect="1" noMove="1" noResize="1" noEditPoints="1" noAdjustHandles="1" noChangeArrowheads="1" noChangeShapeType="1" noTextEdit="1"/>
+          </p:cNvSpPr>
+          <p:nvPr>
+            <p:extLst>
+              <p:ext uri="{386F3935-93C4-4BCD-93E2-E3B085C9AB24}">
+                <p16:designElem xmlns:p16="http://schemas.microsoft.com/office/powerpoint/2015/main" val="1"/>
+              </p:ext>
+            </p:extLst>
+          </p:nvPr>
+        </p:nvSpPr>
+        <p:spPr>
+          <a:xfrm rot="5400000">
+            <a:off x="5307778" y="-5307777"/>
+            <a:ext cx="1576446" cy="12192001"/>
+          </a:xfrm>
+          <a:prstGeom prst="rect">
+            <a:avLst/>
+          </a:prstGeom>
+          <a:gradFill>
+            <a:gsLst>
+              <a:gs pos="16000">
+                <a:srgbClr val="000000">
+                  <a:alpha val="0"/>
+                </a:srgbClr>
+              </a:gs>
+              <a:gs pos="99000">
+                <a:srgbClr val="000000">
+                  <a:alpha val="87000"/>
+                </a:srgbClr>
+              </a:gs>
+            </a:gsLst>
+            <a:lin ang="11400000" scaled="0"/>
+          </a:gradFill>
+          <a:ln>
+            <a:noFill/>
+          </a:ln>
+        </p:spPr>
+        <p:style>
+          <a:lnRef idx="2">
+            <a:schemeClr val="accent1">
+              <a:shade val="50000"/>
+            </a:schemeClr>
+          </a:lnRef>
+          <a:fillRef idx="1">
+            <a:schemeClr val="accent1"/>
+          </a:fillRef>
+          <a:effectRef idx="0">
+            <a:schemeClr val="accent1"/>
+          </a:effectRef>
+          <a:fontRef idx="minor">
+            <a:schemeClr val="lt1"/>
+          </a:fontRef>
+        </p:style>
+        <p:txBody>
+          <a:bodyPr rtlCol="0" anchor="ctr"/>
+          <a:lstStyle/>
+          <a:p>
+            <a:pPr algn="ctr"/>
+            <a:endParaRPr lang="en-US" dirty="0"/>
+          </a:p>
+        </p:txBody>
+      </p:sp>
+      <p:sp>
+        <p:nvSpPr>
+          <p:cNvPr id="33" name="Rectangle 32">
+            <a:extLst>
+              <a:ext uri="{FF2B5EF4-FFF2-40B4-BE49-F238E27FC236}">
+                <a16:creationId xmlns:a16="http://schemas.microsoft.com/office/drawing/2014/main" id="{6A99EBCE-2BB7-C012-3FB2-36DB4D8624D9}"/>
+              </a:ext>
+              <a:ext uri="{C183D7F6-B498-43B3-948B-1728B52AA6E4}">
+                <adec:decorative xmlns:adec="http://schemas.microsoft.com/office/drawing/2017/decorative" val="1"/>
+              </a:ext>
+            </a:extLst>
+          </p:cNvPr>
+          <p:cNvSpPr>
+            <a:spLocks noGrp="1" noRot="1" noChangeAspect="1" noMove="1" noResize="1" noEditPoints="1" noAdjustHandles="1" noChangeArrowheads="1" noChangeShapeType="1" noTextEdit="1"/>
+          </p:cNvSpPr>
+          <p:nvPr>
+            <p:extLst>
+              <p:ext uri="{386F3935-93C4-4BCD-93E2-E3B085C9AB24}">
+                <p16:designElem xmlns:p16="http://schemas.microsoft.com/office/powerpoint/2015/main" val="1"/>
+              </p:ext>
+            </p:extLst>
+          </p:nvPr>
+        </p:nvSpPr>
+        <p:spPr>
+          <a:xfrm>
+            <a:off x="3825434" y="986"/>
+            <a:ext cx="4303422" cy="1575461"/>
+          </a:xfrm>
+          <a:prstGeom prst="rect">
+            <a:avLst/>
+          </a:prstGeom>
+          <a:gradFill>
+            <a:gsLst>
+              <a:gs pos="0">
+                <a:schemeClr val="accent1">
+                  <a:alpha val="17000"/>
+                </a:schemeClr>
+              </a:gs>
+              <a:gs pos="74000">
+                <a:schemeClr val="accent1">
+                  <a:lumMod val="50000"/>
+                  <a:alpha val="0"/>
+                </a:schemeClr>
+              </a:gs>
+            </a:gsLst>
+            <a:lin ang="14400000" scaled="0"/>
+          </a:gradFill>
+          <a:ln>
+            <a:noFill/>
+          </a:ln>
+        </p:spPr>
+        <p:style>
+          <a:lnRef idx="2">
+            <a:schemeClr val="accent1">
+              <a:shade val="50000"/>
+            </a:schemeClr>
+          </a:lnRef>
+          <a:fillRef idx="1">
+            <a:schemeClr val="accent1"/>
+          </a:fillRef>
+          <a:effectRef idx="0">
+            <a:schemeClr val="accent1"/>
+          </a:effectRef>
+          <a:fontRef idx="minor">
+            <a:schemeClr val="lt1"/>
+          </a:fontRef>
+        </p:style>
+        <p:txBody>
+          <a:bodyPr rtlCol="0" anchor="ctr"/>
+          <a:lstStyle/>
+          <a:p>
+            <a:pPr algn="ctr"/>
+            <a:endParaRPr lang="en-US"/>
+          </a:p>
+        </p:txBody>
+      </p:sp>
+      <p:sp>
+        <p:nvSpPr>
+          <p:cNvPr id="2" name="标题 1">
+            <a:extLst>
+              <a:ext uri="{FF2B5EF4-FFF2-40B4-BE49-F238E27FC236}">
+                <a16:creationId xmlns:a16="http://schemas.microsoft.com/office/drawing/2014/main" id="{5F0C0DBA-EA37-76C8-FA99-9F70682B6F4F}"/>
+              </a:ext>
+            </a:extLst>
+          </p:cNvPr>
+          <p:cNvSpPr>
+            <a:spLocks noGrp="1"/>
+          </p:cNvSpPr>
+          <p:nvPr>
+            <p:ph type="ctrTitle"/>
+          </p:nvPr>
+        </p:nvSpPr>
+        <p:spPr>
+          <a:xfrm>
+            <a:off x="699714" y="353160"/>
+            <a:ext cx="7091300" cy="898581"/>
+          </a:xfrm>
+        </p:spPr>
+        <p:txBody>
+          <a:bodyPr anchor="ctr">
+            <a:normAutofit/>
+          </a:bodyPr>
+          <a:lstStyle/>
+          <a:p>
+            <a:pPr algn="l"/>
+            <a:r>
+              <a:rPr lang="en-US" altLang="zh-CN" sz="4000" dirty="0">
+                <a:solidFill>
+                  <a:srgbClr val="FFFFFF"/>
+                </a:solidFill>
+              </a:rPr>
+              <a:t>Cross Vit </a:t>
+            </a:r>
+            <a:endParaRPr lang="zh-CN" altLang="en-US" sz="4000" dirty="0">
+              <a:solidFill>
+                <a:srgbClr val="FFFFFF"/>
+              </a:solidFill>
+            </a:endParaRPr>
+          </a:p>
+        </p:txBody>
+      </p:sp>
+      <p:sp>
+        <p:nvSpPr>
+          <p:cNvPr id="8" name="文本框 7">
+            <a:extLst>
+              <a:ext uri="{FF2B5EF4-FFF2-40B4-BE49-F238E27FC236}">
+                <a16:creationId xmlns:a16="http://schemas.microsoft.com/office/drawing/2014/main" id="{06CDB214-F545-382E-0EC5-C599BDB4592F}"/>
+              </a:ext>
+            </a:extLst>
+          </p:cNvPr>
+          <p:cNvSpPr txBox="1"/>
+          <p:nvPr/>
+        </p:nvSpPr>
+        <p:spPr>
+          <a:xfrm>
+            <a:off x="41705" y="1769422"/>
+            <a:ext cx="5001350" cy="3970318"/>
+          </a:xfrm>
+          <a:prstGeom prst="rect">
+            <a:avLst/>
+          </a:prstGeom>
+          <a:noFill/>
+        </p:spPr>
+        <p:txBody>
+          <a:bodyPr wrap="square">
+            <a:spAutoFit/>
+          </a:bodyPr>
+          <a:lstStyle/>
+          <a:p>
+            <a:r>
+              <a:rPr lang="zh-CN" altLang="en-US" dirty="0"/>
+              <a:t> image_size=32, num_classes=10,</a:t>
+            </a:r>
+          </a:p>
+          <a:p>
+            <a:r>
+              <a:rPr lang="zh-CN" altLang="en-US" dirty="0"/>
+              <a:t>    sm_dim=192, lg_dim=384,             </a:t>
+            </a:r>
+          </a:p>
+          <a:p>
+            <a:r>
+              <a:rPr lang="zh-CN" altLang="en-US" dirty="0"/>
+              <a:t>    sm_patch_size=4, lg_patch_size=8,</a:t>
+            </a:r>
+          </a:p>
+          <a:p>
+            <a:endParaRPr lang="zh-CN" altLang="en-US" dirty="0"/>
+          </a:p>
+          <a:p>
+            <a:r>
+              <a:rPr lang="zh-CN" altLang="en-US" dirty="0"/>
+              <a:t>    depth=2,                             </a:t>
+            </a:r>
+          </a:p>
+          <a:p>
+            <a:r>
+              <a:rPr lang="zh-CN" altLang="en-US" dirty="0"/>
+              <a:t>    sm_enc_depth=2, lg_enc_depth=2,</a:t>
+            </a:r>
+          </a:p>
+          <a:p>
+            <a:r>
+              <a:rPr lang="zh-CN" altLang="en-US" dirty="0"/>
+              <a:t>    cross_attn_depth=1,</a:t>
+            </a:r>
+          </a:p>
+          <a:p>
+            <a:endParaRPr lang="zh-CN" altLang="en-US" dirty="0"/>
+          </a:p>
+          <a:p>
+            <a:r>
+              <a:rPr lang="zh-CN" altLang="en-US" dirty="0"/>
+              <a:t>    sm_enc_heads=6,  sm_enc_dim_head=32,</a:t>
+            </a:r>
+          </a:p>
+          <a:p>
+            <a:r>
+              <a:rPr lang="zh-CN" altLang="en-US" dirty="0"/>
+              <a:t>    lg_enc_heads=6,  lg_enc_dim_head=64, </a:t>
+            </a:r>
+          </a:p>
+          <a:p>
+            <a:r>
+              <a:rPr lang="zh-CN" altLang="en-US" dirty="0"/>
+              <a:t>    cross_attn_heads=4, cross_attn_dim_head=48,   </a:t>
+            </a:r>
+          </a:p>
+          <a:p>
+            <a:endParaRPr lang="zh-CN" altLang="en-US" dirty="0"/>
+          </a:p>
+          <a:p>
+            <a:r>
+              <a:rPr lang="zh-CN" altLang="en-US" dirty="0"/>
+              <a:t>    sm_enc_mlp_dim=768, lg_enc_mlp_dim=1536,     </a:t>
+            </a:r>
+          </a:p>
+          <a:p>
+            <a:r>
+              <a:rPr lang="zh-CN" altLang="en-US" dirty="0"/>
+              <a:t>    dropout=0.1, emb_dropout=0.1, channels=3</a:t>
+            </a:r>
+            <a:endParaRPr lang="en-US" altLang="zh-CN" dirty="0"/>
+          </a:p>
+        </p:txBody>
+      </p:sp>
+      <p:sp>
+        <p:nvSpPr>
+          <p:cNvPr id="10" name="文本框 9">
+            <a:extLst>
+              <a:ext uri="{FF2B5EF4-FFF2-40B4-BE49-F238E27FC236}">
+                <a16:creationId xmlns:a16="http://schemas.microsoft.com/office/drawing/2014/main" id="{447EA850-C7C9-C69D-18AE-00295821F35A}"/>
+              </a:ext>
+            </a:extLst>
+          </p:cNvPr>
+          <p:cNvSpPr txBox="1"/>
+          <p:nvPr/>
+        </p:nvSpPr>
+        <p:spPr>
+          <a:xfrm>
+            <a:off x="8442036" y="264982"/>
+            <a:ext cx="3592946" cy="646331"/>
+          </a:xfrm>
+          <a:prstGeom prst="rect">
+            <a:avLst/>
+          </a:prstGeom>
+          <a:noFill/>
+        </p:spPr>
+        <p:txBody>
+          <a:bodyPr wrap="square" rtlCol="0">
+            <a:spAutoFit/>
+          </a:bodyPr>
+          <a:lstStyle/>
+          <a:p>
+            <a:r>
+              <a:rPr lang="en-US" altLang="zh-CN" dirty="0">
+                <a:solidFill>
+                  <a:schemeClr val="bg1"/>
+                </a:solidFill>
+              </a:rPr>
+              <a:t>Accuracy rate : 76.31</a:t>
+            </a:r>
+            <a:r>
+              <a:rPr lang="en-US" altLang="zh-CN" dirty="0"/>
+              <a:t>%</a:t>
+            </a:r>
+          </a:p>
+          <a:p>
+            <a:r>
+              <a:rPr lang="en-US" altLang="zh-CN" dirty="0">
+                <a:solidFill>
+                  <a:schemeClr val="bg1"/>
+                </a:solidFill>
+              </a:rPr>
+              <a:t>Time Cost : 70min</a:t>
+            </a:r>
+            <a:endParaRPr lang="zh-CN" altLang="en-US" dirty="0">
+              <a:solidFill>
+                <a:schemeClr val="bg1"/>
+              </a:solidFill>
+            </a:endParaRPr>
+          </a:p>
+        </p:txBody>
+      </p:sp>
+      <p:pic>
+        <p:nvPicPr>
+          <p:cNvPr id="14" name="图片 13">
+            <a:extLst>
+              <a:ext uri="{FF2B5EF4-FFF2-40B4-BE49-F238E27FC236}">
+                <a16:creationId xmlns:a16="http://schemas.microsoft.com/office/drawing/2014/main" id="{677F0C05-97FD-968B-AD28-86727E921F8F}"/>
+              </a:ext>
+            </a:extLst>
+          </p:cNvPr>
+          <p:cNvPicPr>
+            <a:picLocks noChangeAspect="1"/>
+          </p:cNvPicPr>
+          <p:nvPr/>
+        </p:nvPicPr>
+        <p:blipFill>
+          <a:blip r:embed="rId2"/>
+          <a:stretch>
+            <a:fillRect/>
+          </a:stretch>
+        </p:blipFill>
+        <p:spPr>
+          <a:xfrm>
+            <a:off x="5043055" y="2048693"/>
+            <a:ext cx="6933008" cy="4102724"/>
+          </a:xfrm>
+          <a:prstGeom prst="rect">
+            <a:avLst/>
+          </a:prstGeom>
+        </p:spPr>
+      </p:pic>
+    </p:spTree>
+    <p:extLst>
+      <p:ext uri="{BB962C8B-B14F-4D97-AF65-F5344CB8AC3E}">
+        <p14:creationId xmlns:p14="http://schemas.microsoft.com/office/powerpoint/2010/main" val="1739757987"/>
+      </p:ext>
+    </p:extLst>
+  </p:cSld>
+  <p:clrMapOvr>
+    <a:masterClrMapping/>
+  </p:clrMapOvr>
+</p:sld>
+</file>
+
+<file path=ppt/slides/slide22.xml><?xml version="1.0" encoding="utf-8"?>
+<p:sld xmlns:a="http://schemas.openxmlformats.org/drawingml/2006/main" xmlns:r="http://schemas.openxmlformats.org/officeDocument/2006/relationships" xmlns:p="http://schemas.openxmlformats.org/presentationml/2006/main">
+  <p:cSld>
+    <p:bg>
+      <p:bgPr>
+        <a:solidFill>
+          <a:schemeClr val="bg1"/>
+        </a:solidFill>
+        <a:effectLst/>
+      </p:bgPr>
+    </p:bg>
+    <p:spTree>
+      <p:nvGrpSpPr>
+        <p:cNvPr id="1" name=""/>
+        <p:cNvGrpSpPr/>
+        <p:nvPr/>
+      </p:nvGrpSpPr>
+      <p:grpSpPr>
+        <a:xfrm>
+          <a:off x="0" y="0"/>
+          <a:ext cx="0" cy="0"/>
+          <a:chOff x="0" y="0"/>
+          <a:chExt cx="0" cy="0"/>
+        </a:xfrm>
+      </p:grpSpPr>
+      <p:sp useBgFill="1">
+        <p:nvSpPr>
+          <p:cNvPr id="20" name="Rectangle 19">
+            <a:extLst>
+              <a:ext uri="{FF2B5EF4-FFF2-40B4-BE49-F238E27FC236}">
+                <a16:creationId xmlns:a16="http://schemas.microsoft.com/office/drawing/2014/main" id="{BACC6370-2D7E-4714-9D71-7542949D7D5D}"/>
+              </a:ext>
+              <a:ext uri="{C183D7F6-B498-43B3-948B-1728B52AA6E4}">
+                <adec:decorative xmlns:adec="http://schemas.microsoft.com/office/drawing/2017/decorative" val="1"/>
+              </a:ext>
+            </a:extLst>
+          </p:cNvPr>
+          <p:cNvSpPr>
+            <a:spLocks noGrp="1" noRot="1" noChangeAspect="1" noMove="1" noResize="1" noEditPoints="1" noAdjustHandles="1" noChangeArrowheads="1" noChangeShapeType="1" noTextEdit="1"/>
+          </p:cNvSpPr>
+          <p:nvPr>
+            <p:extLst>
+              <p:ext uri="{386F3935-93C4-4BCD-93E2-E3B085C9AB24}">
+                <p16:designElem xmlns:p16="http://schemas.microsoft.com/office/powerpoint/2015/main" val="1"/>
+              </p:ext>
+            </p:extLst>
+          </p:nvPr>
+        </p:nvSpPr>
+        <p:spPr>
+          <a:xfrm>
+            <a:off x="0" y="0"/>
+            <a:ext cx="12192000" cy="6858000"/>
+          </a:xfrm>
+          <a:prstGeom prst="rect">
+            <a:avLst/>
+          </a:prstGeom>
+          <a:ln w="12700" cap="flat" cmpd="sng" algn="ctr">
+            <a:noFill/>
+            <a:prstDash val="solid"/>
+            <a:miter lim="800000"/>
+          </a:ln>
+          <a:effectLst/>
+          <a:extLst>
+            <a:ext uri="{91240B29-F687-4F45-9708-019B960494DF}">
+              <a14:hiddenLine xmlns:a14="http://schemas.microsoft.com/office/drawing/2010/main" w="12700" cap="flat" cmpd="sng" algn="ctr">
+                <a:solidFill>
+                  <a:schemeClr val="accent1">
+                    <a:shade val="50000"/>
+                  </a:schemeClr>
+                </a:solidFill>
+                <a:prstDash val="solid"/>
+                <a:miter lim="800000"/>
+              </a14:hiddenLine>
+            </a:ext>
+          </a:extLst>
+        </p:spPr>
+        <p:style>
+          <a:lnRef idx="2">
+            <a:schemeClr val="accent1">
+              <a:shade val="50000"/>
+            </a:schemeClr>
+          </a:lnRef>
+          <a:fillRef idx="1">
+            <a:schemeClr val="accent1"/>
+          </a:fillRef>
+          <a:effectRef idx="0">
+            <a:schemeClr val="accent1"/>
+          </a:effectRef>
+          <a:fontRef idx="minor">
+            <a:schemeClr val="lt1"/>
+          </a:fontRef>
+        </p:style>
+        <p:txBody>
+          <a:bodyPr rtlCol="0" anchor="ctr"/>
+          <a:lstStyle/>
+          <a:p>
+            <a:pPr algn="ctr"/>
+            <a:endParaRPr lang="en-US"/>
+          </a:p>
+        </p:txBody>
+      </p:sp>
+      <p:sp>
+        <p:nvSpPr>
+          <p:cNvPr id="22" name="Rectangle 21">
+            <a:extLst>
+              <a:ext uri="{FF2B5EF4-FFF2-40B4-BE49-F238E27FC236}">
+                <a16:creationId xmlns:a16="http://schemas.microsoft.com/office/drawing/2014/main" id="{F68B3F68-107C-434F-AA38-110D5EA91B85}"/>
+              </a:ext>
+              <a:ext uri="{C183D7F6-B498-43B3-948B-1728B52AA6E4}">
+                <adec:decorative xmlns:adec="http://schemas.microsoft.com/office/drawing/2017/decorative" val="1"/>
+              </a:ext>
+            </a:extLst>
+          </p:cNvPr>
+          <p:cNvSpPr>
+            <a:spLocks noGrp="1" noRot="1" noChangeAspect="1" noMove="1" noResize="1" noEditPoints="1" noAdjustHandles="1" noChangeArrowheads="1" noChangeShapeType="1" noTextEdit="1"/>
+          </p:cNvSpPr>
+          <p:nvPr>
+            <p:extLst>
+              <p:ext uri="{386F3935-93C4-4BCD-93E2-E3B085C9AB24}">
+                <p16:designElem xmlns:p16="http://schemas.microsoft.com/office/powerpoint/2015/main" val="1"/>
+              </p:ext>
+            </p:extLst>
+          </p:nvPr>
+        </p:nvSpPr>
+        <p:spPr>
+          <a:xfrm flipH="1">
+            <a:off x="2" y="0"/>
+            <a:ext cx="12191998" cy="1575955"/>
+          </a:xfrm>
+          <a:prstGeom prst="rect">
+            <a:avLst/>
+          </a:prstGeom>
+          <a:gradFill>
+            <a:gsLst>
+              <a:gs pos="0">
+                <a:srgbClr val="000000">
+                  <a:alpha val="96000"/>
+                </a:srgbClr>
+              </a:gs>
+              <a:gs pos="100000">
+                <a:schemeClr val="accent1">
+                  <a:lumMod val="75000"/>
+                </a:schemeClr>
+              </a:gs>
+            </a:gsLst>
+            <a:lin ang="8400000" scaled="0"/>
+          </a:gradFill>
+          <a:ln>
+            <a:noFill/>
+          </a:ln>
+        </p:spPr>
+        <p:style>
+          <a:lnRef idx="2">
+            <a:schemeClr val="accent1">
+              <a:shade val="50000"/>
+            </a:schemeClr>
+          </a:lnRef>
+          <a:fillRef idx="1">
+            <a:schemeClr val="accent1"/>
+          </a:fillRef>
+          <a:effectRef idx="0">
+            <a:schemeClr val="accent1"/>
+          </a:effectRef>
+          <a:fontRef idx="minor">
+            <a:schemeClr val="lt1"/>
+          </a:fontRef>
+        </p:style>
+        <p:txBody>
+          <a:bodyPr rtlCol="0" anchor="ctr"/>
+          <a:lstStyle/>
+          <a:p>
+            <a:pPr algn="ctr"/>
+            <a:endParaRPr lang="en-US"/>
+          </a:p>
+        </p:txBody>
+      </p:sp>
+      <p:sp>
+        <p:nvSpPr>
+          <p:cNvPr id="24" name="Rectangle 23">
+            <a:extLst>
+              <a:ext uri="{FF2B5EF4-FFF2-40B4-BE49-F238E27FC236}">
+                <a16:creationId xmlns:a16="http://schemas.microsoft.com/office/drawing/2014/main" id="{AAD0DBB9-1A4B-4391-81D4-CB19F9AB918A}"/>
+              </a:ext>
+              <a:ext uri="{C183D7F6-B498-43B3-948B-1728B52AA6E4}">
+                <adec:decorative xmlns:adec="http://schemas.microsoft.com/office/drawing/2017/decorative" val="1"/>
+              </a:ext>
+            </a:extLst>
+          </p:cNvPr>
+          <p:cNvSpPr>
+            <a:spLocks noGrp="1" noRot="1" noChangeAspect="1" noMove="1" noResize="1" noEditPoints="1" noAdjustHandles="1" noChangeArrowheads="1" noChangeShapeType="1" noTextEdit="1"/>
+          </p:cNvSpPr>
+          <p:nvPr>
+            <p:extLst>
+              <p:ext uri="{386F3935-93C4-4BCD-93E2-E3B085C9AB24}">
+                <p16:designElem xmlns:p16="http://schemas.microsoft.com/office/powerpoint/2015/main" val="1"/>
+              </p:ext>
+            </p:extLst>
+          </p:nvPr>
+        </p:nvSpPr>
+        <p:spPr>
+          <a:xfrm rot="10800000" flipH="1">
+            <a:off x="8128857" y="0"/>
+            <a:ext cx="4063143" cy="1576412"/>
+          </a:xfrm>
+          <a:prstGeom prst="rect">
+            <a:avLst/>
+          </a:prstGeom>
+          <a:gradFill>
+            <a:gsLst>
+              <a:gs pos="19000">
+                <a:schemeClr val="accent1">
+                  <a:lumMod val="50000"/>
+                  <a:alpha val="68000"/>
+                </a:schemeClr>
+              </a:gs>
+              <a:gs pos="100000">
+                <a:schemeClr val="accent1">
+                  <a:alpha val="79000"/>
+                </a:schemeClr>
+              </a:gs>
+            </a:gsLst>
+            <a:lin ang="19200000" scaled="0"/>
+          </a:gradFill>
+          <a:ln>
+            <a:noFill/>
+          </a:ln>
+        </p:spPr>
+        <p:style>
+          <a:lnRef idx="2">
+            <a:schemeClr val="accent1">
+              <a:shade val="50000"/>
+            </a:schemeClr>
+          </a:lnRef>
+          <a:fillRef idx="1">
+            <a:schemeClr val="accent1"/>
+          </a:fillRef>
+          <a:effectRef idx="0">
+            <a:schemeClr val="accent1"/>
+          </a:effectRef>
+          <a:fontRef idx="minor">
+            <a:schemeClr val="lt1"/>
+          </a:fontRef>
+        </p:style>
+        <p:txBody>
+          <a:bodyPr rtlCol="0" anchor="ctr"/>
+          <a:lstStyle/>
+          <a:p>
+            <a:pPr algn="ctr"/>
+            <a:endParaRPr lang="en-US"/>
+          </a:p>
+        </p:txBody>
+      </p:sp>
+      <p:sp>
+        <p:nvSpPr>
+          <p:cNvPr id="26" name="Rectangle 25">
+            <a:extLst>
+              <a:ext uri="{FF2B5EF4-FFF2-40B4-BE49-F238E27FC236}">
+                <a16:creationId xmlns:a16="http://schemas.microsoft.com/office/drawing/2014/main" id="{063BBA22-50EA-4C4D-BE05-F1CE4E63AA56}"/>
+              </a:ext>
+              <a:ext uri="{C183D7F6-B498-43B3-948B-1728B52AA6E4}">
+                <adec:decorative xmlns:adec="http://schemas.microsoft.com/office/drawing/2017/decorative" val="1"/>
+              </a:ext>
+            </a:extLst>
+          </p:cNvPr>
+          <p:cNvSpPr>
+            <a:spLocks noGrp="1" noRot="1" noChangeAspect="1" noMove="1" noResize="1" noEditPoints="1" noAdjustHandles="1" noChangeArrowheads="1" noChangeShapeType="1" noTextEdit="1"/>
+          </p:cNvSpPr>
+          <p:nvPr>
+            <p:extLst>
+              <p:ext uri="{386F3935-93C4-4BCD-93E2-E3B085C9AB24}">
+                <p16:designElem xmlns:p16="http://schemas.microsoft.com/office/powerpoint/2015/main" val="1"/>
+              </p:ext>
+            </p:extLst>
+          </p:nvPr>
+        </p:nvSpPr>
+        <p:spPr>
+          <a:xfrm rot="5400000">
+            <a:off x="5307777" y="-5307778"/>
+            <a:ext cx="1576446" cy="12192002"/>
+          </a:xfrm>
+          <a:prstGeom prst="rect">
+            <a:avLst/>
+          </a:prstGeom>
+          <a:gradFill>
+            <a:gsLst>
+              <a:gs pos="23000">
+                <a:schemeClr val="accent1">
+                  <a:alpha val="0"/>
+                </a:schemeClr>
+              </a:gs>
+              <a:gs pos="99000">
+                <a:srgbClr val="000000">
+                  <a:alpha val="74000"/>
+                </a:srgbClr>
+              </a:gs>
+            </a:gsLst>
+            <a:lin ang="20400000" scaled="0"/>
+          </a:gradFill>
+          <a:ln>
+            <a:noFill/>
+          </a:ln>
+        </p:spPr>
+        <p:style>
+          <a:lnRef idx="2">
+            <a:schemeClr val="accent1">
+              <a:shade val="50000"/>
+            </a:schemeClr>
+          </a:lnRef>
+          <a:fillRef idx="1">
+            <a:schemeClr val="accent1"/>
+          </a:fillRef>
+          <a:effectRef idx="0">
+            <a:schemeClr val="accent1"/>
+          </a:effectRef>
+          <a:fontRef idx="minor">
+            <a:schemeClr val="lt1"/>
+          </a:fontRef>
+        </p:style>
+        <p:txBody>
+          <a:bodyPr rtlCol="0" anchor="ctr"/>
+          <a:lstStyle/>
+          <a:p>
+            <a:pPr algn="ctr"/>
+            <a:endParaRPr lang="en-US" dirty="0"/>
+          </a:p>
+        </p:txBody>
+      </p:sp>
+      <p:sp>
+        <p:nvSpPr>
+          <p:cNvPr id="2" name="标题 1">
+            <a:extLst>
+              <a:ext uri="{FF2B5EF4-FFF2-40B4-BE49-F238E27FC236}">
+                <a16:creationId xmlns:a16="http://schemas.microsoft.com/office/drawing/2014/main" id="{93E2F7B2-E2A9-75D1-D7F3-10A3A1C479A0}"/>
+              </a:ext>
+            </a:extLst>
+          </p:cNvPr>
+          <p:cNvSpPr>
+            <a:spLocks noGrp="1"/>
+          </p:cNvSpPr>
+          <p:nvPr>
+            <p:ph type="title"/>
+          </p:nvPr>
+        </p:nvSpPr>
+        <p:spPr>
+          <a:xfrm>
+            <a:off x="1371597" y="348865"/>
+            <a:ext cx="10044023" cy="877729"/>
+          </a:xfrm>
+        </p:spPr>
+        <p:txBody>
+          <a:bodyPr anchor="ctr">
+            <a:normAutofit/>
+          </a:bodyPr>
+          <a:lstStyle/>
+          <a:p>
+            <a:r>
+              <a:rPr lang="en-US" altLang="zh-CN" sz="4000" dirty="0">
+                <a:solidFill>
+                  <a:srgbClr val="FFFFFF"/>
+                </a:solidFill>
+              </a:rPr>
+              <a:t>Results compare</a:t>
+            </a:r>
+            <a:endParaRPr lang="zh-CN" altLang="en-US" sz="4000" dirty="0">
+              <a:solidFill>
+                <a:srgbClr val="FFFFFF"/>
+              </a:solidFill>
+            </a:endParaRPr>
+          </a:p>
+        </p:txBody>
+      </p:sp>
+      <p:graphicFrame>
+        <p:nvGraphicFramePr>
+          <p:cNvPr id="4" name="内容占位符 3">
+            <a:extLst>
+              <a:ext uri="{FF2B5EF4-FFF2-40B4-BE49-F238E27FC236}">
+                <a16:creationId xmlns:a16="http://schemas.microsoft.com/office/drawing/2014/main" id="{B221E1D2-3DD8-6571-0F23-469D8F042AB9}"/>
+              </a:ext>
+            </a:extLst>
+          </p:cNvPr>
+          <p:cNvGraphicFramePr>
+            <a:graphicFrameLocks noGrp="1"/>
+          </p:cNvGraphicFramePr>
+          <p:nvPr>
+            <p:ph idx="1"/>
+            <p:extLst>
+              <p:ext uri="{D42A27DB-BD31-4B8C-83A1-F6EECF244321}">
+                <p14:modId xmlns:p14="http://schemas.microsoft.com/office/powerpoint/2010/main" val="872567541"/>
+              </p:ext>
+            </p:extLst>
+          </p:nvPr>
+        </p:nvGraphicFramePr>
+        <p:xfrm>
+          <a:off x="904509" y="2112579"/>
+          <a:ext cx="10406924" cy="4192810"/>
+        </p:xfrm>
+        <a:graphic>
+          <a:graphicData uri="http://schemas.openxmlformats.org/drawingml/2006/table">
+            <a:tbl>
+              <a:tblPr firstRow="1" bandRow="1"/>
+              <a:tblGrid>
+                <a:gridCol w="1350013">
+                  <a:extLst>
+                    <a:ext uri="{9D8B030D-6E8A-4147-A177-3AD203B41FA5}">
+                      <a16:colId xmlns:a16="http://schemas.microsoft.com/office/drawing/2014/main" val="1092187142"/>
+                    </a:ext>
+                  </a:extLst>
+                </a:gridCol>
+                <a:gridCol w="2258704">
+                  <a:extLst>
+                    <a:ext uri="{9D8B030D-6E8A-4147-A177-3AD203B41FA5}">
+                      <a16:colId xmlns:a16="http://schemas.microsoft.com/office/drawing/2014/main" val="3369005712"/>
+                    </a:ext>
+                  </a:extLst>
+                </a:gridCol>
+                <a:gridCol w="3983775">
+                  <a:extLst>
+                    <a:ext uri="{9D8B030D-6E8A-4147-A177-3AD203B41FA5}">
+                      <a16:colId xmlns:a16="http://schemas.microsoft.com/office/drawing/2014/main" val="2810087611"/>
+                    </a:ext>
+                  </a:extLst>
+                </a:gridCol>
+                <a:gridCol w="2814432">
+                  <a:extLst>
+                    <a:ext uri="{9D8B030D-6E8A-4147-A177-3AD203B41FA5}">
+                      <a16:colId xmlns:a16="http://schemas.microsoft.com/office/drawing/2014/main" val="684963011"/>
+                    </a:ext>
+                  </a:extLst>
+                </a:gridCol>
+              </a:tblGrid>
+              <a:tr h="321600">
+                <a:tc>
+                  <a:txBody>
+                    <a:bodyPr/>
+                    <a:lstStyle/>
+                    <a:p>
+                      <a:pPr algn="l" fontAlgn="ctr">
+                        <a:buNone/>
+                      </a:pPr>
+                      <a:r>
+                        <a:rPr lang="en-US" sz="1400" b="0" i="0" u="none" strike="noStrike">
+                          <a:effectLst/>
+                          <a:latin typeface="Arial" panose="020B0604020202020204" pitchFamily="34" charset="0"/>
+                        </a:rPr>
+                        <a:t>Exp</a:t>
+                      </a:r>
+                      <a:endParaRPr lang="en-US" altLang="zh-CN" sz="1400" b="0" i="0" u="none" strike="noStrike">
+                        <a:effectLst/>
+                        <a:latin typeface="Arial" panose="020B0604020202020204" pitchFamily="34" charset="0"/>
+                      </a:endParaRPr>
+                    </a:p>
+                  </a:txBody>
+                  <a:tcPr marL="71348" marR="71348" marT="35674" marB="35674" anchor="ctr">
+                    <a:lnL>
+                      <a:noFill/>
+                    </a:lnL>
+                    <a:lnR>
+                      <a:noFill/>
+                    </a:lnR>
+                    <a:lnT>
+                      <a:noFill/>
+                    </a:lnT>
+                    <a:lnB>
+                      <a:noFill/>
+                    </a:lnB>
+                    <a:noFill/>
+                  </a:tcPr>
+                </a:tc>
+                <a:tc>
+                  <a:txBody>
+                    <a:bodyPr/>
+                    <a:lstStyle/>
+                    <a:p>
+                      <a:pPr algn="l" fontAlgn="ctr">
+                        <a:buNone/>
+                      </a:pPr>
+                      <a:r>
+                        <a:rPr lang="en-US" sz="1400" b="0" i="0" u="none" strike="noStrike">
+                          <a:effectLst/>
+                          <a:latin typeface="Arial" panose="020B0604020202020204" pitchFamily="34" charset="0"/>
+                        </a:rPr>
+                        <a:t>Model</a:t>
+                      </a:r>
+                      <a:endParaRPr lang="en-US" altLang="zh-CN" sz="1400" b="0" i="0" u="none" strike="noStrike">
+                        <a:effectLst/>
+                        <a:latin typeface="Arial" panose="020B0604020202020204" pitchFamily="34" charset="0"/>
+                      </a:endParaRPr>
+                    </a:p>
+                  </a:txBody>
+                  <a:tcPr marL="71348" marR="71348" marT="35674" marB="35674" anchor="ctr">
+                    <a:lnL>
+                      <a:noFill/>
+                    </a:lnL>
+                    <a:lnR>
+                      <a:noFill/>
+                    </a:lnR>
+                    <a:lnT>
+                      <a:noFill/>
+                    </a:lnT>
+                    <a:lnB>
+                      <a:noFill/>
+                    </a:lnB>
+                    <a:noFill/>
+                  </a:tcPr>
+                </a:tc>
+                <a:tc>
+                  <a:txBody>
+                    <a:bodyPr/>
+                    <a:lstStyle/>
+                    <a:p>
+                      <a:pPr algn="l" fontAlgn="ctr">
+                        <a:buNone/>
+                      </a:pPr>
+                      <a:r>
+                        <a:rPr lang="en-US" sz="1400" b="0" i="0" u="none" strike="noStrike">
+                          <a:effectLst/>
+                          <a:latin typeface="Arial" panose="020B0604020202020204" pitchFamily="34" charset="0"/>
+                        </a:rPr>
+                        <a:t>Changes vs Baseline-1</a:t>
+                      </a:r>
+                      <a:endParaRPr lang="en-US" altLang="zh-CN" sz="1400" b="0" i="0" u="none" strike="noStrike">
+                        <a:effectLst/>
+                        <a:latin typeface="Arial" panose="020B0604020202020204" pitchFamily="34" charset="0"/>
+                      </a:endParaRPr>
+                    </a:p>
+                  </a:txBody>
+                  <a:tcPr marL="71348" marR="71348" marT="35674" marB="35674" anchor="ctr">
+                    <a:lnL>
+                      <a:noFill/>
+                    </a:lnL>
+                    <a:lnR>
+                      <a:noFill/>
+                    </a:lnR>
+                    <a:lnT>
+                      <a:noFill/>
+                    </a:lnT>
+                    <a:lnB>
+                      <a:noFill/>
+                    </a:lnB>
+                    <a:noFill/>
+                  </a:tcPr>
+                </a:tc>
+                <a:tc>
+                  <a:txBody>
+                    <a:bodyPr/>
+                    <a:lstStyle/>
+                    <a:p>
+                      <a:pPr algn="l" fontAlgn="ctr">
+                        <a:buNone/>
+                      </a:pPr>
+                      <a:r>
+                        <a:rPr lang="en-US" sz="1400" b="0" i="0" u="none" strike="noStrike">
+                          <a:effectLst/>
+                          <a:latin typeface="Arial" panose="020B0604020202020204" pitchFamily="34" charset="0"/>
+                        </a:rPr>
+                        <a:t>Test Acc (%)</a:t>
+                      </a:r>
+                      <a:endParaRPr lang="en-US" altLang="zh-CN" sz="1400" b="0" i="0" u="none" strike="noStrike">
+                        <a:effectLst/>
+                        <a:latin typeface="Arial" panose="020B0604020202020204" pitchFamily="34" charset="0"/>
+                      </a:endParaRPr>
+                    </a:p>
+                  </a:txBody>
+                  <a:tcPr marL="71348" marR="71348" marT="35674" marB="35674" anchor="ctr">
+                    <a:lnL>
+                      <a:noFill/>
+                    </a:lnL>
+                    <a:lnR>
+                      <a:noFill/>
+                    </a:lnR>
+                    <a:lnT>
+                      <a:noFill/>
+                    </a:lnT>
+                    <a:lnB>
+                      <a:noFill/>
+                    </a:lnB>
+                    <a:noFill/>
+                  </a:tcPr>
+                </a:tc>
+                <a:extLst>
+                  <a:ext uri="{0D108BD9-81ED-4DB2-BD59-A6C34878D82A}">
+                    <a16:rowId xmlns:a16="http://schemas.microsoft.com/office/drawing/2014/main" val="2572868852"/>
+                  </a:ext>
+                </a:extLst>
+              </a:tr>
+              <a:tr h="321600">
+                <a:tc>
+                  <a:txBody>
+                    <a:bodyPr/>
+                    <a:lstStyle/>
+                    <a:p>
+                      <a:pPr algn="l" fontAlgn="ctr">
+                        <a:buNone/>
+                      </a:pPr>
+                      <a:r>
+                        <a:rPr lang="en-US" sz="1400" b="0" i="0" u="none" strike="noStrike">
+                          <a:effectLst/>
+                          <a:latin typeface="Arial" panose="020B0604020202020204" pitchFamily="34" charset="0"/>
+                        </a:rPr>
+                        <a:t>1</a:t>
+                      </a:r>
+                      <a:endParaRPr lang="en-US" altLang="zh-CN" sz="1400" b="0" i="0" u="none" strike="noStrike">
+                        <a:effectLst/>
+                        <a:latin typeface="Arial" panose="020B0604020202020204" pitchFamily="34" charset="0"/>
+                      </a:endParaRPr>
+                    </a:p>
+                  </a:txBody>
+                  <a:tcPr marL="71348" marR="71348" marT="35674" marB="35674" anchor="ctr">
+                    <a:lnL>
+                      <a:noFill/>
+                    </a:lnL>
+                    <a:lnR>
+                      <a:noFill/>
+                    </a:lnR>
+                    <a:lnT>
+                      <a:noFill/>
+                    </a:lnT>
+                    <a:lnB>
+                      <a:noFill/>
+                    </a:lnB>
+                    <a:noFill/>
+                  </a:tcPr>
+                </a:tc>
+                <a:tc>
+                  <a:txBody>
+                    <a:bodyPr/>
+                    <a:lstStyle/>
+                    <a:p>
+                      <a:pPr algn="l" fontAlgn="ctr">
+                        <a:buNone/>
+                      </a:pPr>
+                      <a:r>
+                        <a:rPr lang="en-US" sz="1400" b="0" i="0" u="none" strike="noStrike" err="1">
+                          <a:effectLst/>
+                          <a:latin typeface="Arial" panose="020B0604020202020204" pitchFamily="34" charset="0"/>
+                        </a:rPr>
+                        <a:t>ViT</a:t>
+                      </a:r>
+                      <a:endParaRPr lang="en-US" altLang="zh-CN" sz="1400" b="0" i="0" u="none" strike="noStrike">
+                        <a:effectLst/>
+                        <a:latin typeface="Arial" panose="020B0604020202020204" pitchFamily="34" charset="0"/>
+                      </a:endParaRPr>
+                    </a:p>
+                  </a:txBody>
+                  <a:tcPr marL="71348" marR="71348" marT="35674" marB="35674" anchor="ctr">
+                    <a:lnL>
+                      <a:noFill/>
+                    </a:lnL>
+                    <a:lnR>
+                      <a:noFill/>
+                    </a:lnR>
+                    <a:lnT>
+                      <a:noFill/>
+                    </a:lnT>
+                    <a:lnB>
+                      <a:noFill/>
+                    </a:lnB>
+                    <a:noFill/>
+                  </a:tcPr>
+                </a:tc>
+                <a:tc>
+                  <a:txBody>
+                    <a:bodyPr/>
+                    <a:lstStyle/>
+                    <a:p>
+                      <a:pPr algn="l" fontAlgn="ctr">
+                        <a:buNone/>
+                      </a:pPr>
+                      <a:r>
+                        <a:rPr lang="en-US" sz="1400" b="0" i="0" u="none" strike="noStrike">
+                          <a:effectLst/>
+                          <a:latin typeface="Arial" panose="020B0604020202020204" pitchFamily="34" charset="0"/>
+                        </a:rPr>
+                        <a:t>—</a:t>
+                      </a:r>
+                      <a:endParaRPr lang="en-US" altLang="zh-CN" sz="1400" b="0" i="0" u="none" strike="noStrike">
+                        <a:effectLst/>
+                        <a:latin typeface="Arial" panose="020B0604020202020204" pitchFamily="34" charset="0"/>
+                      </a:endParaRPr>
+                    </a:p>
+                  </a:txBody>
+                  <a:tcPr marL="71348" marR="71348" marT="35674" marB="35674" anchor="ctr">
+                    <a:lnL>
+                      <a:noFill/>
+                    </a:lnL>
+                    <a:lnR>
+                      <a:noFill/>
+                    </a:lnR>
+                    <a:lnT>
+                      <a:noFill/>
+                    </a:lnT>
+                    <a:lnB>
+                      <a:noFill/>
+                    </a:lnB>
+                    <a:noFill/>
+                  </a:tcPr>
+                </a:tc>
+                <a:tc>
+                  <a:txBody>
+                    <a:bodyPr/>
+                    <a:lstStyle/>
+                    <a:p>
+                      <a:pPr algn="l" fontAlgn="ctr">
+                        <a:buNone/>
+                      </a:pPr>
+                      <a:r>
+                        <a:rPr lang="en-US" sz="1400" b="0" i="0" u="none" strike="noStrike">
+                          <a:effectLst/>
+                          <a:latin typeface="Arial" panose="020B0604020202020204" pitchFamily="34" charset="0"/>
+                        </a:rPr>
+                        <a:t>60.40</a:t>
+                      </a:r>
+                      <a:endParaRPr lang="en-US" altLang="zh-CN" sz="1400" b="0" i="0" u="none" strike="noStrike">
+                        <a:effectLst/>
+                        <a:latin typeface="Arial" panose="020B0604020202020204" pitchFamily="34" charset="0"/>
+                      </a:endParaRPr>
+                    </a:p>
+                  </a:txBody>
+                  <a:tcPr marL="71348" marR="71348" marT="35674" marB="35674" anchor="ctr">
+                    <a:lnL>
+                      <a:noFill/>
+                    </a:lnL>
+                    <a:lnR>
+                      <a:noFill/>
+                    </a:lnR>
+                    <a:lnT>
+                      <a:noFill/>
+                    </a:lnT>
+                    <a:lnB>
+                      <a:noFill/>
+                    </a:lnB>
+                    <a:noFill/>
+                  </a:tcPr>
+                </a:tc>
+                <a:extLst>
+                  <a:ext uri="{0D108BD9-81ED-4DB2-BD59-A6C34878D82A}">
+                    <a16:rowId xmlns:a16="http://schemas.microsoft.com/office/drawing/2014/main" val="3990541553"/>
+                  </a:ext>
+                </a:extLst>
+              </a:tr>
+              <a:tr h="321600">
+                <a:tc>
+                  <a:txBody>
+                    <a:bodyPr/>
+                    <a:lstStyle/>
+                    <a:p>
+                      <a:pPr algn="l" fontAlgn="ctr">
+                        <a:buNone/>
+                      </a:pPr>
+                      <a:r>
+                        <a:rPr lang="en-US" sz="1400" b="0" i="0" u="none" strike="noStrike">
+                          <a:effectLst/>
+                          <a:latin typeface="Arial" panose="020B0604020202020204" pitchFamily="34" charset="0"/>
+                        </a:rPr>
+                        <a:t>2</a:t>
+                      </a:r>
+                      <a:endParaRPr lang="en-US" altLang="zh-CN" sz="1400" b="0" i="0" u="none" strike="noStrike">
+                        <a:effectLst/>
+                        <a:latin typeface="Arial" panose="020B0604020202020204" pitchFamily="34" charset="0"/>
+                      </a:endParaRPr>
+                    </a:p>
+                  </a:txBody>
+                  <a:tcPr marL="71348" marR="71348" marT="35674" marB="35674" anchor="ctr">
+                    <a:lnL>
+                      <a:noFill/>
+                    </a:lnL>
+                    <a:lnR>
+                      <a:noFill/>
+                    </a:lnR>
+                    <a:lnT>
+                      <a:noFill/>
+                    </a:lnT>
+                    <a:lnB>
+                      <a:noFill/>
+                    </a:lnB>
+                    <a:noFill/>
+                  </a:tcPr>
+                </a:tc>
+                <a:tc>
+                  <a:txBody>
+                    <a:bodyPr/>
+                    <a:lstStyle/>
+                    <a:p>
+                      <a:pPr algn="l" fontAlgn="ctr">
+                        <a:buNone/>
+                      </a:pPr>
+                      <a:r>
+                        <a:rPr lang="en-US" sz="1400" b="0" i="0" u="none" strike="noStrike">
+                          <a:effectLst/>
+                          <a:latin typeface="Arial" panose="020B0604020202020204" pitchFamily="34" charset="0"/>
+                        </a:rPr>
+                        <a:t>ViT</a:t>
+                      </a:r>
+                      <a:endParaRPr lang="en-US" altLang="zh-CN" sz="1400" b="0" i="0" u="none" strike="noStrike">
+                        <a:effectLst/>
+                        <a:latin typeface="Arial" panose="020B0604020202020204" pitchFamily="34" charset="0"/>
+                      </a:endParaRPr>
+                    </a:p>
+                  </a:txBody>
+                  <a:tcPr marL="71348" marR="71348" marT="35674" marB="35674" anchor="ctr">
+                    <a:lnL>
+                      <a:noFill/>
+                    </a:lnL>
+                    <a:lnR>
+                      <a:noFill/>
+                    </a:lnR>
+                    <a:lnT>
+                      <a:noFill/>
+                    </a:lnT>
+                    <a:lnB>
+                      <a:noFill/>
+                    </a:lnB>
+                    <a:noFill/>
+                  </a:tcPr>
+                </a:tc>
+                <a:tc>
+                  <a:txBody>
+                    <a:bodyPr/>
+                    <a:lstStyle/>
+                    <a:p>
+                      <a:pPr algn="l" fontAlgn="ctr">
+                        <a:buNone/>
+                      </a:pPr>
+                      <a:r>
+                        <a:rPr lang="en-US" sz="1400" b="0" i="0" u="none" strike="noStrike">
+                          <a:effectLst/>
+                          <a:latin typeface="Arial" panose="020B0604020202020204" pitchFamily="34" charset="0"/>
+                        </a:rPr>
+                        <a:t>Patch size = 4</a:t>
+                      </a:r>
+                      <a:endParaRPr lang="en-US" altLang="zh-CN" sz="1400" b="0" i="0" u="none" strike="noStrike">
+                        <a:effectLst/>
+                        <a:latin typeface="Arial" panose="020B0604020202020204" pitchFamily="34" charset="0"/>
+                      </a:endParaRPr>
+                    </a:p>
+                  </a:txBody>
+                  <a:tcPr marL="71348" marR="71348" marT="35674" marB="35674" anchor="ctr">
+                    <a:lnL>
+                      <a:noFill/>
+                    </a:lnL>
+                    <a:lnR>
+                      <a:noFill/>
+                    </a:lnR>
+                    <a:lnT>
+                      <a:noFill/>
+                    </a:lnT>
+                    <a:lnB>
+                      <a:noFill/>
+                    </a:lnB>
+                    <a:noFill/>
+                  </a:tcPr>
+                </a:tc>
+                <a:tc>
+                  <a:txBody>
+                    <a:bodyPr/>
+                    <a:lstStyle/>
+                    <a:p>
+                      <a:pPr algn="l" fontAlgn="ctr">
+                        <a:buNone/>
+                      </a:pPr>
+                      <a:r>
+                        <a:rPr lang="en-US" sz="1400" b="0" i="0" u="none" strike="noStrike">
+                          <a:effectLst/>
+                          <a:latin typeface="Arial" panose="020B0604020202020204" pitchFamily="34" charset="0"/>
+                        </a:rPr>
+                        <a:t>67.62</a:t>
+                      </a:r>
+                      <a:endParaRPr lang="en-US" altLang="zh-CN" sz="1400" b="0" i="0" u="none" strike="noStrike">
+                        <a:effectLst/>
+                        <a:latin typeface="Arial" panose="020B0604020202020204" pitchFamily="34" charset="0"/>
+                      </a:endParaRPr>
+                    </a:p>
+                  </a:txBody>
+                  <a:tcPr marL="71348" marR="71348" marT="35674" marB="35674" anchor="ctr">
+                    <a:lnL>
+                      <a:noFill/>
+                    </a:lnL>
+                    <a:lnR>
+                      <a:noFill/>
+                    </a:lnR>
+                    <a:lnT>
+                      <a:noFill/>
+                    </a:lnT>
+                    <a:lnB>
+                      <a:noFill/>
+                    </a:lnB>
+                    <a:noFill/>
+                  </a:tcPr>
+                </a:tc>
+                <a:extLst>
+                  <a:ext uri="{0D108BD9-81ED-4DB2-BD59-A6C34878D82A}">
+                    <a16:rowId xmlns:a16="http://schemas.microsoft.com/office/drawing/2014/main" val="1122013692"/>
+                  </a:ext>
+                </a:extLst>
+              </a:tr>
+              <a:tr h="321600">
+                <a:tc>
+                  <a:txBody>
+                    <a:bodyPr/>
+                    <a:lstStyle/>
+                    <a:p>
+                      <a:pPr algn="l" fontAlgn="ctr">
+                        <a:buNone/>
+                      </a:pPr>
+                      <a:r>
+                        <a:rPr lang="en-US" sz="1400" b="0" i="0" u="none" strike="noStrike">
+                          <a:effectLst/>
+                          <a:latin typeface="Arial" panose="020B0604020202020204" pitchFamily="34" charset="0"/>
+                        </a:rPr>
+                        <a:t>3</a:t>
+                      </a:r>
+                      <a:endParaRPr lang="en-US" altLang="zh-CN" sz="1400" b="0" i="0" u="none" strike="noStrike">
+                        <a:effectLst/>
+                        <a:latin typeface="Arial" panose="020B0604020202020204" pitchFamily="34" charset="0"/>
+                      </a:endParaRPr>
+                    </a:p>
+                  </a:txBody>
+                  <a:tcPr marL="71348" marR="71348" marT="35674" marB="35674" anchor="ctr">
+                    <a:lnL>
+                      <a:noFill/>
+                    </a:lnL>
+                    <a:lnR>
+                      <a:noFill/>
+                    </a:lnR>
+                    <a:lnT>
+                      <a:noFill/>
+                    </a:lnT>
+                    <a:lnB>
+                      <a:noFill/>
+                    </a:lnB>
+                    <a:noFill/>
+                  </a:tcPr>
+                </a:tc>
+                <a:tc>
+                  <a:txBody>
+                    <a:bodyPr/>
+                    <a:lstStyle/>
+                    <a:p>
+                      <a:pPr algn="l" fontAlgn="ctr">
+                        <a:buNone/>
+                      </a:pPr>
+                      <a:r>
+                        <a:rPr lang="en-US" sz="1400" b="0" i="0" u="none" strike="noStrike">
+                          <a:effectLst/>
+                          <a:latin typeface="Arial" panose="020B0604020202020204" pitchFamily="34" charset="0"/>
+                        </a:rPr>
+                        <a:t>ViT</a:t>
+                      </a:r>
+                      <a:endParaRPr lang="en-US" altLang="zh-CN" sz="1400" b="0" i="0" u="none" strike="noStrike">
+                        <a:effectLst/>
+                        <a:latin typeface="Arial" panose="020B0604020202020204" pitchFamily="34" charset="0"/>
+                      </a:endParaRPr>
+                    </a:p>
+                  </a:txBody>
+                  <a:tcPr marL="71348" marR="71348" marT="35674" marB="35674" anchor="ctr">
+                    <a:lnL>
+                      <a:noFill/>
+                    </a:lnL>
+                    <a:lnR>
+                      <a:noFill/>
+                    </a:lnR>
+                    <a:lnT>
+                      <a:noFill/>
+                    </a:lnT>
+                    <a:lnB>
+                      <a:noFill/>
+                    </a:lnB>
+                    <a:noFill/>
+                  </a:tcPr>
+                </a:tc>
+                <a:tc>
+                  <a:txBody>
+                    <a:bodyPr/>
+                    <a:lstStyle/>
+                    <a:p>
+                      <a:pPr algn="l" fontAlgn="ctr">
+                        <a:buNone/>
+                      </a:pPr>
+                      <a:r>
+                        <a:rPr lang="en-US" sz="1400" b="0" i="0" u="none" strike="noStrike">
+                          <a:effectLst/>
+                          <a:latin typeface="Arial" panose="020B0604020202020204" pitchFamily="34" charset="0"/>
+                        </a:rPr>
+                        <a:t>Dim = 256; MLP dim = 512</a:t>
+                      </a:r>
+                      <a:endParaRPr lang="en-US" altLang="zh-CN" sz="1400" b="0" i="0" u="none" strike="noStrike">
+                        <a:effectLst/>
+                        <a:latin typeface="Arial" panose="020B0604020202020204" pitchFamily="34" charset="0"/>
+                      </a:endParaRPr>
+                    </a:p>
+                  </a:txBody>
+                  <a:tcPr marL="71348" marR="71348" marT="35674" marB="35674" anchor="ctr">
+                    <a:lnL>
+                      <a:noFill/>
+                    </a:lnL>
+                    <a:lnR>
+                      <a:noFill/>
+                    </a:lnR>
+                    <a:lnT>
+                      <a:noFill/>
+                    </a:lnT>
+                    <a:lnB>
+                      <a:noFill/>
+                    </a:lnB>
+                    <a:noFill/>
+                  </a:tcPr>
+                </a:tc>
+                <a:tc>
+                  <a:txBody>
+                    <a:bodyPr/>
+                    <a:lstStyle/>
+                    <a:p>
+                      <a:pPr algn="l" fontAlgn="ctr">
+                        <a:buNone/>
+                      </a:pPr>
+                      <a:r>
+                        <a:rPr lang="en-US" sz="1400" b="0" i="0" u="none" strike="noStrike">
+                          <a:effectLst/>
+                          <a:latin typeface="Arial" panose="020B0604020202020204" pitchFamily="34" charset="0"/>
+                        </a:rPr>
+                        <a:t>53.20</a:t>
+                      </a:r>
+                      <a:endParaRPr lang="en-US" altLang="zh-CN" sz="1400" b="0" i="0" u="none" strike="noStrike">
+                        <a:effectLst/>
+                        <a:latin typeface="Arial" panose="020B0604020202020204" pitchFamily="34" charset="0"/>
+                      </a:endParaRPr>
+                    </a:p>
+                  </a:txBody>
+                  <a:tcPr marL="71348" marR="71348" marT="35674" marB="35674" anchor="ctr">
+                    <a:lnL>
+                      <a:noFill/>
+                    </a:lnL>
+                    <a:lnR>
+                      <a:noFill/>
+                    </a:lnR>
+                    <a:lnT>
+                      <a:noFill/>
+                    </a:lnT>
+                    <a:lnB>
+                      <a:noFill/>
+                    </a:lnB>
+                    <a:noFill/>
+                  </a:tcPr>
+                </a:tc>
+                <a:extLst>
+                  <a:ext uri="{0D108BD9-81ED-4DB2-BD59-A6C34878D82A}">
+                    <a16:rowId xmlns:a16="http://schemas.microsoft.com/office/drawing/2014/main" val="1218063895"/>
+                  </a:ext>
+                </a:extLst>
+              </a:tr>
+              <a:tr h="321600">
+                <a:tc>
+                  <a:txBody>
+                    <a:bodyPr/>
+                    <a:lstStyle/>
+                    <a:p>
+                      <a:pPr algn="l" fontAlgn="ctr">
+                        <a:buNone/>
+                      </a:pPr>
+                      <a:r>
+                        <a:rPr lang="en-US" sz="1400" b="0" i="0" u="none" strike="noStrike">
+                          <a:effectLst/>
+                          <a:latin typeface="Arial" panose="020B0604020202020204" pitchFamily="34" charset="0"/>
+                        </a:rPr>
+                        <a:t>4</a:t>
+                      </a:r>
+                      <a:endParaRPr lang="en-US" altLang="zh-CN" sz="1400" b="0" i="0" u="none" strike="noStrike">
+                        <a:effectLst/>
+                        <a:latin typeface="Arial" panose="020B0604020202020204" pitchFamily="34" charset="0"/>
+                      </a:endParaRPr>
+                    </a:p>
+                  </a:txBody>
+                  <a:tcPr marL="71348" marR="71348" marT="35674" marB="35674" anchor="ctr">
+                    <a:lnL>
+                      <a:noFill/>
+                    </a:lnL>
+                    <a:lnR>
+                      <a:noFill/>
+                    </a:lnR>
+                    <a:lnT>
+                      <a:noFill/>
+                    </a:lnT>
+                    <a:lnB>
+                      <a:noFill/>
+                    </a:lnB>
+                    <a:noFill/>
+                  </a:tcPr>
+                </a:tc>
+                <a:tc>
+                  <a:txBody>
+                    <a:bodyPr/>
+                    <a:lstStyle/>
+                    <a:p>
+                      <a:pPr algn="l" fontAlgn="ctr">
+                        <a:buNone/>
+                      </a:pPr>
+                      <a:r>
+                        <a:rPr lang="en-US" sz="1400" b="0" i="0" u="none" strike="noStrike">
+                          <a:effectLst/>
+                          <a:latin typeface="Arial" panose="020B0604020202020204" pitchFamily="34" charset="0"/>
+                        </a:rPr>
+                        <a:t>ViT</a:t>
+                      </a:r>
+                      <a:endParaRPr lang="en-US" altLang="zh-CN" sz="1400" b="0" i="0" u="none" strike="noStrike">
+                        <a:effectLst/>
+                        <a:latin typeface="Arial" panose="020B0604020202020204" pitchFamily="34" charset="0"/>
+                      </a:endParaRPr>
+                    </a:p>
+                  </a:txBody>
+                  <a:tcPr marL="71348" marR="71348" marT="35674" marB="35674" anchor="ctr">
+                    <a:lnL>
+                      <a:noFill/>
+                    </a:lnL>
+                    <a:lnR>
+                      <a:noFill/>
+                    </a:lnR>
+                    <a:lnT>
+                      <a:noFill/>
+                    </a:lnT>
+                    <a:lnB>
+                      <a:noFill/>
+                    </a:lnB>
+                    <a:noFill/>
+                  </a:tcPr>
+                </a:tc>
+                <a:tc>
+                  <a:txBody>
+                    <a:bodyPr/>
+                    <a:lstStyle/>
+                    <a:p>
+                      <a:pPr algn="l" fontAlgn="ctr">
+                        <a:buNone/>
+                      </a:pPr>
+                      <a:r>
+                        <a:rPr lang="en-US" sz="1400" b="0" i="0" u="none" strike="noStrike">
+                          <a:effectLst/>
+                          <a:latin typeface="Arial" panose="020B0604020202020204" pitchFamily="34" charset="0"/>
+                        </a:rPr>
+                        <a:t>Depth = 24</a:t>
+                      </a:r>
+                      <a:endParaRPr lang="en-US" altLang="zh-CN" sz="1400" b="0" i="0" u="none" strike="noStrike">
+                        <a:effectLst/>
+                        <a:latin typeface="Arial" panose="020B0604020202020204" pitchFamily="34" charset="0"/>
+                      </a:endParaRPr>
+                    </a:p>
+                  </a:txBody>
+                  <a:tcPr marL="71348" marR="71348" marT="35674" marB="35674" anchor="ctr">
+                    <a:lnL>
+                      <a:noFill/>
+                    </a:lnL>
+                    <a:lnR>
+                      <a:noFill/>
+                    </a:lnR>
+                    <a:lnT>
+                      <a:noFill/>
+                    </a:lnT>
+                    <a:lnB>
+                      <a:noFill/>
+                    </a:lnB>
+                    <a:noFill/>
+                  </a:tcPr>
+                </a:tc>
+                <a:tc>
+                  <a:txBody>
+                    <a:bodyPr/>
+                    <a:lstStyle/>
+                    <a:p>
+                      <a:pPr algn="l" fontAlgn="ctr">
+                        <a:buNone/>
+                      </a:pPr>
+                      <a:r>
+                        <a:rPr lang="en-US" sz="1400" b="0" i="0" u="none" strike="noStrike">
+                          <a:effectLst/>
+                          <a:latin typeface="Arial" panose="020B0604020202020204" pitchFamily="34" charset="0"/>
+                        </a:rPr>
+                        <a:t>61.37</a:t>
+                      </a:r>
+                      <a:endParaRPr lang="en-US" altLang="zh-CN" sz="1400" b="0" i="0" u="none" strike="noStrike">
+                        <a:effectLst/>
+                        <a:latin typeface="Arial" panose="020B0604020202020204" pitchFamily="34" charset="0"/>
+                      </a:endParaRPr>
+                    </a:p>
+                  </a:txBody>
+                  <a:tcPr marL="71348" marR="71348" marT="35674" marB="35674" anchor="ctr">
+                    <a:lnL>
+                      <a:noFill/>
+                    </a:lnL>
+                    <a:lnR>
+                      <a:noFill/>
+                    </a:lnR>
+                    <a:lnT>
+                      <a:noFill/>
+                    </a:lnT>
+                    <a:lnB>
+                      <a:noFill/>
+                    </a:lnB>
+                    <a:noFill/>
+                  </a:tcPr>
+                </a:tc>
+                <a:extLst>
+                  <a:ext uri="{0D108BD9-81ED-4DB2-BD59-A6C34878D82A}">
+                    <a16:rowId xmlns:a16="http://schemas.microsoft.com/office/drawing/2014/main" val="1913223160"/>
+                  </a:ext>
+                </a:extLst>
+              </a:tr>
+              <a:tr h="321600">
+                <a:tc>
+                  <a:txBody>
+                    <a:bodyPr/>
+                    <a:lstStyle/>
+                    <a:p>
+                      <a:pPr algn="l" fontAlgn="ctr">
+                        <a:buNone/>
+                      </a:pPr>
+                      <a:r>
+                        <a:rPr lang="en-US" sz="1400" b="0" i="0" u="none" strike="noStrike">
+                          <a:effectLst/>
+                          <a:latin typeface="Arial" panose="020B0604020202020204" pitchFamily="34" charset="0"/>
+                        </a:rPr>
+                        <a:t>5</a:t>
+                      </a:r>
+                      <a:endParaRPr lang="en-US" altLang="zh-CN" sz="1400" b="0" i="0" u="none" strike="noStrike">
+                        <a:effectLst/>
+                        <a:latin typeface="Arial" panose="020B0604020202020204" pitchFamily="34" charset="0"/>
+                      </a:endParaRPr>
+                    </a:p>
+                  </a:txBody>
+                  <a:tcPr marL="71348" marR="71348" marT="35674" marB="35674" anchor="ctr">
+                    <a:lnL>
+                      <a:noFill/>
+                    </a:lnL>
+                    <a:lnR>
+                      <a:noFill/>
+                    </a:lnR>
+                    <a:lnT>
+                      <a:noFill/>
+                    </a:lnT>
+                    <a:lnB>
+                      <a:noFill/>
+                    </a:lnB>
+                    <a:noFill/>
+                  </a:tcPr>
+                </a:tc>
+                <a:tc>
+                  <a:txBody>
+                    <a:bodyPr/>
+                    <a:lstStyle/>
+                    <a:p>
+                      <a:pPr algn="l" fontAlgn="ctr">
+                        <a:buNone/>
+                      </a:pPr>
+                      <a:r>
+                        <a:rPr lang="en-US" sz="1400" b="0" i="0" u="none" strike="noStrike" err="1">
+                          <a:effectLst/>
+                          <a:latin typeface="Arial" panose="020B0604020202020204" pitchFamily="34" charset="0"/>
+                        </a:rPr>
+                        <a:t>ViT</a:t>
+                      </a:r>
+                      <a:endParaRPr lang="en-US" altLang="zh-CN" sz="1400" b="0" i="0" u="none" strike="noStrike">
+                        <a:effectLst/>
+                        <a:latin typeface="Arial" panose="020B0604020202020204" pitchFamily="34" charset="0"/>
+                      </a:endParaRPr>
+                    </a:p>
+                  </a:txBody>
+                  <a:tcPr marL="71348" marR="71348" marT="35674" marB="35674" anchor="ctr">
+                    <a:lnL>
+                      <a:noFill/>
+                    </a:lnL>
+                    <a:lnR>
+                      <a:noFill/>
+                    </a:lnR>
+                    <a:lnT>
+                      <a:noFill/>
+                    </a:lnT>
+                    <a:lnB>
+                      <a:noFill/>
+                    </a:lnB>
+                    <a:noFill/>
+                  </a:tcPr>
+                </a:tc>
+                <a:tc>
+                  <a:txBody>
+                    <a:bodyPr/>
+                    <a:lstStyle/>
+                    <a:p>
+                      <a:pPr algn="l" fontAlgn="ctr">
+                        <a:buNone/>
+                      </a:pPr>
+                      <a:r>
+                        <a:rPr lang="en-US" sz="1400" b="0" i="0" u="none" strike="noStrike" dirty="0">
+                          <a:effectLst/>
+                          <a:latin typeface="Arial" panose="020B0604020202020204" pitchFamily="34" charset="0"/>
+                        </a:rPr>
+                        <a:t>Heads = 16</a:t>
+                      </a:r>
+                      <a:endParaRPr lang="en-US" altLang="zh-CN" sz="1400" b="0" i="0" u="none" strike="noStrike" dirty="0">
+                        <a:effectLst/>
+                        <a:latin typeface="Arial" panose="020B0604020202020204" pitchFamily="34" charset="0"/>
+                      </a:endParaRPr>
+                    </a:p>
+                  </a:txBody>
+                  <a:tcPr marL="71348" marR="71348" marT="35674" marB="35674" anchor="ctr">
+                    <a:lnL>
+                      <a:noFill/>
+                    </a:lnL>
+                    <a:lnR>
+                      <a:noFill/>
+                    </a:lnR>
+                    <a:lnT>
+                      <a:noFill/>
+                    </a:lnT>
+                    <a:lnB>
+                      <a:noFill/>
+                    </a:lnB>
+                    <a:noFill/>
+                  </a:tcPr>
+                </a:tc>
+                <a:tc>
+                  <a:txBody>
+                    <a:bodyPr/>
+                    <a:lstStyle/>
+                    <a:p>
+                      <a:pPr algn="l" fontAlgn="ctr">
+                        <a:buNone/>
+                      </a:pPr>
+                      <a:r>
+                        <a:rPr lang="en-US" sz="1400" b="0" i="0" u="none" strike="noStrike">
+                          <a:effectLst/>
+                          <a:latin typeface="Arial" panose="020B0604020202020204" pitchFamily="34" charset="0"/>
+                        </a:rPr>
+                        <a:t>63.52</a:t>
+                      </a:r>
+                      <a:endParaRPr lang="en-US" altLang="zh-CN" sz="1400" b="0" i="0" u="none" strike="noStrike">
+                        <a:effectLst/>
+                        <a:latin typeface="Arial" panose="020B0604020202020204" pitchFamily="34" charset="0"/>
+                      </a:endParaRPr>
+                    </a:p>
+                  </a:txBody>
+                  <a:tcPr marL="71348" marR="71348" marT="35674" marB="35674" anchor="ctr">
+                    <a:lnL>
+                      <a:noFill/>
+                    </a:lnL>
+                    <a:lnR>
+                      <a:noFill/>
+                    </a:lnR>
+                    <a:lnT>
+                      <a:noFill/>
+                    </a:lnT>
+                    <a:lnB>
+                      <a:noFill/>
+                    </a:lnB>
+                    <a:noFill/>
+                  </a:tcPr>
+                </a:tc>
+                <a:extLst>
+                  <a:ext uri="{0D108BD9-81ED-4DB2-BD59-A6C34878D82A}">
+                    <a16:rowId xmlns:a16="http://schemas.microsoft.com/office/drawing/2014/main" val="2669004566"/>
+                  </a:ext>
+                </a:extLst>
+              </a:tr>
+              <a:tr h="2263210">
+                <a:tc>
+                  <a:txBody>
+                    <a:bodyPr/>
+                    <a:lstStyle/>
+                    <a:p>
+                      <a:pPr algn="l" fontAlgn="ctr">
+                        <a:buNone/>
+                      </a:pPr>
+                      <a:r>
+                        <a:rPr lang="en-US" sz="1400" b="0" i="0" u="none" strike="noStrike">
+                          <a:effectLst/>
+                          <a:latin typeface="Arial" panose="020B0604020202020204" pitchFamily="34" charset="0"/>
+                        </a:rPr>
+                        <a:t>6</a:t>
+                      </a:r>
+                      <a:endParaRPr lang="en-US" altLang="zh-CN" sz="1400" b="0" i="0" u="none" strike="noStrike">
+                        <a:effectLst/>
+                        <a:latin typeface="Arial" panose="020B0604020202020204" pitchFamily="34" charset="0"/>
+                      </a:endParaRPr>
+                    </a:p>
+                  </a:txBody>
+                  <a:tcPr marL="71348" marR="71348" marT="35674" marB="35674" anchor="ctr">
+                    <a:lnL>
+                      <a:noFill/>
+                    </a:lnL>
+                    <a:lnR>
+                      <a:noFill/>
+                    </a:lnR>
+                    <a:lnT>
+                      <a:noFill/>
+                    </a:lnT>
+                    <a:lnB>
+                      <a:noFill/>
+                    </a:lnB>
+                    <a:noFill/>
+                  </a:tcPr>
+                </a:tc>
+                <a:tc>
+                  <a:txBody>
+                    <a:bodyPr/>
+                    <a:lstStyle/>
+                    <a:p>
+                      <a:pPr algn="l" fontAlgn="ctr">
+                        <a:buNone/>
+                      </a:pPr>
+                      <a:r>
+                        <a:rPr lang="en-US" sz="1400" b="0" i="0" u="none" strike="noStrike" dirty="0" err="1">
+                          <a:effectLst/>
+                          <a:latin typeface="Arial" panose="020B0604020202020204" pitchFamily="34" charset="0"/>
+                        </a:rPr>
+                        <a:t>CrossViT</a:t>
+                      </a:r>
+                      <a:endParaRPr lang="en-US" altLang="zh-CN" sz="1400" b="0" i="0" u="none" strike="noStrike" dirty="0">
+                        <a:effectLst/>
+                        <a:latin typeface="Arial" panose="020B0604020202020204" pitchFamily="34" charset="0"/>
+                      </a:endParaRPr>
+                    </a:p>
+                  </a:txBody>
+                  <a:tcPr marL="71348" marR="71348" marT="35674" marB="35674" anchor="ctr">
+                    <a:lnL>
+                      <a:noFill/>
+                    </a:lnL>
+                    <a:lnR>
+                      <a:noFill/>
+                    </a:lnR>
+                    <a:lnT>
+                      <a:noFill/>
+                    </a:lnT>
+                    <a:lnB>
+                      <a:noFill/>
+                    </a:lnB>
+                    <a:noFill/>
+                  </a:tcPr>
+                </a:tc>
+                <a:tc>
+                  <a:txBody>
+                    <a:bodyPr/>
+                    <a:lstStyle/>
+                    <a:p>
+                      <a:pPr algn="l" fontAlgn="ctr">
+                        <a:buNone/>
+                      </a:pPr>
+                      <a:r>
+                        <a:rPr lang="en-US" sz="1400" b="0" i="0" u="none" strike="noStrike" dirty="0">
+                          <a:effectLst/>
+                          <a:latin typeface="Arial" panose="020B0604020202020204" pitchFamily="34" charset="0"/>
+                        </a:rPr>
+                        <a:t>patch = 4 / 8; </a:t>
+                      </a:r>
+                      <a:r>
+                        <a:rPr lang="en-US" sz="1400" b="0" i="0" u="none" strike="noStrike" dirty="0" err="1">
+                          <a:effectLst/>
+                          <a:latin typeface="Arial" panose="020B0604020202020204" pitchFamily="34" charset="0"/>
+                        </a:rPr>
+                        <a:t>sm</a:t>
+                      </a:r>
+                      <a:r>
+                        <a:rPr lang="en-US" sz="1400" b="0" i="0" u="none" strike="noStrike" dirty="0">
+                          <a:effectLst/>
+                          <a:latin typeface="Arial" panose="020B0604020202020204" pitchFamily="34" charset="0"/>
+                        </a:rPr>
+                        <a:t>/ lg </a:t>
+                      </a:r>
+                    </a:p>
+                    <a:p>
+                      <a:pPr algn="l" fontAlgn="ctr">
+                        <a:buNone/>
+                      </a:pPr>
+                      <a:r>
+                        <a:rPr lang="en-US" sz="1400" b="0" i="0" u="none" strike="noStrike" dirty="0">
+                          <a:effectLst/>
+                          <a:latin typeface="Arial" panose="020B0604020202020204" pitchFamily="34" charset="0"/>
+                        </a:rPr>
+                        <a:t>dim = 192 / 384; </a:t>
+                      </a:r>
+                    </a:p>
+                    <a:p>
+                      <a:pPr algn="l" fontAlgn="ctr">
+                        <a:buNone/>
+                      </a:pPr>
+                      <a:r>
+                        <a:rPr lang="en-US" sz="1400" b="0" i="0" u="none" strike="noStrike" dirty="0">
+                          <a:effectLst/>
+                          <a:latin typeface="Arial" panose="020B0604020202020204" pitchFamily="34" charset="0"/>
+                        </a:rPr>
+                        <a:t>stages = 2; </a:t>
+                      </a:r>
+                      <a:r>
+                        <a:rPr lang="en-US" sz="1400" b="0" i="0" u="none" strike="noStrike" dirty="0" err="1">
+                          <a:effectLst/>
+                          <a:latin typeface="Arial" panose="020B0604020202020204" pitchFamily="34" charset="0"/>
+                        </a:rPr>
+                        <a:t>sm</a:t>
+                      </a:r>
+                      <a:r>
+                        <a:rPr lang="en-US" sz="1400" b="0" i="0" u="none" strike="noStrike" dirty="0">
+                          <a:effectLst/>
+                          <a:latin typeface="Arial" panose="020B0604020202020204" pitchFamily="34" charset="0"/>
+                        </a:rPr>
+                        <a:t>/ lg </a:t>
+                      </a:r>
+                    </a:p>
+                    <a:p>
+                      <a:pPr algn="l" fontAlgn="ctr">
+                        <a:buNone/>
+                      </a:pPr>
+                      <a:r>
+                        <a:rPr lang="en-US" sz="1400" b="0" i="0" u="none" strike="noStrike" dirty="0">
+                          <a:effectLst/>
+                          <a:latin typeface="Arial" panose="020B0604020202020204" pitchFamily="34" charset="0"/>
+                        </a:rPr>
+                        <a:t>encoder depth = 2 / 2; </a:t>
+                      </a:r>
+                    </a:p>
+                    <a:p>
+                      <a:pPr algn="l" fontAlgn="ctr">
+                        <a:buNone/>
+                      </a:pPr>
+                      <a:r>
+                        <a:rPr lang="en-US" sz="1400" b="0" i="0" u="none" strike="noStrike" dirty="0">
+                          <a:effectLst/>
+                          <a:latin typeface="Arial" panose="020B0604020202020204" pitchFamily="34" charset="0"/>
+                        </a:rPr>
+                        <a:t>cross-attn depth = 1; </a:t>
+                      </a:r>
+                    </a:p>
+                    <a:p>
+                      <a:pPr algn="l" fontAlgn="ctr">
+                        <a:buNone/>
+                      </a:pPr>
+                      <a:r>
+                        <a:rPr lang="en-US" sz="1400" b="0" i="0" u="none" strike="noStrike" dirty="0" err="1">
+                          <a:effectLst/>
+                          <a:latin typeface="Arial" panose="020B0604020202020204" pitchFamily="34" charset="0"/>
+                        </a:rPr>
+                        <a:t>sm</a:t>
+                      </a:r>
+                      <a:r>
+                        <a:rPr lang="en-US" sz="1400" b="0" i="0" u="none" strike="noStrike" dirty="0">
+                          <a:effectLst/>
+                          <a:latin typeface="Arial" panose="020B0604020202020204" pitchFamily="34" charset="0"/>
+                        </a:rPr>
+                        <a:t>/ lg heads = 6 / 6; </a:t>
+                      </a:r>
+                    </a:p>
+                    <a:p>
+                      <a:pPr algn="l" fontAlgn="ctr">
+                        <a:buNone/>
+                      </a:pPr>
+                      <a:r>
+                        <a:rPr lang="en-US" sz="1400" b="0" i="0" u="none" strike="noStrike" dirty="0">
+                          <a:effectLst/>
+                          <a:latin typeface="Arial" panose="020B0604020202020204" pitchFamily="34" charset="0"/>
+                        </a:rPr>
+                        <a:t>cross heads = 4; </a:t>
+                      </a:r>
+                    </a:p>
+                    <a:p>
+                      <a:pPr algn="l" fontAlgn="ctr">
+                        <a:buNone/>
+                      </a:pPr>
+                      <a:r>
+                        <a:rPr lang="en-US" sz="1400" b="0" i="0" u="none" strike="noStrike" dirty="0" err="1">
+                          <a:effectLst/>
+                          <a:latin typeface="Arial" panose="020B0604020202020204" pitchFamily="34" charset="0"/>
+                        </a:rPr>
+                        <a:t>sm</a:t>
+                      </a:r>
+                      <a:r>
+                        <a:rPr lang="en-US" sz="1400" b="0" i="0" u="none" strike="noStrike" dirty="0">
+                          <a:effectLst/>
+                          <a:latin typeface="Arial" panose="020B0604020202020204" pitchFamily="34" charset="0"/>
+                        </a:rPr>
+                        <a:t>/ lg MLP = 768 / 1536; </a:t>
+                      </a:r>
+                    </a:p>
+                    <a:p>
+                      <a:pPr algn="l" fontAlgn="ctr">
+                        <a:buNone/>
+                      </a:pPr>
+                      <a:r>
+                        <a:rPr lang="en-US" sz="1400" b="0" i="0" u="none" strike="noStrike" dirty="0">
+                          <a:effectLst/>
+                          <a:latin typeface="Arial" panose="020B0604020202020204" pitchFamily="34" charset="0"/>
+                        </a:rPr>
+                        <a:t>dropout = 0.1; </a:t>
+                      </a:r>
+                    </a:p>
+                    <a:p>
+                      <a:pPr algn="l" fontAlgn="ctr">
+                        <a:buNone/>
+                      </a:pPr>
+                      <a:r>
+                        <a:rPr lang="en-US" sz="1400" b="0" i="0" u="none" strike="noStrike" dirty="0" err="1">
+                          <a:effectLst/>
+                          <a:latin typeface="Arial" panose="020B0604020202020204" pitchFamily="34" charset="0"/>
+                        </a:rPr>
+                        <a:t>emb_dropout</a:t>
+                      </a:r>
+                      <a:r>
+                        <a:rPr lang="en-US" sz="1400" b="0" i="0" u="none" strike="noStrike" dirty="0">
+                          <a:effectLst/>
+                          <a:latin typeface="Arial" panose="020B0604020202020204" pitchFamily="34" charset="0"/>
+                        </a:rPr>
+                        <a:t> = 0.1</a:t>
+                      </a:r>
+                      <a:endParaRPr lang="en-US" altLang="zh-CN" sz="1400" b="0" i="0" u="none" strike="noStrike" dirty="0">
+                        <a:effectLst/>
+                        <a:latin typeface="Arial" panose="020B0604020202020204" pitchFamily="34" charset="0"/>
+                      </a:endParaRPr>
+                    </a:p>
+                  </a:txBody>
+                  <a:tcPr marL="71348" marR="71348" marT="35674" marB="35674" anchor="ctr">
+                    <a:lnL>
+                      <a:noFill/>
+                    </a:lnL>
+                    <a:lnR>
+                      <a:noFill/>
+                    </a:lnR>
+                    <a:lnT>
+                      <a:noFill/>
+                    </a:lnT>
+                    <a:lnB>
+                      <a:noFill/>
+                    </a:lnB>
+                    <a:noFill/>
+                  </a:tcPr>
+                </a:tc>
+                <a:tc>
+                  <a:txBody>
+                    <a:bodyPr/>
+                    <a:lstStyle/>
+                    <a:p>
+                      <a:pPr algn="l" fontAlgn="ctr">
+                        <a:buNone/>
+                      </a:pPr>
+                      <a:r>
+                        <a:rPr lang="en-US" sz="1400" b="0" i="0" u="none" strike="noStrike" dirty="0">
+                          <a:effectLst/>
+                          <a:latin typeface="Arial" panose="020B0604020202020204" pitchFamily="34" charset="0"/>
+                        </a:rPr>
+                        <a:t>76.31</a:t>
+                      </a:r>
+                      <a:endParaRPr lang="en-US" altLang="zh-CN" sz="1400" b="0" i="0" u="none" strike="noStrike" dirty="0">
+                        <a:effectLst/>
+                        <a:latin typeface="Arial" panose="020B0604020202020204" pitchFamily="34" charset="0"/>
+                      </a:endParaRPr>
+                    </a:p>
+                  </a:txBody>
+                  <a:tcPr marL="71348" marR="71348" marT="35674" marB="35674" anchor="ctr">
+                    <a:lnL>
+                      <a:noFill/>
+                    </a:lnL>
+                    <a:lnR>
+                      <a:noFill/>
+                    </a:lnR>
+                    <a:lnT>
+                      <a:noFill/>
+                    </a:lnT>
+                    <a:lnB>
+                      <a:noFill/>
+                    </a:lnB>
+                    <a:noFill/>
+                  </a:tcPr>
+                </a:tc>
+                <a:extLst>
+                  <a:ext uri="{0D108BD9-81ED-4DB2-BD59-A6C34878D82A}">
+                    <a16:rowId xmlns:a16="http://schemas.microsoft.com/office/drawing/2014/main" val="3024454020"/>
+                  </a:ext>
+                </a:extLst>
+              </a:tr>
+            </a:tbl>
+          </a:graphicData>
+        </a:graphic>
+      </p:graphicFrame>
+    </p:spTree>
+    <p:extLst>
+      <p:ext uri="{BB962C8B-B14F-4D97-AF65-F5344CB8AC3E}">
+        <p14:creationId xmlns:p14="http://schemas.microsoft.com/office/powerpoint/2010/main" val="1173400719"/>
       </p:ext>
     </p:extLst>
   </p:cSld>

--- a/A1/Report/Vit.pptx
+++ b/A1/Report/Vit.pptx
@@ -5,7 +5,7 @@
     <p:sldMasterId id="2147483648" r:id="rId1"/>
   </p:sldMasterIdLst>
   <p:notesMasterIdLst>
-    <p:notesMasterId r:id="rId24"/>
+    <p:notesMasterId r:id="rId25"/>
   </p:notesMasterIdLst>
   <p:sldIdLst>
     <p:sldId id="258" r:id="rId2"/>
@@ -29,7 +29,8 @@
     <p:sldId id="275" r:id="rId20"/>
     <p:sldId id="276" r:id="rId21"/>
     <p:sldId id="278" r:id="rId22"/>
-    <p:sldId id="279" r:id="rId23"/>
+    <p:sldId id="280" r:id="rId23"/>
+    <p:sldId id="279" r:id="rId24"/>
   </p:sldIdLst>
   <p:sldSz cx="12192000" cy="6858000"/>
   <p:notesSz cx="6858000" cy="9144000"/>
@@ -218,7 +219,7 @@
           <a:p>
             <a:fld id="{621E1A28-2928-4835-A764-9B497A7CF365}" type="datetimeFigureOut">
               <a:rPr lang="zh-CN" altLang="en-US" smtClean="0"/>
-              <a:t>2025/8/16</a:t>
+              <a:t>2025/8/18</a:t>
             </a:fld>
             <a:endParaRPr lang="zh-CN" altLang="en-US"/>
           </a:p>
@@ -716,7 +717,7 @@
           <a:p>
             <a:fld id="{A56F5F28-5D3F-4084-AA56-9274F00A419E}" type="datetimeFigureOut">
               <a:rPr lang="zh-CN" altLang="en-US" smtClean="0"/>
-              <a:t>2025/8/16</a:t>
+              <a:t>2025/8/18</a:t>
             </a:fld>
             <a:endParaRPr lang="zh-CN" altLang="en-US"/>
           </a:p>
@@ -914,7 +915,7 @@
           <a:p>
             <a:fld id="{A56F5F28-5D3F-4084-AA56-9274F00A419E}" type="datetimeFigureOut">
               <a:rPr lang="zh-CN" altLang="en-US" smtClean="0"/>
-              <a:t>2025/8/16</a:t>
+              <a:t>2025/8/18</a:t>
             </a:fld>
             <a:endParaRPr lang="zh-CN" altLang="en-US"/>
           </a:p>
@@ -1122,7 +1123,7 @@
           <a:p>
             <a:fld id="{A56F5F28-5D3F-4084-AA56-9274F00A419E}" type="datetimeFigureOut">
               <a:rPr lang="zh-CN" altLang="en-US" smtClean="0"/>
-              <a:t>2025/8/16</a:t>
+              <a:t>2025/8/18</a:t>
             </a:fld>
             <a:endParaRPr lang="zh-CN" altLang="en-US"/>
           </a:p>
@@ -1320,7 +1321,7 @@
           <a:p>
             <a:fld id="{A56F5F28-5D3F-4084-AA56-9274F00A419E}" type="datetimeFigureOut">
               <a:rPr lang="zh-CN" altLang="en-US" smtClean="0"/>
-              <a:t>2025/8/16</a:t>
+              <a:t>2025/8/18</a:t>
             </a:fld>
             <a:endParaRPr lang="zh-CN" altLang="en-US"/>
           </a:p>
@@ -1595,7 +1596,7 @@
           <a:p>
             <a:fld id="{A56F5F28-5D3F-4084-AA56-9274F00A419E}" type="datetimeFigureOut">
               <a:rPr lang="zh-CN" altLang="en-US" smtClean="0"/>
-              <a:t>2025/8/16</a:t>
+              <a:t>2025/8/18</a:t>
             </a:fld>
             <a:endParaRPr lang="zh-CN" altLang="en-US"/>
           </a:p>
@@ -1860,7 +1861,7 @@
           <a:p>
             <a:fld id="{A56F5F28-5D3F-4084-AA56-9274F00A419E}" type="datetimeFigureOut">
               <a:rPr lang="zh-CN" altLang="en-US" smtClean="0"/>
-              <a:t>2025/8/16</a:t>
+              <a:t>2025/8/18</a:t>
             </a:fld>
             <a:endParaRPr lang="zh-CN" altLang="en-US"/>
           </a:p>
@@ -2272,7 +2273,7 @@
           <a:p>
             <a:fld id="{A56F5F28-5D3F-4084-AA56-9274F00A419E}" type="datetimeFigureOut">
               <a:rPr lang="zh-CN" altLang="en-US" smtClean="0"/>
-              <a:t>2025/8/16</a:t>
+              <a:t>2025/8/18</a:t>
             </a:fld>
             <a:endParaRPr lang="zh-CN" altLang="en-US"/>
           </a:p>
@@ -2413,7 +2414,7 @@
           <a:p>
             <a:fld id="{A56F5F28-5D3F-4084-AA56-9274F00A419E}" type="datetimeFigureOut">
               <a:rPr lang="zh-CN" altLang="en-US" smtClean="0"/>
-              <a:t>2025/8/16</a:t>
+              <a:t>2025/8/18</a:t>
             </a:fld>
             <a:endParaRPr lang="zh-CN" altLang="en-US"/>
           </a:p>
@@ -2526,7 +2527,7 @@
           <a:p>
             <a:fld id="{A56F5F28-5D3F-4084-AA56-9274F00A419E}" type="datetimeFigureOut">
               <a:rPr lang="zh-CN" altLang="en-US" smtClean="0"/>
-              <a:t>2025/8/16</a:t>
+              <a:t>2025/8/18</a:t>
             </a:fld>
             <a:endParaRPr lang="zh-CN" altLang="en-US"/>
           </a:p>
@@ -2837,7 +2838,7 @@
           <a:p>
             <a:fld id="{A56F5F28-5D3F-4084-AA56-9274F00A419E}" type="datetimeFigureOut">
               <a:rPr lang="zh-CN" altLang="en-US" smtClean="0"/>
-              <a:t>2025/8/16</a:t>
+              <a:t>2025/8/18</a:t>
             </a:fld>
             <a:endParaRPr lang="zh-CN" altLang="en-US"/>
           </a:p>
@@ -3125,7 +3126,7 @@
           <a:p>
             <a:fld id="{A56F5F28-5D3F-4084-AA56-9274F00A419E}" type="datetimeFigureOut">
               <a:rPr lang="zh-CN" altLang="en-US" smtClean="0"/>
-              <a:t>2025/8/16</a:t>
+              <a:t>2025/8/18</a:t>
             </a:fld>
             <a:endParaRPr lang="zh-CN" altLang="en-US"/>
           </a:p>
@@ -3366,7 +3367,7 @@
           <a:p>
             <a:fld id="{A56F5F28-5D3F-4084-AA56-9274F00A419E}" type="datetimeFigureOut">
               <a:rPr lang="zh-CN" altLang="en-US" smtClean="0"/>
-              <a:t>2025/8/16</a:t>
+              <a:t>2025/8/18</a:t>
             </a:fld>
             <a:endParaRPr lang="zh-CN" altLang="en-US"/>
           </a:p>
@@ -13392,7 +13393,13 @@
     </p:bg>
     <p:spTree>
       <p:nvGrpSpPr>
-        <p:cNvPr id="1" name=""/>
+        <p:cNvPr id="1" name="">
+          <a:extLst>
+            <a:ext uri="{FF2B5EF4-FFF2-40B4-BE49-F238E27FC236}">
+              <a16:creationId xmlns:a16="http://schemas.microsoft.com/office/drawing/2014/main" id="{82E886B9-14A7-1C3C-B237-6625464AC9E6}"/>
+            </a:ext>
+          </a:extLst>
+        </p:cNvPr>
         <p:cNvGrpSpPr/>
         <p:nvPr/>
       </p:nvGrpSpPr>
@@ -13406,10 +13413,10 @@
       </p:grpSpPr>
       <p:sp useBgFill="1">
         <p:nvSpPr>
-          <p:cNvPr id="20" name="Rectangle 19">
-            <a:extLst>
-              <a:ext uri="{FF2B5EF4-FFF2-40B4-BE49-F238E27FC236}">
-                <a16:creationId xmlns:a16="http://schemas.microsoft.com/office/drawing/2014/main" id="{BACC6370-2D7E-4714-9D71-7542949D7D5D}"/>
+          <p:cNvPr id="25" name="Rectangle 24">
+            <a:extLst>
+              <a:ext uri="{FF2B5EF4-FFF2-40B4-BE49-F238E27FC236}">
+                <a16:creationId xmlns:a16="http://schemas.microsoft.com/office/drawing/2014/main" id="{B73A72DE-2785-8827-2DD2-82D5031AE64F}"/>
               </a:ext>
               <a:ext uri="{C183D7F6-B498-43B3-948B-1728B52AA6E4}">
                 <adec:decorative xmlns:adec="http://schemas.microsoft.com/office/drawing/2017/decorative" val="1"/>
@@ -13476,6 +13483,561 @@
           <a:lstStyle/>
           <a:p>
             <a:pPr algn="ctr"/>
+            <a:endParaRPr lang="en-US" sz="2000"/>
+          </a:p>
+        </p:txBody>
+      </p:sp>
+      <p:sp>
+        <p:nvSpPr>
+          <p:cNvPr id="27" name="Rectangle 26">
+            <a:extLst>
+              <a:ext uri="{FF2B5EF4-FFF2-40B4-BE49-F238E27FC236}">
+                <a16:creationId xmlns:a16="http://schemas.microsoft.com/office/drawing/2014/main" id="{07DD76B7-544D-69BA-7525-616353D63CC3}"/>
+              </a:ext>
+              <a:ext uri="{C183D7F6-B498-43B3-948B-1728B52AA6E4}">
+                <adec:decorative xmlns:adec="http://schemas.microsoft.com/office/drawing/2017/decorative" val="1"/>
+              </a:ext>
+            </a:extLst>
+          </p:cNvPr>
+          <p:cNvSpPr>
+            <a:spLocks noGrp="1" noRot="1" noChangeAspect="1" noMove="1" noResize="1" noEditPoints="1" noAdjustHandles="1" noChangeArrowheads="1" noChangeShapeType="1" noTextEdit="1"/>
+          </p:cNvSpPr>
+          <p:nvPr>
+            <p:extLst>
+              <p:ext uri="{386F3935-93C4-4BCD-93E2-E3B085C9AB24}">
+                <p16:designElem xmlns:p16="http://schemas.microsoft.com/office/powerpoint/2015/main" val="1"/>
+              </p:ext>
+            </p:extLst>
+          </p:nvPr>
+        </p:nvSpPr>
+        <p:spPr>
+          <a:xfrm flipH="1">
+            <a:off x="2" y="492"/>
+            <a:ext cx="12191998" cy="1575955"/>
+          </a:xfrm>
+          <a:prstGeom prst="rect">
+            <a:avLst/>
+          </a:prstGeom>
+          <a:gradFill>
+            <a:gsLst>
+              <a:gs pos="0">
+                <a:schemeClr val="accent1">
+                  <a:lumMod val="50000"/>
+                </a:schemeClr>
+              </a:gs>
+              <a:gs pos="100000">
+                <a:schemeClr val="accent1">
+                  <a:lumMod val="75000"/>
+                </a:schemeClr>
+              </a:gs>
+            </a:gsLst>
+            <a:lin ang="8400000" scaled="0"/>
+          </a:gradFill>
+          <a:ln>
+            <a:noFill/>
+          </a:ln>
+        </p:spPr>
+        <p:style>
+          <a:lnRef idx="2">
+            <a:schemeClr val="accent1">
+              <a:shade val="50000"/>
+            </a:schemeClr>
+          </a:lnRef>
+          <a:fillRef idx="1">
+            <a:schemeClr val="accent1"/>
+          </a:fillRef>
+          <a:effectRef idx="0">
+            <a:schemeClr val="accent1"/>
+          </a:effectRef>
+          <a:fontRef idx="minor">
+            <a:schemeClr val="lt1"/>
+          </a:fontRef>
+        </p:style>
+        <p:txBody>
+          <a:bodyPr rtlCol="0" anchor="ctr"/>
+          <a:lstStyle/>
+          <a:p>
+            <a:pPr algn="ctr"/>
+            <a:endParaRPr lang="en-US"/>
+          </a:p>
+        </p:txBody>
+      </p:sp>
+      <p:sp>
+        <p:nvSpPr>
+          <p:cNvPr id="29" name="Rectangle 28">
+            <a:extLst>
+              <a:ext uri="{FF2B5EF4-FFF2-40B4-BE49-F238E27FC236}">
+                <a16:creationId xmlns:a16="http://schemas.microsoft.com/office/drawing/2014/main" id="{51F0C791-5E40-07E6-F791-A2292C4C794D}"/>
+              </a:ext>
+              <a:ext uri="{C183D7F6-B498-43B3-948B-1728B52AA6E4}">
+                <adec:decorative xmlns:adec="http://schemas.microsoft.com/office/drawing/2017/decorative" val="1"/>
+              </a:ext>
+            </a:extLst>
+          </p:cNvPr>
+          <p:cNvSpPr>
+            <a:spLocks noGrp="1" noRot="1" noChangeAspect="1" noMove="1" noResize="1" noEditPoints="1" noAdjustHandles="1" noChangeArrowheads="1" noChangeShapeType="1" noTextEdit="1"/>
+          </p:cNvSpPr>
+          <p:nvPr>
+            <p:extLst>
+              <p:ext uri="{386F3935-93C4-4BCD-93E2-E3B085C9AB24}">
+                <p16:designElem xmlns:p16="http://schemas.microsoft.com/office/powerpoint/2015/main" val="1"/>
+              </p:ext>
+            </p:extLst>
+          </p:nvPr>
+        </p:nvSpPr>
+        <p:spPr>
+          <a:xfrm rot="10800000" flipH="1">
+            <a:off x="8128857" y="35"/>
+            <a:ext cx="4063143" cy="1576412"/>
+          </a:xfrm>
+          <a:prstGeom prst="rect">
+            <a:avLst/>
+          </a:prstGeom>
+          <a:gradFill>
+            <a:gsLst>
+              <a:gs pos="19000">
+                <a:schemeClr val="accent1">
+                  <a:lumMod val="50000"/>
+                  <a:alpha val="68000"/>
+                </a:schemeClr>
+              </a:gs>
+              <a:gs pos="100000">
+                <a:schemeClr val="accent1">
+                  <a:alpha val="79000"/>
+                </a:schemeClr>
+              </a:gs>
+            </a:gsLst>
+            <a:lin ang="19200000" scaled="0"/>
+          </a:gradFill>
+          <a:ln>
+            <a:noFill/>
+          </a:ln>
+        </p:spPr>
+        <p:style>
+          <a:lnRef idx="2">
+            <a:schemeClr val="accent1">
+              <a:shade val="50000"/>
+            </a:schemeClr>
+          </a:lnRef>
+          <a:fillRef idx="1">
+            <a:schemeClr val="accent1"/>
+          </a:fillRef>
+          <a:effectRef idx="0">
+            <a:schemeClr val="accent1"/>
+          </a:effectRef>
+          <a:fontRef idx="minor">
+            <a:schemeClr val="lt1"/>
+          </a:fontRef>
+        </p:style>
+        <p:txBody>
+          <a:bodyPr rtlCol="0" anchor="ctr"/>
+          <a:lstStyle/>
+          <a:p>
+            <a:pPr algn="ctr"/>
+            <a:endParaRPr lang="en-US"/>
+          </a:p>
+        </p:txBody>
+      </p:sp>
+      <p:sp>
+        <p:nvSpPr>
+          <p:cNvPr id="31" name="Rectangle 30">
+            <a:extLst>
+              <a:ext uri="{FF2B5EF4-FFF2-40B4-BE49-F238E27FC236}">
+                <a16:creationId xmlns:a16="http://schemas.microsoft.com/office/drawing/2014/main" id="{88CE2D4D-DA1F-C447-C962-ADCC2247CAA2}"/>
+              </a:ext>
+              <a:ext uri="{C183D7F6-B498-43B3-948B-1728B52AA6E4}">
+                <adec:decorative xmlns:adec="http://schemas.microsoft.com/office/drawing/2017/decorative" val="1"/>
+              </a:ext>
+            </a:extLst>
+          </p:cNvPr>
+          <p:cNvSpPr>
+            <a:spLocks noGrp="1" noRot="1" noChangeAspect="1" noMove="1" noResize="1" noEditPoints="1" noAdjustHandles="1" noChangeArrowheads="1" noChangeShapeType="1" noTextEdit="1"/>
+          </p:cNvSpPr>
+          <p:nvPr>
+            <p:extLst>
+              <p:ext uri="{386F3935-93C4-4BCD-93E2-E3B085C9AB24}">
+                <p16:designElem xmlns:p16="http://schemas.microsoft.com/office/powerpoint/2015/main" val="1"/>
+              </p:ext>
+            </p:extLst>
+          </p:nvPr>
+        </p:nvSpPr>
+        <p:spPr>
+          <a:xfrm rot="5400000">
+            <a:off x="5307778" y="-5307777"/>
+            <a:ext cx="1576446" cy="12192001"/>
+          </a:xfrm>
+          <a:prstGeom prst="rect">
+            <a:avLst/>
+          </a:prstGeom>
+          <a:gradFill>
+            <a:gsLst>
+              <a:gs pos="16000">
+                <a:srgbClr val="000000">
+                  <a:alpha val="0"/>
+                </a:srgbClr>
+              </a:gs>
+              <a:gs pos="99000">
+                <a:srgbClr val="000000">
+                  <a:alpha val="87000"/>
+                </a:srgbClr>
+              </a:gs>
+            </a:gsLst>
+            <a:lin ang="11400000" scaled="0"/>
+          </a:gradFill>
+          <a:ln>
+            <a:noFill/>
+          </a:ln>
+        </p:spPr>
+        <p:style>
+          <a:lnRef idx="2">
+            <a:schemeClr val="accent1">
+              <a:shade val="50000"/>
+            </a:schemeClr>
+          </a:lnRef>
+          <a:fillRef idx="1">
+            <a:schemeClr val="accent1"/>
+          </a:fillRef>
+          <a:effectRef idx="0">
+            <a:schemeClr val="accent1"/>
+          </a:effectRef>
+          <a:fontRef idx="minor">
+            <a:schemeClr val="lt1"/>
+          </a:fontRef>
+        </p:style>
+        <p:txBody>
+          <a:bodyPr rtlCol="0" anchor="ctr"/>
+          <a:lstStyle/>
+          <a:p>
+            <a:pPr algn="ctr"/>
+            <a:endParaRPr lang="en-US" dirty="0"/>
+          </a:p>
+        </p:txBody>
+      </p:sp>
+      <p:sp>
+        <p:nvSpPr>
+          <p:cNvPr id="33" name="Rectangle 32">
+            <a:extLst>
+              <a:ext uri="{FF2B5EF4-FFF2-40B4-BE49-F238E27FC236}">
+                <a16:creationId xmlns:a16="http://schemas.microsoft.com/office/drawing/2014/main" id="{D5525746-0967-13C6-E029-8DA7BC452E0D}"/>
+              </a:ext>
+              <a:ext uri="{C183D7F6-B498-43B3-948B-1728B52AA6E4}">
+                <adec:decorative xmlns:adec="http://schemas.microsoft.com/office/drawing/2017/decorative" val="1"/>
+              </a:ext>
+            </a:extLst>
+          </p:cNvPr>
+          <p:cNvSpPr>
+            <a:spLocks noGrp="1" noRot="1" noChangeAspect="1" noMove="1" noResize="1" noEditPoints="1" noAdjustHandles="1" noChangeArrowheads="1" noChangeShapeType="1" noTextEdit="1"/>
+          </p:cNvSpPr>
+          <p:nvPr>
+            <p:extLst>
+              <p:ext uri="{386F3935-93C4-4BCD-93E2-E3B085C9AB24}">
+                <p16:designElem xmlns:p16="http://schemas.microsoft.com/office/powerpoint/2015/main" val="1"/>
+              </p:ext>
+            </p:extLst>
+          </p:nvPr>
+        </p:nvSpPr>
+        <p:spPr>
+          <a:xfrm>
+            <a:off x="3825434" y="986"/>
+            <a:ext cx="4303422" cy="1575461"/>
+          </a:xfrm>
+          <a:prstGeom prst="rect">
+            <a:avLst/>
+          </a:prstGeom>
+          <a:gradFill>
+            <a:gsLst>
+              <a:gs pos="0">
+                <a:schemeClr val="accent1">
+                  <a:alpha val="17000"/>
+                </a:schemeClr>
+              </a:gs>
+              <a:gs pos="74000">
+                <a:schemeClr val="accent1">
+                  <a:lumMod val="50000"/>
+                  <a:alpha val="0"/>
+                </a:schemeClr>
+              </a:gs>
+            </a:gsLst>
+            <a:lin ang="14400000" scaled="0"/>
+          </a:gradFill>
+          <a:ln>
+            <a:noFill/>
+          </a:ln>
+        </p:spPr>
+        <p:style>
+          <a:lnRef idx="2">
+            <a:schemeClr val="accent1">
+              <a:shade val="50000"/>
+            </a:schemeClr>
+          </a:lnRef>
+          <a:fillRef idx="1">
+            <a:schemeClr val="accent1"/>
+          </a:fillRef>
+          <a:effectRef idx="0">
+            <a:schemeClr val="accent1"/>
+          </a:effectRef>
+          <a:fontRef idx="minor">
+            <a:schemeClr val="lt1"/>
+          </a:fontRef>
+        </p:style>
+        <p:txBody>
+          <a:bodyPr rtlCol="0" anchor="ctr"/>
+          <a:lstStyle/>
+          <a:p>
+            <a:pPr algn="ctr"/>
+            <a:endParaRPr lang="en-US"/>
+          </a:p>
+        </p:txBody>
+      </p:sp>
+      <p:sp>
+        <p:nvSpPr>
+          <p:cNvPr id="2" name="标题 1">
+            <a:extLst>
+              <a:ext uri="{FF2B5EF4-FFF2-40B4-BE49-F238E27FC236}">
+                <a16:creationId xmlns:a16="http://schemas.microsoft.com/office/drawing/2014/main" id="{9088B3CA-53AB-E855-AA9C-23955AFD807C}"/>
+              </a:ext>
+            </a:extLst>
+          </p:cNvPr>
+          <p:cNvSpPr>
+            <a:spLocks noGrp="1"/>
+          </p:cNvSpPr>
+          <p:nvPr>
+            <p:ph type="ctrTitle"/>
+          </p:nvPr>
+        </p:nvSpPr>
+        <p:spPr>
+          <a:xfrm>
+            <a:off x="699714" y="353160"/>
+            <a:ext cx="7091300" cy="898581"/>
+          </a:xfrm>
+        </p:spPr>
+        <p:txBody>
+          <a:bodyPr anchor="ctr">
+            <a:normAutofit fontScale="90000"/>
+          </a:bodyPr>
+          <a:lstStyle/>
+          <a:p>
+            <a:pPr algn="l"/>
+            <a:r>
+              <a:rPr lang="en-US" altLang="zh-CN" sz="4000" dirty="0">
+                <a:solidFill>
+                  <a:srgbClr val="FFFFFF"/>
+                </a:solidFill>
+              </a:rPr>
+              <a:t>Cross Vit  with enhanced dataset</a:t>
+            </a:r>
+            <a:endParaRPr lang="zh-CN" altLang="en-US" sz="4000" dirty="0">
+              <a:solidFill>
+                <a:srgbClr val="FFFFFF"/>
+              </a:solidFill>
+            </a:endParaRPr>
+          </a:p>
+        </p:txBody>
+      </p:sp>
+      <p:sp>
+        <p:nvSpPr>
+          <p:cNvPr id="10" name="文本框 9">
+            <a:extLst>
+              <a:ext uri="{FF2B5EF4-FFF2-40B4-BE49-F238E27FC236}">
+                <a16:creationId xmlns:a16="http://schemas.microsoft.com/office/drawing/2014/main" id="{821B4D9C-9D52-9D0C-999C-D2B68A60631B}"/>
+              </a:ext>
+            </a:extLst>
+          </p:cNvPr>
+          <p:cNvSpPr txBox="1"/>
+          <p:nvPr/>
+        </p:nvSpPr>
+        <p:spPr>
+          <a:xfrm>
+            <a:off x="8442036" y="264982"/>
+            <a:ext cx="3592946" cy="646331"/>
+          </a:xfrm>
+          <a:prstGeom prst="rect">
+            <a:avLst/>
+          </a:prstGeom>
+          <a:noFill/>
+        </p:spPr>
+        <p:txBody>
+          <a:bodyPr wrap="square" rtlCol="0">
+            <a:spAutoFit/>
+          </a:bodyPr>
+          <a:lstStyle/>
+          <a:p>
+            <a:r>
+              <a:rPr lang="en-US" altLang="zh-CN" dirty="0">
+                <a:solidFill>
+                  <a:schemeClr val="bg1"/>
+                </a:solidFill>
+              </a:rPr>
+              <a:t>Accuracy rate : 80.47</a:t>
+            </a:r>
+            <a:r>
+              <a:rPr lang="en-US" altLang="zh-CN" dirty="0"/>
+              <a:t>%</a:t>
+            </a:r>
+          </a:p>
+          <a:p>
+            <a:r>
+              <a:rPr lang="en-US" altLang="zh-CN" dirty="0">
+                <a:solidFill>
+                  <a:schemeClr val="bg1"/>
+                </a:solidFill>
+              </a:rPr>
+              <a:t>Time Cost : 240min</a:t>
+            </a:r>
+            <a:endParaRPr lang="zh-CN" altLang="en-US" dirty="0">
+              <a:solidFill>
+                <a:schemeClr val="bg1"/>
+              </a:solidFill>
+            </a:endParaRPr>
+          </a:p>
+        </p:txBody>
+      </p:sp>
+      <p:pic>
+        <p:nvPicPr>
+          <p:cNvPr id="6" name="图片 5" descr="图表, 折线图&#10;&#10;AI 生成的内容可能不正确。">
+            <a:extLst>
+              <a:ext uri="{FF2B5EF4-FFF2-40B4-BE49-F238E27FC236}">
+                <a16:creationId xmlns:a16="http://schemas.microsoft.com/office/drawing/2014/main" id="{F4AA9877-B62E-3937-F5C1-F0C893401C1D}"/>
+              </a:ext>
+            </a:extLst>
+          </p:cNvPr>
+          <p:cNvPicPr>
+            <a:picLocks noChangeAspect="1"/>
+          </p:cNvPicPr>
+          <p:nvPr/>
+        </p:nvPicPr>
+        <p:blipFill>
+          <a:blip r:embed="rId2">
+            <a:extLst>
+              <a:ext uri="{28A0092B-C50C-407E-A947-70E740481C1C}">
+                <a14:useLocalDpi xmlns:a14="http://schemas.microsoft.com/office/drawing/2010/main" val="0"/>
+              </a:ext>
+            </a:extLst>
+          </a:blip>
+          <a:stretch>
+            <a:fillRect/>
+          </a:stretch>
+        </p:blipFill>
+        <p:spPr>
+          <a:xfrm>
+            <a:off x="790183" y="1603915"/>
+            <a:ext cx="10611633" cy="5033782"/>
+          </a:xfrm>
+          <a:prstGeom prst="rect">
+            <a:avLst/>
+          </a:prstGeom>
+        </p:spPr>
+      </p:pic>
+    </p:spTree>
+    <p:extLst>
+      <p:ext uri="{BB962C8B-B14F-4D97-AF65-F5344CB8AC3E}">
+        <p14:creationId xmlns:p14="http://schemas.microsoft.com/office/powerpoint/2010/main" val="1865029116"/>
+      </p:ext>
+    </p:extLst>
+  </p:cSld>
+  <p:clrMapOvr>
+    <a:masterClrMapping/>
+  </p:clrMapOvr>
+</p:sld>
+</file>
+
+<file path=ppt/slides/slide23.xml><?xml version="1.0" encoding="utf-8"?>
+<p:sld xmlns:a="http://schemas.openxmlformats.org/drawingml/2006/main" xmlns:r="http://schemas.openxmlformats.org/officeDocument/2006/relationships" xmlns:p="http://schemas.openxmlformats.org/presentationml/2006/main">
+  <p:cSld>
+    <p:bg>
+      <p:bgPr>
+        <a:solidFill>
+          <a:schemeClr val="bg1"/>
+        </a:solidFill>
+        <a:effectLst/>
+      </p:bgPr>
+    </p:bg>
+    <p:spTree>
+      <p:nvGrpSpPr>
+        <p:cNvPr id="1" name=""/>
+        <p:cNvGrpSpPr/>
+        <p:nvPr/>
+      </p:nvGrpSpPr>
+      <p:grpSpPr>
+        <a:xfrm>
+          <a:off x="0" y="0"/>
+          <a:ext cx="0" cy="0"/>
+          <a:chOff x="0" y="0"/>
+          <a:chExt cx="0" cy="0"/>
+        </a:xfrm>
+      </p:grpSpPr>
+      <p:sp useBgFill="1">
+        <p:nvSpPr>
+          <p:cNvPr id="20" name="Rectangle 19">
+            <a:extLst>
+              <a:ext uri="{FF2B5EF4-FFF2-40B4-BE49-F238E27FC236}">
+                <a16:creationId xmlns:a16="http://schemas.microsoft.com/office/drawing/2014/main" id="{BACC6370-2D7E-4714-9D71-7542949D7D5D}"/>
+              </a:ext>
+              <a:ext uri="{C183D7F6-B498-43B3-948B-1728B52AA6E4}">
+                <adec:decorative xmlns:adec="http://schemas.microsoft.com/office/drawing/2017/decorative" val="1"/>
+              </a:ext>
+            </a:extLst>
+          </p:cNvPr>
+          <p:cNvSpPr>
+            <a:spLocks noGrp="1" noRot="1" noChangeAspect="1" noMove="1" noResize="1" noEditPoints="1" noAdjustHandles="1" noChangeArrowheads="1" noChangeShapeType="1" noTextEdit="1"/>
+          </p:cNvSpPr>
+          <p:nvPr>
+            <p:extLst>
+              <p:ext uri="{386F3935-93C4-4BCD-93E2-E3B085C9AB24}">
+                <p16:designElem xmlns:p16="http://schemas.microsoft.com/office/powerpoint/2015/main" val="1"/>
+              </p:ext>
+            </p:extLst>
+          </p:nvPr>
+        </p:nvSpPr>
+        <p:spPr>
+          <a:xfrm>
+            <a:off x="0" y="0"/>
+            <a:ext cx="12192000" cy="6858000"/>
+          </a:xfrm>
+          <a:prstGeom prst="rect">
+            <a:avLst/>
+          </a:prstGeom>
+          <a:ln w="12700" cap="flat" cmpd="sng" algn="ctr">
+            <a:noFill/>
+            <a:prstDash val="solid"/>
+            <a:miter lim="800000"/>
+          </a:ln>
+          <a:effectLst/>
+          <a:extLst>
+            <a:ext uri="{91240B29-F687-4F45-9708-019B960494DF}">
+              <a14:hiddenLine xmlns:a14="http://schemas.microsoft.com/office/drawing/2010/main" w="12700" cap="flat" cmpd="sng" algn="ctr">
+                <a:solidFill>
+                  <a:schemeClr val="accent1">
+                    <a:shade val="50000"/>
+                  </a:schemeClr>
+                </a:solidFill>
+                <a:prstDash val="solid"/>
+                <a:miter lim="800000"/>
+              </a14:hiddenLine>
+            </a:ext>
+          </a:extLst>
+        </p:spPr>
+        <p:style>
+          <a:lnRef idx="2">
+            <a:schemeClr val="accent1">
+              <a:shade val="50000"/>
+            </a:schemeClr>
+          </a:lnRef>
+          <a:fillRef idx="1">
+            <a:schemeClr val="accent1"/>
+          </a:fillRef>
+          <a:effectRef idx="0">
+            <a:schemeClr val="accent1"/>
+          </a:effectRef>
+          <a:fontRef idx="minor">
+            <a:schemeClr val="lt1"/>
+          </a:fontRef>
+        </p:style>
+        <p:txBody>
+          <a:bodyPr rtlCol="0" anchor="ctr"/>
+          <a:lstStyle/>
+          <a:p>
+            <a:pPr algn="ctr"/>
             <a:endParaRPr lang="en-US"/>
           </a:p>
         </p:txBody>
@@ -13766,21 +14328,21 @@
             <p:ph idx="1"/>
             <p:extLst>
               <p:ext uri="{D42A27DB-BD31-4B8C-83A1-F6EECF244321}">
-                <p14:modId xmlns:p14="http://schemas.microsoft.com/office/powerpoint/2010/main" val="872567541"/>
+                <p14:modId xmlns:p14="http://schemas.microsoft.com/office/powerpoint/2010/main" val="802014232"/>
               </p:ext>
             </p:extLst>
           </p:nvPr>
         </p:nvGraphicFramePr>
         <p:xfrm>
-          <a:off x="904509" y="2112579"/>
-          <a:ext cx="10406924" cy="4192810"/>
+          <a:off x="715224" y="1575459"/>
+          <a:ext cx="10369873" cy="4192810"/>
         </p:xfrm>
         <a:graphic>
           <a:graphicData uri="http://schemas.openxmlformats.org/drawingml/2006/table">
             <a:tbl>
               <a:tblPr firstRow="1" bandRow="1"/>
               <a:tblGrid>
-                <a:gridCol w="1350013">
+                <a:gridCol w="1312962">
                   <a:extLst>
                     <a:ext uri="{9D8B030D-6E8A-4147-A177-3AD203B41FA5}">
                       <a16:colId xmlns:a16="http://schemas.microsoft.com/office/drawing/2014/main" val="1092187142"/>
@@ -13974,13 +14536,13 @@
                         <a:buNone/>
                       </a:pPr>
                       <a:r>
-                        <a:rPr lang="en-US" sz="1400" b="0" i="0" u="none" strike="noStrike">
+                        <a:rPr lang="en-US" sz="1400" b="0" i="0" u="none" strike="noStrike" dirty="0">
                           <a:effectLst/>
                           <a:latin typeface="Arial" panose="020B0604020202020204" pitchFamily="34" charset="0"/>
                         </a:rPr>
                         <a:t>1</a:t>
                       </a:r>
-                      <a:endParaRPr lang="en-US" altLang="zh-CN" sz="1400" b="0" i="0" u="none" strike="noStrike">
+                      <a:endParaRPr lang="en-US" altLang="zh-CN" sz="1400" b="0" i="0" u="none" strike="noStrike" dirty="0">
                         <a:effectLst/>
                         <a:latin typeface="Arial" panose="020B0604020202020204" pitchFamily="34" charset="0"/>
                       </a:endParaRPr>
@@ -14048,13 +14610,13 @@
                         <a:buNone/>
                       </a:pPr>
                       <a:r>
-                        <a:rPr lang="en-US" sz="1400" b="0" i="0" u="none" strike="noStrike">
+                        <a:rPr lang="en-US" sz="1400" b="0" i="0" u="none" strike="noStrike" dirty="0">
                           <a:effectLst/>
                           <a:latin typeface="Arial" panose="020B0604020202020204" pitchFamily="34" charset="0"/>
                         </a:rPr>
                         <a:t>—</a:t>
                       </a:r>
-                      <a:endParaRPr lang="en-US" altLang="zh-CN" sz="1400" b="0" i="0" u="none" strike="noStrike">
+                      <a:endParaRPr lang="en-US" altLang="zh-CN" sz="1400" b="0" i="0" u="none" strike="noStrike" dirty="0">
                         <a:effectLst/>
                         <a:latin typeface="Arial" panose="020B0604020202020204" pitchFamily="34" charset="0"/>
                       </a:endParaRPr>
@@ -14594,13 +15156,13 @@
                         <a:buNone/>
                       </a:pPr>
                       <a:r>
-                        <a:rPr lang="en-US" sz="1400" b="0" i="0" u="none" strike="noStrike">
+                        <a:rPr lang="en-US" sz="1400" b="0" i="0" u="none" strike="noStrike" dirty="0">
                           <a:effectLst/>
                           <a:latin typeface="Arial" panose="020B0604020202020204" pitchFamily="34" charset="0"/>
                         </a:rPr>
                         <a:t>5</a:t>
                       </a:r>
-                      <a:endParaRPr lang="en-US" altLang="zh-CN" sz="1400" b="0" i="0" u="none" strike="noStrike">
+                      <a:endParaRPr lang="en-US" altLang="zh-CN" sz="1400" b="0" i="0" u="none" strike="noStrike" dirty="0">
                         <a:effectLst/>
                         <a:latin typeface="Arial" panose="020B0604020202020204" pitchFamily="34" charset="0"/>
                       </a:endParaRPr>
@@ -14705,13 +15267,13 @@
                         <a:buNone/>
                       </a:pPr>
                       <a:r>
-                        <a:rPr lang="en-US" sz="1400" b="0" i="0" u="none" strike="noStrike">
+                        <a:rPr lang="en-US" sz="1400" b="0" i="0" u="none" strike="noStrike" dirty="0">
                           <a:effectLst/>
                           <a:latin typeface="Arial" panose="020B0604020202020204" pitchFamily="34" charset="0"/>
                         </a:rPr>
                         <a:t>63.52</a:t>
                       </a:r>
-                      <a:endParaRPr lang="en-US" altLang="zh-CN" sz="1400" b="0" i="0" u="none" strike="noStrike">
+                      <a:endParaRPr lang="en-US" altLang="zh-CN" sz="1400" b="0" i="0" u="none" strike="noStrike" dirty="0">
                         <a:effectLst/>
                         <a:latin typeface="Arial" panose="020B0604020202020204" pitchFamily="34" charset="0"/>
                       </a:endParaRPr>
@@ -14749,13 +15311,13 @@
                         <a:buNone/>
                       </a:pPr>
                       <a:r>
-                        <a:rPr lang="en-US" sz="1400" b="0" i="0" u="none" strike="noStrike">
+                        <a:rPr lang="en-US" sz="1400" b="0" i="0" u="none" strike="noStrike" dirty="0">
                           <a:effectLst/>
                           <a:latin typeface="Arial" panose="020B0604020202020204" pitchFamily="34" charset="0"/>
                         </a:rPr>
                         <a:t>6</a:t>
                       </a:r>
-                      <a:endParaRPr lang="en-US" altLang="zh-CN" sz="1400" b="0" i="0" u="none" strike="noStrike">
+                      <a:endParaRPr lang="en-US" altLang="zh-CN" sz="1400" b="0" i="0" u="none" strike="noStrike" dirty="0">
                         <a:effectLst/>
                         <a:latin typeface="Arial" panose="020B0604020202020204" pitchFamily="34" charset="0"/>
                       </a:endParaRPr>
@@ -14984,9 +15546,16 @@
                           <a:effectLst/>
                           <a:latin typeface="Arial" panose="020B0604020202020204" pitchFamily="34" charset="0"/>
                         </a:rPr>
-                        <a:t> = 0.1</a:t>
+                        <a:t> </a:t>
                       </a:r>
-                      <a:endParaRPr lang="en-US" altLang="zh-CN" sz="1400" b="0" i="0" u="none" strike="noStrike" dirty="0">
+                      <a:r>
+                        <a:rPr lang="en-US" sz="1400" b="0" i="0" u="none" strike="noStrike">
+                          <a:effectLst/>
+                          <a:latin typeface="Arial" panose="020B0604020202020204" pitchFamily="34" charset="0"/>
+                        </a:rPr>
+                        <a:t>= 0.1</a:t>
+                      </a:r>
+                      <a:endParaRPr lang="en-US" sz="1400" b="0" i="0" u="none" strike="noStrike" dirty="0">
                         <a:effectLst/>
                         <a:latin typeface="Arial" panose="020B0604020202020204" pitchFamily="34" charset="0"/>
                       </a:endParaRPr>
@@ -15021,9 +15590,22 @@
                           <a:effectLst/>
                           <a:latin typeface="Arial" panose="020B0604020202020204" pitchFamily="34" charset="0"/>
                         </a:rPr>
-                        <a:t>76.31</a:t>
+                        <a:t>76.31/</a:t>
+                      </a:r>
+                      <a:r>
+                        <a:rPr lang="en-US" sz="1400" b="0" i="0" u="none" strike="noStrike" dirty="0">
+                          <a:solidFill>
+                            <a:srgbClr val="FF0000"/>
+                          </a:solidFill>
+                          <a:effectLst/>
+                          <a:latin typeface="Arial" panose="020B0604020202020204" pitchFamily="34" charset="0"/>
+                        </a:rPr>
+                        <a:t>80.47(enhanced dataset)</a:t>
                       </a:r>
                       <a:endParaRPr lang="en-US" altLang="zh-CN" sz="1400" b="0" i="0" u="none" strike="noStrike" dirty="0">
+                        <a:solidFill>
+                          <a:srgbClr val="FF0000"/>
+                        </a:solidFill>
                         <a:effectLst/>
                         <a:latin typeface="Arial" panose="020B0604020202020204" pitchFamily="34" charset="0"/>
                       </a:endParaRPr>

--- a/A1/Report/Vit.pptx
+++ b/A1/Report/Vit.pptx
@@ -5,7 +5,7 @@
     <p:sldMasterId id="2147483648" r:id="rId1"/>
   </p:sldMasterIdLst>
   <p:notesMasterIdLst>
-    <p:notesMasterId r:id="rId25"/>
+    <p:notesMasterId r:id="rId23"/>
   </p:notesMasterIdLst>
   <p:sldIdLst>
     <p:sldId id="258" r:id="rId2"/>
@@ -16,21 +16,19 @@
     <p:sldId id="265" r:id="rId7"/>
     <p:sldId id="266" r:id="rId8"/>
     <p:sldId id="268" r:id="rId9"/>
-    <p:sldId id="256" r:id="rId10"/>
-    <p:sldId id="257" r:id="rId11"/>
-    <p:sldId id="264" r:id="rId12"/>
-    <p:sldId id="267" r:id="rId13"/>
-    <p:sldId id="269" r:id="rId14"/>
-    <p:sldId id="270" r:id="rId15"/>
-    <p:sldId id="271" r:id="rId16"/>
-    <p:sldId id="272" r:id="rId17"/>
-    <p:sldId id="273" r:id="rId18"/>
-    <p:sldId id="274" r:id="rId19"/>
-    <p:sldId id="275" r:id="rId20"/>
-    <p:sldId id="276" r:id="rId21"/>
-    <p:sldId id="278" r:id="rId22"/>
-    <p:sldId id="280" r:id="rId23"/>
-    <p:sldId id="279" r:id="rId24"/>
+    <p:sldId id="264" r:id="rId10"/>
+    <p:sldId id="267" r:id="rId11"/>
+    <p:sldId id="269" r:id="rId12"/>
+    <p:sldId id="270" r:id="rId13"/>
+    <p:sldId id="271" r:id="rId14"/>
+    <p:sldId id="272" r:id="rId15"/>
+    <p:sldId id="273" r:id="rId16"/>
+    <p:sldId id="274" r:id="rId17"/>
+    <p:sldId id="275" r:id="rId18"/>
+    <p:sldId id="276" r:id="rId19"/>
+    <p:sldId id="278" r:id="rId20"/>
+    <p:sldId id="280" r:id="rId21"/>
+    <p:sldId id="279" r:id="rId22"/>
   </p:sldIdLst>
   <p:sldSz cx="12192000" cy="6858000"/>
   <p:notesSz cx="6858000" cy="9144000"/>
@@ -551,7 +549,7 @@
           <a:p>
             <a:fld id="{97F4F10D-1619-4120-9FED-FD5EA4C3E6F7}" type="slidenum">
               <a:rPr lang="zh-CN" altLang="en-US" smtClean="0"/>
-              <a:t>14</a:t>
+              <a:t>12</a:t>
             </a:fld>
             <a:endParaRPr lang="zh-CN" altLang="en-US"/>
           </a:p>
@@ -3943,20 +3941,12 @@
 <file path=ppt/slides/slide10.xml><?xml version="1.0" encoding="utf-8"?>
 <p:sld xmlns:a="http://schemas.openxmlformats.org/drawingml/2006/main" xmlns:r="http://schemas.openxmlformats.org/officeDocument/2006/relationships" xmlns:p="http://schemas.openxmlformats.org/presentationml/2006/main">
   <p:cSld>
-    <p:bg>
-      <p:bgPr>
-        <a:solidFill>
-          <a:schemeClr val="bg1"/>
-        </a:solidFill>
-        <a:effectLst/>
-      </p:bgPr>
-    </p:bg>
     <p:spTree>
       <p:nvGrpSpPr>
         <p:cNvPr id="1" name="">
           <a:extLst>
             <a:ext uri="{FF2B5EF4-FFF2-40B4-BE49-F238E27FC236}">
-              <a16:creationId xmlns:a16="http://schemas.microsoft.com/office/drawing/2014/main" id="{901C8EC4-26A9-319A-E56B-D1D1417648EF}"/>
+              <a16:creationId xmlns:a16="http://schemas.microsoft.com/office/drawing/2014/main" id="{361E379E-1E3B-1A99-3C59-6C4008B70EA2}"/>
             </a:ext>
           </a:extLst>
         </p:cNvPr>
@@ -3973,590 +3963,10 @@
       </p:grpSpPr>
       <p:sp useBgFill="1">
         <p:nvSpPr>
-          <p:cNvPr id="25" name="Rectangle 24">
-            <a:extLst>
-              <a:ext uri="{FF2B5EF4-FFF2-40B4-BE49-F238E27FC236}">
-                <a16:creationId xmlns:a16="http://schemas.microsoft.com/office/drawing/2014/main" id="{2151139A-886F-4B97-8815-729AD3831BBD}"/>
-              </a:ext>
-              <a:ext uri="{C183D7F6-B498-43B3-948B-1728B52AA6E4}">
-                <adec:decorative xmlns:adec="http://schemas.microsoft.com/office/drawing/2017/decorative" val="1"/>
-              </a:ext>
-            </a:extLst>
-          </p:cNvPr>
-          <p:cNvSpPr>
-            <a:spLocks noGrp="1" noRot="1" noChangeAspect="1" noMove="1" noResize="1" noEditPoints="1" noAdjustHandles="1" noChangeArrowheads="1" noChangeShapeType="1" noTextEdit="1"/>
-          </p:cNvSpPr>
-          <p:nvPr>
-            <p:extLst>
-              <p:ext uri="{386F3935-93C4-4BCD-93E2-E3B085C9AB24}">
-                <p16:designElem xmlns:p16="http://schemas.microsoft.com/office/powerpoint/2015/main" val="1"/>
-              </p:ext>
-            </p:extLst>
-          </p:nvPr>
-        </p:nvSpPr>
-        <p:spPr>
-          <a:xfrm>
-            <a:off x="0" y="0"/>
-            <a:ext cx="12192000" cy="6858000"/>
-          </a:xfrm>
-          <a:prstGeom prst="rect">
-            <a:avLst/>
-          </a:prstGeom>
-          <a:ln w="12700" cap="flat" cmpd="sng" algn="ctr">
-            <a:noFill/>
-            <a:prstDash val="solid"/>
-            <a:miter lim="800000"/>
-          </a:ln>
-          <a:effectLst/>
-          <a:extLst>
-            <a:ext uri="{91240B29-F687-4F45-9708-019B960494DF}">
-              <a14:hiddenLine xmlns:a14="http://schemas.microsoft.com/office/drawing/2010/main" w="12700" cap="flat" cmpd="sng" algn="ctr">
-                <a:solidFill>
-                  <a:schemeClr val="accent1">
-                    <a:shade val="50000"/>
-                  </a:schemeClr>
-                </a:solidFill>
-                <a:prstDash val="solid"/>
-                <a:miter lim="800000"/>
-              </a14:hiddenLine>
-            </a:ext>
-          </a:extLst>
-        </p:spPr>
-        <p:style>
-          <a:lnRef idx="2">
-            <a:schemeClr val="accent1">
-              <a:shade val="50000"/>
-            </a:schemeClr>
-          </a:lnRef>
-          <a:fillRef idx="1">
-            <a:schemeClr val="accent1"/>
-          </a:fillRef>
-          <a:effectRef idx="0">
-            <a:schemeClr val="accent1"/>
-          </a:effectRef>
-          <a:fontRef idx="minor">
-            <a:schemeClr val="lt1"/>
-          </a:fontRef>
-        </p:style>
-        <p:txBody>
-          <a:bodyPr rtlCol="0" anchor="ctr"/>
-          <a:lstStyle/>
-          <a:p>
-            <a:pPr algn="ctr"/>
-            <a:endParaRPr lang="en-US" sz="2000"/>
-          </a:p>
-        </p:txBody>
-      </p:sp>
-      <p:sp>
-        <p:nvSpPr>
-          <p:cNvPr id="27" name="Rectangle 26">
-            <a:extLst>
-              <a:ext uri="{FF2B5EF4-FFF2-40B4-BE49-F238E27FC236}">
-                <a16:creationId xmlns:a16="http://schemas.microsoft.com/office/drawing/2014/main" id="{AB5E08C4-8CDD-4623-A5B8-E998C6DEE3B7}"/>
-              </a:ext>
-              <a:ext uri="{C183D7F6-B498-43B3-948B-1728B52AA6E4}">
-                <adec:decorative xmlns:adec="http://schemas.microsoft.com/office/drawing/2017/decorative" val="1"/>
-              </a:ext>
-            </a:extLst>
-          </p:cNvPr>
-          <p:cNvSpPr>
-            <a:spLocks noGrp="1" noRot="1" noChangeAspect="1" noMove="1" noResize="1" noEditPoints="1" noAdjustHandles="1" noChangeArrowheads="1" noChangeShapeType="1" noTextEdit="1"/>
-          </p:cNvSpPr>
-          <p:nvPr>
-            <p:extLst>
-              <p:ext uri="{386F3935-93C4-4BCD-93E2-E3B085C9AB24}">
-                <p16:designElem xmlns:p16="http://schemas.microsoft.com/office/powerpoint/2015/main" val="1"/>
-              </p:ext>
-            </p:extLst>
-          </p:nvPr>
-        </p:nvSpPr>
-        <p:spPr>
-          <a:xfrm flipH="1">
-            <a:off x="2" y="492"/>
-            <a:ext cx="12191998" cy="1575955"/>
-          </a:xfrm>
-          <a:prstGeom prst="rect">
-            <a:avLst/>
-          </a:prstGeom>
-          <a:gradFill>
-            <a:gsLst>
-              <a:gs pos="0">
-                <a:schemeClr val="accent1">
-                  <a:lumMod val="50000"/>
-                </a:schemeClr>
-              </a:gs>
-              <a:gs pos="100000">
-                <a:schemeClr val="accent1">
-                  <a:lumMod val="75000"/>
-                </a:schemeClr>
-              </a:gs>
-            </a:gsLst>
-            <a:lin ang="8400000" scaled="0"/>
-          </a:gradFill>
-          <a:ln>
-            <a:noFill/>
-          </a:ln>
-        </p:spPr>
-        <p:style>
-          <a:lnRef idx="2">
-            <a:schemeClr val="accent1">
-              <a:shade val="50000"/>
-            </a:schemeClr>
-          </a:lnRef>
-          <a:fillRef idx="1">
-            <a:schemeClr val="accent1"/>
-          </a:fillRef>
-          <a:effectRef idx="0">
-            <a:schemeClr val="accent1"/>
-          </a:effectRef>
-          <a:fontRef idx="minor">
-            <a:schemeClr val="lt1"/>
-          </a:fontRef>
-        </p:style>
-        <p:txBody>
-          <a:bodyPr rtlCol="0" anchor="ctr"/>
-          <a:lstStyle/>
-          <a:p>
-            <a:pPr algn="ctr"/>
-            <a:endParaRPr lang="en-US"/>
-          </a:p>
-        </p:txBody>
-      </p:sp>
-      <p:sp>
-        <p:nvSpPr>
-          <p:cNvPr id="29" name="Rectangle 28">
-            <a:extLst>
-              <a:ext uri="{FF2B5EF4-FFF2-40B4-BE49-F238E27FC236}">
-                <a16:creationId xmlns:a16="http://schemas.microsoft.com/office/drawing/2014/main" id="{15F33878-D502-4FFA-8ACE-F2AECDB2A23F}"/>
-              </a:ext>
-              <a:ext uri="{C183D7F6-B498-43B3-948B-1728B52AA6E4}">
-                <adec:decorative xmlns:adec="http://schemas.microsoft.com/office/drawing/2017/decorative" val="1"/>
-              </a:ext>
-            </a:extLst>
-          </p:cNvPr>
-          <p:cNvSpPr>
-            <a:spLocks noGrp="1" noRot="1" noChangeAspect="1" noMove="1" noResize="1" noEditPoints="1" noAdjustHandles="1" noChangeArrowheads="1" noChangeShapeType="1" noTextEdit="1"/>
-          </p:cNvSpPr>
-          <p:nvPr>
-            <p:extLst>
-              <p:ext uri="{386F3935-93C4-4BCD-93E2-E3B085C9AB24}">
-                <p16:designElem xmlns:p16="http://schemas.microsoft.com/office/powerpoint/2015/main" val="1"/>
-              </p:ext>
-            </p:extLst>
-          </p:nvPr>
-        </p:nvSpPr>
-        <p:spPr>
-          <a:xfrm rot="10800000" flipH="1">
-            <a:off x="8128857" y="35"/>
-            <a:ext cx="4063143" cy="1576412"/>
-          </a:xfrm>
-          <a:prstGeom prst="rect">
-            <a:avLst/>
-          </a:prstGeom>
-          <a:gradFill>
-            <a:gsLst>
-              <a:gs pos="19000">
-                <a:schemeClr val="accent1">
-                  <a:lumMod val="50000"/>
-                  <a:alpha val="68000"/>
-                </a:schemeClr>
-              </a:gs>
-              <a:gs pos="100000">
-                <a:schemeClr val="accent1">
-                  <a:alpha val="79000"/>
-                </a:schemeClr>
-              </a:gs>
-            </a:gsLst>
-            <a:lin ang="19200000" scaled="0"/>
-          </a:gradFill>
-          <a:ln>
-            <a:noFill/>
-          </a:ln>
-        </p:spPr>
-        <p:style>
-          <a:lnRef idx="2">
-            <a:schemeClr val="accent1">
-              <a:shade val="50000"/>
-            </a:schemeClr>
-          </a:lnRef>
-          <a:fillRef idx="1">
-            <a:schemeClr val="accent1"/>
-          </a:fillRef>
-          <a:effectRef idx="0">
-            <a:schemeClr val="accent1"/>
-          </a:effectRef>
-          <a:fontRef idx="minor">
-            <a:schemeClr val="lt1"/>
-          </a:fontRef>
-        </p:style>
-        <p:txBody>
-          <a:bodyPr rtlCol="0" anchor="ctr"/>
-          <a:lstStyle/>
-          <a:p>
-            <a:pPr algn="ctr"/>
-            <a:endParaRPr lang="en-US"/>
-          </a:p>
-        </p:txBody>
-      </p:sp>
-      <p:sp>
-        <p:nvSpPr>
-          <p:cNvPr id="31" name="Rectangle 30">
-            <a:extLst>
-              <a:ext uri="{FF2B5EF4-FFF2-40B4-BE49-F238E27FC236}">
-                <a16:creationId xmlns:a16="http://schemas.microsoft.com/office/drawing/2014/main" id="{D3539FEE-81D3-4406-802E-60B20B16F4F6}"/>
-              </a:ext>
-              <a:ext uri="{C183D7F6-B498-43B3-948B-1728B52AA6E4}">
-                <adec:decorative xmlns:adec="http://schemas.microsoft.com/office/drawing/2017/decorative" val="1"/>
-              </a:ext>
-            </a:extLst>
-          </p:cNvPr>
-          <p:cNvSpPr>
-            <a:spLocks noGrp="1" noRot="1" noChangeAspect="1" noMove="1" noResize="1" noEditPoints="1" noAdjustHandles="1" noChangeArrowheads="1" noChangeShapeType="1" noTextEdit="1"/>
-          </p:cNvSpPr>
-          <p:nvPr>
-            <p:extLst>
-              <p:ext uri="{386F3935-93C4-4BCD-93E2-E3B085C9AB24}">
-                <p16:designElem xmlns:p16="http://schemas.microsoft.com/office/powerpoint/2015/main" val="1"/>
-              </p:ext>
-            </p:extLst>
-          </p:nvPr>
-        </p:nvSpPr>
-        <p:spPr>
-          <a:xfrm rot="5400000">
-            <a:off x="5307778" y="-5307777"/>
-            <a:ext cx="1576446" cy="12192001"/>
-          </a:xfrm>
-          <a:prstGeom prst="rect">
-            <a:avLst/>
-          </a:prstGeom>
-          <a:gradFill>
-            <a:gsLst>
-              <a:gs pos="16000">
-                <a:srgbClr val="000000">
-                  <a:alpha val="0"/>
-                </a:srgbClr>
-              </a:gs>
-              <a:gs pos="99000">
-                <a:srgbClr val="000000">
-                  <a:alpha val="87000"/>
-                </a:srgbClr>
-              </a:gs>
-            </a:gsLst>
-            <a:lin ang="11400000" scaled="0"/>
-          </a:gradFill>
-          <a:ln>
-            <a:noFill/>
-          </a:ln>
-        </p:spPr>
-        <p:style>
-          <a:lnRef idx="2">
-            <a:schemeClr val="accent1">
-              <a:shade val="50000"/>
-            </a:schemeClr>
-          </a:lnRef>
-          <a:fillRef idx="1">
-            <a:schemeClr val="accent1"/>
-          </a:fillRef>
-          <a:effectRef idx="0">
-            <a:schemeClr val="accent1"/>
-          </a:effectRef>
-          <a:fontRef idx="minor">
-            <a:schemeClr val="lt1"/>
-          </a:fontRef>
-        </p:style>
-        <p:txBody>
-          <a:bodyPr rtlCol="0" anchor="ctr"/>
-          <a:lstStyle/>
-          <a:p>
-            <a:pPr algn="ctr"/>
-            <a:endParaRPr lang="en-US" dirty="0"/>
-          </a:p>
-        </p:txBody>
-      </p:sp>
-      <p:sp>
-        <p:nvSpPr>
-          <p:cNvPr id="33" name="Rectangle 32">
-            <a:extLst>
-              <a:ext uri="{FF2B5EF4-FFF2-40B4-BE49-F238E27FC236}">
-                <a16:creationId xmlns:a16="http://schemas.microsoft.com/office/drawing/2014/main" id="{DC701763-729E-462F-A5A8-E0DEFEB1E2E4}"/>
-              </a:ext>
-              <a:ext uri="{C183D7F6-B498-43B3-948B-1728B52AA6E4}">
-                <adec:decorative xmlns:adec="http://schemas.microsoft.com/office/drawing/2017/decorative" val="1"/>
-              </a:ext>
-            </a:extLst>
-          </p:cNvPr>
-          <p:cNvSpPr>
-            <a:spLocks noGrp="1" noRot="1" noChangeAspect="1" noMove="1" noResize="1" noEditPoints="1" noAdjustHandles="1" noChangeArrowheads="1" noChangeShapeType="1" noTextEdit="1"/>
-          </p:cNvSpPr>
-          <p:nvPr>
-            <p:extLst>
-              <p:ext uri="{386F3935-93C4-4BCD-93E2-E3B085C9AB24}">
-                <p16:designElem xmlns:p16="http://schemas.microsoft.com/office/powerpoint/2015/main" val="1"/>
-              </p:ext>
-            </p:extLst>
-          </p:nvPr>
-        </p:nvSpPr>
-        <p:spPr>
-          <a:xfrm>
-            <a:off x="3825434" y="986"/>
-            <a:ext cx="4303422" cy="1575461"/>
-          </a:xfrm>
-          <a:prstGeom prst="rect">
-            <a:avLst/>
-          </a:prstGeom>
-          <a:gradFill>
-            <a:gsLst>
-              <a:gs pos="0">
-                <a:schemeClr val="accent1">
-                  <a:alpha val="17000"/>
-                </a:schemeClr>
-              </a:gs>
-              <a:gs pos="74000">
-                <a:schemeClr val="accent1">
-                  <a:lumMod val="50000"/>
-                  <a:alpha val="0"/>
-                </a:schemeClr>
-              </a:gs>
-            </a:gsLst>
-            <a:lin ang="14400000" scaled="0"/>
-          </a:gradFill>
-          <a:ln>
-            <a:noFill/>
-          </a:ln>
-        </p:spPr>
-        <p:style>
-          <a:lnRef idx="2">
-            <a:schemeClr val="accent1">
-              <a:shade val="50000"/>
-            </a:schemeClr>
-          </a:lnRef>
-          <a:fillRef idx="1">
-            <a:schemeClr val="accent1"/>
-          </a:fillRef>
-          <a:effectRef idx="0">
-            <a:schemeClr val="accent1"/>
-          </a:effectRef>
-          <a:fontRef idx="minor">
-            <a:schemeClr val="lt1"/>
-          </a:fontRef>
-        </p:style>
-        <p:txBody>
-          <a:bodyPr rtlCol="0" anchor="ctr"/>
-          <a:lstStyle/>
-          <a:p>
-            <a:pPr algn="ctr"/>
-            <a:endParaRPr lang="en-US"/>
-          </a:p>
-        </p:txBody>
-      </p:sp>
-      <p:sp>
-        <p:nvSpPr>
-          <p:cNvPr id="2" name="标题 1">
-            <a:extLst>
-              <a:ext uri="{FF2B5EF4-FFF2-40B4-BE49-F238E27FC236}">
-                <a16:creationId xmlns:a16="http://schemas.microsoft.com/office/drawing/2014/main" id="{8AC8C377-F3D2-0AAD-8E10-1B5B3D0473E3}"/>
-              </a:ext>
-            </a:extLst>
-          </p:cNvPr>
-          <p:cNvSpPr>
-            <a:spLocks noGrp="1"/>
-          </p:cNvSpPr>
-          <p:nvPr>
-            <p:ph type="ctrTitle"/>
-          </p:nvPr>
-        </p:nvSpPr>
-        <p:spPr>
-          <a:xfrm>
-            <a:off x="699714" y="353160"/>
-            <a:ext cx="7091300" cy="898581"/>
-          </a:xfrm>
-        </p:spPr>
-        <p:txBody>
-          <a:bodyPr anchor="ctr">
-            <a:normAutofit/>
-          </a:bodyPr>
-          <a:lstStyle/>
-          <a:p>
-            <a:pPr algn="l"/>
-            <a:r>
-              <a:rPr lang="en-US" altLang="zh-CN" sz="4000" dirty="0">
-                <a:solidFill>
-                  <a:srgbClr val="FFFFFF"/>
-                </a:solidFill>
-              </a:rPr>
-              <a:t>Baseline Vit </a:t>
-            </a:r>
-            <a:endParaRPr lang="zh-CN" altLang="en-US" sz="4000" dirty="0">
-              <a:solidFill>
-                <a:srgbClr val="FFFFFF"/>
-              </a:solidFill>
-            </a:endParaRPr>
-          </a:p>
-        </p:txBody>
-      </p:sp>
-      <p:sp>
-        <p:nvSpPr>
-          <p:cNvPr id="3" name="副标题 2">
-            <a:extLst>
-              <a:ext uri="{FF2B5EF4-FFF2-40B4-BE49-F238E27FC236}">
-                <a16:creationId xmlns:a16="http://schemas.microsoft.com/office/drawing/2014/main" id="{1175EC7A-6E1F-E1D6-CB51-77C1FA486A7E}"/>
-              </a:ext>
-            </a:extLst>
-          </p:cNvPr>
-          <p:cNvSpPr>
-            <a:spLocks noGrp="1"/>
-          </p:cNvSpPr>
-          <p:nvPr>
-            <p:ph type="subTitle" idx="1"/>
-          </p:nvPr>
-        </p:nvSpPr>
-        <p:spPr>
-          <a:xfrm>
-            <a:off x="8653112" y="353159"/>
-            <a:ext cx="3190984" cy="898581"/>
-          </a:xfrm>
-        </p:spPr>
-        <p:txBody>
-          <a:bodyPr anchor="ctr">
-            <a:normAutofit lnSpcReduction="10000"/>
-          </a:bodyPr>
-          <a:lstStyle/>
-          <a:p>
-            <a:pPr algn="l"/>
-            <a:r>
-              <a:rPr lang="en-US" altLang="zh-CN" sz="1400" dirty="0">
-                <a:solidFill>
-                  <a:srgbClr val="FFFFFF"/>
-                </a:solidFill>
-              </a:rPr>
-              <a:t>Only cat and dog 2 classes</a:t>
-            </a:r>
-          </a:p>
-          <a:p>
-            <a:pPr algn="l"/>
-            <a:r>
-              <a:rPr lang="en-US" altLang="zh-CN" sz="1400" dirty="0">
-                <a:solidFill>
-                  <a:srgbClr val="FFFFFF"/>
-                </a:solidFill>
-              </a:rPr>
-              <a:t>Epoch 100</a:t>
-            </a:r>
-          </a:p>
-          <a:p>
-            <a:pPr algn="l"/>
-            <a:r>
-              <a:rPr lang="en-US" altLang="zh-CN" sz="1400" dirty="0">
-                <a:solidFill>
-                  <a:srgbClr val="FFFFFF"/>
-                </a:solidFill>
-              </a:rPr>
-              <a:t>Test Accuracy 64%</a:t>
-            </a:r>
-            <a:endParaRPr lang="zh-CN" altLang="en-US" sz="1400" dirty="0">
-              <a:solidFill>
-                <a:srgbClr val="FFFFFF"/>
-              </a:solidFill>
-            </a:endParaRPr>
-          </a:p>
-        </p:txBody>
-      </p:sp>
-      <p:pic>
-        <p:nvPicPr>
-          <p:cNvPr id="9" name="图片 8">
-            <a:extLst>
-              <a:ext uri="{FF2B5EF4-FFF2-40B4-BE49-F238E27FC236}">
-                <a16:creationId xmlns:a16="http://schemas.microsoft.com/office/drawing/2014/main" id="{08C657BA-ADC4-B061-076D-0DE6083E86BE}"/>
-              </a:ext>
-            </a:extLst>
-          </p:cNvPr>
-          <p:cNvPicPr>
-            <a:picLocks noChangeAspect="1"/>
-          </p:cNvPicPr>
-          <p:nvPr/>
-        </p:nvPicPr>
-        <p:blipFill>
-          <a:blip r:embed="rId2"/>
-          <a:stretch>
-            <a:fillRect/>
-          </a:stretch>
-        </p:blipFill>
-        <p:spPr>
-          <a:xfrm>
-            <a:off x="715748" y="2448502"/>
-            <a:ext cx="5131088" cy="3463484"/>
-          </a:xfrm>
-          <a:prstGeom prst="rect">
-            <a:avLst/>
-          </a:prstGeom>
-        </p:spPr>
-      </p:pic>
-      <p:pic>
-        <p:nvPicPr>
-          <p:cNvPr id="6" name="图片 5">
-            <a:extLst>
-              <a:ext uri="{FF2B5EF4-FFF2-40B4-BE49-F238E27FC236}">
-                <a16:creationId xmlns:a16="http://schemas.microsoft.com/office/drawing/2014/main" id="{2D6C0221-3C6E-D52B-047F-06C3C676AC38}"/>
-              </a:ext>
-            </a:extLst>
-          </p:cNvPr>
-          <p:cNvPicPr>
-            <a:picLocks noChangeAspect="1"/>
-          </p:cNvPicPr>
-          <p:nvPr/>
-        </p:nvPicPr>
-        <p:blipFill>
-          <a:blip r:embed="rId3"/>
-          <a:stretch>
-            <a:fillRect/>
-          </a:stretch>
-        </p:blipFill>
-        <p:spPr>
-          <a:xfrm>
-            <a:off x="6345165" y="2452919"/>
-            <a:ext cx="5131087" cy="3527622"/>
-          </a:xfrm>
-          <a:prstGeom prst="rect">
-            <a:avLst/>
-          </a:prstGeom>
-        </p:spPr>
-      </p:pic>
-    </p:spTree>
-    <p:extLst>
-      <p:ext uri="{BB962C8B-B14F-4D97-AF65-F5344CB8AC3E}">
-        <p14:creationId xmlns:p14="http://schemas.microsoft.com/office/powerpoint/2010/main" val="2864515275"/>
-      </p:ext>
-    </p:extLst>
-  </p:cSld>
-  <p:clrMapOvr>
-    <a:masterClrMapping/>
-  </p:clrMapOvr>
-</p:sld>
-</file>
-
-<file path=ppt/slides/slide11.xml><?xml version="1.0" encoding="utf-8"?>
-<p:sld xmlns:a="http://schemas.openxmlformats.org/drawingml/2006/main" xmlns:r="http://schemas.openxmlformats.org/officeDocument/2006/relationships" xmlns:p="http://schemas.openxmlformats.org/presentationml/2006/main">
-  <p:cSld>
-    <p:spTree>
-      <p:nvGrpSpPr>
-        <p:cNvPr id="1" name=""/>
-        <p:cNvGrpSpPr/>
-        <p:nvPr/>
-      </p:nvGrpSpPr>
-      <p:grpSpPr>
-        <a:xfrm>
-          <a:off x="0" y="0"/>
-          <a:ext cx="0" cy="0"/>
-          <a:chOff x="0" y="0"/>
-          <a:chExt cx="0" cy="0"/>
-        </a:xfrm>
-      </p:grpSpPr>
-      <p:sp useBgFill="1">
-        <p:nvSpPr>
           <p:cNvPr id="48" name="Rectangle 47">
             <a:extLst>
               <a:ext uri="{FF2B5EF4-FFF2-40B4-BE49-F238E27FC236}">
-                <a16:creationId xmlns:a16="http://schemas.microsoft.com/office/drawing/2014/main" id="{0288C6B4-AFC3-407F-A595-EFFD38D4CCAF}"/>
+                <a16:creationId xmlns:a16="http://schemas.microsoft.com/office/drawing/2014/main" id="{7709F580-F3D1-17AC-068B-2B87F6F650C6}"/>
               </a:ext>
               <a:ext uri="{C183D7F6-B498-43B3-948B-1728B52AA6E4}">
                 <adec:decorative xmlns:adec="http://schemas.microsoft.com/office/drawing/2017/decorative" val="1"/>
@@ -4616,7 +4026,7 @@
           <p:cNvPr id="50" name="Freeform: Shape 49">
             <a:extLst>
               <a:ext uri="{FF2B5EF4-FFF2-40B4-BE49-F238E27FC236}">
-                <a16:creationId xmlns:a16="http://schemas.microsoft.com/office/drawing/2014/main" id="{CF236821-17FE-429B-8D2C-08E13A64EA40}"/>
+                <a16:creationId xmlns:a16="http://schemas.microsoft.com/office/drawing/2014/main" id="{2323DACB-0C35-09C3-0822-B846CFA96F4A}"/>
               </a:ext>
               <a:ext uri="{C183D7F6-B498-43B3-948B-1728B52AA6E4}">
                 <adec:decorative xmlns:adec="http://schemas.microsoft.com/office/drawing/2017/decorative" val="1"/>
@@ -4788,7 +4198,7 @@
           <p:cNvPr id="52" name="Freeform: Shape 51">
             <a:extLst>
               <a:ext uri="{FF2B5EF4-FFF2-40B4-BE49-F238E27FC236}">
-                <a16:creationId xmlns:a16="http://schemas.microsoft.com/office/drawing/2014/main" id="{C0BDBCD2-E081-43AB-9119-C55465E59757}"/>
+                <a16:creationId xmlns:a16="http://schemas.microsoft.com/office/drawing/2014/main" id="{F1771746-DA11-69DC-13F8-42C2DBC55008}"/>
               </a:ext>
               <a:ext uri="{C183D7F6-B498-43B3-948B-1728B52AA6E4}">
                 <adec:decorative xmlns:adec="http://schemas.microsoft.com/office/drawing/2017/decorative" val="1"/>
@@ -4951,7 +4361,7 @@
           <p:cNvPr id="2" name="标题 1">
             <a:extLst>
               <a:ext uri="{FF2B5EF4-FFF2-40B4-BE49-F238E27FC236}">
-                <a16:creationId xmlns:a16="http://schemas.microsoft.com/office/drawing/2014/main" id="{29AA0371-B733-24B0-D256-A3ECEB1B126D}"/>
+                <a16:creationId xmlns:a16="http://schemas.microsoft.com/office/drawing/2014/main" id="{EC623855-6A89-414C-42DD-CB73618BDCB9}"/>
               </a:ext>
             </a:extLst>
           </p:cNvPr>
@@ -4991,7 +4401,7 @@
           <p:cNvPr id="54" name="Rectangle 53">
             <a:extLst>
               <a:ext uri="{FF2B5EF4-FFF2-40B4-BE49-F238E27FC236}">
-                <a16:creationId xmlns:a16="http://schemas.microsoft.com/office/drawing/2014/main" id="{98E79BE4-34FE-485A-98A5-92CE8F7C4743}"/>
+                <a16:creationId xmlns:a16="http://schemas.microsoft.com/office/drawing/2014/main" id="{686FBB3D-7BD2-8613-574C-5B7840BCADA6}"/>
               </a:ext>
               <a:ext uri="{C183D7F6-B498-43B3-948B-1728B52AA6E4}">
                 <adec:decorative xmlns:adec="http://schemas.microsoft.com/office/drawing/2017/decorative" val="1"/>
@@ -5059,7 +4469,7 @@
           <p:cNvPr id="56" name="Rectangle 55">
             <a:extLst>
               <a:ext uri="{FF2B5EF4-FFF2-40B4-BE49-F238E27FC236}">
-                <a16:creationId xmlns:a16="http://schemas.microsoft.com/office/drawing/2014/main" id="{7A5F0580-5EE9-419F-96EE-B6529EF6E7D0}"/>
+                <a16:creationId xmlns:a16="http://schemas.microsoft.com/office/drawing/2014/main" id="{D6E05BD4-357B-7CD6-D488-2A08164B33EE}"/>
               </a:ext>
               <a:ext uri="{C183D7F6-B498-43B3-948B-1728B52AA6E4}">
                 <adec:decorative xmlns:adec="http://schemas.microsoft.com/office/drawing/2017/decorative" val="1"/>
@@ -5147,44 +4557,12 @@
           </a:p>
         </p:txBody>
       </p:sp>
-      <p:pic>
-        <p:nvPicPr>
-          <p:cNvPr id="5" name="内容占位符 4">
-            <a:extLst>
-              <a:ext uri="{FF2B5EF4-FFF2-40B4-BE49-F238E27FC236}">
-                <a16:creationId xmlns:a16="http://schemas.microsoft.com/office/drawing/2014/main" id="{8D7F1EA4-F2ED-57AC-0A2F-3F0853E27399}"/>
-              </a:ext>
-            </a:extLst>
-          </p:cNvPr>
-          <p:cNvPicPr>
-            <a:picLocks noGrp="1" noChangeAspect="1"/>
-          </p:cNvPicPr>
-          <p:nvPr>
-            <p:ph idx="1"/>
-          </p:nvPr>
-        </p:nvPicPr>
-        <p:blipFill>
-          <a:blip r:embed="rId2"/>
-          <a:stretch>
-            <a:fillRect/>
-          </a:stretch>
-        </p:blipFill>
-        <p:spPr>
-          <a:xfrm>
-            <a:off x="4583551" y="1426546"/>
-            <a:ext cx="6922008" cy="3694094"/>
-          </a:xfrm>
-          <a:prstGeom prst="rect">
-            <a:avLst/>
-          </a:prstGeom>
-        </p:spPr>
-      </p:pic>
       <p:sp>
         <p:nvSpPr>
           <p:cNvPr id="6" name="文本框 5">
             <a:extLst>
               <a:ext uri="{FF2B5EF4-FFF2-40B4-BE49-F238E27FC236}">
-                <a16:creationId xmlns:a16="http://schemas.microsoft.com/office/drawing/2014/main" id="{4212D346-61CA-F38B-88B1-695A63123413}"/>
+                <a16:creationId xmlns:a16="http://schemas.microsoft.com/office/drawing/2014/main" id="{3ECE0E0C-B346-65DB-16A4-BB14A8F79C9D}"/>
               </a:ext>
             </a:extLst>
           </p:cNvPr>
@@ -5269,12 +4647,20 @@
               <a:buChar char="•"/>
             </a:pPr>
             <a:r>
-              <a:rPr lang="en-US" altLang="zh-CN" sz="1700" dirty="0" err="1"/>
+              <a:rPr lang="en-US" altLang="zh-CN" sz="1700" dirty="0" err="1">
+                <a:solidFill>
+                  <a:srgbClr val="FF0000"/>
+                </a:solidFill>
+              </a:rPr>
               <a:t>Patch_size</a:t>
             </a:r>
             <a:r>
-              <a:rPr lang="en-US" altLang="zh-CN" sz="1700" dirty="0"/>
-              <a:t> = 8</a:t>
+              <a:rPr lang="en-US" altLang="zh-CN" sz="1700" dirty="0">
+                <a:solidFill>
+                  <a:srgbClr val="FF0000"/>
+                </a:solidFill>
+              </a:rPr>
+              <a:t> = 4</a:t>
             </a:r>
           </a:p>
           <a:p>
@@ -5383,8 +4769,12 @@
               <a:buChar char="•"/>
             </a:pPr>
             <a:r>
-              <a:rPr lang="en-US" altLang="zh-CN" sz="1700" dirty="0"/>
-              <a:t>Test accuracy = 60.4%</a:t>
+              <a:rPr lang="en-US" altLang="zh-CN" sz="1700" dirty="0">
+                <a:solidFill>
+                  <a:srgbClr val="FF0000"/>
+                </a:solidFill>
+              </a:rPr>
+              <a:t>Test accuracy = 67.62%</a:t>
             </a:r>
           </a:p>
           <a:p>
@@ -5399,8 +4789,12 @@
               <a:buChar char="•"/>
             </a:pPr>
             <a:r>
-              <a:rPr lang="en-US" altLang="zh-CN" sz="1700" dirty="0"/>
-              <a:t>Time Cost: 45min</a:t>
+              <a:rPr lang="en-US" altLang="zh-CN" sz="1700" dirty="0">
+                <a:solidFill>
+                  <a:srgbClr val="FF0000"/>
+                </a:solidFill>
+              </a:rPr>
+              <a:t>Time Cost: 70min</a:t>
             </a:r>
           </a:p>
           <a:p>
@@ -5418,10 +4812,76 @@
           </a:p>
         </p:txBody>
       </p:sp>
+      <p:pic>
+        <p:nvPicPr>
+          <p:cNvPr id="8" name="图片 7">
+            <a:extLst>
+              <a:ext uri="{FF2B5EF4-FFF2-40B4-BE49-F238E27FC236}">
+                <a16:creationId xmlns:a16="http://schemas.microsoft.com/office/drawing/2014/main" id="{3106F736-76A3-DF61-F4EF-0D51EBEC382C}"/>
+              </a:ext>
+            </a:extLst>
+          </p:cNvPr>
+          <p:cNvPicPr>
+            <a:picLocks noChangeAspect="1"/>
+          </p:cNvPicPr>
+          <p:nvPr/>
+        </p:nvPicPr>
+        <p:blipFill>
+          <a:blip r:embed="rId2"/>
+          <a:stretch>
+            <a:fillRect/>
+          </a:stretch>
+        </p:blipFill>
+        <p:spPr>
+          <a:xfrm>
+            <a:off x="4618563" y="1229218"/>
+            <a:ext cx="7099606" cy="4399564"/>
+          </a:xfrm>
+          <a:prstGeom prst="rect">
+            <a:avLst/>
+          </a:prstGeom>
+        </p:spPr>
+      </p:pic>
+      <p:sp>
+        <p:nvSpPr>
+          <p:cNvPr id="9" name="文本框 8">
+            <a:extLst>
+              <a:ext uri="{FF2B5EF4-FFF2-40B4-BE49-F238E27FC236}">
+                <a16:creationId xmlns:a16="http://schemas.microsoft.com/office/drawing/2014/main" id="{655C8516-915C-FEE6-7F3E-6C58E7FDCFCF}"/>
+              </a:ext>
+            </a:extLst>
+          </p:cNvPr>
+          <p:cNvSpPr txBox="1"/>
+          <p:nvPr/>
+        </p:nvSpPr>
+        <p:spPr>
+          <a:xfrm>
+            <a:off x="4359564" y="5874327"/>
+            <a:ext cx="6927272" cy="369332"/>
+          </a:xfrm>
+          <a:prstGeom prst="rect">
+            <a:avLst/>
+          </a:prstGeom>
+          <a:noFill/>
+        </p:spPr>
+        <p:txBody>
+          <a:bodyPr wrap="square" rtlCol="0">
+            <a:spAutoFit/>
+          </a:bodyPr>
+          <a:lstStyle/>
+          <a:p>
+            <a:r>
+              <a:rPr lang="en-US" altLang="zh-CN" dirty="0"/>
+              <a:t>Higher accuracy than patch size = 8 !</a:t>
+            </a:r>
+            <a:endParaRPr lang="zh-CN" altLang="en-US" dirty="0"/>
+          </a:p>
+        </p:txBody>
+      </p:sp>
     </p:spTree>
     <p:extLst>
       <p:ext uri="{BB962C8B-B14F-4D97-AF65-F5344CB8AC3E}">
-        <p14:creationId xmlns:p14="http://schemas.microsoft.com/office/powerpoint/2010/main" val="4288859127"/>
+        <p14:creationId xmlns:p14="http://schemas.microsoft.com/office/powerpoint/2010/main" val="2598937459"/>
       </p:ext>
     </p:extLst>
   </p:cSld>
@@ -5431,7 +4891,7 @@
 </p:sld>
 </file>
 
-<file path=ppt/slides/slide12.xml><?xml version="1.0" encoding="utf-8"?>
+<file path=ppt/slides/slide11.xml><?xml version="1.0" encoding="utf-8"?>
 <p:sld xmlns:a="http://schemas.openxmlformats.org/drawingml/2006/main" xmlns:r="http://schemas.openxmlformats.org/officeDocument/2006/relationships" xmlns:p="http://schemas.openxmlformats.org/presentationml/2006/main">
   <p:cSld>
     <p:spTree>
@@ -5439,7 +4899,7 @@
         <p:cNvPr id="1" name="">
           <a:extLst>
             <a:ext uri="{FF2B5EF4-FFF2-40B4-BE49-F238E27FC236}">
-              <a16:creationId xmlns:a16="http://schemas.microsoft.com/office/drawing/2014/main" id="{361E379E-1E3B-1A99-3C59-6C4008B70EA2}"/>
+              <a16:creationId xmlns:a16="http://schemas.microsoft.com/office/drawing/2014/main" id="{ED0B4C58-263C-590B-1FB1-9259A7686A92}"/>
             </a:ext>
           </a:extLst>
         </p:cNvPr>
@@ -5459,7 +4919,7 @@
           <p:cNvPr id="48" name="Rectangle 47">
             <a:extLst>
               <a:ext uri="{FF2B5EF4-FFF2-40B4-BE49-F238E27FC236}">
-                <a16:creationId xmlns:a16="http://schemas.microsoft.com/office/drawing/2014/main" id="{7709F580-F3D1-17AC-068B-2B87F6F650C6}"/>
+                <a16:creationId xmlns:a16="http://schemas.microsoft.com/office/drawing/2014/main" id="{F60A35E3-E733-DD57-486A-3C35C2B00362}"/>
               </a:ext>
               <a:ext uri="{C183D7F6-B498-43B3-948B-1728B52AA6E4}">
                 <adec:decorative xmlns:adec="http://schemas.microsoft.com/office/drawing/2017/decorative" val="1"/>
@@ -5519,7 +4979,7 @@
           <p:cNvPr id="50" name="Freeform: Shape 49">
             <a:extLst>
               <a:ext uri="{FF2B5EF4-FFF2-40B4-BE49-F238E27FC236}">
-                <a16:creationId xmlns:a16="http://schemas.microsoft.com/office/drawing/2014/main" id="{2323DACB-0C35-09C3-0822-B846CFA96F4A}"/>
+                <a16:creationId xmlns:a16="http://schemas.microsoft.com/office/drawing/2014/main" id="{6AD697FF-EE4F-B986-D0D7-B4B3A25B2679}"/>
               </a:ext>
               <a:ext uri="{C183D7F6-B498-43B3-948B-1728B52AA6E4}">
                 <adec:decorative xmlns:adec="http://schemas.microsoft.com/office/drawing/2017/decorative" val="1"/>
@@ -5691,7 +5151,7 @@
           <p:cNvPr id="52" name="Freeform: Shape 51">
             <a:extLst>
               <a:ext uri="{FF2B5EF4-FFF2-40B4-BE49-F238E27FC236}">
-                <a16:creationId xmlns:a16="http://schemas.microsoft.com/office/drawing/2014/main" id="{F1771746-DA11-69DC-13F8-42C2DBC55008}"/>
+                <a16:creationId xmlns:a16="http://schemas.microsoft.com/office/drawing/2014/main" id="{1F9506FB-6BAC-7A9F-B903-83E77C2085E2}"/>
               </a:ext>
               <a:ext uri="{C183D7F6-B498-43B3-948B-1728B52AA6E4}">
                 <adec:decorative xmlns:adec="http://schemas.microsoft.com/office/drawing/2017/decorative" val="1"/>
@@ -5854,7 +5314,7 @@
           <p:cNvPr id="2" name="标题 1">
             <a:extLst>
               <a:ext uri="{FF2B5EF4-FFF2-40B4-BE49-F238E27FC236}">
-                <a16:creationId xmlns:a16="http://schemas.microsoft.com/office/drawing/2014/main" id="{EC623855-6A89-414C-42DD-CB73618BDCB9}"/>
+                <a16:creationId xmlns:a16="http://schemas.microsoft.com/office/drawing/2014/main" id="{8A559BD5-5E26-12BC-E7F5-E5310F3BE355}"/>
               </a:ext>
             </a:extLst>
           </p:cNvPr>
@@ -5894,7 +5354,7 @@
           <p:cNvPr id="54" name="Rectangle 53">
             <a:extLst>
               <a:ext uri="{FF2B5EF4-FFF2-40B4-BE49-F238E27FC236}">
-                <a16:creationId xmlns:a16="http://schemas.microsoft.com/office/drawing/2014/main" id="{686FBB3D-7BD2-8613-574C-5B7840BCADA6}"/>
+                <a16:creationId xmlns:a16="http://schemas.microsoft.com/office/drawing/2014/main" id="{915BDC0B-5578-DE1D-F097-A658D49B1B02}"/>
               </a:ext>
               <a:ext uri="{C183D7F6-B498-43B3-948B-1728B52AA6E4}">
                 <adec:decorative xmlns:adec="http://schemas.microsoft.com/office/drawing/2017/decorative" val="1"/>
@@ -5962,7 +5422,7 @@
           <p:cNvPr id="56" name="Rectangle 55">
             <a:extLst>
               <a:ext uri="{FF2B5EF4-FFF2-40B4-BE49-F238E27FC236}">
-                <a16:creationId xmlns:a16="http://schemas.microsoft.com/office/drawing/2014/main" id="{D6E05BD4-357B-7CD6-D488-2A08164B33EE}"/>
+                <a16:creationId xmlns:a16="http://schemas.microsoft.com/office/drawing/2014/main" id="{06937139-E3E5-912C-846F-9C5D81BAE8A1}"/>
               </a:ext>
               <a:ext uri="{C183D7F6-B498-43B3-948B-1728B52AA6E4}">
                 <adec:decorative xmlns:adec="http://schemas.microsoft.com/office/drawing/2017/decorative" val="1"/>
@@ -6055,7 +5515,7 @@
           <p:cNvPr id="6" name="文本框 5">
             <a:extLst>
               <a:ext uri="{FF2B5EF4-FFF2-40B4-BE49-F238E27FC236}">
-                <a16:creationId xmlns:a16="http://schemas.microsoft.com/office/drawing/2014/main" id="{3ECE0E0C-B346-65DB-16A4-BB14A8F79C9D}"/>
+                <a16:creationId xmlns:a16="http://schemas.microsoft.com/office/drawing/2014/main" id="{0F76B74D-10DE-ACD6-FBC2-11C651D132AE}"/>
               </a:ext>
             </a:extLst>
           </p:cNvPr>
@@ -6140,20 +5600,12 @@
               <a:buChar char="•"/>
             </a:pPr>
             <a:r>
-              <a:rPr lang="en-US" altLang="zh-CN" sz="1700" dirty="0" err="1">
-                <a:solidFill>
-                  <a:srgbClr val="FF0000"/>
-                </a:solidFill>
-              </a:rPr>
+              <a:rPr lang="en-US" altLang="zh-CN" sz="1700" dirty="0" err="1"/>
               <a:t>Patch_size</a:t>
             </a:r>
             <a:r>
-              <a:rPr lang="en-US" altLang="zh-CN" sz="1700" dirty="0">
-                <a:solidFill>
-                  <a:srgbClr val="FF0000"/>
-                </a:solidFill>
-              </a:rPr>
-              <a:t> = 4</a:t>
+              <a:rPr lang="en-US" altLang="zh-CN" sz="1700" dirty="0"/>
+              <a:t> = 8</a:t>
             </a:r>
           </a:p>
           <a:p>
@@ -6168,8 +5620,12 @@
               <a:buChar char="•"/>
             </a:pPr>
             <a:r>
-              <a:rPr lang="en-US" altLang="zh-CN" sz="1700" dirty="0"/>
-              <a:t>Dim = 128</a:t>
+              <a:rPr lang="en-US" altLang="zh-CN" sz="1700" dirty="0">
+                <a:solidFill>
+                  <a:srgbClr val="FF0000"/>
+                </a:solidFill>
+              </a:rPr>
+              <a:t>Dim = 256</a:t>
             </a:r>
           </a:p>
           <a:p>
@@ -6216,12 +5672,20 @@
               <a:buChar char="•"/>
             </a:pPr>
             <a:r>
-              <a:rPr lang="en-US" altLang="zh-CN" sz="1700" dirty="0" err="1"/>
+              <a:rPr lang="en-US" altLang="zh-CN" sz="1700" dirty="0" err="1">
+                <a:solidFill>
+                  <a:srgbClr val="FF0000"/>
+                </a:solidFill>
+              </a:rPr>
               <a:t>Mlp_dim</a:t>
             </a:r>
             <a:r>
-              <a:rPr lang="en-US" altLang="zh-CN" sz="1700" dirty="0"/>
-              <a:t> = 256</a:t>
+              <a:rPr lang="en-US" altLang="zh-CN" sz="1700" dirty="0">
+                <a:solidFill>
+                  <a:srgbClr val="FF0000"/>
+                </a:solidFill>
+              </a:rPr>
+              <a:t> = 512</a:t>
             </a:r>
           </a:p>
           <a:p>
@@ -6262,12 +5726,8 @@
               <a:buChar char="•"/>
             </a:pPr>
             <a:r>
-              <a:rPr lang="en-US" altLang="zh-CN" sz="1700" dirty="0">
-                <a:solidFill>
-                  <a:srgbClr val="FF0000"/>
-                </a:solidFill>
-              </a:rPr>
-              <a:t>Test accuracy = 67.62%</a:t>
+              <a:rPr lang="en-US" altLang="zh-CN" sz="1700" dirty="0"/>
+              <a:t>Test accuracy = 53.2%</a:t>
             </a:r>
           </a:p>
           <a:p>
@@ -6282,12 +5742,8 @@
               <a:buChar char="•"/>
             </a:pPr>
             <a:r>
-              <a:rPr lang="en-US" altLang="zh-CN" sz="1700" dirty="0">
-                <a:solidFill>
-                  <a:srgbClr val="FF0000"/>
-                </a:solidFill>
-              </a:rPr>
-              <a:t>Time Cost: 70min</a:t>
+              <a:rPr lang="en-US" altLang="zh-CN" sz="1700" dirty="0"/>
+              <a:t>Time Cost: 80min</a:t>
             </a:r>
           </a:p>
           <a:p>
@@ -6310,7 +5766,7 @@
           <p:cNvPr id="8" name="图片 7">
             <a:extLst>
               <a:ext uri="{FF2B5EF4-FFF2-40B4-BE49-F238E27FC236}">
-                <a16:creationId xmlns:a16="http://schemas.microsoft.com/office/drawing/2014/main" id="{3106F736-76A3-DF61-F4EF-0D51EBEC382C}"/>
+                <a16:creationId xmlns:a16="http://schemas.microsoft.com/office/drawing/2014/main" id="{2F70E86E-6080-136C-8FAF-BCD71151DBC4}"/>
               </a:ext>
             </a:extLst>
           </p:cNvPr>
@@ -6327,54 +5783,18 @@
         </p:blipFill>
         <p:spPr>
           <a:xfrm>
-            <a:off x="4618563" y="1229218"/>
-            <a:ext cx="7099606" cy="4399564"/>
+            <a:off x="4553527" y="1161288"/>
+            <a:ext cx="7012998" cy="4315691"/>
           </a:xfrm>
           <a:prstGeom prst="rect">
             <a:avLst/>
           </a:prstGeom>
         </p:spPr>
       </p:pic>
-      <p:sp>
-        <p:nvSpPr>
-          <p:cNvPr id="9" name="文本框 8">
-            <a:extLst>
-              <a:ext uri="{FF2B5EF4-FFF2-40B4-BE49-F238E27FC236}">
-                <a16:creationId xmlns:a16="http://schemas.microsoft.com/office/drawing/2014/main" id="{655C8516-915C-FEE6-7F3E-6C58E7FDCFCF}"/>
-              </a:ext>
-            </a:extLst>
-          </p:cNvPr>
-          <p:cNvSpPr txBox="1"/>
-          <p:nvPr/>
-        </p:nvSpPr>
-        <p:spPr>
-          <a:xfrm>
-            <a:off x="4359564" y="5874327"/>
-            <a:ext cx="6927272" cy="369332"/>
-          </a:xfrm>
-          <a:prstGeom prst="rect">
-            <a:avLst/>
-          </a:prstGeom>
-          <a:noFill/>
-        </p:spPr>
-        <p:txBody>
-          <a:bodyPr wrap="square" rtlCol="0">
-            <a:spAutoFit/>
-          </a:bodyPr>
-          <a:lstStyle/>
-          <a:p>
-            <a:r>
-              <a:rPr lang="en-US" altLang="zh-CN" dirty="0"/>
-              <a:t>Higher accuracy than patch size = 8 !</a:t>
-            </a:r>
-            <a:endParaRPr lang="zh-CN" altLang="en-US" dirty="0"/>
-          </a:p>
-        </p:txBody>
-      </p:sp>
     </p:spTree>
     <p:extLst>
       <p:ext uri="{BB962C8B-B14F-4D97-AF65-F5344CB8AC3E}">
-        <p14:creationId xmlns:p14="http://schemas.microsoft.com/office/powerpoint/2010/main" val="2598937459"/>
+        <p14:creationId xmlns:p14="http://schemas.microsoft.com/office/powerpoint/2010/main" val="2295221805"/>
       </p:ext>
     </p:extLst>
   </p:cSld>
@@ -6384,7 +5804,7 @@
 </p:sld>
 </file>
 
-<file path=ppt/slides/slide13.xml><?xml version="1.0" encoding="utf-8"?>
+<file path=ppt/slides/slide12.xml><?xml version="1.0" encoding="utf-8"?>
 <p:sld xmlns:a="http://schemas.openxmlformats.org/drawingml/2006/main" xmlns:r="http://schemas.openxmlformats.org/officeDocument/2006/relationships" xmlns:p="http://schemas.openxmlformats.org/presentationml/2006/main">
   <p:cSld>
     <p:spTree>
@@ -6392,7 +5812,7 @@
         <p:cNvPr id="1" name="">
           <a:extLst>
             <a:ext uri="{FF2B5EF4-FFF2-40B4-BE49-F238E27FC236}">
-              <a16:creationId xmlns:a16="http://schemas.microsoft.com/office/drawing/2014/main" id="{ED0B4C58-263C-590B-1FB1-9259A7686A92}"/>
+              <a16:creationId xmlns:a16="http://schemas.microsoft.com/office/drawing/2014/main" id="{531E40D2-3E5F-10C3-F68B-9B5302E28A08}"/>
             </a:ext>
           </a:extLst>
         </p:cNvPr>
@@ -6412,7 +5832,7 @@
           <p:cNvPr id="48" name="Rectangle 47">
             <a:extLst>
               <a:ext uri="{FF2B5EF4-FFF2-40B4-BE49-F238E27FC236}">
-                <a16:creationId xmlns:a16="http://schemas.microsoft.com/office/drawing/2014/main" id="{F60A35E3-E733-DD57-486A-3C35C2B00362}"/>
+                <a16:creationId xmlns:a16="http://schemas.microsoft.com/office/drawing/2014/main" id="{12C8BFC0-A260-D233-E14B-460EA7CAD1ED}"/>
               </a:ext>
               <a:ext uri="{C183D7F6-B498-43B3-948B-1728B52AA6E4}">
                 <adec:decorative xmlns:adec="http://schemas.microsoft.com/office/drawing/2017/decorative" val="1"/>
@@ -6472,7 +5892,7 @@
           <p:cNvPr id="50" name="Freeform: Shape 49">
             <a:extLst>
               <a:ext uri="{FF2B5EF4-FFF2-40B4-BE49-F238E27FC236}">
-                <a16:creationId xmlns:a16="http://schemas.microsoft.com/office/drawing/2014/main" id="{6AD697FF-EE4F-B986-D0D7-B4B3A25B2679}"/>
+                <a16:creationId xmlns:a16="http://schemas.microsoft.com/office/drawing/2014/main" id="{7D70764D-C9BB-2F8E-80DC-3129AB07CADB}"/>
               </a:ext>
               <a:ext uri="{C183D7F6-B498-43B3-948B-1728B52AA6E4}">
                 <adec:decorative xmlns:adec="http://schemas.microsoft.com/office/drawing/2017/decorative" val="1"/>
@@ -6644,7 +6064,7 @@
           <p:cNvPr id="52" name="Freeform: Shape 51">
             <a:extLst>
               <a:ext uri="{FF2B5EF4-FFF2-40B4-BE49-F238E27FC236}">
-                <a16:creationId xmlns:a16="http://schemas.microsoft.com/office/drawing/2014/main" id="{1F9506FB-6BAC-7A9F-B903-83E77C2085E2}"/>
+                <a16:creationId xmlns:a16="http://schemas.microsoft.com/office/drawing/2014/main" id="{B33D2109-E86E-D1F5-C4B9-1A82FEA36AE5}"/>
               </a:ext>
               <a:ext uri="{C183D7F6-B498-43B3-948B-1728B52AA6E4}">
                 <adec:decorative xmlns:adec="http://schemas.microsoft.com/office/drawing/2017/decorative" val="1"/>
@@ -6807,7 +6227,7 @@
           <p:cNvPr id="2" name="标题 1">
             <a:extLst>
               <a:ext uri="{FF2B5EF4-FFF2-40B4-BE49-F238E27FC236}">
-                <a16:creationId xmlns:a16="http://schemas.microsoft.com/office/drawing/2014/main" id="{8A559BD5-5E26-12BC-E7F5-E5310F3BE355}"/>
+                <a16:creationId xmlns:a16="http://schemas.microsoft.com/office/drawing/2014/main" id="{EDF5BCD0-E480-43A6-CACB-1E6A62F56B3B}"/>
               </a:ext>
             </a:extLst>
           </p:cNvPr>
@@ -6847,7 +6267,7 @@
           <p:cNvPr id="54" name="Rectangle 53">
             <a:extLst>
               <a:ext uri="{FF2B5EF4-FFF2-40B4-BE49-F238E27FC236}">
-                <a16:creationId xmlns:a16="http://schemas.microsoft.com/office/drawing/2014/main" id="{915BDC0B-5578-DE1D-F097-A658D49B1B02}"/>
+                <a16:creationId xmlns:a16="http://schemas.microsoft.com/office/drawing/2014/main" id="{D9F3D19A-0A76-55A0-AC69-77BB40615643}"/>
               </a:ext>
               <a:ext uri="{C183D7F6-B498-43B3-948B-1728B52AA6E4}">
                 <adec:decorative xmlns:adec="http://schemas.microsoft.com/office/drawing/2017/decorative" val="1"/>
@@ -6915,7 +6335,7 @@
           <p:cNvPr id="56" name="Rectangle 55">
             <a:extLst>
               <a:ext uri="{FF2B5EF4-FFF2-40B4-BE49-F238E27FC236}">
-                <a16:creationId xmlns:a16="http://schemas.microsoft.com/office/drawing/2014/main" id="{06937139-E3E5-912C-846F-9C5D81BAE8A1}"/>
+                <a16:creationId xmlns:a16="http://schemas.microsoft.com/office/drawing/2014/main" id="{85059E94-3933-FED8-C42D-6841819ADE8F}"/>
               </a:ext>
               <a:ext uri="{C183D7F6-B498-43B3-948B-1728B52AA6E4}">
                 <adec:decorative xmlns:adec="http://schemas.microsoft.com/office/drawing/2017/decorative" val="1"/>
@@ -7008,7 +6428,7 @@
           <p:cNvPr id="6" name="文本框 5">
             <a:extLst>
               <a:ext uri="{FF2B5EF4-FFF2-40B4-BE49-F238E27FC236}">
-                <a16:creationId xmlns:a16="http://schemas.microsoft.com/office/drawing/2014/main" id="{0F76B74D-10DE-ACD6-FBC2-11C651D132AE}"/>
+                <a16:creationId xmlns:a16="http://schemas.microsoft.com/office/drawing/2014/main" id="{3BF3DC7A-B9F3-4B68-1EDA-964D789CA023}"/>
               </a:ext>
             </a:extLst>
           </p:cNvPr>
@@ -7018,7 +6438,7 @@
         <p:spPr>
           <a:xfrm>
             <a:off x="371094" y="2718054"/>
-            <a:ext cx="3438906" cy="4076501"/>
+            <a:ext cx="3438906" cy="3764107"/>
           </a:xfrm>
           <a:prstGeom prst="rect">
             <a:avLst/>
@@ -7113,12 +6533,8 @@
               <a:buChar char="•"/>
             </a:pPr>
             <a:r>
-              <a:rPr lang="en-US" altLang="zh-CN" sz="1700" dirty="0">
-                <a:solidFill>
-                  <a:srgbClr val="FF0000"/>
-                </a:solidFill>
-              </a:rPr>
-              <a:t>Dim = 256</a:t>
+              <a:rPr lang="en-US" altLang="zh-CN" sz="1700" dirty="0"/>
+              <a:t>Dim = 128</a:t>
             </a:r>
           </a:p>
           <a:p>
@@ -7133,8 +6549,12 @@
               <a:buChar char="•"/>
             </a:pPr>
             <a:r>
-              <a:rPr lang="en-US" altLang="zh-CN" sz="1700" dirty="0"/>
-              <a:t>Depth = 12</a:t>
+              <a:rPr lang="en-US" altLang="zh-CN" sz="1700" dirty="0">
+                <a:solidFill>
+                  <a:srgbClr val="FF0000"/>
+                </a:solidFill>
+              </a:rPr>
+              <a:t>Depth = 24</a:t>
             </a:r>
           </a:p>
           <a:p>
@@ -7165,20 +6585,12 @@
               <a:buChar char="•"/>
             </a:pPr>
             <a:r>
-              <a:rPr lang="en-US" altLang="zh-CN" sz="1700" dirty="0" err="1">
-                <a:solidFill>
-                  <a:srgbClr val="FF0000"/>
-                </a:solidFill>
-              </a:rPr>
+              <a:rPr lang="en-US" altLang="zh-CN" sz="1700" dirty="0" err="1"/>
               <a:t>Mlp_dim</a:t>
             </a:r>
             <a:r>
-              <a:rPr lang="en-US" altLang="zh-CN" sz="1700" dirty="0">
-                <a:solidFill>
-                  <a:srgbClr val="FF0000"/>
-                </a:solidFill>
-              </a:rPr>
-              <a:t> = 512</a:t>
+              <a:rPr lang="en-US" altLang="zh-CN" sz="1700" dirty="0"/>
+              <a:t> = 256</a:t>
             </a:r>
           </a:p>
           <a:p>
@@ -7220,7 +6632,15 @@
             </a:pPr>
             <a:r>
               <a:rPr lang="en-US" altLang="zh-CN" sz="1700" dirty="0"/>
-              <a:t>Test accuracy = 53.2%</a:t>
+              <a:t>Test accuracy = </a:t>
+            </a:r>
+            <a:r>
+              <a:rPr lang="en-US" altLang="zh-CN" sz="1700" dirty="0">
+                <a:solidFill>
+                  <a:srgbClr val="FF0000"/>
+                </a:solidFill>
+              </a:rPr>
+              <a:t>61.37%</a:t>
             </a:r>
           </a:p>
           <a:p>
@@ -7236,30 +6656,17 @@
             </a:pPr>
             <a:r>
               <a:rPr lang="en-US" altLang="zh-CN" sz="1700" dirty="0"/>
-              <a:t>Time Cost: 80min</a:t>
-            </a:r>
-          </a:p>
-          <a:p>
-            <a:pPr indent="-228600">
-              <a:lnSpc>
-                <a:spcPct val="90000"/>
-              </a:lnSpc>
-              <a:spcAft>
-                <a:spcPts val="600"/>
-              </a:spcAft>
-              <a:buFont typeface="Arial" panose="020B0604020202020204" pitchFamily="34" charset="0"/>
-              <a:buChar char="•"/>
-            </a:pPr>
-            <a:endParaRPr lang="en-US" altLang="zh-CN" sz="1700" dirty="0"/>
+              <a:t>Time Cost = 60min</a:t>
+            </a:r>
           </a:p>
         </p:txBody>
       </p:sp>
       <p:pic>
         <p:nvPicPr>
-          <p:cNvPr id="8" name="图片 7">
-            <a:extLst>
-              <a:ext uri="{FF2B5EF4-FFF2-40B4-BE49-F238E27FC236}">
-                <a16:creationId xmlns:a16="http://schemas.microsoft.com/office/drawing/2014/main" id="{2F70E86E-6080-136C-8FAF-BCD71151DBC4}"/>
+          <p:cNvPr id="4" name="图片 3">
+            <a:extLst>
+              <a:ext uri="{FF2B5EF4-FFF2-40B4-BE49-F238E27FC236}">
+                <a16:creationId xmlns:a16="http://schemas.microsoft.com/office/drawing/2014/main" id="{233BB4E5-42EF-FC35-9230-59DA4CD35B43}"/>
               </a:ext>
             </a:extLst>
           </p:cNvPr>
@@ -7269,15 +6676,15 @@
           <p:nvPr/>
         </p:nvPicPr>
         <p:blipFill>
-          <a:blip r:embed="rId2"/>
+          <a:blip r:embed="rId3"/>
           <a:stretch>
             <a:fillRect/>
           </a:stretch>
         </p:blipFill>
         <p:spPr>
           <a:xfrm>
-            <a:off x="4553527" y="1161288"/>
-            <a:ext cx="7012998" cy="4315691"/>
+            <a:off x="4205131" y="1129532"/>
+            <a:ext cx="7432874" cy="4598935"/>
           </a:xfrm>
           <a:prstGeom prst="rect">
             <a:avLst/>
@@ -7287,7 +6694,7 @@
     </p:spTree>
     <p:extLst>
       <p:ext uri="{BB962C8B-B14F-4D97-AF65-F5344CB8AC3E}">
-        <p14:creationId xmlns:p14="http://schemas.microsoft.com/office/powerpoint/2010/main" val="2295221805"/>
+        <p14:creationId xmlns:p14="http://schemas.microsoft.com/office/powerpoint/2010/main" val="753108182"/>
       </p:ext>
     </p:extLst>
   </p:cSld>
@@ -7297,7 +6704,7 @@
 </p:sld>
 </file>
 
-<file path=ppt/slides/slide14.xml><?xml version="1.0" encoding="utf-8"?>
+<file path=ppt/slides/slide13.xml><?xml version="1.0" encoding="utf-8"?>
 <p:sld xmlns:a="http://schemas.openxmlformats.org/drawingml/2006/main" xmlns:r="http://schemas.openxmlformats.org/officeDocument/2006/relationships" xmlns:p="http://schemas.openxmlformats.org/presentationml/2006/main">
   <p:cSld>
     <p:spTree>
@@ -7305,7 +6712,7 @@
         <p:cNvPr id="1" name="">
           <a:extLst>
             <a:ext uri="{FF2B5EF4-FFF2-40B4-BE49-F238E27FC236}">
-              <a16:creationId xmlns:a16="http://schemas.microsoft.com/office/drawing/2014/main" id="{531E40D2-3E5F-10C3-F68B-9B5302E28A08}"/>
+              <a16:creationId xmlns:a16="http://schemas.microsoft.com/office/drawing/2014/main" id="{212201A6-3717-0AE1-0939-013C358F1739}"/>
             </a:ext>
           </a:extLst>
         </p:cNvPr>
@@ -7325,7 +6732,7 @@
           <p:cNvPr id="48" name="Rectangle 47">
             <a:extLst>
               <a:ext uri="{FF2B5EF4-FFF2-40B4-BE49-F238E27FC236}">
-                <a16:creationId xmlns:a16="http://schemas.microsoft.com/office/drawing/2014/main" id="{12C8BFC0-A260-D233-E14B-460EA7CAD1ED}"/>
+                <a16:creationId xmlns:a16="http://schemas.microsoft.com/office/drawing/2014/main" id="{702124B4-2B8A-43EA-58D8-43F38119552B}"/>
               </a:ext>
               <a:ext uri="{C183D7F6-B498-43B3-948B-1728B52AA6E4}">
                 <adec:decorative xmlns:adec="http://schemas.microsoft.com/office/drawing/2017/decorative" val="1"/>
@@ -7385,7 +6792,7 @@
           <p:cNvPr id="50" name="Freeform: Shape 49">
             <a:extLst>
               <a:ext uri="{FF2B5EF4-FFF2-40B4-BE49-F238E27FC236}">
-                <a16:creationId xmlns:a16="http://schemas.microsoft.com/office/drawing/2014/main" id="{7D70764D-C9BB-2F8E-80DC-3129AB07CADB}"/>
+                <a16:creationId xmlns:a16="http://schemas.microsoft.com/office/drawing/2014/main" id="{EB72E5D4-FF6E-D6B7-22AC-58B58E4ADB28}"/>
               </a:ext>
               <a:ext uri="{C183D7F6-B498-43B3-948B-1728B52AA6E4}">
                 <adec:decorative xmlns:adec="http://schemas.microsoft.com/office/drawing/2017/decorative" val="1"/>
@@ -7557,7 +6964,7 @@
           <p:cNvPr id="52" name="Freeform: Shape 51">
             <a:extLst>
               <a:ext uri="{FF2B5EF4-FFF2-40B4-BE49-F238E27FC236}">
-                <a16:creationId xmlns:a16="http://schemas.microsoft.com/office/drawing/2014/main" id="{B33D2109-E86E-D1F5-C4B9-1A82FEA36AE5}"/>
+                <a16:creationId xmlns:a16="http://schemas.microsoft.com/office/drawing/2014/main" id="{49C67D85-7B75-131F-A694-D70310B9CCC9}"/>
               </a:ext>
               <a:ext uri="{C183D7F6-B498-43B3-948B-1728B52AA6E4}">
                 <adec:decorative xmlns:adec="http://schemas.microsoft.com/office/drawing/2017/decorative" val="1"/>
@@ -7720,7 +7127,7 @@
           <p:cNvPr id="2" name="标题 1">
             <a:extLst>
               <a:ext uri="{FF2B5EF4-FFF2-40B4-BE49-F238E27FC236}">
-                <a16:creationId xmlns:a16="http://schemas.microsoft.com/office/drawing/2014/main" id="{EDF5BCD0-E480-43A6-CACB-1E6A62F56B3B}"/>
+                <a16:creationId xmlns:a16="http://schemas.microsoft.com/office/drawing/2014/main" id="{60A86746-4BE2-A7AE-B573-F1C8CAACE9BB}"/>
               </a:ext>
             </a:extLst>
           </p:cNvPr>
@@ -7760,7 +7167,7 @@
           <p:cNvPr id="54" name="Rectangle 53">
             <a:extLst>
               <a:ext uri="{FF2B5EF4-FFF2-40B4-BE49-F238E27FC236}">
-                <a16:creationId xmlns:a16="http://schemas.microsoft.com/office/drawing/2014/main" id="{D9F3D19A-0A76-55A0-AC69-77BB40615643}"/>
+                <a16:creationId xmlns:a16="http://schemas.microsoft.com/office/drawing/2014/main" id="{A09ED0B4-6930-553B-E7D5-DD2B6DBF1502}"/>
               </a:ext>
               <a:ext uri="{C183D7F6-B498-43B3-948B-1728B52AA6E4}">
                 <adec:decorative xmlns:adec="http://schemas.microsoft.com/office/drawing/2017/decorative" val="1"/>
@@ -7828,7 +7235,7 @@
           <p:cNvPr id="56" name="Rectangle 55">
             <a:extLst>
               <a:ext uri="{FF2B5EF4-FFF2-40B4-BE49-F238E27FC236}">
-                <a16:creationId xmlns:a16="http://schemas.microsoft.com/office/drawing/2014/main" id="{85059E94-3933-FED8-C42D-6841819ADE8F}"/>
+                <a16:creationId xmlns:a16="http://schemas.microsoft.com/office/drawing/2014/main" id="{DF438D5F-ED8A-DF02-5369-2B2AB480CB4B}"/>
               </a:ext>
               <a:ext uri="{C183D7F6-B498-43B3-948B-1728B52AA6E4}">
                 <adec:decorative xmlns:adec="http://schemas.microsoft.com/office/drawing/2017/decorative" val="1"/>
@@ -7921,906 +7328,6 @@
           <p:cNvPr id="6" name="文本框 5">
             <a:extLst>
               <a:ext uri="{FF2B5EF4-FFF2-40B4-BE49-F238E27FC236}">
-                <a16:creationId xmlns:a16="http://schemas.microsoft.com/office/drawing/2014/main" id="{3BF3DC7A-B9F3-4B68-1EDA-964D789CA023}"/>
-              </a:ext>
-            </a:extLst>
-          </p:cNvPr>
-          <p:cNvSpPr txBox="1"/>
-          <p:nvPr/>
-        </p:nvSpPr>
-        <p:spPr>
-          <a:xfrm>
-            <a:off x="371094" y="2718054"/>
-            <a:ext cx="3438906" cy="3764107"/>
-          </a:xfrm>
-          <a:prstGeom prst="rect">
-            <a:avLst/>
-          </a:prstGeom>
-        </p:spPr>
-        <p:txBody>
-          <a:bodyPr wrap="square" rtlCol="0">
-            <a:spAutoFit/>
-          </a:bodyPr>
-          <a:lstStyle/>
-          <a:p>
-            <a:pPr indent="-228600">
-              <a:lnSpc>
-                <a:spcPct val="90000"/>
-              </a:lnSpc>
-              <a:spcAft>
-                <a:spcPts val="600"/>
-              </a:spcAft>
-              <a:buFont typeface="Arial" panose="020B0604020202020204" pitchFamily="34" charset="0"/>
-              <a:buChar char="•"/>
-            </a:pPr>
-            <a:r>
-              <a:rPr lang="en-US" altLang="zh-CN" sz="1700" dirty="0"/>
-              <a:t>Full Cifar-10 dataset , 10 classes</a:t>
-            </a:r>
-          </a:p>
-          <a:p>
-            <a:pPr indent="-228600">
-              <a:lnSpc>
-                <a:spcPct val="90000"/>
-              </a:lnSpc>
-              <a:spcAft>
-                <a:spcPts val="600"/>
-              </a:spcAft>
-              <a:buFont typeface="Arial" panose="020B0604020202020204" pitchFamily="34" charset="0"/>
-              <a:buChar char="•"/>
-            </a:pPr>
-            <a:r>
-              <a:rPr lang="en-US" altLang="zh-CN" sz="1700" dirty="0"/>
-              <a:t>Epoch = 30</a:t>
-            </a:r>
-          </a:p>
-          <a:p>
-            <a:pPr indent="-228600">
-              <a:lnSpc>
-                <a:spcPct val="90000"/>
-              </a:lnSpc>
-              <a:spcAft>
-                <a:spcPts val="600"/>
-              </a:spcAft>
-              <a:buFont typeface="Arial" panose="020B0604020202020204" pitchFamily="34" charset="0"/>
-              <a:buChar char="•"/>
-            </a:pPr>
-            <a:r>
-              <a:rPr lang="en-US" altLang="zh-CN" sz="1700" dirty="0" err="1"/>
-              <a:t>Batch_size</a:t>
-            </a:r>
-            <a:r>
-              <a:rPr lang="en-US" altLang="zh-CN" sz="1700" dirty="0"/>
-              <a:t> = 64</a:t>
-            </a:r>
-          </a:p>
-          <a:p>
-            <a:pPr indent="-228600">
-              <a:lnSpc>
-                <a:spcPct val="90000"/>
-              </a:lnSpc>
-              <a:spcAft>
-                <a:spcPts val="600"/>
-              </a:spcAft>
-              <a:buFont typeface="Arial" panose="020B0604020202020204" pitchFamily="34" charset="0"/>
-              <a:buChar char="•"/>
-            </a:pPr>
-            <a:r>
-              <a:rPr lang="en-US" altLang="zh-CN" sz="1700" dirty="0" err="1"/>
-              <a:t>Patch_size</a:t>
-            </a:r>
-            <a:r>
-              <a:rPr lang="en-US" altLang="zh-CN" sz="1700" dirty="0"/>
-              <a:t> = 8</a:t>
-            </a:r>
-          </a:p>
-          <a:p>
-            <a:pPr indent="-228600">
-              <a:lnSpc>
-                <a:spcPct val="90000"/>
-              </a:lnSpc>
-              <a:spcAft>
-                <a:spcPts val="600"/>
-              </a:spcAft>
-              <a:buFont typeface="Arial" panose="020B0604020202020204" pitchFamily="34" charset="0"/>
-              <a:buChar char="•"/>
-            </a:pPr>
-            <a:r>
-              <a:rPr lang="en-US" altLang="zh-CN" sz="1700" dirty="0"/>
-              <a:t>Dim = 128</a:t>
-            </a:r>
-          </a:p>
-          <a:p>
-            <a:pPr indent="-228600">
-              <a:lnSpc>
-                <a:spcPct val="90000"/>
-              </a:lnSpc>
-              <a:spcAft>
-                <a:spcPts val="600"/>
-              </a:spcAft>
-              <a:buFont typeface="Arial" panose="020B0604020202020204" pitchFamily="34" charset="0"/>
-              <a:buChar char="•"/>
-            </a:pPr>
-            <a:r>
-              <a:rPr lang="en-US" altLang="zh-CN" sz="1700" dirty="0">
-                <a:solidFill>
-                  <a:srgbClr val="FF0000"/>
-                </a:solidFill>
-              </a:rPr>
-              <a:t>Depth = 24</a:t>
-            </a:r>
-          </a:p>
-          <a:p>
-            <a:pPr indent="-228600">
-              <a:lnSpc>
-                <a:spcPct val="90000"/>
-              </a:lnSpc>
-              <a:spcAft>
-                <a:spcPts val="600"/>
-              </a:spcAft>
-              <a:buFont typeface="Arial" panose="020B0604020202020204" pitchFamily="34" charset="0"/>
-              <a:buChar char="•"/>
-            </a:pPr>
-            <a:r>
-              <a:rPr lang="en-US" altLang="zh-CN" sz="1700" dirty="0"/>
-              <a:t>Heads = 8</a:t>
-            </a:r>
-          </a:p>
-          <a:p>
-            <a:pPr indent="-228600">
-              <a:lnSpc>
-                <a:spcPct val="90000"/>
-              </a:lnSpc>
-              <a:spcAft>
-                <a:spcPts val="600"/>
-              </a:spcAft>
-              <a:buFont typeface="Arial" panose="020B0604020202020204" pitchFamily="34" charset="0"/>
-              <a:buChar char="•"/>
-            </a:pPr>
-            <a:r>
-              <a:rPr lang="en-US" altLang="zh-CN" sz="1700" dirty="0" err="1"/>
-              <a:t>Mlp_dim</a:t>
-            </a:r>
-            <a:r>
-              <a:rPr lang="en-US" altLang="zh-CN" sz="1700" dirty="0"/>
-              <a:t> = 256</a:t>
-            </a:r>
-          </a:p>
-          <a:p>
-            <a:pPr indent="-228600">
-              <a:lnSpc>
-                <a:spcPct val="90000"/>
-              </a:lnSpc>
-              <a:spcAft>
-                <a:spcPts val="600"/>
-              </a:spcAft>
-              <a:buFont typeface="Arial" panose="020B0604020202020204" pitchFamily="34" charset="0"/>
-              <a:buChar char="•"/>
-            </a:pPr>
-            <a:endParaRPr lang="en-US" altLang="zh-CN" sz="1700" dirty="0"/>
-          </a:p>
-          <a:p>
-            <a:pPr indent="-228600">
-              <a:lnSpc>
-                <a:spcPct val="90000"/>
-              </a:lnSpc>
-              <a:spcAft>
-                <a:spcPts val="600"/>
-              </a:spcAft>
-              <a:buFont typeface="Arial" panose="020B0604020202020204" pitchFamily="34" charset="0"/>
-              <a:buChar char="•"/>
-            </a:pPr>
-            <a:endParaRPr lang="en-US" altLang="zh-CN" sz="1700" dirty="0"/>
-          </a:p>
-          <a:p>
-            <a:pPr indent="-228600">
-              <a:lnSpc>
-                <a:spcPct val="90000"/>
-              </a:lnSpc>
-              <a:spcAft>
-                <a:spcPts val="600"/>
-              </a:spcAft>
-              <a:buFont typeface="Arial" panose="020B0604020202020204" pitchFamily="34" charset="0"/>
-              <a:buChar char="•"/>
-            </a:pPr>
-            <a:r>
-              <a:rPr lang="en-US" altLang="zh-CN" sz="1700" dirty="0"/>
-              <a:t>Test accuracy = </a:t>
-            </a:r>
-            <a:r>
-              <a:rPr lang="en-US" altLang="zh-CN" sz="1700" dirty="0">
-                <a:solidFill>
-                  <a:srgbClr val="FF0000"/>
-                </a:solidFill>
-              </a:rPr>
-              <a:t>61.37%</a:t>
-            </a:r>
-          </a:p>
-          <a:p>
-            <a:pPr indent="-228600">
-              <a:lnSpc>
-                <a:spcPct val="90000"/>
-              </a:lnSpc>
-              <a:spcAft>
-                <a:spcPts val="600"/>
-              </a:spcAft>
-              <a:buFont typeface="Arial" panose="020B0604020202020204" pitchFamily="34" charset="0"/>
-              <a:buChar char="•"/>
-            </a:pPr>
-            <a:r>
-              <a:rPr lang="en-US" altLang="zh-CN" sz="1700" dirty="0"/>
-              <a:t>Time Cost = 60min</a:t>
-            </a:r>
-          </a:p>
-        </p:txBody>
-      </p:sp>
-      <p:pic>
-        <p:nvPicPr>
-          <p:cNvPr id="4" name="图片 3">
-            <a:extLst>
-              <a:ext uri="{FF2B5EF4-FFF2-40B4-BE49-F238E27FC236}">
-                <a16:creationId xmlns:a16="http://schemas.microsoft.com/office/drawing/2014/main" id="{233BB4E5-42EF-FC35-9230-59DA4CD35B43}"/>
-              </a:ext>
-            </a:extLst>
-          </p:cNvPr>
-          <p:cNvPicPr>
-            <a:picLocks noChangeAspect="1"/>
-          </p:cNvPicPr>
-          <p:nvPr/>
-        </p:nvPicPr>
-        <p:blipFill>
-          <a:blip r:embed="rId3"/>
-          <a:stretch>
-            <a:fillRect/>
-          </a:stretch>
-        </p:blipFill>
-        <p:spPr>
-          <a:xfrm>
-            <a:off x="4205131" y="1129532"/>
-            <a:ext cx="7432874" cy="4598935"/>
-          </a:xfrm>
-          <a:prstGeom prst="rect">
-            <a:avLst/>
-          </a:prstGeom>
-        </p:spPr>
-      </p:pic>
-    </p:spTree>
-    <p:extLst>
-      <p:ext uri="{BB962C8B-B14F-4D97-AF65-F5344CB8AC3E}">
-        <p14:creationId xmlns:p14="http://schemas.microsoft.com/office/powerpoint/2010/main" val="753108182"/>
-      </p:ext>
-    </p:extLst>
-  </p:cSld>
-  <p:clrMapOvr>
-    <a:masterClrMapping/>
-  </p:clrMapOvr>
-</p:sld>
-</file>
-
-<file path=ppt/slides/slide15.xml><?xml version="1.0" encoding="utf-8"?>
-<p:sld xmlns:a="http://schemas.openxmlformats.org/drawingml/2006/main" xmlns:r="http://schemas.openxmlformats.org/officeDocument/2006/relationships" xmlns:p="http://schemas.openxmlformats.org/presentationml/2006/main">
-  <p:cSld>
-    <p:spTree>
-      <p:nvGrpSpPr>
-        <p:cNvPr id="1" name="">
-          <a:extLst>
-            <a:ext uri="{FF2B5EF4-FFF2-40B4-BE49-F238E27FC236}">
-              <a16:creationId xmlns:a16="http://schemas.microsoft.com/office/drawing/2014/main" id="{212201A6-3717-0AE1-0939-013C358F1739}"/>
-            </a:ext>
-          </a:extLst>
-        </p:cNvPr>
-        <p:cNvGrpSpPr/>
-        <p:nvPr/>
-      </p:nvGrpSpPr>
-      <p:grpSpPr>
-        <a:xfrm>
-          <a:off x="0" y="0"/>
-          <a:ext cx="0" cy="0"/>
-          <a:chOff x="0" y="0"/>
-          <a:chExt cx="0" cy="0"/>
-        </a:xfrm>
-      </p:grpSpPr>
-      <p:sp useBgFill="1">
-        <p:nvSpPr>
-          <p:cNvPr id="48" name="Rectangle 47">
-            <a:extLst>
-              <a:ext uri="{FF2B5EF4-FFF2-40B4-BE49-F238E27FC236}">
-                <a16:creationId xmlns:a16="http://schemas.microsoft.com/office/drawing/2014/main" id="{702124B4-2B8A-43EA-58D8-43F38119552B}"/>
-              </a:ext>
-              <a:ext uri="{C183D7F6-B498-43B3-948B-1728B52AA6E4}">
-                <adec:decorative xmlns:adec="http://schemas.microsoft.com/office/drawing/2017/decorative" val="1"/>
-              </a:ext>
-            </a:extLst>
-          </p:cNvPr>
-          <p:cNvSpPr>
-            <a:spLocks noGrp="1" noRot="1" noChangeAspect="1" noMove="1" noResize="1" noEditPoints="1" noAdjustHandles="1" noChangeArrowheads="1" noChangeShapeType="1" noTextEdit="1"/>
-          </p:cNvSpPr>
-          <p:nvPr>
-            <p:extLst>
-              <p:ext uri="{386F3935-93C4-4BCD-93E2-E3B085C9AB24}">
-                <p16:designElem xmlns:p16="http://schemas.microsoft.com/office/powerpoint/2015/main" val="1"/>
-              </p:ext>
-            </p:extLst>
-          </p:nvPr>
-        </p:nvSpPr>
-        <p:spPr>
-          <a:xfrm>
-            <a:off x="0" y="0"/>
-            <a:ext cx="12192000" cy="6858000"/>
-          </a:xfrm>
-          <a:prstGeom prst="rect">
-            <a:avLst/>
-          </a:prstGeom>
-          <a:ln>
-            <a:noFill/>
-          </a:ln>
-        </p:spPr>
-        <p:style>
-          <a:lnRef idx="2">
-            <a:schemeClr val="accent1">
-              <a:shade val="50000"/>
-            </a:schemeClr>
-          </a:lnRef>
-          <a:fillRef idx="1">
-            <a:schemeClr val="accent1"/>
-          </a:fillRef>
-          <a:effectRef idx="0">
-            <a:schemeClr val="accent1"/>
-          </a:effectRef>
-          <a:fontRef idx="minor">
-            <a:schemeClr val="lt1"/>
-          </a:fontRef>
-        </p:style>
-        <p:txBody>
-          <a:bodyPr rtlCol="0" anchor="ctr"/>
-          <a:lstStyle/>
-          <a:p>
-            <a:pPr algn="ctr"/>
-            <a:endParaRPr lang="en-US"/>
-          </a:p>
-        </p:txBody>
-      </p:sp>
-      <p:sp useBgFill="1">
-        <p:nvSpPr>
-          <p:cNvPr id="50" name="Freeform: Shape 49">
-            <a:extLst>
-              <a:ext uri="{FF2B5EF4-FFF2-40B4-BE49-F238E27FC236}">
-                <a16:creationId xmlns:a16="http://schemas.microsoft.com/office/drawing/2014/main" id="{EB72E5D4-FF6E-D6B7-22AC-58B58E4ADB28}"/>
-              </a:ext>
-              <a:ext uri="{C183D7F6-B498-43B3-948B-1728B52AA6E4}">
-                <adec:decorative xmlns:adec="http://schemas.microsoft.com/office/drawing/2017/decorative" val="1"/>
-              </a:ext>
-            </a:extLst>
-          </p:cNvPr>
-          <p:cNvSpPr>
-            <a:spLocks noGrp="1" noRot="1" noChangeAspect="1" noMove="1" noResize="1" noEditPoints="1" noAdjustHandles="1" noChangeArrowheads="1" noChangeShapeType="1" noTextEdit="1"/>
-          </p:cNvSpPr>
-          <p:nvPr>
-            <p:extLst>
-              <p:ext uri="{386F3935-93C4-4BCD-93E2-E3B085C9AB24}">
-                <p16:designElem xmlns:p16="http://schemas.microsoft.com/office/powerpoint/2015/main" val="1"/>
-              </p:ext>
-            </p:extLst>
-          </p:nvPr>
-        </p:nvSpPr>
-        <p:spPr>
-          <a:xfrm>
-            <a:off x="-1" y="0"/>
-            <a:ext cx="4455673" cy="6858000"/>
-          </a:xfrm>
-          <a:custGeom>
-            <a:avLst/>
-            <a:gdLst>
-              <a:gd name="connsiteX0" fmla="*/ 0 w 4455673"/>
-              <a:gd name="connsiteY0" fmla="*/ 0 h 6858000"/>
-              <a:gd name="connsiteX1" fmla="*/ 3242695 w 4455673"/>
-              <a:gd name="connsiteY1" fmla="*/ 0 h 6858000"/>
-              <a:gd name="connsiteX2" fmla="*/ 3305678 w 4455673"/>
-              <a:gd name="connsiteY2" fmla="*/ 69271 h 6858000"/>
-              <a:gd name="connsiteX3" fmla="*/ 4455673 w 4455673"/>
-              <a:gd name="connsiteY3" fmla="*/ 3429000 h 6858000"/>
-              <a:gd name="connsiteX4" fmla="*/ 3305678 w 4455673"/>
-              <a:gd name="connsiteY4" fmla="*/ 6788730 h 6858000"/>
-              <a:gd name="connsiteX5" fmla="*/ 3242695 w 4455673"/>
-              <a:gd name="connsiteY5" fmla="*/ 6858000 h 6858000"/>
-              <a:gd name="connsiteX6" fmla="*/ 0 w 4455673"/>
-              <a:gd name="connsiteY6" fmla="*/ 6858000 h 6858000"/>
-            </a:gdLst>
-            <a:ahLst/>
-            <a:cxnLst>
-              <a:cxn ang="0">
-                <a:pos x="connsiteX0" y="connsiteY0"/>
-              </a:cxn>
-              <a:cxn ang="0">
-                <a:pos x="connsiteX1" y="connsiteY1"/>
-              </a:cxn>
-              <a:cxn ang="0">
-                <a:pos x="connsiteX2" y="connsiteY2"/>
-              </a:cxn>
-              <a:cxn ang="0">
-                <a:pos x="connsiteX3" y="connsiteY3"/>
-              </a:cxn>
-              <a:cxn ang="0">
-                <a:pos x="connsiteX4" y="connsiteY4"/>
-              </a:cxn>
-              <a:cxn ang="0">
-                <a:pos x="connsiteX5" y="connsiteY5"/>
-              </a:cxn>
-              <a:cxn ang="0">
-                <a:pos x="connsiteX6" y="connsiteY6"/>
-              </a:cxn>
-            </a:cxnLst>
-            <a:rect l="l" t="t" r="r" b="b"/>
-            <a:pathLst>
-              <a:path w="4455673" h="6858000">
-                <a:moveTo>
-                  <a:pt x="0" y="0"/>
-                </a:moveTo>
-                <a:lnTo>
-                  <a:pt x="3242695" y="0"/>
-                </a:lnTo>
-                <a:lnTo>
-                  <a:pt x="3305678" y="69271"/>
-                </a:lnTo>
-                <a:cubicBezTo>
-                  <a:pt x="4016204" y="929100"/>
-                  <a:pt x="4455673" y="2116944"/>
-                  <a:pt x="4455673" y="3429000"/>
-                </a:cubicBezTo>
-                <a:cubicBezTo>
-                  <a:pt x="4455673" y="4741056"/>
-                  <a:pt x="4016204" y="5928900"/>
-                  <a:pt x="3305678" y="6788730"/>
-                </a:cubicBezTo>
-                <a:lnTo>
-                  <a:pt x="3242695" y="6858000"/>
-                </a:lnTo>
-                <a:lnTo>
-                  <a:pt x="0" y="6858000"/>
-                </a:lnTo>
-                <a:close/>
-              </a:path>
-            </a:pathLst>
-          </a:custGeom>
-          <a:ln w="9525">
-            <a:solidFill>
-              <a:srgbClr val="EFEFEF"/>
-            </a:solidFill>
-          </a:ln>
-          <a:effectLst>
-            <a:outerShdw blurRad="88900" dist="38100" algn="l" rotWithShape="0">
-              <a:schemeClr val="bg1">
-                <a:lumMod val="85000"/>
-                <a:alpha val="50000"/>
-              </a:schemeClr>
-            </a:outerShdw>
-          </a:effectLst>
-        </p:spPr>
-        <p:style>
-          <a:lnRef idx="2">
-            <a:schemeClr val="accent1">
-              <a:shade val="50000"/>
-            </a:schemeClr>
-          </a:lnRef>
-          <a:fillRef idx="1">
-            <a:schemeClr val="accent1"/>
-          </a:fillRef>
-          <a:effectRef idx="0">
-            <a:schemeClr val="accent1"/>
-          </a:effectRef>
-          <a:fontRef idx="minor">
-            <a:schemeClr val="lt1"/>
-          </a:fontRef>
-        </p:style>
-        <p:txBody>
-          <a:bodyPr wrap="square" rtlCol="0" anchor="ctr">
-            <a:noAutofit/>
-          </a:bodyPr>
-          <a:lstStyle/>
-          <a:p>
-            <a:pPr marL="0" marR="0" lvl="0" indent="0" algn="ctr" defTabSz="914400" rtl="0" eaLnBrk="1" fontAlgn="auto" latinLnBrk="0" hangingPunct="1">
-              <a:lnSpc>
-                <a:spcPct val="100000"/>
-              </a:lnSpc>
-              <a:spcBef>
-                <a:spcPts val="0"/>
-              </a:spcBef>
-              <a:spcAft>
-                <a:spcPts val="0"/>
-              </a:spcAft>
-              <a:buClrTx/>
-              <a:buSzTx/>
-              <a:buFontTx/>
-              <a:buNone/>
-              <a:tabLst/>
-              <a:defRPr/>
-            </a:pPr>
-            <a:endParaRPr kumimoji="0" lang="en-US" sz="1800" b="0" i="0" u="none" strike="noStrike" kern="1200" cap="none" spc="0" normalizeH="0" baseline="0" noProof="0">
-              <a:ln>
-                <a:noFill/>
-              </a:ln>
-              <a:solidFill>
-                <a:prstClr val="white"/>
-              </a:solidFill>
-              <a:effectLst/>
-              <a:uLnTx/>
-              <a:uFillTx/>
-              <a:latin typeface="Calibri" panose="020F0502020204030204"/>
-              <a:ea typeface="+mn-ea"/>
-              <a:cs typeface="+mn-cs"/>
-            </a:endParaRPr>
-          </a:p>
-        </p:txBody>
-      </p:sp>
-      <p:sp useBgFill="1">
-        <p:nvSpPr>
-          <p:cNvPr id="52" name="Freeform: Shape 51">
-            <a:extLst>
-              <a:ext uri="{FF2B5EF4-FFF2-40B4-BE49-F238E27FC236}">
-                <a16:creationId xmlns:a16="http://schemas.microsoft.com/office/drawing/2014/main" id="{49C67D85-7B75-131F-A694-D70310B9CCC9}"/>
-              </a:ext>
-              <a:ext uri="{C183D7F6-B498-43B3-948B-1728B52AA6E4}">
-                <adec:decorative xmlns:adec="http://schemas.microsoft.com/office/drawing/2017/decorative" val="1"/>
-              </a:ext>
-            </a:extLst>
-          </p:cNvPr>
-          <p:cNvSpPr>
-            <a:spLocks noGrp="1" noRot="1" noChangeAspect="1" noMove="1" noResize="1" noEditPoints="1" noAdjustHandles="1" noChangeArrowheads="1" noChangeShapeType="1" noTextEdit="1"/>
-          </p:cNvSpPr>
-          <p:nvPr>
-            <p:extLst>
-              <p:ext uri="{386F3935-93C4-4BCD-93E2-E3B085C9AB24}">
-                <p16:designElem xmlns:p16="http://schemas.microsoft.com/office/powerpoint/2015/main" val="1"/>
-              </p:ext>
-            </p:extLst>
-          </p:nvPr>
-        </p:nvSpPr>
-        <p:spPr>
-          <a:xfrm>
-            <a:off x="0" y="0"/>
-            <a:ext cx="4446529" cy="6858000"/>
-          </a:xfrm>
-          <a:custGeom>
-            <a:avLst/>
-            <a:gdLst>
-              <a:gd name="connsiteX0" fmla="*/ 0 w 4446529"/>
-              <a:gd name="connsiteY0" fmla="*/ 0 h 6858000"/>
-              <a:gd name="connsiteX1" fmla="*/ 3233551 w 4446529"/>
-              <a:gd name="connsiteY1" fmla="*/ 0 h 6858000"/>
-              <a:gd name="connsiteX2" fmla="*/ 3296534 w 4446529"/>
-              <a:gd name="connsiteY2" fmla="*/ 69271 h 6858000"/>
-              <a:gd name="connsiteX3" fmla="*/ 4446529 w 4446529"/>
-              <a:gd name="connsiteY3" fmla="*/ 3429000 h 6858000"/>
-              <a:gd name="connsiteX4" fmla="*/ 3296534 w 4446529"/>
-              <a:gd name="connsiteY4" fmla="*/ 6788730 h 6858000"/>
-              <a:gd name="connsiteX5" fmla="*/ 3233551 w 4446529"/>
-              <a:gd name="connsiteY5" fmla="*/ 6858000 h 6858000"/>
-              <a:gd name="connsiteX6" fmla="*/ 0 w 4446529"/>
-              <a:gd name="connsiteY6" fmla="*/ 6858000 h 6858000"/>
-            </a:gdLst>
-            <a:ahLst/>
-            <a:cxnLst>
-              <a:cxn ang="0">
-                <a:pos x="connsiteX0" y="connsiteY0"/>
-              </a:cxn>
-              <a:cxn ang="0">
-                <a:pos x="connsiteX1" y="connsiteY1"/>
-              </a:cxn>
-              <a:cxn ang="0">
-                <a:pos x="connsiteX2" y="connsiteY2"/>
-              </a:cxn>
-              <a:cxn ang="0">
-                <a:pos x="connsiteX3" y="connsiteY3"/>
-              </a:cxn>
-              <a:cxn ang="0">
-                <a:pos x="connsiteX4" y="connsiteY4"/>
-              </a:cxn>
-              <a:cxn ang="0">
-                <a:pos x="connsiteX5" y="connsiteY5"/>
-              </a:cxn>
-              <a:cxn ang="0">
-                <a:pos x="connsiteX6" y="connsiteY6"/>
-              </a:cxn>
-            </a:cxnLst>
-            <a:rect l="l" t="t" r="r" b="b"/>
-            <a:pathLst>
-              <a:path w="4446529" h="6858000">
-                <a:moveTo>
-                  <a:pt x="0" y="0"/>
-                </a:moveTo>
-                <a:lnTo>
-                  <a:pt x="3233551" y="0"/>
-                </a:lnTo>
-                <a:lnTo>
-                  <a:pt x="3296534" y="69271"/>
-                </a:lnTo>
-                <a:cubicBezTo>
-                  <a:pt x="4007060" y="929100"/>
-                  <a:pt x="4446529" y="2116944"/>
-                  <a:pt x="4446529" y="3429000"/>
-                </a:cubicBezTo>
-                <a:cubicBezTo>
-                  <a:pt x="4446529" y="4741056"/>
-                  <a:pt x="4007060" y="5928900"/>
-                  <a:pt x="3296534" y="6788730"/>
-                </a:cubicBezTo>
-                <a:lnTo>
-                  <a:pt x="3233551" y="6858000"/>
-                </a:lnTo>
-                <a:lnTo>
-                  <a:pt x="0" y="6858000"/>
-                </a:lnTo>
-                <a:close/>
-              </a:path>
-            </a:pathLst>
-          </a:custGeom>
-          <a:ln w="9525">
-            <a:noFill/>
-          </a:ln>
-          <a:effectLst/>
-        </p:spPr>
-        <p:style>
-          <a:lnRef idx="2">
-            <a:schemeClr val="accent1">
-              <a:shade val="50000"/>
-            </a:schemeClr>
-          </a:lnRef>
-          <a:fillRef idx="1">
-            <a:schemeClr val="accent1"/>
-          </a:fillRef>
-          <a:effectRef idx="0">
-            <a:schemeClr val="accent1"/>
-          </a:effectRef>
-          <a:fontRef idx="minor">
-            <a:schemeClr val="lt1"/>
-          </a:fontRef>
-        </p:style>
-        <p:txBody>
-          <a:bodyPr wrap="square" rtlCol="0" anchor="ctr">
-            <a:noAutofit/>
-          </a:bodyPr>
-          <a:lstStyle/>
-          <a:p>
-            <a:pPr marL="0" marR="0" lvl="0" indent="0" algn="ctr" defTabSz="914400" rtl="0" eaLnBrk="1" fontAlgn="auto" latinLnBrk="0" hangingPunct="1">
-              <a:lnSpc>
-                <a:spcPct val="100000"/>
-              </a:lnSpc>
-              <a:spcBef>
-                <a:spcPts val="0"/>
-              </a:spcBef>
-              <a:spcAft>
-                <a:spcPts val="0"/>
-              </a:spcAft>
-              <a:buClrTx/>
-              <a:buSzTx/>
-              <a:buFontTx/>
-              <a:buNone/>
-              <a:tabLst/>
-              <a:defRPr/>
-            </a:pPr>
-            <a:endParaRPr kumimoji="0" lang="en-US" sz="1800" b="0" i="0" u="none" strike="noStrike" kern="1200" cap="none" spc="0" normalizeH="0" baseline="0" noProof="0">
-              <a:ln>
-                <a:noFill/>
-              </a:ln>
-              <a:solidFill>
-                <a:prstClr val="white"/>
-              </a:solidFill>
-              <a:effectLst/>
-              <a:uLnTx/>
-              <a:uFillTx/>
-              <a:latin typeface="Calibri" panose="020F0502020204030204"/>
-              <a:ea typeface="+mn-ea"/>
-              <a:cs typeface="+mn-cs"/>
-            </a:endParaRPr>
-          </a:p>
-        </p:txBody>
-      </p:sp>
-      <p:sp>
-        <p:nvSpPr>
-          <p:cNvPr id="2" name="标题 1">
-            <a:extLst>
-              <a:ext uri="{FF2B5EF4-FFF2-40B4-BE49-F238E27FC236}">
-                <a16:creationId xmlns:a16="http://schemas.microsoft.com/office/drawing/2014/main" id="{60A86746-4BE2-A7AE-B573-F1C8CAACE9BB}"/>
-              </a:ext>
-            </a:extLst>
-          </p:cNvPr>
-          <p:cNvSpPr>
-            <a:spLocks noGrp="1"/>
-          </p:cNvSpPr>
-          <p:nvPr>
-            <p:ph type="title"/>
-          </p:nvPr>
-        </p:nvSpPr>
-        <p:spPr>
-          <a:xfrm>
-            <a:off x="371094" y="1161288"/>
-            <a:ext cx="3438144" cy="1239012"/>
-          </a:xfrm>
-        </p:spPr>
-        <p:txBody>
-          <a:bodyPr anchor="ctr"/>
-          <a:lstStyle/>
-          <a:p>
-            <a:r>
-              <a:rPr lang="en-US" altLang="zh-CN" sz="2800" kern="1200">
-                <a:solidFill>
-                  <a:schemeClr val="tx1"/>
-                </a:solidFill>
-                <a:latin typeface="+mj-lt"/>
-                <a:ea typeface="+mj-ea"/>
-                <a:cs typeface="+mj-cs"/>
-              </a:rPr>
-              <a:t>Baseline Vit</a:t>
-            </a:r>
-          </a:p>
-        </p:txBody>
-      </p:sp>
-      <p:sp>
-        <p:nvSpPr>
-          <p:cNvPr id="54" name="Rectangle 53">
-            <a:extLst>
-              <a:ext uri="{FF2B5EF4-FFF2-40B4-BE49-F238E27FC236}">
-                <a16:creationId xmlns:a16="http://schemas.microsoft.com/office/drawing/2014/main" id="{A09ED0B4-6930-553B-E7D5-DD2B6DBF1502}"/>
-              </a:ext>
-              <a:ext uri="{C183D7F6-B498-43B3-948B-1728B52AA6E4}">
-                <adec:decorative xmlns:adec="http://schemas.microsoft.com/office/drawing/2017/decorative" val="1"/>
-              </a:ext>
-            </a:extLst>
-          </p:cNvPr>
-          <p:cNvSpPr>
-            <a:spLocks noGrp="1" noRot="1" noChangeAspect="1" noMove="1" noResize="1" noEditPoints="1" noAdjustHandles="1" noChangeArrowheads="1" noChangeShapeType="1" noTextEdit="1"/>
-          </p:cNvSpPr>
-          <p:nvPr>
-            <p:extLst>
-              <p:ext uri="{386F3935-93C4-4BCD-93E2-E3B085C9AB24}">
-                <p16:designElem xmlns:p16="http://schemas.microsoft.com/office/powerpoint/2015/main" val="1"/>
-              </p:ext>
-            </p:extLst>
-          </p:nvPr>
-        </p:nvSpPr>
-        <p:spPr>
-          <a:xfrm>
-            <a:off x="0" y="1426546"/>
-            <a:ext cx="128016" cy="653903"/>
-          </a:xfrm>
-          <a:prstGeom prst="rect">
-            <a:avLst/>
-          </a:prstGeom>
-          <a:solidFill>
-            <a:schemeClr val="accent2"/>
-          </a:solidFill>
-          <a:ln>
-            <a:noFill/>
-          </a:ln>
-        </p:spPr>
-        <p:style>
-          <a:lnRef idx="2">
-            <a:schemeClr val="accent1">
-              <a:shade val="50000"/>
-            </a:schemeClr>
-          </a:lnRef>
-          <a:fillRef idx="1">
-            <a:schemeClr val="accent1"/>
-          </a:fillRef>
-          <a:effectRef idx="0">
-            <a:schemeClr val="accent1"/>
-          </a:effectRef>
-          <a:fontRef idx="minor">
-            <a:schemeClr val="lt1"/>
-          </a:fontRef>
-        </p:style>
-        <p:txBody>
-          <a:bodyPr rtlCol="0" anchor="ctr"/>
-          <a:lstStyle/>
-          <a:p>
-            <a:pPr algn="ctr"/>
-            <a:endParaRPr lang="en-US">
-              <a:solidFill>
-                <a:prstClr val="white"/>
-              </a:solidFill>
-              <a:latin typeface="Calibri" panose="020F0502020204030204"/>
-            </a:endParaRPr>
-          </a:p>
-        </p:txBody>
-      </p:sp>
-      <p:sp>
-        <p:nvSpPr>
-          <p:cNvPr id="56" name="Rectangle 55">
-            <a:extLst>
-              <a:ext uri="{FF2B5EF4-FFF2-40B4-BE49-F238E27FC236}">
-                <a16:creationId xmlns:a16="http://schemas.microsoft.com/office/drawing/2014/main" id="{DF438D5F-ED8A-DF02-5369-2B2AB480CB4B}"/>
-              </a:ext>
-              <a:ext uri="{C183D7F6-B498-43B3-948B-1728B52AA6E4}">
-                <adec:decorative xmlns:adec="http://schemas.microsoft.com/office/drawing/2017/decorative" val="1"/>
-              </a:ext>
-            </a:extLst>
-          </p:cNvPr>
-          <p:cNvSpPr>
-            <a:spLocks noGrp="1" noRot="1" noChangeAspect="1" noMove="1" noResize="1" noEditPoints="1" noAdjustHandles="1" noChangeArrowheads="1" noChangeShapeType="1" noTextEdit="1"/>
-          </p:cNvSpPr>
-          <p:nvPr>
-            <p:extLst>
-              <p:ext uri="{386F3935-93C4-4BCD-93E2-E3B085C9AB24}">
-                <p16:designElem xmlns:p16="http://schemas.microsoft.com/office/powerpoint/2015/main" val="1"/>
-              </p:ext>
-            </p:extLst>
-          </p:nvPr>
-        </p:nvSpPr>
-        <p:spPr>
-          <a:xfrm>
-            <a:off x="395893" y="2443480"/>
-            <a:ext cx="3383280" cy="18288"/>
-          </a:xfrm>
-          <a:prstGeom prst="rect">
-            <a:avLst/>
-          </a:prstGeom>
-          <a:solidFill>
-            <a:srgbClr val="D5D5D5"/>
-          </a:solidFill>
-          <a:ln w="3175">
-            <a:noFill/>
-          </a:ln>
-          <a:effectLst/>
-        </p:spPr>
-        <p:style>
-          <a:lnRef idx="2">
-            <a:schemeClr val="accent1">
-              <a:shade val="50000"/>
-            </a:schemeClr>
-          </a:lnRef>
-          <a:fillRef idx="1">
-            <a:schemeClr val="accent1"/>
-          </a:fillRef>
-          <a:effectRef idx="0">
-            <a:schemeClr val="accent1"/>
-          </a:effectRef>
-          <a:fontRef idx="minor">
-            <a:schemeClr val="lt1"/>
-          </a:fontRef>
-        </p:style>
-        <p:txBody>
-          <a:bodyPr rtlCol="0" anchor="ctr"/>
-          <a:lstStyle/>
-          <a:p>
-            <a:pPr marL="0" marR="0" lvl="0" indent="0" algn="ctr" defTabSz="914400" rtl="0" eaLnBrk="1" fontAlgn="auto" latinLnBrk="0" hangingPunct="1">
-              <a:lnSpc>
-                <a:spcPct val="100000"/>
-              </a:lnSpc>
-              <a:spcBef>
-                <a:spcPts val="0"/>
-              </a:spcBef>
-              <a:spcAft>
-                <a:spcPts val="0"/>
-              </a:spcAft>
-              <a:buClrTx/>
-              <a:buSzTx/>
-              <a:buFontTx/>
-              <a:buNone/>
-              <a:tabLst/>
-              <a:defRPr/>
-            </a:pPr>
-            <a:endParaRPr kumimoji="0" lang="en-US" sz="1800" b="0" i="0" u="none" strike="noStrike" kern="1200" cap="none" spc="0" normalizeH="0" baseline="0" noProof="0">
-              <a:ln>
-                <a:noFill/>
-              </a:ln>
-              <a:solidFill>
-                <a:prstClr val="white"/>
-              </a:solidFill>
-              <a:effectLst/>
-              <a:uLnTx/>
-              <a:uFillTx/>
-              <a:latin typeface="Calibri" panose="020F0502020204030204"/>
-              <a:ea typeface="+mn-ea"/>
-              <a:cs typeface="+mn-cs"/>
-            </a:endParaRPr>
-          </a:p>
-        </p:txBody>
-      </p:sp>
-      <p:sp>
-        <p:nvSpPr>
-          <p:cNvPr id="6" name="文本框 5">
-            <a:extLst>
-              <a:ext uri="{FF2B5EF4-FFF2-40B4-BE49-F238E27FC236}">
                 <a16:creationId xmlns:a16="http://schemas.microsoft.com/office/drawing/2014/main" id="{A2061576-C2A0-D5C0-503F-74F6079DB34D}"/>
               </a:ext>
             </a:extLst>
@@ -9102,7 +7609,7 @@
 </p:sld>
 </file>
 
-<file path=ppt/slides/slide16.xml><?xml version="1.0" encoding="utf-8"?>
+<file path=ppt/slides/slide14.xml><?xml version="1.0" encoding="utf-8"?>
 <p:sld xmlns:a="http://schemas.openxmlformats.org/drawingml/2006/main" xmlns:r="http://schemas.openxmlformats.org/officeDocument/2006/relationships" xmlns:p="http://schemas.openxmlformats.org/presentationml/2006/main">
   <p:cSld>
     <p:bg>
@@ -9525,7 +8032,7 @@
 </p:sld>
 </file>
 
-<file path=ppt/slides/slide17.xml><?xml version="1.0" encoding="utf-8"?>
+<file path=ppt/slides/slide15.xml><?xml version="1.0" encoding="utf-8"?>
 <p:sld xmlns:a="http://schemas.openxmlformats.org/drawingml/2006/main" xmlns:r="http://schemas.openxmlformats.org/officeDocument/2006/relationships" xmlns:p="http://schemas.openxmlformats.org/presentationml/2006/main">
   <p:cSld>
     <p:spTree>
@@ -9765,7 +8272,7 @@
 </p:sld>
 </file>
 
-<file path=ppt/slides/slide18.xml><?xml version="1.0" encoding="utf-8"?>
+<file path=ppt/slides/slide16.xml><?xml version="1.0" encoding="utf-8"?>
 <p:sld xmlns:a="http://schemas.openxmlformats.org/drawingml/2006/main" xmlns:r="http://schemas.openxmlformats.org/officeDocument/2006/relationships" xmlns:p="http://schemas.openxmlformats.org/presentationml/2006/main">
   <p:cSld>
     <p:spTree>
@@ -10160,7 +8667,7 @@
 </p:sld>
 </file>
 
-<file path=ppt/slides/slide19.xml><?xml version="1.0" encoding="utf-8"?>
+<file path=ppt/slides/slide17.xml><?xml version="1.0" encoding="utf-8"?>
 <p:sld xmlns:a="http://schemas.openxmlformats.org/drawingml/2006/main" xmlns:r="http://schemas.openxmlformats.org/officeDocument/2006/relationships" xmlns:p="http://schemas.openxmlformats.org/presentationml/2006/main">
   <p:cSld>
     <p:spTree>
@@ -10629,6 +9136,816 @@
     <p:extLst>
       <p:ext uri="{BB962C8B-B14F-4D97-AF65-F5344CB8AC3E}">
         <p14:creationId xmlns:p14="http://schemas.microsoft.com/office/powerpoint/2010/main" val="3386944804"/>
+      </p:ext>
+    </p:extLst>
+  </p:cSld>
+  <p:clrMapOvr>
+    <a:masterClrMapping/>
+  </p:clrMapOvr>
+</p:sld>
+</file>
+
+<file path=ppt/slides/slide18.xml><?xml version="1.0" encoding="utf-8"?>
+<p:sld xmlns:a="http://schemas.openxmlformats.org/drawingml/2006/main" xmlns:r="http://schemas.openxmlformats.org/officeDocument/2006/relationships" xmlns:p="http://schemas.openxmlformats.org/presentationml/2006/main">
+  <p:cSld>
+    <p:spTree>
+      <p:nvGrpSpPr>
+        <p:cNvPr id="1" name=""/>
+        <p:cNvGrpSpPr/>
+        <p:nvPr/>
+      </p:nvGrpSpPr>
+      <p:grpSpPr>
+        <a:xfrm>
+          <a:off x="0" y="0"/>
+          <a:ext cx="0" cy="0"/>
+          <a:chOff x="0" y="0"/>
+          <a:chExt cx="0" cy="0"/>
+        </a:xfrm>
+      </p:grpSpPr>
+      <p:sp>
+        <p:nvSpPr>
+          <p:cNvPr id="4" name="文本框 3">
+            <a:extLst>
+              <a:ext uri="{FF2B5EF4-FFF2-40B4-BE49-F238E27FC236}">
+                <a16:creationId xmlns:a16="http://schemas.microsoft.com/office/drawing/2014/main" id="{BCCCF64B-F619-22CE-F042-7CAA55297722}"/>
+              </a:ext>
+            </a:extLst>
+          </p:cNvPr>
+          <p:cNvSpPr txBox="1"/>
+          <p:nvPr/>
+        </p:nvSpPr>
+        <p:spPr>
+          <a:xfrm>
+            <a:off x="110836" y="221673"/>
+            <a:ext cx="5024582" cy="646331"/>
+          </a:xfrm>
+          <a:prstGeom prst="rect">
+            <a:avLst/>
+          </a:prstGeom>
+          <a:noFill/>
+        </p:spPr>
+        <p:txBody>
+          <a:bodyPr wrap="square" rtlCol="0">
+            <a:spAutoFit/>
+          </a:bodyPr>
+          <a:lstStyle/>
+          <a:p>
+            <a:r>
+              <a:rPr lang="en-US" altLang="zh-CN" dirty="0"/>
+              <a:t>Finally, get small </a:t>
+            </a:r>
+            <a:r>
+              <a:rPr lang="en-US" altLang="zh-CN" dirty="0" err="1"/>
+              <a:t>cls</a:t>
+            </a:r>
+            <a:r>
+              <a:rPr lang="en-US" altLang="zh-CN" dirty="0"/>
+              <a:t> token and large </a:t>
+            </a:r>
+            <a:r>
+              <a:rPr lang="en-US" altLang="zh-CN" dirty="0" err="1"/>
+              <a:t>cls</a:t>
+            </a:r>
+            <a:r>
+              <a:rPr lang="en-US" altLang="zh-CN" dirty="0"/>
+              <a:t> token , </a:t>
+            </a:r>
+            <a:r>
+              <a:rPr lang="en-US" altLang="zh-CN" dirty="0" err="1"/>
+              <a:t>mlp</a:t>
+            </a:r>
+            <a:r>
+              <a:rPr lang="en-US" altLang="zh-CN" dirty="0"/>
+              <a:t> them, adding to get the result</a:t>
+            </a:r>
+            <a:endParaRPr lang="zh-CN" altLang="en-US" dirty="0"/>
+          </a:p>
+        </p:txBody>
+      </p:sp>
+      <p:pic>
+        <p:nvPicPr>
+          <p:cNvPr id="6" name="图片 5">
+            <a:extLst>
+              <a:ext uri="{FF2B5EF4-FFF2-40B4-BE49-F238E27FC236}">
+                <a16:creationId xmlns:a16="http://schemas.microsoft.com/office/drawing/2014/main" id="{0AA45124-E04D-4FB1-03D5-2357850E5DE8}"/>
+              </a:ext>
+            </a:extLst>
+          </p:cNvPr>
+          <p:cNvPicPr>
+            <a:picLocks noChangeAspect="1"/>
+          </p:cNvPicPr>
+          <p:nvPr/>
+        </p:nvPicPr>
+        <p:blipFill>
+          <a:blip r:embed="rId2"/>
+          <a:stretch>
+            <a:fillRect/>
+          </a:stretch>
+        </p:blipFill>
+        <p:spPr>
+          <a:xfrm>
+            <a:off x="5702725" y="136065"/>
+            <a:ext cx="2172003" cy="1609950"/>
+          </a:xfrm>
+          <a:prstGeom prst="rect">
+            <a:avLst/>
+          </a:prstGeom>
+        </p:spPr>
+      </p:pic>
+      <p:pic>
+        <p:nvPicPr>
+          <p:cNvPr id="8" name="图片 7">
+            <a:extLst>
+              <a:ext uri="{FF2B5EF4-FFF2-40B4-BE49-F238E27FC236}">
+                <a16:creationId xmlns:a16="http://schemas.microsoft.com/office/drawing/2014/main" id="{88907F0C-79F1-D9AA-777C-C93221598D9F}"/>
+              </a:ext>
+            </a:extLst>
+          </p:cNvPr>
+          <p:cNvPicPr>
+            <a:picLocks noChangeAspect="1"/>
+          </p:cNvPicPr>
+          <p:nvPr/>
+        </p:nvPicPr>
+        <p:blipFill>
+          <a:blip r:embed="rId3"/>
+          <a:stretch>
+            <a:fillRect/>
+          </a:stretch>
+        </p:blipFill>
+        <p:spPr>
+          <a:xfrm>
+            <a:off x="227255" y="941040"/>
+            <a:ext cx="4791744" cy="1200318"/>
+          </a:xfrm>
+          <a:prstGeom prst="rect">
+            <a:avLst/>
+          </a:prstGeom>
+        </p:spPr>
+      </p:pic>
+    </p:spTree>
+    <p:extLst>
+      <p:ext uri="{BB962C8B-B14F-4D97-AF65-F5344CB8AC3E}">
+        <p14:creationId xmlns:p14="http://schemas.microsoft.com/office/powerpoint/2010/main" val="516600480"/>
+      </p:ext>
+    </p:extLst>
+  </p:cSld>
+  <p:clrMapOvr>
+    <a:masterClrMapping/>
+  </p:clrMapOvr>
+</p:sld>
+</file>
+
+<file path=ppt/slides/slide19.xml><?xml version="1.0" encoding="utf-8"?>
+<p:sld xmlns:a="http://schemas.openxmlformats.org/drawingml/2006/main" xmlns:r="http://schemas.openxmlformats.org/officeDocument/2006/relationships" xmlns:p="http://schemas.openxmlformats.org/presentationml/2006/main">
+  <p:cSld>
+    <p:bg>
+      <p:bgPr>
+        <a:solidFill>
+          <a:schemeClr val="bg1"/>
+        </a:solidFill>
+        <a:effectLst/>
+      </p:bgPr>
+    </p:bg>
+    <p:spTree>
+      <p:nvGrpSpPr>
+        <p:cNvPr id="1" name="">
+          <a:extLst>
+            <a:ext uri="{FF2B5EF4-FFF2-40B4-BE49-F238E27FC236}">
+              <a16:creationId xmlns:a16="http://schemas.microsoft.com/office/drawing/2014/main" id="{C272E5A9-8848-52C0-E339-E7BF1787FB72}"/>
+            </a:ext>
+          </a:extLst>
+        </p:cNvPr>
+        <p:cNvGrpSpPr/>
+        <p:nvPr/>
+      </p:nvGrpSpPr>
+      <p:grpSpPr>
+        <a:xfrm>
+          <a:off x="0" y="0"/>
+          <a:ext cx="0" cy="0"/>
+          <a:chOff x="0" y="0"/>
+          <a:chExt cx="0" cy="0"/>
+        </a:xfrm>
+      </p:grpSpPr>
+      <p:sp useBgFill="1">
+        <p:nvSpPr>
+          <p:cNvPr id="25" name="Rectangle 24">
+            <a:extLst>
+              <a:ext uri="{FF2B5EF4-FFF2-40B4-BE49-F238E27FC236}">
+                <a16:creationId xmlns:a16="http://schemas.microsoft.com/office/drawing/2014/main" id="{C3E884E2-1B7A-5376-9D3F-452BC0CD09AE}"/>
+              </a:ext>
+              <a:ext uri="{C183D7F6-B498-43B3-948B-1728B52AA6E4}">
+                <adec:decorative xmlns:adec="http://schemas.microsoft.com/office/drawing/2017/decorative" val="1"/>
+              </a:ext>
+            </a:extLst>
+          </p:cNvPr>
+          <p:cNvSpPr>
+            <a:spLocks noGrp="1" noRot="1" noChangeAspect="1" noMove="1" noResize="1" noEditPoints="1" noAdjustHandles="1" noChangeArrowheads="1" noChangeShapeType="1" noTextEdit="1"/>
+          </p:cNvSpPr>
+          <p:nvPr>
+            <p:extLst>
+              <p:ext uri="{386F3935-93C4-4BCD-93E2-E3B085C9AB24}">
+                <p16:designElem xmlns:p16="http://schemas.microsoft.com/office/powerpoint/2015/main" val="1"/>
+              </p:ext>
+            </p:extLst>
+          </p:nvPr>
+        </p:nvSpPr>
+        <p:spPr>
+          <a:xfrm>
+            <a:off x="0" y="0"/>
+            <a:ext cx="12192000" cy="6858000"/>
+          </a:xfrm>
+          <a:prstGeom prst="rect">
+            <a:avLst/>
+          </a:prstGeom>
+          <a:ln w="12700" cap="flat" cmpd="sng" algn="ctr">
+            <a:noFill/>
+            <a:prstDash val="solid"/>
+            <a:miter lim="800000"/>
+          </a:ln>
+          <a:effectLst/>
+          <a:extLst>
+            <a:ext uri="{91240B29-F687-4F45-9708-019B960494DF}">
+              <a14:hiddenLine xmlns:a14="http://schemas.microsoft.com/office/drawing/2010/main" w="12700" cap="flat" cmpd="sng" algn="ctr">
+                <a:solidFill>
+                  <a:schemeClr val="accent1">
+                    <a:shade val="50000"/>
+                  </a:schemeClr>
+                </a:solidFill>
+                <a:prstDash val="solid"/>
+                <a:miter lim="800000"/>
+              </a14:hiddenLine>
+            </a:ext>
+          </a:extLst>
+        </p:spPr>
+        <p:style>
+          <a:lnRef idx="2">
+            <a:schemeClr val="accent1">
+              <a:shade val="50000"/>
+            </a:schemeClr>
+          </a:lnRef>
+          <a:fillRef idx="1">
+            <a:schemeClr val="accent1"/>
+          </a:fillRef>
+          <a:effectRef idx="0">
+            <a:schemeClr val="accent1"/>
+          </a:effectRef>
+          <a:fontRef idx="minor">
+            <a:schemeClr val="lt1"/>
+          </a:fontRef>
+        </p:style>
+        <p:txBody>
+          <a:bodyPr rtlCol="0" anchor="ctr"/>
+          <a:lstStyle/>
+          <a:p>
+            <a:pPr algn="ctr"/>
+            <a:endParaRPr lang="en-US" sz="2000"/>
+          </a:p>
+        </p:txBody>
+      </p:sp>
+      <p:sp>
+        <p:nvSpPr>
+          <p:cNvPr id="27" name="Rectangle 26">
+            <a:extLst>
+              <a:ext uri="{FF2B5EF4-FFF2-40B4-BE49-F238E27FC236}">
+                <a16:creationId xmlns:a16="http://schemas.microsoft.com/office/drawing/2014/main" id="{49D7F496-D3A3-2EFE-093E-EA50DB910492}"/>
+              </a:ext>
+              <a:ext uri="{C183D7F6-B498-43B3-948B-1728B52AA6E4}">
+                <adec:decorative xmlns:adec="http://schemas.microsoft.com/office/drawing/2017/decorative" val="1"/>
+              </a:ext>
+            </a:extLst>
+          </p:cNvPr>
+          <p:cNvSpPr>
+            <a:spLocks noGrp="1" noRot="1" noChangeAspect="1" noMove="1" noResize="1" noEditPoints="1" noAdjustHandles="1" noChangeArrowheads="1" noChangeShapeType="1" noTextEdit="1"/>
+          </p:cNvSpPr>
+          <p:nvPr>
+            <p:extLst>
+              <p:ext uri="{386F3935-93C4-4BCD-93E2-E3B085C9AB24}">
+                <p16:designElem xmlns:p16="http://schemas.microsoft.com/office/powerpoint/2015/main" val="1"/>
+              </p:ext>
+            </p:extLst>
+          </p:nvPr>
+        </p:nvSpPr>
+        <p:spPr>
+          <a:xfrm flipH="1">
+            <a:off x="2" y="492"/>
+            <a:ext cx="12191998" cy="1575955"/>
+          </a:xfrm>
+          <a:prstGeom prst="rect">
+            <a:avLst/>
+          </a:prstGeom>
+          <a:gradFill>
+            <a:gsLst>
+              <a:gs pos="0">
+                <a:schemeClr val="accent1">
+                  <a:lumMod val="50000"/>
+                </a:schemeClr>
+              </a:gs>
+              <a:gs pos="100000">
+                <a:schemeClr val="accent1">
+                  <a:lumMod val="75000"/>
+                </a:schemeClr>
+              </a:gs>
+            </a:gsLst>
+            <a:lin ang="8400000" scaled="0"/>
+          </a:gradFill>
+          <a:ln>
+            <a:noFill/>
+          </a:ln>
+        </p:spPr>
+        <p:style>
+          <a:lnRef idx="2">
+            <a:schemeClr val="accent1">
+              <a:shade val="50000"/>
+            </a:schemeClr>
+          </a:lnRef>
+          <a:fillRef idx="1">
+            <a:schemeClr val="accent1"/>
+          </a:fillRef>
+          <a:effectRef idx="0">
+            <a:schemeClr val="accent1"/>
+          </a:effectRef>
+          <a:fontRef idx="minor">
+            <a:schemeClr val="lt1"/>
+          </a:fontRef>
+        </p:style>
+        <p:txBody>
+          <a:bodyPr rtlCol="0" anchor="ctr"/>
+          <a:lstStyle/>
+          <a:p>
+            <a:pPr algn="ctr"/>
+            <a:endParaRPr lang="en-US"/>
+          </a:p>
+        </p:txBody>
+      </p:sp>
+      <p:sp>
+        <p:nvSpPr>
+          <p:cNvPr id="29" name="Rectangle 28">
+            <a:extLst>
+              <a:ext uri="{FF2B5EF4-FFF2-40B4-BE49-F238E27FC236}">
+                <a16:creationId xmlns:a16="http://schemas.microsoft.com/office/drawing/2014/main" id="{F362175F-C17F-5746-396B-B65B9E917872}"/>
+              </a:ext>
+              <a:ext uri="{C183D7F6-B498-43B3-948B-1728B52AA6E4}">
+                <adec:decorative xmlns:adec="http://schemas.microsoft.com/office/drawing/2017/decorative" val="1"/>
+              </a:ext>
+            </a:extLst>
+          </p:cNvPr>
+          <p:cNvSpPr>
+            <a:spLocks noGrp="1" noRot="1" noChangeAspect="1" noMove="1" noResize="1" noEditPoints="1" noAdjustHandles="1" noChangeArrowheads="1" noChangeShapeType="1" noTextEdit="1"/>
+          </p:cNvSpPr>
+          <p:nvPr>
+            <p:extLst>
+              <p:ext uri="{386F3935-93C4-4BCD-93E2-E3B085C9AB24}">
+                <p16:designElem xmlns:p16="http://schemas.microsoft.com/office/powerpoint/2015/main" val="1"/>
+              </p:ext>
+            </p:extLst>
+          </p:nvPr>
+        </p:nvSpPr>
+        <p:spPr>
+          <a:xfrm rot="10800000" flipH="1">
+            <a:off x="8128857" y="35"/>
+            <a:ext cx="4063143" cy="1576412"/>
+          </a:xfrm>
+          <a:prstGeom prst="rect">
+            <a:avLst/>
+          </a:prstGeom>
+          <a:gradFill>
+            <a:gsLst>
+              <a:gs pos="19000">
+                <a:schemeClr val="accent1">
+                  <a:lumMod val="50000"/>
+                  <a:alpha val="68000"/>
+                </a:schemeClr>
+              </a:gs>
+              <a:gs pos="100000">
+                <a:schemeClr val="accent1">
+                  <a:alpha val="79000"/>
+                </a:schemeClr>
+              </a:gs>
+            </a:gsLst>
+            <a:lin ang="19200000" scaled="0"/>
+          </a:gradFill>
+          <a:ln>
+            <a:noFill/>
+          </a:ln>
+        </p:spPr>
+        <p:style>
+          <a:lnRef idx="2">
+            <a:schemeClr val="accent1">
+              <a:shade val="50000"/>
+            </a:schemeClr>
+          </a:lnRef>
+          <a:fillRef idx="1">
+            <a:schemeClr val="accent1"/>
+          </a:fillRef>
+          <a:effectRef idx="0">
+            <a:schemeClr val="accent1"/>
+          </a:effectRef>
+          <a:fontRef idx="minor">
+            <a:schemeClr val="lt1"/>
+          </a:fontRef>
+        </p:style>
+        <p:txBody>
+          <a:bodyPr rtlCol="0" anchor="ctr"/>
+          <a:lstStyle/>
+          <a:p>
+            <a:pPr algn="ctr"/>
+            <a:endParaRPr lang="en-US"/>
+          </a:p>
+        </p:txBody>
+      </p:sp>
+      <p:sp>
+        <p:nvSpPr>
+          <p:cNvPr id="31" name="Rectangle 30">
+            <a:extLst>
+              <a:ext uri="{FF2B5EF4-FFF2-40B4-BE49-F238E27FC236}">
+                <a16:creationId xmlns:a16="http://schemas.microsoft.com/office/drawing/2014/main" id="{84D76ECB-2266-98DC-FCBE-FEEA516ADA31}"/>
+              </a:ext>
+              <a:ext uri="{C183D7F6-B498-43B3-948B-1728B52AA6E4}">
+                <adec:decorative xmlns:adec="http://schemas.microsoft.com/office/drawing/2017/decorative" val="1"/>
+              </a:ext>
+            </a:extLst>
+          </p:cNvPr>
+          <p:cNvSpPr>
+            <a:spLocks noGrp="1" noRot="1" noChangeAspect="1" noMove="1" noResize="1" noEditPoints="1" noAdjustHandles="1" noChangeArrowheads="1" noChangeShapeType="1" noTextEdit="1"/>
+          </p:cNvSpPr>
+          <p:nvPr>
+            <p:extLst>
+              <p:ext uri="{386F3935-93C4-4BCD-93E2-E3B085C9AB24}">
+                <p16:designElem xmlns:p16="http://schemas.microsoft.com/office/powerpoint/2015/main" val="1"/>
+              </p:ext>
+            </p:extLst>
+          </p:nvPr>
+        </p:nvSpPr>
+        <p:spPr>
+          <a:xfrm rot="5400000">
+            <a:off x="5307778" y="-5307777"/>
+            <a:ext cx="1576446" cy="12192001"/>
+          </a:xfrm>
+          <a:prstGeom prst="rect">
+            <a:avLst/>
+          </a:prstGeom>
+          <a:gradFill>
+            <a:gsLst>
+              <a:gs pos="16000">
+                <a:srgbClr val="000000">
+                  <a:alpha val="0"/>
+                </a:srgbClr>
+              </a:gs>
+              <a:gs pos="99000">
+                <a:srgbClr val="000000">
+                  <a:alpha val="87000"/>
+                </a:srgbClr>
+              </a:gs>
+            </a:gsLst>
+            <a:lin ang="11400000" scaled="0"/>
+          </a:gradFill>
+          <a:ln>
+            <a:noFill/>
+          </a:ln>
+        </p:spPr>
+        <p:style>
+          <a:lnRef idx="2">
+            <a:schemeClr val="accent1">
+              <a:shade val="50000"/>
+            </a:schemeClr>
+          </a:lnRef>
+          <a:fillRef idx="1">
+            <a:schemeClr val="accent1"/>
+          </a:fillRef>
+          <a:effectRef idx="0">
+            <a:schemeClr val="accent1"/>
+          </a:effectRef>
+          <a:fontRef idx="minor">
+            <a:schemeClr val="lt1"/>
+          </a:fontRef>
+        </p:style>
+        <p:txBody>
+          <a:bodyPr rtlCol="0" anchor="ctr"/>
+          <a:lstStyle/>
+          <a:p>
+            <a:pPr algn="ctr"/>
+            <a:endParaRPr lang="en-US" dirty="0"/>
+          </a:p>
+        </p:txBody>
+      </p:sp>
+      <p:sp>
+        <p:nvSpPr>
+          <p:cNvPr id="33" name="Rectangle 32">
+            <a:extLst>
+              <a:ext uri="{FF2B5EF4-FFF2-40B4-BE49-F238E27FC236}">
+                <a16:creationId xmlns:a16="http://schemas.microsoft.com/office/drawing/2014/main" id="{6A99EBCE-2BB7-C012-3FB2-36DB4D8624D9}"/>
+              </a:ext>
+              <a:ext uri="{C183D7F6-B498-43B3-948B-1728B52AA6E4}">
+                <adec:decorative xmlns:adec="http://schemas.microsoft.com/office/drawing/2017/decorative" val="1"/>
+              </a:ext>
+            </a:extLst>
+          </p:cNvPr>
+          <p:cNvSpPr>
+            <a:spLocks noGrp="1" noRot="1" noChangeAspect="1" noMove="1" noResize="1" noEditPoints="1" noAdjustHandles="1" noChangeArrowheads="1" noChangeShapeType="1" noTextEdit="1"/>
+          </p:cNvSpPr>
+          <p:nvPr>
+            <p:extLst>
+              <p:ext uri="{386F3935-93C4-4BCD-93E2-E3B085C9AB24}">
+                <p16:designElem xmlns:p16="http://schemas.microsoft.com/office/powerpoint/2015/main" val="1"/>
+              </p:ext>
+            </p:extLst>
+          </p:nvPr>
+        </p:nvSpPr>
+        <p:spPr>
+          <a:xfrm>
+            <a:off x="3825434" y="986"/>
+            <a:ext cx="4303422" cy="1575461"/>
+          </a:xfrm>
+          <a:prstGeom prst="rect">
+            <a:avLst/>
+          </a:prstGeom>
+          <a:gradFill>
+            <a:gsLst>
+              <a:gs pos="0">
+                <a:schemeClr val="accent1">
+                  <a:alpha val="17000"/>
+                </a:schemeClr>
+              </a:gs>
+              <a:gs pos="74000">
+                <a:schemeClr val="accent1">
+                  <a:lumMod val="50000"/>
+                  <a:alpha val="0"/>
+                </a:schemeClr>
+              </a:gs>
+            </a:gsLst>
+            <a:lin ang="14400000" scaled="0"/>
+          </a:gradFill>
+          <a:ln>
+            <a:noFill/>
+          </a:ln>
+        </p:spPr>
+        <p:style>
+          <a:lnRef idx="2">
+            <a:schemeClr val="accent1">
+              <a:shade val="50000"/>
+            </a:schemeClr>
+          </a:lnRef>
+          <a:fillRef idx="1">
+            <a:schemeClr val="accent1"/>
+          </a:fillRef>
+          <a:effectRef idx="0">
+            <a:schemeClr val="accent1"/>
+          </a:effectRef>
+          <a:fontRef idx="minor">
+            <a:schemeClr val="lt1"/>
+          </a:fontRef>
+        </p:style>
+        <p:txBody>
+          <a:bodyPr rtlCol="0" anchor="ctr"/>
+          <a:lstStyle/>
+          <a:p>
+            <a:pPr algn="ctr"/>
+            <a:endParaRPr lang="en-US"/>
+          </a:p>
+        </p:txBody>
+      </p:sp>
+      <p:sp>
+        <p:nvSpPr>
+          <p:cNvPr id="2" name="标题 1">
+            <a:extLst>
+              <a:ext uri="{FF2B5EF4-FFF2-40B4-BE49-F238E27FC236}">
+                <a16:creationId xmlns:a16="http://schemas.microsoft.com/office/drawing/2014/main" id="{5F0C0DBA-EA37-76C8-FA99-9F70682B6F4F}"/>
+              </a:ext>
+            </a:extLst>
+          </p:cNvPr>
+          <p:cNvSpPr>
+            <a:spLocks noGrp="1"/>
+          </p:cNvSpPr>
+          <p:nvPr>
+            <p:ph type="ctrTitle"/>
+          </p:nvPr>
+        </p:nvSpPr>
+        <p:spPr>
+          <a:xfrm>
+            <a:off x="699714" y="353160"/>
+            <a:ext cx="7091300" cy="898581"/>
+          </a:xfrm>
+        </p:spPr>
+        <p:txBody>
+          <a:bodyPr anchor="ctr">
+            <a:normAutofit/>
+          </a:bodyPr>
+          <a:lstStyle/>
+          <a:p>
+            <a:pPr algn="l"/>
+            <a:r>
+              <a:rPr lang="en-US" altLang="zh-CN" sz="4000" dirty="0">
+                <a:solidFill>
+                  <a:srgbClr val="FFFFFF"/>
+                </a:solidFill>
+              </a:rPr>
+              <a:t>Cross Vit </a:t>
+            </a:r>
+            <a:endParaRPr lang="zh-CN" altLang="en-US" sz="4000" dirty="0">
+              <a:solidFill>
+                <a:srgbClr val="FFFFFF"/>
+              </a:solidFill>
+            </a:endParaRPr>
+          </a:p>
+        </p:txBody>
+      </p:sp>
+      <p:sp>
+        <p:nvSpPr>
+          <p:cNvPr id="8" name="文本框 7">
+            <a:extLst>
+              <a:ext uri="{FF2B5EF4-FFF2-40B4-BE49-F238E27FC236}">
+                <a16:creationId xmlns:a16="http://schemas.microsoft.com/office/drawing/2014/main" id="{06CDB214-F545-382E-0EC5-C599BDB4592F}"/>
+              </a:ext>
+            </a:extLst>
+          </p:cNvPr>
+          <p:cNvSpPr txBox="1"/>
+          <p:nvPr/>
+        </p:nvSpPr>
+        <p:spPr>
+          <a:xfrm>
+            <a:off x="41705" y="1769422"/>
+            <a:ext cx="5001350" cy="3970318"/>
+          </a:xfrm>
+          <a:prstGeom prst="rect">
+            <a:avLst/>
+          </a:prstGeom>
+          <a:noFill/>
+        </p:spPr>
+        <p:txBody>
+          <a:bodyPr wrap="square">
+            <a:spAutoFit/>
+          </a:bodyPr>
+          <a:lstStyle/>
+          <a:p>
+            <a:r>
+              <a:rPr lang="zh-CN" altLang="en-US" dirty="0"/>
+              <a:t> image_size=32, num_classes=10,</a:t>
+            </a:r>
+          </a:p>
+          <a:p>
+            <a:r>
+              <a:rPr lang="zh-CN" altLang="en-US" dirty="0"/>
+              <a:t>    sm_dim=192, lg_dim=384,             </a:t>
+            </a:r>
+          </a:p>
+          <a:p>
+            <a:r>
+              <a:rPr lang="zh-CN" altLang="en-US" dirty="0"/>
+              <a:t>    sm_patch_size=4, lg_patch_size=8,</a:t>
+            </a:r>
+          </a:p>
+          <a:p>
+            <a:endParaRPr lang="zh-CN" altLang="en-US" dirty="0"/>
+          </a:p>
+          <a:p>
+            <a:r>
+              <a:rPr lang="zh-CN" altLang="en-US" dirty="0"/>
+              <a:t>    depth=2,                             </a:t>
+            </a:r>
+          </a:p>
+          <a:p>
+            <a:r>
+              <a:rPr lang="zh-CN" altLang="en-US" dirty="0"/>
+              <a:t>    sm_enc_depth=2, lg_enc_depth=2,</a:t>
+            </a:r>
+          </a:p>
+          <a:p>
+            <a:r>
+              <a:rPr lang="zh-CN" altLang="en-US" dirty="0"/>
+              <a:t>    cross_attn_depth=1,</a:t>
+            </a:r>
+          </a:p>
+          <a:p>
+            <a:endParaRPr lang="zh-CN" altLang="en-US" dirty="0"/>
+          </a:p>
+          <a:p>
+            <a:r>
+              <a:rPr lang="zh-CN" altLang="en-US" dirty="0"/>
+              <a:t>    sm_enc_heads=6,  sm_enc_dim_head=32,</a:t>
+            </a:r>
+          </a:p>
+          <a:p>
+            <a:r>
+              <a:rPr lang="zh-CN" altLang="en-US" dirty="0"/>
+              <a:t>    lg_enc_heads=6,  lg_enc_dim_head=64, </a:t>
+            </a:r>
+          </a:p>
+          <a:p>
+            <a:r>
+              <a:rPr lang="zh-CN" altLang="en-US" dirty="0"/>
+              <a:t>    cross_attn_heads=4, cross_attn_dim_head=48,   </a:t>
+            </a:r>
+          </a:p>
+          <a:p>
+            <a:endParaRPr lang="zh-CN" altLang="en-US" dirty="0"/>
+          </a:p>
+          <a:p>
+            <a:r>
+              <a:rPr lang="zh-CN" altLang="en-US" dirty="0"/>
+              <a:t>    sm_enc_mlp_dim=768, lg_enc_mlp_dim=1536,     </a:t>
+            </a:r>
+          </a:p>
+          <a:p>
+            <a:r>
+              <a:rPr lang="zh-CN" altLang="en-US" dirty="0"/>
+              <a:t>    dropout=0.1, emb_dropout=0.1, channels=3</a:t>
+            </a:r>
+            <a:endParaRPr lang="en-US" altLang="zh-CN" dirty="0"/>
+          </a:p>
+        </p:txBody>
+      </p:sp>
+      <p:sp>
+        <p:nvSpPr>
+          <p:cNvPr id="10" name="文本框 9">
+            <a:extLst>
+              <a:ext uri="{FF2B5EF4-FFF2-40B4-BE49-F238E27FC236}">
+                <a16:creationId xmlns:a16="http://schemas.microsoft.com/office/drawing/2014/main" id="{447EA850-C7C9-C69D-18AE-00295821F35A}"/>
+              </a:ext>
+            </a:extLst>
+          </p:cNvPr>
+          <p:cNvSpPr txBox="1"/>
+          <p:nvPr/>
+        </p:nvSpPr>
+        <p:spPr>
+          <a:xfrm>
+            <a:off x="8442036" y="264982"/>
+            <a:ext cx="3592946" cy="646331"/>
+          </a:xfrm>
+          <a:prstGeom prst="rect">
+            <a:avLst/>
+          </a:prstGeom>
+          <a:noFill/>
+        </p:spPr>
+        <p:txBody>
+          <a:bodyPr wrap="square" rtlCol="0">
+            <a:spAutoFit/>
+          </a:bodyPr>
+          <a:lstStyle/>
+          <a:p>
+            <a:r>
+              <a:rPr lang="en-US" altLang="zh-CN" dirty="0">
+                <a:solidFill>
+                  <a:schemeClr val="bg1"/>
+                </a:solidFill>
+              </a:rPr>
+              <a:t>Accuracy rate : 76.31</a:t>
+            </a:r>
+            <a:r>
+              <a:rPr lang="en-US" altLang="zh-CN" dirty="0"/>
+              <a:t>%</a:t>
+            </a:r>
+          </a:p>
+          <a:p>
+            <a:r>
+              <a:rPr lang="en-US" altLang="zh-CN" dirty="0">
+                <a:solidFill>
+                  <a:schemeClr val="bg1"/>
+                </a:solidFill>
+              </a:rPr>
+              <a:t>Time Cost : 70min</a:t>
+            </a:r>
+            <a:endParaRPr lang="zh-CN" altLang="en-US" dirty="0">
+              <a:solidFill>
+                <a:schemeClr val="bg1"/>
+              </a:solidFill>
+            </a:endParaRPr>
+          </a:p>
+        </p:txBody>
+      </p:sp>
+      <p:pic>
+        <p:nvPicPr>
+          <p:cNvPr id="14" name="图片 13">
+            <a:extLst>
+              <a:ext uri="{FF2B5EF4-FFF2-40B4-BE49-F238E27FC236}">
+                <a16:creationId xmlns:a16="http://schemas.microsoft.com/office/drawing/2014/main" id="{677F0C05-97FD-968B-AD28-86727E921F8F}"/>
+              </a:ext>
+            </a:extLst>
+          </p:cNvPr>
+          <p:cNvPicPr>
+            <a:picLocks noChangeAspect="1"/>
+          </p:cNvPicPr>
+          <p:nvPr/>
+        </p:nvPicPr>
+        <p:blipFill>
+          <a:blip r:embed="rId2"/>
+          <a:stretch>
+            <a:fillRect/>
+          </a:stretch>
+        </p:blipFill>
+        <p:spPr>
+          <a:xfrm>
+            <a:off x="5043055" y="2048693"/>
+            <a:ext cx="6933008" cy="4102724"/>
+          </a:xfrm>
+          <a:prstGeom prst="rect">
+            <a:avLst/>
+          </a:prstGeom>
+        </p:spPr>
+      </p:pic>
+    </p:spTree>
+    <p:extLst>
+      <p:ext uri="{BB962C8B-B14F-4D97-AF65-F5344CB8AC3E}">
+        <p14:creationId xmlns:p14="http://schemas.microsoft.com/office/powerpoint/2010/main" val="1739757987"/>
       </p:ext>
     </p:extLst>
   </p:cSld>
@@ -12573,156 +11890,6 @@
 <file path=ppt/slides/slide20.xml><?xml version="1.0" encoding="utf-8"?>
 <p:sld xmlns:a="http://schemas.openxmlformats.org/drawingml/2006/main" xmlns:r="http://schemas.openxmlformats.org/officeDocument/2006/relationships" xmlns:p="http://schemas.openxmlformats.org/presentationml/2006/main">
   <p:cSld>
-    <p:spTree>
-      <p:nvGrpSpPr>
-        <p:cNvPr id="1" name=""/>
-        <p:cNvGrpSpPr/>
-        <p:nvPr/>
-      </p:nvGrpSpPr>
-      <p:grpSpPr>
-        <a:xfrm>
-          <a:off x="0" y="0"/>
-          <a:ext cx="0" cy="0"/>
-          <a:chOff x="0" y="0"/>
-          <a:chExt cx="0" cy="0"/>
-        </a:xfrm>
-      </p:grpSpPr>
-      <p:sp>
-        <p:nvSpPr>
-          <p:cNvPr id="4" name="文本框 3">
-            <a:extLst>
-              <a:ext uri="{FF2B5EF4-FFF2-40B4-BE49-F238E27FC236}">
-                <a16:creationId xmlns:a16="http://schemas.microsoft.com/office/drawing/2014/main" id="{BCCCF64B-F619-22CE-F042-7CAA55297722}"/>
-              </a:ext>
-            </a:extLst>
-          </p:cNvPr>
-          <p:cNvSpPr txBox="1"/>
-          <p:nvPr/>
-        </p:nvSpPr>
-        <p:spPr>
-          <a:xfrm>
-            <a:off x="110836" y="221673"/>
-            <a:ext cx="5024582" cy="646331"/>
-          </a:xfrm>
-          <a:prstGeom prst="rect">
-            <a:avLst/>
-          </a:prstGeom>
-          <a:noFill/>
-        </p:spPr>
-        <p:txBody>
-          <a:bodyPr wrap="square" rtlCol="0">
-            <a:spAutoFit/>
-          </a:bodyPr>
-          <a:lstStyle/>
-          <a:p>
-            <a:r>
-              <a:rPr lang="en-US" altLang="zh-CN" dirty="0"/>
-              <a:t>Finally, get small </a:t>
-            </a:r>
-            <a:r>
-              <a:rPr lang="en-US" altLang="zh-CN" dirty="0" err="1"/>
-              <a:t>cls</a:t>
-            </a:r>
-            <a:r>
-              <a:rPr lang="en-US" altLang="zh-CN" dirty="0"/>
-              <a:t> token and large </a:t>
-            </a:r>
-            <a:r>
-              <a:rPr lang="en-US" altLang="zh-CN" dirty="0" err="1"/>
-              <a:t>cls</a:t>
-            </a:r>
-            <a:r>
-              <a:rPr lang="en-US" altLang="zh-CN" dirty="0"/>
-              <a:t> token , </a:t>
-            </a:r>
-            <a:r>
-              <a:rPr lang="en-US" altLang="zh-CN" dirty="0" err="1"/>
-              <a:t>mlp</a:t>
-            </a:r>
-            <a:r>
-              <a:rPr lang="en-US" altLang="zh-CN" dirty="0"/>
-              <a:t> them, adding to get the result</a:t>
-            </a:r>
-            <a:endParaRPr lang="zh-CN" altLang="en-US" dirty="0"/>
-          </a:p>
-        </p:txBody>
-      </p:sp>
-      <p:pic>
-        <p:nvPicPr>
-          <p:cNvPr id="6" name="图片 5">
-            <a:extLst>
-              <a:ext uri="{FF2B5EF4-FFF2-40B4-BE49-F238E27FC236}">
-                <a16:creationId xmlns:a16="http://schemas.microsoft.com/office/drawing/2014/main" id="{0AA45124-E04D-4FB1-03D5-2357850E5DE8}"/>
-              </a:ext>
-            </a:extLst>
-          </p:cNvPr>
-          <p:cNvPicPr>
-            <a:picLocks noChangeAspect="1"/>
-          </p:cNvPicPr>
-          <p:nvPr/>
-        </p:nvPicPr>
-        <p:blipFill>
-          <a:blip r:embed="rId2"/>
-          <a:stretch>
-            <a:fillRect/>
-          </a:stretch>
-        </p:blipFill>
-        <p:spPr>
-          <a:xfrm>
-            <a:off x="5702725" y="136065"/>
-            <a:ext cx="2172003" cy="1609950"/>
-          </a:xfrm>
-          <a:prstGeom prst="rect">
-            <a:avLst/>
-          </a:prstGeom>
-        </p:spPr>
-      </p:pic>
-      <p:pic>
-        <p:nvPicPr>
-          <p:cNvPr id="8" name="图片 7">
-            <a:extLst>
-              <a:ext uri="{FF2B5EF4-FFF2-40B4-BE49-F238E27FC236}">
-                <a16:creationId xmlns:a16="http://schemas.microsoft.com/office/drawing/2014/main" id="{88907F0C-79F1-D9AA-777C-C93221598D9F}"/>
-              </a:ext>
-            </a:extLst>
-          </p:cNvPr>
-          <p:cNvPicPr>
-            <a:picLocks noChangeAspect="1"/>
-          </p:cNvPicPr>
-          <p:nvPr/>
-        </p:nvPicPr>
-        <p:blipFill>
-          <a:blip r:embed="rId3"/>
-          <a:stretch>
-            <a:fillRect/>
-          </a:stretch>
-        </p:blipFill>
-        <p:spPr>
-          <a:xfrm>
-            <a:off x="227255" y="941040"/>
-            <a:ext cx="4791744" cy="1200318"/>
-          </a:xfrm>
-          <a:prstGeom prst="rect">
-            <a:avLst/>
-          </a:prstGeom>
-        </p:spPr>
-      </p:pic>
-    </p:spTree>
-    <p:extLst>
-      <p:ext uri="{BB962C8B-B14F-4D97-AF65-F5344CB8AC3E}">
-        <p14:creationId xmlns:p14="http://schemas.microsoft.com/office/powerpoint/2010/main" val="516600480"/>
-      </p:ext>
-    </p:extLst>
-  </p:cSld>
-  <p:clrMapOvr>
-    <a:masterClrMapping/>
-  </p:clrMapOvr>
-</p:sld>
-</file>
-
-<file path=ppt/slides/slide21.xml><?xml version="1.0" encoding="utf-8"?>
-<p:sld xmlns:a="http://schemas.openxmlformats.org/drawingml/2006/main" xmlns:r="http://schemas.openxmlformats.org/officeDocument/2006/relationships" xmlns:p="http://schemas.openxmlformats.org/presentationml/2006/main">
-  <p:cSld>
     <p:bg>
       <p:bgPr>
         <a:solidFill>
@@ -12736,7 +11903,7 @@
         <p:cNvPr id="1" name="">
           <a:extLst>
             <a:ext uri="{FF2B5EF4-FFF2-40B4-BE49-F238E27FC236}">
-              <a16:creationId xmlns:a16="http://schemas.microsoft.com/office/drawing/2014/main" id="{C272E5A9-8848-52C0-E339-E7BF1787FB72}"/>
+              <a16:creationId xmlns:a16="http://schemas.microsoft.com/office/drawing/2014/main" id="{82E886B9-14A7-1C3C-B237-6625464AC9E6}"/>
             </a:ext>
           </a:extLst>
         </p:cNvPr>
@@ -12756,7 +11923,7 @@
           <p:cNvPr id="25" name="Rectangle 24">
             <a:extLst>
               <a:ext uri="{FF2B5EF4-FFF2-40B4-BE49-F238E27FC236}">
-                <a16:creationId xmlns:a16="http://schemas.microsoft.com/office/drawing/2014/main" id="{C3E884E2-1B7A-5376-9D3F-452BC0CD09AE}"/>
+                <a16:creationId xmlns:a16="http://schemas.microsoft.com/office/drawing/2014/main" id="{B73A72DE-2785-8827-2DD2-82D5031AE64F}"/>
               </a:ext>
               <a:ext uri="{C183D7F6-B498-43B3-948B-1728B52AA6E4}">
                 <adec:decorative xmlns:adec="http://schemas.microsoft.com/office/drawing/2017/decorative" val="1"/>
@@ -12832,7 +11999,7 @@
           <p:cNvPr id="27" name="Rectangle 26">
             <a:extLst>
               <a:ext uri="{FF2B5EF4-FFF2-40B4-BE49-F238E27FC236}">
-                <a16:creationId xmlns:a16="http://schemas.microsoft.com/office/drawing/2014/main" id="{49D7F496-D3A3-2EFE-093E-EA50DB910492}"/>
+                <a16:creationId xmlns:a16="http://schemas.microsoft.com/office/drawing/2014/main" id="{07DD76B7-544D-69BA-7525-616353D63CC3}"/>
               </a:ext>
               <a:ext uri="{C183D7F6-B498-43B3-948B-1728B52AA6E4}">
                 <adec:decorative xmlns:adec="http://schemas.microsoft.com/office/drawing/2017/decorative" val="1"/>
@@ -12907,7 +12074,7 @@
           <p:cNvPr id="29" name="Rectangle 28">
             <a:extLst>
               <a:ext uri="{FF2B5EF4-FFF2-40B4-BE49-F238E27FC236}">
-                <a16:creationId xmlns:a16="http://schemas.microsoft.com/office/drawing/2014/main" id="{F362175F-C17F-5746-396B-B65B9E917872}"/>
+                <a16:creationId xmlns:a16="http://schemas.microsoft.com/office/drawing/2014/main" id="{51F0C791-5E40-07E6-F791-A2292C4C794D}"/>
               </a:ext>
               <a:ext uri="{C183D7F6-B498-43B3-948B-1728B52AA6E4}">
                 <adec:decorative xmlns:adec="http://schemas.microsoft.com/office/drawing/2017/decorative" val="1"/>
@@ -12983,7 +12150,7 @@
           <p:cNvPr id="31" name="Rectangle 30">
             <a:extLst>
               <a:ext uri="{FF2B5EF4-FFF2-40B4-BE49-F238E27FC236}">
-                <a16:creationId xmlns:a16="http://schemas.microsoft.com/office/drawing/2014/main" id="{84D76ECB-2266-98DC-FCBE-FEEA516ADA31}"/>
+                <a16:creationId xmlns:a16="http://schemas.microsoft.com/office/drawing/2014/main" id="{88CE2D4D-DA1F-C447-C962-ADCC2247CAA2}"/>
               </a:ext>
               <a:ext uri="{C183D7F6-B498-43B3-948B-1728B52AA6E4}">
                 <adec:decorative xmlns:adec="http://schemas.microsoft.com/office/drawing/2017/decorative" val="1"/>
@@ -13058,7 +12225,7 @@
           <p:cNvPr id="33" name="Rectangle 32">
             <a:extLst>
               <a:ext uri="{FF2B5EF4-FFF2-40B4-BE49-F238E27FC236}">
-                <a16:creationId xmlns:a16="http://schemas.microsoft.com/office/drawing/2014/main" id="{6A99EBCE-2BB7-C012-3FB2-36DB4D8624D9}"/>
+                <a16:creationId xmlns:a16="http://schemas.microsoft.com/office/drawing/2014/main" id="{D5525746-0967-13C6-E029-8DA7BC452E0D}"/>
               </a:ext>
               <a:ext uri="{C183D7F6-B498-43B3-948B-1728B52AA6E4}">
                 <adec:decorative xmlns:adec="http://schemas.microsoft.com/office/drawing/2017/decorative" val="1"/>
@@ -13134,666 +12301,6 @@
           <p:cNvPr id="2" name="标题 1">
             <a:extLst>
               <a:ext uri="{FF2B5EF4-FFF2-40B4-BE49-F238E27FC236}">
-                <a16:creationId xmlns:a16="http://schemas.microsoft.com/office/drawing/2014/main" id="{5F0C0DBA-EA37-76C8-FA99-9F70682B6F4F}"/>
-              </a:ext>
-            </a:extLst>
-          </p:cNvPr>
-          <p:cNvSpPr>
-            <a:spLocks noGrp="1"/>
-          </p:cNvSpPr>
-          <p:nvPr>
-            <p:ph type="ctrTitle"/>
-          </p:nvPr>
-        </p:nvSpPr>
-        <p:spPr>
-          <a:xfrm>
-            <a:off x="699714" y="353160"/>
-            <a:ext cx="7091300" cy="898581"/>
-          </a:xfrm>
-        </p:spPr>
-        <p:txBody>
-          <a:bodyPr anchor="ctr">
-            <a:normAutofit/>
-          </a:bodyPr>
-          <a:lstStyle/>
-          <a:p>
-            <a:pPr algn="l"/>
-            <a:r>
-              <a:rPr lang="en-US" altLang="zh-CN" sz="4000" dirty="0">
-                <a:solidFill>
-                  <a:srgbClr val="FFFFFF"/>
-                </a:solidFill>
-              </a:rPr>
-              <a:t>Cross Vit </a:t>
-            </a:r>
-            <a:endParaRPr lang="zh-CN" altLang="en-US" sz="4000" dirty="0">
-              <a:solidFill>
-                <a:srgbClr val="FFFFFF"/>
-              </a:solidFill>
-            </a:endParaRPr>
-          </a:p>
-        </p:txBody>
-      </p:sp>
-      <p:sp>
-        <p:nvSpPr>
-          <p:cNvPr id="8" name="文本框 7">
-            <a:extLst>
-              <a:ext uri="{FF2B5EF4-FFF2-40B4-BE49-F238E27FC236}">
-                <a16:creationId xmlns:a16="http://schemas.microsoft.com/office/drawing/2014/main" id="{06CDB214-F545-382E-0EC5-C599BDB4592F}"/>
-              </a:ext>
-            </a:extLst>
-          </p:cNvPr>
-          <p:cNvSpPr txBox="1"/>
-          <p:nvPr/>
-        </p:nvSpPr>
-        <p:spPr>
-          <a:xfrm>
-            <a:off x="41705" y="1769422"/>
-            <a:ext cx="5001350" cy="3970318"/>
-          </a:xfrm>
-          <a:prstGeom prst="rect">
-            <a:avLst/>
-          </a:prstGeom>
-          <a:noFill/>
-        </p:spPr>
-        <p:txBody>
-          <a:bodyPr wrap="square">
-            <a:spAutoFit/>
-          </a:bodyPr>
-          <a:lstStyle/>
-          <a:p>
-            <a:r>
-              <a:rPr lang="zh-CN" altLang="en-US" dirty="0"/>
-              <a:t> image_size=32, num_classes=10,</a:t>
-            </a:r>
-          </a:p>
-          <a:p>
-            <a:r>
-              <a:rPr lang="zh-CN" altLang="en-US" dirty="0"/>
-              <a:t>    sm_dim=192, lg_dim=384,             </a:t>
-            </a:r>
-          </a:p>
-          <a:p>
-            <a:r>
-              <a:rPr lang="zh-CN" altLang="en-US" dirty="0"/>
-              <a:t>    sm_patch_size=4, lg_patch_size=8,</a:t>
-            </a:r>
-          </a:p>
-          <a:p>
-            <a:endParaRPr lang="zh-CN" altLang="en-US" dirty="0"/>
-          </a:p>
-          <a:p>
-            <a:r>
-              <a:rPr lang="zh-CN" altLang="en-US" dirty="0"/>
-              <a:t>    depth=2,                             </a:t>
-            </a:r>
-          </a:p>
-          <a:p>
-            <a:r>
-              <a:rPr lang="zh-CN" altLang="en-US" dirty="0"/>
-              <a:t>    sm_enc_depth=2, lg_enc_depth=2,</a:t>
-            </a:r>
-          </a:p>
-          <a:p>
-            <a:r>
-              <a:rPr lang="zh-CN" altLang="en-US" dirty="0"/>
-              <a:t>    cross_attn_depth=1,</a:t>
-            </a:r>
-          </a:p>
-          <a:p>
-            <a:endParaRPr lang="zh-CN" altLang="en-US" dirty="0"/>
-          </a:p>
-          <a:p>
-            <a:r>
-              <a:rPr lang="zh-CN" altLang="en-US" dirty="0"/>
-              <a:t>    sm_enc_heads=6,  sm_enc_dim_head=32,</a:t>
-            </a:r>
-          </a:p>
-          <a:p>
-            <a:r>
-              <a:rPr lang="zh-CN" altLang="en-US" dirty="0"/>
-              <a:t>    lg_enc_heads=6,  lg_enc_dim_head=64, </a:t>
-            </a:r>
-          </a:p>
-          <a:p>
-            <a:r>
-              <a:rPr lang="zh-CN" altLang="en-US" dirty="0"/>
-              <a:t>    cross_attn_heads=4, cross_attn_dim_head=48,   </a:t>
-            </a:r>
-          </a:p>
-          <a:p>
-            <a:endParaRPr lang="zh-CN" altLang="en-US" dirty="0"/>
-          </a:p>
-          <a:p>
-            <a:r>
-              <a:rPr lang="zh-CN" altLang="en-US" dirty="0"/>
-              <a:t>    sm_enc_mlp_dim=768, lg_enc_mlp_dim=1536,     </a:t>
-            </a:r>
-          </a:p>
-          <a:p>
-            <a:r>
-              <a:rPr lang="zh-CN" altLang="en-US" dirty="0"/>
-              <a:t>    dropout=0.1, emb_dropout=0.1, channels=3</a:t>
-            </a:r>
-            <a:endParaRPr lang="en-US" altLang="zh-CN" dirty="0"/>
-          </a:p>
-        </p:txBody>
-      </p:sp>
-      <p:sp>
-        <p:nvSpPr>
-          <p:cNvPr id="10" name="文本框 9">
-            <a:extLst>
-              <a:ext uri="{FF2B5EF4-FFF2-40B4-BE49-F238E27FC236}">
-                <a16:creationId xmlns:a16="http://schemas.microsoft.com/office/drawing/2014/main" id="{447EA850-C7C9-C69D-18AE-00295821F35A}"/>
-              </a:ext>
-            </a:extLst>
-          </p:cNvPr>
-          <p:cNvSpPr txBox="1"/>
-          <p:nvPr/>
-        </p:nvSpPr>
-        <p:spPr>
-          <a:xfrm>
-            <a:off x="8442036" y="264982"/>
-            <a:ext cx="3592946" cy="646331"/>
-          </a:xfrm>
-          <a:prstGeom prst="rect">
-            <a:avLst/>
-          </a:prstGeom>
-          <a:noFill/>
-        </p:spPr>
-        <p:txBody>
-          <a:bodyPr wrap="square" rtlCol="0">
-            <a:spAutoFit/>
-          </a:bodyPr>
-          <a:lstStyle/>
-          <a:p>
-            <a:r>
-              <a:rPr lang="en-US" altLang="zh-CN" dirty="0">
-                <a:solidFill>
-                  <a:schemeClr val="bg1"/>
-                </a:solidFill>
-              </a:rPr>
-              <a:t>Accuracy rate : 76.31</a:t>
-            </a:r>
-            <a:r>
-              <a:rPr lang="en-US" altLang="zh-CN" dirty="0"/>
-              <a:t>%</a:t>
-            </a:r>
-          </a:p>
-          <a:p>
-            <a:r>
-              <a:rPr lang="en-US" altLang="zh-CN" dirty="0">
-                <a:solidFill>
-                  <a:schemeClr val="bg1"/>
-                </a:solidFill>
-              </a:rPr>
-              <a:t>Time Cost : 70min</a:t>
-            </a:r>
-            <a:endParaRPr lang="zh-CN" altLang="en-US" dirty="0">
-              <a:solidFill>
-                <a:schemeClr val="bg1"/>
-              </a:solidFill>
-            </a:endParaRPr>
-          </a:p>
-        </p:txBody>
-      </p:sp>
-      <p:pic>
-        <p:nvPicPr>
-          <p:cNvPr id="14" name="图片 13">
-            <a:extLst>
-              <a:ext uri="{FF2B5EF4-FFF2-40B4-BE49-F238E27FC236}">
-                <a16:creationId xmlns:a16="http://schemas.microsoft.com/office/drawing/2014/main" id="{677F0C05-97FD-968B-AD28-86727E921F8F}"/>
-              </a:ext>
-            </a:extLst>
-          </p:cNvPr>
-          <p:cNvPicPr>
-            <a:picLocks noChangeAspect="1"/>
-          </p:cNvPicPr>
-          <p:nvPr/>
-        </p:nvPicPr>
-        <p:blipFill>
-          <a:blip r:embed="rId2"/>
-          <a:stretch>
-            <a:fillRect/>
-          </a:stretch>
-        </p:blipFill>
-        <p:spPr>
-          <a:xfrm>
-            <a:off x="5043055" y="2048693"/>
-            <a:ext cx="6933008" cy="4102724"/>
-          </a:xfrm>
-          <a:prstGeom prst="rect">
-            <a:avLst/>
-          </a:prstGeom>
-        </p:spPr>
-      </p:pic>
-    </p:spTree>
-    <p:extLst>
-      <p:ext uri="{BB962C8B-B14F-4D97-AF65-F5344CB8AC3E}">
-        <p14:creationId xmlns:p14="http://schemas.microsoft.com/office/powerpoint/2010/main" val="1739757987"/>
-      </p:ext>
-    </p:extLst>
-  </p:cSld>
-  <p:clrMapOvr>
-    <a:masterClrMapping/>
-  </p:clrMapOvr>
-</p:sld>
-</file>
-
-<file path=ppt/slides/slide22.xml><?xml version="1.0" encoding="utf-8"?>
-<p:sld xmlns:a="http://schemas.openxmlformats.org/drawingml/2006/main" xmlns:r="http://schemas.openxmlformats.org/officeDocument/2006/relationships" xmlns:p="http://schemas.openxmlformats.org/presentationml/2006/main">
-  <p:cSld>
-    <p:bg>
-      <p:bgPr>
-        <a:solidFill>
-          <a:schemeClr val="bg1"/>
-        </a:solidFill>
-        <a:effectLst/>
-      </p:bgPr>
-    </p:bg>
-    <p:spTree>
-      <p:nvGrpSpPr>
-        <p:cNvPr id="1" name="">
-          <a:extLst>
-            <a:ext uri="{FF2B5EF4-FFF2-40B4-BE49-F238E27FC236}">
-              <a16:creationId xmlns:a16="http://schemas.microsoft.com/office/drawing/2014/main" id="{82E886B9-14A7-1C3C-B237-6625464AC9E6}"/>
-            </a:ext>
-          </a:extLst>
-        </p:cNvPr>
-        <p:cNvGrpSpPr/>
-        <p:nvPr/>
-      </p:nvGrpSpPr>
-      <p:grpSpPr>
-        <a:xfrm>
-          <a:off x="0" y="0"/>
-          <a:ext cx="0" cy="0"/>
-          <a:chOff x="0" y="0"/>
-          <a:chExt cx="0" cy="0"/>
-        </a:xfrm>
-      </p:grpSpPr>
-      <p:sp useBgFill="1">
-        <p:nvSpPr>
-          <p:cNvPr id="25" name="Rectangle 24">
-            <a:extLst>
-              <a:ext uri="{FF2B5EF4-FFF2-40B4-BE49-F238E27FC236}">
-                <a16:creationId xmlns:a16="http://schemas.microsoft.com/office/drawing/2014/main" id="{B73A72DE-2785-8827-2DD2-82D5031AE64F}"/>
-              </a:ext>
-              <a:ext uri="{C183D7F6-B498-43B3-948B-1728B52AA6E4}">
-                <adec:decorative xmlns:adec="http://schemas.microsoft.com/office/drawing/2017/decorative" val="1"/>
-              </a:ext>
-            </a:extLst>
-          </p:cNvPr>
-          <p:cNvSpPr>
-            <a:spLocks noGrp="1" noRot="1" noChangeAspect="1" noMove="1" noResize="1" noEditPoints="1" noAdjustHandles="1" noChangeArrowheads="1" noChangeShapeType="1" noTextEdit="1"/>
-          </p:cNvSpPr>
-          <p:nvPr>
-            <p:extLst>
-              <p:ext uri="{386F3935-93C4-4BCD-93E2-E3B085C9AB24}">
-                <p16:designElem xmlns:p16="http://schemas.microsoft.com/office/powerpoint/2015/main" val="1"/>
-              </p:ext>
-            </p:extLst>
-          </p:nvPr>
-        </p:nvSpPr>
-        <p:spPr>
-          <a:xfrm>
-            <a:off x="0" y="0"/>
-            <a:ext cx="12192000" cy="6858000"/>
-          </a:xfrm>
-          <a:prstGeom prst="rect">
-            <a:avLst/>
-          </a:prstGeom>
-          <a:ln w="12700" cap="flat" cmpd="sng" algn="ctr">
-            <a:noFill/>
-            <a:prstDash val="solid"/>
-            <a:miter lim="800000"/>
-          </a:ln>
-          <a:effectLst/>
-          <a:extLst>
-            <a:ext uri="{91240B29-F687-4F45-9708-019B960494DF}">
-              <a14:hiddenLine xmlns:a14="http://schemas.microsoft.com/office/drawing/2010/main" w="12700" cap="flat" cmpd="sng" algn="ctr">
-                <a:solidFill>
-                  <a:schemeClr val="accent1">
-                    <a:shade val="50000"/>
-                  </a:schemeClr>
-                </a:solidFill>
-                <a:prstDash val="solid"/>
-                <a:miter lim="800000"/>
-              </a14:hiddenLine>
-            </a:ext>
-          </a:extLst>
-        </p:spPr>
-        <p:style>
-          <a:lnRef idx="2">
-            <a:schemeClr val="accent1">
-              <a:shade val="50000"/>
-            </a:schemeClr>
-          </a:lnRef>
-          <a:fillRef idx="1">
-            <a:schemeClr val="accent1"/>
-          </a:fillRef>
-          <a:effectRef idx="0">
-            <a:schemeClr val="accent1"/>
-          </a:effectRef>
-          <a:fontRef idx="minor">
-            <a:schemeClr val="lt1"/>
-          </a:fontRef>
-        </p:style>
-        <p:txBody>
-          <a:bodyPr rtlCol="0" anchor="ctr"/>
-          <a:lstStyle/>
-          <a:p>
-            <a:pPr algn="ctr"/>
-            <a:endParaRPr lang="en-US" sz="2000"/>
-          </a:p>
-        </p:txBody>
-      </p:sp>
-      <p:sp>
-        <p:nvSpPr>
-          <p:cNvPr id="27" name="Rectangle 26">
-            <a:extLst>
-              <a:ext uri="{FF2B5EF4-FFF2-40B4-BE49-F238E27FC236}">
-                <a16:creationId xmlns:a16="http://schemas.microsoft.com/office/drawing/2014/main" id="{07DD76B7-544D-69BA-7525-616353D63CC3}"/>
-              </a:ext>
-              <a:ext uri="{C183D7F6-B498-43B3-948B-1728B52AA6E4}">
-                <adec:decorative xmlns:adec="http://schemas.microsoft.com/office/drawing/2017/decorative" val="1"/>
-              </a:ext>
-            </a:extLst>
-          </p:cNvPr>
-          <p:cNvSpPr>
-            <a:spLocks noGrp="1" noRot="1" noChangeAspect="1" noMove="1" noResize="1" noEditPoints="1" noAdjustHandles="1" noChangeArrowheads="1" noChangeShapeType="1" noTextEdit="1"/>
-          </p:cNvSpPr>
-          <p:nvPr>
-            <p:extLst>
-              <p:ext uri="{386F3935-93C4-4BCD-93E2-E3B085C9AB24}">
-                <p16:designElem xmlns:p16="http://schemas.microsoft.com/office/powerpoint/2015/main" val="1"/>
-              </p:ext>
-            </p:extLst>
-          </p:nvPr>
-        </p:nvSpPr>
-        <p:spPr>
-          <a:xfrm flipH="1">
-            <a:off x="2" y="492"/>
-            <a:ext cx="12191998" cy="1575955"/>
-          </a:xfrm>
-          <a:prstGeom prst="rect">
-            <a:avLst/>
-          </a:prstGeom>
-          <a:gradFill>
-            <a:gsLst>
-              <a:gs pos="0">
-                <a:schemeClr val="accent1">
-                  <a:lumMod val="50000"/>
-                </a:schemeClr>
-              </a:gs>
-              <a:gs pos="100000">
-                <a:schemeClr val="accent1">
-                  <a:lumMod val="75000"/>
-                </a:schemeClr>
-              </a:gs>
-            </a:gsLst>
-            <a:lin ang="8400000" scaled="0"/>
-          </a:gradFill>
-          <a:ln>
-            <a:noFill/>
-          </a:ln>
-        </p:spPr>
-        <p:style>
-          <a:lnRef idx="2">
-            <a:schemeClr val="accent1">
-              <a:shade val="50000"/>
-            </a:schemeClr>
-          </a:lnRef>
-          <a:fillRef idx="1">
-            <a:schemeClr val="accent1"/>
-          </a:fillRef>
-          <a:effectRef idx="0">
-            <a:schemeClr val="accent1"/>
-          </a:effectRef>
-          <a:fontRef idx="minor">
-            <a:schemeClr val="lt1"/>
-          </a:fontRef>
-        </p:style>
-        <p:txBody>
-          <a:bodyPr rtlCol="0" anchor="ctr"/>
-          <a:lstStyle/>
-          <a:p>
-            <a:pPr algn="ctr"/>
-            <a:endParaRPr lang="en-US"/>
-          </a:p>
-        </p:txBody>
-      </p:sp>
-      <p:sp>
-        <p:nvSpPr>
-          <p:cNvPr id="29" name="Rectangle 28">
-            <a:extLst>
-              <a:ext uri="{FF2B5EF4-FFF2-40B4-BE49-F238E27FC236}">
-                <a16:creationId xmlns:a16="http://schemas.microsoft.com/office/drawing/2014/main" id="{51F0C791-5E40-07E6-F791-A2292C4C794D}"/>
-              </a:ext>
-              <a:ext uri="{C183D7F6-B498-43B3-948B-1728B52AA6E4}">
-                <adec:decorative xmlns:adec="http://schemas.microsoft.com/office/drawing/2017/decorative" val="1"/>
-              </a:ext>
-            </a:extLst>
-          </p:cNvPr>
-          <p:cNvSpPr>
-            <a:spLocks noGrp="1" noRot="1" noChangeAspect="1" noMove="1" noResize="1" noEditPoints="1" noAdjustHandles="1" noChangeArrowheads="1" noChangeShapeType="1" noTextEdit="1"/>
-          </p:cNvSpPr>
-          <p:nvPr>
-            <p:extLst>
-              <p:ext uri="{386F3935-93C4-4BCD-93E2-E3B085C9AB24}">
-                <p16:designElem xmlns:p16="http://schemas.microsoft.com/office/powerpoint/2015/main" val="1"/>
-              </p:ext>
-            </p:extLst>
-          </p:nvPr>
-        </p:nvSpPr>
-        <p:spPr>
-          <a:xfrm rot="10800000" flipH="1">
-            <a:off x="8128857" y="35"/>
-            <a:ext cx="4063143" cy="1576412"/>
-          </a:xfrm>
-          <a:prstGeom prst="rect">
-            <a:avLst/>
-          </a:prstGeom>
-          <a:gradFill>
-            <a:gsLst>
-              <a:gs pos="19000">
-                <a:schemeClr val="accent1">
-                  <a:lumMod val="50000"/>
-                  <a:alpha val="68000"/>
-                </a:schemeClr>
-              </a:gs>
-              <a:gs pos="100000">
-                <a:schemeClr val="accent1">
-                  <a:alpha val="79000"/>
-                </a:schemeClr>
-              </a:gs>
-            </a:gsLst>
-            <a:lin ang="19200000" scaled="0"/>
-          </a:gradFill>
-          <a:ln>
-            <a:noFill/>
-          </a:ln>
-        </p:spPr>
-        <p:style>
-          <a:lnRef idx="2">
-            <a:schemeClr val="accent1">
-              <a:shade val="50000"/>
-            </a:schemeClr>
-          </a:lnRef>
-          <a:fillRef idx="1">
-            <a:schemeClr val="accent1"/>
-          </a:fillRef>
-          <a:effectRef idx="0">
-            <a:schemeClr val="accent1"/>
-          </a:effectRef>
-          <a:fontRef idx="minor">
-            <a:schemeClr val="lt1"/>
-          </a:fontRef>
-        </p:style>
-        <p:txBody>
-          <a:bodyPr rtlCol="0" anchor="ctr"/>
-          <a:lstStyle/>
-          <a:p>
-            <a:pPr algn="ctr"/>
-            <a:endParaRPr lang="en-US"/>
-          </a:p>
-        </p:txBody>
-      </p:sp>
-      <p:sp>
-        <p:nvSpPr>
-          <p:cNvPr id="31" name="Rectangle 30">
-            <a:extLst>
-              <a:ext uri="{FF2B5EF4-FFF2-40B4-BE49-F238E27FC236}">
-                <a16:creationId xmlns:a16="http://schemas.microsoft.com/office/drawing/2014/main" id="{88CE2D4D-DA1F-C447-C962-ADCC2247CAA2}"/>
-              </a:ext>
-              <a:ext uri="{C183D7F6-B498-43B3-948B-1728B52AA6E4}">
-                <adec:decorative xmlns:adec="http://schemas.microsoft.com/office/drawing/2017/decorative" val="1"/>
-              </a:ext>
-            </a:extLst>
-          </p:cNvPr>
-          <p:cNvSpPr>
-            <a:spLocks noGrp="1" noRot="1" noChangeAspect="1" noMove="1" noResize="1" noEditPoints="1" noAdjustHandles="1" noChangeArrowheads="1" noChangeShapeType="1" noTextEdit="1"/>
-          </p:cNvSpPr>
-          <p:nvPr>
-            <p:extLst>
-              <p:ext uri="{386F3935-93C4-4BCD-93E2-E3B085C9AB24}">
-                <p16:designElem xmlns:p16="http://schemas.microsoft.com/office/powerpoint/2015/main" val="1"/>
-              </p:ext>
-            </p:extLst>
-          </p:nvPr>
-        </p:nvSpPr>
-        <p:spPr>
-          <a:xfrm rot="5400000">
-            <a:off x="5307778" y="-5307777"/>
-            <a:ext cx="1576446" cy="12192001"/>
-          </a:xfrm>
-          <a:prstGeom prst="rect">
-            <a:avLst/>
-          </a:prstGeom>
-          <a:gradFill>
-            <a:gsLst>
-              <a:gs pos="16000">
-                <a:srgbClr val="000000">
-                  <a:alpha val="0"/>
-                </a:srgbClr>
-              </a:gs>
-              <a:gs pos="99000">
-                <a:srgbClr val="000000">
-                  <a:alpha val="87000"/>
-                </a:srgbClr>
-              </a:gs>
-            </a:gsLst>
-            <a:lin ang="11400000" scaled="0"/>
-          </a:gradFill>
-          <a:ln>
-            <a:noFill/>
-          </a:ln>
-        </p:spPr>
-        <p:style>
-          <a:lnRef idx="2">
-            <a:schemeClr val="accent1">
-              <a:shade val="50000"/>
-            </a:schemeClr>
-          </a:lnRef>
-          <a:fillRef idx="1">
-            <a:schemeClr val="accent1"/>
-          </a:fillRef>
-          <a:effectRef idx="0">
-            <a:schemeClr val="accent1"/>
-          </a:effectRef>
-          <a:fontRef idx="minor">
-            <a:schemeClr val="lt1"/>
-          </a:fontRef>
-        </p:style>
-        <p:txBody>
-          <a:bodyPr rtlCol="0" anchor="ctr"/>
-          <a:lstStyle/>
-          <a:p>
-            <a:pPr algn="ctr"/>
-            <a:endParaRPr lang="en-US" dirty="0"/>
-          </a:p>
-        </p:txBody>
-      </p:sp>
-      <p:sp>
-        <p:nvSpPr>
-          <p:cNvPr id="33" name="Rectangle 32">
-            <a:extLst>
-              <a:ext uri="{FF2B5EF4-FFF2-40B4-BE49-F238E27FC236}">
-                <a16:creationId xmlns:a16="http://schemas.microsoft.com/office/drawing/2014/main" id="{D5525746-0967-13C6-E029-8DA7BC452E0D}"/>
-              </a:ext>
-              <a:ext uri="{C183D7F6-B498-43B3-948B-1728B52AA6E4}">
-                <adec:decorative xmlns:adec="http://schemas.microsoft.com/office/drawing/2017/decorative" val="1"/>
-              </a:ext>
-            </a:extLst>
-          </p:cNvPr>
-          <p:cNvSpPr>
-            <a:spLocks noGrp="1" noRot="1" noChangeAspect="1" noMove="1" noResize="1" noEditPoints="1" noAdjustHandles="1" noChangeArrowheads="1" noChangeShapeType="1" noTextEdit="1"/>
-          </p:cNvSpPr>
-          <p:nvPr>
-            <p:extLst>
-              <p:ext uri="{386F3935-93C4-4BCD-93E2-E3B085C9AB24}">
-                <p16:designElem xmlns:p16="http://schemas.microsoft.com/office/powerpoint/2015/main" val="1"/>
-              </p:ext>
-            </p:extLst>
-          </p:nvPr>
-        </p:nvSpPr>
-        <p:spPr>
-          <a:xfrm>
-            <a:off x="3825434" y="986"/>
-            <a:ext cx="4303422" cy="1575461"/>
-          </a:xfrm>
-          <a:prstGeom prst="rect">
-            <a:avLst/>
-          </a:prstGeom>
-          <a:gradFill>
-            <a:gsLst>
-              <a:gs pos="0">
-                <a:schemeClr val="accent1">
-                  <a:alpha val="17000"/>
-                </a:schemeClr>
-              </a:gs>
-              <a:gs pos="74000">
-                <a:schemeClr val="accent1">
-                  <a:lumMod val="50000"/>
-                  <a:alpha val="0"/>
-                </a:schemeClr>
-              </a:gs>
-            </a:gsLst>
-            <a:lin ang="14400000" scaled="0"/>
-          </a:gradFill>
-          <a:ln>
-            <a:noFill/>
-          </a:ln>
-        </p:spPr>
-        <p:style>
-          <a:lnRef idx="2">
-            <a:schemeClr val="accent1">
-              <a:shade val="50000"/>
-            </a:schemeClr>
-          </a:lnRef>
-          <a:fillRef idx="1">
-            <a:schemeClr val="accent1"/>
-          </a:fillRef>
-          <a:effectRef idx="0">
-            <a:schemeClr val="accent1"/>
-          </a:effectRef>
-          <a:fontRef idx="minor">
-            <a:schemeClr val="lt1"/>
-          </a:fontRef>
-        </p:style>
-        <p:txBody>
-          <a:bodyPr rtlCol="0" anchor="ctr"/>
-          <a:lstStyle/>
-          <a:p>
-            <a:pPr algn="ctr"/>
-            <a:endParaRPr lang="en-US"/>
-          </a:p>
-        </p:txBody>
-      </p:sp>
-      <p:sp>
-        <p:nvSpPr>
-          <p:cNvPr id="2" name="标题 1">
-            <a:extLst>
-              <a:ext uri="{FF2B5EF4-FFF2-40B4-BE49-F238E27FC236}">
                 <a16:creationId xmlns:a16="http://schemas.microsoft.com/office/drawing/2014/main" id="{9088B3CA-53AB-E855-AA9C-23955AFD807C}"/>
               </a:ext>
             </a:extLst>
@@ -13941,7 +12448,7 @@
 </p:sld>
 </file>
 
-<file path=ppt/slides/slide23.xml><?xml version="1.0" encoding="utf-8"?>
+<file path=ppt/slides/slide21.xml><?xml version="1.0" encoding="utf-8"?>
 <p:sld xmlns:a="http://schemas.openxmlformats.org/drawingml/2006/main" xmlns:r="http://schemas.openxmlformats.org/officeDocument/2006/relationships" xmlns:p="http://schemas.openxmlformats.org/presentationml/2006/main">
   <p:cSld>
     <p:bg>
@@ -17811,14 +16318,6 @@
 <file path=ppt/slides/slide9.xml><?xml version="1.0" encoding="utf-8"?>
 <p:sld xmlns:a="http://schemas.openxmlformats.org/drawingml/2006/main" xmlns:r="http://schemas.openxmlformats.org/officeDocument/2006/relationships" xmlns:p="http://schemas.openxmlformats.org/presentationml/2006/main">
   <p:cSld>
-    <p:bg>
-      <p:bgPr>
-        <a:solidFill>
-          <a:schemeClr val="bg1"/>
-        </a:solidFill>
-        <a:effectLst/>
-      </p:bgPr>
-    </p:bg>
     <p:spTree>
       <p:nvGrpSpPr>
         <p:cNvPr id="1" name=""/>
@@ -17835,10 +16334,10 @@
       </p:grpSpPr>
       <p:sp useBgFill="1">
         <p:nvSpPr>
-          <p:cNvPr id="12" name="Rectangle 11">
-            <a:extLst>
-              <a:ext uri="{FF2B5EF4-FFF2-40B4-BE49-F238E27FC236}">
-                <a16:creationId xmlns:a16="http://schemas.microsoft.com/office/drawing/2014/main" id="{2151139A-886F-4B97-8815-729AD3831BBD}"/>
+          <p:cNvPr id="48" name="Rectangle 47">
+            <a:extLst>
+              <a:ext uri="{FF2B5EF4-FFF2-40B4-BE49-F238E27FC236}">
+                <a16:creationId xmlns:a16="http://schemas.microsoft.com/office/drawing/2014/main" id="{0288C6B4-AFC3-407F-A595-EFFD38D4CCAF}"/>
               </a:ext>
               <a:ext uri="{C183D7F6-B498-43B3-948B-1728B52AA6E4}">
                 <adec:decorative xmlns:adec="http://schemas.microsoft.com/office/drawing/2017/decorative" val="1"/>
@@ -17864,97 +16363,6 @@
           <a:prstGeom prst="rect">
             <a:avLst/>
           </a:prstGeom>
-          <a:ln w="12700" cap="flat" cmpd="sng" algn="ctr">
-            <a:noFill/>
-            <a:prstDash val="solid"/>
-            <a:miter lim="800000"/>
-          </a:ln>
-          <a:effectLst/>
-          <a:extLst>
-            <a:ext uri="{91240B29-F687-4F45-9708-019B960494DF}">
-              <a14:hiddenLine xmlns:a14="http://schemas.microsoft.com/office/drawing/2010/main" w="12700" cap="flat" cmpd="sng" algn="ctr">
-                <a:solidFill>
-                  <a:schemeClr val="accent1">
-                    <a:shade val="50000"/>
-                  </a:schemeClr>
-                </a:solidFill>
-                <a:prstDash val="solid"/>
-                <a:miter lim="800000"/>
-              </a14:hiddenLine>
-            </a:ext>
-          </a:extLst>
-        </p:spPr>
-        <p:style>
-          <a:lnRef idx="2">
-            <a:schemeClr val="accent1">
-              <a:shade val="50000"/>
-            </a:schemeClr>
-          </a:lnRef>
-          <a:fillRef idx="1">
-            <a:schemeClr val="accent1"/>
-          </a:fillRef>
-          <a:effectRef idx="0">
-            <a:schemeClr val="accent1"/>
-          </a:effectRef>
-          <a:fontRef idx="minor">
-            <a:schemeClr val="lt1"/>
-          </a:fontRef>
-        </p:style>
-        <p:txBody>
-          <a:bodyPr rtlCol="0" anchor="ctr"/>
-          <a:lstStyle/>
-          <a:p>
-            <a:pPr algn="ctr"/>
-            <a:endParaRPr lang="en-US" sz="2000"/>
-          </a:p>
-        </p:txBody>
-      </p:sp>
-      <p:sp>
-        <p:nvSpPr>
-          <p:cNvPr id="14" name="Rectangle 13">
-            <a:extLst>
-              <a:ext uri="{FF2B5EF4-FFF2-40B4-BE49-F238E27FC236}">
-                <a16:creationId xmlns:a16="http://schemas.microsoft.com/office/drawing/2014/main" id="{AB5E08C4-8CDD-4623-A5B8-E998C6DEE3B7}"/>
-              </a:ext>
-              <a:ext uri="{C183D7F6-B498-43B3-948B-1728B52AA6E4}">
-                <adec:decorative xmlns:adec="http://schemas.microsoft.com/office/drawing/2017/decorative" val="1"/>
-              </a:ext>
-            </a:extLst>
-          </p:cNvPr>
-          <p:cNvSpPr>
-            <a:spLocks noGrp="1" noRot="1" noChangeAspect="1" noMove="1" noResize="1" noEditPoints="1" noAdjustHandles="1" noChangeArrowheads="1" noChangeShapeType="1" noTextEdit="1"/>
-          </p:cNvSpPr>
-          <p:nvPr>
-            <p:extLst>
-              <p:ext uri="{386F3935-93C4-4BCD-93E2-E3B085C9AB24}">
-                <p16:designElem xmlns:p16="http://schemas.microsoft.com/office/powerpoint/2015/main" val="1"/>
-              </p:ext>
-            </p:extLst>
-          </p:nvPr>
-        </p:nvSpPr>
-        <p:spPr>
-          <a:xfrm flipH="1">
-            <a:off x="2" y="492"/>
-            <a:ext cx="12191998" cy="1575955"/>
-          </a:xfrm>
-          <a:prstGeom prst="rect">
-            <a:avLst/>
-          </a:prstGeom>
-          <a:gradFill>
-            <a:gsLst>
-              <a:gs pos="0">
-                <a:schemeClr val="accent1">
-                  <a:lumMod val="50000"/>
-                </a:schemeClr>
-              </a:gs>
-              <a:gs pos="100000">
-                <a:schemeClr val="accent1">
-                  <a:lumMod val="75000"/>
-                </a:schemeClr>
-              </a:gs>
-            </a:gsLst>
-            <a:lin ang="8400000" scaled="0"/>
-          </a:gradFill>
           <a:ln>
             <a:noFill/>
           </a:ln>
@@ -17984,12 +16392,12 @@
           </a:p>
         </p:txBody>
       </p:sp>
-      <p:sp>
+      <p:sp useBgFill="1">
         <p:nvSpPr>
-          <p:cNvPr id="16" name="Rectangle 15">
-            <a:extLst>
-              <a:ext uri="{FF2B5EF4-FFF2-40B4-BE49-F238E27FC236}">
-                <a16:creationId xmlns:a16="http://schemas.microsoft.com/office/drawing/2014/main" id="{15F33878-D502-4FFA-8ACE-F2AECDB2A23F}"/>
+          <p:cNvPr id="50" name="Freeform: Shape 49">
+            <a:extLst>
+              <a:ext uri="{FF2B5EF4-FFF2-40B4-BE49-F238E27FC236}">
+                <a16:creationId xmlns:a16="http://schemas.microsoft.com/office/drawing/2014/main" id="{CF236821-17FE-429B-8D2C-08E13A64EA40}"/>
               </a:ext>
               <a:ext uri="{C183D7F6-B498-43B3-948B-1728B52AA6E4}">
                 <adec:decorative xmlns:adec="http://schemas.microsoft.com/office/drawing/2017/decorative" val="1"/>
@@ -18008,29 +16416,391 @@
           </p:nvPr>
         </p:nvSpPr>
         <p:spPr>
-          <a:xfrm rot="10800000" flipH="1">
-            <a:off x="8128857" y="35"/>
-            <a:ext cx="4063143" cy="1576412"/>
+          <a:xfrm>
+            <a:off x="-1" y="0"/>
+            <a:ext cx="4455673" cy="6858000"/>
+          </a:xfrm>
+          <a:custGeom>
+            <a:avLst/>
+            <a:gdLst>
+              <a:gd name="connsiteX0" fmla="*/ 0 w 4455673"/>
+              <a:gd name="connsiteY0" fmla="*/ 0 h 6858000"/>
+              <a:gd name="connsiteX1" fmla="*/ 3242695 w 4455673"/>
+              <a:gd name="connsiteY1" fmla="*/ 0 h 6858000"/>
+              <a:gd name="connsiteX2" fmla="*/ 3305678 w 4455673"/>
+              <a:gd name="connsiteY2" fmla="*/ 69271 h 6858000"/>
+              <a:gd name="connsiteX3" fmla="*/ 4455673 w 4455673"/>
+              <a:gd name="connsiteY3" fmla="*/ 3429000 h 6858000"/>
+              <a:gd name="connsiteX4" fmla="*/ 3305678 w 4455673"/>
+              <a:gd name="connsiteY4" fmla="*/ 6788730 h 6858000"/>
+              <a:gd name="connsiteX5" fmla="*/ 3242695 w 4455673"/>
+              <a:gd name="connsiteY5" fmla="*/ 6858000 h 6858000"/>
+              <a:gd name="connsiteX6" fmla="*/ 0 w 4455673"/>
+              <a:gd name="connsiteY6" fmla="*/ 6858000 h 6858000"/>
+            </a:gdLst>
+            <a:ahLst/>
+            <a:cxnLst>
+              <a:cxn ang="0">
+                <a:pos x="connsiteX0" y="connsiteY0"/>
+              </a:cxn>
+              <a:cxn ang="0">
+                <a:pos x="connsiteX1" y="connsiteY1"/>
+              </a:cxn>
+              <a:cxn ang="0">
+                <a:pos x="connsiteX2" y="connsiteY2"/>
+              </a:cxn>
+              <a:cxn ang="0">
+                <a:pos x="connsiteX3" y="connsiteY3"/>
+              </a:cxn>
+              <a:cxn ang="0">
+                <a:pos x="connsiteX4" y="connsiteY4"/>
+              </a:cxn>
+              <a:cxn ang="0">
+                <a:pos x="connsiteX5" y="connsiteY5"/>
+              </a:cxn>
+              <a:cxn ang="0">
+                <a:pos x="connsiteX6" y="connsiteY6"/>
+              </a:cxn>
+            </a:cxnLst>
+            <a:rect l="l" t="t" r="r" b="b"/>
+            <a:pathLst>
+              <a:path w="4455673" h="6858000">
+                <a:moveTo>
+                  <a:pt x="0" y="0"/>
+                </a:moveTo>
+                <a:lnTo>
+                  <a:pt x="3242695" y="0"/>
+                </a:lnTo>
+                <a:lnTo>
+                  <a:pt x="3305678" y="69271"/>
+                </a:lnTo>
+                <a:cubicBezTo>
+                  <a:pt x="4016204" y="929100"/>
+                  <a:pt x="4455673" y="2116944"/>
+                  <a:pt x="4455673" y="3429000"/>
+                </a:cubicBezTo>
+                <a:cubicBezTo>
+                  <a:pt x="4455673" y="4741056"/>
+                  <a:pt x="4016204" y="5928900"/>
+                  <a:pt x="3305678" y="6788730"/>
+                </a:cubicBezTo>
+                <a:lnTo>
+                  <a:pt x="3242695" y="6858000"/>
+                </a:lnTo>
+                <a:lnTo>
+                  <a:pt x="0" y="6858000"/>
+                </a:lnTo>
+                <a:close/>
+              </a:path>
+            </a:pathLst>
+          </a:custGeom>
+          <a:ln w="9525">
+            <a:solidFill>
+              <a:srgbClr val="EFEFEF"/>
+            </a:solidFill>
+          </a:ln>
+          <a:effectLst>
+            <a:outerShdw blurRad="88900" dist="38100" algn="l" rotWithShape="0">
+              <a:schemeClr val="bg1">
+                <a:lumMod val="85000"/>
+                <a:alpha val="50000"/>
+              </a:schemeClr>
+            </a:outerShdw>
+          </a:effectLst>
+        </p:spPr>
+        <p:style>
+          <a:lnRef idx="2">
+            <a:schemeClr val="accent1">
+              <a:shade val="50000"/>
+            </a:schemeClr>
+          </a:lnRef>
+          <a:fillRef idx="1">
+            <a:schemeClr val="accent1"/>
+          </a:fillRef>
+          <a:effectRef idx="0">
+            <a:schemeClr val="accent1"/>
+          </a:effectRef>
+          <a:fontRef idx="minor">
+            <a:schemeClr val="lt1"/>
+          </a:fontRef>
+        </p:style>
+        <p:txBody>
+          <a:bodyPr wrap="square" rtlCol="0" anchor="ctr">
+            <a:noAutofit/>
+          </a:bodyPr>
+          <a:lstStyle/>
+          <a:p>
+            <a:pPr marL="0" marR="0" lvl="0" indent="0" algn="ctr" defTabSz="914400" rtl="0" eaLnBrk="1" fontAlgn="auto" latinLnBrk="0" hangingPunct="1">
+              <a:lnSpc>
+                <a:spcPct val="100000"/>
+              </a:lnSpc>
+              <a:spcBef>
+                <a:spcPts val="0"/>
+              </a:spcBef>
+              <a:spcAft>
+                <a:spcPts val="0"/>
+              </a:spcAft>
+              <a:buClrTx/>
+              <a:buSzTx/>
+              <a:buFontTx/>
+              <a:buNone/>
+              <a:tabLst/>
+              <a:defRPr/>
+            </a:pPr>
+            <a:endParaRPr kumimoji="0" lang="en-US" sz="1800" b="0" i="0" u="none" strike="noStrike" kern="1200" cap="none" spc="0" normalizeH="0" baseline="0" noProof="0">
+              <a:ln>
+                <a:noFill/>
+              </a:ln>
+              <a:solidFill>
+                <a:prstClr val="white"/>
+              </a:solidFill>
+              <a:effectLst/>
+              <a:uLnTx/>
+              <a:uFillTx/>
+              <a:latin typeface="Calibri" panose="020F0502020204030204"/>
+              <a:ea typeface="+mn-ea"/>
+              <a:cs typeface="+mn-cs"/>
+            </a:endParaRPr>
+          </a:p>
+        </p:txBody>
+      </p:sp>
+      <p:sp useBgFill="1">
+        <p:nvSpPr>
+          <p:cNvPr id="52" name="Freeform: Shape 51">
+            <a:extLst>
+              <a:ext uri="{FF2B5EF4-FFF2-40B4-BE49-F238E27FC236}">
+                <a16:creationId xmlns:a16="http://schemas.microsoft.com/office/drawing/2014/main" id="{C0BDBCD2-E081-43AB-9119-C55465E59757}"/>
+              </a:ext>
+              <a:ext uri="{C183D7F6-B498-43B3-948B-1728B52AA6E4}">
+                <adec:decorative xmlns:adec="http://schemas.microsoft.com/office/drawing/2017/decorative" val="1"/>
+              </a:ext>
+            </a:extLst>
+          </p:cNvPr>
+          <p:cNvSpPr>
+            <a:spLocks noGrp="1" noRot="1" noChangeAspect="1" noMove="1" noResize="1" noEditPoints="1" noAdjustHandles="1" noChangeArrowheads="1" noChangeShapeType="1" noTextEdit="1"/>
+          </p:cNvSpPr>
+          <p:nvPr>
+            <p:extLst>
+              <p:ext uri="{386F3935-93C4-4BCD-93E2-E3B085C9AB24}">
+                <p16:designElem xmlns:p16="http://schemas.microsoft.com/office/powerpoint/2015/main" val="1"/>
+              </p:ext>
+            </p:extLst>
+          </p:nvPr>
+        </p:nvSpPr>
+        <p:spPr>
+          <a:xfrm>
+            <a:off x="0" y="0"/>
+            <a:ext cx="4446529" cy="6858000"/>
+          </a:xfrm>
+          <a:custGeom>
+            <a:avLst/>
+            <a:gdLst>
+              <a:gd name="connsiteX0" fmla="*/ 0 w 4446529"/>
+              <a:gd name="connsiteY0" fmla="*/ 0 h 6858000"/>
+              <a:gd name="connsiteX1" fmla="*/ 3233551 w 4446529"/>
+              <a:gd name="connsiteY1" fmla="*/ 0 h 6858000"/>
+              <a:gd name="connsiteX2" fmla="*/ 3296534 w 4446529"/>
+              <a:gd name="connsiteY2" fmla="*/ 69271 h 6858000"/>
+              <a:gd name="connsiteX3" fmla="*/ 4446529 w 4446529"/>
+              <a:gd name="connsiteY3" fmla="*/ 3429000 h 6858000"/>
+              <a:gd name="connsiteX4" fmla="*/ 3296534 w 4446529"/>
+              <a:gd name="connsiteY4" fmla="*/ 6788730 h 6858000"/>
+              <a:gd name="connsiteX5" fmla="*/ 3233551 w 4446529"/>
+              <a:gd name="connsiteY5" fmla="*/ 6858000 h 6858000"/>
+              <a:gd name="connsiteX6" fmla="*/ 0 w 4446529"/>
+              <a:gd name="connsiteY6" fmla="*/ 6858000 h 6858000"/>
+            </a:gdLst>
+            <a:ahLst/>
+            <a:cxnLst>
+              <a:cxn ang="0">
+                <a:pos x="connsiteX0" y="connsiteY0"/>
+              </a:cxn>
+              <a:cxn ang="0">
+                <a:pos x="connsiteX1" y="connsiteY1"/>
+              </a:cxn>
+              <a:cxn ang="0">
+                <a:pos x="connsiteX2" y="connsiteY2"/>
+              </a:cxn>
+              <a:cxn ang="0">
+                <a:pos x="connsiteX3" y="connsiteY3"/>
+              </a:cxn>
+              <a:cxn ang="0">
+                <a:pos x="connsiteX4" y="connsiteY4"/>
+              </a:cxn>
+              <a:cxn ang="0">
+                <a:pos x="connsiteX5" y="connsiteY5"/>
+              </a:cxn>
+              <a:cxn ang="0">
+                <a:pos x="connsiteX6" y="connsiteY6"/>
+              </a:cxn>
+            </a:cxnLst>
+            <a:rect l="l" t="t" r="r" b="b"/>
+            <a:pathLst>
+              <a:path w="4446529" h="6858000">
+                <a:moveTo>
+                  <a:pt x="0" y="0"/>
+                </a:moveTo>
+                <a:lnTo>
+                  <a:pt x="3233551" y="0"/>
+                </a:lnTo>
+                <a:lnTo>
+                  <a:pt x="3296534" y="69271"/>
+                </a:lnTo>
+                <a:cubicBezTo>
+                  <a:pt x="4007060" y="929100"/>
+                  <a:pt x="4446529" y="2116944"/>
+                  <a:pt x="4446529" y="3429000"/>
+                </a:cubicBezTo>
+                <a:cubicBezTo>
+                  <a:pt x="4446529" y="4741056"/>
+                  <a:pt x="4007060" y="5928900"/>
+                  <a:pt x="3296534" y="6788730"/>
+                </a:cubicBezTo>
+                <a:lnTo>
+                  <a:pt x="3233551" y="6858000"/>
+                </a:lnTo>
+                <a:lnTo>
+                  <a:pt x="0" y="6858000"/>
+                </a:lnTo>
+                <a:close/>
+              </a:path>
+            </a:pathLst>
+          </a:custGeom>
+          <a:ln w="9525">
+            <a:noFill/>
+          </a:ln>
+          <a:effectLst/>
+        </p:spPr>
+        <p:style>
+          <a:lnRef idx="2">
+            <a:schemeClr val="accent1">
+              <a:shade val="50000"/>
+            </a:schemeClr>
+          </a:lnRef>
+          <a:fillRef idx="1">
+            <a:schemeClr val="accent1"/>
+          </a:fillRef>
+          <a:effectRef idx="0">
+            <a:schemeClr val="accent1"/>
+          </a:effectRef>
+          <a:fontRef idx="minor">
+            <a:schemeClr val="lt1"/>
+          </a:fontRef>
+        </p:style>
+        <p:txBody>
+          <a:bodyPr wrap="square" rtlCol="0" anchor="ctr">
+            <a:noAutofit/>
+          </a:bodyPr>
+          <a:lstStyle/>
+          <a:p>
+            <a:pPr marL="0" marR="0" lvl="0" indent="0" algn="ctr" defTabSz="914400" rtl="0" eaLnBrk="1" fontAlgn="auto" latinLnBrk="0" hangingPunct="1">
+              <a:lnSpc>
+                <a:spcPct val="100000"/>
+              </a:lnSpc>
+              <a:spcBef>
+                <a:spcPts val="0"/>
+              </a:spcBef>
+              <a:spcAft>
+                <a:spcPts val="0"/>
+              </a:spcAft>
+              <a:buClrTx/>
+              <a:buSzTx/>
+              <a:buFontTx/>
+              <a:buNone/>
+              <a:tabLst/>
+              <a:defRPr/>
+            </a:pPr>
+            <a:endParaRPr kumimoji="0" lang="en-US" sz="1800" b="0" i="0" u="none" strike="noStrike" kern="1200" cap="none" spc="0" normalizeH="0" baseline="0" noProof="0">
+              <a:ln>
+                <a:noFill/>
+              </a:ln>
+              <a:solidFill>
+                <a:prstClr val="white"/>
+              </a:solidFill>
+              <a:effectLst/>
+              <a:uLnTx/>
+              <a:uFillTx/>
+              <a:latin typeface="Calibri" panose="020F0502020204030204"/>
+              <a:ea typeface="+mn-ea"/>
+              <a:cs typeface="+mn-cs"/>
+            </a:endParaRPr>
+          </a:p>
+        </p:txBody>
+      </p:sp>
+      <p:sp>
+        <p:nvSpPr>
+          <p:cNvPr id="2" name="标题 1">
+            <a:extLst>
+              <a:ext uri="{FF2B5EF4-FFF2-40B4-BE49-F238E27FC236}">
+                <a16:creationId xmlns:a16="http://schemas.microsoft.com/office/drawing/2014/main" id="{29AA0371-B733-24B0-D256-A3ECEB1B126D}"/>
+              </a:ext>
+            </a:extLst>
+          </p:cNvPr>
+          <p:cNvSpPr>
+            <a:spLocks noGrp="1"/>
+          </p:cNvSpPr>
+          <p:nvPr>
+            <p:ph type="title"/>
+          </p:nvPr>
+        </p:nvSpPr>
+        <p:spPr>
+          <a:xfrm>
+            <a:off x="371094" y="1161288"/>
+            <a:ext cx="3438144" cy="1239012"/>
+          </a:xfrm>
+        </p:spPr>
+        <p:txBody>
+          <a:bodyPr anchor="ctr"/>
+          <a:lstStyle/>
+          <a:p>
+            <a:r>
+              <a:rPr lang="en-US" altLang="zh-CN" sz="2800" kern="1200">
+                <a:solidFill>
+                  <a:schemeClr val="tx1"/>
+                </a:solidFill>
+                <a:latin typeface="+mj-lt"/>
+                <a:ea typeface="+mj-ea"/>
+                <a:cs typeface="+mj-cs"/>
+              </a:rPr>
+              <a:t>Baseline Vit</a:t>
+            </a:r>
+          </a:p>
+        </p:txBody>
+      </p:sp>
+      <p:sp>
+        <p:nvSpPr>
+          <p:cNvPr id="54" name="Rectangle 53">
+            <a:extLst>
+              <a:ext uri="{FF2B5EF4-FFF2-40B4-BE49-F238E27FC236}">
+                <a16:creationId xmlns:a16="http://schemas.microsoft.com/office/drawing/2014/main" id="{98E79BE4-34FE-485A-98A5-92CE8F7C4743}"/>
+              </a:ext>
+              <a:ext uri="{C183D7F6-B498-43B3-948B-1728B52AA6E4}">
+                <adec:decorative xmlns:adec="http://schemas.microsoft.com/office/drawing/2017/decorative" val="1"/>
+              </a:ext>
+            </a:extLst>
+          </p:cNvPr>
+          <p:cNvSpPr>
+            <a:spLocks noGrp="1" noRot="1" noChangeAspect="1" noMove="1" noResize="1" noEditPoints="1" noAdjustHandles="1" noChangeArrowheads="1" noChangeShapeType="1" noTextEdit="1"/>
+          </p:cNvSpPr>
+          <p:nvPr>
+            <p:extLst>
+              <p:ext uri="{386F3935-93C4-4BCD-93E2-E3B085C9AB24}">
+                <p16:designElem xmlns:p16="http://schemas.microsoft.com/office/powerpoint/2015/main" val="1"/>
+              </p:ext>
+            </p:extLst>
+          </p:nvPr>
+        </p:nvSpPr>
+        <p:spPr>
+          <a:xfrm>
+            <a:off x="0" y="1426546"/>
+            <a:ext cx="128016" cy="653903"/>
           </a:xfrm>
           <a:prstGeom prst="rect">
             <a:avLst/>
           </a:prstGeom>
-          <a:gradFill>
-            <a:gsLst>
-              <a:gs pos="19000">
-                <a:schemeClr val="accent1">
-                  <a:lumMod val="50000"/>
-                  <a:alpha val="68000"/>
-                </a:schemeClr>
-              </a:gs>
-              <a:gs pos="100000">
-                <a:schemeClr val="accent1">
-                  <a:alpha val="79000"/>
-                </a:schemeClr>
-              </a:gs>
-            </a:gsLst>
-            <a:lin ang="19200000" scaled="0"/>
-          </a:gradFill>
+          <a:solidFill>
+            <a:schemeClr val="accent2"/>
+          </a:solidFill>
           <a:ln>
             <a:noFill/>
           </a:ln>
@@ -18056,16 +16826,21 @@
           <a:lstStyle/>
           <a:p>
             <a:pPr algn="ctr"/>
-            <a:endParaRPr lang="en-US"/>
+            <a:endParaRPr lang="en-US">
+              <a:solidFill>
+                <a:prstClr val="white"/>
+              </a:solidFill>
+              <a:latin typeface="Calibri" panose="020F0502020204030204"/>
+            </a:endParaRPr>
           </a:p>
         </p:txBody>
       </p:sp>
       <p:sp>
         <p:nvSpPr>
-          <p:cNvPr id="18" name="Rectangle 17">
-            <a:extLst>
-              <a:ext uri="{FF2B5EF4-FFF2-40B4-BE49-F238E27FC236}">
-                <a16:creationId xmlns:a16="http://schemas.microsoft.com/office/drawing/2014/main" id="{D3539FEE-81D3-4406-802E-60B20B16F4F6}"/>
+          <p:cNvPr id="56" name="Rectangle 55">
+            <a:extLst>
+              <a:ext uri="{FF2B5EF4-FFF2-40B4-BE49-F238E27FC236}">
+                <a16:creationId xmlns:a16="http://schemas.microsoft.com/office/drawing/2014/main" id="{7A5F0580-5EE9-419F-96EE-B6529EF6E7D0}"/>
               </a:ext>
               <a:ext uri="{C183D7F6-B498-43B3-948B-1728B52AA6E4}">
                 <adec:decorative xmlns:adec="http://schemas.microsoft.com/office/drawing/2017/decorative" val="1"/>
@@ -18084,31 +16859,20 @@
           </p:nvPr>
         </p:nvSpPr>
         <p:spPr>
-          <a:xfrm rot="5400000">
-            <a:off x="5307778" y="-5307777"/>
-            <a:ext cx="1576446" cy="12192001"/>
+          <a:xfrm>
+            <a:off x="395893" y="2443480"/>
+            <a:ext cx="3383280" cy="18288"/>
           </a:xfrm>
           <a:prstGeom prst="rect">
             <a:avLst/>
           </a:prstGeom>
-          <a:gradFill>
-            <a:gsLst>
-              <a:gs pos="16000">
-                <a:srgbClr val="000000">
-                  <a:alpha val="0"/>
-                </a:srgbClr>
-              </a:gs>
-              <a:gs pos="99000">
-                <a:srgbClr val="000000">
-                  <a:alpha val="87000"/>
-                </a:srgbClr>
-              </a:gs>
-            </a:gsLst>
-            <a:lin ang="11400000" scaled="0"/>
-          </a:gradFill>
-          <a:ln>
+          <a:solidFill>
+            <a:srgbClr val="D5D5D5"/>
+          </a:solidFill>
+          <a:ln w="3175">
             <a:noFill/>
           </a:ln>
+          <a:effectLst/>
         </p:spPr>
         <p:style>
           <a:lnRef idx="2">
@@ -18130,220 +16894,55 @@
           <a:bodyPr rtlCol="0" anchor="ctr"/>
           <a:lstStyle/>
           <a:p>
-            <a:pPr algn="ctr"/>
-            <a:endParaRPr lang="en-US" dirty="0"/>
-          </a:p>
-        </p:txBody>
-      </p:sp>
-      <p:sp>
-        <p:nvSpPr>
-          <p:cNvPr id="20" name="Rectangle 19">
-            <a:extLst>
-              <a:ext uri="{FF2B5EF4-FFF2-40B4-BE49-F238E27FC236}">
-                <a16:creationId xmlns:a16="http://schemas.microsoft.com/office/drawing/2014/main" id="{DC701763-729E-462F-A5A8-E0DEFEB1E2E4}"/>
-              </a:ext>
-              <a:ext uri="{C183D7F6-B498-43B3-948B-1728B52AA6E4}">
-                <adec:decorative xmlns:adec="http://schemas.microsoft.com/office/drawing/2017/decorative" val="1"/>
-              </a:ext>
-            </a:extLst>
-          </p:cNvPr>
-          <p:cNvSpPr>
-            <a:spLocks noGrp="1" noRot="1" noChangeAspect="1" noMove="1" noResize="1" noEditPoints="1" noAdjustHandles="1" noChangeArrowheads="1" noChangeShapeType="1" noTextEdit="1"/>
-          </p:cNvSpPr>
-          <p:nvPr>
-            <p:extLst>
-              <p:ext uri="{386F3935-93C4-4BCD-93E2-E3B085C9AB24}">
-                <p16:designElem xmlns:p16="http://schemas.microsoft.com/office/powerpoint/2015/main" val="1"/>
-              </p:ext>
-            </p:extLst>
-          </p:nvPr>
-        </p:nvSpPr>
-        <p:spPr>
-          <a:xfrm>
-            <a:off x="3825434" y="986"/>
-            <a:ext cx="4303422" cy="1575461"/>
-          </a:xfrm>
-          <a:prstGeom prst="rect">
-            <a:avLst/>
-          </a:prstGeom>
-          <a:gradFill>
-            <a:gsLst>
-              <a:gs pos="0">
-                <a:schemeClr val="accent1">
-                  <a:alpha val="17000"/>
-                </a:schemeClr>
-              </a:gs>
-              <a:gs pos="74000">
-                <a:schemeClr val="accent1">
-                  <a:lumMod val="50000"/>
-                  <a:alpha val="0"/>
-                </a:schemeClr>
-              </a:gs>
-            </a:gsLst>
-            <a:lin ang="14400000" scaled="0"/>
-          </a:gradFill>
-          <a:ln>
-            <a:noFill/>
-          </a:ln>
-        </p:spPr>
-        <p:style>
-          <a:lnRef idx="2">
-            <a:schemeClr val="accent1">
-              <a:shade val="50000"/>
-            </a:schemeClr>
-          </a:lnRef>
-          <a:fillRef idx="1">
-            <a:schemeClr val="accent1"/>
-          </a:fillRef>
-          <a:effectRef idx="0">
-            <a:schemeClr val="accent1"/>
-          </a:effectRef>
-          <a:fontRef idx="minor">
-            <a:schemeClr val="lt1"/>
-          </a:fontRef>
-        </p:style>
-        <p:txBody>
-          <a:bodyPr rtlCol="0" anchor="ctr"/>
-          <a:lstStyle/>
-          <a:p>
-            <a:pPr algn="ctr"/>
-            <a:endParaRPr lang="en-US"/>
-          </a:p>
-        </p:txBody>
-      </p:sp>
-      <p:sp>
-        <p:nvSpPr>
-          <p:cNvPr id="2" name="标题 1">
-            <a:extLst>
-              <a:ext uri="{FF2B5EF4-FFF2-40B4-BE49-F238E27FC236}">
-                <a16:creationId xmlns:a16="http://schemas.microsoft.com/office/drawing/2014/main" id="{E6D5A613-F57A-06E5-C814-B8B15AF24440}"/>
-              </a:ext>
-            </a:extLst>
-          </p:cNvPr>
-          <p:cNvSpPr>
-            <a:spLocks noGrp="1"/>
-          </p:cNvSpPr>
-          <p:nvPr>
-            <p:ph type="ctrTitle"/>
-          </p:nvPr>
-        </p:nvSpPr>
-        <p:spPr>
-          <a:xfrm>
-            <a:off x="699714" y="353160"/>
-            <a:ext cx="7091300" cy="898581"/>
-          </a:xfrm>
-        </p:spPr>
-        <p:txBody>
-          <a:bodyPr anchor="ctr">
-            <a:normAutofit/>
-          </a:bodyPr>
-          <a:lstStyle/>
-          <a:p>
-            <a:pPr algn="l"/>
-            <a:r>
-              <a:rPr lang="en-US" altLang="zh-CN" sz="4000">
-                <a:solidFill>
-                  <a:srgbClr val="FFFFFF"/>
-                </a:solidFill>
-              </a:rPr>
-              <a:t>Efficient </a:t>
-            </a:r>
-            <a:r>
-              <a:rPr lang="en-US" altLang="zh-CN" sz="4000" dirty="0">
-                <a:solidFill>
-                  <a:srgbClr val="FFFFFF"/>
-                </a:solidFill>
-              </a:rPr>
-              <a:t>Transformer Vit </a:t>
-            </a:r>
-            <a:endParaRPr lang="zh-CN" altLang="en-US" sz="4000" dirty="0">
+            <a:pPr marL="0" marR="0" lvl="0" indent="0" algn="ctr" defTabSz="914400" rtl="0" eaLnBrk="1" fontAlgn="auto" latinLnBrk="0" hangingPunct="1">
+              <a:lnSpc>
+                <a:spcPct val="100000"/>
+              </a:lnSpc>
+              <a:spcBef>
+                <a:spcPts val="0"/>
+              </a:spcBef>
+              <a:spcAft>
+                <a:spcPts val="0"/>
+              </a:spcAft>
+              <a:buClrTx/>
+              <a:buSzTx/>
+              <a:buFontTx/>
+              <a:buNone/>
+              <a:tabLst/>
+              <a:defRPr/>
+            </a:pPr>
+            <a:endParaRPr kumimoji="0" lang="en-US" sz="1800" b="0" i="0" u="none" strike="noStrike" kern="1200" cap="none" spc="0" normalizeH="0" baseline="0" noProof="0">
+              <a:ln>
+                <a:noFill/>
+              </a:ln>
               <a:solidFill>
-                <a:srgbClr val="FFFFFF"/>
+                <a:prstClr val="white"/>
               </a:solidFill>
-            </a:endParaRPr>
-          </a:p>
-        </p:txBody>
-      </p:sp>
-      <p:sp>
-        <p:nvSpPr>
-          <p:cNvPr id="3" name="副标题 2">
-            <a:extLst>
-              <a:ext uri="{FF2B5EF4-FFF2-40B4-BE49-F238E27FC236}">
-                <a16:creationId xmlns:a16="http://schemas.microsoft.com/office/drawing/2014/main" id="{E5CE75B9-C277-EB7D-7705-17C93FFC4B4F}"/>
-              </a:ext>
-            </a:extLst>
-          </p:cNvPr>
-          <p:cNvSpPr>
-            <a:spLocks noGrp="1"/>
-          </p:cNvSpPr>
-          <p:nvPr>
-            <p:ph type="subTitle" idx="1"/>
-          </p:nvPr>
-        </p:nvSpPr>
-        <p:spPr>
-          <a:xfrm>
-            <a:off x="8571507" y="387224"/>
-            <a:ext cx="3291839" cy="830453"/>
-          </a:xfrm>
-        </p:spPr>
-        <p:txBody>
-          <a:bodyPr anchor="ctr">
-            <a:normAutofit fontScale="70000" lnSpcReduction="20000"/>
-          </a:bodyPr>
-          <a:lstStyle/>
-          <a:p>
-            <a:pPr algn="l"/>
-            <a:r>
-              <a:rPr lang="en-US" altLang="zh-CN" sz="2000" dirty="0">
-                <a:solidFill>
-                  <a:srgbClr val="FFFFFF"/>
-                </a:solidFill>
-              </a:rPr>
-              <a:t>Only cat and dog 2 classes</a:t>
-            </a:r>
-          </a:p>
-          <a:p>
-            <a:pPr algn="l"/>
-            <a:r>
-              <a:rPr lang="en-US" altLang="zh-CN" sz="2000" dirty="0">
-                <a:solidFill>
-                  <a:srgbClr val="FFFFFF"/>
-                </a:solidFill>
-              </a:rPr>
-              <a:t>Epoch 100</a:t>
-            </a:r>
-          </a:p>
-          <a:p>
-            <a:pPr algn="l"/>
-            <a:r>
-              <a:rPr lang="en-US" altLang="zh-CN" sz="2000" dirty="0">
-                <a:solidFill>
-                  <a:srgbClr val="FFFFFF"/>
-                </a:solidFill>
-              </a:rPr>
-              <a:t>Test Accuracy 58.95%</a:t>
-            </a:r>
-            <a:endParaRPr lang="zh-CN" altLang="en-US" sz="2000" dirty="0">
-              <a:solidFill>
-                <a:srgbClr val="FFFFFF"/>
-              </a:solidFill>
+              <a:effectLst/>
+              <a:uLnTx/>
+              <a:uFillTx/>
+              <a:latin typeface="Calibri" panose="020F0502020204030204"/>
+              <a:ea typeface="+mn-ea"/>
+              <a:cs typeface="+mn-cs"/>
             </a:endParaRPr>
           </a:p>
         </p:txBody>
       </p:sp>
       <p:pic>
         <p:nvPicPr>
-          <p:cNvPr id="7" name="图片 6" descr="图表, 折线图&#10;&#10;AI 生成的内容可能不正确。">
-            <a:extLst>
-              <a:ext uri="{FF2B5EF4-FFF2-40B4-BE49-F238E27FC236}">
-                <a16:creationId xmlns:a16="http://schemas.microsoft.com/office/drawing/2014/main" id="{98082085-125D-318F-82B8-1BD880CA034D}"/>
+          <p:cNvPr id="5" name="内容占位符 4">
+            <a:extLst>
+              <a:ext uri="{FF2B5EF4-FFF2-40B4-BE49-F238E27FC236}">
+                <a16:creationId xmlns:a16="http://schemas.microsoft.com/office/drawing/2014/main" id="{8D7F1EA4-F2ED-57AC-0A2F-3F0853E27399}"/>
               </a:ext>
             </a:extLst>
           </p:cNvPr>
           <p:cNvPicPr>
-            <a:picLocks noChangeAspect="1"/>
+            <a:picLocks noGrp="1" noChangeAspect="1"/>
           </p:cNvPicPr>
-          <p:nvPr/>
+          <p:nvPr>
+            <p:ph idx="1"/>
+          </p:nvPr>
         </p:nvPicPr>
         <p:blipFill>
           <a:blip r:embed="rId2"/>
@@ -18353,48 +16952,257 @@
         </p:blipFill>
         <p:spPr>
           <a:xfrm>
-            <a:off x="715748" y="2486986"/>
-            <a:ext cx="5131088" cy="3386517"/>
+            <a:off x="4583551" y="1426546"/>
+            <a:ext cx="6922008" cy="3694094"/>
           </a:xfrm>
           <a:prstGeom prst="rect">
             <a:avLst/>
           </a:prstGeom>
         </p:spPr>
       </p:pic>
-      <p:pic>
-        <p:nvPicPr>
-          <p:cNvPr id="5" name="图片 4" descr="图表, 折线图, 直方图&#10;&#10;AI 生成的内容可能不正确。">
-            <a:extLst>
-              <a:ext uri="{FF2B5EF4-FFF2-40B4-BE49-F238E27FC236}">
-                <a16:creationId xmlns:a16="http://schemas.microsoft.com/office/drawing/2014/main" id="{1172BF53-0B16-737F-B004-1274B88EC70F}"/>
-              </a:ext>
-            </a:extLst>
-          </p:cNvPr>
-          <p:cNvPicPr>
-            <a:picLocks noChangeAspect="1"/>
-          </p:cNvPicPr>
+      <p:sp>
+        <p:nvSpPr>
+          <p:cNvPr id="6" name="文本框 5">
+            <a:extLst>
+              <a:ext uri="{FF2B5EF4-FFF2-40B4-BE49-F238E27FC236}">
+                <a16:creationId xmlns:a16="http://schemas.microsoft.com/office/drawing/2014/main" id="{4212D346-61CA-F38B-88B1-695A63123413}"/>
+              </a:ext>
+            </a:extLst>
+          </p:cNvPr>
+          <p:cNvSpPr txBox="1"/>
           <p:nvPr/>
-        </p:nvPicPr>
-        <p:blipFill>
-          <a:blip r:embed="rId3"/>
-          <a:stretch>
-            <a:fillRect/>
-          </a:stretch>
-        </p:blipFill>
+        </p:nvSpPr>
         <p:spPr>
           <a:xfrm>
-            <a:off x="6345165" y="2504230"/>
-            <a:ext cx="5131087" cy="3425000"/>
+            <a:off x="371094" y="2718054"/>
+            <a:ext cx="3438906" cy="4076501"/>
           </a:xfrm>
           <a:prstGeom prst="rect">
             <a:avLst/>
           </a:prstGeom>
         </p:spPr>
-      </p:pic>
+        <p:txBody>
+          <a:bodyPr wrap="square" rtlCol="0">
+            <a:spAutoFit/>
+          </a:bodyPr>
+          <a:lstStyle/>
+          <a:p>
+            <a:pPr indent="-228600">
+              <a:lnSpc>
+                <a:spcPct val="90000"/>
+              </a:lnSpc>
+              <a:spcAft>
+                <a:spcPts val="600"/>
+              </a:spcAft>
+              <a:buFont typeface="Arial" panose="020B0604020202020204" pitchFamily="34" charset="0"/>
+              <a:buChar char="•"/>
+            </a:pPr>
+            <a:r>
+              <a:rPr lang="en-US" altLang="zh-CN" sz="1700" dirty="0"/>
+              <a:t>Full Cifar-10 dataset , 10 classes</a:t>
+            </a:r>
+          </a:p>
+          <a:p>
+            <a:pPr indent="-228600">
+              <a:lnSpc>
+                <a:spcPct val="90000"/>
+              </a:lnSpc>
+              <a:spcAft>
+                <a:spcPts val="600"/>
+              </a:spcAft>
+              <a:buFont typeface="Arial" panose="020B0604020202020204" pitchFamily="34" charset="0"/>
+              <a:buChar char="•"/>
+            </a:pPr>
+            <a:r>
+              <a:rPr lang="en-US" altLang="zh-CN" sz="1700" dirty="0"/>
+              <a:t>Epoch = 30</a:t>
+            </a:r>
+          </a:p>
+          <a:p>
+            <a:pPr indent="-228600">
+              <a:lnSpc>
+                <a:spcPct val="90000"/>
+              </a:lnSpc>
+              <a:spcAft>
+                <a:spcPts val="600"/>
+              </a:spcAft>
+              <a:buFont typeface="Arial" panose="020B0604020202020204" pitchFamily="34" charset="0"/>
+              <a:buChar char="•"/>
+            </a:pPr>
+            <a:r>
+              <a:rPr lang="en-US" altLang="zh-CN" sz="1700" dirty="0" err="1"/>
+              <a:t>Batch_size</a:t>
+            </a:r>
+            <a:r>
+              <a:rPr lang="en-US" altLang="zh-CN" sz="1700" dirty="0"/>
+              <a:t> = 64</a:t>
+            </a:r>
+          </a:p>
+          <a:p>
+            <a:pPr indent="-228600">
+              <a:lnSpc>
+                <a:spcPct val="90000"/>
+              </a:lnSpc>
+              <a:spcAft>
+                <a:spcPts val="600"/>
+              </a:spcAft>
+              <a:buFont typeface="Arial" panose="020B0604020202020204" pitchFamily="34" charset="0"/>
+              <a:buChar char="•"/>
+            </a:pPr>
+            <a:r>
+              <a:rPr lang="en-US" altLang="zh-CN" sz="1700" dirty="0" err="1"/>
+              <a:t>Patch_size</a:t>
+            </a:r>
+            <a:r>
+              <a:rPr lang="en-US" altLang="zh-CN" sz="1700" dirty="0"/>
+              <a:t> = 8</a:t>
+            </a:r>
+          </a:p>
+          <a:p>
+            <a:pPr indent="-228600">
+              <a:lnSpc>
+                <a:spcPct val="90000"/>
+              </a:lnSpc>
+              <a:spcAft>
+                <a:spcPts val="600"/>
+              </a:spcAft>
+              <a:buFont typeface="Arial" panose="020B0604020202020204" pitchFamily="34" charset="0"/>
+              <a:buChar char="•"/>
+            </a:pPr>
+            <a:r>
+              <a:rPr lang="en-US" altLang="zh-CN" sz="1700" dirty="0"/>
+              <a:t>Dim = 128</a:t>
+            </a:r>
+          </a:p>
+          <a:p>
+            <a:pPr indent="-228600">
+              <a:lnSpc>
+                <a:spcPct val="90000"/>
+              </a:lnSpc>
+              <a:spcAft>
+                <a:spcPts val="600"/>
+              </a:spcAft>
+              <a:buFont typeface="Arial" panose="020B0604020202020204" pitchFamily="34" charset="0"/>
+              <a:buChar char="•"/>
+            </a:pPr>
+            <a:r>
+              <a:rPr lang="en-US" altLang="zh-CN" sz="1700" dirty="0"/>
+              <a:t>Depth = 12</a:t>
+            </a:r>
+          </a:p>
+          <a:p>
+            <a:pPr indent="-228600">
+              <a:lnSpc>
+                <a:spcPct val="90000"/>
+              </a:lnSpc>
+              <a:spcAft>
+                <a:spcPts val="600"/>
+              </a:spcAft>
+              <a:buFont typeface="Arial" panose="020B0604020202020204" pitchFamily="34" charset="0"/>
+              <a:buChar char="•"/>
+            </a:pPr>
+            <a:r>
+              <a:rPr lang="en-US" altLang="zh-CN" sz="1700" dirty="0"/>
+              <a:t>Heads = 8</a:t>
+            </a:r>
+          </a:p>
+          <a:p>
+            <a:pPr indent="-228600">
+              <a:lnSpc>
+                <a:spcPct val="90000"/>
+              </a:lnSpc>
+              <a:spcAft>
+                <a:spcPts val="600"/>
+              </a:spcAft>
+              <a:buFont typeface="Arial" panose="020B0604020202020204" pitchFamily="34" charset="0"/>
+              <a:buChar char="•"/>
+            </a:pPr>
+            <a:r>
+              <a:rPr lang="en-US" altLang="zh-CN" sz="1700" dirty="0" err="1"/>
+              <a:t>Mlp_dim</a:t>
+            </a:r>
+            <a:r>
+              <a:rPr lang="en-US" altLang="zh-CN" sz="1700" dirty="0"/>
+              <a:t> = 256</a:t>
+            </a:r>
+          </a:p>
+          <a:p>
+            <a:pPr indent="-228600">
+              <a:lnSpc>
+                <a:spcPct val="90000"/>
+              </a:lnSpc>
+              <a:spcAft>
+                <a:spcPts val="600"/>
+              </a:spcAft>
+              <a:buFont typeface="Arial" panose="020B0604020202020204" pitchFamily="34" charset="0"/>
+              <a:buChar char="•"/>
+            </a:pPr>
+            <a:endParaRPr lang="en-US" altLang="zh-CN" sz="1700" dirty="0"/>
+          </a:p>
+          <a:p>
+            <a:pPr indent="-228600">
+              <a:lnSpc>
+                <a:spcPct val="90000"/>
+              </a:lnSpc>
+              <a:spcAft>
+                <a:spcPts val="600"/>
+              </a:spcAft>
+              <a:buFont typeface="Arial" panose="020B0604020202020204" pitchFamily="34" charset="0"/>
+              <a:buChar char="•"/>
+            </a:pPr>
+            <a:endParaRPr lang="en-US" altLang="zh-CN" sz="1700" dirty="0"/>
+          </a:p>
+          <a:p>
+            <a:pPr indent="-228600">
+              <a:lnSpc>
+                <a:spcPct val="90000"/>
+              </a:lnSpc>
+              <a:spcAft>
+                <a:spcPts val="600"/>
+              </a:spcAft>
+              <a:buFont typeface="Arial" panose="020B0604020202020204" pitchFamily="34" charset="0"/>
+              <a:buChar char="•"/>
+            </a:pPr>
+            <a:r>
+              <a:rPr lang="en-US" altLang="zh-CN" sz="1700" dirty="0"/>
+              <a:t>Test accuracy = 60.4%</a:t>
+            </a:r>
+          </a:p>
+          <a:p>
+            <a:pPr indent="-228600">
+              <a:lnSpc>
+                <a:spcPct val="90000"/>
+              </a:lnSpc>
+              <a:spcAft>
+                <a:spcPts val="600"/>
+              </a:spcAft>
+              <a:buFont typeface="Arial" panose="020B0604020202020204" pitchFamily="34" charset="0"/>
+              <a:buChar char="•"/>
+            </a:pPr>
+            <a:r>
+              <a:rPr lang="en-US" altLang="zh-CN" sz="1700" dirty="0"/>
+              <a:t>Time Cost: 45min</a:t>
+            </a:r>
+          </a:p>
+          <a:p>
+            <a:pPr indent="-228600">
+              <a:lnSpc>
+                <a:spcPct val="90000"/>
+              </a:lnSpc>
+              <a:spcAft>
+                <a:spcPts val="600"/>
+              </a:spcAft>
+              <a:buFont typeface="Arial" panose="020B0604020202020204" pitchFamily="34" charset="0"/>
+              <a:buChar char="•"/>
+            </a:pPr>
+            <a:endParaRPr lang="en-US" altLang="zh-CN" sz="1700" dirty="0"/>
+          </a:p>
+        </p:txBody>
+      </p:sp>
     </p:spTree>
     <p:extLst>
       <p:ext uri="{BB962C8B-B14F-4D97-AF65-F5344CB8AC3E}">
-        <p14:creationId xmlns:p14="http://schemas.microsoft.com/office/powerpoint/2010/main" val="1506835935"/>
+        <p14:creationId xmlns:p14="http://schemas.microsoft.com/office/powerpoint/2010/main" val="4288859127"/>
       </p:ext>
     </p:extLst>
   </p:cSld>

--- a/A1/Report/Vit.pptx
+++ b/A1/Report/Vit.pptx
@@ -5,7 +5,7 @@
     <p:sldMasterId id="2147483648" r:id="rId1"/>
   </p:sldMasterIdLst>
   <p:notesMasterIdLst>
-    <p:notesMasterId r:id="rId23"/>
+    <p:notesMasterId r:id="rId25"/>
   </p:notesMasterIdLst>
   <p:sldIdLst>
     <p:sldId id="258" r:id="rId2"/>
@@ -27,8 +27,10 @@
     <p:sldId id="275" r:id="rId18"/>
     <p:sldId id="276" r:id="rId19"/>
     <p:sldId id="278" r:id="rId20"/>
-    <p:sldId id="280" r:id="rId21"/>
-    <p:sldId id="279" r:id="rId22"/>
+    <p:sldId id="281" r:id="rId21"/>
+    <p:sldId id="280" r:id="rId22"/>
+    <p:sldId id="279" r:id="rId23"/>
+    <p:sldId id="282" r:id="rId24"/>
   </p:sldIdLst>
   <p:sldSz cx="12192000" cy="6858000"/>
   <p:notesSz cx="6858000" cy="9144000"/>
@@ -4857,7 +4859,7 @@
         <p:spPr>
           <a:xfrm>
             <a:off x="4359564" y="5874327"/>
-            <a:ext cx="6927272" cy="369332"/>
+            <a:ext cx="6927272" cy="646331"/>
           </a:xfrm>
           <a:prstGeom prst="rect">
             <a:avLst/>
@@ -4873,6 +4875,20 @@
             <a:r>
               <a:rPr lang="en-US" altLang="zh-CN" dirty="0"/>
               <a:t>Higher accuracy than patch size = 8 !</a:t>
+            </a:r>
+          </a:p>
+          <a:p>
+            <a:r>
+              <a:rPr lang="en-US" altLang="zh-CN" dirty="0"/>
+              <a:t>Smaller patch </a:t>
+            </a:r>
+            <a:r>
+              <a:rPr lang="en-US" altLang="zh-CN" dirty="0" err="1"/>
+              <a:t>size,more</a:t>
+            </a:r>
+            <a:r>
+              <a:rPr lang="en-US" altLang="zh-CN" dirty="0"/>
+              <a:t> details =&gt; higher accuracy</a:t>
             </a:r>
             <a:endParaRPr lang="zh-CN" altLang="en-US" dirty="0"/>
           </a:p>
@@ -5791,6 +5807,46 @@
           </a:prstGeom>
         </p:spPr>
       </p:pic>
+      <p:sp>
+        <p:nvSpPr>
+          <p:cNvPr id="4" name="文本框 3">
+            <a:extLst>
+              <a:ext uri="{FF2B5EF4-FFF2-40B4-BE49-F238E27FC236}">
+                <a16:creationId xmlns:a16="http://schemas.microsoft.com/office/drawing/2014/main" id="{61BC57B2-D444-C98B-276C-073CCE94136C}"/>
+              </a:ext>
+            </a:extLst>
+          </p:cNvPr>
+          <p:cNvSpPr txBox="1"/>
+          <p:nvPr/>
+        </p:nvSpPr>
+        <p:spPr>
+          <a:xfrm>
+            <a:off x="4970352" y="5776111"/>
+            <a:ext cx="5042781" cy="646331"/>
+          </a:xfrm>
+          <a:prstGeom prst="rect">
+            <a:avLst/>
+          </a:prstGeom>
+          <a:noFill/>
+        </p:spPr>
+        <p:txBody>
+          <a:bodyPr wrap="square" rtlCol="0">
+            <a:spAutoFit/>
+          </a:bodyPr>
+          <a:lstStyle/>
+          <a:p>
+            <a:r>
+              <a:rPr lang="en-US" altLang="zh-CN" dirty="0" err="1"/>
+              <a:t>Dimesion</a:t>
+            </a:r>
+            <a:r>
+              <a:rPr lang="en-US" altLang="zh-CN" dirty="0"/>
+              <a:t> is too large, over describe the information that the patch has.</a:t>
+            </a:r>
+            <a:endParaRPr lang="zh-CN" altLang="en-US" dirty="0"/>
+          </a:p>
+        </p:txBody>
+      </p:sp>
     </p:spTree>
     <p:extLst>
       <p:ext uri="{BB962C8B-B14F-4D97-AF65-F5344CB8AC3E}">
@@ -6691,6 +6747,41 @@
           </a:prstGeom>
         </p:spPr>
       </p:pic>
+      <p:sp>
+        <p:nvSpPr>
+          <p:cNvPr id="3" name="文本框 2">
+            <a:extLst>
+              <a:ext uri="{FF2B5EF4-FFF2-40B4-BE49-F238E27FC236}">
+                <a16:creationId xmlns:a16="http://schemas.microsoft.com/office/drawing/2014/main" id="{65DB5C46-5972-FF99-5208-82D9B1601079}"/>
+              </a:ext>
+            </a:extLst>
+          </p:cNvPr>
+          <p:cNvSpPr txBox="1"/>
+          <p:nvPr/>
+        </p:nvSpPr>
+        <p:spPr>
+          <a:xfrm>
+            <a:off x="4671588" y="5728467"/>
+            <a:ext cx="6346479" cy="369332"/>
+          </a:xfrm>
+          <a:prstGeom prst="rect">
+            <a:avLst/>
+          </a:prstGeom>
+          <a:noFill/>
+        </p:spPr>
+        <p:txBody>
+          <a:bodyPr wrap="square" rtlCol="0">
+            <a:spAutoFit/>
+          </a:bodyPr>
+          <a:lstStyle/>
+          <a:p>
+            <a:r>
+              <a:rPr lang="en-US" altLang="zh-CN" dirty="0"/>
+              <a:t>A larger depth is helpful, but not effectively</a:t>
+            </a:r>
+          </a:p>
+        </p:txBody>
+      </p:sp>
     </p:spTree>
     <p:extLst>
       <p:ext uri="{BB962C8B-B14F-4D97-AF65-F5344CB8AC3E}">
@@ -7596,6 +7687,42 @@
           </a:prstGeom>
         </p:spPr>
       </p:pic>
+      <p:sp>
+        <p:nvSpPr>
+          <p:cNvPr id="3" name="文本框 2">
+            <a:extLst>
+              <a:ext uri="{FF2B5EF4-FFF2-40B4-BE49-F238E27FC236}">
+                <a16:creationId xmlns:a16="http://schemas.microsoft.com/office/drawing/2014/main" id="{449FA4C2-C9BB-6966-F3D0-CF3F7062853F}"/>
+              </a:ext>
+            </a:extLst>
+          </p:cNvPr>
+          <p:cNvSpPr txBox="1"/>
+          <p:nvPr/>
+        </p:nvSpPr>
+        <p:spPr>
+          <a:xfrm>
+            <a:off x="4698749" y="5576935"/>
+            <a:ext cx="6337425" cy="369332"/>
+          </a:xfrm>
+          <a:prstGeom prst="rect">
+            <a:avLst/>
+          </a:prstGeom>
+          <a:noFill/>
+        </p:spPr>
+        <p:txBody>
+          <a:bodyPr wrap="square" rtlCol="0">
+            <a:spAutoFit/>
+          </a:bodyPr>
+          <a:lstStyle/>
+          <a:p>
+            <a:r>
+              <a:rPr lang="en-US" altLang="zh-CN" dirty="0"/>
+              <a:t>More heads is helpful, but not effectively</a:t>
+            </a:r>
+            <a:endParaRPr lang="zh-CN" altLang="en-US" dirty="0"/>
+          </a:p>
+        </p:txBody>
+      </p:sp>
     </p:spTree>
     <p:extLst>
       <p:ext uri="{BB962C8B-B14F-4D97-AF65-F5344CB8AC3E}">
@@ -9942,6 +10069,48 @@
           </a:prstGeom>
         </p:spPr>
       </p:pic>
+      <p:sp>
+        <p:nvSpPr>
+          <p:cNvPr id="3" name="文本框 2">
+            <a:extLst>
+              <a:ext uri="{FF2B5EF4-FFF2-40B4-BE49-F238E27FC236}">
+                <a16:creationId xmlns:a16="http://schemas.microsoft.com/office/drawing/2014/main" id="{D8B054F8-7D70-9132-FD48-785E5D7849B2}"/>
+              </a:ext>
+            </a:extLst>
+          </p:cNvPr>
+          <p:cNvSpPr txBox="1"/>
+          <p:nvPr/>
+        </p:nvSpPr>
+        <p:spPr>
+          <a:xfrm>
+            <a:off x="353085" y="6151417"/>
+            <a:ext cx="11190083" cy="646331"/>
+          </a:xfrm>
+          <a:prstGeom prst="rect">
+            <a:avLst/>
+          </a:prstGeom>
+          <a:noFill/>
+        </p:spPr>
+        <p:txBody>
+          <a:bodyPr wrap="square" rtlCol="0">
+            <a:spAutoFit/>
+          </a:bodyPr>
+          <a:lstStyle/>
+          <a:p>
+            <a:r>
+              <a:rPr lang="en-US" altLang="zh-CN" dirty="0"/>
+              <a:t>Afet training by cross vit and a higher learn rate , the accuracy increases a lot, but it overfits in the last epochs</a:t>
+            </a:r>
+          </a:p>
+          <a:p>
+            <a:r>
+              <a:rPr lang="en-US" altLang="zh-CN" dirty="0"/>
+              <a:t>Maybe using a cooldown mechanism in the last epochs will be helpful</a:t>
+            </a:r>
+            <a:endParaRPr lang="zh-CN" altLang="en-US" dirty="0"/>
+          </a:p>
+        </p:txBody>
+      </p:sp>
     </p:spTree>
     <p:extLst>
       <p:ext uri="{BB962C8B-B14F-4D97-AF65-F5344CB8AC3E}">
@@ -11890,6 +12059,360 @@
 <file path=ppt/slides/slide20.xml><?xml version="1.0" encoding="utf-8"?>
 <p:sld xmlns:a="http://schemas.openxmlformats.org/drawingml/2006/main" xmlns:r="http://schemas.openxmlformats.org/officeDocument/2006/relationships" xmlns:p="http://schemas.openxmlformats.org/presentationml/2006/main">
   <p:cSld>
+    <p:spTree>
+      <p:nvGrpSpPr>
+        <p:cNvPr id="1" name=""/>
+        <p:cNvGrpSpPr/>
+        <p:nvPr/>
+      </p:nvGrpSpPr>
+      <p:grpSpPr>
+        <a:xfrm>
+          <a:off x="0" y="0"/>
+          <a:ext cx="0" cy="0"/>
+          <a:chOff x="0" y="0"/>
+          <a:chExt cx="0" cy="0"/>
+        </a:xfrm>
+      </p:grpSpPr>
+      <p:sp>
+        <p:nvSpPr>
+          <p:cNvPr id="2" name="标题 1">
+            <a:extLst>
+              <a:ext uri="{FF2B5EF4-FFF2-40B4-BE49-F238E27FC236}">
+                <a16:creationId xmlns:a16="http://schemas.microsoft.com/office/drawing/2014/main" id="{7D788A2E-9BBA-44B9-BD5D-F724420D5D8E}"/>
+              </a:ext>
+            </a:extLst>
+          </p:cNvPr>
+          <p:cNvSpPr>
+            <a:spLocks noGrp="1"/>
+          </p:cNvSpPr>
+          <p:nvPr>
+            <p:ph type="title"/>
+          </p:nvPr>
+        </p:nvSpPr>
+        <p:spPr>
+          <a:xfrm>
+            <a:off x="838200" y="365125"/>
+            <a:ext cx="10515600" cy="612649"/>
+          </a:xfrm>
+        </p:spPr>
+        <p:txBody>
+          <a:bodyPr>
+            <a:normAutofit fontScale="90000"/>
+          </a:bodyPr>
+          <a:lstStyle/>
+          <a:p>
+            <a:r>
+              <a:rPr lang="en-US" altLang="zh-CN" dirty="0"/>
+              <a:t>Data enhance</a:t>
+            </a:r>
+            <a:endParaRPr lang="zh-CN" altLang="en-US" dirty="0"/>
+          </a:p>
+        </p:txBody>
+      </p:sp>
+      <p:pic>
+        <p:nvPicPr>
+          <p:cNvPr id="5" name="图片 4">
+            <a:extLst>
+              <a:ext uri="{FF2B5EF4-FFF2-40B4-BE49-F238E27FC236}">
+                <a16:creationId xmlns:a16="http://schemas.microsoft.com/office/drawing/2014/main" id="{430BE18F-29A7-85E5-6EB0-BAB59784BFCA}"/>
+              </a:ext>
+            </a:extLst>
+          </p:cNvPr>
+          <p:cNvPicPr>
+            <a:picLocks noChangeAspect="1"/>
+          </p:cNvPicPr>
+          <p:nvPr/>
+        </p:nvPicPr>
+        <p:blipFill>
+          <a:blip r:embed="rId2">
+            <a:extLst>
+              <a:ext uri="{28A0092B-C50C-407E-A947-70E740481C1C}">
+                <a14:useLocalDpi xmlns:a14="http://schemas.microsoft.com/office/drawing/2010/main" val="0"/>
+              </a:ext>
+            </a:extLst>
+          </a:blip>
+          <a:stretch>
+            <a:fillRect/>
+          </a:stretch>
+        </p:blipFill>
+        <p:spPr>
+          <a:xfrm>
+            <a:off x="3714182" y="2756056"/>
+            <a:ext cx="2325231" cy="2325231"/>
+          </a:xfrm>
+          <a:prstGeom prst="rect">
+            <a:avLst/>
+          </a:prstGeom>
+        </p:spPr>
+      </p:pic>
+      <p:pic>
+        <p:nvPicPr>
+          <p:cNvPr id="7" name="图片 6">
+            <a:extLst>
+              <a:ext uri="{FF2B5EF4-FFF2-40B4-BE49-F238E27FC236}">
+                <a16:creationId xmlns:a16="http://schemas.microsoft.com/office/drawing/2014/main" id="{AAD83886-832A-8A13-89FF-E4BFFBB3370F}"/>
+              </a:ext>
+            </a:extLst>
+          </p:cNvPr>
+          <p:cNvPicPr>
+            <a:picLocks noChangeAspect="1"/>
+          </p:cNvPicPr>
+          <p:nvPr/>
+        </p:nvPicPr>
+        <p:blipFill>
+          <a:blip r:embed="rId3">
+            <a:extLst>
+              <a:ext uri="{28A0092B-C50C-407E-A947-70E740481C1C}">
+                <a14:useLocalDpi xmlns:a14="http://schemas.microsoft.com/office/drawing/2010/main" val="0"/>
+              </a:ext>
+            </a:extLst>
+          </a:blip>
+          <a:stretch>
+            <a:fillRect/>
+          </a:stretch>
+        </p:blipFill>
+        <p:spPr>
+          <a:xfrm>
+            <a:off x="6624118" y="2756056"/>
+            <a:ext cx="2307153" cy="2307153"/>
+          </a:xfrm>
+          <a:prstGeom prst="rect">
+            <a:avLst/>
+          </a:prstGeom>
+        </p:spPr>
+      </p:pic>
+      <p:pic>
+        <p:nvPicPr>
+          <p:cNvPr id="9" name="图片 8">
+            <a:extLst>
+              <a:ext uri="{FF2B5EF4-FFF2-40B4-BE49-F238E27FC236}">
+                <a16:creationId xmlns:a16="http://schemas.microsoft.com/office/drawing/2014/main" id="{C75A7249-68E2-1FF4-9CFE-5902BB52593C}"/>
+              </a:ext>
+            </a:extLst>
+          </p:cNvPr>
+          <p:cNvPicPr>
+            <a:picLocks noChangeAspect="1"/>
+          </p:cNvPicPr>
+          <p:nvPr/>
+        </p:nvPicPr>
+        <p:blipFill>
+          <a:blip r:embed="rId4">
+            <a:extLst>
+              <a:ext uri="{28A0092B-C50C-407E-A947-70E740481C1C}">
+                <a14:useLocalDpi xmlns:a14="http://schemas.microsoft.com/office/drawing/2010/main" val="0"/>
+              </a:ext>
+            </a:extLst>
+          </a:blip>
+          <a:stretch>
+            <a:fillRect/>
+          </a:stretch>
+        </p:blipFill>
+        <p:spPr>
+          <a:xfrm>
+            <a:off x="9652500" y="2774134"/>
+            <a:ext cx="2307152" cy="2307152"/>
+          </a:xfrm>
+          <a:prstGeom prst="rect">
+            <a:avLst/>
+          </a:prstGeom>
+        </p:spPr>
+      </p:pic>
+      <p:sp>
+        <p:nvSpPr>
+          <p:cNvPr id="10" name="文本框 9">
+            <a:extLst>
+              <a:ext uri="{FF2B5EF4-FFF2-40B4-BE49-F238E27FC236}">
+                <a16:creationId xmlns:a16="http://schemas.microsoft.com/office/drawing/2014/main" id="{22050806-13C8-3932-212B-52CB21A63103}"/>
+              </a:ext>
+            </a:extLst>
+          </p:cNvPr>
+          <p:cNvSpPr txBox="1"/>
+          <p:nvPr/>
+        </p:nvSpPr>
+        <p:spPr>
+          <a:xfrm>
+            <a:off x="3714182" y="2270911"/>
+            <a:ext cx="2430100" cy="369332"/>
+          </a:xfrm>
+          <a:prstGeom prst="rect">
+            <a:avLst/>
+          </a:prstGeom>
+          <a:noFill/>
+        </p:spPr>
+        <p:txBody>
+          <a:bodyPr wrap="square" rtlCol="0">
+            <a:spAutoFit/>
+          </a:bodyPr>
+          <a:lstStyle/>
+          <a:p>
+            <a:r>
+              <a:rPr lang="en-US" altLang="zh-CN" dirty="0"/>
+              <a:t>Horizontal flip</a:t>
+            </a:r>
+            <a:endParaRPr lang="zh-CN" altLang="en-US" dirty="0"/>
+          </a:p>
+        </p:txBody>
+      </p:sp>
+      <p:sp>
+        <p:nvSpPr>
+          <p:cNvPr id="11" name="文本框 10">
+            <a:extLst>
+              <a:ext uri="{FF2B5EF4-FFF2-40B4-BE49-F238E27FC236}">
+                <a16:creationId xmlns:a16="http://schemas.microsoft.com/office/drawing/2014/main" id="{8186E30B-3D80-CE66-C48D-F0DF33E269C6}"/>
+              </a:ext>
+            </a:extLst>
+          </p:cNvPr>
+          <p:cNvSpPr txBox="1"/>
+          <p:nvPr/>
+        </p:nvSpPr>
+        <p:spPr>
+          <a:xfrm>
+            <a:off x="9652499" y="2270911"/>
+            <a:ext cx="2307153" cy="369332"/>
+          </a:xfrm>
+          <a:prstGeom prst="rect">
+            <a:avLst/>
+          </a:prstGeom>
+          <a:noFill/>
+        </p:spPr>
+        <p:txBody>
+          <a:bodyPr wrap="square" rtlCol="0">
+            <a:spAutoFit/>
+          </a:bodyPr>
+          <a:lstStyle/>
+          <a:p>
+            <a:r>
+              <a:rPr lang="en-US" altLang="zh-CN" dirty="0"/>
+              <a:t>Y Translation </a:t>
+            </a:r>
+            <a:endParaRPr lang="zh-CN" altLang="en-US" dirty="0"/>
+          </a:p>
+        </p:txBody>
+      </p:sp>
+      <p:pic>
+        <p:nvPicPr>
+          <p:cNvPr id="13" name="图片 12">
+            <a:extLst>
+              <a:ext uri="{FF2B5EF4-FFF2-40B4-BE49-F238E27FC236}">
+                <a16:creationId xmlns:a16="http://schemas.microsoft.com/office/drawing/2014/main" id="{5354AD4F-5370-F7D4-A93C-07FBC614F8A9}"/>
+              </a:ext>
+            </a:extLst>
+          </p:cNvPr>
+          <p:cNvPicPr>
+            <a:picLocks noChangeAspect="1"/>
+          </p:cNvPicPr>
+          <p:nvPr/>
+        </p:nvPicPr>
+        <p:blipFill>
+          <a:blip r:embed="rId5">
+            <a:extLst>
+              <a:ext uri="{28A0092B-C50C-407E-A947-70E740481C1C}">
+                <a14:useLocalDpi xmlns:a14="http://schemas.microsoft.com/office/drawing/2010/main" val="0"/>
+              </a:ext>
+            </a:extLst>
+          </a:blip>
+          <a:stretch>
+            <a:fillRect/>
+          </a:stretch>
+        </p:blipFill>
+        <p:spPr>
+          <a:xfrm>
+            <a:off x="838200" y="2774134"/>
+            <a:ext cx="2325230" cy="2325230"/>
+          </a:xfrm>
+          <a:prstGeom prst="rect">
+            <a:avLst/>
+          </a:prstGeom>
+        </p:spPr>
+      </p:pic>
+      <p:sp>
+        <p:nvSpPr>
+          <p:cNvPr id="14" name="文本框 13">
+            <a:extLst>
+              <a:ext uri="{FF2B5EF4-FFF2-40B4-BE49-F238E27FC236}">
+                <a16:creationId xmlns:a16="http://schemas.microsoft.com/office/drawing/2014/main" id="{189563B7-7911-EE68-DDA5-31D60FD1855F}"/>
+              </a:ext>
+            </a:extLst>
+          </p:cNvPr>
+          <p:cNvSpPr txBox="1"/>
+          <p:nvPr/>
+        </p:nvSpPr>
+        <p:spPr>
+          <a:xfrm>
+            <a:off x="838200" y="2270911"/>
+            <a:ext cx="2186408" cy="369332"/>
+          </a:xfrm>
+          <a:prstGeom prst="rect">
+            <a:avLst/>
+          </a:prstGeom>
+          <a:noFill/>
+        </p:spPr>
+        <p:txBody>
+          <a:bodyPr wrap="square" rtlCol="0">
+            <a:spAutoFit/>
+          </a:bodyPr>
+          <a:lstStyle/>
+          <a:p>
+            <a:r>
+              <a:rPr lang="en-US" altLang="zh-CN" dirty="0"/>
+              <a:t>Original Image</a:t>
+            </a:r>
+            <a:endParaRPr lang="zh-CN" altLang="en-US" dirty="0"/>
+          </a:p>
+        </p:txBody>
+      </p:sp>
+      <p:sp>
+        <p:nvSpPr>
+          <p:cNvPr id="15" name="文本框 14">
+            <a:extLst>
+              <a:ext uri="{FF2B5EF4-FFF2-40B4-BE49-F238E27FC236}">
+                <a16:creationId xmlns:a16="http://schemas.microsoft.com/office/drawing/2014/main" id="{0D538310-6571-F342-90D3-A0196096A42F}"/>
+              </a:ext>
+            </a:extLst>
+          </p:cNvPr>
+          <p:cNvSpPr txBox="1"/>
+          <p:nvPr/>
+        </p:nvSpPr>
+        <p:spPr>
+          <a:xfrm>
+            <a:off x="6776518" y="2270911"/>
+            <a:ext cx="2307153" cy="369332"/>
+          </a:xfrm>
+          <a:prstGeom prst="rect">
+            <a:avLst/>
+          </a:prstGeom>
+          <a:noFill/>
+        </p:spPr>
+        <p:txBody>
+          <a:bodyPr wrap="square" rtlCol="0">
+            <a:spAutoFit/>
+          </a:bodyPr>
+          <a:lstStyle/>
+          <a:p>
+            <a:r>
+              <a:rPr lang="en-US" altLang="zh-CN" dirty="0"/>
+              <a:t>X Translation </a:t>
+            </a:r>
+            <a:endParaRPr lang="zh-CN" altLang="en-US" dirty="0"/>
+          </a:p>
+        </p:txBody>
+      </p:sp>
+    </p:spTree>
+    <p:extLst>
+      <p:ext uri="{BB962C8B-B14F-4D97-AF65-F5344CB8AC3E}">
+        <p14:creationId xmlns:p14="http://schemas.microsoft.com/office/powerpoint/2010/main" val="2398447921"/>
+      </p:ext>
+    </p:extLst>
+  </p:cSld>
+  <p:clrMapOvr>
+    <a:masterClrMapping/>
+  </p:clrMapOvr>
+</p:sld>
+</file>
+
+<file path=ppt/slides/slide21.xml><?xml version="1.0" encoding="utf-8"?>
+<p:sld xmlns:a="http://schemas.openxmlformats.org/drawingml/2006/main" xmlns:r="http://schemas.openxmlformats.org/officeDocument/2006/relationships" xmlns:p="http://schemas.openxmlformats.org/presentationml/2006/main">
+  <p:cSld>
     <p:bg>
       <p:bgPr>
         <a:solidFill>
@@ -12314,7 +12837,7 @@
         </p:nvSpPr>
         <p:spPr>
           <a:xfrm>
-            <a:off x="699714" y="353160"/>
+            <a:off x="615009" y="138856"/>
             <a:ext cx="7091300" cy="898581"/>
           </a:xfrm>
         </p:spPr>
@@ -12427,14 +12950,80 @@
         </p:blipFill>
         <p:spPr>
           <a:xfrm>
-            <a:off x="790183" y="1603915"/>
-            <a:ext cx="10611633" cy="5033782"/>
+            <a:off x="845096" y="1024600"/>
+            <a:ext cx="10137350" cy="4808799"/>
           </a:xfrm>
           <a:prstGeom prst="rect">
             <a:avLst/>
           </a:prstGeom>
         </p:spPr>
       </p:pic>
+      <p:sp>
+        <p:nvSpPr>
+          <p:cNvPr id="4" name="文本框 3">
+            <a:extLst>
+              <a:ext uri="{FF2B5EF4-FFF2-40B4-BE49-F238E27FC236}">
+                <a16:creationId xmlns:a16="http://schemas.microsoft.com/office/drawing/2014/main" id="{E9258BF7-81AD-5D4A-A78E-1F07B336507B}"/>
+              </a:ext>
+            </a:extLst>
+          </p:cNvPr>
+          <p:cNvSpPr txBox="1"/>
+          <p:nvPr/>
+        </p:nvSpPr>
+        <p:spPr>
+          <a:xfrm>
+            <a:off x="229249" y="5657671"/>
+            <a:ext cx="11117655" cy="1200329"/>
+          </a:xfrm>
+          <a:prstGeom prst="rect">
+            <a:avLst/>
+          </a:prstGeom>
+          <a:noFill/>
+        </p:spPr>
+        <p:txBody>
+          <a:bodyPr wrap="square" rtlCol="0">
+            <a:spAutoFit/>
+          </a:bodyPr>
+          <a:lstStyle/>
+          <a:p>
+            <a:r>
+              <a:rPr lang="en-US" altLang="zh-CN" dirty="0"/>
+              <a:t>The accuracy of training and validation increases so much, next to 90%,but the test accuracy rate is near 80%</a:t>
+            </a:r>
+          </a:p>
+          <a:p>
+            <a:r>
+              <a:rPr lang="en-US" altLang="zh-CN" dirty="0"/>
+              <a:t>We think the reason is that every image has 3 backups by different enhance function, but is split of train and validation is random, so </a:t>
+            </a:r>
+            <a:r>
+              <a:rPr lang="en-US" altLang="zh-CN" dirty="0">
+                <a:solidFill>
+                  <a:srgbClr val="FF0000"/>
+                </a:solidFill>
+              </a:rPr>
+              <a:t>the validation dataset is polluted</a:t>
+            </a:r>
+            <a:r>
+              <a:rPr lang="en-US" altLang="zh-CN" dirty="0"/>
+              <a:t>, leading to a high accuracy. And the </a:t>
+            </a:r>
+            <a:r>
+              <a:rPr lang="en-US" altLang="zh-CN" dirty="0">
+                <a:solidFill>
+                  <a:srgbClr val="FF0000"/>
+                </a:solidFill>
+              </a:rPr>
+              <a:t>high learn rate </a:t>
+            </a:r>
+            <a:r>
+              <a:rPr lang="en-US" altLang="zh-CN" dirty="0"/>
+              <a:t>leads to a overfitting high train accuracy.</a:t>
+            </a:r>
+            <a:endParaRPr lang="zh-CN" altLang="en-US" dirty="0"/>
+          </a:p>
+        </p:txBody>
+      </p:sp>
     </p:spTree>
     <p:extLst>
       <p:ext uri="{BB962C8B-B14F-4D97-AF65-F5344CB8AC3E}">
@@ -12448,7 +13037,7 @@
 </p:sld>
 </file>
 
-<file path=ppt/slides/slide21.xml><?xml version="1.0" encoding="utf-8"?>
+<file path=ppt/slides/slide22.xml><?xml version="1.0" encoding="utf-8"?>
 <p:sld xmlns:a="http://schemas.openxmlformats.org/drawingml/2006/main" xmlns:r="http://schemas.openxmlformats.org/officeDocument/2006/relationships" xmlns:p="http://schemas.openxmlformats.org/presentationml/2006/main">
   <p:cSld>
     <p:bg>
@@ -14157,6 +14746,289 @@
 </p:sld>
 </file>
 
+<file path=ppt/slides/slide23.xml><?xml version="1.0" encoding="utf-8"?>
+<p:sld xmlns:a="http://schemas.openxmlformats.org/drawingml/2006/main" xmlns:r="http://schemas.openxmlformats.org/officeDocument/2006/relationships" xmlns:p="http://schemas.openxmlformats.org/presentationml/2006/main">
+  <p:cSld>
+    <p:spTree>
+      <p:nvGrpSpPr>
+        <p:cNvPr id="1" name=""/>
+        <p:cNvGrpSpPr/>
+        <p:nvPr/>
+      </p:nvGrpSpPr>
+      <p:grpSpPr>
+        <a:xfrm>
+          <a:off x="0" y="0"/>
+          <a:ext cx="0" cy="0"/>
+          <a:chOff x="0" y="0"/>
+          <a:chExt cx="0" cy="0"/>
+        </a:xfrm>
+      </p:grpSpPr>
+      <p:sp>
+        <p:nvSpPr>
+          <p:cNvPr id="2" name="标题 1">
+            <a:extLst>
+              <a:ext uri="{FF2B5EF4-FFF2-40B4-BE49-F238E27FC236}">
+                <a16:creationId xmlns:a16="http://schemas.microsoft.com/office/drawing/2014/main" id="{AE675176-D16E-8FF0-0F45-1808D3E242E8}"/>
+              </a:ext>
+            </a:extLst>
+          </p:cNvPr>
+          <p:cNvSpPr>
+            <a:spLocks noGrp="1"/>
+          </p:cNvSpPr>
+          <p:nvPr>
+            <p:ph type="title"/>
+          </p:nvPr>
+        </p:nvSpPr>
+        <p:spPr>
+          <a:xfrm>
+            <a:off x="838200" y="193109"/>
+            <a:ext cx="10515600" cy="820879"/>
+          </a:xfrm>
+        </p:spPr>
+        <p:txBody>
+          <a:bodyPr/>
+          <a:lstStyle/>
+          <a:p>
+            <a:r>
+              <a:rPr lang="en-US" altLang="zh-CN" dirty="0"/>
+              <a:t>Conclusion</a:t>
+            </a:r>
+            <a:endParaRPr lang="zh-CN" altLang="en-US" dirty="0"/>
+          </a:p>
+        </p:txBody>
+      </p:sp>
+      <p:sp>
+        <p:nvSpPr>
+          <p:cNvPr id="3" name="内容占位符 2">
+            <a:extLst>
+              <a:ext uri="{FF2B5EF4-FFF2-40B4-BE49-F238E27FC236}">
+                <a16:creationId xmlns:a16="http://schemas.microsoft.com/office/drawing/2014/main" id="{69FC7CDE-2252-BF18-AED2-929D8F39639C}"/>
+              </a:ext>
+            </a:extLst>
+          </p:cNvPr>
+          <p:cNvSpPr>
+            <a:spLocks noGrp="1"/>
+          </p:cNvSpPr>
+          <p:nvPr>
+            <p:ph idx="1"/>
+          </p:nvPr>
+        </p:nvSpPr>
+        <p:spPr>
+          <a:xfrm>
+            <a:off x="838200" y="1013988"/>
+            <a:ext cx="10515600" cy="5478887"/>
+          </a:xfrm>
+        </p:spPr>
+        <p:txBody>
+          <a:bodyPr>
+            <a:normAutofit lnSpcReduction="10000"/>
+          </a:bodyPr>
+          <a:lstStyle/>
+          <a:p>
+            <a:r>
+              <a:rPr lang="en-US" altLang="zh-CN" dirty="0"/>
+              <a:t>From the results of different parameters, we think</a:t>
+            </a:r>
+          </a:p>
+          <a:p>
+            <a:r>
+              <a:rPr lang="en-US" altLang="zh-CN" dirty="0"/>
+              <a:t>The </a:t>
+            </a:r>
+            <a:r>
+              <a:rPr lang="en-US" altLang="zh-CN" dirty="0">
+                <a:solidFill>
+                  <a:srgbClr val="FF0000"/>
+                </a:solidFill>
+              </a:rPr>
+              <a:t>patch size </a:t>
+            </a:r>
+            <a:r>
+              <a:rPr lang="en-US" altLang="zh-CN" dirty="0"/>
+              <a:t>decides how much </a:t>
+            </a:r>
+            <a:r>
+              <a:rPr lang="en-US" altLang="zh-CN" dirty="0">
+                <a:solidFill>
+                  <a:srgbClr val="FF0000"/>
+                </a:solidFill>
+              </a:rPr>
+              <a:t>details</a:t>
+            </a:r>
+            <a:r>
+              <a:rPr lang="en-US" altLang="zh-CN" dirty="0"/>
+              <a:t> we split, and how much every patch learns from each other in self attention, it affects so much.</a:t>
+            </a:r>
+          </a:p>
+          <a:p>
+            <a:r>
+              <a:rPr lang="en-US" altLang="zh-CN" dirty="0"/>
+              <a:t>The </a:t>
+            </a:r>
+            <a:r>
+              <a:rPr lang="en-US" altLang="zh-CN" dirty="0">
+                <a:solidFill>
+                  <a:srgbClr val="FF0000"/>
+                </a:solidFill>
+              </a:rPr>
+              <a:t>dimension</a:t>
+            </a:r>
+            <a:r>
+              <a:rPr lang="en-US" altLang="zh-CN" dirty="0"/>
+              <a:t>, </a:t>
+            </a:r>
+            <a:r>
+              <a:rPr lang="en-US" altLang="zh-CN" dirty="0">
+                <a:solidFill>
+                  <a:srgbClr val="FF0000"/>
+                </a:solidFill>
+              </a:rPr>
+              <a:t>depth and</a:t>
+            </a:r>
+            <a:r>
+              <a:rPr lang="en-US" altLang="zh-CN" dirty="0"/>
+              <a:t> </a:t>
+            </a:r>
+            <a:r>
+              <a:rPr lang="en-US" altLang="zh-CN" dirty="0">
+                <a:solidFill>
+                  <a:srgbClr val="FF0000"/>
+                </a:solidFill>
+              </a:rPr>
+              <a:t>heads</a:t>
+            </a:r>
+            <a:r>
+              <a:rPr lang="en-US" altLang="zh-CN" dirty="0"/>
+              <a:t> have low influence to results, there is not too much information to describe for each patch, also too much transformer loops is not necessary.</a:t>
+            </a:r>
+          </a:p>
+          <a:p>
+            <a:r>
+              <a:rPr lang="en-US" altLang="zh-CN" dirty="0"/>
+              <a:t>The cross-vit improves the accuracy so much, every patch can learn from </a:t>
+            </a:r>
+            <a:r>
+              <a:rPr lang="en-US" altLang="zh-CN" dirty="0">
+                <a:solidFill>
+                  <a:srgbClr val="FF0000"/>
+                </a:solidFill>
+              </a:rPr>
+              <a:t>different size </a:t>
+            </a:r>
+            <a:r>
+              <a:rPr lang="en-US" altLang="zh-CN" dirty="0"/>
+              <a:t>patches, to learn more </a:t>
+            </a:r>
+            <a:r>
+              <a:rPr lang="en-US" altLang="zh-CN" dirty="0">
+                <a:solidFill>
+                  <a:srgbClr val="FF0000"/>
+                </a:solidFill>
+              </a:rPr>
+              <a:t>detail</a:t>
+            </a:r>
+            <a:r>
+              <a:rPr lang="en-US" altLang="zh-CN" dirty="0"/>
+              <a:t> or more </a:t>
+            </a:r>
+            <a:r>
+              <a:rPr lang="en-US" altLang="zh-CN" dirty="0">
+                <a:solidFill>
+                  <a:srgbClr val="FF0000"/>
+                </a:solidFill>
+              </a:rPr>
+              <a:t>integral</a:t>
+            </a:r>
+            <a:r>
+              <a:rPr lang="en-US" altLang="zh-CN" dirty="0"/>
+              <a:t> information.</a:t>
+            </a:r>
+          </a:p>
+          <a:p>
+            <a:r>
+              <a:rPr lang="en-US" altLang="zh-CN" dirty="0"/>
+              <a:t>The enhance operation </a:t>
+            </a:r>
+            <a:r>
+              <a:rPr lang="en-US" altLang="zh-CN" dirty="0">
+                <a:solidFill>
+                  <a:srgbClr val="FF0000"/>
+                </a:solidFill>
+              </a:rPr>
+              <a:t>expands the dataset </a:t>
+            </a:r>
+            <a:r>
+              <a:rPr lang="en-US" altLang="zh-CN" dirty="0"/>
+              <a:t>and improve the model’s </a:t>
+            </a:r>
+            <a:r>
+              <a:rPr lang="en-US" altLang="zh-CN" dirty="0">
+                <a:solidFill>
+                  <a:srgbClr val="FF0000"/>
+                </a:solidFill>
+              </a:rPr>
+              <a:t>generalization ability</a:t>
+            </a:r>
+            <a:r>
+              <a:rPr lang="en-US" altLang="zh-CN" dirty="0"/>
+              <a:t>.</a:t>
+            </a:r>
+          </a:p>
+          <a:p>
+            <a:r>
+              <a:rPr lang="en-US" altLang="zh-CN" dirty="0"/>
+              <a:t>A suitable </a:t>
+            </a:r>
+            <a:r>
+              <a:rPr lang="en-US" altLang="zh-CN" dirty="0">
+                <a:solidFill>
+                  <a:srgbClr val="FF0000"/>
+                </a:solidFill>
+              </a:rPr>
+              <a:t>learn rate </a:t>
+            </a:r>
+            <a:r>
+              <a:rPr lang="en-US" altLang="zh-CN" dirty="0">
+                <a:solidFill>
+                  <a:schemeClr val="tx1">
+                    <a:lumMod val="95000"/>
+                    <a:lumOff val="5000"/>
+                  </a:schemeClr>
+                </a:solidFill>
+              </a:rPr>
+              <a:t>and</a:t>
+            </a:r>
+            <a:r>
+              <a:rPr lang="en-US" altLang="zh-CN" dirty="0">
+                <a:solidFill>
+                  <a:srgbClr val="FF0000"/>
+                </a:solidFill>
+              </a:rPr>
+              <a:t> epoch </a:t>
+            </a:r>
+            <a:r>
+              <a:rPr lang="en-US" altLang="zh-CN" dirty="0"/>
+              <a:t>is also important.</a:t>
+            </a:r>
+          </a:p>
+          <a:p>
+            <a:endParaRPr lang="zh-CN" altLang="en-US" dirty="0"/>
+          </a:p>
+        </p:txBody>
+      </p:sp>
+    </p:spTree>
+    <p:extLst>
+      <p:ext uri="{BB962C8B-B14F-4D97-AF65-F5344CB8AC3E}">
+        <p14:creationId xmlns:p14="http://schemas.microsoft.com/office/powerpoint/2010/main" val="4151020680"/>
+      </p:ext>
+    </p:extLst>
+  </p:cSld>
+  <p:clrMapOvr>
+    <a:masterClrMapping/>
+  </p:clrMapOvr>
+</p:sld>
+</file>
+
 <file path=ppt/slides/slide3.xml><?xml version="1.0" encoding="utf-8"?>
 <p:sld xmlns:a="http://schemas.openxmlformats.org/drawingml/2006/main" xmlns:r="http://schemas.openxmlformats.org/officeDocument/2006/relationships" xmlns:p="http://schemas.openxmlformats.org/presentationml/2006/main">
   <p:cSld>
@@ -17196,6 +18068,54 @@
               <a:buChar char="•"/>
             </a:pPr>
             <a:endParaRPr lang="en-US" altLang="zh-CN" sz="1700" dirty="0"/>
+          </a:p>
+        </p:txBody>
+      </p:sp>
+      <p:sp>
+        <p:nvSpPr>
+          <p:cNvPr id="3" name="文本框 2">
+            <a:extLst>
+              <a:ext uri="{FF2B5EF4-FFF2-40B4-BE49-F238E27FC236}">
+                <a16:creationId xmlns:a16="http://schemas.microsoft.com/office/drawing/2014/main" id="{8CE9F1B1-7728-31E0-F867-6F47AA5CF7A2}"/>
+              </a:ext>
+            </a:extLst>
+          </p:cNvPr>
+          <p:cNvSpPr txBox="1"/>
+          <p:nvPr/>
+        </p:nvSpPr>
+        <p:spPr>
+          <a:xfrm>
+            <a:off x="4671588" y="5567881"/>
+            <a:ext cx="6274052" cy="646331"/>
+          </a:xfrm>
+          <a:prstGeom prst="rect">
+            <a:avLst/>
+          </a:prstGeom>
+          <a:noFill/>
+        </p:spPr>
+        <p:txBody>
+          <a:bodyPr wrap="square" rtlCol="0">
+            <a:spAutoFit/>
+          </a:bodyPr>
+          <a:lstStyle/>
+          <a:p>
+            <a:r>
+              <a:rPr lang="en-US" altLang="zh-CN" dirty="0"/>
+              <a:t>Because of a </a:t>
+            </a:r>
+            <a:r>
+              <a:rPr lang="en-US" altLang="zh-CN" dirty="0">
+                <a:solidFill>
+                  <a:srgbClr val="FF0000"/>
+                </a:solidFill>
+              </a:rPr>
+              <a:t>low learn rate and not enough epoch</a:t>
+            </a:r>
+            <a:r>
+              <a:rPr lang="en-US" altLang="zh-CN" dirty="0"/>
+              <a:t>, the accuracy is low.</a:t>
+            </a:r>
+            <a:endParaRPr lang="zh-CN" altLang="en-US" dirty="0"/>
           </a:p>
         </p:txBody>
       </p:sp>
